--- a/patterns/transaction-read-write.pptx
+++ b/patterns/transaction-read-write.pptx
@@ -200,7 +200,7 @@
           <a:p>
             <a:fld id="{CAD4BD24-A097-4F9D-85E9-6A2A24CA2D98}" type="datetimeFigureOut">
               <a:rPr lang="zh-CN" altLang="en-US" smtClean="0"/>
-              <a:t>2023/1/13</a:t>
+              <a:t>2023/1/15</a:t>
             </a:fld>
             <a:endParaRPr lang="zh-CN" altLang="en-US"/>
           </a:p>
@@ -2491,10 +2491,10 @@
       </p:grpSpPr>
       <p:grpSp>
         <p:nvGrpSpPr>
-          <p:cNvPr id="120" name="Group 119">
+          <p:cNvPr id="7" name="Group 6">
             <a:extLst>
               <a:ext uri="{FF2B5EF4-FFF2-40B4-BE49-F238E27FC236}">
-                <a16:creationId xmlns:a16="http://schemas.microsoft.com/office/drawing/2014/main" id="{0ED2280F-D548-E277-EA1E-6C11F23E6CD5}"/>
+                <a16:creationId xmlns:a16="http://schemas.microsoft.com/office/drawing/2014/main" id="{1A87C0A5-ED2C-7335-36B0-A356AE596AC0}"/>
               </a:ext>
             </a:extLst>
           </p:cNvPr>
@@ -7272,6 +7272,224 @@
             </p:txBody>
           </p:sp>
         </p:grpSp>
+        <p:sp>
+          <p:nvSpPr>
+            <p:cNvPr id="2" name="矩形 3">
+              <a:extLst>
+                <a:ext uri="{FF2B5EF4-FFF2-40B4-BE49-F238E27FC236}">
+                  <a16:creationId xmlns:a16="http://schemas.microsoft.com/office/drawing/2014/main" id="{92A8123C-6FA3-CE94-8538-ACE7E5AA6C36}"/>
+                </a:ext>
+              </a:extLst>
+            </p:cNvPr>
+            <p:cNvSpPr/>
+            <p:nvPr/>
+          </p:nvSpPr>
+          <p:spPr>
+            <a:xfrm>
+              <a:off x="6742521" y="1209134"/>
+              <a:ext cx="724879" cy="363866"/>
+            </a:xfrm>
+            <a:prstGeom prst="rect">
+              <a:avLst/>
+            </a:prstGeom>
+            <a:noFill/>
+            <a:ln w="25400">
+              <a:noFill/>
+            </a:ln>
+          </p:spPr>
+          <p:style>
+            <a:lnRef idx="2">
+              <a:schemeClr val="accent2">
+                <a:shade val="50000"/>
+              </a:schemeClr>
+            </a:lnRef>
+            <a:fillRef idx="1">
+              <a:schemeClr val="accent2"/>
+            </a:fillRef>
+            <a:effectRef idx="0">
+              <a:schemeClr val="accent2"/>
+            </a:effectRef>
+            <a:fontRef idx="minor">
+              <a:schemeClr val="lt1"/>
+            </a:fontRef>
+          </p:style>
+          <p:txBody>
+            <a:bodyPr rtlCol="0" anchor="ctr"/>
+            <a:lstStyle/>
+            <a:p>
+              <a:pPr algn="ctr"/>
+              <a:r>
+                <a:rPr kumimoji="1" lang="en-US" altLang="zh-CN" sz="1200" dirty="0">
+                  <a:solidFill>
+                    <a:sysClr val="windowText" lastClr="000000"/>
+                  </a:solidFill>
+                  <a:latin typeface="DengXian" panose="02010600030101010101" pitchFamily="2" charset="-122"/>
+                  <a:ea typeface="DengXian" panose="02010600030101010101" pitchFamily="2" charset="-122"/>
+                </a:rPr>
+                <a:t>Blocked</a:t>
+              </a:r>
+              <a:endParaRPr kumimoji="1" lang="zh-CN" altLang="en-US" sz="1200" dirty="0">
+                <a:solidFill>
+                  <a:sysClr val="windowText" lastClr="000000"/>
+                </a:solidFill>
+                <a:latin typeface="DengXian" panose="02010600030101010101" pitchFamily="2" charset="-122"/>
+                <a:ea typeface="DengXian" panose="02010600030101010101" pitchFamily="2" charset="-122"/>
+              </a:endParaRPr>
+            </a:p>
+          </p:txBody>
+        </p:sp>
+        <p:sp>
+          <p:nvSpPr>
+            <p:cNvPr id="3" name="矩形 3">
+              <a:extLst>
+                <a:ext uri="{FF2B5EF4-FFF2-40B4-BE49-F238E27FC236}">
+                  <a16:creationId xmlns:a16="http://schemas.microsoft.com/office/drawing/2014/main" id="{95E99A51-4DED-497D-727F-3099734B6451}"/>
+                </a:ext>
+              </a:extLst>
+            </p:cNvPr>
+            <p:cNvSpPr/>
+            <p:nvPr/>
+          </p:nvSpPr>
+          <p:spPr>
+            <a:xfrm>
+              <a:off x="7118470" y="4226879"/>
+              <a:ext cx="837739" cy="363866"/>
+            </a:xfrm>
+            <a:prstGeom prst="rect">
+              <a:avLst/>
+            </a:prstGeom>
+            <a:noFill/>
+            <a:ln w="25400">
+              <a:noFill/>
+            </a:ln>
+          </p:spPr>
+          <p:style>
+            <a:lnRef idx="2">
+              <a:schemeClr val="accent2">
+                <a:shade val="50000"/>
+              </a:schemeClr>
+            </a:lnRef>
+            <a:fillRef idx="1">
+              <a:schemeClr val="accent2"/>
+            </a:fillRef>
+            <a:effectRef idx="0">
+              <a:schemeClr val="accent2"/>
+            </a:effectRef>
+            <a:fontRef idx="minor">
+              <a:schemeClr val="lt1"/>
+            </a:fontRef>
+          </p:style>
+          <p:txBody>
+            <a:bodyPr rtlCol="0" anchor="ctr"/>
+            <a:lstStyle/>
+            <a:p>
+              <a:pPr algn="ctr"/>
+              <a:r>
+                <a:rPr kumimoji="1" lang="en-US" altLang="zh-CN" sz="1200" dirty="0">
+                  <a:solidFill>
+                    <a:sysClr val="windowText" lastClr="000000"/>
+                  </a:solidFill>
+                  <a:latin typeface="DengXian" panose="02010600030101010101" pitchFamily="2" charset="-122"/>
+                  <a:ea typeface="DengXian" panose="02010600030101010101" pitchFamily="2" charset="-122"/>
+                </a:rPr>
+                <a:t>Detected</a:t>
+              </a:r>
+              <a:endParaRPr kumimoji="1" lang="zh-CN" altLang="en-US" sz="1200" dirty="0">
+                <a:solidFill>
+                  <a:sysClr val="windowText" lastClr="000000"/>
+                </a:solidFill>
+                <a:latin typeface="DengXian" panose="02010600030101010101" pitchFamily="2" charset="-122"/>
+                <a:ea typeface="DengXian" panose="02010600030101010101" pitchFamily="2" charset="-122"/>
+              </a:endParaRPr>
+            </a:p>
+          </p:txBody>
+        </p:sp>
+        <p:sp>
+          <p:nvSpPr>
+            <p:cNvPr id="5" name="矩形 3">
+              <a:extLst>
+                <a:ext uri="{FF2B5EF4-FFF2-40B4-BE49-F238E27FC236}">
+                  <a16:creationId xmlns:a16="http://schemas.microsoft.com/office/drawing/2014/main" id="{E9348F89-ADA7-F275-B263-D312B64A37A0}"/>
+                </a:ext>
+              </a:extLst>
+            </p:cNvPr>
+            <p:cNvSpPr/>
+            <p:nvPr/>
+          </p:nvSpPr>
+          <p:spPr>
+            <a:xfrm>
+              <a:off x="3756724" y="5772516"/>
+              <a:ext cx="1138065" cy="363866"/>
+            </a:xfrm>
+            <a:prstGeom prst="rect">
+              <a:avLst/>
+            </a:prstGeom>
+            <a:noFill/>
+            <a:ln w="25400">
+              <a:noFill/>
+            </a:ln>
+          </p:spPr>
+          <p:style>
+            <a:lnRef idx="2">
+              <a:schemeClr val="accent2">
+                <a:shade val="50000"/>
+              </a:schemeClr>
+            </a:lnRef>
+            <a:fillRef idx="1">
+              <a:schemeClr val="accent2"/>
+            </a:fillRef>
+            <a:effectRef idx="0">
+              <a:schemeClr val="accent2"/>
+            </a:effectRef>
+            <a:fontRef idx="minor">
+              <a:schemeClr val="lt1"/>
+            </a:fontRef>
+          </p:style>
+          <p:txBody>
+            <a:bodyPr rtlCol="0" anchor="ctr"/>
+            <a:lstStyle/>
+            <a:p>
+              <a:pPr algn="ctr"/>
+              <a:r>
+                <a:rPr kumimoji="1" lang="en-US" altLang="zh-CN" sz="1200" dirty="0">
+                  <a:solidFill>
+                    <a:sysClr val="windowText" lastClr="000000"/>
+                  </a:solidFill>
+                  <a:latin typeface="DengXian" panose="02010600030101010101" pitchFamily="2" charset="-122"/>
+                  <a:ea typeface="DengXian" panose="02010600030101010101" pitchFamily="2" charset="-122"/>
+                </a:rPr>
+                <a:t>Not</a:t>
+              </a:r>
+              <a:r>
+                <a:rPr kumimoji="1" lang="zh-CN" altLang="en-US" sz="1200" dirty="0">
+                  <a:solidFill>
+                    <a:sysClr val="windowText" lastClr="000000"/>
+                  </a:solidFill>
+                  <a:latin typeface="DengXian" panose="02010600030101010101" pitchFamily="2" charset="-122"/>
+                  <a:ea typeface="DengXian" panose="02010600030101010101" pitchFamily="2" charset="-122"/>
+                </a:rPr>
+                <a:t> </a:t>
+              </a:r>
+              <a:r>
+                <a:rPr kumimoji="1" lang="en-US" altLang="zh-CN" sz="1200" dirty="0">
+                  <a:solidFill>
+                    <a:sysClr val="windowText" lastClr="000000"/>
+                  </a:solidFill>
+                  <a:latin typeface="DengXian" panose="02010600030101010101" pitchFamily="2" charset="-122"/>
+                  <a:ea typeface="DengXian" panose="02010600030101010101" pitchFamily="2" charset="-122"/>
+                </a:rPr>
+                <a:t>detected</a:t>
+              </a:r>
+              <a:endParaRPr kumimoji="1" lang="zh-CN" altLang="en-US" sz="1200" dirty="0">
+                <a:solidFill>
+                  <a:sysClr val="windowText" lastClr="000000"/>
+                </a:solidFill>
+                <a:latin typeface="DengXian" panose="02010600030101010101" pitchFamily="2" charset="-122"/>
+                <a:ea typeface="DengXian" panose="02010600030101010101" pitchFamily="2" charset="-122"/>
+              </a:endParaRPr>
+            </a:p>
+          </p:txBody>
+        </p:sp>
       </p:grpSp>
     </p:spTree>
     <p:extLst>
@@ -7305,10 +7523,10 @@
       </p:grpSpPr>
       <p:grpSp>
         <p:nvGrpSpPr>
-          <p:cNvPr id="152" name="Group 151">
+          <p:cNvPr id="7" name="Group 6">
             <a:extLst>
               <a:ext uri="{FF2B5EF4-FFF2-40B4-BE49-F238E27FC236}">
-                <a16:creationId xmlns:a16="http://schemas.microsoft.com/office/drawing/2014/main" id="{6AAE3B11-9CDF-B849-AD68-9FE5DBD4D846}"/>
+                <a16:creationId xmlns:a16="http://schemas.microsoft.com/office/drawing/2014/main" id="{86B434F3-D24B-D093-25DD-A5C050E920E9}"/>
               </a:ext>
             </a:extLst>
           </p:cNvPr>
@@ -13201,6 +13419,224 @@
           </p:grpSp>
         </p:grpSp>
       </p:grpSp>
+      <p:sp>
+        <p:nvSpPr>
+          <p:cNvPr id="2" name="矩形 3">
+            <a:extLst>
+              <a:ext uri="{FF2B5EF4-FFF2-40B4-BE49-F238E27FC236}">
+                <a16:creationId xmlns:a16="http://schemas.microsoft.com/office/drawing/2014/main" id="{AE5BDDC6-0F0C-36B3-8456-A2B8AF50742B}"/>
+              </a:ext>
+            </a:extLst>
+          </p:cNvPr>
+          <p:cNvSpPr/>
+          <p:nvPr/>
+        </p:nvSpPr>
+        <p:spPr>
+          <a:xfrm>
+            <a:off x="6735559" y="766985"/>
+            <a:ext cx="724879" cy="363866"/>
+          </a:xfrm>
+          <a:prstGeom prst="rect">
+            <a:avLst/>
+          </a:prstGeom>
+          <a:noFill/>
+          <a:ln w="25400">
+            <a:noFill/>
+          </a:ln>
+        </p:spPr>
+        <p:style>
+          <a:lnRef idx="2">
+            <a:schemeClr val="accent2">
+              <a:shade val="50000"/>
+            </a:schemeClr>
+          </a:lnRef>
+          <a:fillRef idx="1">
+            <a:schemeClr val="accent2"/>
+          </a:fillRef>
+          <a:effectRef idx="0">
+            <a:schemeClr val="accent2"/>
+          </a:effectRef>
+          <a:fontRef idx="minor">
+            <a:schemeClr val="lt1"/>
+          </a:fontRef>
+        </p:style>
+        <p:txBody>
+          <a:bodyPr rtlCol="0" anchor="ctr"/>
+          <a:lstStyle/>
+          <a:p>
+            <a:pPr algn="ctr"/>
+            <a:r>
+              <a:rPr kumimoji="1" lang="en-US" altLang="zh-CN" sz="1200" dirty="0">
+                <a:solidFill>
+                  <a:sysClr val="windowText" lastClr="000000"/>
+                </a:solidFill>
+                <a:latin typeface="DengXian" panose="02010600030101010101" pitchFamily="2" charset="-122"/>
+                <a:ea typeface="DengXian" panose="02010600030101010101" pitchFamily="2" charset="-122"/>
+              </a:rPr>
+              <a:t>Blocked</a:t>
+            </a:r>
+            <a:endParaRPr kumimoji="1" lang="zh-CN" altLang="en-US" sz="1200" dirty="0">
+              <a:solidFill>
+                <a:sysClr val="windowText" lastClr="000000"/>
+              </a:solidFill>
+              <a:latin typeface="DengXian" panose="02010600030101010101" pitchFamily="2" charset="-122"/>
+              <a:ea typeface="DengXian" panose="02010600030101010101" pitchFamily="2" charset="-122"/>
+            </a:endParaRPr>
+          </a:p>
+        </p:txBody>
+      </p:sp>
+      <p:sp>
+        <p:nvSpPr>
+          <p:cNvPr id="3" name="矩形 3">
+            <a:extLst>
+              <a:ext uri="{FF2B5EF4-FFF2-40B4-BE49-F238E27FC236}">
+                <a16:creationId xmlns:a16="http://schemas.microsoft.com/office/drawing/2014/main" id="{C76BF111-C6E8-1339-052C-23A93CDDCFA1}"/>
+              </a:ext>
+            </a:extLst>
+          </p:cNvPr>
+          <p:cNvSpPr/>
+          <p:nvPr/>
+        </p:nvSpPr>
+        <p:spPr>
+          <a:xfrm>
+            <a:off x="3806146" y="5889618"/>
+            <a:ext cx="1154147" cy="363866"/>
+          </a:xfrm>
+          <a:prstGeom prst="rect">
+            <a:avLst/>
+          </a:prstGeom>
+          <a:noFill/>
+          <a:ln w="25400">
+            <a:noFill/>
+          </a:ln>
+        </p:spPr>
+        <p:style>
+          <a:lnRef idx="2">
+            <a:schemeClr val="accent2">
+              <a:shade val="50000"/>
+            </a:schemeClr>
+          </a:lnRef>
+          <a:fillRef idx="1">
+            <a:schemeClr val="accent2"/>
+          </a:fillRef>
+          <a:effectRef idx="0">
+            <a:schemeClr val="accent2"/>
+          </a:effectRef>
+          <a:fontRef idx="minor">
+            <a:schemeClr val="lt1"/>
+          </a:fontRef>
+        </p:style>
+        <p:txBody>
+          <a:bodyPr rtlCol="0" anchor="ctr"/>
+          <a:lstStyle/>
+          <a:p>
+            <a:pPr algn="ctr"/>
+            <a:r>
+              <a:rPr kumimoji="1" lang="en-US" altLang="zh-CN" sz="1200" dirty="0">
+                <a:solidFill>
+                  <a:sysClr val="windowText" lastClr="000000"/>
+                </a:solidFill>
+                <a:latin typeface="DengXian" panose="02010600030101010101" pitchFamily="2" charset="-122"/>
+                <a:ea typeface="DengXian" panose="02010600030101010101" pitchFamily="2" charset="-122"/>
+              </a:rPr>
+              <a:t>Not</a:t>
+            </a:r>
+            <a:r>
+              <a:rPr kumimoji="1" lang="zh-CN" altLang="en-US" sz="1200" dirty="0">
+                <a:solidFill>
+                  <a:sysClr val="windowText" lastClr="000000"/>
+                </a:solidFill>
+                <a:latin typeface="DengXian" panose="02010600030101010101" pitchFamily="2" charset="-122"/>
+                <a:ea typeface="DengXian" panose="02010600030101010101" pitchFamily="2" charset="-122"/>
+              </a:rPr>
+              <a:t> </a:t>
+            </a:r>
+            <a:r>
+              <a:rPr kumimoji="1" lang="en-US" altLang="zh-CN" sz="1200" dirty="0">
+                <a:solidFill>
+                  <a:sysClr val="windowText" lastClr="000000"/>
+                </a:solidFill>
+                <a:latin typeface="DengXian" panose="02010600030101010101" pitchFamily="2" charset="-122"/>
+                <a:ea typeface="DengXian" panose="02010600030101010101" pitchFamily="2" charset="-122"/>
+              </a:rPr>
+              <a:t>detected</a:t>
+            </a:r>
+            <a:endParaRPr kumimoji="1" lang="zh-CN" altLang="en-US" sz="1200" dirty="0">
+              <a:solidFill>
+                <a:sysClr val="windowText" lastClr="000000"/>
+              </a:solidFill>
+              <a:latin typeface="DengXian" panose="02010600030101010101" pitchFamily="2" charset="-122"/>
+              <a:ea typeface="DengXian" panose="02010600030101010101" pitchFamily="2" charset="-122"/>
+            </a:endParaRPr>
+          </a:p>
+        </p:txBody>
+      </p:sp>
+      <p:sp>
+        <p:nvSpPr>
+          <p:cNvPr id="5" name="矩形 3">
+            <a:extLst>
+              <a:ext uri="{FF2B5EF4-FFF2-40B4-BE49-F238E27FC236}">
+                <a16:creationId xmlns:a16="http://schemas.microsoft.com/office/drawing/2014/main" id="{A7601483-3B6B-F5CC-9AF1-B515EB0F833E}"/>
+              </a:ext>
+            </a:extLst>
+          </p:cNvPr>
+          <p:cNvSpPr/>
+          <p:nvPr/>
+        </p:nvSpPr>
+        <p:spPr>
+          <a:xfrm>
+            <a:off x="6761971" y="4067817"/>
+            <a:ext cx="818537" cy="363866"/>
+          </a:xfrm>
+          <a:prstGeom prst="rect">
+            <a:avLst/>
+          </a:prstGeom>
+          <a:noFill/>
+          <a:ln w="25400">
+            <a:noFill/>
+          </a:ln>
+        </p:spPr>
+        <p:style>
+          <a:lnRef idx="2">
+            <a:schemeClr val="accent2">
+              <a:shade val="50000"/>
+            </a:schemeClr>
+          </a:lnRef>
+          <a:fillRef idx="1">
+            <a:schemeClr val="accent2"/>
+          </a:fillRef>
+          <a:effectRef idx="0">
+            <a:schemeClr val="accent2"/>
+          </a:effectRef>
+          <a:fontRef idx="minor">
+            <a:schemeClr val="lt1"/>
+          </a:fontRef>
+        </p:style>
+        <p:txBody>
+          <a:bodyPr rtlCol="0" anchor="ctr"/>
+          <a:lstStyle/>
+          <a:p>
+            <a:pPr algn="ctr"/>
+            <a:r>
+              <a:rPr kumimoji="1" lang="en-US" altLang="zh-CN" sz="1200" dirty="0">
+                <a:solidFill>
+                  <a:sysClr val="windowText" lastClr="000000"/>
+                </a:solidFill>
+                <a:latin typeface="DengXian" panose="02010600030101010101" pitchFamily="2" charset="-122"/>
+                <a:ea typeface="DengXian" panose="02010600030101010101" pitchFamily="2" charset="-122"/>
+              </a:rPr>
+              <a:t>Detected</a:t>
+            </a:r>
+            <a:endParaRPr kumimoji="1" lang="zh-CN" altLang="en-US" sz="1200" dirty="0">
+              <a:solidFill>
+                <a:sysClr val="windowText" lastClr="000000"/>
+              </a:solidFill>
+              <a:latin typeface="DengXian" panose="02010600030101010101" pitchFamily="2" charset="-122"/>
+              <a:ea typeface="DengXian" panose="02010600030101010101" pitchFamily="2" charset="-122"/>
+            </a:endParaRPr>
+          </a:p>
+        </p:txBody>
+      </p:sp>
     </p:spTree>
     <p:extLst>
       <p:ext uri="{BB962C8B-B14F-4D97-AF65-F5344CB8AC3E}">
@@ -13233,10 +13669,10 @@
       </p:grpSpPr>
       <p:grpSp>
         <p:nvGrpSpPr>
-          <p:cNvPr id="179" name="Group 178">
+          <p:cNvPr id="9" name="Group 8">
             <a:extLst>
               <a:ext uri="{FF2B5EF4-FFF2-40B4-BE49-F238E27FC236}">
-                <a16:creationId xmlns:a16="http://schemas.microsoft.com/office/drawing/2014/main" id="{A88A4B4C-EB9B-9004-94E0-1E5EB7789F90}"/>
+                <a16:creationId xmlns:a16="http://schemas.microsoft.com/office/drawing/2014/main" id="{4B5C8C6E-5787-A4E5-8736-DCC0FF333245}"/>
               </a:ext>
             </a:extLst>
           </p:cNvPr>
@@ -17809,6 +18245,224 @@
           </p:sp>
         </p:grpSp>
       </p:grpSp>
+      <p:sp>
+        <p:nvSpPr>
+          <p:cNvPr id="4" name="矩形 3">
+            <a:extLst>
+              <a:ext uri="{FF2B5EF4-FFF2-40B4-BE49-F238E27FC236}">
+                <a16:creationId xmlns:a16="http://schemas.microsoft.com/office/drawing/2014/main" id="{2C500CC8-98D8-350E-DB12-AEB2CEB412A0}"/>
+              </a:ext>
+            </a:extLst>
+          </p:cNvPr>
+          <p:cNvSpPr/>
+          <p:nvPr/>
+        </p:nvSpPr>
+        <p:spPr>
+          <a:xfrm>
+            <a:off x="6712815" y="745932"/>
+            <a:ext cx="770368" cy="363866"/>
+          </a:xfrm>
+          <a:prstGeom prst="rect">
+            <a:avLst/>
+          </a:prstGeom>
+          <a:noFill/>
+          <a:ln w="25400">
+            <a:noFill/>
+          </a:ln>
+        </p:spPr>
+        <p:style>
+          <a:lnRef idx="2">
+            <a:schemeClr val="accent2">
+              <a:shade val="50000"/>
+            </a:schemeClr>
+          </a:lnRef>
+          <a:fillRef idx="1">
+            <a:schemeClr val="accent2"/>
+          </a:fillRef>
+          <a:effectRef idx="0">
+            <a:schemeClr val="accent2"/>
+          </a:effectRef>
+          <a:fontRef idx="minor">
+            <a:schemeClr val="lt1"/>
+          </a:fontRef>
+        </p:style>
+        <p:txBody>
+          <a:bodyPr rtlCol="0" anchor="ctr"/>
+          <a:lstStyle/>
+          <a:p>
+            <a:pPr algn="ctr"/>
+            <a:r>
+              <a:rPr kumimoji="1" lang="en-US" altLang="zh-CN" sz="1200" dirty="0">
+                <a:solidFill>
+                  <a:sysClr val="windowText" lastClr="000000"/>
+                </a:solidFill>
+                <a:latin typeface="DengXian" panose="02010600030101010101" pitchFamily="2" charset="-122"/>
+                <a:ea typeface="DengXian" panose="02010600030101010101" pitchFamily="2" charset="-122"/>
+              </a:rPr>
+              <a:t>Blocked</a:t>
+            </a:r>
+            <a:endParaRPr kumimoji="1" lang="zh-CN" altLang="en-US" sz="1200" dirty="0">
+              <a:solidFill>
+                <a:sysClr val="windowText" lastClr="000000"/>
+              </a:solidFill>
+              <a:latin typeface="DengXian" panose="02010600030101010101" pitchFamily="2" charset="-122"/>
+              <a:ea typeface="DengXian" panose="02010600030101010101" pitchFamily="2" charset="-122"/>
+            </a:endParaRPr>
+          </a:p>
+        </p:txBody>
+      </p:sp>
+      <p:sp>
+        <p:nvSpPr>
+          <p:cNvPr id="6" name="矩形 3">
+            <a:extLst>
+              <a:ext uri="{FF2B5EF4-FFF2-40B4-BE49-F238E27FC236}">
+                <a16:creationId xmlns:a16="http://schemas.microsoft.com/office/drawing/2014/main" id="{B53455A4-18F6-692B-4DA2-B37D7393F1C5}"/>
+              </a:ext>
+            </a:extLst>
+          </p:cNvPr>
+          <p:cNvSpPr/>
+          <p:nvPr/>
+        </p:nvSpPr>
+        <p:spPr>
+          <a:xfrm>
+            <a:off x="3768568" y="5896079"/>
+            <a:ext cx="1133827" cy="363866"/>
+          </a:xfrm>
+          <a:prstGeom prst="rect">
+            <a:avLst/>
+          </a:prstGeom>
+          <a:noFill/>
+          <a:ln w="25400">
+            <a:noFill/>
+          </a:ln>
+        </p:spPr>
+        <p:style>
+          <a:lnRef idx="2">
+            <a:schemeClr val="accent2">
+              <a:shade val="50000"/>
+            </a:schemeClr>
+          </a:lnRef>
+          <a:fillRef idx="1">
+            <a:schemeClr val="accent2"/>
+          </a:fillRef>
+          <a:effectRef idx="0">
+            <a:schemeClr val="accent2"/>
+          </a:effectRef>
+          <a:fontRef idx="minor">
+            <a:schemeClr val="lt1"/>
+          </a:fontRef>
+        </p:style>
+        <p:txBody>
+          <a:bodyPr rtlCol="0" anchor="ctr"/>
+          <a:lstStyle/>
+          <a:p>
+            <a:pPr algn="ctr"/>
+            <a:r>
+              <a:rPr kumimoji="1" lang="en-US" altLang="zh-CN" sz="1200" dirty="0">
+                <a:solidFill>
+                  <a:sysClr val="windowText" lastClr="000000"/>
+                </a:solidFill>
+                <a:latin typeface="DengXian" panose="02010600030101010101" pitchFamily="2" charset="-122"/>
+                <a:ea typeface="DengXian" panose="02010600030101010101" pitchFamily="2" charset="-122"/>
+              </a:rPr>
+              <a:t>Not</a:t>
+            </a:r>
+            <a:r>
+              <a:rPr kumimoji="1" lang="zh-CN" altLang="en-US" sz="1200" dirty="0">
+                <a:solidFill>
+                  <a:sysClr val="windowText" lastClr="000000"/>
+                </a:solidFill>
+                <a:latin typeface="DengXian" panose="02010600030101010101" pitchFamily="2" charset="-122"/>
+                <a:ea typeface="DengXian" panose="02010600030101010101" pitchFamily="2" charset="-122"/>
+              </a:rPr>
+              <a:t> </a:t>
+            </a:r>
+            <a:r>
+              <a:rPr kumimoji="1" lang="en-US" altLang="zh-CN" sz="1200" dirty="0">
+                <a:solidFill>
+                  <a:sysClr val="windowText" lastClr="000000"/>
+                </a:solidFill>
+                <a:latin typeface="DengXian" panose="02010600030101010101" pitchFamily="2" charset="-122"/>
+                <a:ea typeface="DengXian" panose="02010600030101010101" pitchFamily="2" charset="-122"/>
+              </a:rPr>
+              <a:t>detected</a:t>
+            </a:r>
+            <a:endParaRPr kumimoji="1" lang="zh-CN" altLang="en-US" sz="1200" dirty="0">
+              <a:solidFill>
+                <a:sysClr val="windowText" lastClr="000000"/>
+              </a:solidFill>
+              <a:latin typeface="DengXian" panose="02010600030101010101" pitchFamily="2" charset="-122"/>
+              <a:ea typeface="DengXian" panose="02010600030101010101" pitchFamily="2" charset="-122"/>
+            </a:endParaRPr>
+          </a:p>
+        </p:txBody>
+      </p:sp>
+      <p:sp>
+        <p:nvSpPr>
+          <p:cNvPr id="8" name="矩形 3">
+            <a:extLst>
+              <a:ext uri="{FF2B5EF4-FFF2-40B4-BE49-F238E27FC236}">
+                <a16:creationId xmlns:a16="http://schemas.microsoft.com/office/drawing/2014/main" id="{169D944E-261D-8E2B-50E1-110102F6FFE9}"/>
+              </a:ext>
+            </a:extLst>
+          </p:cNvPr>
+          <p:cNvSpPr/>
+          <p:nvPr/>
+        </p:nvSpPr>
+        <p:spPr>
+          <a:xfrm>
+            <a:off x="6670416" y="4067070"/>
+            <a:ext cx="867132" cy="363866"/>
+          </a:xfrm>
+          <a:prstGeom prst="rect">
+            <a:avLst/>
+          </a:prstGeom>
+          <a:noFill/>
+          <a:ln w="25400">
+            <a:noFill/>
+          </a:ln>
+        </p:spPr>
+        <p:style>
+          <a:lnRef idx="2">
+            <a:schemeClr val="accent2">
+              <a:shade val="50000"/>
+            </a:schemeClr>
+          </a:lnRef>
+          <a:fillRef idx="1">
+            <a:schemeClr val="accent2"/>
+          </a:fillRef>
+          <a:effectRef idx="0">
+            <a:schemeClr val="accent2"/>
+          </a:effectRef>
+          <a:fontRef idx="minor">
+            <a:schemeClr val="lt1"/>
+          </a:fontRef>
+        </p:style>
+        <p:txBody>
+          <a:bodyPr rtlCol="0" anchor="ctr"/>
+          <a:lstStyle/>
+          <a:p>
+            <a:pPr algn="ctr"/>
+            <a:r>
+              <a:rPr kumimoji="1" lang="en-US" altLang="zh-CN" sz="1200" dirty="0">
+                <a:solidFill>
+                  <a:sysClr val="windowText" lastClr="000000"/>
+                </a:solidFill>
+                <a:latin typeface="DengXian" panose="02010600030101010101" pitchFamily="2" charset="-122"/>
+                <a:ea typeface="DengXian" panose="02010600030101010101" pitchFamily="2" charset="-122"/>
+              </a:rPr>
+              <a:t>Detected</a:t>
+            </a:r>
+            <a:endParaRPr kumimoji="1" lang="zh-CN" altLang="en-US" sz="1200" dirty="0">
+              <a:solidFill>
+                <a:sysClr val="windowText" lastClr="000000"/>
+              </a:solidFill>
+              <a:latin typeface="DengXian" panose="02010600030101010101" pitchFamily="2" charset="-122"/>
+              <a:ea typeface="DengXian" panose="02010600030101010101" pitchFamily="2" charset="-122"/>
+            </a:endParaRPr>
+          </a:p>
+        </p:txBody>
+      </p:sp>
     </p:spTree>
     <p:extLst>
       <p:ext uri="{BB962C8B-B14F-4D97-AF65-F5344CB8AC3E}">

--- a/patterns/transaction-read-write.pptx
+++ b/patterns/transaction-read-write.pptx
@@ -13624,1245 +13624,12 @@
           <a:chExt cx="0" cy="0"/>
         </a:xfrm>
       </p:grpSpPr>
-      <p:sp>
-        <p:nvSpPr>
-          <p:cNvPr id="65" name="Rectangle: Rounded Corners 4">
+      <p:grpSp>
+        <p:nvGrpSpPr>
+          <p:cNvPr id="15" name="Group 14">
             <a:extLst>
               <a:ext uri="{FF2B5EF4-FFF2-40B4-BE49-F238E27FC236}">
-                <a16:creationId xmlns:a16="http://schemas.microsoft.com/office/drawing/2014/main" id="{0B28F85E-3893-C4AA-4541-510CD1FFBC11}"/>
-              </a:ext>
-            </a:extLst>
-          </p:cNvPr>
-          <p:cNvSpPr/>
-          <p:nvPr/>
-        </p:nvSpPr>
-        <p:spPr>
-          <a:xfrm>
-            <a:off x="3134038" y="155354"/>
-            <a:ext cx="1225789" cy="384721"/>
-          </a:xfrm>
-          <a:prstGeom prst="roundRect">
-            <a:avLst/>
-          </a:prstGeom>
-          <a:noFill/>
-          <a:ln w="25400">
-            <a:solidFill>
-              <a:srgbClr val="0070C0"/>
-            </a:solidFill>
-          </a:ln>
-        </p:spPr>
-        <p:style>
-          <a:lnRef idx="2">
-            <a:schemeClr val="accent1">
-              <a:shade val="50000"/>
-            </a:schemeClr>
-          </a:lnRef>
-          <a:fillRef idx="1">
-            <a:schemeClr val="accent1"/>
-          </a:fillRef>
-          <a:effectRef idx="0">
-            <a:schemeClr val="accent1"/>
-          </a:effectRef>
-          <a:fontRef idx="minor">
-            <a:schemeClr val="lt1"/>
-          </a:fontRef>
-        </p:style>
-        <p:txBody>
-          <a:bodyPr rtlCol="0" anchor="ctr"/>
-          <a:lstStyle/>
-          <a:p>
-            <a:pPr algn="ctr" defTabSz="685800" fontAlgn="base">
-              <a:spcBef>
-                <a:spcPct val="0"/>
-              </a:spcBef>
-              <a:spcAft>
-                <a:spcPct val="0"/>
-              </a:spcAft>
-              <a:defRPr/>
-            </a:pPr>
-            <a:r>
-              <a:rPr lang="en-US" altLang="zh-CN" sz="1200" b="1" dirty="0" err="1">
-                <a:solidFill>
-                  <a:srgbClr val="0070C0"/>
-                </a:solidFill>
-                <a:latin typeface="Alibaba PuHuiTi M" pitchFamily="18" charset="-122"/>
-                <a:ea typeface="Alibaba PuHuiTi M" pitchFamily="18" charset="-122"/>
-                <a:cs typeface="Alibaba PuHuiTi M" pitchFamily="18" charset="-122"/>
-              </a:rPr>
-              <a:t>Txn</a:t>
-            </a:r>
-            <a:r>
-              <a:rPr lang="zh-CN" altLang="en-US" sz="1200" b="1" dirty="0">
-                <a:solidFill>
-                  <a:srgbClr val="0070C0"/>
-                </a:solidFill>
-                <a:latin typeface="Alibaba PuHuiTi M" pitchFamily="18" charset="-122"/>
-                <a:ea typeface="Alibaba PuHuiTi M" pitchFamily="18" charset="-122"/>
-                <a:cs typeface="Alibaba PuHuiTi M" pitchFamily="18" charset="-122"/>
-              </a:rPr>
-              <a:t> </a:t>
-            </a:r>
-            <a:r>
-              <a:rPr lang="en-US" altLang="zh-CN" sz="1200" b="1" dirty="0">
-                <a:solidFill>
-                  <a:srgbClr val="0070C0"/>
-                </a:solidFill>
-                <a:latin typeface="Alibaba PuHuiTi M" pitchFamily="18" charset="-122"/>
-                <a:ea typeface="Alibaba PuHuiTi M" pitchFamily="18" charset="-122"/>
-                <a:cs typeface="Alibaba PuHuiTi M" pitchFamily="18" charset="-122"/>
-              </a:rPr>
-              <a:t>Begin</a:t>
-            </a:r>
-            <a:endParaRPr lang="en-US" sz="900" dirty="0">
-              <a:solidFill>
-                <a:srgbClr val="0070C0"/>
-              </a:solidFill>
-              <a:latin typeface="Alibaba PuHuiTi M" pitchFamily="18" charset="-122"/>
-              <a:ea typeface="Alibaba PuHuiTi M" pitchFamily="18" charset="-122"/>
-              <a:cs typeface="Alibaba PuHuiTi M" pitchFamily="18" charset="-122"/>
-            </a:endParaRPr>
-          </a:p>
-        </p:txBody>
-      </p:sp>
-      <p:sp>
-        <p:nvSpPr>
-          <p:cNvPr id="67" name="Rectangle: Rounded Corners 4">
-            <a:extLst>
-              <a:ext uri="{FF2B5EF4-FFF2-40B4-BE49-F238E27FC236}">
-                <a16:creationId xmlns:a16="http://schemas.microsoft.com/office/drawing/2014/main" id="{9C3A10DB-5CA6-17C5-6A16-75C7ED260367}"/>
-              </a:ext>
-            </a:extLst>
-          </p:cNvPr>
-          <p:cNvSpPr/>
-          <p:nvPr/>
-        </p:nvSpPr>
-        <p:spPr>
-          <a:xfrm>
-            <a:off x="7189771" y="1082769"/>
-            <a:ext cx="1225789" cy="384721"/>
-          </a:xfrm>
-          <a:prstGeom prst="roundRect">
-            <a:avLst/>
-          </a:prstGeom>
-          <a:noFill/>
-          <a:ln w="25400">
-            <a:solidFill>
-              <a:srgbClr val="0070C0"/>
-            </a:solidFill>
-          </a:ln>
-        </p:spPr>
-        <p:style>
-          <a:lnRef idx="2">
-            <a:schemeClr val="accent1">
-              <a:shade val="50000"/>
-            </a:schemeClr>
-          </a:lnRef>
-          <a:fillRef idx="1">
-            <a:schemeClr val="accent1"/>
-          </a:fillRef>
-          <a:effectRef idx="0">
-            <a:schemeClr val="accent1"/>
-          </a:effectRef>
-          <a:fontRef idx="minor">
-            <a:schemeClr val="lt1"/>
-          </a:fontRef>
-        </p:style>
-        <p:txBody>
-          <a:bodyPr rtlCol="0" anchor="ctr"/>
-          <a:lstStyle/>
-          <a:p>
-            <a:pPr algn="ctr" defTabSz="685800" fontAlgn="base">
-              <a:spcBef>
-                <a:spcPct val="0"/>
-              </a:spcBef>
-              <a:spcAft>
-                <a:spcPct val="0"/>
-              </a:spcAft>
-              <a:defRPr/>
-            </a:pPr>
-            <a:r>
-              <a:rPr lang="en-US" altLang="zh-CN" sz="1200" b="1" dirty="0" err="1">
-                <a:solidFill>
-                  <a:srgbClr val="0070C0"/>
-                </a:solidFill>
-                <a:latin typeface="Alibaba PuHuiTi M" pitchFamily="18" charset="-122"/>
-                <a:ea typeface="Alibaba PuHuiTi M" pitchFamily="18" charset="-122"/>
-                <a:cs typeface="Alibaba PuHuiTi M" pitchFamily="18" charset="-122"/>
-              </a:rPr>
-              <a:t>Txn</a:t>
-            </a:r>
-            <a:r>
-              <a:rPr lang="zh-CN" altLang="en-US" sz="1200" b="1" dirty="0">
-                <a:solidFill>
-                  <a:srgbClr val="0070C0"/>
-                </a:solidFill>
-                <a:latin typeface="Alibaba PuHuiTi M" pitchFamily="18" charset="-122"/>
-                <a:ea typeface="Alibaba PuHuiTi M" pitchFamily="18" charset="-122"/>
-                <a:cs typeface="Alibaba PuHuiTi M" pitchFamily="18" charset="-122"/>
-              </a:rPr>
-              <a:t> </a:t>
-            </a:r>
-            <a:r>
-              <a:rPr lang="en-US" altLang="zh-CN" sz="1200" b="1" dirty="0">
-                <a:solidFill>
-                  <a:srgbClr val="0070C0"/>
-                </a:solidFill>
-                <a:latin typeface="Alibaba PuHuiTi M" pitchFamily="18" charset="-122"/>
-                <a:ea typeface="Alibaba PuHuiTi M" pitchFamily="18" charset="-122"/>
-                <a:cs typeface="Alibaba PuHuiTi M" pitchFamily="18" charset="-122"/>
-              </a:rPr>
-              <a:t>Abort</a:t>
-            </a:r>
-            <a:endParaRPr lang="en-US" sz="900" dirty="0">
-              <a:solidFill>
-                <a:srgbClr val="0070C0"/>
-              </a:solidFill>
-              <a:latin typeface="Alibaba PuHuiTi M" pitchFamily="18" charset="-122"/>
-              <a:ea typeface="Alibaba PuHuiTi M" pitchFamily="18" charset="-122"/>
-              <a:cs typeface="Alibaba PuHuiTi M" pitchFamily="18" charset="-122"/>
-            </a:endParaRPr>
-          </a:p>
-        </p:txBody>
-      </p:sp>
-      <p:sp>
-        <p:nvSpPr>
-          <p:cNvPr id="68" name="Rectangle: Rounded Corners 4">
-            <a:extLst>
-              <a:ext uri="{FF2B5EF4-FFF2-40B4-BE49-F238E27FC236}">
-                <a16:creationId xmlns:a16="http://schemas.microsoft.com/office/drawing/2014/main" id="{291663E7-B789-3A07-24D0-BE64EE3C7C00}"/>
-              </a:ext>
-            </a:extLst>
-          </p:cNvPr>
-          <p:cNvSpPr/>
-          <p:nvPr/>
-        </p:nvSpPr>
-        <p:spPr>
-          <a:xfrm>
-            <a:off x="3134038" y="6203958"/>
-            <a:ext cx="1225789" cy="384721"/>
-          </a:xfrm>
-          <a:prstGeom prst="roundRect">
-            <a:avLst/>
-          </a:prstGeom>
-          <a:noFill/>
-          <a:ln w="25400">
-            <a:solidFill>
-              <a:srgbClr val="0070C0"/>
-            </a:solidFill>
-          </a:ln>
-        </p:spPr>
-        <p:style>
-          <a:lnRef idx="2">
-            <a:schemeClr val="accent1">
-              <a:shade val="50000"/>
-            </a:schemeClr>
-          </a:lnRef>
-          <a:fillRef idx="1">
-            <a:schemeClr val="accent1"/>
-          </a:fillRef>
-          <a:effectRef idx="0">
-            <a:schemeClr val="accent1"/>
-          </a:effectRef>
-          <a:fontRef idx="minor">
-            <a:schemeClr val="lt1"/>
-          </a:fontRef>
-        </p:style>
-        <p:txBody>
-          <a:bodyPr rtlCol="0" anchor="ctr"/>
-          <a:lstStyle/>
-          <a:p>
-            <a:pPr algn="ctr" defTabSz="685800" fontAlgn="base">
-              <a:spcBef>
-                <a:spcPct val="0"/>
-              </a:spcBef>
-              <a:spcAft>
-                <a:spcPct val="0"/>
-              </a:spcAft>
-              <a:defRPr/>
-            </a:pPr>
-            <a:r>
-              <a:rPr lang="en-US" altLang="zh-CN" sz="1200" b="1" dirty="0" err="1">
-                <a:solidFill>
-                  <a:srgbClr val="0070C0"/>
-                </a:solidFill>
-                <a:latin typeface="Alibaba PuHuiTi M" pitchFamily="18" charset="-122"/>
-                <a:ea typeface="Alibaba PuHuiTi M" pitchFamily="18" charset="-122"/>
-                <a:cs typeface="Alibaba PuHuiTi M" pitchFamily="18" charset="-122"/>
-              </a:rPr>
-              <a:t>Txn</a:t>
-            </a:r>
-            <a:r>
-              <a:rPr lang="zh-CN" altLang="en-US" sz="1200" b="1" dirty="0">
-                <a:solidFill>
-                  <a:srgbClr val="0070C0"/>
-                </a:solidFill>
-                <a:latin typeface="Alibaba PuHuiTi M" pitchFamily="18" charset="-122"/>
-                <a:ea typeface="Alibaba PuHuiTi M" pitchFamily="18" charset="-122"/>
-                <a:cs typeface="Alibaba PuHuiTi M" pitchFamily="18" charset="-122"/>
-              </a:rPr>
-              <a:t> </a:t>
-            </a:r>
-            <a:r>
-              <a:rPr lang="en-US" altLang="zh-CN" sz="1200" b="1" dirty="0">
-                <a:solidFill>
-                  <a:srgbClr val="0070C0"/>
-                </a:solidFill>
-                <a:latin typeface="Alibaba PuHuiTi M" pitchFamily="18" charset="-122"/>
-                <a:ea typeface="Alibaba PuHuiTi M" pitchFamily="18" charset="-122"/>
-                <a:cs typeface="Alibaba PuHuiTi M" pitchFamily="18" charset="-122"/>
-              </a:rPr>
-              <a:t>Commit</a:t>
-            </a:r>
-            <a:endParaRPr lang="en-US" sz="900" dirty="0">
-              <a:solidFill>
-                <a:srgbClr val="0070C0"/>
-              </a:solidFill>
-              <a:latin typeface="Alibaba PuHuiTi M" pitchFamily="18" charset="-122"/>
-              <a:ea typeface="Alibaba PuHuiTi M" pitchFamily="18" charset="-122"/>
-              <a:cs typeface="Alibaba PuHuiTi M" pitchFamily="18" charset="-122"/>
-            </a:endParaRPr>
-          </a:p>
-        </p:txBody>
-      </p:sp>
-      <p:sp>
-        <p:nvSpPr>
-          <p:cNvPr id="69" name="Rectangle: Rounded Corners 4">
-            <a:extLst>
-              <a:ext uri="{FF2B5EF4-FFF2-40B4-BE49-F238E27FC236}">
-                <a16:creationId xmlns:a16="http://schemas.microsoft.com/office/drawing/2014/main" id="{7D74BCA8-1B71-FA06-F79B-8F61A9013961}"/>
-              </a:ext>
-            </a:extLst>
-          </p:cNvPr>
-          <p:cNvSpPr/>
-          <p:nvPr/>
-        </p:nvSpPr>
-        <p:spPr>
-          <a:xfrm>
-            <a:off x="7189771" y="4422855"/>
-            <a:ext cx="1225789" cy="384721"/>
-          </a:xfrm>
-          <a:prstGeom prst="roundRect">
-            <a:avLst/>
-          </a:prstGeom>
-          <a:noFill/>
-          <a:ln w="25400">
-            <a:solidFill>
-              <a:srgbClr val="0070C0"/>
-            </a:solidFill>
-          </a:ln>
-        </p:spPr>
-        <p:style>
-          <a:lnRef idx="2">
-            <a:schemeClr val="accent1">
-              <a:shade val="50000"/>
-            </a:schemeClr>
-          </a:lnRef>
-          <a:fillRef idx="1">
-            <a:schemeClr val="accent1"/>
-          </a:fillRef>
-          <a:effectRef idx="0">
-            <a:schemeClr val="accent1"/>
-          </a:effectRef>
-          <a:fontRef idx="minor">
-            <a:schemeClr val="lt1"/>
-          </a:fontRef>
-        </p:style>
-        <p:txBody>
-          <a:bodyPr rtlCol="0" anchor="ctr"/>
-          <a:lstStyle/>
-          <a:p>
-            <a:pPr algn="ctr" defTabSz="685800" fontAlgn="base">
-              <a:spcBef>
-                <a:spcPct val="0"/>
-              </a:spcBef>
-              <a:spcAft>
-                <a:spcPct val="0"/>
-              </a:spcAft>
-              <a:defRPr/>
-            </a:pPr>
-            <a:r>
-              <a:rPr lang="en-US" altLang="zh-CN" sz="1200" b="1" dirty="0" err="1">
-                <a:solidFill>
-                  <a:srgbClr val="0070C0"/>
-                </a:solidFill>
-                <a:latin typeface="Alibaba PuHuiTi M" pitchFamily="18" charset="-122"/>
-                <a:ea typeface="Alibaba PuHuiTi M" pitchFamily="18" charset="-122"/>
-                <a:cs typeface="Alibaba PuHuiTi M" pitchFamily="18" charset="-122"/>
-              </a:rPr>
-              <a:t>Txn</a:t>
-            </a:r>
-            <a:r>
-              <a:rPr lang="zh-CN" altLang="en-US" sz="1200" b="1" dirty="0">
-                <a:solidFill>
-                  <a:srgbClr val="0070C0"/>
-                </a:solidFill>
-                <a:latin typeface="Alibaba PuHuiTi M" pitchFamily="18" charset="-122"/>
-                <a:ea typeface="Alibaba PuHuiTi M" pitchFamily="18" charset="-122"/>
-                <a:cs typeface="Alibaba PuHuiTi M" pitchFamily="18" charset="-122"/>
-              </a:rPr>
-              <a:t> </a:t>
-            </a:r>
-            <a:r>
-              <a:rPr lang="en-US" altLang="zh-CN" sz="1200" b="1" dirty="0">
-                <a:solidFill>
-                  <a:srgbClr val="0070C0"/>
-                </a:solidFill>
-                <a:latin typeface="Alibaba PuHuiTi M" pitchFamily="18" charset="-122"/>
-                <a:ea typeface="Alibaba PuHuiTi M" pitchFamily="18" charset="-122"/>
-                <a:cs typeface="Alibaba PuHuiTi M" pitchFamily="18" charset="-122"/>
-              </a:rPr>
-              <a:t>Abort</a:t>
-            </a:r>
-            <a:endParaRPr lang="en-US" sz="900" dirty="0">
-              <a:solidFill>
-                <a:srgbClr val="0070C0"/>
-              </a:solidFill>
-              <a:latin typeface="Alibaba PuHuiTi M" pitchFamily="18" charset="-122"/>
-              <a:ea typeface="Alibaba PuHuiTi M" pitchFamily="18" charset="-122"/>
-              <a:cs typeface="Alibaba PuHuiTi M" pitchFamily="18" charset="-122"/>
-            </a:endParaRPr>
-          </a:p>
-        </p:txBody>
-      </p:sp>
-      <p:sp>
-        <p:nvSpPr>
-          <p:cNvPr id="72" name="Rectangle: Rounded Corners 4">
-            <a:extLst>
-              <a:ext uri="{FF2B5EF4-FFF2-40B4-BE49-F238E27FC236}">
-                <a16:creationId xmlns:a16="http://schemas.microsoft.com/office/drawing/2014/main" id="{CB028E68-4F21-33A4-3416-A6A85D236BB5}"/>
-              </a:ext>
-            </a:extLst>
-          </p:cNvPr>
-          <p:cNvSpPr/>
-          <p:nvPr/>
-        </p:nvSpPr>
-        <p:spPr>
-          <a:xfrm>
-            <a:off x="702313" y="2010183"/>
-            <a:ext cx="6089239" cy="1016288"/>
-          </a:xfrm>
-          <a:prstGeom prst="roundRect">
-            <a:avLst/>
-          </a:prstGeom>
-          <a:noFill/>
-          <a:ln w="19050">
-            <a:solidFill>
-              <a:schemeClr val="tx1">
-                <a:alpha val="40000"/>
-              </a:schemeClr>
-            </a:solidFill>
-            <a:prstDash val="sysDash"/>
-          </a:ln>
-        </p:spPr>
-        <p:style>
-          <a:lnRef idx="2">
-            <a:schemeClr val="accent1">
-              <a:shade val="50000"/>
-            </a:schemeClr>
-          </a:lnRef>
-          <a:fillRef idx="1">
-            <a:schemeClr val="accent1"/>
-          </a:fillRef>
-          <a:effectRef idx="0">
-            <a:schemeClr val="accent1"/>
-          </a:effectRef>
-          <a:fontRef idx="minor">
-            <a:schemeClr val="lt1"/>
-          </a:fontRef>
-        </p:style>
-        <p:txBody>
-          <a:bodyPr rtlCol="0" anchor="ctr"/>
-          <a:lstStyle/>
-          <a:p>
-            <a:pPr algn="ctr" defTabSz="685800" fontAlgn="base">
-              <a:spcBef>
-                <a:spcPct val="0"/>
-              </a:spcBef>
-              <a:spcAft>
-                <a:spcPct val="0"/>
-              </a:spcAft>
-              <a:defRPr/>
-            </a:pPr>
-            <a:endParaRPr lang="en-US" sz="900" dirty="0">
-              <a:solidFill>
-                <a:schemeClr val="tx1"/>
-              </a:solidFill>
-              <a:latin typeface="Alibaba PuHuiTi M" pitchFamily="18" charset="-122"/>
-              <a:ea typeface="Alibaba PuHuiTi M" pitchFamily="18" charset="-122"/>
-              <a:cs typeface="Alibaba PuHuiTi M" pitchFamily="18" charset="-122"/>
-            </a:endParaRPr>
-          </a:p>
-        </p:txBody>
-      </p:sp>
-      <p:sp>
-        <p:nvSpPr>
-          <p:cNvPr id="73" name="Rectangle: Rounded Corners 4">
-            <a:extLst>
-              <a:ext uri="{FF2B5EF4-FFF2-40B4-BE49-F238E27FC236}">
-                <a16:creationId xmlns:a16="http://schemas.microsoft.com/office/drawing/2014/main" id="{BD3B9C54-3EF7-788D-02DE-AC7D41667E62}"/>
-              </a:ext>
-            </a:extLst>
-          </p:cNvPr>
-          <p:cNvSpPr/>
-          <p:nvPr/>
-        </p:nvSpPr>
-        <p:spPr>
-          <a:xfrm>
-            <a:off x="702313" y="766985"/>
-            <a:ext cx="6089239" cy="1016288"/>
-          </a:xfrm>
-          <a:prstGeom prst="roundRect">
-            <a:avLst/>
-          </a:prstGeom>
-          <a:noFill/>
-          <a:ln w="19050">
-            <a:solidFill>
-              <a:schemeClr val="tx1">
-                <a:alpha val="40000"/>
-              </a:schemeClr>
-            </a:solidFill>
-            <a:prstDash val="sysDash"/>
-          </a:ln>
-        </p:spPr>
-        <p:style>
-          <a:lnRef idx="2">
-            <a:schemeClr val="accent1">
-              <a:shade val="50000"/>
-            </a:schemeClr>
-          </a:lnRef>
-          <a:fillRef idx="1">
-            <a:schemeClr val="accent1"/>
-          </a:fillRef>
-          <a:effectRef idx="0">
-            <a:schemeClr val="accent1"/>
-          </a:effectRef>
-          <a:fontRef idx="minor">
-            <a:schemeClr val="lt1"/>
-          </a:fontRef>
-        </p:style>
-        <p:txBody>
-          <a:bodyPr rtlCol="0" anchor="ctr"/>
-          <a:lstStyle/>
-          <a:p>
-            <a:pPr algn="ctr" defTabSz="685800" fontAlgn="base">
-              <a:spcBef>
-                <a:spcPct val="0"/>
-              </a:spcBef>
-              <a:spcAft>
-                <a:spcPct val="0"/>
-              </a:spcAft>
-              <a:defRPr/>
-            </a:pPr>
-            <a:endParaRPr lang="en-US" sz="900" dirty="0">
-              <a:solidFill>
-                <a:schemeClr val="tx1"/>
-              </a:solidFill>
-              <a:latin typeface="Alibaba PuHuiTi M" pitchFamily="18" charset="-122"/>
-              <a:ea typeface="Alibaba PuHuiTi M" pitchFamily="18" charset="-122"/>
-              <a:cs typeface="Alibaba PuHuiTi M" pitchFamily="18" charset="-122"/>
-            </a:endParaRPr>
-          </a:p>
-        </p:txBody>
-      </p:sp>
-      <p:cxnSp>
-        <p:nvCxnSpPr>
-          <p:cNvPr id="79" name="直线箭头连接符 6" descr="jytjh">
-            <a:extLst>
-              <a:ext uri="{FF2B5EF4-FFF2-40B4-BE49-F238E27FC236}">
-                <a16:creationId xmlns:a16="http://schemas.microsoft.com/office/drawing/2014/main" id="{015D50D2-80B1-4145-BE4D-E0F2DF100E3E}"/>
-              </a:ext>
-            </a:extLst>
-          </p:cNvPr>
-          <p:cNvCxnSpPr>
-            <a:cxnSpLocks/>
-            <a:stCxn id="65" idx="2"/>
-            <a:endCxn id="73" idx="0"/>
-          </p:cNvCxnSpPr>
-          <p:nvPr/>
-        </p:nvCxnSpPr>
-        <p:spPr>
-          <a:xfrm>
-            <a:off x="3746933" y="540075"/>
-            <a:ext cx="0" cy="226910"/>
-          </a:xfrm>
-          <a:prstGeom prst="straightConnector1">
-            <a:avLst/>
-          </a:prstGeom>
-          <a:ln w="25400">
-            <a:solidFill>
-              <a:srgbClr val="0070C0"/>
-            </a:solidFill>
-            <a:headEnd type="none" w="sm" len="lg"/>
-            <a:tailEnd type="arrow" w="sm" len="lg"/>
-          </a:ln>
-        </p:spPr>
-        <p:style>
-          <a:lnRef idx="1">
-            <a:schemeClr val="accent1"/>
-          </a:lnRef>
-          <a:fillRef idx="0">
-            <a:schemeClr val="accent1"/>
-          </a:fillRef>
-          <a:effectRef idx="0">
-            <a:schemeClr val="accent1"/>
-          </a:effectRef>
-          <a:fontRef idx="minor">
-            <a:schemeClr val="tx1"/>
-          </a:fontRef>
-        </p:style>
-      </p:cxnSp>
-      <p:cxnSp>
-        <p:nvCxnSpPr>
-          <p:cNvPr id="82" name="直线箭头连接符 6" descr="jytjh">
-            <a:extLst>
-              <a:ext uri="{FF2B5EF4-FFF2-40B4-BE49-F238E27FC236}">
-                <a16:creationId xmlns:a16="http://schemas.microsoft.com/office/drawing/2014/main" id="{1D8AACCA-D6CD-88DC-D503-2396B545B042}"/>
-              </a:ext>
-            </a:extLst>
-          </p:cNvPr>
-          <p:cNvCxnSpPr>
-            <a:cxnSpLocks/>
-            <a:stCxn id="73" idx="2"/>
-            <a:endCxn id="72" idx="0"/>
-          </p:cNvCxnSpPr>
-          <p:nvPr/>
-        </p:nvCxnSpPr>
-        <p:spPr>
-          <a:xfrm>
-            <a:off x="3746933" y="1783273"/>
-            <a:ext cx="0" cy="226910"/>
-          </a:xfrm>
-          <a:prstGeom prst="straightConnector1">
-            <a:avLst/>
-          </a:prstGeom>
-          <a:ln w="25400">
-            <a:solidFill>
-              <a:srgbClr val="0070C0"/>
-            </a:solidFill>
-            <a:headEnd type="none" w="sm" len="lg"/>
-            <a:tailEnd type="arrow" w="sm" len="lg"/>
-          </a:ln>
-        </p:spPr>
-        <p:style>
-          <a:lnRef idx="1">
-            <a:schemeClr val="accent1"/>
-          </a:lnRef>
-          <a:fillRef idx="0">
-            <a:schemeClr val="accent1"/>
-          </a:fillRef>
-          <a:effectRef idx="0">
-            <a:schemeClr val="accent1"/>
-          </a:effectRef>
-          <a:fontRef idx="minor">
-            <a:schemeClr val="tx1"/>
-          </a:fontRef>
-        </p:style>
-      </p:cxnSp>
-      <p:cxnSp>
-        <p:nvCxnSpPr>
-          <p:cNvPr id="85" name="直线箭头连接符 6" descr="jytjh">
-            <a:extLst>
-              <a:ext uri="{FF2B5EF4-FFF2-40B4-BE49-F238E27FC236}">
-                <a16:creationId xmlns:a16="http://schemas.microsoft.com/office/drawing/2014/main" id="{CFE49F7E-3D6B-86DE-5E41-8F8B9705032B}"/>
-              </a:ext>
-            </a:extLst>
-          </p:cNvPr>
-          <p:cNvCxnSpPr>
-            <a:cxnSpLocks/>
-            <a:stCxn id="72" idx="2"/>
-            <a:endCxn id="74" idx="0"/>
-          </p:cNvCxnSpPr>
-          <p:nvPr/>
-        </p:nvCxnSpPr>
-        <p:spPr>
-          <a:xfrm flipH="1">
-            <a:off x="3742790" y="3026471"/>
-            <a:ext cx="4143" cy="226910"/>
-          </a:xfrm>
-          <a:prstGeom prst="straightConnector1">
-            <a:avLst/>
-          </a:prstGeom>
-          <a:ln w="25400">
-            <a:solidFill>
-              <a:srgbClr val="0070C0"/>
-            </a:solidFill>
-            <a:headEnd type="none" w="sm" len="lg"/>
-            <a:tailEnd type="arrow" w="sm" len="lg"/>
-          </a:ln>
-        </p:spPr>
-        <p:style>
-          <a:lnRef idx="1">
-            <a:schemeClr val="accent1"/>
-          </a:lnRef>
-          <a:fillRef idx="0">
-            <a:schemeClr val="accent1"/>
-          </a:fillRef>
-          <a:effectRef idx="0">
-            <a:schemeClr val="accent1"/>
-          </a:effectRef>
-          <a:fontRef idx="minor">
-            <a:schemeClr val="tx1"/>
-          </a:fontRef>
-        </p:style>
-      </p:cxnSp>
-      <p:cxnSp>
-        <p:nvCxnSpPr>
-          <p:cNvPr id="88" name="直线箭头连接符 6" descr="jytjh">
-            <a:extLst>
-              <a:ext uri="{FF2B5EF4-FFF2-40B4-BE49-F238E27FC236}">
-                <a16:creationId xmlns:a16="http://schemas.microsoft.com/office/drawing/2014/main" id="{30EA7532-695A-B367-8DE0-C191EA250B7C}"/>
-              </a:ext>
-            </a:extLst>
-          </p:cNvPr>
-          <p:cNvCxnSpPr>
-            <a:cxnSpLocks/>
-            <a:stCxn id="74" idx="2"/>
-            <a:endCxn id="68" idx="0"/>
-          </p:cNvCxnSpPr>
-          <p:nvPr/>
-        </p:nvCxnSpPr>
-        <p:spPr>
-          <a:xfrm>
-            <a:off x="3742790" y="5977049"/>
-            <a:ext cx="4143" cy="226909"/>
-          </a:xfrm>
-          <a:prstGeom prst="straightConnector1">
-            <a:avLst/>
-          </a:prstGeom>
-          <a:ln w="25400">
-            <a:solidFill>
-              <a:srgbClr val="0070C0"/>
-            </a:solidFill>
-            <a:headEnd type="none" w="sm" len="lg"/>
-            <a:tailEnd type="arrow" w="sm" len="lg"/>
-          </a:ln>
-        </p:spPr>
-        <p:style>
-          <a:lnRef idx="1">
-            <a:schemeClr val="accent1"/>
-          </a:lnRef>
-          <a:fillRef idx="0">
-            <a:schemeClr val="accent1"/>
-          </a:fillRef>
-          <a:effectRef idx="0">
-            <a:schemeClr val="accent1"/>
-          </a:effectRef>
-          <a:fontRef idx="minor">
-            <a:schemeClr val="tx1"/>
-          </a:fontRef>
-        </p:style>
-      </p:cxnSp>
-      <p:cxnSp>
-        <p:nvCxnSpPr>
-          <p:cNvPr id="94" name="Elbow Connector 93">
-            <a:extLst>
-              <a:ext uri="{FF2B5EF4-FFF2-40B4-BE49-F238E27FC236}">
-                <a16:creationId xmlns:a16="http://schemas.microsoft.com/office/drawing/2014/main" id="{4BBFB1CF-1B03-8593-54F1-7AD1141AE7A8}"/>
-              </a:ext>
-            </a:extLst>
-          </p:cNvPr>
-          <p:cNvCxnSpPr>
-            <a:cxnSpLocks/>
-            <a:stCxn id="69" idx="3"/>
-            <a:endCxn id="114" idx="1"/>
-          </p:cNvCxnSpPr>
-          <p:nvPr/>
-        </p:nvCxnSpPr>
-        <p:spPr>
-          <a:xfrm flipV="1">
-            <a:off x="8415560" y="3372017"/>
-            <a:ext cx="644249" cy="1243199"/>
-          </a:xfrm>
-          <a:prstGeom prst="bentConnector3">
-            <a:avLst>
-              <a:gd name="adj1" fmla="val 50000"/>
-            </a:avLst>
-          </a:prstGeom>
-          <a:ln w="25400">
-            <a:solidFill>
-              <a:srgbClr val="0070C0"/>
-            </a:solidFill>
-            <a:tailEnd type="arrow" w="sm" len="lg"/>
-          </a:ln>
-          <a:effectLst/>
-        </p:spPr>
-        <p:style>
-          <a:lnRef idx="1">
-            <a:schemeClr val="accent1"/>
-          </a:lnRef>
-          <a:fillRef idx="0">
-            <a:schemeClr val="accent1"/>
-          </a:fillRef>
-          <a:effectRef idx="0">
-            <a:schemeClr val="accent1"/>
-          </a:effectRef>
-          <a:fontRef idx="minor">
-            <a:schemeClr val="tx1"/>
-          </a:fontRef>
-        </p:style>
-      </p:cxnSp>
-      <p:cxnSp>
-        <p:nvCxnSpPr>
-          <p:cNvPr id="100" name="直线箭头连接符 6" descr="jytjh">
-            <a:extLst>
-              <a:ext uri="{FF2B5EF4-FFF2-40B4-BE49-F238E27FC236}">
-                <a16:creationId xmlns:a16="http://schemas.microsoft.com/office/drawing/2014/main" id="{62C19C25-0D50-742D-500B-963F3810E8A7}"/>
-              </a:ext>
-            </a:extLst>
-          </p:cNvPr>
-          <p:cNvCxnSpPr>
-            <a:cxnSpLocks/>
-            <a:stCxn id="74" idx="3"/>
-            <a:endCxn id="69" idx="1"/>
-          </p:cNvCxnSpPr>
-          <p:nvPr/>
-        </p:nvCxnSpPr>
-        <p:spPr>
-          <a:xfrm>
-            <a:off x="6783266" y="4615215"/>
-            <a:ext cx="406505" cy="1"/>
-          </a:xfrm>
-          <a:prstGeom prst="straightConnector1">
-            <a:avLst/>
-          </a:prstGeom>
-          <a:ln w="25400">
-            <a:solidFill>
-              <a:srgbClr val="0070C0"/>
-            </a:solidFill>
-            <a:headEnd type="none" w="sm" len="lg"/>
-            <a:tailEnd type="arrow" w="sm" len="lg"/>
-          </a:ln>
-        </p:spPr>
-        <p:style>
-          <a:lnRef idx="1">
-            <a:schemeClr val="accent1"/>
-          </a:lnRef>
-          <a:fillRef idx="0">
-            <a:schemeClr val="accent1"/>
-          </a:fillRef>
-          <a:effectRef idx="0">
-            <a:schemeClr val="accent1"/>
-          </a:effectRef>
-          <a:fontRef idx="minor">
-            <a:schemeClr val="tx1"/>
-          </a:fontRef>
-        </p:style>
-      </p:cxnSp>
-      <p:cxnSp>
-        <p:nvCxnSpPr>
-          <p:cNvPr id="103" name="直线箭头连接符 6" descr="jytjh">
-            <a:extLst>
-              <a:ext uri="{FF2B5EF4-FFF2-40B4-BE49-F238E27FC236}">
-                <a16:creationId xmlns:a16="http://schemas.microsoft.com/office/drawing/2014/main" id="{199C5843-A54C-649E-BC9B-C0B91BA0C913}"/>
-              </a:ext>
-            </a:extLst>
-          </p:cNvPr>
-          <p:cNvCxnSpPr>
-            <a:cxnSpLocks/>
-            <a:stCxn id="73" idx="3"/>
-            <a:endCxn id="67" idx="1"/>
-          </p:cNvCxnSpPr>
-          <p:nvPr/>
-        </p:nvCxnSpPr>
-        <p:spPr>
-          <a:xfrm>
-            <a:off x="6791552" y="1275129"/>
-            <a:ext cx="398219" cy="1"/>
-          </a:xfrm>
-          <a:prstGeom prst="straightConnector1">
-            <a:avLst/>
-          </a:prstGeom>
-          <a:ln w="25400">
-            <a:solidFill>
-              <a:srgbClr val="0070C0"/>
-            </a:solidFill>
-            <a:headEnd type="none" w="sm" len="lg"/>
-            <a:tailEnd type="arrow" w="sm" len="lg"/>
-          </a:ln>
-        </p:spPr>
-        <p:style>
-          <a:lnRef idx="1">
-            <a:schemeClr val="accent1"/>
-          </a:lnRef>
-          <a:fillRef idx="0">
-            <a:schemeClr val="accent1"/>
-          </a:fillRef>
-          <a:effectRef idx="0">
-            <a:schemeClr val="accent1"/>
-          </a:effectRef>
-          <a:fontRef idx="minor">
-            <a:schemeClr val="tx1"/>
-          </a:fontRef>
-        </p:style>
-      </p:cxnSp>
-      <p:sp>
-        <p:nvSpPr>
-          <p:cNvPr id="78" name="Rectangle: Rounded Corners 4">
-            <a:extLst>
-              <a:ext uri="{FF2B5EF4-FFF2-40B4-BE49-F238E27FC236}">
-                <a16:creationId xmlns:a16="http://schemas.microsoft.com/office/drawing/2014/main" id="{CC79769B-4498-DBED-CD13-81D2FB73B7C6}"/>
-              </a:ext>
-            </a:extLst>
-          </p:cNvPr>
-          <p:cNvSpPr/>
-          <p:nvPr/>
-        </p:nvSpPr>
-        <p:spPr>
-          <a:xfrm>
-            <a:off x="9733521" y="361211"/>
-            <a:ext cx="1225789" cy="384721"/>
-          </a:xfrm>
-          <a:prstGeom prst="roundRect">
-            <a:avLst/>
-          </a:prstGeom>
-          <a:noFill/>
-          <a:ln w="25400">
-            <a:solidFill>
-              <a:srgbClr val="0070C0"/>
-            </a:solidFill>
-          </a:ln>
-        </p:spPr>
-        <p:style>
-          <a:lnRef idx="2">
-            <a:schemeClr val="accent1">
-              <a:shade val="50000"/>
-            </a:schemeClr>
-          </a:lnRef>
-          <a:fillRef idx="1">
-            <a:schemeClr val="accent1"/>
-          </a:fillRef>
-          <a:effectRef idx="0">
-            <a:schemeClr val="accent1"/>
-          </a:effectRef>
-          <a:fontRef idx="minor">
-            <a:schemeClr val="lt1"/>
-          </a:fontRef>
-        </p:style>
-        <p:txBody>
-          <a:bodyPr rtlCol="0" anchor="ctr"/>
-          <a:lstStyle/>
-          <a:p>
-            <a:pPr algn="ctr" defTabSz="685800" fontAlgn="base">
-              <a:spcBef>
-                <a:spcPct val="0"/>
-              </a:spcBef>
-              <a:spcAft>
-                <a:spcPct val="0"/>
-              </a:spcAft>
-              <a:defRPr/>
-            </a:pPr>
-            <a:r>
-              <a:rPr lang="en-US" altLang="zh-CN" sz="1200" b="1" dirty="0" err="1">
-                <a:solidFill>
-                  <a:srgbClr val="0070C0"/>
-                </a:solidFill>
-                <a:latin typeface="Alibaba PuHuiTi M" pitchFamily="18" charset="-122"/>
-                <a:ea typeface="Alibaba PuHuiTi M" pitchFamily="18" charset="-122"/>
-                <a:cs typeface="Alibaba PuHuiTi M" pitchFamily="18" charset="-122"/>
-              </a:rPr>
-              <a:t>Txn</a:t>
-            </a:r>
-            <a:r>
-              <a:rPr lang="zh-CN" altLang="en-US" sz="1200" b="1" dirty="0">
-                <a:solidFill>
-                  <a:srgbClr val="0070C0"/>
-                </a:solidFill>
-                <a:latin typeface="Alibaba PuHuiTi M" pitchFamily="18" charset="-122"/>
-                <a:ea typeface="Alibaba PuHuiTi M" pitchFamily="18" charset="-122"/>
-                <a:cs typeface="Alibaba PuHuiTi M" pitchFamily="18" charset="-122"/>
-              </a:rPr>
-              <a:t> </a:t>
-            </a:r>
-            <a:r>
-              <a:rPr lang="en-US" altLang="zh-CN" sz="1200" b="1" dirty="0">
-                <a:solidFill>
-                  <a:srgbClr val="0070C0"/>
-                </a:solidFill>
-                <a:latin typeface="Alibaba PuHuiTi M" pitchFamily="18" charset="-122"/>
-                <a:ea typeface="Alibaba PuHuiTi M" pitchFamily="18" charset="-122"/>
-                <a:cs typeface="Alibaba PuHuiTi M" pitchFamily="18" charset="-122"/>
-              </a:rPr>
-              <a:t>Begin</a:t>
-            </a:r>
-            <a:endParaRPr lang="en-US" sz="900" dirty="0">
-              <a:solidFill>
-                <a:srgbClr val="0070C0"/>
-              </a:solidFill>
-              <a:latin typeface="Alibaba PuHuiTi M" pitchFamily="18" charset="-122"/>
-              <a:ea typeface="Alibaba PuHuiTi M" pitchFamily="18" charset="-122"/>
-              <a:cs typeface="Alibaba PuHuiTi M" pitchFamily="18" charset="-122"/>
-            </a:endParaRPr>
-          </a:p>
-        </p:txBody>
-      </p:sp>
-      <p:sp>
-        <p:nvSpPr>
-          <p:cNvPr id="92" name="Rectangle: Rounded Corners 4">
-            <a:extLst>
-              <a:ext uri="{FF2B5EF4-FFF2-40B4-BE49-F238E27FC236}">
-                <a16:creationId xmlns:a16="http://schemas.microsoft.com/office/drawing/2014/main" id="{3A47F7CC-2E96-4C2A-C5BD-3C630D6A6F8D}"/>
-              </a:ext>
-            </a:extLst>
-          </p:cNvPr>
-          <p:cNvSpPr/>
-          <p:nvPr/>
-        </p:nvSpPr>
-        <p:spPr>
-          <a:xfrm>
-            <a:off x="9733521" y="6071797"/>
-            <a:ext cx="1225789" cy="384721"/>
-          </a:xfrm>
-          <a:prstGeom prst="roundRect">
-            <a:avLst/>
-          </a:prstGeom>
-          <a:noFill/>
-          <a:ln w="25400">
-            <a:solidFill>
-              <a:srgbClr val="0070C0"/>
-            </a:solidFill>
-          </a:ln>
-        </p:spPr>
-        <p:style>
-          <a:lnRef idx="2">
-            <a:schemeClr val="accent1">
-              <a:shade val="50000"/>
-            </a:schemeClr>
-          </a:lnRef>
-          <a:fillRef idx="1">
-            <a:schemeClr val="accent1"/>
-          </a:fillRef>
-          <a:effectRef idx="0">
-            <a:schemeClr val="accent1"/>
-          </a:effectRef>
-          <a:fontRef idx="minor">
-            <a:schemeClr val="lt1"/>
-          </a:fontRef>
-        </p:style>
-        <p:txBody>
-          <a:bodyPr rtlCol="0" anchor="ctr"/>
-          <a:lstStyle/>
-          <a:p>
-            <a:pPr algn="ctr" defTabSz="685800" fontAlgn="base">
-              <a:spcBef>
-                <a:spcPct val="0"/>
-              </a:spcBef>
-              <a:spcAft>
-                <a:spcPct val="0"/>
-              </a:spcAft>
-              <a:defRPr/>
-            </a:pPr>
-            <a:r>
-              <a:rPr lang="en-US" altLang="zh-CN" sz="1200" b="1" dirty="0" err="1">
-                <a:solidFill>
-                  <a:srgbClr val="0070C0"/>
-                </a:solidFill>
-                <a:latin typeface="Alibaba PuHuiTi M" pitchFamily="18" charset="-122"/>
-                <a:ea typeface="Alibaba PuHuiTi M" pitchFamily="18" charset="-122"/>
-                <a:cs typeface="Alibaba PuHuiTi M" pitchFamily="18" charset="-122"/>
-              </a:rPr>
-              <a:t>Txn</a:t>
-            </a:r>
-            <a:r>
-              <a:rPr lang="zh-CN" altLang="en-US" sz="1200" b="1" dirty="0">
-                <a:solidFill>
-                  <a:srgbClr val="0070C0"/>
-                </a:solidFill>
-                <a:latin typeface="Alibaba PuHuiTi M" pitchFamily="18" charset="-122"/>
-                <a:ea typeface="Alibaba PuHuiTi M" pitchFamily="18" charset="-122"/>
-                <a:cs typeface="Alibaba PuHuiTi M" pitchFamily="18" charset="-122"/>
-              </a:rPr>
-              <a:t> </a:t>
-            </a:r>
-            <a:r>
-              <a:rPr lang="en-US" altLang="zh-CN" sz="1200" b="1" dirty="0">
-                <a:solidFill>
-                  <a:srgbClr val="0070C0"/>
-                </a:solidFill>
-                <a:latin typeface="Alibaba PuHuiTi M" pitchFamily="18" charset="-122"/>
-                <a:ea typeface="Alibaba PuHuiTi M" pitchFamily="18" charset="-122"/>
-                <a:cs typeface="Alibaba PuHuiTi M" pitchFamily="18" charset="-122"/>
-              </a:rPr>
-              <a:t>Commit</a:t>
-            </a:r>
-            <a:endParaRPr lang="en-US" sz="900" dirty="0">
-              <a:solidFill>
-                <a:srgbClr val="0070C0"/>
-              </a:solidFill>
-              <a:latin typeface="Alibaba PuHuiTi M" pitchFamily="18" charset="-122"/>
-              <a:ea typeface="Alibaba PuHuiTi M" pitchFamily="18" charset="-122"/>
-              <a:cs typeface="Alibaba PuHuiTi M" pitchFamily="18" charset="-122"/>
-            </a:endParaRPr>
-          </a:p>
-        </p:txBody>
-      </p:sp>
-      <p:cxnSp>
-        <p:nvCxnSpPr>
-          <p:cNvPr id="107" name="直线箭头连接符 6" descr="jytjh">
-            <a:extLst>
-              <a:ext uri="{FF2B5EF4-FFF2-40B4-BE49-F238E27FC236}">
-                <a16:creationId xmlns:a16="http://schemas.microsoft.com/office/drawing/2014/main" id="{4CB9201E-7CFE-0364-3F44-318BFF205A7D}"/>
-              </a:ext>
-            </a:extLst>
-          </p:cNvPr>
-          <p:cNvCxnSpPr>
-            <a:cxnSpLocks/>
-            <a:stCxn id="78" idx="2"/>
-            <a:endCxn id="113" idx="0"/>
-          </p:cNvCxnSpPr>
-          <p:nvPr/>
-        </p:nvCxnSpPr>
-        <p:spPr>
-          <a:xfrm flipH="1">
-            <a:off x="10346415" y="745932"/>
-            <a:ext cx="1" cy="1546097"/>
-          </a:xfrm>
-          <a:prstGeom prst="straightConnector1">
-            <a:avLst/>
-          </a:prstGeom>
-          <a:ln w="25400">
-            <a:solidFill>
-              <a:srgbClr val="0070C0"/>
-            </a:solidFill>
-            <a:headEnd type="none" w="sm" len="lg"/>
-            <a:tailEnd type="arrow" w="sm" len="lg"/>
-          </a:ln>
-        </p:spPr>
-        <p:style>
-          <a:lnRef idx="1">
-            <a:schemeClr val="accent1"/>
-          </a:lnRef>
-          <a:fillRef idx="0">
-            <a:schemeClr val="accent1"/>
-          </a:fillRef>
-          <a:effectRef idx="0">
-            <a:schemeClr val="accent1"/>
-          </a:effectRef>
-          <a:fontRef idx="minor">
-            <a:schemeClr val="tx1"/>
-          </a:fontRef>
-        </p:style>
-      </p:cxnSp>
-      <p:cxnSp>
-        <p:nvCxnSpPr>
-          <p:cNvPr id="110" name="直线箭头连接符 6" descr="jytjh">
-            <a:extLst>
-              <a:ext uri="{FF2B5EF4-FFF2-40B4-BE49-F238E27FC236}">
-                <a16:creationId xmlns:a16="http://schemas.microsoft.com/office/drawing/2014/main" id="{93DDEAB8-11D3-6C70-07B9-CB6B3C0A3154}"/>
-              </a:ext>
-            </a:extLst>
-          </p:cNvPr>
-          <p:cNvCxnSpPr>
-            <a:cxnSpLocks/>
-            <a:stCxn id="113" idx="2"/>
-            <a:endCxn id="92" idx="0"/>
-          </p:cNvCxnSpPr>
-          <p:nvPr/>
-        </p:nvCxnSpPr>
-        <p:spPr>
-          <a:xfrm>
-            <a:off x="10346415" y="4525699"/>
-            <a:ext cx="1" cy="1546098"/>
-          </a:xfrm>
-          <a:prstGeom prst="straightConnector1">
-            <a:avLst/>
-          </a:prstGeom>
-          <a:ln w="25400">
-            <a:solidFill>
-              <a:srgbClr val="0070C0"/>
-            </a:solidFill>
-            <a:headEnd type="none" w="sm" len="lg"/>
-            <a:tailEnd type="arrow" w="sm" len="lg"/>
-          </a:ln>
-        </p:spPr>
-        <p:style>
-          <a:lnRef idx="1">
-            <a:schemeClr val="accent1"/>
-          </a:lnRef>
-          <a:fillRef idx="0">
-            <a:schemeClr val="accent1"/>
-          </a:fillRef>
-          <a:effectRef idx="0">
-            <a:schemeClr val="accent1"/>
-          </a:effectRef>
-          <a:fontRef idx="minor">
-            <a:schemeClr val="tx1"/>
-          </a:fontRef>
-        </p:style>
-      </p:cxnSp>
-      <p:sp>
-        <p:nvSpPr>
-          <p:cNvPr id="114" name="Rectangle: Rounded Corners 4">
-            <a:extLst>
-              <a:ext uri="{FF2B5EF4-FFF2-40B4-BE49-F238E27FC236}">
-                <a16:creationId xmlns:a16="http://schemas.microsoft.com/office/drawing/2014/main" id="{21B3C9ED-407A-CCAC-A0CE-C7569C860737}"/>
-              </a:ext>
-            </a:extLst>
-          </p:cNvPr>
-          <p:cNvSpPr/>
-          <p:nvPr/>
-        </p:nvSpPr>
-        <p:spPr>
-          <a:xfrm>
-            <a:off x="9059809" y="155354"/>
-            <a:ext cx="2551184" cy="6433325"/>
-          </a:xfrm>
-          <a:prstGeom prst="roundRect">
-            <a:avLst/>
-          </a:prstGeom>
-          <a:noFill/>
-          <a:ln w="25400">
-            <a:solidFill>
-              <a:srgbClr val="0070C0"/>
-            </a:solidFill>
-            <a:prstDash val="sysDash"/>
-          </a:ln>
-        </p:spPr>
-        <p:style>
-          <a:lnRef idx="2">
-            <a:schemeClr val="accent1">
-              <a:shade val="50000"/>
-            </a:schemeClr>
-          </a:lnRef>
-          <a:fillRef idx="1">
-            <a:schemeClr val="accent1"/>
-          </a:fillRef>
-          <a:effectRef idx="0">
-            <a:schemeClr val="accent1"/>
-          </a:effectRef>
-          <a:fontRef idx="minor">
-            <a:schemeClr val="lt1"/>
-          </a:fontRef>
-        </p:style>
-        <p:txBody>
-          <a:bodyPr rtlCol="0" anchor="ctr"/>
-          <a:lstStyle/>
-          <a:p>
-            <a:pPr algn="ctr" defTabSz="685800" fontAlgn="base">
-              <a:spcBef>
-                <a:spcPct val="0"/>
-              </a:spcBef>
-              <a:spcAft>
-                <a:spcPct val="0"/>
-              </a:spcAft>
-              <a:defRPr/>
-            </a:pPr>
-            <a:endParaRPr lang="en-US" sz="900" dirty="0">
-              <a:solidFill>
-                <a:schemeClr val="tx1"/>
-              </a:solidFill>
-              <a:latin typeface="Alibaba PuHuiTi M" pitchFamily="18" charset="-122"/>
-              <a:ea typeface="Alibaba PuHuiTi M" pitchFamily="18" charset="-122"/>
-              <a:cs typeface="Alibaba PuHuiTi M" pitchFamily="18" charset="-122"/>
-            </a:endParaRPr>
-          </a:p>
-        </p:txBody>
-      </p:sp>
-      <p:grpSp>
-        <p:nvGrpSpPr>
-          <p:cNvPr id="2" name="Group 1">
-            <a:extLst>
-              <a:ext uri="{FF2B5EF4-FFF2-40B4-BE49-F238E27FC236}">
-                <a16:creationId xmlns:a16="http://schemas.microsoft.com/office/drawing/2014/main" id="{5E76F9EC-E320-90AE-75BD-3038FD4D8ABC}"/>
+                <a16:creationId xmlns:a16="http://schemas.microsoft.com/office/drawing/2014/main" id="{B37DE32A-6A36-0BAB-D732-6BB47506036B}"/>
               </a:ext>
             </a:extLst>
           </p:cNvPr>
@@ -14871,18 +13638,18 @@
         </p:nvGrpSpPr>
         <p:grpSpPr>
           <a:xfrm>
-            <a:off x="1712524" y="947409"/>
-            <a:ext cx="1577684" cy="652396"/>
-            <a:chOff x="6743980" y="2882432"/>
-            <a:chExt cx="2116478" cy="870527"/>
+            <a:off x="702313" y="155354"/>
+            <a:ext cx="10908680" cy="6433325"/>
+            <a:chOff x="702313" y="155354"/>
+            <a:chExt cx="10908680" cy="6433325"/>
           </a:xfrm>
         </p:grpSpPr>
         <p:sp>
           <p:nvSpPr>
-            <p:cNvPr id="3" name="矩形 3">
+            <p:cNvPr id="65" name="Rectangle: Rounded Corners 4">
               <a:extLst>
                 <a:ext uri="{FF2B5EF4-FFF2-40B4-BE49-F238E27FC236}">
-                  <a16:creationId xmlns:a16="http://schemas.microsoft.com/office/drawing/2014/main" id="{8F12623E-F63D-0BAD-DD63-3F5BA94932D1}"/>
+                  <a16:creationId xmlns:a16="http://schemas.microsoft.com/office/drawing/2014/main" id="{0B28F85E-3893-C4AA-4541-510CD1FFBC11}"/>
                 </a:ext>
               </a:extLst>
             </p:cNvPr>
@@ -14891,30 +13658,30 @@
           </p:nvSpPr>
           <p:spPr>
             <a:xfrm>
-              <a:off x="6743980" y="3314373"/>
-              <a:ext cx="2116478" cy="438586"/>
+              <a:off x="3134038" y="155354"/>
+              <a:ext cx="1225789" cy="384721"/>
             </a:xfrm>
-            <a:prstGeom prst="rect">
+            <a:prstGeom prst="roundRect">
               <a:avLst/>
             </a:prstGeom>
             <a:noFill/>
             <a:ln w="25400">
               <a:solidFill>
-                <a:schemeClr val="tx1"/>
+                <a:srgbClr val="0070C0"/>
               </a:solidFill>
             </a:ln>
           </p:spPr>
           <p:style>
             <a:lnRef idx="2">
-              <a:schemeClr val="accent2">
+              <a:schemeClr val="accent1">
                 <a:shade val="50000"/>
               </a:schemeClr>
             </a:lnRef>
             <a:fillRef idx="1">
-              <a:schemeClr val="accent2"/>
+              <a:schemeClr val="accent1"/>
             </a:fillRef>
             <a:effectRef idx="0">
-              <a:schemeClr val="accent2"/>
+              <a:schemeClr val="accent1"/>
             </a:effectRef>
             <a:fontRef idx="minor">
               <a:schemeClr val="lt1"/>
@@ -14924,93 +13691,65 @@
             <a:bodyPr rtlCol="0" anchor="ctr"/>
             <a:lstStyle/>
             <a:p>
-              <a:pPr algn="ctr"/>
+              <a:pPr algn="ctr" defTabSz="685800" fontAlgn="base">
+                <a:spcBef>
+                  <a:spcPct val="0"/>
+                </a:spcBef>
+                <a:spcAft>
+                  <a:spcPct val="0"/>
+                </a:spcAft>
+                <a:defRPr/>
+              </a:pPr>
               <a:r>
-                <a:rPr kumimoji="1" lang="en-US" altLang="zh-CN" sz="1100" b="1" dirty="0" err="1">
+                <a:rPr lang="en-US" altLang="zh-CN" sz="1200" b="1" dirty="0" err="1">
                   <a:solidFill>
-                    <a:sysClr val="windowText" lastClr="000000"/>
+                    <a:srgbClr val="0070C0"/>
                   </a:solidFill>
-                  <a:latin typeface="DengXian" panose="02010600030101010101" pitchFamily="2" charset="-122"/>
-                  <a:ea typeface="DengXian" panose="02010600030101010101" pitchFamily="2" charset="-122"/>
+                  <a:latin typeface="Alibaba PuHuiTi M" pitchFamily="18" charset="-122"/>
+                  <a:ea typeface="Alibaba PuHuiTi M" pitchFamily="18" charset="-122"/>
+                  <a:cs typeface="Alibaba PuHuiTi M" pitchFamily="18" charset="-122"/>
                 </a:rPr>
-                <a:t>person</a:t>
+                <a:t>Txn</a:t>
               </a:r>
               <a:r>
-                <a:rPr kumimoji="1" lang="en-US" altLang="zh-CN" sz="1100" dirty="0" err="1">
+                <a:rPr lang="zh-CN" altLang="en-US" sz="1200" b="1" dirty="0">
                   <a:solidFill>
-                    <a:sysClr val="windowText" lastClr="000000"/>
+                    <a:srgbClr val="0070C0"/>
                   </a:solidFill>
-                  <a:latin typeface="DengXian" panose="02010600030101010101" pitchFamily="2" charset="-122"/>
-                  <a:ea typeface="DengXian" panose="02010600030101010101" pitchFamily="2" charset="-122"/>
-                </a:rPr>
-                <a:t>.id</a:t>
-              </a:r>
-              <a:r>
-                <a:rPr kumimoji="1" lang="en-US" altLang="zh-CN" sz="1100" dirty="0">
-                  <a:solidFill>
-                    <a:sysClr val="windowText" lastClr="000000"/>
-                  </a:solidFill>
-                  <a:latin typeface="DengXian" panose="02010600030101010101" pitchFamily="2" charset="-122"/>
-                  <a:ea typeface="DengXian" panose="02010600030101010101" pitchFamily="2" charset="-122"/>
-                </a:rPr>
-                <a:t>:</a:t>
-              </a:r>
-              <a:r>
-                <a:rPr kumimoji="1" lang="zh-CN" altLang="en-US" sz="1100" dirty="0">
-                  <a:solidFill>
-                    <a:sysClr val="windowText" lastClr="000000"/>
-                  </a:solidFill>
-                  <a:latin typeface="DengXian" panose="02010600030101010101" pitchFamily="2" charset="-122"/>
-                  <a:ea typeface="DengXian" panose="02010600030101010101" pitchFamily="2" charset="-122"/>
+                  <a:latin typeface="Alibaba PuHuiTi M" pitchFamily="18" charset="-122"/>
+                  <a:ea typeface="Alibaba PuHuiTi M" pitchFamily="18" charset="-122"/>
+                  <a:cs typeface="Alibaba PuHuiTi M" pitchFamily="18" charset="-122"/>
                 </a:rPr>
                 <a:t> </a:t>
               </a:r>
               <a:r>
-                <a:rPr kumimoji="1" lang="en-US" altLang="zh-CN" sz="1100" dirty="0">
+                <a:rPr lang="en-US" altLang="zh-CN" sz="1200" b="1" dirty="0">
                   <a:solidFill>
-                    <a:sysClr val="windowText" lastClr="000000"/>
+                    <a:srgbClr val="0070C0"/>
                   </a:solidFill>
-                  <a:latin typeface="DengXian" panose="02010600030101010101" pitchFamily="2" charset="-122"/>
-                  <a:ea typeface="DengXian" panose="02010600030101010101" pitchFamily="2" charset="-122"/>
+                  <a:latin typeface="Alibaba PuHuiTi M" pitchFamily="18" charset="-122"/>
+                  <a:ea typeface="Alibaba PuHuiTi M" pitchFamily="18" charset="-122"/>
+                  <a:cs typeface="Alibaba PuHuiTi M" pitchFamily="18" charset="-122"/>
                 </a:rPr>
-                <a:t>${</a:t>
+                <a:t>Begin</a:t>
               </a:r>
-              <a:r>
-                <a:rPr kumimoji="1" lang="en-US" altLang="zh-CN" sz="1100" dirty="0" err="1">
-                  <a:solidFill>
-                    <a:sysClr val="windowText" lastClr="000000"/>
-                  </a:solidFill>
-                  <a:latin typeface="DengXian" panose="02010600030101010101" pitchFamily="2" charset="-122"/>
-                  <a:ea typeface="DengXian" panose="02010600030101010101" pitchFamily="2" charset="-122"/>
-                </a:rPr>
-                <a:t>srcId</a:t>
-              </a:r>
-              <a:r>
-                <a:rPr kumimoji="1" lang="en-US" altLang="zh-CN" sz="1100" dirty="0">
-                  <a:solidFill>
-                    <a:sysClr val="windowText" lastClr="000000"/>
-                  </a:solidFill>
-                  <a:latin typeface="DengXian" panose="02010600030101010101" pitchFamily="2" charset="-122"/>
-                  <a:ea typeface="DengXian" panose="02010600030101010101" pitchFamily="2" charset="-122"/>
-                </a:rPr>
-                <a:t>}</a:t>
-              </a:r>
-              <a:endParaRPr kumimoji="1" lang="zh-CN" altLang="en-US" sz="1100" dirty="0">
+              <a:endParaRPr lang="en-US" sz="900" dirty="0">
                 <a:solidFill>
-                  <a:sysClr val="windowText" lastClr="000000"/>
+                  <a:srgbClr val="0070C0"/>
                 </a:solidFill>
-                <a:latin typeface="DengXian" panose="02010600030101010101" pitchFamily="2" charset="-122"/>
-                <a:ea typeface="DengXian" panose="02010600030101010101" pitchFamily="2" charset="-122"/>
+                <a:latin typeface="Alibaba PuHuiTi M" pitchFamily="18" charset="-122"/>
+                <a:ea typeface="Alibaba PuHuiTi M" pitchFamily="18" charset="-122"/>
+                <a:cs typeface="Alibaba PuHuiTi M" pitchFamily="18" charset="-122"/>
               </a:endParaRPr>
             </a:p>
           </p:txBody>
         </p:sp>
         <p:sp>
           <p:nvSpPr>
-            <p:cNvPr id="5" name="矩形 9">
+            <p:cNvPr id="67" name="Rectangle: Rounded Corners 4">
               <a:extLst>
                 <a:ext uri="{FF2B5EF4-FFF2-40B4-BE49-F238E27FC236}">
-                  <a16:creationId xmlns:a16="http://schemas.microsoft.com/office/drawing/2014/main" id="{50FEE619-02E9-8DC5-D5C2-A25879926CC7}"/>
+                  <a16:creationId xmlns:a16="http://schemas.microsoft.com/office/drawing/2014/main" id="{9C3A10DB-5CA6-17C5-6A16-75C7ED260367}"/>
                 </a:ext>
               </a:extLst>
             </p:cNvPr>
@@ -15019,35 +13758,30 @@
           </p:nvSpPr>
           <p:spPr>
             <a:xfrm>
-              <a:off x="6743980" y="2882432"/>
-              <a:ext cx="2116478" cy="438592"/>
+              <a:off x="7189771" y="1082769"/>
+              <a:ext cx="1225789" cy="384721"/>
             </a:xfrm>
-            <a:prstGeom prst="rect">
+            <a:prstGeom prst="roundRect">
               <a:avLst/>
             </a:prstGeom>
-            <a:solidFill>
-              <a:schemeClr val="accent6">
-                <a:lumMod val="60000"/>
-                <a:lumOff val="40000"/>
-              </a:schemeClr>
-            </a:solidFill>
+            <a:noFill/>
             <a:ln w="25400">
               <a:solidFill>
-                <a:schemeClr val="tx1"/>
+                <a:srgbClr val="0070C0"/>
               </a:solidFill>
             </a:ln>
           </p:spPr>
           <p:style>
             <a:lnRef idx="2">
-              <a:schemeClr val="accent2">
+              <a:schemeClr val="accent1">
                 <a:shade val="50000"/>
               </a:schemeClr>
             </a:lnRef>
             <a:fillRef idx="1">
-              <a:schemeClr val="accent2"/>
+              <a:schemeClr val="accent1"/>
             </a:fillRef>
             <a:effectRef idx="0">
-              <a:schemeClr val="accent2"/>
+              <a:schemeClr val="accent1"/>
             </a:effectRef>
             <a:fontRef idx="minor">
               <a:schemeClr val="lt1"/>
@@ -15057,82 +13791,65 @@
             <a:bodyPr rtlCol="0" anchor="ctr"/>
             <a:lstStyle/>
             <a:p>
-              <a:pPr algn="ctr"/>
+              <a:pPr algn="ctr" defTabSz="685800" fontAlgn="base">
+                <a:spcBef>
+                  <a:spcPct val="0"/>
+                </a:spcBef>
+                <a:spcAft>
+                  <a:spcPct val="0"/>
+                </a:spcAft>
+                <a:defRPr/>
+              </a:pPr>
               <a:r>
-                <a:rPr kumimoji="1" lang="en-US" altLang="zh-CN" sz="1100" b="1" dirty="0">
+                <a:rPr lang="en-US" altLang="zh-CN" sz="1200" b="1" dirty="0" err="1">
                   <a:solidFill>
-                    <a:sysClr val="windowText" lastClr="000000"/>
+                    <a:srgbClr val="0070C0"/>
                   </a:solidFill>
+                  <a:latin typeface="Alibaba PuHuiTi M" pitchFamily="18" charset="-122"/>
+                  <a:ea typeface="Alibaba PuHuiTi M" pitchFamily="18" charset="-122"/>
+                  <a:cs typeface="Alibaba PuHuiTi M" pitchFamily="18" charset="-122"/>
                 </a:rPr>
-                <a:t>person</a:t>
+                <a:t>Txn</a:t>
               </a:r>
               <a:r>
-                <a:rPr kumimoji="1" lang="zh-CN" altLang="en-US" sz="1100" dirty="0">
+                <a:rPr lang="zh-CN" altLang="en-US" sz="1200" b="1" dirty="0">
                   <a:solidFill>
-                    <a:sysClr val="windowText" lastClr="000000"/>
+                    <a:srgbClr val="0070C0"/>
                   </a:solidFill>
+                  <a:latin typeface="Alibaba PuHuiTi M" pitchFamily="18" charset="-122"/>
+                  <a:ea typeface="Alibaba PuHuiTi M" pitchFamily="18" charset="-122"/>
+                  <a:cs typeface="Alibaba PuHuiTi M" pitchFamily="18" charset="-122"/>
                 </a:rPr>
                 <a:t> </a:t>
               </a:r>
               <a:r>
-                <a:rPr kumimoji="1" lang="en-US" altLang="zh-CN" sz="1100" dirty="0">
+                <a:rPr lang="en-US" altLang="zh-CN" sz="1200" b="1" dirty="0">
                   <a:solidFill>
-                    <a:sysClr val="windowText" lastClr="000000"/>
+                    <a:srgbClr val="0070C0"/>
                   </a:solidFill>
+                  <a:latin typeface="Alibaba PuHuiTi M" pitchFamily="18" charset="-122"/>
+                  <a:ea typeface="Alibaba PuHuiTi M" pitchFamily="18" charset="-122"/>
+                  <a:cs typeface="Alibaba PuHuiTi M" pitchFamily="18" charset="-122"/>
                 </a:rPr>
-                <a:t>:</a:t>
+                <a:t>Abort</a:t>
               </a:r>
-              <a:r>
-                <a:rPr kumimoji="1" lang="zh-CN" altLang="en-US" sz="1100" dirty="0">
-                  <a:solidFill>
-                    <a:sysClr val="windowText" lastClr="000000"/>
-                  </a:solidFill>
-                </a:rPr>
-                <a:t> </a:t>
-              </a:r>
-              <a:r>
-                <a:rPr kumimoji="1" lang="en-US" altLang="zh-CN" sz="1100" dirty="0">
-                  <a:solidFill>
-                    <a:sysClr val="windowText" lastClr="000000"/>
-                  </a:solidFill>
-                </a:rPr>
-                <a:t>Person</a:t>
-              </a:r>
-              <a:endParaRPr kumimoji="1" lang="zh-CN" altLang="en-US" sz="1100" dirty="0">
+              <a:endParaRPr lang="en-US" sz="900" dirty="0">
                 <a:solidFill>
-                  <a:sysClr val="windowText" lastClr="000000"/>
+                  <a:srgbClr val="0070C0"/>
                 </a:solidFill>
+                <a:latin typeface="Alibaba PuHuiTi M" pitchFamily="18" charset="-122"/>
+                <a:ea typeface="Alibaba PuHuiTi M" pitchFamily="18" charset="-122"/>
+                <a:cs typeface="Alibaba PuHuiTi M" pitchFamily="18" charset="-122"/>
               </a:endParaRPr>
             </a:p>
           </p:txBody>
         </p:sp>
-      </p:grpSp>
-      <p:grpSp>
-        <p:nvGrpSpPr>
-          <p:cNvPr id="7" name="Group 6">
-            <a:extLst>
-              <a:ext uri="{FF2B5EF4-FFF2-40B4-BE49-F238E27FC236}">
-                <a16:creationId xmlns:a16="http://schemas.microsoft.com/office/drawing/2014/main" id="{BD010806-E46F-F21B-D1AB-2B10C38987A7}"/>
-              </a:ext>
-            </a:extLst>
-          </p:cNvPr>
-          <p:cNvGrpSpPr/>
-          <p:nvPr/>
-        </p:nvGrpSpPr>
-        <p:grpSpPr>
-          <a:xfrm>
-            <a:off x="4203656" y="945452"/>
-            <a:ext cx="1577684" cy="652396"/>
-            <a:chOff x="6743980" y="2882432"/>
-            <a:chExt cx="2116478" cy="870527"/>
-          </a:xfrm>
-        </p:grpSpPr>
         <p:sp>
           <p:nvSpPr>
-            <p:cNvPr id="21" name="矩形 3">
+            <p:cNvPr id="68" name="Rectangle: Rounded Corners 4">
               <a:extLst>
                 <a:ext uri="{FF2B5EF4-FFF2-40B4-BE49-F238E27FC236}">
-                  <a16:creationId xmlns:a16="http://schemas.microsoft.com/office/drawing/2014/main" id="{1236B52D-95B6-4831-E01E-EF4988530D4F}"/>
+                  <a16:creationId xmlns:a16="http://schemas.microsoft.com/office/drawing/2014/main" id="{291663E7-B789-3A07-24D0-BE64EE3C7C00}"/>
                 </a:ext>
               </a:extLst>
             </p:cNvPr>
@@ -15141,30 +13858,30 @@
           </p:nvSpPr>
           <p:spPr>
             <a:xfrm>
-              <a:off x="6743980" y="3314373"/>
-              <a:ext cx="2116478" cy="438586"/>
+              <a:off x="3134038" y="6203958"/>
+              <a:ext cx="1225789" cy="384721"/>
             </a:xfrm>
-            <a:prstGeom prst="rect">
+            <a:prstGeom prst="roundRect">
               <a:avLst/>
             </a:prstGeom>
             <a:noFill/>
             <a:ln w="25400">
               <a:solidFill>
-                <a:schemeClr val="tx1"/>
+                <a:srgbClr val="0070C0"/>
               </a:solidFill>
             </a:ln>
           </p:spPr>
           <p:style>
             <a:lnRef idx="2">
-              <a:schemeClr val="accent2">
+              <a:schemeClr val="accent1">
                 <a:shade val="50000"/>
               </a:schemeClr>
             </a:lnRef>
             <a:fillRef idx="1">
-              <a:schemeClr val="accent2"/>
+              <a:schemeClr val="accent1"/>
             </a:fillRef>
             <a:effectRef idx="0">
-              <a:schemeClr val="accent2"/>
+              <a:schemeClr val="accent1"/>
             </a:effectRef>
             <a:fontRef idx="minor">
               <a:schemeClr val="lt1"/>
@@ -15174,93 +13891,65 @@
             <a:bodyPr rtlCol="0" anchor="ctr"/>
             <a:lstStyle/>
             <a:p>
-              <a:pPr algn="ctr"/>
+              <a:pPr algn="ctr" defTabSz="685800" fontAlgn="base">
+                <a:spcBef>
+                  <a:spcPct val="0"/>
+                </a:spcBef>
+                <a:spcAft>
+                  <a:spcPct val="0"/>
+                </a:spcAft>
+                <a:defRPr/>
+              </a:pPr>
               <a:r>
-                <a:rPr kumimoji="1" lang="en-US" altLang="zh-CN" sz="1100" b="1" dirty="0" err="1">
+                <a:rPr lang="en-US" altLang="zh-CN" sz="1200" b="1" dirty="0" err="1">
                   <a:solidFill>
-                    <a:sysClr val="windowText" lastClr="000000"/>
+                    <a:srgbClr val="0070C0"/>
                   </a:solidFill>
-                  <a:latin typeface="DengXian" panose="02010600030101010101" pitchFamily="2" charset="-122"/>
-                  <a:ea typeface="DengXian" panose="02010600030101010101" pitchFamily="2" charset="-122"/>
+                  <a:latin typeface="Alibaba PuHuiTi M" pitchFamily="18" charset="-122"/>
+                  <a:ea typeface="Alibaba PuHuiTi M" pitchFamily="18" charset="-122"/>
+                  <a:cs typeface="Alibaba PuHuiTi M" pitchFamily="18" charset="-122"/>
                 </a:rPr>
-                <a:t>person</a:t>
+                <a:t>Txn</a:t>
               </a:r>
               <a:r>
-                <a:rPr kumimoji="1" lang="en-US" altLang="zh-CN" sz="1100" dirty="0" err="1">
+                <a:rPr lang="zh-CN" altLang="en-US" sz="1200" b="1" dirty="0">
                   <a:solidFill>
-                    <a:sysClr val="windowText" lastClr="000000"/>
+                    <a:srgbClr val="0070C0"/>
                   </a:solidFill>
-                  <a:latin typeface="DengXian" panose="02010600030101010101" pitchFamily="2" charset="-122"/>
-                  <a:ea typeface="DengXian" panose="02010600030101010101" pitchFamily="2" charset="-122"/>
-                </a:rPr>
-                <a:t>.id</a:t>
-              </a:r>
-              <a:r>
-                <a:rPr kumimoji="1" lang="en-US" altLang="zh-CN" sz="1100" dirty="0">
-                  <a:solidFill>
-                    <a:sysClr val="windowText" lastClr="000000"/>
-                  </a:solidFill>
-                  <a:latin typeface="DengXian" panose="02010600030101010101" pitchFamily="2" charset="-122"/>
-                  <a:ea typeface="DengXian" panose="02010600030101010101" pitchFamily="2" charset="-122"/>
-                </a:rPr>
-                <a:t>:</a:t>
-              </a:r>
-              <a:r>
-                <a:rPr kumimoji="1" lang="zh-CN" altLang="en-US" sz="1100" dirty="0">
-                  <a:solidFill>
-                    <a:sysClr val="windowText" lastClr="000000"/>
-                  </a:solidFill>
-                  <a:latin typeface="DengXian" panose="02010600030101010101" pitchFamily="2" charset="-122"/>
-                  <a:ea typeface="DengXian" panose="02010600030101010101" pitchFamily="2" charset="-122"/>
+                  <a:latin typeface="Alibaba PuHuiTi M" pitchFamily="18" charset="-122"/>
+                  <a:ea typeface="Alibaba PuHuiTi M" pitchFamily="18" charset="-122"/>
+                  <a:cs typeface="Alibaba PuHuiTi M" pitchFamily="18" charset="-122"/>
                 </a:rPr>
                 <a:t> </a:t>
               </a:r>
               <a:r>
-                <a:rPr kumimoji="1" lang="en-US" altLang="zh-CN" sz="1100" dirty="0">
+                <a:rPr lang="en-US" altLang="zh-CN" sz="1200" b="1" dirty="0">
                   <a:solidFill>
-                    <a:sysClr val="windowText" lastClr="000000"/>
+                    <a:srgbClr val="0070C0"/>
                   </a:solidFill>
-                  <a:latin typeface="DengXian" panose="02010600030101010101" pitchFamily="2" charset="-122"/>
-                  <a:ea typeface="DengXian" panose="02010600030101010101" pitchFamily="2" charset="-122"/>
+                  <a:latin typeface="Alibaba PuHuiTi M" pitchFamily="18" charset="-122"/>
+                  <a:ea typeface="Alibaba PuHuiTi M" pitchFamily="18" charset="-122"/>
+                  <a:cs typeface="Alibaba PuHuiTi M" pitchFamily="18" charset="-122"/>
                 </a:rPr>
-                <a:t>${</a:t>
+                <a:t>Commit</a:t>
               </a:r>
-              <a:r>
-                <a:rPr kumimoji="1" lang="en-US" altLang="zh-CN" sz="1100" dirty="0" err="1">
-                  <a:solidFill>
-                    <a:sysClr val="windowText" lastClr="000000"/>
-                  </a:solidFill>
-                  <a:latin typeface="DengXian" panose="02010600030101010101" pitchFamily="2" charset="-122"/>
-                  <a:ea typeface="DengXian" panose="02010600030101010101" pitchFamily="2" charset="-122"/>
-                </a:rPr>
-                <a:t>dstId</a:t>
-              </a:r>
-              <a:r>
-                <a:rPr kumimoji="1" lang="en-US" altLang="zh-CN" sz="1100" dirty="0">
-                  <a:solidFill>
-                    <a:sysClr val="windowText" lastClr="000000"/>
-                  </a:solidFill>
-                  <a:latin typeface="DengXian" panose="02010600030101010101" pitchFamily="2" charset="-122"/>
-                  <a:ea typeface="DengXian" panose="02010600030101010101" pitchFamily="2" charset="-122"/>
-                </a:rPr>
-                <a:t>}</a:t>
-              </a:r>
-              <a:endParaRPr kumimoji="1" lang="zh-CN" altLang="en-US" sz="1100" dirty="0">
+              <a:endParaRPr lang="en-US" sz="900" dirty="0">
                 <a:solidFill>
-                  <a:sysClr val="windowText" lastClr="000000"/>
+                  <a:srgbClr val="0070C0"/>
                 </a:solidFill>
-                <a:latin typeface="DengXian" panose="02010600030101010101" pitchFamily="2" charset="-122"/>
-                <a:ea typeface="DengXian" panose="02010600030101010101" pitchFamily="2" charset="-122"/>
+                <a:latin typeface="Alibaba PuHuiTi M" pitchFamily="18" charset="-122"/>
+                <a:ea typeface="Alibaba PuHuiTi M" pitchFamily="18" charset="-122"/>
+                <a:cs typeface="Alibaba PuHuiTi M" pitchFamily="18" charset="-122"/>
               </a:endParaRPr>
             </a:p>
           </p:txBody>
         </p:sp>
         <p:sp>
           <p:nvSpPr>
-            <p:cNvPr id="22" name="矩形 9">
+            <p:cNvPr id="69" name="Rectangle: Rounded Corners 4">
               <a:extLst>
                 <a:ext uri="{FF2B5EF4-FFF2-40B4-BE49-F238E27FC236}">
-                  <a16:creationId xmlns:a16="http://schemas.microsoft.com/office/drawing/2014/main" id="{101B88CC-D5B6-36EC-4F9D-417DDAE3ED99}"/>
+                  <a16:creationId xmlns:a16="http://schemas.microsoft.com/office/drawing/2014/main" id="{7D74BCA8-1B71-FA06-F79B-8F61A9013961}"/>
                 </a:ext>
               </a:extLst>
             </p:cNvPr>
@@ -15269,35 +13958,30 @@
           </p:nvSpPr>
           <p:spPr>
             <a:xfrm>
-              <a:off x="6743980" y="2882432"/>
-              <a:ext cx="2116478" cy="438592"/>
+              <a:off x="7189771" y="4422855"/>
+              <a:ext cx="1225789" cy="384721"/>
             </a:xfrm>
-            <a:prstGeom prst="rect">
+            <a:prstGeom prst="roundRect">
               <a:avLst/>
             </a:prstGeom>
-            <a:solidFill>
-              <a:schemeClr val="accent6">
-                <a:lumMod val="60000"/>
-                <a:lumOff val="40000"/>
-              </a:schemeClr>
-            </a:solidFill>
+            <a:noFill/>
             <a:ln w="25400">
               <a:solidFill>
-                <a:schemeClr val="tx1"/>
+                <a:srgbClr val="0070C0"/>
               </a:solidFill>
             </a:ln>
           </p:spPr>
           <p:style>
             <a:lnRef idx="2">
-              <a:schemeClr val="accent2">
+              <a:schemeClr val="accent1">
                 <a:shade val="50000"/>
               </a:schemeClr>
             </a:lnRef>
             <a:fillRef idx="1">
-              <a:schemeClr val="accent2"/>
+              <a:schemeClr val="accent1"/>
             </a:fillRef>
             <a:effectRef idx="0">
-              <a:schemeClr val="accent2"/>
+              <a:schemeClr val="accent1"/>
             </a:effectRef>
             <a:fontRef idx="minor">
               <a:schemeClr val="lt1"/>
@@ -15307,82 +13991,65 @@
             <a:bodyPr rtlCol="0" anchor="ctr"/>
             <a:lstStyle/>
             <a:p>
-              <a:pPr algn="ctr"/>
+              <a:pPr algn="ctr" defTabSz="685800" fontAlgn="base">
+                <a:spcBef>
+                  <a:spcPct val="0"/>
+                </a:spcBef>
+                <a:spcAft>
+                  <a:spcPct val="0"/>
+                </a:spcAft>
+                <a:defRPr/>
+              </a:pPr>
               <a:r>
-                <a:rPr kumimoji="1" lang="en-US" altLang="zh-CN" sz="1100" b="1" dirty="0">
+                <a:rPr lang="en-US" altLang="zh-CN" sz="1200" b="1" dirty="0" err="1">
                   <a:solidFill>
-                    <a:sysClr val="windowText" lastClr="000000"/>
+                    <a:srgbClr val="0070C0"/>
                   </a:solidFill>
+                  <a:latin typeface="Alibaba PuHuiTi M" pitchFamily="18" charset="-122"/>
+                  <a:ea typeface="Alibaba PuHuiTi M" pitchFamily="18" charset="-122"/>
+                  <a:cs typeface="Alibaba PuHuiTi M" pitchFamily="18" charset="-122"/>
                 </a:rPr>
-                <a:t>person</a:t>
+                <a:t>Txn</a:t>
               </a:r>
               <a:r>
-                <a:rPr kumimoji="1" lang="zh-CN" altLang="en-US" sz="1100" dirty="0">
+                <a:rPr lang="zh-CN" altLang="en-US" sz="1200" b="1" dirty="0">
                   <a:solidFill>
-                    <a:sysClr val="windowText" lastClr="000000"/>
+                    <a:srgbClr val="0070C0"/>
                   </a:solidFill>
+                  <a:latin typeface="Alibaba PuHuiTi M" pitchFamily="18" charset="-122"/>
+                  <a:ea typeface="Alibaba PuHuiTi M" pitchFamily="18" charset="-122"/>
+                  <a:cs typeface="Alibaba PuHuiTi M" pitchFamily="18" charset="-122"/>
                 </a:rPr>
                 <a:t> </a:t>
               </a:r>
               <a:r>
-                <a:rPr kumimoji="1" lang="en-US" altLang="zh-CN" sz="1100" dirty="0">
+                <a:rPr lang="en-US" altLang="zh-CN" sz="1200" b="1" dirty="0">
                   <a:solidFill>
-                    <a:sysClr val="windowText" lastClr="000000"/>
+                    <a:srgbClr val="0070C0"/>
                   </a:solidFill>
+                  <a:latin typeface="Alibaba PuHuiTi M" pitchFamily="18" charset="-122"/>
+                  <a:ea typeface="Alibaba PuHuiTi M" pitchFamily="18" charset="-122"/>
+                  <a:cs typeface="Alibaba PuHuiTi M" pitchFamily="18" charset="-122"/>
                 </a:rPr>
-                <a:t>:</a:t>
+                <a:t>Abort</a:t>
               </a:r>
-              <a:r>
-                <a:rPr kumimoji="1" lang="zh-CN" altLang="en-US" sz="1100" dirty="0">
-                  <a:solidFill>
-                    <a:sysClr val="windowText" lastClr="000000"/>
-                  </a:solidFill>
-                </a:rPr>
-                <a:t> </a:t>
-              </a:r>
-              <a:r>
-                <a:rPr kumimoji="1" lang="en-US" altLang="zh-CN" sz="1100" dirty="0">
-                  <a:solidFill>
-                    <a:sysClr val="windowText" lastClr="000000"/>
-                  </a:solidFill>
-                </a:rPr>
-                <a:t>Person</a:t>
-              </a:r>
-              <a:endParaRPr kumimoji="1" lang="zh-CN" altLang="en-US" sz="1100" dirty="0">
+              <a:endParaRPr lang="en-US" sz="900" dirty="0">
                 <a:solidFill>
-                  <a:sysClr val="windowText" lastClr="000000"/>
+                  <a:srgbClr val="0070C0"/>
                 </a:solidFill>
+                <a:latin typeface="Alibaba PuHuiTi M" pitchFamily="18" charset="-122"/>
+                <a:ea typeface="Alibaba PuHuiTi M" pitchFamily="18" charset="-122"/>
+                <a:cs typeface="Alibaba PuHuiTi M" pitchFamily="18" charset="-122"/>
               </a:endParaRPr>
             </a:p>
           </p:txBody>
         </p:sp>
-      </p:grpSp>
-      <p:grpSp>
-        <p:nvGrpSpPr>
-          <p:cNvPr id="25" name="Group 24">
-            <a:extLst>
-              <a:ext uri="{FF2B5EF4-FFF2-40B4-BE49-F238E27FC236}">
-                <a16:creationId xmlns:a16="http://schemas.microsoft.com/office/drawing/2014/main" id="{4423D10F-F3B0-39F5-180C-6A27E93831E7}"/>
-              </a:ext>
-            </a:extLst>
-          </p:cNvPr>
-          <p:cNvGrpSpPr/>
-          <p:nvPr/>
-        </p:nvGrpSpPr>
-        <p:grpSpPr>
-          <a:xfrm>
-            <a:off x="1112901" y="2176526"/>
-            <a:ext cx="1542598" cy="749759"/>
-            <a:chOff x="1688770" y="3906297"/>
-            <a:chExt cx="1316761" cy="800069"/>
-          </a:xfrm>
-        </p:grpSpPr>
         <p:sp>
           <p:nvSpPr>
-            <p:cNvPr id="32" name="矩形 4">
+            <p:cNvPr id="72" name="Rectangle: Rounded Corners 4">
               <a:extLst>
                 <a:ext uri="{FF2B5EF4-FFF2-40B4-BE49-F238E27FC236}">
-                  <a16:creationId xmlns:a16="http://schemas.microsoft.com/office/drawing/2014/main" id="{DFFFDB3A-0F2B-E642-A956-A46EA84F6231}"/>
+                  <a16:creationId xmlns:a16="http://schemas.microsoft.com/office/drawing/2014/main" id="{CB028E68-4F21-33A4-3416-A6A85D236BB5}"/>
                 </a:ext>
               </a:extLst>
             </p:cNvPr>
@@ -15391,2134 +14058,8 @@
           </p:nvSpPr>
           <p:spPr>
             <a:xfrm>
-              <a:off x="1688770" y="3906297"/>
-              <a:ext cx="1316760" cy="430356"/>
-            </a:xfrm>
-            <a:prstGeom prst="rect">
-              <a:avLst/>
-            </a:prstGeom>
-            <a:solidFill>
-              <a:schemeClr val="accent6">
-                <a:lumMod val="60000"/>
-                <a:lumOff val="40000"/>
-              </a:schemeClr>
-            </a:solidFill>
-            <a:ln w="28575">
-              <a:solidFill>
-                <a:schemeClr val="tx1"/>
-              </a:solidFill>
-            </a:ln>
-          </p:spPr>
-          <p:style>
-            <a:lnRef idx="2">
-              <a:schemeClr val="accent2">
-                <a:shade val="50000"/>
-              </a:schemeClr>
-            </a:lnRef>
-            <a:fillRef idx="1">
-              <a:schemeClr val="accent2"/>
-            </a:fillRef>
-            <a:effectRef idx="0">
-              <a:schemeClr val="accent2"/>
-            </a:effectRef>
-            <a:fontRef idx="minor">
-              <a:schemeClr val="lt1"/>
-            </a:fontRef>
-          </p:style>
-          <p:txBody>
-            <a:bodyPr rtlCol="0" anchor="ctr"/>
-            <a:lstStyle/>
-            <a:p>
-              <a:pPr algn="ctr"/>
-              <a:r>
-                <a:rPr kumimoji="1" lang="en-US" altLang="zh-CN" sz="1100" b="1" dirty="0">
-                  <a:solidFill>
-                    <a:sysClr val="windowText" lastClr="000000"/>
-                  </a:solidFill>
-                </a:rPr>
-                <a:t>person:</a:t>
-              </a:r>
-              <a:r>
-                <a:rPr kumimoji="1" lang="zh-CN" altLang="en-US" sz="1100" b="1" dirty="0">
-                  <a:solidFill>
-                    <a:sysClr val="windowText" lastClr="000000"/>
-                  </a:solidFill>
-                </a:rPr>
-                <a:t> </a:t>
-              </a:r>
-              <a:r>
-                <a:rPr kumimoji="1" lang="en-US" altLang="zh-CN" sz="1100" dirty="0">
-                  <a:solidFill>
-                    <a:sysClr val="windowText" lastClr="000000"/>
-                  </a:solidFill>
-                </a:rPr>
-                <a:t>Person</a:t>
-              </a:r>
-              <a:endParaRPr kumimoji="1" lang="zh-CN" altLang="en-US" sz="1100" dirty="0">
-                <a:solidFill>
-                  <a:sysClr val="windowText" lastClr="000000"/>
-                </a:solidFill>
-              </a:endParaRPr>
-            </a:p>
-          </p:txBody>
-        </p:sp>
-        <p:sp>
-          <p:nvSpPr>
-            <p:cNvPr id="33" name="矩形 5">
-              <a:extLst>
-                <a:ext uri="{FF2B5EF4-FFF2-40B4-BE49-F238E27FC236}">
-                  <a16:creationId xmlns:a16="http://schemas.microsoft.com/office/drawing/2014/main" id="{E7269ECB-BE76-BDC7-D470-DD87AAF70412}"/>
-                </a:ext>
-              </a:extLst>
-            </p:cNvPr>
-            <p:cNvSpPr/>
-            <p:nvPr/>
-          </p:nvSpPr>
-          <p:spPr>
-            <a:xfrm>
-              <a:off x="1688770" y="4336653"/>
-              <a:ext cx="1316761" cy="369713"/>
-            </a:xfrm>
-            <a:prstGeom prst="rect">
-              <a:avLst/>
-            </a:prstGeom>
-            <a:noFill/>
-            <a:ln w="28575">
-              <a:solidFill>
-                <a:schemeClr val="tx1"/>
-              </a:solidFill>
-            </a:ln>
-          </p:spPr>
-          <p:style>
-            <a:lnRef idx="2">
-              <a:schemeClr val="accent2">
-                <a:shade val="50000"/>
-              </a:schemeClr>
-            </a:lnRef>
-            <a:fillRef idx="1">
-              <a:schemeClr val="accent2"/>
-            </a:fillRef>
-            <a:effectRef idx="0">
-              <a:schemeClr val="accent2"/>
-            </a:effectRef>
-            <a:fontRef idx="minor">
-              <a:schemeClr val="lt1"/>
-            </a:fontRef>
-          </p:style>
-          <p:txBody>
-            <a:bodyPr rtlCol="0" anchor="ctr"/>
-            <a:lstStyle/>
-            <a:p>
-              <a:pPr algn="ctr"/>
-              <a:r>
-                <a:rPr kumimoji="1" lang="en-US" altLang="zh-CN" sz="1100" dirty="0" err="1">
-                  <a:solidFill>
-                    <a:sysClr val="windowText" lastClr="000000"/>
-                  </a:solidFill>
-                  <a:latin typeface="DengXian" panose="02010600030101010101" pitchFamily="2" charset="-122"/>
-                  <a:ea typeface="DengXian" panose="02010600030101010101" pitchFamily="2" charset="-122"/>
-                </a:rPr>
-                <a:t>person.id</a:t>
-              </a:r>
-              <a:r>
-                <a:rPr kumimoji="1" lang="zh-CN" altLang="en-US" sz="1100" dirty="0">
-                  <a:solidFill>
-                    <a:sysClr val="windowText" lastClr="000000"/>
-                  </a:solidFill>
-                  <a:latin typeface="DengXian" panose="02010600030101010101" pitchFamily="2" charset="-122"/>
-                  <a:ea typeface="DengXian" panose="02010600030101010101" pitchFamily="2" charset="-122"/>
-                </a:rPr>
-                <a:t> </a:t>
-              </a:r>
-              <a:r>
-                <a:rPr kumimoji="1" lang="en-US" altLang="zh-CN" sz="1100" dirty="0">
-                  <a:solidFill>
-                    <a:sysClr val="windowText" lastClr="000000"/>
-                  </a:solidFill>
-                  <a:latin typeface="DengXian" panose="02010600030101010101" pitchFamily="2" charset="-122"/>
-                  <a:ea typeface="DengXian" panose="02010600030101010101" pitchFamily="2" charset="-122"/>
-                </a:rPr>
-                <a:t>=</a:t>
-              </a:r>
-              <a:r>
-                <a:rPr kumimoji="1" lang="zh-CN" altLang="en-US" sz="1100" dirty="0">
-                  <a:solidFill>
-                    <a:sysClr val="windowText" lastClr="000000"/>
-                  </a:solidFill>
-                  <a:latin typeface="DengXian" panose="02010600030101010101" pitchFamily="2" charset="-122"/>
-                  <a:ea typeface="DengXian" panose="02010600030101010101" pitchFamily="2" charset="-122"/>
-                </a:rPr>
-                <a:t> </a:t>
-              </a:r>
-              <a:r>
-                <a:rPr kumimoji="1" lang="en-US" altLang="zh-CN" sz="1100" dirty="0">
-                  <a:solidFill>
-                    <a:sysClr val="windowText" lastClr="000000"/>
-                  </a:solidFill>
-                  <a:latin typeface="DengXian" panose="02010600030101010101" pitchFamily="2" charset="-122"/>
-                  <a:ea typeface="DengXian" panose="02010600030101010101" pitchFamily="2" charset="-122"/>
-                </a:rPr>
-                <a:t>${</a:t>
-              </a:r>
-              <a:r>
-                <a:rPr kumimoji="1" lang="en-US" altLang="zh-CN" sz="1100" dirty="0" err="1">
-                  <a:solidFill>
-                    <a:sysClr val="windowText" lastClr="000000"/>
-                  </a:solidFill>
-                  <a:latin typeface="DengXian" panose="02010600030101010101" pitchFamily="2" charset="-122"/>
-                  <a:ea typeface="DengXian" panose="02010600030101010101" pitchFamily="2" charset="-122"/>
-                </a:rPr>
-                <a:t>srcId</a:t>
-              </a:r>
-              <a:r>
-                <a:rPr kumimoji="1" lang="en-US" altLang="zh-CN" sz="1100" dirty="0">
-                  <a:solidFill>
-                    <a:sysClr val="windowText" lastClr="000000"/>
-                  </a:solidFill>
-                  <a:latin typeface="DengXian" panose="02010600030101010101" pitchFamily="2" charset="-122"/>
-                  <a:ea typeface="DengXian" panose="02010600030101010101" pitchFamily="2" charset="-122"/>
-                </a:rPr>
-                <a:t>}</a:t>
-              </a:r>
-            </a:p>
-          </p:txBody>
-        </p:sp>
-      </p:grpSp>
-      <p:cxnSp>
-        <p:nvCxnSpPr>
-          <p:cNvPr id="26" name="直线箭头连接符 6" descr="jytjh">
-            <a:extLst>
-              <a:ext uri="{FF2B5EF4-FFF2-40B4-BE49-F238E27FC236}">
-                <a16:creationId xmlns:a16="http://schemas.microsoft.com/office/drawing/2014/main" id="{47FD0362-27EC-49BB-4629-B2EBDF26E75C}"/>
-              </a:ext>
-            </a:extLst>
-          </p:cNvPr>
-          <p:cNvCxnSpPr>
-            <a:cxnSpLocks/>
-            <a:stCxn id="32" idx="3"/>
-            <a:endCxn id="30" idx="1"/>
-          </p:cNvCxnSpPr>
-          <p:nvPr/>
-        </p:nvCxnSpPr>
-        <p:spPr>
-          <a:xfrm flipV="1">
-            <a:off x="2655498" y="2374701"/>
-            <a:ext cx="2210931" cy="3472"/>
-          </a:xfrm>
-          <a:prstGeom prst="straightConnector1">
-            <a:avLst/>
-          </a:prstGeom>
-          <a:ln w="28575">
-            <a:solidFill>
-              <a:schemeClr val="tx1"/>
-            </a:solidFill>
-            <a:headEnd type="none" w="sm" len="lg"/>
-            <a:tailEnd type="arrow" w="sm" len="lg"/>
-          </a:ln>
-        </p:spPr>
-        <p:style>
-          <a:lnRef idx="1">
-            <a:schemeClr val="accent1"/>
-          </a:lnRef>
-          <a:fillRef idx="0">
-            <a:schemeClr val="accent1"/>
-          </a:fillRef>
-          <a:effectRef idx="0">
-            <a:schemeClr val="accent1"/>
-          </a:effectRef>
-          <a:fontRef idx="minor">
-            <a:schemeClr val="tx1"/>
-          </a:fontRef>
-        </p:style>
-      </p:cxnSp>
-      <p:sp>
-        <p:nvSpPr>
-          <p:cNvPr id="27" name="文本框 7">
-            <a:extLst>
-              <a:ext uri="{FF2B5EF4-FFF2-40B4-BE49-F238E27FC236}">
-                <a16:creationId xmlns:a16="http://schemas.microsoft.com/office/drawing/2014/main" id="{91D8187F-8E8F-FE27-1B1E-AC79F3BFA0D1}"/>
-              </a:ext>
-            </a:extLst>
-          </p:cNvPr>
-          <p:cNvSpPr txBox="1"/>
-          <p:nvPr/>
-        </p:nvSpPr>
-        <p:spPr>
-          <a:xfrm>
-            <a:off x="2989335" y="2110369"/>
-            <a:ext cx="1459671" cy="220197"/>
-          </a:xfrm>
-          <a:prstGeom prst="rect">
-            <a:avLst/>
-          </a:prstGeom>
-          <a:noFill/>
-        </p:spPr>
-        <p:txBody>
-          <a:bodyPr wrap="square" rtlCol="0">
-            <a:spAutoFit/>
-          </a:bodyPr>
-          <a:lstStyle/>
-          <a:p>
-            <a:pPr algn="ctr"/>
-            <a:r>
-              <a:rPr kumimoji="1" lang="en-US" altLang="zh-CN" sz="1200" b="1" dirty="0" err="1">
-                <a:latin typeface="DengXian" panose="02010600030101010101" pitchFamily="2" charset="-122"/>
-                <a:ea typeface="DengXian" panose="02010600030101010101" pitchFamily="2" charset="-122"/>
-              </a:rPr>
-              <a:t>gurantee</a:t>
-            </a:r>
-            <a:endParaRPr kumimoji="1" lang="en-US" altLang="zh-CN" sz="1200" dirty="0">
-              <a:latin typeface="DengXian" panose="02010600030101010101" pitchFamily="2" charset="-122"/>
-              <a:ea typeface="DengXian" panose="02010600030101010101" pitchFamily="2" charset="-122"/>
-            </a:endParaRPr>
-          </a:p>
-        </p:txBody>
-      </p:sp>
-      <p:sp>
-        <p:nvSpPr>
-          <p:cNvPr id="28" name="文本框 7">
-            <a:extLst>
-              <a:ext uri="{FF2B5EF4-FFF2-40B4-BE49-F238E27FC236}">
-                <a16:creationId xmlns:a16="http://schemas.microsoft.com/office/drawing/2014/main" id="{3189A410-A816-4DE5-9FD2-CF2BEC9EFDEE}"/>
-              </a:ext>
-            </a:extLst>
-          </p:cNvPr>
-          <p:cNvSpPr txBox="1"/>
-          <p:nvPr/>
-        </p:nvSpPr>
-        <p:spPr>
-          <a:xfrm>
-            <a:off x="2700469" y="2445543"/>
-            <a:ext cx="2154917" cy="261610"/>
-          </a:xfrm>
-          <a:prstGeom prst="rect">
-            <a:avLst/>
-          </a:prstGeom>
-          <a:noFill/>
-        </p:spPr>
-        <p:txBody>
-          <a:bodyPr wrap="square" rtlCol="0">
-            <a:spAutoFit/>
-          </a:bodyPr>
-          <a:lstStyle/>
-          <a:p>
-            <a:pPr algn="ctr"/>
-            <a:r>
-              <a:rPr kumimoji="1" lang="en-US" altLang="zh-CN" sz="1100" dirty="0">
-                <a:latin typeface="DengXian" panose="02010600030101010101" pitchFamily="2" charset="-122"/>
-                <a:ea typeface="DengXian" panose="02010600030101010101" pitchFamily="2" charset="-122"/>
-              </a:rPr>
-              <a:t>timestamp</a:t>
-            </a:r>
-            <a:r>
-              <a:rPr kumimoji="1" lang="zh-CN" altLang="en-US" sz="1100" dirty="0">
-                <a:latin typeface="DengXian" panose="02010600030101010101" pitchFamily="2" charset="-122"/>
-                <a:ea typeface="DengXian" panose="02010600030101010101" pitchFamily="2" charset="-122"/>
-              </a:rPr>
-              <a:t> </a:t>
-            </a:r>
-            <a:r>
-              <a:rPr kumimoji="1" lang="en-US" altLang="zh-CN" sz="1100" dirty="0">
-                <a:latin typeface="DengXian" panose="02010600030101010101" pitchFamily="2" charset="-122"/>
-                <a:ea typeface="DengXian" panose="02010600030101010101" pitchFamily="2" charset="-122"/>
-              </a:rPr>
-              <a:t>&lt;-</a:t>
-            </a:r>
-            <a:r>
-              <a:rPr kumimoji="1" lang="zh-CN" altLang="en-US" sz="1100" dirty="0">
-                <a:latin typeface="DengXian" panose="02010600030101010101" pitchFamily="2" charset="-122"/>
-                <a:ea typeface="DengXian" panose="02010600030101010101" pitchFamily="2" charset="-122"/>
-              </a:rPr>
-              <a:t> </a:t>
-            </a:r>
-            <a:r>
-              <a:rPr kumimoji="1" lang="en-US" altLang="zh-CN" sz="1100" dirty="0">
-                <a:latin typeface="DengXian" panose="02010600030101010101" pitchFamily="2" charset="-122"/>
-                <a:ea typeface="DengXian" panose="02010600030101010101" pitchFamily="2" charset="-122"/>
-              </a:rPr>
-              <a:t>${</a:t>
-            </a:r>
-            <a:r>
-              <a:rPr kumimoji="1" lang="en-US" altLang="zh-CN" sz="1100" dirty="0" err="1">
-                <a:latin typeface="DengXian" panose="02010600030101010101" pitchFamily="2" charset="-122"/>
-                <a:ea typeface="DengXian" panose="02010600030101010101" pitchFamily="2" charset="-122"/>
-              </a:rPr>
-              <a:t>currentTime</a:t>
-            </a:r>
-            <a:r>
-              <a:rPr kumimoji="1" lang="en-US" altLang="zh-CN" sz="1100" dirty="0">
-                <a:latin typeface="DengXian" panose="02010600030101010101" pitchFamily="2" charset="-122"/>
-                <a:ea typeface="DengXian" panose="02010600030101010101" pitchFamily="2" charset="-122"/>
-              </a:rPr>
-              <a:t>}</a:t>
-            </a:r>
-          </a:p>
-        </p:txBody>
-      </p:sp>
-      <p:grpSp>
-        <p:nvGrpSpPr>
-          <p:cNvPr id="29" name="Group 28">
-            <a:extLst>
-              <a:ext uri="{FF2B5EF4-FFF2-40B4-BE49-F238E27FC236}">
-                <a16:creationId xmlns:a16="http://schemas.microsoft.com/office/drawing/2014/main" id="{1647380B-4222-57C1-9AA9-6675F8E8C4BE}"/>
-              </a:ext>
-            </a:extLst>
-          </p:cNvPr>
-          <p:cNvGrpSpPr/>
-          <p:nvPr/>
-        </p:nvGrpSpPr>
-        <p:grpSpPr>
-          <a:xfrm>
-            <a:off x="4866423" y="2173054"/>
-            <a:ext cx="1459677" cy="749759"/>
-            <a:chOff x="1555802" y="3906297"/>
-            <a:chExt cx="1245980" cy="800069"/>
-          </a:xfrm>
-        </p:grpSpPr>
-        <p:sp>
-          <p:nvSpPr>
-            <p:cNvPr id="30" name="矩形 4">
-              <a:extLst>
-                <a:ext uri="{FF2B5EF4-FFF2-40B4-BE49-F238E27FC236}">
-                  <a16:creationId xmlns:a16="http://schemas.microsoft.com/office/drawing/2014/main" id="{85A17C45-8FCA-D2F9-D2CA-F910854DAC66}"/>
-                </a:ext>
-              </a:extLst>
-            </p:cNvPr>
-            <p:cNvSpPr/>
-            <p:nvPr/>
-          </p:nvSpPr>
-          <p:spPr>
-            <a:xfrm>
-              <a:off x="1555807" y="3906297"/>
-              <a:ext cx="1245975" cy="430356"/>
-            </a:xfrm>
-            <a:prstGeom prst="rect">
-              <a:avLst/>
-            </a:prstGeom>
-            <a:solidFill>
-              <a:schemeClr val="accent6">
-                <a:lumMod val="60000"/>
-                <a:lumOff val="40000"/>
-              </a:schemeClr>
-            </a:solidFill>
-            <a:ln w="28575">
-              <a:solidFill>
-                <a:schemeClr val="tx1"/>
-              </a:solidFill>
-            </a:ln>
-          </p:spPr>
-          <p:style>
-            <a:lnRef idx="2">
-              <a:schemeClr val="accent2">
-                <a:shade val="50000"/>
-              </a:schemeClr>
-            </a:lnRef>
-            <a:fillRef idx="1">
-              <a:schemeClr val="accent2"/>
-            </a:fillRef>
-            <a:effectRef idx="0">
-              <a:schemeClr val="accent2"/>
-            </a:effectRef>
-            <a:fontRef idx="minor">
-              <a:schemeClr val="lt1"/>
-            </a:fontRef>
-          </p:style>
-          <p:txBody>
-            <a:bodyPr rtlCol="0" anchor="ctr"/>
-            <a:lstStyle/>
-            <a:p>
-              <a:pPr algn="ctr"/>
-              <a:r>
-                <a:rPr kumimoji="1" lang="en-US" altLang="zh-CN" sz="1100" b="1" dirty="0">
-                  <a:solidFill>
-                    <a:sysClr val="windowText" lastClr="000000"/>
-                  </a:solidFill>
-                </a:rPr>
-                <a:t>person:</a:t>
-              </a:r>
-              <a:r>
-                <a:rPr kumimoji="1" lang="zh-CN" altLang="en-US" sz="1100" b="1" dirty="0">
-                  <a:solidFill>
-                    <a:sysClr val="windowText" lastClr="000000"/>
-                  </a:solidFill>
-                </a:rPr>
-                <a:t> </a:t>
-              </a:r>
-              <a:r>
-                <a:rPr kumimoji="1" lang="en-US" altLang="zh-CN" sz="1100" dirty="0">
-                  <a:solidFill>
-                    <a:sysClr val="windowText" lastClr="000000"/>
-                  </a:solidFill>
-                </a:rPr>
-                <a:t>Person</a:t>
-              </a:r>
-              <a:endParaRPr kumimoji="1" lang="zh-CN" altLang="en-US" sz="1100" dirty="0">
-                <a:solidFill>
-                  <a:sysClr val="windowText" lastClr="000000"/>
-                </a:solidFill>
-              </a:endParaRPr>
-            </a:p>
-          </p:txBody>
-        </p:sp>
-        <p:sp>
-          <p:nvSpPr>
-            <p:cNvPr id="31" name="矩形 5">
-              <a:extLst>
-                <a:ext uri="{FF2B5EF4-FFF2-40B4-BE49-F238E27FC236}">
-                  <a16:creationId xmlns:a16="http://schemas.microsoft.com/office/drawing/2014/main" id="{B9A1B24C-9082-215A-1977-88CB06BE0668}"/>
-                </a:ext>
-              </a:extLst>
-            </p:cNvPr>
-            <p:cNvSpPr/>
-            <p:nvPr/>
-          </p:nvSpPr>
-          <p:spPr>
-            <a:xfrm>
-              <a:off x="1555802" y="4336653"/>
-              <a:ext cx="1245975" cy="369713"/>
-            </a:xfrm>
-            <a:prstGeom prst="rect">
-              <a:avLst/>
-            </a:prstGeom>
-            <a:noFill/>
-            <a:ln w="28575">
-              <a:solidFill>
-                <a:schemeClr val="tx1"/>
-              </a:solidFill>
-            </a:ln>
-          </p:spPr>
-          <p:style>
-            <a:lnRef idx="2">
-              <a:schemeClr val="accent2">
-                <a:shade val="50000"/>
-              </a:schemeClr>
-            </a:lnRef>
-            <a:fillRef idx="1">
-              <a:schemeClr val="accent2"/>
-            </a:fillRef>
-            <a:effectRef idx="0">
-              <a:schemeClr val="accent2"/>
-            </a:effectRef>
-            <a:fontRef idx="minor">
-              <a:schemeClr val="lt1"/>
-            </a:fontRef>
-          </p:style>
-          <p:txBody>
-            <a:bodyPr rtlCol="0" anchor="ctr"/>
-            <a:lstStyle/>
-            <a:p>
-              <a:pPr algn="ctr"/>
-              <a:r>
-                <a:rPr kumimoji="1" lang="en-US" altLang="zh-CN" sz="1100" dirty="0" err="1">
-                  <a:solidFill>
-                    <a:sysClr val="windowText" lastClr="000000"/>
-                  </a:solidFill>
-                  <a:latin typeface="DengXian" panose="02010600030101010101" pitchFamily="2" charset="-122"/>
-                  <a:ea typeface="DengXian" panose="02010600030101010101" pitchFamily="2" charset="-122"/>
-                </a:rPr>
-                <a:t>person.id</a:t>
-              </a:r>
-              <a:r>
-                <a:rPr kumimoji="1" lang="zh-CN" altLang="en-US" sz="1100" dirty="0">
-                  <a:solidFill>
-                    <a:sysClr val="windowText" lastClr="000000"/>
-                  </a:solidFill>
-                  <a:latin typeface="DengXian" panose="02010600030101010101" pitchFamily="2" charset="-122"/>
-                  <a:ea typeface="DengXian" panose="02010600030101010101" pitchFamily="2" charset="-122"/>
-                </a:rPr>
-                <a:t> </a:t>
-              </a:r>
-              <a:r>
-                <a:rPr kumimoji="1" lang="en-US" altLang="zh-CN" sz="1100" dirty="0">
-                  <a:solidFill>
-                    <a:sysClr val="windowText" lastClr="000000"/>
-                  </a:solidFill>
-                  <a:latin typeface="DengXian" panose="02010600030101010101" pitchFamily="2" charset="-122"/>
-                  <a:ea typeface="DengXian" panose="02010600030101010101" pitchFamily="2" charset="-122"/>
-                </a:rPr>
-                <a:t>=</a:t>
-              </a:r>
-              <a:r>
-                <a:rPr kumimoji="1" lang="zh-CN" altLang="en-US" sz="1100" dirty="0">
-                  <a:solidFill>
-                    <a:sysClr val="windowText" lastClr="000000"/>
-                  </a:solidFill>
-                  <a:latin typeface="DengXian" panose="02010600030101010101" pitchFamily="2" charset="-122"/>
-                  <a:ea typeface="DengXian" panose="02010600030101010101" pitchFamily="2" charset="-122"/>
-                </a:rPr>
-                <a:t> </a:t>
-              </a:r>
-              <a:r>
-                <a:rPr kumimoji="1" lang="en-US" altLang="zh-CN" sz="1100" dirty="0">
-                  <a:solidFill>
-                    <a:sysClr val="windowText" lastClr="000000"/>
-                  </a:solidFill>
-                  <a:latin typeface="DengXian" panose="02010600030101010101" pitchFamily="2" charset="-122"/>
-                  <a:ea typeface="DengXian" panose="02010600030101010101" pitchFamily="2" charset="-122"/>
-                </a:rPr>
-                <a:t>${</a:t>
-              </a:r>
-              <a:r>
-                <a:rPr kumimoji="1" lang="en-US" altLang="zh-CN" sz="1100" dirty="0" err="1">
-                  <a:solidFill>
-                    <a:sysClr val="windowText" lastClr="000000"/>
-                  </a:solidFill>
-                  <a:latin typeface="DengXian" panose="02010600030101010101" pitchFamily="2" charset="-122"/>
-                  <a:ea typeface="DengXian" panose="02010600030101010101" pitchFamily="2" charset="-122"/>
-                </a:rPr>
-                <a:t>dstId</a:t>
-              </a:r>
-              <a:r>
-                <a:rPr kumimoji="1" lang="en-US" altLang="zh-CN" sz="1100" dirty="0">
-                  <a:solidFill>
-                    <a:sysClr val="windowText" lastClr="000000"/>
-                  </a:solidFill>
-                  <a:latin typeface="DengXian" panose="02010600030101010101" pitchFamily="2" charset="-122"/>
-                  <a:ea typeface="DengXian" panose="02010600030101010101" pitchFamily="2" charset="-122"/>
-                </a:rPr>
-                <a:t>}</a:t>
-              </a:r>
-            </a:p>
-          </p:txBody>
-        </p:sp>
-      </p:grpSp>
-      <p:sp>
-        <p:nvSpPr>
-          <p:cNvPr id="39" name="Cross 38">
-            <a:extLst>
-              <a:ext uri="{FF2B5EF4-FFF2-40B4-BE49-F238E27FC236}">
-                <a16:creationId xmlns:a16="http://schemas.microsoft.com/office/drawing/2014/main" id="{695DA745-BD0A-642D-4E21-6EAF64E3B84A}"/>
-              </a:ext>
-            </a:extLst>
-          </p:cNvPr>
-          <p:cNvSpPr/>
-          <p:nvPr/>
-        </p:nvSpPr>
-        <p:spPr>
-          <a:xfrm>
-            <a:off x="4113656" y="2110369"/>
-            <a:ext cx="180000" cy="180000"/>
-          </a:xfrm>
-          <a:prstGeom prst="plus">
-            <a:avLst>
-              <a:gd name="adj" fmla="val 33021"/>
-            </a:avLst>
-          </a:prstGeom>
-          <a:solidFill>
-            <a:schemeClr val="tx1"/>
-          </a:solidFill>
-          <a:ln>
-            <a:noFill/>
-          </a:ln>
-        </p:spPr>
-        <p:style>
-          <a:lnRef idx="2">
-            <a:schemeClr val="accent1">
-              <a:shade val="50000"/>
-            </a:schemeClr>
-          </a:lnRef>
-          <a:fillRef idx="1">
-            <a:schemeClr val="accent1"/>
-          </a:fillRef>
-          <a:effectRef idx="0">
-            <a:schemeClr val="accent1"/>
-          </a:effectRef>
-          <a:fontRef idx="minor">
-            <a:schemeClr val="lt1"/>
-          </a:fontRef>
-        </p:style>
-        <p:txBody>
-          <a:bodyPr rtlCol="0" anchor="ctr"/>
-          <a:lstStyle/>
-          <a:p>
-            <a:pPr algn="ctr"/>
-            <a:endParaRPr lang="en-CN">
-              <a:solidFill>
-                <a:schemeClr val="tx1"/>
-              </a:solidFill>
-            </a:endParaRPr>
-          </a:p>
-        </p:txBody>
-      </p:sp>
-      <p:sp>
-        <p:nvSpPr>
-          <p:cNvPr id="74" name="Rectangle: Rounded Corners 4">
-            <a:extLst>
-              <a:ext uri="{FF2B5EF4-FFF2-40B4-BE49-F238E27FC236}">
-                <a16:creationId xmlns:a16="http://schemas.microsoft.com/office/drawing/2014/main" id="{81AB52CA-8DC3-8008-D853-44CDA0454817}"/>
-              </a:ext>
-            </a:extLst>
-          </p:cNvPr>
-          <p:cNvSpPr/>
-          <p:nvPr/>
-        </p:nvSpPr>
-        <p:spPr>
-          <a:xfrm>
-            <a:off x="702313" y="3253381"/>
-            <a:ext cx="6080953" cy="2723668"/>
-          </a:xfrm>
-          <a:prstGeom prst="roundRect">
-            <a:avLst/>
-          </a:prstGeom>
-          <a:noFill/>
-          <a:ln w="19050">
-            <a:solidFill>
-              <a:schemeClr val="tx1">
-                <a:alpha val="40000"/>
-              </a:schemeClr>
-            </a:solidFill>
-            <a:prstDash val="sysDash"/>
-          </a:ln>
-        </p:spPr>
-        <p:style>
-          <a:lnRef idx="2">
-            <a:schemeClr val="accent1">
-              <a:shade val="50000"/>
-            </a:schemeClr>
-          </a:lnRef>
-          <a:fillRef idx="1">
-            <a:schemeClr val="accent1"/>
-          </a:fillRef>
-          <a:effectRef idx="0">
-            <a:schemeClr val="accent1"/>
-          </a:effectRef>
-          <a:fontRef idx="minor">
-            <a:schemeClr val="lt1"/>
-          </a:fontRef>
-        </p:style>
-        <p:txBody>
-          <a:bodyPr rtlCol="0" anchor="ctr"/>
-          <a:lstStyle/>
-          <a:p>
-            <a:pPr algn="ctr" defTabSz="685800" fontAlgn="base">
-              <a:spcBef>
-                <a:spcPct val="0"/>
-              </a:spcBef>
-              <a:spcAft>
-                <a:spcPct val="0"/>
-              </a:spcAft>
-              <a:defRPr/>
-            </a:pPr>
-            <a:endParaRPr lang="en-US" sz="900" dirty="0">
-              <a:solidFill>
-                <a:schemeClr val="tx1"/>
-              </a:solidFill>
-              <a:latin typeface="Alibaba PuHuiTi M" pitchFamily="18" charset="-122"/>
-              <a:ea typeface="Alibaba PuHuiTi M" pitchFamily="18" charset="-122"/>
-              <a:cs typeface="Alibaba PuHuiTi M" pitchFamily="18" charset="-122"/>
-            </a:endParaRPr>
-          </a:p>
-        </p:txBody>
-      </p:sp>
-      <p:grpSp>
-        <p:nvGrpSpPr>
-          <p:cNvPr id="152" name="Group 151">
-            <a:extLst>
-              <a:ext uri="{FF2B5EF4-FFF2-40B4-BE49-F238E27FC236}">
-                <a16:creationId xmlns:a16="http://schemas.microsoft.com/office/drawing/2014/main" id="{8735284F-94FD-90AC-418F-02F1502D4B30}"/>
-              </a:ext>
-            </a:extLst>
-          </p:cNvPr>
-          <p:cNvGrpSpPr/>
-          <p:nvPr/>
-        </p:nvGrpSpPr>
-        <p:grpSpPr>
-          <a:xfrm>
-            <a:off x="776911" y="3490653"/>
-            <a:ext cx="5916562" cy="2331488"/>
-            <a:chOff x="2267319" y="2657820"/>
-            <a:chExt cx="5916562" cy="2331488"/>
-          </a:xfrm>
-        </p:grpSpPr>
-        <p:sp>
-          <p:nvSpPr>
-            <p:cNvPr id="153" name="矩形 9">
-              <a:extLst>
-                <a:ext uri="{FF2B5EF4-FFF2-40B4-BE49-F238E27FC236}">
-                  <a16:creationId xmlns:a16="http://schemas.microsoft.com/office/drawing/2014/main" id="{930F62C1-4494-A006-3962-33107A82E934}"/>
-                </a:ext>
-              </a:extLst>
-            </p:cNvPr>
-            <p:cNvSpPr/>
-            <p:nvPr/>
-          </p:nvSpPr>
-          <p:spPr>
-            <a:xfrm>
-              <a:off x="2267319" y="3813049"/>
-              <a:ext cx="1200747" cy="305258"/>
-            </a:xfrm>
-            <a:prstGeom prst="rect">
-              <a:avLst/>
-            </a:prstGeom>
-            <a:solidFill>
-              <a:schemeClr val="accent6">
-                <a:lumMod val="60000"/>
-                <a:lumOff val="40000"/>
-              </a:schemeClr>
-            </a:solidFill>
-            <a:ln w="19050">
-              <a:solidFill>
-                <a:schemeClr val="tx1"/>
-              </a:solidFill>
-            </a:ln>
-          </p:spPr>
-          <p:style>
-            <a:lnRef idx="2">
-              <a:schemeClr val="accent2">
-                <a:shade val="50000"/>
-              </a:schemeClr>
-            </a:lnRef>
-            <a:fillRef idx="1">
-              <a:schemeClr val="accent2"/>
-            </a:fillRef>
-            <a:effectRef idx="0">
-              <a:schemeClr val="accent2"/>
-            </a:effectRef>
-            <a:fontRef idx="minor">
-              <a:schemeClr val="lt1"/>
-            </a:fontRef>
-          </p:style>
-          <p:txBody>
-            <a:bodyPr rtlCol="0" anchor="ctr"/>
-            <a:lstStyle/>
-            <a:p>
-              <a:pPr algn="ctr"/>
-              <a:r>
-                <a:rPr kumimoji="1" lang="en-US" altLang="zh-CN" sz="1200" b="1" dirty="0">
-                  <a:solidFill>
-                    <a:sysClr val="windowText" lastClr="000000"/>
-                  </a:solidFill>
-                </a:rPr>
-                <a:t>p1</a:t>
-              </a:r>
-              <a:r>
-                <a:rPr kumimoji="1" lang="zh-CN" altLang="en-US" sz="1200" dirty="0">
-                  <a:solidFill>
-                    <a:sysClr val="windowText" lastClr="000000"/>
-                  </a:solidFill>
-                </a:rPr>
-                <a:t> </a:t>
-              </a:r>
-              <a:r>
-                <a:rPr kumimoji="1" lang="en-US" altLang="zh-CN" sz="1200" dirty="0">
-                  <a:solidFill>
-                    <a:sysClr val="windowText" lastClr="000000"/>
-                  </a:solidFill>
-                </a:rPr>
-                <a:t>:</a:t>
-              </a:r>
-              <a:r>
-                <a:rPr kumimoji="1" lang="zh-CN" altLang="en-US" sz="1200" dirty="0">
-                  <a:solidFill>
-                    <a:sysClr val="windowText" lastClr="000000"/>
-                  </a:solidFill>
-                </a:rPr>
-                <a:t> </a:t>
-              </a:r>
-              <a:r>
-                <a:rPr kumimoji="1" lang="en-US" altLang="zh-CN" sz="1200" dirty="0">
-                  <a:solidFill>
-                    <a:sysClr val="windowText" lastClr="000000"/>
-                  </a:solidFill>
-                </a:rPr>
-                <a:t>Person</a:t>
-              </a:r>
-              <a:endParaRPr kumimoji="1" lang="zh-CN" altLang="en-US" sz="1200" dirty="0">
-                <a:solidFill>
-                  <a:sysClr val="windowText" lastClr="000000"/>
-                </a:solidFill>
-              </a:endParaRPr>
-            </a:p>
-          </p:txBody>
-        </p:sp>
-        <p:cxnSp>
-          <p:nvCxnSpPr>
-            <p:cNvPr id="154" name="直线箭头连接符 11" descr="jytjh">
-              <a:extLst>
-                <a:ext uri="{FF2B5EF4-FFF2-40B4-BE49-F238E27FC236}">
-                  <a16:creationId xmlns:a16="http://schemas.microsoft.com/office/drawing/2014/main" id="{E34EE26E-3D72-74EC-5406-33EAE463D3C7}"/>
-                </a:ext>
-              </a:extLst>
-            </p:cNvPr>
-            <p:cNvCxnSpPr>
-              <a:cxnSpLocks/>
-              <a:stCxn id="153" idx="3"/>
-              <a:endCxn id="157" idx="1"/>
-            </p:cNvCxnSpPr>
-            <p:nvPr/>
-          </p:nvCxnSpPr>
-          <p:spPr>
-            <a:xfrm>
-              <a:off x="3468066" y="3965678"/>
-              <a:ext cx="462315" cy="0"/>
-            </a:xfrm>
-            <a:prstGeom prst="straightConnector1">
-              <a:avLst/>
-            </a:prstGeom>
-            <a:ln w="25400">
-              <a:solidFill>
-                <a:schemeClr val="tx1"/>
-              </a:solidFill>
-              <a:headEnd type="none" w="lg" len="med"/>
-              <a:tailEnd type="arrow" w="sm" len="lg"/>
-            </a:ln>
-          </p:spPr>
-          <p:style>
-            <a:lnRef idx="1">
-              <a:schemeClr val="accent1"/>
-            </a:lnRef>
-            <a:fillRef idx="0">
-              <a:schemeClr val="accent1"/>
-            </a:fillRef>
-            <a:effectRef idx="0">
-              <a:schemeClr val="accent1"/>
-            </a:effectRef>
-            <a:fontRef idx="minor">
-              <a:schemeClr val="tx1"/>
-            </a:fontRef>
-          </p:style>
-        </p:cxnSp>
-        <p:sp>
-          <p:nvSpPr>
-            <p:cNvPr id="155" name="文本框 12">
-              <a:extLst>
-                <a:ext uri="{FF2B5EF4-FFF2-40B4-BE49-F238E27FC236}">
-                  <a16:creationId xmlns:a16="http://schemas.microsoft.com/office/drawing/2014/main" id="{9CD9F9C8-F63B-18B5-555D-13294D2779F2}"/>
-                </a:ext>
-              </a:extLst>
-            </p:cNvPr>
-            <p:cNvSpPr txBox="1"/>
-            <p:nvPr/>
-          </p:nvSpPr>
-          <p:spPr>
-            <a:xfrm>
-              <a:off x="3403947" y="3686479"/>
-              <a:ext cx="588763" cy="276999"/>
-            </a:xfrm>
-            <a:prstGeom prst="rect">
-              <a:avLst/>
-            </a:prstGeom>
-            <a:noFill/>
-          </p:spPr>
-          <p:txBody>
-            <a:bodyPr wrap="square" rtlCol="0">
-              <a:spAutoFit/>
-            </a:bodyPr>
-            <a:lstStyle/>
-            <a:p>
-              <a:pPr algn="ctr"/>
-              <a:r>
-                <a:rPr kumimoji="1" lang="en-US" altLang="zh-CN" sz="1200" b="1" dirty="0">
-                  <a:latin typeface="DengXian" panose="02010600030101010101" pitchFamily="2" charset="-122"/>
-                  <a:ea typeface="DengXian" panose="02010600030101010101" pitchFamily="2" charset="-122"/>
-                </a:rPr>
-                <a:t>g1</a:t>
-              </a:r>
-              <a:endParaRPr kumimoji="1" lang="en-US" altLang="zh-CN" sz="1200" dirty="0">
-                <a:latin typeface="DengXian" panose="02010600030101010101" pitchFamily="2" charset="-122"/>
-                <a:ea typeface="DengXian" panose="02010600030101010101" pitchFamily="2" charset="-122"/>
-              </a:endParaRPr>
-            </a:p>
-          </p:txBody>
-        </p:sp>
-        <p:sp>
-          <p:nvSpPr>
-            <p:cNvPr id="156" name="矩形 13">
-              <a:extLst>
-                <a:ext uri="{FF2B5EF4-FFF2-40B4-BE49-F238E27FC236}">
-                  <a16:creationId xmlns:a16="http://schemas.microsoft.com/office/drawing/2014/main" id="{74108C34-6033-6B25-DADB-103847B55395}"/>
-                </a:ext>
-              </a:extLst>
-            </p:cNvPr>
-            <p:cNvSpPr/>
-            <p:nvPr/>
-          </p:nvSpPr>
-          <p:spPr>
-            <a:xfrm>
-              <a:off x="3776473" y="2657820"/>
-              <a:ext cx="4407408" cy="940283"/>
-            </a:xfrm>
-            <a:prstGeom prst="rect">
-              <a:avLst/>
-            </a:prstGeom>
-            <a:noFill/>
-            <a:ln w="12700">
-              <a:solidFill>
-                <a:schemeClr val="tx1"/>
-              </a:solidFill>
-              <a:prstDash val="dash"/>
-            </a:ln>
-          </p:spPr>
-          <p:style>
-            <a:lnRef idx="2">
-              <a:schemeClr val="accent2">
-                <a:shade val="50000"/>
-              </a:schemeClr>
-            </a:lnRef>
-            <a:fillRef idx="1">
-              <a:schemeClr val="accent2"/>
-            </a:fillRef>
-            <a:effectRef idx="0">
-              <a:schemeClr val="accent2"/>
-            </a:effectRef>
-            <a:fontRef idx="minor">
-              <a:schemeClr val="lt1"/>
-            </a:fontRef>
-          </p:style>
-          <p:txBody>
-            <a:bodyPr rtlCol="0" anchor="t"/>
-            <a:lstStyle/>
-            <a:p>
-              <a:r>
-                <a:rPr kumimoji="1" lang="en-US" altLang="zh-CN" sz="1200" b="1" dirty="0">
-                  <a:solidFill>
-                    <a:srgbClr val="FF0000"/>
-                  </a:solidFill>
-                  <a:latin typeface="DengXian" panose="02010600030101010101" pitchFamily="2" charset="-122"/>
-                  <a:ea typeface="DengXian" panose="02010600030101010101" pitchFamily="2" charset="-122"/>
-                </a:rPr>
-                <a:t>RESULT</a:t>
-              </a:r>
-              <a:r>
-                <a:rPr kumimoji="1" lang="zh-CN" altLang="en-US" sz="1200" b="1" dirty="0">
-                  <a:solidFill>
-                    <a:srgbClr val="FF0000"/>
-                  </a:solidFill>
-                  <a:latin typeface="DengXian" panose="02010600030101010101" pitchFamily="2" charset="-122"/>
-                  <a:ea typeface="DengXian" panose="02010600030101010101" pitchFamily="2" charset="-122"/>
-                </a:rPr>
-                <a:t> </a:t>
-              </a:r>
-              <a:r>
-                <a:rPr kumimoji="1" lang="en-US" altLang="zh-CN" sz="1200" dirty="0">
-                  <a:solidFill>
-                    <a:sysClr val="windowText" lastClr="000000"/>
-                  </a:solidFill>
-                  <a:latin typeface="DengXian" panose="02010600030101010101" pitchFamily="2" charset="-122"/>
-                  <a:ea typeface="DengXian" panose="02010600030101010101" pitchFamily="2" charset="-122"/>
-                </a:rPr>
-                <a:t>SUM(</a:t>
-              </a:r>
-              <a:r>
-                <a:rPr kumimoji="1" lang="en-US" altLang="zh-CN" sz="1200" dirty="0" err="1">
-                  <a:solidFill>
-                    <a:sysClr val="windowText" lastClr="000000"/>
-                  </a:solidFill>
-                  <a:latin typeface="DengXian" panose="02010600030101010101" pitchFamily="2" charset="-122"/>
-                  <a:ea typeface="DengXian" panose="02010600030101010101" pitchFamily="2" charset="-122"/>
-                </a:rPr>
-                <a:t>loan.loanAmount</a:t>
-              </a:r>
-              <a:r>
-                <a:rPr kumimoji="1" lang="en-US" altLang="zh-CN" sz="1200" dirty="0">
-                  <a:solidFill>
-                    <a:sysClr val="windowText" lastClr="000000"/>
-                  </a:solidFill>
-                  <a:latin typeface="DengXian" panose="02010600030101010101" pitchFamily="2" charset="-122"/>
-                  <a:ea typeface="DengXian" panose="02010600030101010101" pitchFamily="2" charset="-122"/>
-                </a:rPr>
-                <a:t>),</a:t>
-              </a:r>
-              <a:r>
-                <a:rPr kumimoji="1" lang="zh-CN" altLang="en-US" sz="1200" dirty="0">
-                  <a:solidFill>
-                    <a:sysClr val="windowText" lastClr="000000"/>
-                  </a:solidFill>
-                  <a:latin typeface="DengXian" panose="02010600030101010101" pitchFamily="2" charset="-122"/>
-                  <a:ea typeface="DengXian" panose="02010600030101010101" pitchFamily="2" charset="-122"/>
-                </a:rPr>
-                <a:t> </a:t>
-              </a:r>
-              <a:r>
-                <a:rPr kumimoji="1" lang="en-US" altLang="zh-CN" sz="1200" dirty="0">
-                  <a:solidFill>
-                    <a:sysClr val="windowText" lastClr="000000"/>
-                  </a:solidFill>
-                  <a:latin typeface="DengXian" panose="02010600030101010101" pitchFamily="2" charset="-122"/>
-                  <a:ea typeface="DengXian" panose="02010600030101010101" pitchFamily="2" charset="-122"/>
-                </a:rPr>
-                <a:t>COUNT(loan)</a:t>
-              </a:r>
-            </a:p>
-          </p:txBody>
-        </p:sp>
-        <p:sp>
-          <p:nvSpPr>
-            <p:cNvPr id="157" name="矩形 14">
-              <a:extLst>
-                <a:ext uri="{FF2B5EF4-FFF2-40B4-BE49-F238E27FC236}">
-                  <a16:creationId xmlns:a16="http://schemas.microsoft.com/office/drawing/2014/main" id="{91EE3CF0-2D02-E6B8-360E-A686A6385658}"/>
-                </a:ext>
-              </a:extLst>
-            </p:cNvPr>
-            <p:cNvSpPr/>
-            <p:nvPr/>
-          </p:nvSpPr>
-          <p:spPr>
-            <a:xfrm>
-              <a:off x="3930381" y="3813049"/>
-              <a:ext cx="1200746" cy="305258"/>
-            </a:xfrm>
-            <a:prstGeom prst="rect">
-              <a:avLst/>
-            </a:prstGeom>
-            <a:solidFill>
-              <a:schemeClr val="accent6">
-                <a:lumMod val="60000"/>
-                <a:lumOff val="40000"/>
-              </a:schemeClr>
-            </a:solidFill>
-            <a:ln w="19050">
-              <a:solidFill>
-                <a:schemeClr val="tx1"/>
-              </a:solidFill>
-            </a:ln>
-          </p:spPr>
-          <p:style>
-            <a:lnRef idx="2">
-              <a:schemeClr val="accent2">
-                <a:shade val="50000"/>
-              </a:schemeClr>
-            </a:lnRef>
-            <a:fillRef idx="1">
-              <a:schemeClr val="accent2"/>
-            </a:fillRef>
-            <a:effectRef idx="0">
-              <a:schemeClr val="accent2"/>
-            </a:effectRef>
-            <a:fontRef idx="minor">
-              <a:schemeClr val="lt1"/>
-            </a:fontRef>
-          </p:style>
-          <p:txBody>
-            <a:bodyPr rtlCol="0" anchor="ctr"/>
-            <a:lstStyle/>
-            <a:p>
-              <a:pPr algn="ctr"/>
-              <a:r>
-                <a:rPr kumimoji="1" lang="en-US" altLang="zh-CN" sz="1200" b="1" dirty="0">
-                  <a:solidFill>
-                    <a:sysClr val="windowText" lastClr="000000"/>
-                  </a:solidFill>
-                </a:rPr>
-                <a:t>p2</a:t>
-              </a:r>
-              <a:r>
-                <a:rPr kumimoji="1" lang="zh-CN" altLang="en-US" sz="1200" dirty="0">
-                  <a:solidFill>
-                    <a:sysClr val="windowText" lastClr="000000"/>
-                  </a:solidFill>
-                </a:rPr>
-                <a:t> </a:t>
-              </a:r>
-              <a:r>
-                <a:rPr kumimoji="1" lang="en-US" altLang="zh-CN" sz="1200" dirty="0">
-                  <a:solidFill>
-                    <a:sysClr val="windowText" lastClr="000000"/>
-                  </a:solidFill>
-                </a:rPr>
-                <a:t>:</a:t>
-              </a:r>
-              <a:r>
-                <a:rPr kumimoji="1" lang="zh-CN" altLang="en-US" sz="1200" dirty="0">
-                  <a:solidFill>
-                    <a:sysClr val="windowText" lastClr="000000"/>
-                  </a:solidFill>
-                </a:rPr>
-                <a:t> </a:t>
-              </a:r>
-              <a:r>
-                <a:rPr kumimoji="1" lang="en-US" altLang="zh-CN" sz="1200" dirty="0">
-                  <a:solidFill>
-                    <a:sysClr val="windowText" lastClr="000000"/>
-                  </a:solidFill>
-                </a:rPr>
-                <a:t>Person</a:t>
-              </a:r>
-              <a:endParaRPr kumimoji="1" lang="zh-CN" altLang="en-US" sz="1200" dirty="0">
-                <a:solidFill>
-                  <a:sysClr val="windowText" lastClr="000000"/>
-                </a:solidFill>
-              </a:endParaRPr>
-            </a:p>
-          </p:txBody>
-        </p:sp>
-        <p:sp>
-          <p:nvSpPr>
-            <p:cNvPr id="158" name="矩形 14">
-              <a:extLst>
-                <a:ext uri="{FF2B5EF4-FFF2-40B4-BE49-F238E27FC236}">
-                  <a16:creationId xmlns:a16="http://schemas.microsoft.com/office/drawing/2014/main" id="{AE356B99-B66D-2119-8213-5322B91153EA}"/>
-                </a:ext>
-              </a:extLst>
-            </p:cNvPr>
-            <p:cNvSpPr/>
-            <p:nvPr/>
-          </p:nvSpPr>
-          <p:spPr>
-            <a:xfrm>
-              <a:off x="5593442" y="3707258"/>
-              <a:ext cx="799362" cy="505147"/>
-            </a:xfrm>
-            <a:prstGeom prst="rect">
-              <a:avLst/>
-            </a:prstGeom>
-            <a:noFill/>
-            <a:ln w="25400">
-              <a:noFill/>
-            </a:ln>
-          </p:spPr>
-          <p:style>
-            <a:lnRef idx="2">
-              <a:schemeClr val="accent2">
-                <a:shade val="50000"/>
-              </a:schemeClr>
-            </a:lnRef>
-            <a:fillRef idx="1">
-              <a:schemeClr val="accent2"/>
-            </a:fillRef>
-            <a:effectRef idx="0">
-              <a:schemeClr val="accent2"/>
-            </a:effectRef>
-            <a:fontRef idx="minor">
-              <a:schemeClr val="lt1"/>
-            </a:fontRef>
-          </p:style>
-          <p:txBody>
-            <a:bodyPr rtlCol="0" anchor="ctr"/>
-            <a:lstStyle/>
-            <a:p>
-              <a:pPr algn="ctr"/>
-              <a:r>
-                <a:rPr kumimoji="1" lang="en-US" altLang="zh-CN" sz="1600" b="1" dirty="0">
-                  <a:solidFill>
-                    <a:sysClr val="windowText" lastClr="000000"/>
-                  </a:solidFill>
-                </a:rPr>
-                <a:t>…</a:t>
-              </a:r>
-              <a:endParaRPr kumimoji="1" lang="zh-CN" altLang="en-US" sz="1600" dirty="0">
-                <a:solidFill>
-                  <a:sysClr val="windowText" lastClr="000000"/>
-                </a:solidFill>
-              </a:endParaRPr>
-            </a:p>
-          </p:txBody>
-        </p:sp>
-        <p:sp>
-          <p:nvSpPr>
-            <p:cNvPr id="159" name="矩形 14">
-              <a:extLst>
-                <a:ext uri="{FF2B5EF4-FFF2-40B4-BE49-F238E27FC236}">
-                  <a16:creationId xmlns:a16="http://schemas.microsoft.com/office/drawing/2014/main" id="{E075C904-7171-EA7E-A0DF-B596F18990A8}"/>
-                </a:ext>
-              </a:extLst>
-            </p:cNvPr>
-            <p:cNvSpPr/>
-            <p:nvPr/>
-          </p:nvSpPr>
-          <p:spPr>
-            <a:xfrm>
-              <a:off x="6855118" y="3813049"/>
-              <a:ext cx="1200746" cy="305258"/>
-            </a:xfrm>
-            <a:prstGeom prst="rect">
-              <a:avLst/>
-            </a:prstGeom>
-            <a:solidFill>
-              <a:schemeClr val="accent6">
-                <a:lumMod val="60000"/>
-                <a:lumOff val="40000"/>
-              </a:schemeClr>
-            </a:solidFill>
-            <a:ln w="19050">
-              <a:solidFill>
-                <a:schemeClr val="tx1"/>
-              </a:solidFill>
-            </a:ln>
-          </p:spPr>
-          <p:style>
-            <a:lnRef idx="2">
-              <a:schemeClr val="accent2">
-                <a:shade val="50000"/>
-              </a:schemeClr>
-            </a:lnRef>
-            <a:fillRef idx="1">
-              <a:schemeClr val="accent2"/>
-            </a:fillRef>
-            <a:effectRef idx="0">
-              <a:schemeClr val="accent2"/>
-            </a:effectRef>
-            <a:fontRef idx="minor">
-              <a:schemeClr val="lt1"/>
-            </a:fontRef>
-          </p:style>
-          <p:txBody>
-            <a:bodyPr rtlCol="0" anchor="ctr"/>
-            <a:lstStyle/>
-            <a:p>
-              <a:pPr algn="ctr"/>
-              <a:r>
-                <a:rPr kumimoji="1" lang="en-US" altLang="zh-CN" sz="1200" b="1" dirty="0" err="1">
-                  <a:solidFill>
-                    <a:sysClr val="windowText" lastClr="000000"/>
-                  </a:solidFill>
-                </a:rPr>
-                <a:t>pN</a:t>
-              </a:r>
-              <a:r>
-                <a:rPr kumimoji="1" lang="zh-CN" altLang="en-US" sz="1200" dirty="0">
-                  <a:solidFill>
-                    <a:sysClr val="windowText" lastClr="000000"/>
-                  </a:solidFill>
-                </a:rPr>
-                <a:t> </a:t>
-              </a:r>
-              <a:r>
-                <a:rPr kumimoji="1" lang="en-US" altLang="zh-CN" sz="1200" dirty="0">
-                  <a:solidFill>
-                    <a:sysClr val="windowText" lastClr="000000"/>
-                  </a:solidFill>
-                </a:rPr>
-                <a:t>:</a:t>
-              </a:r>
-              <a:r>
-                <a:rPr kumimoji="1" lang="zh-CN" altLang="en-US" sz="1200" dirty="0">
-                  <a:solidFill>
-                    <a:sysClr val="windowText" lastClr="000000"/>
-                  </a:solidFill>
-                </a:rPr>
-                <a:t> </a:t>
-              </a:r>
-              <a:r>
-                <a:rPr kumimoji="1" lang="en-US" altLang="zh-CN" sz="1200" dirty="0">
-                  <a:solidFill>
-                    <a:sysClr val="windowText" lastClr="000000"/>
-                  </a:solidFill>
-                </a:rPr>
-                <a:t>Person</a:t>
-              </a:r>
-              <a:endParaRPr kumimoji="1" lang="zh-CN" altLang="en-US" sz="1200" dirty="0">
-                <a:solidFill>
-                  <a:sysClr val="windowText" lastClr="000000"/>
-                </a:solidFill>
-              </a:endParaRPr>
-            </a:p>
-          </p:txBody>
-        </p:sp>
-        <p:cxnSp>
-          <p:nvCxnSpPr>
-            <p:cNvPr id="160" name="直线箭头连接符 11" descr="jytjh">
-              <a:extLst>
-                <a:ext uri="{FF2B5EF4-FFF2-40B4-BE49-F238E27FC236}">
-                  <a16:creationId xmlns:a16="http://schemas.microsoft.com/office/drawing/2014/main" id="{4CB3E205-BC21-A5CF-982D-E3B00BBC8058}"/>
-                </a:ext>
-              </a:extLst>
-            </p:cNvPr>
-            <p:cNvCxnSpPr>
-              <a:cxnSpLocks/>
-              <a:stCxn id="157" idx="3"/>
-              <a:endCxn id="158" idx="1"/>
-            </p:cNvCxnSpPr>
-            <p:nvPr/>
-          </p:nvCxnSpPr>
-          <p:spPr>
-            <a:xfrm flipV="1">
-              <a:off x="5131127" y="3959832"/>
-              <a:ext cx="462315" cy="5846"/>
-            </a:xfrm>
-            <a:prstGeom prst="straightConnector1">
-              <a:avLst/>
-            </a:prstGeom>
-            <a:ln w="25400">
-              <a:solidFill>
-                <a:schemeClr val="tx1"/>
-              </a:solidFill>
-              <a:headEnd type="none" w="lg" len="med"/>
-              <a:tailEnd type="arrow" w="sm" len="lg"/>
-            </a:ln>
-          </p:spPr>
-          <p:style>
-            <a:lnRef idx="1">
-              <a:schemeClr val="accent1"/>
-            </a:lnRef>
-            <a:fillRef idx="0">
-              <a:schemeClr val="accent1"/>
-            </a:fillRef>
-            <a:effectRef idx="0">
-              <a:schemeClr val="accent1"/>
-            </a:effectRef>
-            <a:fontRef idx="minor">
-              <a:schemeClr val="tx1"/>
-            </a:fontRef>
-          </p:style>
-        </p:cxnSp>
-        <p:cxnSp>
-          <p:nvCxnSpPr>
-            <p:cNvPr id="161" name="直线箭头连接符 11" descr="jytjh">
-              <a:extLst>
-                <a:ext uri="{FF2B5EF4-FFF2-40B4-BE49-F238E27FC236}">
-                  <a16:creationId xmlns:a16="http://schemas.microsoft.com/office/drawing/2014/main" id="{5840E459-9FB4-4B6F-CD59-6B4B3F02F5EA}"/>
-                </a:ext>
-              </a:extLst>
-            </p:cNvPr>
-            <p:cNvCxnSpPr>
-              <a:cxnSpLocks/>
-              <a:stCxn id="158" idx="3"/>
-              <a:endCxn id="159" idx="1"/>
-            </p:cNvCxnSpPr>
-            <p:nvPr/>
-          </p:nvCxnSpPr>
-          <p:spPr>
-            <a:xfrm>
-              <a:off x="6392804" y="3959832"/>
-              <a:ext cx="462314" cy="5846"/>
-            </a:xfrm>
-            <a:prstGeom prst="straightConnector1">
-              <a:avLst/>
-            </a:prstGeom>
-            <a:ln w="25400">
-              <a:solidFill>
-                <a:schemeClr val="tx1"/>
-              </a:solidFill>
-              <a:headEnd type="none" w="lg" len="med"/>
-              <a:tailEnd type="arrow" w="sm" len="lg"/>
-            </a:ln>
-          </p:spPr>
-          <p:style>
-            <a:lnRef idx="1">
-              <a:schemeClr val="accent1"/>
-            </a:lnRef>
-            <a:fillRef idx="0">
-              <a:schemeClr val="accent1"/>
-            </a:fillRef>
-            <a:effectRef idx="0">
-              <a:schemeClr val="accent1"/>
-            </a:effectRef>
-            <a:fontRef idx="minor">
-              <a:schemeClr val="tx1"/>
-            </a:fontRef>
-          </p:style>
-        </p:cxnSp>
-        <p:sp>
-          <p:nvSpPr>
-            <p:cNvPr id="162" name="矩形 14">
-              <a:extLst>
-                <a:ext uri="{FF2B5EF4-FFF2-40B4-BE49-F238E27FC236}">
-                  <a16:creationId xmlns:a16="http://schemas.microsoft.com/office/drawing/2014/main" id="{F3F38903-0485-C314-1FCD-B46FB1F69A71}"/>
-                </a:ext>
-              </a:extLst>
-            </p:cNvPr>
-            <p:cNvSpPr/>
-            <p:nvPr/>
-          </p:nvSpPr>
-          <p:spPr>
-            <a:xfrm>
-              <a:off x="3930381" y="3052179"/>
-              <a:ext cx="1200745" cy="371925"/>
-            </a:xfrm>
-            <a:prstGeom prst="rect">
-              <a:avLst/>
-            </a:prstGeom>
-            <a:solidFill>
-              <a:schemeClr val="accent2">
-                <a:lumMod val="60000"/>
-                <a:lumOff val="40000"/>
-              </a:schemeClr>
-            </a:solidFill>
-            <a:ln w="19050">
-              <a:solidFill>
-                <a:schemeClr val="tx1"/>
-              </a:solidFill>
-            </a:ln>
-          </p:spPr>
-          <p:style>
-            <a:lnRef idx="2">
-              <a:schemeClr val="accent2">
-                <a:shade val="50000"/>
-              </a:schemeClr>
-            </a:lnRef>
-            <a:fillRef idx="1">
-              <a:schemeClr val="accent2"/>
-            </a:fillRef>
-            <a:effectRef idx="0">
-              <a:schemeClr val="accent2"/>
-            </a:effectRef>
-            <a:fontRef idx="minor">
-              <a:schemeClr val="lt1"/>
-            </a:fontRef>
-          </p:style>
-          <p:txBody>
-            <a:bodyPr rtlCol="0" anchor="ctr"/>
-            <a:lstStyle/>
-            <a:p>
-              <a:pPr algn="ctr"/>
-              <a:r>
-                <a:rPr kumimoji="1" lang="en-US" altLang="zh-CN" sz="1200" dirty="0">
-                  <a:solidFill>
-                    <a:sysClr val="windowText" lastClr="000000"/>
-                  </a:solidFill>
-                </a:rPr>
-                <a:t>loan</a:t>
-              </a:r>
-              <a:r>
-                <a:rPr kumimoji="1" lang="zh-CN" altLang="en-US" sz="1200" dirty="0">
-                  <a:solidFill>
-                    <a:sysClr val="windowText" lastClr="000000"/>
-                  </a:solidFill>
-                </a:rPr>
-                <a:t> </a:t>
-              </a:r>
-              <a:r>
-                <a:rPr kumimoji="1" lang="en-US" altLang="zh-CN" sz="1200" dirty="0">
-                  <a:solidFill>
-                    <a:sysClr val="windowText" lastClr="000000"/>
-                  </a:solidFill>
-                </a:rPr>
-                <a:t>:</a:t>
-              </a:r>
-              <a:r>
-                <a:rPr kumimoji="1" lang="zh-CN" altLang="en-US" sz="1200" dirty="0">
-                  <a:solidFill>
-                    <a:sysClr val="windowText" lastClr="000000"/>
-                  </a:solidFill>
-                </a:rPr>
-                <a:t> </a:t>
-              </a:r>
-              <a:r>
-                <a:rPr kumimoji="1" lang="en-US" altLang="zh-CN" sz="1200" dirty="0">
-                  <a:solidFill>
-                    <a:sysClr val="windowText" lastClr="000000"/>
-                  </a:solidFill>
-                </a:rPr>
-                <a:t>Loan</a:t>
-              </a:r>
-              <a:endParaRPr kumimoji="1" lang="zh-CN" altLang="en-US" sz="1200" dirty="0">
-                <a:solidFill>
-                  <a:sysClr val="windowText" lastClr="000000"/>
-                </a:solidFill>
-              </a:endParaRPr>
-            </a:p>
-          </p:txBody>
-        </p:sp>
-        <p:sp>
-          <p:nvSpPr>
-            <p:cNvPr id="163" name="文本框 12">
-              <a:extLst>
-                <a:ext uri="{FF2B5EF4-FFF2-40B4-BE49-F238E27FC236}">
-                  <a16:creationId xmlns:a16="http://schemas.microsoft.com/office/drawing/2014/main" id="{095014AC-C92D-3D54-5A95-EBB1D1213053}"/>
-                </a:ext>
-              </a:extLst>
-            </p:cNvPr>
-            <p:cNvSpPr txBox="1"/>
-            <p:nvPr/>
-          </p:nvSpPr>
-          <p:spPr>
-            <a:xfrm>
-              <a:off x="5055398" y="3679535"/>
-              <a:ext cx="588763" cy="276999"/>
-            </a:xfrm>
-            <a:prstGeom prst="rect">
-              <a:avLst/>
-            </a:prstGeom>
-            <a:noFill/>
-          </p:spPr>
-          <p:txBody>
-            <a:bodyPr wrap="square" rtlCol="0">
-              <a:spAutoFit/>
-            </a:bodyPr>
-            <a:lstStyle/>
-            <a:p>
-              <a:pPr algn="ctr"/>
-              <a:r>
-                <a:rPr kumimoji="1" lang="en-US" altLang="zh-CN" sz="1200" b="1" dirty="0">
-                  <a:latin typeface="DengXian" panose="02010600030101010101" pitchFamily="2" charset="-122"/>
-                  <a:ea typeface="DengXian" panose="02010600030101010101" pitchFamily="2" charset="-122"/>
-                </a:rPr>
-                <a:t>g2</a:t>
-              </a:r>
-              <a:endParaRPr kumimoji="1" lang="en-US" altLang="zh-CN" sz="1200" dirty="0">
-                <a:latin typeface="DengXian" panose="02010600030101010101" pitchFamily="2" charset="-122"/>
-                <a:ea typeface="DengXian" panose="02010600030101010101" pitchFamily="2" charset="-122"/>
-              </a:endParaRPr>
-            </a:p>
-          </p:txBody>
-        </p:sp>
-        <p:sp>
-          <p:nvSpPr>
-            <p:cNvPr id="164" name="文本框 12">
-              <a:extLst>
-                <a:ext uri="{FF2B5EF4-FFF2-40B4-BE49-F238E27FC236}">
-                  <a16:creationId xmlns:a16="http://schemas.microsoft.com/office/drawing/2014/main" id="{BF8F12F2-279E-7852-6C66-02CC68C31312}"/>
-                </a:ext>
-              </a:extLst>
-            </p:cNvPr>
-            <p:cNvSpPr txBox="1"/>
-            <p:nvPr/>
-          </p:nvSpPr>
-          <p:spPr>
-            <a:xfrm>
-              <a:off x="6341190" y="3662430"/>
-              <a:ext cx="588763" cy="276999"/>
-            </a:xfrm>
-            <a:prstGeom prst="rect">
-              <a:avLst/>
-            </a:prstGeom>
-            <a:noFill/>
-          </p:spPr>
-          <p:txBody>
-            <a:bodyPr wrap="square" rtlCol="0">
-              <a:spAutoFit/>
-            </a:bodyPr>
-            <a:lstStyle/>
-            <a:p>
-              <a:pPr algn="ctr"/>
-              <a:r>
-                <a:rPr kumimoji="1" lang="en-US" altLang="zh-CN" sz="1200" b="1" dirty="0" err="1">
-                  <a:latin typeface="DengXian" panose="02010600030101010101" pitchFamily="2" charset="-122"/>
-                  <a:ea typeface="DengXian" panose="02010600030101010101" pitchFamily="2" charset="-122"/>
-                </a:rPr>
-                <a:t>gN</a:t>
-              </a:r>
-              <a:endParaRPr kumimoji="1" lang="en-US" altLang="zh-CN" sz="1200" dirty="0">
-                <a:latin typeface="DengXian" panose="02010600030101010101" pitchFamily="2" charset="-122"/>
-                <a:ea typeface="DengXian" panose="02010600030101010101" pitchFamily="2" charset="-122"/>
-              </a:endParaRPr>
-            </a:p>
-          </p:txBody>
-        </p:sp>
-        <p:cxnSp>
-          <p:nvCxnSpPr>
-            <p:cNvPr id="165" name="直线箭头连接符 11" descr="jytjh">
-              <a:extLst>
-                <a:ext uri="{FF2B5EF4-FFF2-40B4-BE49-F238E27FC236}">
-                  <a16:creationId xmlns:a16="http://schemas.microsoft.com/office/drawing/2014/main" id="{8FF0F5BF-4EB4-B434-F2C5-74E27E3428E7}"/>
-                </a:ext>
-              </a:extLst>
-            </p:cNvPr>
-            <p:cNvCxnSpPr>
-              <a:cxnSpLocks/>
-              <a:stCxn id="157" idx="0"/>
-              <a:endCxn id="162" idx="2"/>
-            </p:cNvCxnSpPr>
-            <p:nvPr/>
-          </p:nvCxnSpPr>
-          <p:spPr>
-            <a:xfrm flipV="1">
-              <a:off x="4530754" y="3424104"/>
-              <a:ext cx="0" cy="388945"/>
-            </a:xfrm>
-            <a:prstGeom prst="straightConnector1">
-              <a:avLst/>
-            </a:prstGeom>
-            <a:ln w="25400">
-              <a:solidFill>
-                <a:schemeClr val="tx1"/>
-              </a:solidFill>
-              <a:headEnd type="none" w="lg" len="med"/>
-              <a:tailEnd type="arrow" w="sm" len="lg"/>
-            </a:ln>
-          </p:spPr>
-          <p:style>
-            <a:lnRef idx="1">
-              <a:schemeClr val="accent1"/>
-            </a:lnRef>
-            <a:fillRef idx="0">
-              <a:schemeClr val="accent1"/>
-            </a:fillRef>
-            <a:effectRef idx="0">
-              <a:schemeClr val="accent1"/>
-            </a:effectRef>
-            <a:fontRef idx="minor">
-              <a:schemeClr val="tx1"/>
-            </a:fontRef>
-          </p:style>
-        </p:cxnSp>
-        <p:sp>
-          <p:nvSpPr>
-            <p:cNvPr id="166" name="矩形 14">
-              <a:extLst>
-                <a:ext uri="{FF2B5EF4-FFF2-40B4-BE49-F238E27FC236}">
-                  <a16:creationId xmlns:a16="http://schemas.microsoft.com/office/drawing/2014/main" id="{97DF9EF1-93A6-0568-3EC6-4746C8E50F08}"/>
-                </a:ext>
-              </a:extLst>
-            </p:cNvPr>
-            <p:cNvSpPr/>
-            <p:nvPr/>
-          </p:nvSpPr>
-          <p:spPr>
-            <a:xfrm>
-              <a:off x="6855118" y="3052179"/>
-              <a:ext cx="1200745" cy="371925"/>
-            </a:xfrm>
-            <a:prstGeom prst="rect">
-              <a:avLst/>
-            </a:prstGeom>
-            <a:solidFill>
-              <a:schemeClr val="accent2">
-                <a:lumMod val="60000"/>
-                <a:lumOff val="40000"/>
-              </a:schemeClr>
-            </a:solidFill>
-            <a:ln w="19050">
-              <a:solidFill>
-                <a:schemeClr val="tx1"/>
-              </a:solidFill>
-            </a:ln>
-          </p:spPr>
-          <p:style>
-            <a:lnRef idx="2">
-              <a:schemeClr val="accent2">
-                <a:shade val="50000"/>
-              </a:schemeClr>
-            </a:lnRef>
-            <a:fillRef idx="1">
-              <a:schemeClr val="accent2"/>
-            </a:fillRef>
-            <a:effectRef idx="0">
-              <a:schemeClr val="accent2"/>
-            </a:effectRef>
-            <a:fontRef idx="minor">
-              <a:schemeClr val="lt1"/>
-            </a:fontRef>
-          </p:style>
-          <p:txBody>
-            <a:bodyPr rtlCol="0" anchor="ctr"/>
-            <a:lstStyle/>
-            <a:p>
-              <a:pPr algn="ctr"/>
-              <a:r>
-                <a:rPr kumimoji="1" lang="en-US" altLang="zh-CN" sz="1200" dirty="0">
-                  <a:solidFill>
-                    <a:sysClr val="windowText" lastClr="000000"/>
-                  </a:solidFill>
-                </a:rPr>
-                <a:t>loan</a:t>
-              </a:r>
-              <a:r>
-                <a:rPr kumimoji="1" lang="zh-CN" altLang="en-US" sz="1200" dirty="0">
-                  <a:solidFill>
-                    <a:sysClr val="windowText" lastClr="000000"/>
-                  </a:solidFill>
-                </a:rPr>
-                <a:t> </a:t>
-              </a:r>
-              <a:r>
-                <a:rPr kumimoji="1" lang="en-US" altLang="zh-CN" sz="1200" dirty="0">
-                  <a:solidFill>
-                    <a:sysClr val="windowText" lastClr="000000"/>
-                  </a:solidFill>
-                </a:rPr>
-                <a:t>:</a:t>
-              </a:r>
-              <a:r>
-                <a:rPr kumimoji="1" lang="zh-CN" altLang="en-US" sz="1200" dirty="0">
-                  <a:solidFill>
-                    <a:sysClr val="windowText" lastClr="000000"/>
-                  </a:solidFill>
-                </a:rPr>
-                <a:t> </a:t>
-              </a:r>
-              <a:r>
-                <a:rPr kumimoji="1" lang="en-US" altLang="zh-CN" sz="1200" dirty="0">
-                  <a:solidFill>
-                    <a:sysClr val="windowText" lastClr="000000"/>
-                  </a:solidFill>
-                </a:rPr>
-                <a:t>Loan</a:t>
-              </a:r>
-              <a:endParaRPr kumimoji="1" lang="zh-CN" altLang="en-US" sz="1200" dirty="0">
-                <a:solidFill>
-                  <a:sysClr val="windowText" lastClr="000000"/>
-                </a:solidFill>
-              </a:endParaRPr>
-            </a:p>
-          </p:txBody>
-        </p:sp>
-        <p:cxnSp>
-          <p:nvCxnSpPr>
-            <p:cNvPr id="167" name="直线箭头连接符 11" descr="jytjh">
-              <a:extLst>
-                <a:ext uri="{FF2B5EF4-FFF2-40B4-BE49-F238E27FC236}">
-                  <a16:creationId xmlns:a16="http://schemas.microsoft.com/office/drawing/2014/main" id="{252C121C-C089-5A76-A55C-47461A5BFC3D}"/>
-                </a:ext>
-              </a:extLst>
-            </p:cNvPr>
-            <p:cNvCxnSpPr>
-              <a:cxnSpLocks/>
-              <a:stCxn id="159" idx="0"/>
-              <a:endCxn id="166" idx="2"/>
-            </p:cNvCxnSpPr>
-            <p:nvPr/>
-          </p:nvCxnSpPr>
-          <p:spPr>
-            <a:xfrm flipV="1">
-              <a:off x="7455491" y="3424104"/>
-              <a:ext cx="0" cy="388945"/>
-            </a:xfrm>
-            <a:prstGeom prst="straightConnector1">
-              <a:avLst/>
-            </a:prstGeom>
-            <a:ln w="25400">
-              <a:solidFill>
-                <a:schemeClr val="tx1"/>
-              </a:solidFill>
-              <a:headEnd type="none" w="lg" len="med"/>
-              <a:tailEnd type="arrow" w="sm" len="lg"/>
-            </a:ln>
-          </p:spPr>
-          <p:style>
-            <a:lnRef idx="1">
-              <a:schemeClr val="accent1"/>
-            </a:lnRef>
-            <a:fillRef idx="0">
-              <a:schemeClr val="accent1"/>
-            </a:fillRef>
-            <a:effectRef idx="0">
-              <a:schemeClr val="accent1"/>
-            </a:effectRef>
-            <a:fontRef idx="minor">
-              <a:schemeClr val="tx1"/>
-            </a:fontRef>
-          </p:style>
-        </p:cxnSp>
-        <p:sp>
-          <p:nvSpPr>
-            <p:cNvPr id="168" name="矩形 10">
-              <a:extLst>
-                <a:ext uri="{FF2B5EF4-FFF2-40B4-BE49-F238E27FC236}">
-                  <a16:creationId xmlns:a16="http://schemas.microsoft.com/office/drawing/2014/main" id="{974A8B10-3F2A-80BB-103F-D30C1574BC00}"/>
-                </a:ext>
-              </a:extLst>
-            </p:cNvPr>
-            <p:cNvSpPr/>
-            <p:nvPr/>
-          </p:nvSpPr>
-          <p:spPr>
-            <a:xfrm>
-              <a:off x="2267319" y="4115094"/>
-              <a:ext cx="1200747" cy="249148"/>
-            </a:xfrm>
-            <a:prstGeom prst="rect">
-              <a:avLst/>
-            </a:prstGeom>
-            <a:noFill/>
-            <a:ln w="19050">
-              <a:solidFill>
-                <a:schemeClr val="tx1"/>
-              </a:solidFill>
-            </a:ln>
-          </p:spPr>
-          <p:style>
-            <a:lnRef idx="2">
-              <a:schemeClr val="accent2">
-                <a:shade val="50000"/>
-              </a:schemeClr>
-            </a:lnRef>
-            <a:fillRef idx="1">
-              <a:schemeClr val="accent2"/>
-            </a:fillRef>
-            <a:effectRef idx="0">
-              <a:schemeClr val="accent2"/>
-            </a:effectRef>
-            <a:fontRef idx="minor">
-              <a:schemeClr val="lt1"/>
-            </a:fontRef>
-          </p:style>
-          <p:txBody>
-            <a:bodyPr rtlCol="0" anchor="ctr"/>
-            <a:lstStyle/>
-            <a:p>
-              <a:pPr algn="ctr"/>
-              <a:r>
-                <a:rPr kumimoji="1" lang="en-US" altLang="zh-CN" sz="1200" b="1" dirty="0">
-                  <a:solidFill>
-                    <a:sysClr val="windowText" lastClr="000000"/>
-                  </a:solidFill>
-                  <a:latin typeface="DengXian" panose="02010600030101010101" pitchFamily="2" charset="-122"/>
-                  <a:ea typeface="DengXian" panose="02010600030101010101" pitchFamily="2" charset="-122"/>
-                </a:rPr>
-                <a:t>p1</a:t>
-              </a:r>
-              <a:r>
-                <a:rPr kumimoji="1" lang="en-US" altLang="zh-CN" sz="1200" dirty="0">
-                  <a:solidFill>
-                    <a:sysClr val="windowText" lastClr="000000"/>
-                  </a:solidFill>
-                  <a:latin typeface="DengXian" panose="02010600030101010101" pitchFamily="2" charset="-122"/>
-                  <a:ea typeface="DengXian" panose="02010600030101010101" pitchFamily="2" charset="-122"/>
-                </a:rPr>
-                <a:t>.id</a:t>
-              </a:r>
-              <a:r>
-                <a:rPr kumimoji="1" lang="zh-CN" altLang="en-US" sz="1200" dirty="0">
-                  <a:solidFill>
-                    <a:sysClr val="windowText" lastClr="000000"/>
-                  </a:solidFill>
-                  <a:latin typeface="DengXian" panose="02010600030101010101" pitchFamily="2" charset="-122"/>
-                  <a:ea typeface="DengXian" panose="02010600030101010101" pitchFamily="2" charset="-122"/>
-                </a:rPr>
-                <a:t> </a:t>
-              </a:r>
-              <a:r>
-                <a:rPr kumimoji="1" lang="en-US" altLang="zh-CN" sz="1200" dirty="0">
-                  <a:solidFill>
-                    <a:sysClr val="windowText" lastClr="000000"/>
-                  </a:solidFill>
-                  <a:latin typeface="DengXian" panose="02010600030101010101" pitchFamily="2" charset="-122"/>
-                  <a:ea typeface="DengXian" panose="02010600030101010101" pitchFamily="2" charset="-122"/>
-                </a:rPr>
-                <a:t>=</a:t>
-              </a:r>
-              <a:r>
-                <a:rPr kumimoji="1" lang="zh-CN" altLang="en-US" sz="1200" dirty="0">
-                  <a:solidFill>
-                    <a:sysClr val="windowText" lastClr="000000"/>
-                  </a:solidFill>
-                  <a:latin typeface="DengXian" panose="02010600030101010101" pitchFamily="2" charset="-122"/>
-                  <a:ea typeface="DengXian" panose="02010600030101010101" pitchFamily="2" charset="-122"/>
-                </a:rPr>
-                <a:t> </a:t>
-              </a:r>
-              <a:r>
-                <a:rPr kumimoji="1" lang="en-US" altLang="zh-CN" sz="1200" dirty="0">
-                  <a:solidFill>
-                    <a:sysClr val="windowText" lastClr="000000"/>
-                  </a:solidFill>
-                  <a:latin typeface="DengXian" panose="02010600030101010101" pitchFamily="2" charset="-122"/>
-                  <a:ea typeface="DengXian" panose="02010600030101010101" pitchFamily="2" charset="-122"/>
-                </a:rPr>
-                <a:t>${id}</a:t>
-              </a:r>
-              <a:endParaRPr kumimoji="1" lang="zh-CN" altLang="en-US" sz="1200" dirty="0">
-                <a:solidFill>
-                  <a:sysClr val="windowText" lastClr="000000"/>
-                </a:solidFill>
-                <a:latin typeface="DengXian" panose="02010600030101010101" pitchFamily="2" charset="-122"/>
-                <a:ea typeface="DengXian" panose="02010600030101010101" pitchFamily="2" charset="-122"/>
-              </a:endParaRPr>
-            </a:p>
-          </p:txBody>
-        </p:sp>
-        <p:sp>
-          <p:nvSpPr>
-            <p:cNvPr id="169" name="文本框 12">
-              <a:extLst>
-                <a:ext uri="{FF2B5EF4-FFF2-40B4-BE49-F238E27FC236}">
-                  <a16:creationId xmlns:a16="http://schemas.microsoft.com/office/drawing/2014/main" id="{00B00A61-772A-D117-CA3D-31EE00116DEF}"/>
-                </a:ext>
-              </a:extLst>
-            </p:cNvPr>
-            <p:cNvSpPr txBox="1"/>
-            <p:nvPr/>
-          </p:nvSpPr>
-          <p:spPr>
-            <a:xfrm>
-              <a:off x="4630780" y="4212405"/>
-              <a:ext cx="2422812" cy="776903"/>
-            </a:xfrm>
-            <a:prstGeom prst="rect">
-              <a:avLst/>
-            </a:prstGeom>
-            <a:noFill/>
-          </p:spPr>
-          <p:txBody>
-            <a:bodyPr wrap="square" lIns="90000" numCol="1" rtlCol="0" anchor="ctr">
-              <a:noAutofit/>
-            </a:bodyPr>
-            <a:lstStyle/>
-            <a:p>
-              <a:pPr algn="ctr"/>
-              <a:r>
-                <a:rPr kumimoji="1" lang="en-US" altLang="zh-CN" sz="1200" b="1" dirty="0" err="1">
-                  <a:latin typeface="DengXian" panose="02010600030101010101" pitchFamily="2" charset="-122"/>
-                  <a:ea typeface="DengXian" panose="02010600030101010101" pitchFamily="2" charset="-122"/>
-                </a:rPr>
-                <a:t>gN</a:t>
-              </a:r>
-              <a:r>
-                <a:rPr kumimoji="1" lang="en-US" altLang="zh-CN" sz="1200" b="1" dirty="0">
-                  <a:latin typeface="DengXian" panose="02010600030101010101" pitchFamily="2" charset="-122"/>
-                  <a:ea typeface="DengXian" panose="02010600030101010101" pitchFamily="2" charset="-122"/>
-                </a:rPr>
-                <a:t>:</a:t>
-              </a:r>
-              <a:r>
-                <a:rPr kumimoji="1" lang="zh-CN" altLang="en-US" sz="1200" b="1" dirty="0">
-                  <a:latin typeface="DengXian" panose="02010600030101010101" pitchFamily="2" charset="-122"/>
-                  <a:ea typeface="DengXian" panose="02010600030101010101" pitchFamily="2" charset="-122"/>
-                </a:rPr>
-                <a:t> </a:t>
-              </a:r>
-              <a:r>
-                <a:rPr kumimoji="1" lang="en-US" altLang="zh-CN" sz="1200" dirty="0" err="1">
-                  <a:latin typeface="DengXian" panose="02010600030101010101" pitchFamily="2" charset="-122"/>
-                  <a:ea typeface="DengXian" panose="02010600030101010101" pitchFamily="2" charset="-122"/>
-                </a:rPr>
-                <a:t>gurantee</a:t>
-              </a:r>
-              <a:endParaRPr kumimoji="1" lang="en-US" altLang="zh-CN" sz="1200" dirty="0">
-                <a:latin typeface="DengXian" panose="02010600030101010101" pitchFamily="2" charset="-122"/>
-                <a:ea typeface="DengXian" panose="02010600030101010101" pitchFamily="2" charset="-122"/>
-              </a:endParaRPr>
-            </a:p>
-            <a:p>
-              <a:pPr algn="ctr"/>
-              <a:r>
-                <a:rPr kumimoji="1" lang="en-US" altLang="zh-CN" sz="1200" b="1" dirty="0" err="1">
-                  <a:latin typeface="DengXian" panose="02010600030101010101" pitchFamily="2" charset="-122"/>
-                  <a:ea typeface="DengXian" panose="02010600030101010101" pitchFamily="2" charset="-122"/>
-                </a:rPr>
-                <a:t>gN</a:t>
-              </a:r>
-              <a:r>
-                <a:rPr kumimoji="1" lang="en-US" altLang="zh-CN" sz="1200" dirty="0" err="1">
-                  <a:latin typeface="DengXian" panose="02010600030101010101" pitchFamily="2" charset="-122"/>
-                  <a:ea typeface="DengXian" panose="02010600030101010101" pitchFamily="2" charset="-122"/>
-                </a:rPr>
-                <a:t>.timestamp</a:t>
-              </a:r>
-              <a:r>
-                <a:rPr kumimoji="1" lang="zh-CN" altLang="en-US" sz="1200" dirty="0">
-                  <a:latin typeface="DengXian" panose="02010600030101010101" pitchFamily="2" charset="-122"/>
-                  <a:ea typeface="DengXian" panose="02010600030101010101" pitchFamily="2" charset="-122"/>
-                </a:rPr>
-                <a:t> </a:t>
-              </a:r>
-              <a:r>
-                <a:rPr kumimoji="1" lang="en-US" altLang="zh-CN" sz="1200" dirty="0">
-                  <a:latin typeface="DengXian" panose="02010600030101010101" pitchFamily="2" charset="-122"/>
-                  <a:ea typeface="DengXian" panose="02010600030101010101" pitchFamily="2" charset="-122"/>
-                </a:rPr>
-                <a:t>&gt;</a:t>
-              </a:r>
-              <a:r>
-                <a:rPr kumimoji="1" lang="zh-CN" altLang="en-US" sz="1200" dirty="0">
-                  <a:latin typeface="DengXian" panose="02010600030101010101" pitchFamily="2" charset="-122"/>
-                  <a:ea typeface="DengXian" panose="02010600030101010101" pitchFamily="2" charset="-122"/>
-                </a:rPr>
-                <a:t> </a:t>
-              </a:r>
-              <a:r>
-                <a:rPr kumimoji="1" lang="en-US" altLang="zh-CN" sz="1200" dirty="0">
-                  <a:latin typeface="DengXian" panose="02010600030101010101" pitchFamily="2" charset="-122"/>
-                  <a:ea typeface="DengXian" panose="02010600030101010101" pitchFamily="2" charset="-122"/>
-                </a:rPr>
-                <a:t>${</a:t>
-              </a:r>
-              <a:r>
-                <a:rPr kumimoji="1" lang="en-US" altLang="zh-CN" sz="1200" dirty="0" err="1">
-                  <a:latin typeface="DengXian" panose="02010600030101010101" pitchFamily="2" charset="-122"/>
-                  <a:ea typeface="DengXian" panose="02010600030101010101" pitchFamily="2" charset="-122"/>
-                </a:rPr>
-                <a:t>start_time</a:t>
-              </a:r>
-              <a:r>
-                <a:rPr kumimoji="1" lang="en-US" altLang="zh-CN" sz="1200" dirty="0">
-                  <a:latin typeface="DengXian" panose="02010600030101010101" pitchFamily="2" charset="-122"/>
-                  <a:ea typeface="DengXian" panose="02010600030101010101" pitchFamily="2" charset="-122"/>
-                </a:rPr>
-                <a:t>}</a:t>
-              </a:r>
-            </a:p>
-            <a:p>
-              <a:pPr algn="ctr"/>
-              <a:r>
-                <a:rPr kumimoji="1" lang="en-US" altLang="zh-CN" sz="1200" b="1" dirty="0" err="1">
-                  <a:latin typeface="DengXian" panose="02010600030101010101" pitchFamily="2" charset="-122"/>
-                  <a:ea typeface="DengXian" panose="02010600030101010101" pitchFamily="2" charset="-122"/>
-                </a:rPr>
-                <a:t>gN</a:t>
-              </a:r>
-              <a:r>
-                <a:rPr kumimoji="1" lang="en-US" altLang="zh-CN" sz="1200" dirty="0" err="1">
-                  <a:latin typeface="DengXian" panose="02010600030101010101" pitchFamily="2" charset="-122"/>
-                  <a:ea typeface="DengXian" panose="02010600030101010101" pitchFamily="2" charset="-122"/>
-                </a:rPr>
-                <a:t>.timestamp</a:t>
-              </a:r>
-              <a:r>
-                <a:rPr kumimoji="1" lang="zh-CN" altLang="en-US" sz="1200" dirty="0">
-                  <a:latin typeface="DengXian" panose="02010600030101010101" pitchFamily="2" charset="-122"/>
-                  <a:ea typeface="DengXian" panose="02010600030101010101" pitchFamily="2" charset="-122"/>
-                </a:rPr>
-                <a:t> </a:t>
-              </a:r>
-              <a:r>
-                <a:rPr kumimoji="1" lang="en-US" altLang="zh-CN" sz="1200" dirty="0">
-                  <a:latin typeface="DengXian" panose="02010600030101010101" pitchFamily="2" charset="-122"/>
-                  <a:ea typeface="DengXian" panose="02010600030101010101" pitchFamily="2" charset="-122"/>
-                </a:rPr>
-                <a:t>&lt;</a:t>
-              </a:r>
-              <a:r>
-                <a:rPr kumimoji="1" lang="zh-CN" altLang="en-US" sz="1200" dirty="0">
-                  <a:latin typeface="DengXian" panose="02010600030101010101" pitchFamily="2" charset="-122"/>
-                  <a:ea typeface="DengXian" panose="02010600030101010101" pitchFamily="2" charset="-122"/>
-                </a:rPr>
-                <a:t> </a:t>
-              </a:r>
-              <a:r>
-                <a:rPr kumimoji="1" lang="en-US" altLang="zh-CN" sz="1200" dirty="0">
-                  <a:latin typeface="DengXian" panose="02010600030101010101" pitchFamily="2" charset="-122"/>
-                  <a:ea typeface="DengXian" panose="02010600030101010101" pitchFamily="2" charset="-122"/>
-                </a:rPr>
-                <a:t>${</a:t>
-              </a:r>
-              <a:r>
-                <a:rPr kumimoji="1" lang="en-US" altLang="zh-CN" sz="1200" dirty="0" err="1">
-                  <a:latin typeface="DengXian" panose="02010600030101010101" pitchFamily="2" charset="-122"/>
-                  <a:ea typeface="DengXian" panose="02010600030101010101" pitchFamily="2" charset="-122"/>
-                </a:rPr>
-                <a:t>end_time</a:t>
-              </a:r>
-              <a:r>
-                <a:rPr kumimoji="1" lang="en-US" altLang="zh-CN" sz="1200" dirty="0">
-                  <a:latin typeface="DengXian" panose="02010600030101010101" pitchFamily="2" charset="-122"/>
-                  <a:ea typeface="DengXian" panose="02010600030101010101" pitchFamily="2" charset="-122"/>
-                </a:rPr>
-                <a:t>}</a:t>
-              </a:r>
-            </a:p>
-          </p:txBody>
-        </p:sp>
-      </p:grpSp>
-      <p:grpSp>
-        <p:nvGrpSpPr>
-          <p:cNvPr id="10" name="Group 9">
-            <a:extLst>
-              <a:ext uri="{FF2B5EF4-FFF2-40B4-BE49-F238E27FC236}">
-                <a16:creationId xmlns:a16="http://schemas.microsoft.com/office/drawing/2014/main" id="{B0140843-39CF-4759-B35D-D639552AEFD9}"/>
-              </a:ext>
-            </a:extLst>
-          </p:cNvPr>
-          <p:cNvGrpSpPr/>
-          <p:nvPr/>
-        </p:nvGrpSpPr>
-        <p:grpSpPr>
-          <a:xfrm>
-            <a:off x="9223508" y="2292029"/>
-            <a:ext cx="2245814" cy="2233670"/>
-            <a:chOff x="9223508" y="3133319"/>
-            <a:chExt cx="2245814" cy="2233670"/>
-          </a:xfrm>
-        </p:grpSpPr>
-        <p:sp>
-          <p:nvSpPr>
-            <p:cNvPr id="113" name="Rectangle: Rounded Corners 4">
-              <a:extLst>
-                <a:ext uri="{FF2B5EF4-FFF2-40B4-BE49-F238E27FC236}">
-                  <a16:creationId xmlns:a16="http://schemas.microsoft.com/office/drawing/2014/main" id="{D5C112EC-11AB-0B8B-A989-A2A7BCBC1D3D}"/>
-                </a:ext>
-              </a:extLst>
-            </p:cNvPr>
-            <p:cNvSpPr/>
-            <p:nvPr/>
-          </p:nvSpPr>
-          <p:spPr>
-            <a:xfrm>
-              <a:off x="9223508" y="3133319"/>
-              <a:ext cx="2245814" cy="2233670"/>
+              <a:off x="702313" y="2010183"/>
+              <a:ext cx="6089239" cy="1016288"/>
             </a:xfrm>
             <a:prstGeom prst="roundRect">
               <a:avLst/>
@@ -17575,10 +14116,10 @@
         </p:sp>
         <p:sp>
           <p:nvSpPr>
-            <p:cNvPr id="172" name="矩形 4">
+            <p:cNvPr id="73" name="Rectangle: Rounded Corners 4">
               <a:extLst>
                 <a:ext uri="{FF2B5EF4-FFF2-40B4-BE49-F238E27FC236}">
-                  <a16:creationId xmlns:a16="http://schemas.microsoft.com/office/drawing/2014/main" id="{4FF4F16F-AC16-4518-7F18-8A07C1D4C078}"/>
+                  <a16:creationId xmlns:a16="http://schemas.microsoft.com/office/drawing/2014/main" id="{BD3B9C54-3EF7-788D-02DE-AC7D41667E62}"/>
                 </a:ext>
               </a:extLst>
             </p:cNvPr>
@@ -17587,19 +14128,4007 @@
           </p:nvSpPr>
           <p:spPr>
             <a:xfrm>
-              <a:off x="9533385" y="3344733"/>
-              <a:ext cx="1626061" cy="345530"/>
+              <a:off x="702313" y="766985"/>
+              <a:ext cx="6089239" cy="1016288"/>
+            </a:xfrm>
+            <a:prstGeom prst="roundRect">
+              <a:avLst/>
+            </a:prstGeom>
+            <a:noFill/>
+            <a:ln w="19050">
+              <a:solidFill>
+                <a:schemeClr val="tx1">
+                  <a:alpha val="40000"/>
+                </a:schemeClr>
+              </a:solidFill>
+              <a:prstDash val="sysDash"/>
+            </a:ln>
+          </p:spPr>
+          <p:style>
+            <a:lnRef idx="2">
+              <a:schemeClr val="accent1">
+                <a:shade val="50000"/>
+              </a:schemeClr>
+            </a:lnRef>
+            <a:fillRef idx="1">
+              <a:schemeClr val="accent1"/>
+            </a:fillRef>
+            <a:effectRef idx="0">
+              <a:schemeClr val="accent1"/>
+            </a:effectRef>
+            <a:fontRef idx="minor">
+              <a:schemeClr val="lt1"/>
+            </a:fontRef>
+          </p:style>
+          <p:txBody>
+            <a:bodyPr rtlCol="0" anchor="ctr"/>
+            <a:lstStyle/>
+            <a:p>
+              <a:pPr algn="ctr" defTabSz="685800" fontAlgn="base">
+                <a:spcBef>
+                  <a:spcPct val="0"/>
+                </a:spcBef>
+                <a:spcAft>
+                  <a:spcPct val="0"/>
+                </a:spcAft>
+                <a:defRPr/>
+              </a:pPr>
+              <a:endParaRPr lang="en-US" sz="900" dirty="0">
+                <a:solidFill>
+                  <a:schemeClr val="tx1"/>
+                </a:solidFill>
+                <a:latin typeface="Alibaba PuHuiTi M" pitchFamily="18" charset="-122"/>
+                <a:ea typeface="Alibaba PuHuiTi M" pitchFamily="18" charset="-122"/>
+                <a:cs typeface="Alibaba PuHuiTi M" pitchFamily="18" charset="-122"/>
+              </a:endParaRPr>
+            </a:p>
+          </p:txBody>
+        </p:sp>
+        <p:cxnSp>
+          <p:nvCxnSpPr>
+            <p:cNvPr id="79" name="直线箭头连接符 6" descr="jytjh">
+              <a:extLst>
+                <a:ext uri="{FF2B5EF4-FFF2-40B4-BE49-F238E27FC236}">
+                  <a16:creationId xmlns:a16="http://schemas.microsoft.com/office/drawing/2014/main" id="{015D50D2-80B1-4145-BE4D-E0F2DF100E3E}"/>
+                </a:ext>
+              </a:extLst>
+            </p:cNvPr>
+            <p:cNvCxnSpPr>
+              <a:cxnSpLocks/>
+              <a:stCxn id="65" idx="2"/>
+              <a:endCxn id="73" idx="0"/>
+            </p:cNvCxnSpPr>
+            <p:nvPr/>
+          </p:nvCxnSpPr>
+          <p:spPr>
+            <a:xfrm>
+              <a:off x="3746933" y="540075"/>
+              <a:ext cx="0" cy="226910"/>
+            </a:xfrm>
+            <a:prstGeom prst="straightConnector1">
+              <a:avLst/>
+            </a:prstGeom>
+            <a:ln w="25400">
+              <a:solidFill>
+                <a:srgbClr val="0070C0"/>
+              </a:solidFill>
+              <a:headEnd type="none" w="sm" len="lg"/>
+              <a:tailEnd type="arrow" w="sm" len="lg"/>
+            </a:ln>
+          </p:spPr>
+          <p:style>
+            <a:lnRef idx="1">
+              <a:schemeClr val="accent1"/>
+            </a:lnRef>
+            <a:fillRef idx="0">
+              <a:schemeClr val="accent1"/>
+            </a:fillRef>
+            <a:effectRef idx="0">
+              <a:schemeClr val="accent1"/>
+            </a:effectRef>
+            <a:fontRef idx="minor">
+              <a:schemeClr val="tx1"/>
+            </a:fontRef>
+          </p:style>
+        </p:cxnSp>
+        <p:cxnSp>
+          <p:nvCxnSpPr>
+            <p:cNvPr id="82" name="直线箭头连接符 6" descr="jytjh">
+              <a:extLst>
+                <a:ext uri="{FF2B5EF4-FFF2-40B4-BE49-F238E27FC236}">
+                  <a16:creationId xmlns:a16="http://schemas.microsoft.com/office/drawing/2014/main" id="{1D8AACCA-D6CD-88DC-D503-2396B545B042}"/>
+                </a:ext>
+              </a:extLst>
+            </p:cNvPr>
+            <p:cNvCxnSpPr>
+              <a:cxnSpLocks/>
+              <a:stCxn id="73" idx="2"/>
+              <a:endCxn id="72" idx="0"/>
+            </p:cNvCxnSpPr>
+            <p:nvPr/>
+          </p:nvCxnSpPr>
+          <p:spPr>
+            <a:xfrm>
+              <a:off x="3746933" y="1783273"/>
+              <a:ext cx="0" cy="226910"/>
+            </a:xfrm>
+            <a:prstGeom prst="straightConnector1">
+              <a:avLst/>
+            </a:prstGeom>
+            <a:ln w="25400">
+              <a:solidFill>
+                <a:srgbClr val="0070C0"/>
+              </a:solidFill>
+              <a:headEnd type="none" w="sm" len="lg"/>
+              <a:tailEnd type="arrow" w="sm" len="lg"/>
+            </a:ln>
+          </p:spPr>
+          <p:style>
+            <a:lnRef idx="1">
+              <a:schemeClr val="accent1"/>
+            </a:lnRef>
+            <a:fillRef idx="0">
+              <a:schemeClr val="accent1"/>
+            </a:fillRef>
+            <a:effectRef idx="0">
+              <a:schemeClr val="accent1"/>
+            </a:effectRef>
+            <a:fontRef idx="minor">
+              <a:schemeClr val="tx1"/>
+            </a:fontRef>
+          </p:style>
+        </p:cxnSp>
+        <p:cxnSp>
+          <p:nvCxnSpPr>
+            <p:cNvPr id="85" name="直线箭头连接符 6" descr="jytjh">
+              <a:extLst>
+                <a:ext uri="{FF2B5EF4-FFF2-40B4-BE49-F238E27FC236}">
+                  <a16:creationId xmlns:a16="http://schemas.microsoft.com/office/drawing/2014/main" id="{CFE49F7E-3D6B-86DE-5E41-8F8B9705032B}"/>
+                </a:ext>
+              </a:extLst>
+            </p:cNvPr>
+            <p:cNvCxnSpPr>
+              <a:cxnSpLocks/>
+              <a:stCxn id="72" idx="2"/>
+              <a:endCxn id="74" idx="0"/>
+            </p:cNvCxnSpPr>
+            <p:nvPr/>
+          </p:nvCxnSpPr>
+          <p:spPr>
+            <a:xfrm flipH="1">
+              <a:off x="3742790" y="3026471"/>
+              <a:ext cx="4143" cy="226910"/>
+            </a:xfrm>
+            <a:prstGeom prst="straightConnector1">
+              <a:avLst/>
+            </a:prstGeom>
+            <a:ln w="25400">
+              <a:solidFill>
+                <a:srgbClr val="0070C0"/>
+              </a:solidFill>
+              <a:headEnd type="none" w="sm" len="lg"/>
+              <a:tailEnd type="arrow" w="sm" len="lg"/>
+            </a:ln>
+          </p:spPr>
+          <p:style>
+            <a:lnRef idx="1">
+              <a:schemeClr val="accent1"/>
+            </a:lnRef>
+            <a:fillRef idx="0">
+              <a:schemeClr val="accent1"/>
+            </a:fillRef>
+            <a:effectRef idx="0">
+              <a:schemeClr val="accent1"/>
+            </a:effectRef>
+            <a:fontRef idx="minor">
+              <a:schemeClr val="tx1"/>
+            </a:fontRef>
+          </p:style>
+        </p:cxnSp>
+        <p:cxnSp>
+          <p:nvCxnSpPr>
+            <p:cNvPr id="88" name="直线箭头连接符 6" descr="jytjh">
+              <a:extLst>
+                <a:ext uri="{FF2B5EF4-FFF2-40B4-BE49-F238E27FC236}">
+                  <a16:creationId xmlns:a16="http://schemas.microsoft.com/office/drawing/2014/main" id="{30EA7532-695A-B367-8DE0-C191EA250B7C}"/>
+                </a:ext>
+              </a:extLst>
+            </p:cNvPr>
+            <p:cNvCxnSpPr>
+              <a:cxnSpLocks/>
+              <a:stCxn id="74" idx="2"/>
+              <a:endCxn id="68" idx="0"/>
+            </p:cNvCxnSpPr>
+            <p:nvPr/>
+          </p:nvCxnSpPr>
+          <p:spPr>
+            <a:xfrm>
+              <a:off x="3742790" y="5977049"/>
+              <a:ext cx="4143" cy="226909"/>
+            </a:xfrm>
+            <a:prstGeom prst="straightConnector1">
+              <a:avLst/>
+            </a:prstGeom>
+            <a:ln w="25400">
+              <a:solidFill>
+                <a:srgbClr val="0070C0"/>
+              </a:solidFill>
+              <a:headEnd type="none" w="sm" len="lg"/>
+              <a:tailEnd type="arrow" w="sm" len="lg"/>
+            </a:ln>
+          </p:spPr>
+          <p:style>
+            <a:lnRef idx="1">
+              <a:schemeClr val="accent1"/>
+            </a:lnRef>
+            <a:fillRef idx="0">
+              <a:schemeClr val="accent1"/>
+            </a:fillRef>
+            <a:effectRef idx="0">
+              <a:schemeClr val="accent1"/>
+            </a:effectRef>
+            <a:fontRef idx="minor">
+              <a:schemeClr val="tx1"/>
+            </a:fontRef>
+          </p:style>
+        </p:cxnSp>
+        <p:cxnSp>
+          <p:nvCxnSpPr>
+            <p:cNvPr id="94" name="Elbow Connector 93">
+              <a:extLst>
+                <a:ext uri="{FF2B5EF4-FFF2-40B4-BE49-F238E27FC236}">
+                  <a16:creationId xmlns:a16="http://schemas.microsoft.com/office/drawing/2014/main" id="{4BBFB1CF-1B03-8593-54F1-7AD1141AE7A8}"/>
+                </a:ext>
+              </a:extLst>
+            </p:cNvPr>
+            <p:cNvCxnSpPr>
+              <a:cxnSpLocks/>
+              <a:stCxn id="69" idx="3"/>
+              <a:endCxn id="114" idx="1"/>
+            </p:cNvCxnSpPr>
+            <p:nvPr/>
+          </p:nvCxnSpPr>
+          <p:spPr>
+            <a:xfrm flipV="1">
+              <a:off x="8415560" y="3372017"/>
+              <a:ext cx="644249" cy="1243199"/>
+            </a:xfrm>
+            <a:prstGeom prst="bentConnector3">
+              <a:avLst>
+                <a:gd name="adj1" fmla="val 50000"/>
+              </a:avLst>
+            </a:prstGeom>
+            <a:ln w="25400">
+              <a:solidFill>
+                <a:srgbClr val="0070C0"/>
+              </a:solidFill>
+              <a:tailEnd type="arrow" w="sm" len="lg"/>
+            </a:ln>
+            <a:effectLst/>
+          </p:spPr>
+          <p:style>
+            <a:lnRef idx="1">
+              <a:schemeClr val="accent1"/>
+            </a:lnRef>
+            <a:fillRef idx="0">
+              <a:schemeClr val="accent1"/>
+            </a:fillRef>
+            <a:effectRef idx="0">
+              <a:schemeClr val="accent1"/>
+            </a:effectRef>
+            <a:fontRef idx="minor">
+              <a:schemeClr val="tx1"/>
+            </a:fontRef>
+          </p:style>
+        </p:cxnSp>
+        <p:cxnSp>
+          <p:nvCxnSpPr>
+            <p:cNvPr id="100" name="直线箭头连接符 6" descr="jytjh">
+              <a:extLst>
+                <a:ext uri="{FF2B5EF4-FFF2-40B4-BE49-F238E27FC236}">
+                  <a16:creationId xmlns:a16="http://schemas.microsoft.com/office/drawing/2014/main" id="{62C19C25-0D50-742D-500B-963F3810E8A7}"/>
+                </a:ext>
+              </a:extLst>
+            </p:cNvPr>
+            <p:cNvCxnSpPr>
+              <a:cxnSpLocks/>
+              <a:stCxn id="74" idx="3"/>
+              <a:endCxn id="69" idx="1"/>
+            </p:cNvCxnSpPr>
+            <p:nvPr/>
+          </p:nvCxnSpPr>
+          <p:spPr>
+            <a:xfrm>
+              <a:off x="6783266" y="4615215"/>
+              <a:ext cx="406505" cy="1"/>
+            </a:xfrm>
+            <a:prstGeom prst="straightConnector1">
+              <a:avLst/>
+            </a:prstGeom>
+            <a:ln w="25400">
+              <a:solidFill>
+                <a:srgbClr val="0070C0"/>
+              </a:solidFill>
+              <a:headEnd type="none" w="sm" len="lg"/>
+              <a:tailEnd type="arrow" w="sm" len="lg"/>
+            </a:ln>
+          </p:spPr>
+          <p:style>
+            <a:lnRef idx="1">
+              <a:schemeClr val="accent1"/>
+            </a:lnRef>
+            <a:fillRef idx="0">
+              <a:schemeClr val="accent1"/>
+            </a:fillRef>
+            <a:effectRef idx="0">
+              <a:schemeClr val="accent1"/>
+            </a:effectRef>
+            <a:fontRef idx="minor">
+              <a:schemeClr val="tx1"/>
+            </a:fontRef>
+          </p:style>
+        </p:cxnSp>
+        <p:cxnSp>
+          <p:nvCxnSpPr>
+            <p:cNvPr id="103" name="直线箭头连接符 6" descr="jytjh">
+              <a:extLst>
+                <a:ext uri="{FF2B5EF4-FFF2-40B4-BE49-F238E27FC236}">
+                  <a16:creationId xmlns:a16="http://schemas.microsoft.com/office/drawing/2014/main" id="{199C5843-A54C-649E-BC9B-C0B91BA0C913}"/>
+                </a:ext>
+              </a:extLst>
+            </p:cNvPr>
+            <p:cNvCxnSpPr>
+              <a:cxnSpLocks/>
+              <a:stCxn id="73" idx="3"/>
+              <a:endCxn id="67" idx="1"/>
+            </p:cNvCxnSpPr>
+            <p:nvPr/>
+          </p:nvCxnSpPr>
+          <p:spPr>
+            <a:xfrm>
+              <a:off x="6791552" y="1275129"/>
+              <a:ext cx="398219" cy="1"/>
+            </a:xfrm>
+            <a:prstGeom prst="straightConnector1">
+              <a:avLst/>
+            </a:prstGeom>
+            <a:ln w="25400">
+              <a:solidFill>
+                <a:srgbClr val="0070C0"/>
+              </a:solidFill>
+              <a:headEnd type="none" w="sm" len="lg"/>
+              <a:tailEnd type="arrow" w="sm" len="lg"/>
+            </a:ln>
+          </p:spPr>
+          <p:style>
+            <a:lnRef idx="1">
+              <a:schemeClr val="accent1"/>
+            </a:lnRef>
+            <a:fillRef idx="0">
+              <a:schemeClr val="accent1"/>
+            </a:fillRef>
+            <a:effectRef idx="0">
+              <a:schemeClr val="accent1"/>
+            </a:effectRef>
+            <a:fontRef idx="minor">
+              <a:schemeClr val="tx1"/>
+            </a:fontRef>
+          </p:style>
+        </p:cxnSp>
+        <p:sp>
+          <p:nvSpPr>
+            <p:cNvPr id="78" name="Rectangle: Rounded Corners 4">
+              <a:extLst>
+                <a:ext uri="{FF2B5EF4-FFF2-40B4-BE49-F238E27FC236}">
+                  <a16:creationId xmlns:a16="http://schemas.microsoft.com/office/drawing/2014/main" id="{CC79769B-4498-DBED-CD13-81D2FB73B7C6}"/>
+                </a:ext>
+              </a:extLst>
+            </p:cNvPr>
+            <p:cNvSpPr/>
+            <p:nvPr/>
+          </p:nvSpPr>
+          <p:spPr>
+            <a:xfrm>
+              <a:off x="9733521" y="361211"/>
+              <a:ext cx="1225789" cy="384721"/>
+            </a:xfrm>
+            <a:prstGeom prst="roundRect">
+              <a:avLst/>
+            </a:prstGeom>
+            <a:noFill/>
+            <a:ln w="25400">
+              <a:solidFill>
+                <a:srgbClr val="0070C0"/>
+              </a:solidFill>
+            </a:ln>
+          </p:spPr>
+          <p:style>
+            <a:lnRef idx="2">
+              <a:schemeClr val="accent1">
+                <a:shade val="50000"/>
+              </a:schemeClr>
+            </a:lnRef>
+            <a:fillRef idx="1">
+              <a:schemeClr val="accent1"/>
+            </a:fillRef>
+            <a:effectRef idx="0">
+              <a:schemeClr val="accent1"/>
+            </a:effectRef>
+            <a:fontRef idx="minor">
+              <a:schemeClr val="lt1"/>
+            </a:fontRef>
+          </p:style>
+          <p:txBody>
+            <a:bodyPr rtlCol="0" anchor="ctr"/>
+            <a:lstStyle/>
+            <a:p>
+              <a:pPr algn="ctr" defTabSz="685800" fontAlgn="base">
+                <a:spcBef>
+                  <a:spcPct val="0"/>
+                </a:spcBef>
+                <a:spcAft>
+                  <a:spcPct val="0"/>
+                </a:spcAft>
+                <a:defRPr/>
+              </a:pPr>
+              <a:r>
+                <a:rPr lang="en-US" altLang="zh-CN" sz="1200" b="1" dirty="0" err="1">
+                  <a:solidFill>
+                    <a:srgbClr val="0070C0"/>
+                  </a:solidFill>
+                  <a:latin typeface="Alibaba PuHuiTi M" pitchFamily="18" charset="-122"/>
+                  <a:ea typeface="Alibaba PuHuiTi M" pitchFamily="18" charset="-122"/>
+                  <a:cs typeface="Alibaba PuHuiTi M" pitchFamily="18" charset="-122"/>
+                </a:rPr>
+                <a:t>Txn</a:t>
+              </a:r>
+              <a:r>
+                <a:rPr lang="zh-CN" altLang="en-US" sz="1200" b="1" dirty="0">
+                  <a:solidFill>
+                    <a:srgbClr val="0070C0"/>
+                  </a:solidFill>
+                  <a:latin typeface="Alibaba PuHuiTi M" pitchFamily="18" charset="-122"/>
+                  <a:ea typeface="Alibaba PuHuiTi M" pitchFamily="18" charset="-122"/>
+                  <a:cs typeface="Alibaba PuHuiTi M" pitchFamily="18" charset="-122"/>
+                </a:rPr>
+                <a:t> </a:t>
+              </a:r>
+              <a:r>
+                <a:rPr lang="en-US" altLang="zh-CN" sz="1200" b="1" dirty="0">
+                  <a:solidFill>
+                    <a:srgbClr val="0070C0"/>
+                  </a:solidFill>
+                  <a:latin typeface="Alibaba PuHuiTi M" pitchFamily="18" charset="-122"/>
+                  <a:ea typeface="Alibaba PuHuiTi M" pitchFamily="18" charset="-122"/>
+                  <a:cs typeface="Alibaba PuHuiTi M" pitchFamily="18" charset="-122"/>
+                </a:rPr>
+                <a:t>Begin</a:t>
+              </a:r>
+              <a:endParaRPr lang="en-US" sz="900" dirty="0">
+                <a:solidFill>
+                  <a:srgbClr val="0070C0"/>
+                </a:solidFill>
+                <a:latin typeface="Alibaba PuHuiTi M" pitchFamily="18" charset="-122"/>
+                <a:ea typeface="Alibaba PuHuiTi M" pitchFamily="18" charset="-122"/>
+                <a:cs typeface="Alibaba PuHuiTi M" pitchFamily="18" charset="-122"/>
+              </a:endParaRPr>
+            </a:p>
+          </p:txBody>
+        </p:sp>
+        <p:sp>
+          <p:nvSpPr>
+            <p:cNvPr id="92" name="Rectangle: Rounded Corners 4">
+              <a:extLst>
+                <a:ext uri="{FF2B5EF4-FFF2-40B4-BE49-F238E27FC236}">
+                  <a16:creationId xmlns:a16="http://schemas.microsoft.com/office/drawing/2014/main" id="{3A47F7CC-2E96-4C2A-C5BD-3C630D6A6F8D}"/>
+                </a:ext>
+              </a:extLst>
+            </p:cNvPr>
+            <p:cNvSpPr/>
+            <p:nvPr/>
+          </p:nvSpPr>
+          <p:spPr>
+            <a:xfrm>
+              <a:off x="9733521" y="6071797"/>
+              <a:ext cx="1225789" cy="384721"/>
+            </a:xfrm>
+            <a:prstGeom prst="roundRect">
+              <a:avLst/>
+            </a:prstGeom>
+            <a:noFill/>
+            <a:ln w="25400">
+              <a:solidFill>
+                <a:srgbClr val="0070C0"/>
+              </a:solidFill>
+            </a:ln>
+          </p:spPr>
+          <p:style>
+            <a:lnRef idx="2">
+              <a:schemeClr val="accent1">
+                <a:shade val="50000"/>
+              </a:schemeClr>
+            </a:lnRef>
+            <a:fillRef idx="1">
+              <a:schemeClr val="accent1"/>
+            </a:fillRef>
+            <a:effectRef idx="0">
+              <a:schemeClr val="accent1"/>
+            </a:effectRef>
+            <a:fontRef idx="minor">
+              <a:schemeClr val="lt1"/>
+            </a:fontRef>
+          </p:style>
+          <p:txBody>
+            <a:bodyPr rtlCol="0" anchor="ctr"/>
+            <a:lstStyle/>
+            <a:p>
+              <a:pPr algn="ctr" defTabSz="685800" fontAlgn="base">
+                <a:spcBef>
+                  <a:spcPct val="0"/>
+                </a:spcBef>
+                <a:spcAft>
+                  <a:spcPct val="0"/>
+                </a:spcAft>
+                <a:defRPr/>
+              </a:pPr>
+              <a:r>
+                <a:rPr lang="en-US" altLang="zh-CN" sz="1200" b="1" dirty="0" err="1">
+                  <a:solidFill>
+                    <a:srgbClr val="0070C0"/>
+                  </a:solidFill>
+                  <a:latin typeface="Alibaba PuHuiTi M" pitchFamily="18" charset="-122"/>
+                  <a:ea typeface="Alibaba PuHuiTi M" pitchFamily="18" charset="-122"/>
+                  <a:cs typeface="Alibaba PuHuiTi M" pitchFamily="18" charset="-122"/>
+                </a:rPr>
+                <a:t>Txn</a:t>
+              </a:r>
+              <a:r>
+                <a:rPr lang="zh-CN" altLang="en-US" sz="1200" b="1" dirty="0">
+                  <a:solidFill>
+                    <a:srgbClr val="0070C0"/>
+                  </a:solidFill>
+                  <a:latin typeface="Alibaba PuHuiTi M" pitchFamily="18" charset="-122"/>
+                  <a:ea typeface="Alibaba PuHuiTi M" pitchFamily="18" charset="-122"/>
+                  <a:cs typeface="Alibaba PuHuiTi M" pitchFamily="18" charset="-122"/>
+                </a:rPr>
+                <a:t> </a:t>
+              </a:r>
+              <a:r>
+                <a:rPr lang="en-US" altLang="zh-CN" sz="1200" b="1" dirty="0">
+                  <a:solidFill>
+                    <a:srgbClr val="0070C0"/>
+                  </a:solidFill>
+                  <a:latin typeface="Alibaba PuHuiTi M" pitchFamily="18" charset="-122"/>
+                  <a:ea typeface="Alibaba PuHuiTi M" pitchFamily="18" charset="-122"/>
+                  <a:cs typeface="Alibaba PuHuiTi M" pitchFamily="18" charset="-122"/>
+                </a:rPr>
+                <a:t>Commit</a:t>
+              </a:r>
+              <a:endParaRPr lang="en-US" sz="900" dirty="0">
+                <a:solidFill>
+                  <a:srgbClr val="0070C0"/>
+                </a:solidFill>
+                <a:latin typeface="Alibaba PuHuiTi M" pitchFamily="18" charset="-122"/>
+                <a:ea typeface="Alibaba PuHuiTi M" pitchFamily="18" charset="-122"/>
+                <a:cs typeface="Alibaba PuHuiTi M" pitchFamily="18" charset="-122"/>
+              </a:endParaRPr>
+            </a:p>
+          </p:txBody>
+        </p:sp>
+        <p:cxnSp>
+          <p:nvCxnSpPr>
+            <p:cNvPr id="107" name="直线箭头连接符 6" descr="jytjh">
+              <a:extLst>
+                <a:ext uri="{FF2B5EF4-FFF2-40B4-BE49-F238E27FC236}">
+                  <a16:creationId xmlns:a16="http://schemas.microsoft.com/office/drawing/2014/main" id="{4CB9201E-7CFE-0364-3F44-318BFF205A7D}"/>
+                </a:ext>
+              </a:extLst>
+            </p:cNvPr>
+            <p:cNvCxnSpPr>
+              <a:cxnSpLocks/>
+              <a:stCxn id="78" idx="2"/>
+              <a:endCxn id="113" idx="0"/>
+            </p:cNvCxnSpPr>
+            <p:nvPr/>
+          </p:nvCxnSpPr>
+          <p:spPr>
+            <a:xfrm flipH="1">
+              <a:off x="10346415" y="745932"/>
+              <a:ext cx="1" cy="1546097"/>
+            </a:xfrm>
+            <a:prstGeom prst="straightConnector1">
+              <a:avLst/>
+            </a:prstGeom>
+            <a:ln w="25400">
+              <a:solidFill>
+                <a:srgbClr val="0070C0"/>
+              </a:solidFill>
+              <a:headEnd type="none" w="sm" len="lg"/>
+              <a:tailEnd type="arrow" w="sm" len="lg"/>
+            </a:ln>
+          </p:spPr>
+          <p:style>
+            <a:lnRef idx="1">
+              <a:schemeClr val="accent1"/>
+            </a:lnRef>
+            <a:fillRef idx="0">
+              <a:schemeClr val="accent1"/>
+            </a:fillRef>
+            <a:effectRef idx="0">
+              <a:schemeClr val="accent1"/>
+            </a:effectRef>
+            <a:fontRef idx="minor">
+              <a:schemeClr val="tx1"/>
+            </a:fontRef>
+          </p:style>
+        </p:cxnSp>
+        <p:cxnSp>
+          <p:nvCxnSpPr>
+            <p:cNvPr id="110" name="直线箭头连接符 6" descr="jytjh">
+              <a:extLst>
+                <a:ext uri="{FF2B5EF4-FFF2-40B4-BE49-F238E27FC236}">
+                  <a16:creationId xmlns:a16="http://schemas.microsoft.com/office/drawing/2014/main" id="{93DDEAB8-11D3-6C70-07B9-CB6B3C0A3154}"/>
+                </a:ext>
+              </a:extLst>
+            </p:cNvPr>
+            <p:cNvCxnSpPr>
+              <a:cxnSpLocks/>
+              <a:stCxn id="113" idx="2"/>
+              <a:endCxn id="92" idx="0"/>
+            </p:cNvCxnSpPr>
+            <p:nvPr/>
+          </p:nvCxnSpPr>
+          <p:spPr>
+            <a:xfrm>
+              <a:off x="10346415" y="4525699"/>
+              <a:ext cx="1" cy="1546098"/>
+            </a:xfrm>
+            <a:prstGeom prst="straightConnector1">
+              <a:avLst/>
+            </a:prstGeom>
+            <a:ln w="25400">
+              <a:solidFill>
+                <a:srgbClr val="0070C0"/>
+              </a:solidFill>
+              <a:headEnd type="none" w="sm" len="lg"/>
+              <a:tailEnd type="arrow" w="sm" len="lg"/>
+            </a:ln>
+          </p:spPr>
+          <p:style>
+            <a:lnRef idx="1">
+              <a:schemeClr val="accent1"/>
+            </a:lnRef>
+            <a:fillRef idx="0">
+              <a:schemeClr val="accent1"/>
+            </a:fillRef>
+            <a:effectRef idx="0">
+              <a:schemeClr val="accent1"/>
+            </a:effectRef>
+            <a:fontRef idx="minor">
+              <a:schemeClr val="tx1"/>
+            </a:fontRef>
+          </p:style>
+        </p:cxnSp>
+        <p:sp>
+          <p:nvSpPr>
+            <p:cNvPr id="114" name="Rectangle: Rounded Corners 4">
+              <a:extLst>
+                <a:ext uri="{FF2B5EF4-FFF2-40B4-BE49-F238E27FC236}">
+                  <a16:creationId xmlns:a16="http://schemas.microsoft.com/office/drawing/2014/main" id="{21B3C9ED-407A-CCAC-A0CE-C7569C860737}"/>
+                </a:ext>
+              </a:extLst>
+            </p:cNvPr>
+            <p:cNvSpPr/>
+            <p:nvPr/>
+          </p:nvSpPr>
+          <p:spPr>
+            <a:xfrm>
+              <a:off x="9059809" y="155354"/>
+              <a:ext cx="2551184" cy="6433325"/>
+            </a:xfrm>
+            <a:prstGeom prst="roundRect">
+              <a:avLst/>
+            </a:prstGeom>
+            <a:noFill/>
+            <a:ln w="25400">
+              <a:solidFill>
+                <a:srgbClr val="0070C0"/>
+              </a:solidFill>
+              <a:prstDash val="sysDash"/>
+            </a:ln>
+          </p:spPr>
+          <p:style>
+            <a:lnRef idx="2">
+              <a:schemeClr val="accent1">
+                <a:shade val="50000"/>
+              </a:schemeClr>
+            </a:lnRef>
+            <a:fillRef idx="1">
+              <a:schemeClr val="accent1"/>
+            </a:fillRef>
+            <a:effectRef idx="0">
+              <a:schemeClr val="accent1"/>
+            </a:effectRef>
+            <a:fontRef idx="minor">
+              <a:schemeClr val="lt1"/>
+            </a:fontRef>
+          </p:style>
+          <p:txBody>
+            <a:bodyPr rtlCol="0" anchor="ctr"/>
+            <a:lstStyle/>
+            <a:p>
+              <a:pPr algn="ctr" defTabSz="685800" fontAlgn="base">
+                <a:spcBef>
+                  <a:spcPct val="0"/>
+                </a:spcBef>
+                <a:spcAft>
+                  <a:spcPct val="0"/>
+                </a:spcAft>
+                <a:defRPr/>
+              </a:pPr>
+              <a:endParaRPr lang="en-US" sz="900" dirty="0">
+                <a:solidFill>
+                  <a:schemeClr val="tx1"/>
+                </a:solidFill>
+                <a:latin typeface="Alibaba PuHuiTi M" pitchFamily="18" charset="-122"/>
+                <a:ea typeface="Alibaba PuHuiTi M" pitchFamily="18" charset="-122"/>
+                <a:cs typeface="Alibaba PuHuiTi M" pitchFamily="18" charset="-122"/>
+              </a:endParaRPr>
+            </a:p>
+          </p:txBody>
+        </p:sp>
+        <p:grpSp>
+          <p:nvGrpSpPr>
+            <p:cNvPr id="2" name="Group 1">
+              <a:extLst>
+                <a:ext uri="{FF2B5EF4-FFF2-40B4-BE49-F238E27FC236}">
+                  <a16:creationId xmlns:a16="http://schemas.microsoft.com/office/drawing/2014/main" id="{5E76F9EC-E320-90AE-75BD-3038FD4D8ABC}"/>
+                </a:ext>
+              </a:extLst>
+            </p:cNvPr>
+            <p:cNvGrpSpPr/>
+            <p:nvPr/>
+          </p:nvGrpSpPr>
+          <p:grpSpPr>
+            <a:xfrm>
+              <a:off x="1712524" y="947409"/>
+              <a:ext cx="1577684" cy="652396"/>
+              <a:chOff x="6743980" y="2882432"/>
+              <a:chExt cx="2116478" cy="870527"/>
+            </a:xfrm>
+          </p:grpSpPr>
+          <p:sp>
+            <p:nvSpPr>
+              <p:cNvPr id="3" name="矩形 3">
+                <a:extLst>
+                  <a:ext uri="{FF2B5EF4-FFF2-40B4-BE49-F238E27FC236}">
+                    <a16:creationId xmlns:a16="http://schemas.microsoft.com/office/drawing/2014/main" id="{8F12623E-F63D-0BAD-DD63-3F5BA94932D1}"/>
+                  </a:ext>
+                </a:extLst>
+              </p:cNvPr>
+              <p:cNvSpPr/>
+              <p:nvPr/>
+            </p:nvSpPr>
+            <p:spPr>
+              <a:xfrm>
+                <a:off x="6743980" y="3314373"/>
+                <a:ext cx="2116478" cy="438586"/>
+              </a:xfrm>
+              <a:prstGeom prst="rect">
+                <a:avLst/>
+              </a:prstGeom>
+              <a:noFill/>
+              <a:ln w="25400">
+                <a:solidFill>
+                  <a:schemeClr val="tx1"/>
+                </a:solidFill>
+              </a:ln>
+            </p:spPr>
+            <p:style>
+              <a:lnRef idx="2">
+                <a:schemeClr val="accent2">
+                  <a:shade val="50000"/>
+                </a:schemeClr>
+              </a:lnRef>
+              <a:fillRef idx="1">
+                <a:schemeClr val="accent2"/>
+              </a:fillRef>
+              <a:effectRef idx="0">
+                <a:schemeClr val="accent2"/>
+              </a:effectRef>
+              <a:fontRef idx="minor">
+                <a:schemeClr val="lt1"/>
+              </a:fontRef>
+            </p:style>
+            <p:txBody>
+              <a:bodyPr rtlCol="0" anchor="ctr"/>
+              <a:lstStyle/>
+              <a:p>
+                <a:pPr algn="ctr"/>
+                <a:r>
+                  <a:rPr kumimoji="1" lang="en-US" altLang="zh-CN" sz="1100" b="1" dirty="0" err="1">
+                    <a:solidFill>
+                      <a:sysClr val="windowText" lastClr="000000"/>
+                    </a:solidFill>
+                    <a:latin typeface="DengXian" panose="02010600030101010101" pitchFamily="2" charset="-122"/>
+                    <a:ea typeface="DengXian" panose="02010600030101010101" pitchFamily="2" charset="-122"/>
+                  </a:rPr>
+                  <a:t>person</a:t>
+                </a:r>
+                <a:r>
+                  <a:rPr kumimoji="1" lang="en-US" altLang="zh-CN" sz="1100" dirty="0" err="1">
+                    <a:solidFill>
+                      <a:sysClr val="windowText" lastClr="000000"/>
+                    </a:solidFill>
+                    <a:latin typeface="DengXian" panose="02010600030101010101" pitchFamily="2" charset="-122"/>
+                    <a:ea typeface="DengXian" panose="02010600030101010101" pitchFamily="2" charset="-122"/>
+                  </a:rPr>
+                  <a:t>.id</a:t>
+                </a:r>
+                <a:r>
+                  <a:rPr kumimoji="1" lang="en-US" altLang="zh-CN" sz="1100" dirty="0">
+                    <a:solidFill>
+                      <a:sysClr val="windowText" lastClr="000000"/>
+                    </a:solidFill>
+                    <a:latin typeface="DengXian" panose="02010600030101010101" pitchFamily="2" charset="-122"/>
+                    <a:ea typeface="DengXian" panose="02010600030101010101" pitchFamily="2" charset="-122"/>
+                  </a:rPr>
+                  <a:t>:</a:t>
+                </a:r>
+                <a:r>
+                  <a:rPr kumimoji="1" lang="zh-CN" altLang="en-US" sz="1100" dirty="0">
+                    <a:solidFill>
+                      <a:sysClr val="windowText" lastClr="000000"/>
+                    </a:solidFill>
+                    <a:latin typeface="DengXian" panose="02010600030101010101" pitchFamily="2" charset="-122"/>
+                    <a:ea typeface="DengXian" panose="02010600030101010101" pitchFamily="2" charset="-122"/>
+                  </a:rPr>
+                  <a:t> </a:t>
+                </a:r>
+                <a:r>
+                  <a:rPr kumimoji="1" lang="en-US" altLang="zh-CN" sz="1100" dirty="0">
+                    <a:solidFill>
+                      <a:sysClr val="windowText" lastClr="000000"/>
+                    </a:solidFill>
+                    <a:latin typeface="DengXian" panose="02010600030101010101" pitchFamily="2" charset="-122"/>
+                    <a:ea typeface="DengXian" panose="02010600030101010101" pitchFamily="2" charset="-122"/>
+                  </a:rPr>
+                  <a:t>${</a:t>
+                </a:r>
+                <a:r>
+                  <a:rPr kumimoji="1" lang="en-US" altLang="zh-CN" sz="1100" dirty="0" err="1">
+                    <a:solidFill>
+                      <a:sysClr val="windowText" lastClr="000000"/>
+                    </a:solidFill>
+                    <a:latin typeface="DengXian" panose="02010600030101010101" pitchFamily="2" charset="-122"/>
+                    <a:ea typeface="DengXian" panose="02010600030101010101" pitchFamily="2" charset="-122"/>
+                  </a:rPr>
+                  <a:t>srcId</a:t>
+                </a:r>
+                <a:r>
+                  <a:rPr kumimoji="1" lang="en-US" altLang="zh-CN" sz="1100" dirty="0">
+                    <a:solidFill>
+                      <a:sysClr val="windowText" lastClr="000000"/>
+                    </a:solidFill>
+                    <a:latin typeface="DengXian" panose="02010600030101010101" pitchFamily="2" charset="-122"/>
+                    <a:ea typeface="DengXian" panose="02010600030101010101" pitchFamily="2" charset="-122"/>
+                  </a:rPr>
+                  <a:t>}</a:t>
+                </a:r>
+                <a:endParaRPr kumimoji="1" lang="zh-CN" altLang="en-US" sz="1100" dirty="0">
+                  <a:solidFill>
+                    <a:sysClr val="windowText" lastClr="000000"/>
+                  </a:solidFill>
+                  <a:latin typeface="DengXian" panose="02010600030101010101" pitchFamily="2" charset="-122"/>
+                  <a:ea typeface="DengXian" panose="02010600030101010101" pitchFamily="2" charset="-122"/>
+                </a:endParaRPr>
+              </a:p>
+            </p:txBody>
+          </p:sp>
+          <p:sp>
+            <p:nvSpPr>
+              <p:cNvPr id="5" name="矩形 9">
+                <a:extLst>
+                  <a:ext uri="{FF2B5EF4-FFF2-40B4-BE49-F238E27FC236}">
+                    <a16:creationId xmlns:a16="http://schemas.microsoft.com/office/drawing/2014/main" id="{50FEE619-02E9-8DC5-D5C2-A25879926CC7}"/>
+                  </a:ext>
+                </a:extLst>
+              </p:cNvPr>
+              <p:cNvSpPr/>
+              <p:nvPr/>
+            </p:nvSpPr>
+            <p:spPr>
+              <a:xfrm>
+                <a:off x="6743980" y="2882432"/>
+                <a:ext cx="2116478" cy="438592"/>
+              </a:xfrm>
+              <a:prstGeom prst="rect">
+                <a:avLst/>
+              </a:prstGeom>
+              <a:solidFill>
+                <a:schemeClr val="accent6">
+                  <a:lumMod val="60000"/>
+                  <a:lumOff val="40000"/>
+                </a:schemeClr>
+              </a:solidFill>
+              <a:ln w="25400">
+                <a:solidFill>
+                  <a:schemeClr val="tx1"/>
+                </a:solidFill>
+              </a:ln>
+            </p:spPr>
+            <p:style>
+              <a:lnRef idx="2">
+                <a:schemeClr val="accent2">
+                  <a:shade val="50000"/>
+                </a:schemeClr>
+              </a:lnRef>
+              <a:fillRef idx="1">
+                <a:schemeClr val="accent2"/>
+              </a:fillRef>
+              <a:effectRef idx="0">
+                <a:schemeClr val="accent2"/>
+              </a:effectRef>
+              <a:fontRef idx="minor">
+                <a:schemeClr val="lt1"/>
+              </a:fontRef>
+            </p:style>
+            <p:txBody>
+              <a:bodyPr rtlCol="0" anchor="ctr"/>
+              <a:lstStyle/>
+              <a:p>
+                <a:pPr algn="ctr"/>
+                <a:r>
+                  <a:rPr kumimoji="1" lang="en-US" altLang="zh-CN" sz="1100" b="1" dirty="0">
+                    <a:solidFill>
+                      <a:sysClr val="windowText" lastClr="000000"/>
+                    </a:solidFill>
+                  </a:rPr>
+                  <a:t>person</a:t>
+                </a:r>
+                <a:r>
+                  <a:rPr kumimoji="1" lang="zh-CN" altLang="en-US" sz="1100" dirty="0">
+                    <a:solidFill>
+                      <a:sysClr val="windowText" lastClr="000000"/>
+                    </a:solidFill>
+                  </a:rPr>
+                  <a:t> </a:t>
+                </a:r>
+                <a:r>
+                  <a:rPr kumimoji="1" lang="en-US" altLang="zh-CN" sz="1100" dirty="0">
+                    <a:solidFill>
+                      <a:sysClr val="windowText" lastClr="000000"/>
+                    </a:solidFill>
+                  </a:rPr>
+                  <a:t>:</a:t>
+                </a:r>
+                <a:r>
+                  <a:rPr kumimoji="1" lang="zh-CN" altLang="en-US" sz="1100" dirty="0">
+                    <a:solidFill>
+                      <a:sysClr val="windowText" lastClr="000000"/>
+                    </a:solidFill>
+                  </a:rPr>
+                  <a:t> </a:t>
+                </a:r>
+                <a:r>
+                  <a:rPr kumimoji="1" lang="en-US" altLang="zh-CN" sz="1100" dirty="0">
+                    <a:solidFill>
+                      <a:sysClr val="windowText" lastClr="000000"/>
+                    </a:solidFill>
+                  </a:rPr>
+                  <a:t>Person</a:t>
+                </a:r>
+                <a:endParaRPr kumimoji="1" lang="zh-CN" altLang="en-US" sz="1100" dirty="0">
+                  <a:solidFill>
+                    <a:sysClr val="windowText" lastClr="000000"/>
+                  </a:solidFill>
+                </a:endParaRPr>
+              </a:p>
+            </p:txBody>
+          </p:sp>
+        </p:grpSp>
+        <p:grpSp>
+          <p:nvGrpSpPr>
+            <p:cNvPr id="7" name="Group 6">
+              <a:extLst>
+                <a:ext uri="{FF2B5EF4-FFF2-40B4-BE49-F238E27FC236}">
+                  <a16:creationId xmlns:a16="http://schemas.microsoft.com/office/drawing/2014/main" id="{BD010806-E46F-F21B-D1AB-2B10C38987A7}"/>
+                </a:ext>
+              </a:extLst>
+            </p:cNvPr>
+            <p:cNvGrpSpPr/>
+            <p:nvPr/>
+          </p:nvGrpSpPr>
+          <p:grpSpPr>
+            <a:xfrm>
+              <a:off x="4203656" y="945452"/>
+              <a:ext cx="1577684" cy="652396"/>
+              <a:chOff x="6743980" y="2882432"/>
+              <a:chExt cx="2116478" cy="870527"/>
+            </a:xfrm>
+          </p:grpSpPr>
+          <p:sp>
+            <p:nvSpPr>
+              <p:cNvPr id="21" name="矩形 3">
+                <a:extLst>
+                  <a:ext uri="{FF2B5EF4-FFF2-40B4-BE49-F238E27FC236}">
+                    <a16:creationId xmlns:a16="http://schemas.microsoft.com/office/drawing/2014/main" id="{1236B52D-95B6-4831-E01E-EF4988530D4F}"/>
+                  </a:ext>
+                </a:extLst>
+              </p:cNvPr>
+              <p:cNvSpPr/>
+              <p:nvPr/>
+            </p:nvSpPr>
+            <p:spPr>
+              <a:xfrm>
+                <a:off x="6743980" y="3314373"/>
+                <a:ext cx="2116478" cy="438586"/>
+              </a:xfrm>
+              <a:prstGeom prst="rect">
+                <a:avLst/>
+              </a:prstGeom>
+              <a:noFill/>
+              <a:ln w="25400">
+                <a:solidFill>
+                  <a:schemeClr val="tx1"/>
+                </a:solidFill>
+              </a:ln>
+            </p:spPr>
+            <p:style>
+              <a:lnRef idx="2">
+                <a:schemeClr val="accent2">
+                  <a:shade val="50000"/>
+                </a:schemeClr>
+              </a:lnRef>
+              <a:fillRef idx="1">
+                <a:schemeClr val="accent2"/>
+              </a:fillRef>
+              <a:effectRef idx="0">
+                <a:schemeClr val="accent2"/>
+              </a:effectRef>
+              <a:fontRef idx="minor">
+                <a:schemeClr val="lt1"/>
+              </a:fontRef>
+            </p:style>
+            <p:txBody>
+              <a:bodyPr rtlCol="0" anchor="ctr"/>
+              <a:lstStyle/>
+              <a:p>
+                <a:pPr algn="ctr"/>
+                <a:r>
+                  <a:rPr kumimoji="1" lang="en-US" altLang="zh-CN" sz="1100" b="1" dirty="0" err="1">
+                    <a:solidFill>
+                      <a:sysClr val="windowText" lastClr="000000"/>
+                    </a:solidFill>
+                    <a:latin typeface="DengXian" panose="02010600030101010101" pitchFamily="2" charset="-122"/>
+                    <a:ea typeface="DengXian" panose="02010600030101010101" pitchFamily="2" charset="-122"/>
+                  </a:rPr>
+                  <a:t>person</a:t>
+                </a:r>
+                <a:r>
+                  <a:rPr kumimoji="1" lang="en-US" altLang="zh-CN" sz="1100" dirty="0" err="1">
+                    <a:solidFill>
+                      <a:sysClr val="windowText" lastClr="000000"/>
+                    </a:solidFill>
+                    <a:latin typeface="DengXian" panose="02010600030101010101" pitchFamily="2" charset="-122"/>
+                    <a:ea typeface="DengXian" panose="02010600030101010101" pitchFamily="2" charset="-122"/>
+                  </a:rPr>
+                  <a:t>.id</a:t>
+                </a:r>
+                <a:r>
+                  <a:rPr kumimoji="1" lang="en-US" altLang="zh-CN" sz="1100" dirty="0">
+                    <a:solidFill>
+                      <a:sysClr val="windowText" lastClr="000000"/>
+                    </a:solidFill>
+                    <a:latin typeface="DengXian" panose="02010600030101010101" pitchFamily="2" charset="-122"/>
+                    <a:ea typeface="DengXian" panose="02010600030101010101" pitchFamily="2" charset="-122"/>
+                  </a:rPr>
+                  <a:t>:</a:t>
+                </a:r>
+                <a:r>
+                  <a:rPr kumimoji="1" lang="zh-CN" altLang="en-US" sz="1100" dirty="0">
+                    <a:solidFill>
+                      <a:sysClr val="windowText" lastClr="000000"/>
+                    </a:solidFill>
+                    <a:latin typeface="DengXian" panose="02010600030101010101" pitchFamily="2" charset="-122"/>
+                    <a:ea typeface="DengXian" panose="02010600030101010101" pitchFamily="2" charset="-122"/>
+                  </a:rPr>
+                  <a:t> </a:t>
+                </a:r>
+                <a:r>
+                  <a:rPr kumimoji="1" lang="en-US" altLang="zh-CN" sz="1100" dirty="0">
+                    <a:solidFill>
+                      <a:sysClr val="windowText" lastClr="000000"/>
+                    </a:solidFill>
+                    <a:latin typeface="DengXian" panose="02010600030101010101" pitchFamily="2" charset="-122"/>
+                    <a:ea typeface="DengXian" panose="02010600030101010101" pitchFamily="2" charset="-122"/>
+                  </a:rPr>
+                  <a:t>${</a:t>
+                </a:r>
+                <a:r>
+                  <a:rPr kumimoji="1" lang="en-US" altLang="zh-CN" sz="1100" dirty="0" err="1">
+                    <a:solidFill>
+                      <a:sysClr val="windowText" lastClr="000000"/>
+                    </a:solidFill>
+                    <a:latin typeface="DengXian" panose="02010600030101010101" pitchFamily="2" charset="-122"/>
+                    <a:ea typeface="DengXian" panose="02010600030101010101" pitchFamily="2" charset="-122"/>
+                  </a:rPr>
+                  <a:t>dstId</a:t>
+                </a:r>
+                <a:r>
+                  <a:rPr kumimoji="1" lang="en-US" altLang="zh-CN" sz="1100" dirty="0">
+                    <a:solidFill>
+                      <a:sysClr val="windowText" lastClr="000000"/>
+                    </a:solidFill>
+                    <a:latin typeface="DengXian" panose="02010600030101010101" pitchFamily="2" charset="-122"/>
+                    <a:ea typeface="DengXian" panose="02010600030101010101" pitchFamily="2" charset="-122"/>
+                  </a:rPr>
+                  <a:t>}</a:t>
+                </a:r>
+                <a:endParaRPr kumimoji="1" lang="zh-CN" altLang="en-US" sz="1100" dirty="0">
+                  <a:solidFill>
+                    <a:sysClr val="windowText" lastClr="000000"/>
+                  </a:solidFill>
+                  <a:latin typeface="DengXian" panose="02010600030101010101" pitchFamily="2" charset="-122"/>
+                  <a:ea typeface="DengXian" panose="02010600030101010101" pitchFamily="2" charset="-122"/>
+                </a:endParaRPr>
+              </a:p>
+            </p:txBody>
+          </p:sp>
+          <p:sp>
+            <p:nvSpPr>
+              <p:cNvPr id="22" name="矩形 9">
+                <a:extLst>
+                  <a:ext uri="{FF2B5EF4-FFF2-40B4-BE49-F238E27FC236}">
+                    <a16:creationId xmlns:a16="http://schemas.microsoft.com/office/drawing/2014/main" id="{101B88CC-D5B6-36EC-4F9D-417DDAE3ED99}"/>
+                  </a:ext>
+                </a:extLst>
+              </p:cNvPr>
+              <p:cNvSpPr/>
+              <p:nvPr/>
+            </p:nvSpPr>
+            <p:spPr>
+              <a:xfrm>
+                <a:off x="6743980" y="2882432"/>
+                <a:ext cx="2116478" cy="438592"/>
+              </a:xfrm>
+              <a:prstGeom prst="rect">
+                <a:avLst/>
+              </a:prstGeom>
+              <a:solidFill>
+                <a:schemeClr val="accent6">
+                  <a:lumMod val="60000"/>
+                  <a:lumOff val="40000"/>
+                </a:schemeClr>
+              </a:solidFill>
+              <a:ln w="25400">
+                <a:solidFill>
+                  <a:schemeClr val="tx1"/>
+                </a:solidFill>
+              </a:ln>
+            </p:spPr>
+            <p:style>
+              <a:lnRef idx="2">
+                <a:schemeClr val="accent2">
+                  <a:shade val="50000"/>
+                </a:schemeClr>
+              </a:lnRef>
+              <a:fillRef idx="1">
+                <a:schemeClr val="accent2"/>
+              </a:fillRef>
+              <a:effectRef idx="0">
+                <a:schemeClr val="accent2"/>
+              </a:effectRef>
+              <a:fontRef idx="minor">
+                <a:schemeClr val="lt1"/>
+              </a:fontRef>
+            </p:style>
+            <p:txBody>
+              <a:bodyPr rtlCol="0" anchor="ctr"/>
+              <a:lstStyle/>
+              <a:p>
+                <a:pPr algn="ctr"/>
+                <a:r>
+                  <a:rPr kumimoji="1" lang="en-US" altLang="zh-CN" sz="1100" b="1" dirty="0">
+                    <a:solidFill>
+                      <a:sysClr val="windowText" lastClr="000000"/>
+                    </a:solidFill>
+                  </a:rPr>
+                  <a:t>person</a:t>
+                </a:r>
+                <a:r>
+                  <a:rPr kumimoji="1" lang="zh-CN" altLang="en-US" sz="1100" dirty="0">
+                    <a:solidFill>
+                      <a:sysClr val="windowText" lastClr="000000"/>
+                    </a:solidFill>
+                  </a:rPr>
+                  <a:t> </a:t>
+                </a:r>
+                <a:r>
+                  <a:rPr kumimoji="1" lang="en-US" altLang="zh-CN" sz="1100" dirty="0">
+                    <a:solidFill>
+                      <a:sysClr val="windowText" lastClr="000000"/>
+                    </a:solidFill>
+                  </a:rPr>
+                  <a:t>:</a:t>
+                </a:r>
+                <a:r>
+                  <a:rPr kumimoji="1" lang="zh-CN" altLang="en-US" sz="1100" dirty="0">
+                    <a:solidFill>
+                      <a:sysClr val="windowText" lastClr="000000"/>
+                    </a:solidFill>
+                  </a:rPr>
+                  <a:t> </a:t>
+                </a:r>
+                <a:r>
+                  <a:rPr kumimoji="1" lang="en-US" altLang="zh-CN" sz="1100" dirty="0">
+                    <a:solidFill>
+                      <a:sysClr val="windowText" lastClr="000000"/>
+                    </a:solidFill>
+                  </a:rPr>
+                  <a:t>Person</a:t>
+                </a:r>
+                <a:endParaRPr kumimoji="1" lang="zh-CN" altLang="en-US" sz="1100" dirty="0">
+                  <a:solidFill>
+                    <a:sysClr val="windowText" lastClr="000000"/>
+                  </a:solidFill>
+                </a:endParaRPr>
+              </a:p>
+            </p:txBody>
+          </p:sp>
+        </p:grpSp>
+        <p:grpSp>
+          <p:nvGrpSpPr>
+            <p:cNvPr id="25" name="Group 24">
+              <a:extLst>
+                <a:ext uri="{FF2B5EF4-FFF2-40B4-BE49-F238E27FC236}">
+                  <a16:creationId xmlns:a16="http://schemas.microsoft.com/office/drawing/2014/main" id="{4423D10F-F3B0-39F5-180C-6A27E93831E7}"/>
+                </a:ext>
+              </a:extLst>
+            </p:cNvPr>
+            <p:cNvGrpSpPr/>
+            <p:nvPr/>
+          </p:nvGrpSpPr>
+          <p:grpSpPr>
+            <a:xfrm>
+              <a:off x="1112901" y="2176526"/>
+              <a:ext cx="1542598" cy="749759"/>
+              <a:chOff x="1688770" y="3906297"/>
+              <a:chExt cx="1316761" cy="800069"/>
+            </a:xfrm>
+          </p:grpSpPr>
+          <p:sp>
+            <p:nvSpPr>
+              <p:cNvPr id="32" name="矩形 4">
+                <a:extLst>
+                  <a:ext uri="{FF2B5EF4-FFF2-40B4-BE49-F238E27FC236}">
+                    <a16:creationId xmlns:a16="http://schemas.microsoft.com/office/drawing/2014/main" id="{DFFFDB3A-0F2B-E642-A956-A46EA84F6231}"/>
+                  </a:ext>
+                </a:extLst>
+              </p:cNvPr>
+              <p:cNvSpPr/>
+              <p:nvPr/>
+            </p:nvSpPr>
+            <p:spPr>
+              <a:xfrm>
+                <a:off x="1688770" y="3906297"/>
+                <a:ext cx="1316760" cy="430356"/>
+              </a:xfrm>
+              <a:prstGeom prst="rect">
+                <a:avLst/>
+              </a:prstGeom>
+              <a:solidFill>
+                <a:schemeClr val="accent6">
+                  <a:lumMod val="60000"/>
+                  <a:lumOff val="40000"/>
+                </a:schemeClr>
+              </a:solidFill>
+              <a:ln w="28575">
+                <a:solidFill>
+                  <a:schemeClr val="tx1"/>
+                </a:solidFill>
+              </a:ln>
+            </p:spPr>
+            <p:style>
+              <a:lnRef idx="2">
+                <a:schemeClr val="accent2">
+                  <a:shade val="50000"/>
+                </a:schemeClr>
+              </a:lnRef>
+              <a:fillRef idx="1">
+                <a:schemeClr val="accent2"/>
+              </a:fillRef>
+              <a:effectRef idx="0">
+                <a:schemeClr val="accent2"/>
+              </a:effectRef>
+              <a:fontRef idx="minor">
+                <a:schemeClr val="lt1"/>
+              </a:fontRef>
+            </p:style>
+            <p:txBody>
+              <a:bodyPr rtlCol="0" anchor="ctr"/>
+              <a:lstStyle/>
+              <a:p>
+                <a:pPr algn="ctr"/>
+                <a:r>
+                  <a:rPr kumimoji="1" lang="en-US" altLang="zh-CN" sz="1100" b="1" dirty="0">
+                    <a:solidFill>
+                      <a:sysClr val="windowText" lastClr="000000"/>
+                    </a:solidFill>
+                  </a:rPr>
+                  <a:t>person:</a:t>
+                </a:r>
+                <a:r>
+                  <a:rPr kumimoji="1" lang="zh-CN" altLang="en-US" sz="1100" b="1" dirty="0">
+                    <a:solidFill>
+                      <a:sysClr val="windowText" lastClr="000000"/>
+                    </a:solidFill>
+                  </a:rPr>
+                  <a:t> </a:t>
+                </a:r>
+                <a:r>
+                  <a:rPr kumimoji="1" lang="en-US" altLang="zh-CN" sz="1100" dirty="0">
+                    <a:solidFill>
+                      <a:sysClr val="windowText" lastClr="000000"/>
+                    </a:solidFill>
+                  </a:rPr>
+                  <a:t>Person</a:t>
+                </a:r>
+                <a:endParaRPr kumimoji="1" lang="zh-CN" altLang="en-US" sz="1100" dirty="0">
+                  <a:solidFill>
+                    <a:sysClr val="windowText" lastClr="000000"/>
+                  </a:solidFill>
+                </a:endParaRPr>
+              </a:p>
+            </p:txBody>
+          </p:sp>
+          <p:sp>
+            <p:nvSpPr>
+              <p:cNvPr id="33" name="矩形 5">
+                <a:extLst>
+                  <a:ext uri="{FF2B5EF4-FFF2-40B4-BE49-F238E27FC236}">
+                    <a16:creationId xmlns:a16="http://schemas.microsoft.com/office/drawing/2014/main" id="{E7269ECB-BE76-BDC7-D470-DD87AAF70412}"/>
+                  </a:ext>
+                </a:extLst>
+              </p:cNvPr>
+              <p:cNvSpPr/>
+              <p:nvPr/>
+            </p:nvSpPr>
+            <p:spPr>
+              <a:xfrm>
+                <a:off x="1688770" y="4336653"/>
+                <a:ext cx="1316761" cy="369713"/>
+              </a:xfrm>
+              <a:prstGeom prst="rect">
+                <a:avLst/>
+              </a:prstGeom>
+              <a:noFill/>
+              <a:ln w="28575">
+                <a:solidFill>
+                  <a:schemeClr val="tx1"/>
+                </a:solidFill>
+              </a:ln>
+            </p:spPr>
+            <p:style>
+              <a:lnRef idx="2">
+                <a:schemeClr val="accent2">
+                  <a:shade val="50000"/>
+                </a:schemeClr>
+              </a:lnRef>
+              <a:fillRef idx="1">
+                <a:schemeClr val="accent2"/>
+              </a:fillRef>
+              <a:effectRef idx="0">
+                <a:schemeClr val="accent2"/>
+              </a:effectRef>
+              <a:fontRef idx="minor">
+                <a:schemeClr val="lt1"/>
+              </a:fontRef>
+            </p:style>
+            <p:txBody>
+              <a:bodyPr rtlCol="0" anchor="ctr"/>
+              <a:lstStyle/>
+              <a:p>
+                <a:pPr algn="ctr"/>
+                <a:r>
+                  <a:rPr kumimoji="1" lang="en-US" altLang="zh-CN" sz="1100" dirty="0" err="1">
+                    <a:solidFill>
+                      <a:sysClr val="windowText" lastClr="000000"/>
+                    </a:solidFill>
+                    <a:latin typeface="DengXian" panose="02010600030101010101" pitchFamily="2" charset="-122"/>
+                    <a:ea typeface="DengXian" panose="02010600030101010101" pitchFamily="2" charset="-122"/>
+                  </a:rPr>
+                  <a:t>person.id</a:t>
+                </a:r>
+                <a:r>
+                  <a:rPr kumimoji="1" lang="zh-CN" altLang="en-US" sz="1100" dirty="0">
+                    <a:solidFill>
+                      <a:sysClr val="windowText" lastClr="000000"/>
+                    </a:solidFill>
+                    <a:latin typeface="DengXian" panose="02010600030101010101" pitchFamily="2" charset="-122"/>
+                    <a:ea typeface="DengXian" panose="02010600030101010101" pitchFamily="2" charset="-122"/>
+                  </a:rPr>
+                  <a:t> </a:t>
+                </a:r>
+                <a:r>
+                  <a:rPr kumimoji="1" lang="en-US" altLang="zh-CN" sz="1100" dirty="0">
+                    <a:solidFill>
+                      <a:sysClr val="windowText" lastClr="000000"/>
+                    </a:solidFill>
+                    <a:latin typeface="DengXian" panose="02010600030101010101" pitchFamily="2" charset="-122"/>
+                    <a:ea typeface="DengXian" panose="02010600030101010101" pitchFamily="2" charset="-122"/>
+                  </a:rPr>
+                  <a:t>=</a:t>
+                </a:r>
+                <a:r>
+                  <a:rPr kumimoji="1" lang="zh-CN" altLang="en-US" sz="1100" dirty="0">
+                    <a:solidFill>
+                      <a:sysClr val="windowText" lastClr="000000"/>
+                    </a:solidFill>
+                    <a:latin typeface="DengXian" panose="02010600030101010101" pitchFamily="2" charset="-122"/>
+                    <a:ea typeface="DengXian" panose="02010600030101010101" pitchFamily="2" charset="-122"/>
+                  </a:rPr>
+                  <a:t> </a:t>
+                </a:r>
+                <a:r>
+                  <a:rPr kumimoji="1" lang="en-US" altLang="zh-CN" sz="1100" dirty="0">
+                    <a:solidFill>
+                      <a:sysClr val="windowText" lastClr="000000"/>
+                    </a:solidFill>
+                    <a:latin typeface="DengXian" panose="02010600030101010101" pitchFamily="2" charset="-122"/>
+                    <a:ea typeface="DengXian" panose="02010600030101010101" pitchFamily="2" charset="-122"/>
+                  </a:rPr>
+                  <a:t>${</a:t>
+                </a:r>
+                <a:r>
+                  <a:rPr kumimoji="1" lang="en-US" altLang="zh-CN" sz="1100" dirty="0" err="1">
+                    <a:solidFill>
+                      <a:sysClr val="windowText" lastClr="000000"/>
+                    </a:solidFill>
+                    <a:latin typeface="DengXian" panose="02010600030101010101" pitchFamily="2" charset="-122"/>
+                    <a:ea typeface="DengXian" panose="02010600030101010101" pitchFamily="2" charset="-122"/>
+                  </a:rPr>
+                  <a:t>srcId</a:t>
+                </a:r>
+                <a:r>
+                  <a:rPr kumimoji="1" lang="en-US" altLang="zh-CN" sz="1100" dirty="0">
+                    <a:solidFill>
+                      <a:sysClr val="windowText" lastClr="000000"/>
+                    </a:solidFill>
+                    <a:latin typeface="DengXian" panose="02010600030101010101" pitchFamily="2" charset="-122"/>
+                    <a:ea typeface="DengXian" panose="02010600030101010101" pitchFamily="2" charset="-122"/>
+                  </a:rPr>
+                  <a:t>}</a:t>
+                </a:r>
+              </a:p>
+            </p:txBody>
+          </p:sp>
+        </p:grpSp>
+        <p:cxnSp>
+          <p:nvCxnSpPr>
+            <p:cNvPr id="26" name="直线箭头连接符 6" descr="jytjh">
+              <a:extLst>
+                <a:ext uri="{FF2B5EF4-FFF2-40B4-BE49-F238E27FC236}">
+                  <a16:creationId xmlns:a16="http://schemas.microsoft.com/office/drawing/2014/main" id="{47FD0362-27EC-49BB-4629-B2EBDF26E75C}"/>
+                </a:ext>
+              </a:extLst>
+            </p:cNvPr>
+            <p:cNvCxnSpPr>
+              <a:cxnSpLocks/>
+              <a:stCxn id="32" idx="3"/>
+              <a:endCxn id="30" idx="1"/>
+            </p:cNvCxnSpPr>
+            <p:nvPr/>
+          </p:nvCxnSpPr>
+          <p:spPr>
+            <a:xfrm flipV="1">
+              <a:off x="2655498" y="2374701"/>
+              <a:ext cx="2210931" cy="3472"/>
+            </a:xfrm>
+            <a:prstGeom prst="straightConnector1">
+              <a:avLst/>
+            </a:prstGeom>
+            <a:ln w="28575">
+              <a:solidFill>
+                <a:schemeClr val="tx1"/>
+              </a:solidFill>
+              <a:headEnd type="none" w="sm" len="lg"/>
+              <a:tailEnd type="arrow" w="sm" len="lg"/>
+            </a:ln>
+          </p:spPr>
+          <p:style>
+            <a:lnRef idx="1">
+              <a:schemeClr val="accent1"/>
+            </a:lnRef>
+            <a:fillRef idx="0">
+              <a:schemeClr val="accent1"/>
+            </a:fillRef>
+            <a:effectRef idx="0">
+              <a:schemeClr val="accent1"/>
+            </a:effectRef>
+            <a:fontRef idx="minor">
+              <a:schemeClr val="tx1"/>
+            </a:fontRef>
+          </p:style>
+        </p:cxnSp>
+        <p:sp>
+          <p:nvSpPr>
+            <p:cNvPr id="27" name="文本框 7">
+              <a:extLst>
+                <a:ext uri="{FF2B5EF4-FFF2-40B4-BE49-F238E27FC236}">
+                  <a16:creationId xmlns:a16="http://schemas.microsoft.com/office/drawing/2014/main" id="{91D8187F-8E8F-FE27-1B1E-AC79F3BFA0D1}"/>
+                </a:ext>
+              </a:extLst>
+            </p:cNvPr>
+            <p:cNvSpPr txBox="1"/>
+            <p:nvPr/>
+          </p:nvSpPr>
+          <p:spPr>
+            <a:xfrm>
+              <a:off x="2989335" y="2110369"/>
+              <a:ext cx="1459671" cy="220197"/>
             </a:xfrm>
             <a:prstGeom prst="rect">
               <a:avLst/>
             </a:prstGeom>
+            <a:noFill/>
+          </p:spPr>
+          <p:txBody>
+            <a:bodyPr wrap="square" rtlCol="0">
+              <a:spAutoFit/>
+            </a:bodyPr>
+            <a:lstStyle/>
+            <a:p>
+              <a:pPr algn="ctr"/>
+              <a:r>
+                <a:rPr kumimoji="1" lang="en-US" altLang="zh-CN" sz="1200" b="1" dirty="0" err="1">
+                  <a:latin typeface="DengXian" panose="02010600030101010101" pitchFamily="2" charset="-122"/>
+                  <a:ea typeface="DengXian" panose="02010600030101010101" pitchFamily="2" charset="-122"/>
+                </a:rPr>
+                <a:t>gurantee</a:t>
+              </a:r>
+              <a:endParaRPr kumimoji="1" lang="en-US" altLang="zh-CN" sz="1200" dirty="0">
+                <a:latin typeface="DengXian" panose="02010600030101010101" pitchFamily="2" charset="-122"/>
+                <a:ea typeface="DengXian" panose="02010600030101010101" pitchFamily="2" charset="-122"/>
+              </a:endParaRPr>
+            </a:p>
+          </p:txBody>
+        </p:sp>
+        <p:sp>
+          <p:nvSpPr>
+            <p:cNvPr id="28" name="文本框 7">
+              <a:extLst>
+                <a:ext uri="{FF2B5EF4-FFF2-40B4-BE49-F238E27FC236}">
+                  <a16:creationId xmlns:a16="http://schemas.microsoft.com/office/drawing/2014/main" id="{3189A410-A816-4DE5-9FD2-CF2BEC9EFDEE}"/>
+                </a:ext>
+              </a:extLst>
+            </p:cNvPr>
+            <p:cNvSpPr txBox="1"/>
+            <p:nvPr/>
+          </p:nvSpPr>
+          <p:spPr>
+            <a:xfrm>
+              <a:off x="2700469" y="2445543"/>
+              <a:ext cx="2154917" cy="261610"/>
+            </a:xfrm>
+            <a:prstGeom prst="rect">
+              <a:avLst/>
+            </a:prstGeom>
+            <a:noFill/>
+          </p:spPr>
+          <p:txBody>
+            <a:bodyPr wrap="square" rtlCol="0">
+              <a:spAutoFit/>
+            </a:bodyPr>
+            <a:lstStyle/>
+            <a:p>
+              <a:pPr algn="ctr"/>
+              <a:r>
+                <a:rPr kumimoji="1" lang="en-US" altLang="zh-CN" sz="1100" dirty="0">
+                  <a:latin typeface="DengXian" panose="02010600030101010101" pitchFamily="2" charset="-122"/>
+                  <a:ea typeface="DengXian" panose="02010600030101010101" pitchFamily="2" charset="-122"/>
+                </a:rPr>
+                <a:t>timestamp</a:t>
+              </a:r>
+              <a:r>
+                <a:rPr kumimoji="1" lang="zh-CN" altLang="en-US" sz="1100" dirty="0">
+                  <a:latin typeface="DengXian" panose="02010600030101010101" pitchFamily="2" charset="-122"/>
+                  <a:ea typeface="DengXian" panose="02010600030101010101" pitchFamily="2" charset="-122"/>
+                </a:rPr>
+                <a:t> </a:t>
+              </a:r>
+              <a:r>
+                <a:rPr kumimoji="1" lang="en-US" altLang="zh-CN" sz="1100" dirty="0">
+                  <a:latin typeface="DengXian" panose="02010600030101010101" pitchFamily="2" charset="-122"/>
+                  <a:ea typeface="DengXian" panose="02010600030101010101" pitchFamily="2" charset="-122"/>
+                </a:rPr>
+                <a:t>&lt;-</a:t>
+              </a:r>
+              <a:r>
+                <a:rPr kumimoji="1" lang="zh-CN" altLang="en-US" sz="1100" dirty="0">
+                  <a:latin typeface="DengXian" panose="02010600030101010101" pitchFamily="2" charset="-122"/>
+                  <a:ea typeface="DengXian" panose="02010600030101010101" pitchFamily="2" charset="-122"/>
+                </a:rPr>
+                <a:t> </a:t>
+              </a:r>
+              <a:r>
+                <a:rPr kumimoji="1" lang="en-US" altLang="zh-CN" sz="1100" dirty="0">
+                  <a:latin typeface="DengXian" panose="02010600030101010101" pitchFamily="2" charset="-122"/>
+                  <a:ea typeface="DengXian" panose="02010600030101010101" pitchFamily="2" charset="-122"/>
+                </a:rPr>
+                <a:t>${</a:t>
+              </a:r>
+              <a:r>
+                <a:rPr kumimoji="1" lang="en-US" altLang="zh-CN" sz="1100" dirty="0" err="1">
+                  <a:latin typeface="DengXian" panose="02010600030101010101" pitchFamily="2" charset="-122"/>
+                  <a:ea typeface="DengXian" panose="02010600030101010101" pitchFamily="2" charset="-122"/>
+                </a:rPr>
+                <a:t>currentTime</a:t>
+              </a:r>
+              <a:r>
+                <a:rPr kumimoji="1" lang="en-US" altLang="zh-CN" sz="1100" dirty="0">
+                  <a:latin typeface="DengXian" panose="02010600030101010101" pitchFamily="2" charset="-122"/>
+                  <a:ea typeface="DengXian" panose="02010600030101010101" pitchFamily="2" charset="-122"/>
+                </a:rPr>
+                <a:t>}</a:t>
+              </a:r>
+            </a:p>
+          </p:txBody>
+        </p:sp>
+        <p:grpSp>
+          <p:nvGrpSpPr>
+            <p:cNvPr id="29" name="Group 28">
+              <a:extLst>
+                <a:ext uri="{FF2B5EF4-FFF2-40B4-BE49-F238E27FC236}">
+                  <a16:creationId xmlns:a16="http://schemas.microsoft.com/office/drawing/2014/main" id="{1647380B-4222-57C1-9AA9-6675F8E8C4BE}"/>
+                </a:ext>
+              </a:extLst>
+            </p:cNvPr>
+            <p:cNvGrpSpPr/>
+            <p:nvPr/>
+          </p:nvGrpSpPr>
+          <p:grpSpPr>
+            <a:xfrm>
+              <a:off x="4866423" y="2173054"/>
+              <a:ext cx="1459677" cy="749759"/>
+              <a:chOff x="1555802" y="3906297"/>
+              <a:chExt cx="1245980" cy="800069"/>
+            </a:xfrm>
+          </p:grpSpPr>
+          <p:sp>
+            <p:nvSpPr>
+              <p:cNvPr id="30" name="矩形 4">
+                <a:extLst>
+                  <a:ext uri="{FF2B5EF4-FFF2-40B4-BE49-F238E27FC236}">
+                    <a16:creationId xmlns:a16="http://schemas.microsoft.com/office/drawing/2014/main" id="{85A17C45-8FCA-D2F9-D2CA-F910854DAC66}"/>
+                  </a:ext>
+                </a:extLst>
+              </p:cNvPr>
+              <p:cNvSpPr/>
+              <p:nvPr/>
+            </p:nvSpPr>
+            <p:spPr>
+              <a:xfrm>
+                <a:off x="1555807" y="3906297"/>
+                <a:ext cx="1245975" cy="430356"/>
+              </a:xfrm>
+              <a:prstGeom prst="rect">
+                <a:avLst/>
+              </a:prstGeom>
+              <a:solidFill>
+                <a:schemeClr val="accent6">
+                  <a:lumMod val="60000"/>
+                  <a:lumOff val="40000"/>
+                </a:schemeClr>
+              </a:solidFill>
+              <a:ln w="28575">
+                <a:solidFill>
+                  <a:schemeClr val="tx1"/>
+                </a:solidFill>
+              </a:ln>
+            </p:spPr>
+            <p:style>
+              <a:lnRef idx="2">
+                <a:schemeClr val="accent2">
+                  <a:shade val="50000"/>
+                </a:schemeClr>
+              </a:lnRef>
+              <a:fillRef idx="1">
+                <a:schemeClr val="accent2"/>
+              </a:fillRef>
+              <a:effectRef idx="0">
+                <a:schemeClr val="accent2"/>
+              </a:effectRef>
+              <a:fontRef idx="minor">
+                <a:schemeClr val="lt1"/>
+              </a:fontRef>
+            </p:style>
+            <p:txBody>
+              <a:bodyPr rtlCol="0" anchor="ctr"/>
+              <a:lstStyle/>
+              <a:p>
+                <a:pPr algn="ctr"/>
+                <a:r>
+                  <a:rPr kumimoji="1" lang="en-US" altLang="zh-CN" sz="1100" b="1" dirty="0">
+                    <a:solidFill>
+                      <a:sysClr val="windowText" lastClr="000000"/>
+                    </a:solidFill>
+                  </a:rPr>
+                  <a:t>person:</a:t>
+                </a:r>
+                <a:r>
+                  <a:rPr kumimoji="1" lang="zh-CN" altLang="en-US" sz="1100" b="1" dirty="0">
+                    <a:solidFill>
+                      <a:sysClr val="windowText" lastClr="000000"/>
+                    </a:solidFill>
+                  </a:rPr>
+                  <a:t> </a:t>
+                </a:r>
+                <a:r>
+                  <a:rPr kumimoji="1" lang="en-US" altLang="zh-CN" sz="1100" dirty="0">
+                    <a:solidFill>
+                      <a:sysClr val="windowText" lastClr="000000"/>
+                    </a:solidFill>
+                  </a:rPr>
+                  <a:t>Person</a:t>
+                </a:r>
+                <a:endParaRPr kumimoji="1" lang="zh-CN" altLang="en-US" sz="1100" dirty="0">
+                  <a:solidFill>
+                    <a:sysClr val="windowText" lastClr="000000"/>
+                  </a:solidFill>
+                </a:endParaRPr>
+              </a:p>
+            </p:txBody>
+          </p:sp>
+          <p:sp>
+            <p:nvSpPr>
+              <p:cNvPr id="31" name="矩形 5">
+                <a:extLst>
+                  <a:ext uri="{FF2B5EF4-FFF2-40B4-BE49-F238E27FC236}">
+                    <a16:creationId xmlns:a16="http://schemas.microsoft.com/office/drawing/2014/main" id="{B9A1B24C-9082-215A-1977-88CB06BE0668}"/>
+                  </a:ext>
+                </a:extLst>
+              </p:cNvPr>
+              <p:cNvSpPr/>
+              <p:nvPr/>
+            </p:nvSpPr>
+            <p:spPr>
+              <a:xfrm>
+                <a:off x="1555802" y="4336653"/>
+                <a:ext cx="1245975" cy="369713"/>
+              </a:xfrm>
+              <a:prstGeom prst="rect">
+                <a:avLst/>
+              </a:prstGeom>
+              <a:noFill/>
+              <a:ln w="28575">
+                <a:solidFill>
+                  <a:schemeClr val="tx1"/>
+                </a:solidFill>
+              </a:ln>
+            </p:spPr>
+            <p:style>
+              <a:lnRef idx="2">
+                <a:schemeClr val="accent2">
+                  <a:shade val="50000"/>
+                </a:schemeClr>
+              </a:lnRef>
+              <a:fillRef idx="1">
+                <a:schemeClr val="accent2"/>
+              </a:fillRef>
+              <a:effectRef idx="0">
+                <a:schemeClr val="accent2"/>
+              </a:effectRef>
+              <a:fontRef idx="minor">
+                <a:schemeClr val="lt1"/>
+              </a:fontRef>
+            </p:style>
+            <p:txBody>
+              <a:bodyPr rtlCol="0" anchor="ctr"/>
+              <a:lstStyle/>
+              <a:p>
+                <a:pPr algn="ctr"/>
+                <a:r>
+                  <a:rPr kumimoji="1" lang="en-US" altLang="zh-CN" sz="1100" dirty="0" err="1">
+                    <a:solidFill>
+                      <a:sysClr val="windowText" lastClr="000000"/>
+                    </a:solidFill>
+                    <a:latin typeface="DengXian" panose="02010600030101010101" pitchFamily="2" charset="-122"/>
+                    <a:ea typeface="DengXian" panose="02010600030101010101" pitchFamily="2" charset="-122"/>
+                  </a:rPr>
+                  <a:t>person.id</a:t>
+                </a:r>
+                <a:r>
+                  <a:rPr kumimoji="1" lang="zh-CN" altLang="en-US" sz="1100" dirty="0">
+                    <a:solidFill>
+                      <a:sysClr val="windowText" lastClr="000000"/>
+                    </a:solidFill>
+                    <a:latin typeface="DengXian" panose="02010600030101010101" pitchFamily="2" charset="-122"/>
+                    <a:ea typeface="DengXian" panose="02010600030101010101" pitchFamily="2" charset="-122"/>
+                  </a:rPr>
+                  <a:t> </a:t>
+                </a:r>
+                <a:r>
+                  <a:rPr kumimoji="1" lang="en-US" altLang="zh-CN" sz="1100" dirty="0">
+                    <a:solidFill>
+                      <a:sysClr val="windowText" lastClr="000000"/>
+                    </a:solidFill>
+                    <a:latin typeface="DengXian" panose="02010600030101010101" pitchFamily="2" charset="-122"/>
+                    <a:ea typeface="DengXian" panose="02010600030101010101" pitchFamily="2" charset="-122"/>
+                  </a:rPr>
+                  <a:t>=</a:t>
+                </a:r>
+                <a:r>
+                  <a:rPr kumimoji="1" lang="zh-CN" altLang="en-US" sz="1100" dirty="0">
+                    <a:solidFill>
+                      <a:sysClr val="windowText" lastClr="000000"/>
+                    </a:solidFill>
+                    <a:latin typeface="DengXian" panose="02010600030101010101" pitchFamily="2" charset="-122"/>
+                    <a:ea typeface="DengXian" panose="02010600030101010101" pitchFamily="2" charset="-122"/>
+                  </a:rPr>
+                  <a:t> </a:t>
+                </a:r>
+                <a:r>
+                  <a:rPr kumimoji="1" lang="en-US" altLang="zh-CN" sz="1100" dirty="0">
+                    <a:solidFill>
+                      <a:sysClr val="windowText" lastClr="000000"/>
+                    </a:solidFill>
+                    <a:latin typeface="DengXian" panose="02010600030101010101" pitchFamily="2" charset="-122"/>
+                    <a:ea typeface="DengXian" panose="02010600030101010101" pitchFamily="2" charset="-122"/>
+                  </a:rPr>
+                  <a:t>${</a:t>
+                </a:r>
+                <a:r>
+                  <a:rPr kumimoji="1" lang="en-US" altLang="zh-CN" sz="1100" dirty="0" err="1">
+                    <a:solidFill>
+                      <a:sysClr val="windowText" lastClr="000000"/>
+                    </a:solidFill>
+                    <a:latin typeface="DengXian" panose="02010600030101010101" pitchFamily="2" charset="-122"/>
+                    <a:ea typeface="DengXian" panose="02010600030101010101" pitchFamily="2" charset="-122"/>
+                  </a:rPr>
+                  <a:t>dstId</a:t>
+                </a:r>
+                <a:r>
+                  <a:rPr kumimoji="1" lang="en-US" altLang="zh-CN" sz="1100" dirty="0">
+                    <a:solidFill>
+                      <a:sysClr val="windowText" lastClr="000000"/>
+                    </a:solidFill>
+                    <a:latin typeface="DengXian" panose="02010600030101010101" pitchFamily="2" charset="-122"/>
+                    <a:ea typeface="DengXian" panose="02010600030101010101" pitchFamily="2" charset="-122"/>
+                  </a:rPr>
+                  <a:t>}</a:t>
+                </a:r>
+              </a:p>
+            </p:txBody>
+          </p:sp>
+        </p:grpSp>
+        <p:sp>
+          <p:nvSpPr>
+            <p:cNvPr id="39" name="Cross 38">
+              <a:extLst>
+                <a:ext uri="{FF2B5EF4-FFF2-40B4-BE49-F238E27FC236}">
+                  <a16:creationId xmlns:a16="http://schemas.microsoft.com/office/drawing/2014/main" id="{695DA745-BD0A-642D-4E21-6EAF64E3B84A}"/>
+                </a:ext>
+              </a:extLst>
+            </p:cNvPr>
+            <p:cNvSpPr/>
+            <p:nvPr/>
+          </p:nvSpPr>
+          <p:spPr>
+            <a:xfrm>
+              <a:off x="4113656" y="2110369"/>
+              <a:ext cx="180000" cy="180000"/>
+            </a:xfrm>
+            <a:prstGeom prst="plus">
+              <a:avLst>
+                <a:gd name="adj" fmla="val 33021"/>
+              </a:avLst>
+            </a:prstGeom>
             <a:solidFill>
-              <a:srgbClr val="A9D18E"/>
+              <a:schemeClr val="tx1"/>
             </a:solidFill>
+            <a:ln>
+              <a:noFill/>
+            </a:ln>
+          </p:spPr>
+          <p:style>
+            <a:lnRef idx="2">
+              <a:schemeClr val="accent1">
+                <a:shade val="50000"/>
+              </a:schemeClr>
+            </a:lnRef>
+            <a:fillRef idx="1">
+              <a:schemeClr val="accent1"/>
+            </a:fillRef>
+            <a:effectRef idx="0">
+              <a:schemeClr val="accent1"/>
+            </a:effectRef>
+            <a:fontRef idx="minor">
+              <a:schemeClr val="lt1"/>
+            </a:fontRef>
+          </p:style>
+          <p:txBody>
+            <a:bodyPr rtlCol="0" anchor="ctr"/>
+            <a:lstStyle/>
+            <a:p>
+              <a:pPr algn="ctr"/>
+              <a:endParaRPr lang="en-CN">
+                <a:solidFill>
+                  <a:schemeClr val="tx1"/>
+                </a:solidFill>
+              </a:endParaRPr>
+            </a:p>
+          </p:txBody>
+        </p:sp>
+        <p:sp>
+          <p:nvSpPr>
+            <p:cNvPr id="74" name="Rectangle: Rounded Corners 4">
+              <a:extLst>
+                <a:ext uri="{FF2B5EF4-FFF2-40B4-BE49-F238E27FC236}">
+                  <a16:creationId xmlns:a16="http://schemas.microsoft.com/office/drawing/2014/main" id="{81AB52CA-8DC3-8008-D853-44CDA0454817}"/>
+                </a:ext>
+              </a:extLst>
+            </p:cNvPr>
+            <p:cNvSpPr/>
+            <p:nvPr/>
+          </p:nvSpPr>
+          <p:spPr>
+            <a:xfrm>
+              <a:off x="702313" y="3253381"/>
+              <a:ext cx="6080953" cy="2723668"/>
+            </a:xfrm>
+            <a:prstGeom prst="roundRect">
+              <a:avLst/>
+            </a:prstGeom>
+            <a:noFill/>
+            <a:ln w="19050">
+              <a:solidFill>
+                <a:schemeClr val="tx1">
+                  <a:alpha val="40000"/>
+                </a:schemeClr>
+              </a:solidFill>
+              <a:prstDash val="sysDash"/>
+            </a:ln>
+          </p:spPr>
+          <p:style>
+            <a:lnRef idx="2">
+              <a:schemeClr val="accent1">
+                <a:shade val="50000"/>
+              </a:schemeClr>
+            </a:lnRef>
+            <a:fillRef idx="1">
+              <a:schemeClr val="accent1"/>
+            </a:fillRef>
+            <a:effectRef idx="0">
+              <a:schemeClr val="accent1"/>
+            </a:effectRef>
+            <a:fontRef idx="minor">
+              <a:schemeClr val="lt1"/>
+            </a:fontRef>
+          </p:style>
+          <p:txBody>
+            <a:bodyPr rtlCol="0" anchor="ctr"/>
+            <a:lstStyle/>
+            <a:p>
+              <a:pPr algn="ctr" defTabSz="685800" fontAlgn="base">
+                <a:spcBef>
+                  <a:spcPct val="0"/>
+                </a:spcBef>
+                <a:spcAft>
+                  <a:spcPct val="0"/>
+                </a:spcAft>
+                <a:defRPr/>
+              </a:pPr>
+              <a:endParaRPr lang="en-US" sz="900" dirty="0">
+                <a:solidFill>
+                  <a:schemeClr val="tx1"/>
+                </a:solidFill>
+                <a:latin typeface="Alibaba PuHuiTi M" pitchFamily="18" charset="-122"/>
+                <a:ea typeface="Alibaba PuHuiTi M" pitchFamily="18" charset="-122"/>
+                <a:cs typeface="Alibaba PuHuiTi M" pitchFamily="18" charset="-122"/>
+              </a:endParaRPr>
+            </a:p>
+          </p:txBody>
+        </p:sp>
+        <p:grpSp>
+          <p:nvGrpSpPr>
+            <p:cNvPr id="152" name="Group 151">
+              <a:extLst>
+                <a:ext uri="{FF2B5EF4-FFF2-40B4-BE49-F238E27FC236}">
+                  <a16:creationId xmlns:a16="http://schemas.microsoft.com/office/drawing/2014/main" id="{8735284F-94FD-90AC-418F-02F1502D4B30}"/>
+                </a:ext>
+              </a:extLst>
+            </p:cNvPr>
+            <p:cNvGrpSpPr/>
+            <p:nvPr/>
+          </p:nvGrpSpPr>
+          <p:grpSpPr>
+            <a:xfrm>
+              <a:off x="776911" y="3490653"/>
+              <a:ext cx="5916562" cy="2331488"/>
+              <a:chOff x="2267319" y="2657820"/>
+              <a:chExt cx="5916562" cy="2331488"/>
+            </a:xfrm>
+          </p:grpSpPr>
+          <p:sp>
+            <p:nvSpPr>
+              <p:cNvPr id="153" name="矩形 9">
+                <a:extLst>
+                  <a:ext uri="{FF2B5EF4-FFF2-40B4-BE49-F238E27FC236}">
+                    <a16:creationId xmlns:a16="http://schemas.microsoft.com/office/drawing/2014/main" id="{930F62C1-4494-A006-3962-33107A82E934}"/>
+                  </a:ext>
+                </a:extLst>
+              </p:cNvPr>
+              <p:cNvSpPr/>
+              <p:nvPr/>
+            </p:nvSpPr>
+            <p:spPr>
+              <a:xfrm>
+                <a:off x="2267319" y="3813049"/>
+                <a:ext cx="1200747" cy="305258"/>
+              </a:xfrm>
+              <a:prstGeom prst="rect">
+                <a:avLst/>
+              </a:prstGeom>
+              <a:solidFill>
+                <a:schemeClr val="accent6">
+                  <a:lumMod val="60000"/>
+                  <a:lumOff val="40000"/>
+                </a:schemeClr>
+              </a:solidFill>
+              <a:ln w="19050">
+                <a:solidFill>
+                  <a:schemeClr val="tx1"/>
+                </a:solidFill>
+              </a:ln>
+            </p:spPr>
+            <p:style>
+              <a:lnRef idx="2">
+                <a:schemeClr val="accent2">
+                  <a:shade val="50000"/>
+                </a:schemeClr>
+              </a:lnRef>
+              <a:fillRef idx="1">
+                <a:schemeClr val="accent2"/>
+              </a:fillRef>
+              <a:effectRef idx="0">
+                <a:schemeClr val="accent2"/>
+              </a:effectRef>
+              <a:fontRef idx="minor">
+                <a:schemeClr val="lt1"/>
+              </a:fontRef>
+            </p:style>
+            <p:txBody>
+              <a:bodyPr rtlCol="0" anchor="ctr"/>
+              <a:lstStyle/>
+              <a:p>
+                <a:pPr algn="ctr"/>
+                <a:r>
+                  <a:rPr kumimoji="1" lang="en-US" altLang="zh-CN" sz="1200" b="1" dirty="0">
+                    <a:solidFill>
+                      <a:sysClr val="windowText" lastClr="000000"/>
+                    </a:solidFill>
+                  </a:rPr>
+                  <a:t>p1</a:t>
+                </a:r>
+                <a:r>
+                  <a:rPr kumimoji="1" lang="zh-CN" altLang="en-US" sz="1200" dirty="0">
+                    <a:solidFill>
+                      <a:sysClr val="windowText" lastClr="000000"/>
+                    </a:solidFill>
+                  </a:rPr>
+                  <a:t> </a:t>
+                </a:r>
+                <a:r>
+                  <a:rPr kumimoji="1" lang="en-US" altLang="zh-CN" sz="1200" dirty="0">
+                    <a:solidFill>
+                      <a:sysClr val="windowText" lastClr="000000"/>
+                    </a:solidFill>
+                  </a:rPr>
+                  <a:t>:</a:t>
+                </a:r>
+                <a:r>
+                  <a:rPr kumimoji="1" lang="zh-CN" altLang="en-US" sz="1200" dirty="0">
+                    <a:solidFill>
+                      <a:sysClr val="windowText" lastClr="000000"/>
+                    </a:solidFill>
+                  </a:rPr>
+                  <a:t> </a:t>
+                </a:r>
+                <a:r>
+                  <a:rPr kumimoji="1" lang="en-US" altLang="zh-CN" sz="1200" dirty="0">
+                    <a:solidFill>
+                      <a:sysClr val="windowText" lastClr="000000"/>
+                    </a:solidFill>
+                  </a:rPr>
+                  <a:t>Person</a:t>
+                </a:r>
+                <a:endParaRPr kumimoji="1" lang="zh-CN" altLang="en-US" sz="1200" dirty="0">
+                  <a:solidFill>
+                    <a:sysClr val="windowText" lastClr="000000"/>
+                  </a:solidFill>
+                </a:endParaRPr>
+              </a:p>
+            </p:txBody>
+          </p:sp>
+          <p:cxnSp>
+            <p:nvCxnSpPr>
+              <p:cNvPr id="154" name="直线箭头连接符 11" descr="jytjh">
+                <a:extLst>
+                  <a:ext uri="{FF2B5EF4-FFF2-40B4-BE49-F238E27FC236}">
+                    <a16:creationId xmlns:a16="http://schemas.microsoft.com/office/drawing/2014/main" id="{E34EE26E-3D72-74EC-5406-33EAE463D3C7}"/>
+                  </a:ext>
+                </a:extLst>
+              </p:cNvPr>
+              <p:cNvCxnSpPr>
+                <a:cxnSpLocks/>
+                <a:stCxn id="153" idx="3"/>
+                <a:endCxn id="157" idx="1"/>
+              </p:cNvCxnSpPr>
+              <p:nvPr/>
+            </p:nvCxnSpPr>
+            <p:spPr>
+              <a:xfrm>
+                <a:off x="3468066" y="3965678"/>
+                <a:ext cx="462315" cy="0"/>
+              </a:xfrm>
+              <a:prstGeom prst="straightConnector1">
+                <a:avLst/>
+              </a:prstGeom>
+              <a:ln w="25400">
+                <a:solidFill>
+                  <a:schemeClr val="tx1"/>
+                </a:solidFill>
+                <a:headEnd type="none" w="lg" len="med"/>
+                <a:tailEnd type="arrow" w="sm" len="lg"/>
+              </a:ln>
+            </p:spPr>
+            <p:style>
+              <a:lnRef idx="1">
+                <a:schemeClr val="accent1"/>
+              </a:lnRef>
+              <a:fillRef idx="0">
+                <a:schemeClr val="accent1"/>
+              </a:fillRef>
+              <a:effectRef idx="0">
+                <a:schemeClr val="accent1"/>
+              </a:effectRef>
+              <a:fontRef idx="minor">
+                <a:schemeClr val="tx1"/>
+              </a:fontRef>
+            </p:style>
+          </p:cxnSp>
+          <p:sp>
+            <p:nvSpPr>
+              <p:cNvPr id="155" name="文本框 12">
+                <a:extLst>
+                  <a:ext uri="{FF2B5EF4-FFF2-40B4-BE49-F238E27FC236}">
+                    <a16:creationId xmlns:a16="http://schemas.microsoft.com/office/drawing/2014/main" id="{9CD9F9C8-F63B-18B5-555D-13294D2779F2}"/>
+                  </a:ext>
+                </a:extLst>
+              </p:cNvPr>
+              <p:cNvSpPr txBox="1"/>
+              <p:nvPr/>
+            </p:nvSpPr>
+            <p:spPr>
+              <a:xfrm>
+                <a:off x="3403947" y="3686479"/>
+                <a:ext cx="588763" cy="276999"/>
+              </a:xfrm>
+              <a:prstGeom prst="rect">
+                <a:avLst/>
+              </a:prstGeom>
+              <a:noFill/>
+            </p:spPr>
+            <p:txBody>
+              <a:bodyPr wrap="square" rtlCol="0">
+                <a:spAutoFit/>
+              </a:bodyPr>
+              <a:lstStyle/>
+              <a:p>
+                <a:pPr algn="ctr"/>
+                <a:r>
+                  <a:rPr kumimoji="1" lang="en-US" altLang="zh-CN" sz="1200" b="1" dirty="0">
+                    <a:latin typeface="DengXian" panose="02010600030101010101" pitchFamily="2" charset="-122"/>
+                    <a:ea typeface="DengXian" panose="02010600030101010101" pitchFamily="2" charset="-122"/>
+                  </a:rPr>
+                  <a:t>g1</a:t>
+                </a:r>
+                <a:endParaRPr kumimoji="1" lang="en-US" altLang="zh-CN" sz="1200" dirty="0">
+                  <a:latin typeface="DengXian" panose="02010600030101010101" pitchFamily="2" charset="-122"/>
+                  <a:ea typeface="DengXian" panose="02010600030101010101" pitchFamily="2" charset="-122"/>
+                </a:endParaRPr>
+              </a:p>
+            </p:txBody>
+          </p:sp>
+          <p:sp>
+            <p:nvSpPr>
+              <p:cNvPr id="156" name="矩形 13">
+                <a:extLst>
+                  <a:ext uri="{FF2B5EF4-FFF2-40B4-BE49-F238E27FC236}">
+                    <a16:creationId xmlns:a16="http://schemas.microsoft.com/office/drawing/2014/main" id="{74108C34-6033-6B25-DADB-103847B55395}"/>
+                  </a:ext>
+                </a:extLst>
+              </p:cNvPr>
+              <p:cNvSpPr/>
+              <p:nvPr/>
+            </p:nvSpPr>
+            <p:spPr>
+              <a:xfrm>
+                <a:off x="3776473" y="2657820"/>
+                <a:ext cx="4407408" cy="940283"/>
+              </a:xfrm>
+              <a:prstGeom prst="rect">
+                <a:avLst/>
+              </a:prstGeom>
+              <a:noFill/>
+              <a:ln w="12700">
+                <a:solidFill>
+                  <a:schemeClr val="tx1"/>
+                </a:solidFill>
+                <a:prstDash val="dash"/>
+              </a:ln>
+            </p:spPr>
+            <p:style>
+              <a:lnRef idx="2">
+                <a:schemeClr val="accent2">
+                  <a:shade val="50000"/>
+                </a:schemeClr>
+              </a:lnRef>
+              <a:fillRef idx="1">
+                <a:schemeClr val="accent2"/>
+              </a:fillRef>
+              <a:effectRef idx="0">
+                <a:schemeClr val="accent2"/>
+              </a:effectRef>
+              <a:fontRef idx="minor">
+                <a:schemeClr val="lt1"/>
+              </a:fontRef>
+            </p:style>
+            <p:txBody>
+              <a:bodyPr rtlCol="0" anchor="t"/>
+              <a:lstStyle/>
+              <a:p>
+                <a:r>
+                  <a:rPr kumimoji="1" lang="en-US" altLang="zh-CN" sz="1200" b="1" dirty="0">
+                    <a:solidFill>
+                      <a:srgbClr val="FF0000"/>
+                    </a:solidFill>
+                    <a:latin typeface="DengXian" panose="02010600030101010101" pitchFamily="2" charset="-122"/>
+                    <a:ea typeface="DengXian" panose="02010600030101010101" pitchFamily="2" charset="-122"/>
+                  </a:rPr>
+                  <a:t>RESULT</a:t>
+                </a:r>
+                <a:r>
+                  <a:rPr kumimoji="1" lang="zh-CN" altLang="en-US" sz="1200" b="1" dirty="0">
+                    <a:solidFill>
+                      <a:srgbClr val="FF0000"/>
+                    </a:solidFill>
+                    <a:latin typeface="DengXian" panose="02010600030101010101" pitchFamily="2" charset="-122"/>
+                    <a:ea typeface="DengXian" panose="02010600030101010101" pitchFamily="2" charset="-122"/>
+                  </a:rPr>
+                  <a:t> </a:t>
+                </a:r>
+                <a:r>
+                  <a:rPr kumimoji="1" lang="en-US" altLang="zh-CN" sz="1200" dirty="0">
+                    <a:solidFill>
+                      <a:sysClr val="windowText" lastClr="000000"/>
+                    </a:solidFill>
+                    <a:latin typeface="DengXian" panose="02010600030101010101" pitchFamily="2" charset="-122"/>
+                    <a:ea typeface="DengXian" panose="02010600030101010101" pitchFamily="2" charset="-122"/>
+                  </a:rPr>
+                  <a:t>SUM(</a:t>
+                </a:r>
+                <a:r>
+                  <a:rPr kumimoji="1" lang="en-US" altLang="zh-CN" sz="1200" dirty="0" err="1">
+                    <a:solidFill>
+                      <a:sysClr val="windowText" lastClr="000000"/>
+                    </a:solidFill>
+                    <a:latin typeface="DengXian" panose="02010600030101010101" pitchFamily="2" charset="-122"/>
+                    <a:ea typeface="DengXian" panose="02010600030101010101" pitchFamily="2" charset="-122"/>
+                  </a:rPr>
+                  <a:t>loan.loanAmount</a:t>
+                </a:r>
+                <a:r>
+                  <a:rPr kumimoji="1" lang="en-US" altLang="zh-CN" sz="1200" dirty="0">
+                    <a:solidFill>
+                      <a:sysClr val="windowText" lastClr="000000"/>
+                    </a:solidFill>
+                    <a:latin typeface="DengXian" panose="02010600030101010101" pitchFamily="2" charset="-122"/>
+                    <a:ea typeface="DengXian" panose="02010600030101010101" pitchFamily="2" charset="-122"/>
+                  </a:rPr>
+                  <a:t>),</a:t>
+                </a:r>
+                <a:r>
+                  <a:rPr kumimoji="1" lang="zh-CN" altLang="en-US" sz="1200" dirty="0">
+                    <a:solidFill>
+                      <a:sysClr val="windowText" lastClr="000000"/>
+                    </a:solidFill>
+                    <a:latin typeface="DengXian" panose="02010600030101010101" pitchFamily="2" charset="-122"/>
+                    <a:ea typeface="DengXian" panose="02010600030101010101" pitchFamily="2" charset="-122"/>
+                  </a:rPr>
+                  <a:t> </a:t>
+                </a:r>
+                <a:r>
+                  <a:rPr kumimoji="1" lang="en-US" altLang="zh-CN" sz="1200" dirty="0">
+                    <a:solidFill>
+                      <a:sysClr val="windowText" lastClr="000000"/>
+                    </a:solidFill>
+                    <a:latin typeface="DengXian" panose="02010600030101010101" pitchFamily="2" charset="-122"/>
+                    <a:ea typeface="DengXian" panose="02010600030101010101" pitchFamily="2" charset="-122"/>
+                  </a:rPr>
+                  <a:t>COUNT(loan)</a:t>
+                </a:r>
+              </a:p>
+            </p:txBody>
+          </p:sp>
+          <p:sp>
+            <p:nvSpPr>
+              <p:cNvPr id="157" name="矩形 14">
+                <a:extLst>
+                  <a:ext uri="{FF2B5EF4-FFF2-40B4-BE49-F238E27FC236}">
+                    <a16:creationId xmlns:a16="http://schemas.microsoft.com/office/drawing/2014/main" id="{91EE3CF0-2D02-E6B8-360E-A686A6385658}"/>
+                  </a:ext>
+                </a:extLst>
+              </p:cNvPr>
+              <p:cNvSpPr/>
+              <p:nvPr/>
+            </p:nvSpPr>
+            <p:spPr>
+              <a:xfrm>
+                <a:off x="3930381" y="3813049"/>
+                <a:ext cx="1200746" cy="305258"/>
+              </a:xfrm>
+              <a:prstGeom prst="rect">
+                <a:avLst/>
+              </a:prstGeom>
+              <a:solidFill>
+                <a:schemeClr val="accent6">
+                  <a:lumMod val="60000"/>
+                  <a:lumOff val="40000"/>
+                </a:schemeClr>
+              </a:solidFill>
+              <a:ln w="19050">
+                <a:solidFill>
+                  <a:schemeClr val="tx1"/>
+                </a:solidFill>
+              </a:ln>
+            </p:spPr>
+            <p:style>
+              <a:lnRef idx="2">
+                <a:schemeClr val="accent2">
+                  <a:shade val="50000"/>
+                </a:schemeClr>
+              </a:lnRef>
+              <a:fillRef idx="1">
+                <a:schemeClr val="accent2"/>
+              </a:fillRef>
+              <a:effectRef idx="0">
+                <a:schemeClr val="accent2"/>
+              </a:effectRef>
+              <a:fontRef idx="minor">
+                <a:schemeClr val="lt1"/>
+              </a:fontRef>
+            </p:style>
+            <p:txBody>
+              <a:bodyPr rtlCol="0" anchor="ctr"/>
+              <a:lstStyle/>
+              <a:p>
+                <a:pPr algn="ctr"/>
+                <a:r>
+                  <a:rPr kumimoji="1" lang="en-US" altLang="zh-CN" sz="1200" b="1" dirty="0">
+                    <a:solidFill>
+                      <a:sysClr val="windowText" lastClr="000000"/>
+                    </a:solidFill>
+                  </a:rPr>
+                  <a:t>p2</a:t>
+                </a:r>
+                <a:r>
+                  <a:rPr kumimoji="1" lang="zh-CN" altLang="en-US" sz="1200" dirty="0">
+                    <a:solidFill>
+                      <a:sysClr val="windowText" lastClr="000000"/>
+                    </a:solidFill>
+                  </a:rPr>
+                  <a:t> </a:t>
+                </a:r>
+                <a:r>
+                  <a:rPr kumimoji="1" lang="en-US" altLang="zh-CN" sz="1200" dirty="0">
+                    <a:solidFill>
+                      <a:sysClr val="windowText" lastClr="000000"/>
+                    </a:solidFill>
+                  </a:rPr>
+                  <a:t>:</a:t>
+                </a:r>
+                <a:r>
+                  <a:rPr kumimoji="1" lang="zh-CN" altLang="en-US" sz="1200" dirty="0">
+                    <a:solidFill>
+                      <a:sysClr val="windowText" lastClr="000000"/>
+                    </a:solidFill>
+                  </a:rPr>
+                  <a:t> </a:t>
+                </a:r>
+                <a:r>
+                  <a:rPr kumimoji="1" lang="en-US" altLang="zh-CN" sz="1200" dirty="0">
+                    <a:solidFill>
+                      <a:sysClr val="windowText" lastClr="000000"/>
+                    </a:solidFill>
+                  </a:rPr>
+                  <a:t>Person</a:t>
+                </a:r>
+                <a:endParaRPr kumimoji="1" lang="zh-CN" altLang="en-US" sz="1200" dirty="0">
+                  <a:solidFill>
+                    <a:sysClr val="windowText" lastClr="000000"/>
+                  </a:solidFill>
+                </a:endParaRPr>
+              </a:p>
+            </p:txBody>
+          </p:sp>
+          <p:sp>
+            <p:nvSpPr>
+              <p:cNvPr id="158" name="矩形 14">
+                <a:extLst>
+                  <a:ext uri="{FF2B5EF4-FFF2-40B4-BE49-F238E27FC236}">
+                    <a16:creationId xmlns:a16="http://schemas.microsoft.com/office/drawing/2014/main" id="{AE356B99-B66D-2119-8213-5322B91153EA}"/>
+                  </a:ext>
+                </a:extLst>
+              </p:cNvPr>
+              <p:cNvSpPr/>
+              <p:nvPr/>
+            </p:nvSpPr>
+            <p:spPr>
+              <a:xfrm>
+                <a:off x="5593442" y="3707258"/>
+                <a:ext cx="799362" cy="505147"/>
+              </a:xfrm>
+              <a:prstGeom prst="rect">
+                <a:avLst/>
+              </a:prstGeom>
+              <a:noFill/>
+              <a:ln w="25400">
+                <a:noFill/>
+              </a:ln>
+            </p:spPr>
+            <p:style>
+              <a:lnRef idx="2">
+                <a:schemeClr val="accent2">
+                  <a:shade val="50000"/>
+                </a:schemeClr>
+              </a:lnRef>
+              <a:fillRef idx="1">
+                <a:schemeClr val="accent2"/>
+              </a:fillRef>
+              <a:effectRef idx="0">
+                <a:schemeClr val="accent2"/>
+              </a:effectRef>
+              <a:fontRef idx="minor">
+                <a:schemeClr val="lt1"/>
+              </a:fontRef>
+            </p:style>
+            <p:txBody>
+              <a:bodyPr rtlCol="0" anchor="ctr"/>
+              <a:lstStyle/>
+              <a:p>
+                <a:pPr algn="ctr"/>
+                <a:r>
+                  <a:rPr kumimoji="1" lang="en-US" altLang="zh-CN" sz="1600" b="1" dirty="0">
+                    <a:solidFill>
+                      <a:sysClr val="windowText" lastClr="000000"/>
+                    </a:solidFill>
+                  </a:rPr>
+                  <a:t>…</a:t>
+                </a:r>
+                <a:endParaRPr kumimoji="1" lang="zh-CN" altLang="en-US" sz="1600" dirty="0">
+                  <a:solidFill>
+                    <a:sysClr val="windowText" lastClr="000000"/>
+                  </a:solidFill>
+                </a:endParaRPr>
+              </a:p>
+            </p:txBody>
+          </p:sp>
+          <p:sp>
+            <p:nvSpPr>
+              <p:cNvPr id="159" name="矩形 14">
+                <a:extLst>
+                  <a:ext uri="{FF2B5EF4-FFF2-40B4-BE49-F238E27FC236}">
+                    <a16:creationId xmlns:a16="http://schemas.microsoft.com/office/drawing/2014/main" id="{E075C904-7171-EA7E-A0DF-B596F18990A8}"/>
+                  </a:ext>
+                </a:extLst>
+              </p:cNvPr>
+              <p:cNvSpPr/>
+              <p:nvPr/>
+            </p:nvSpPr>
+            <p:spPr>
+              <a:xfrm>
+                <a:off x="6855118" y="3813049"/>
+                <a:ext cx="1200746" cy="305258"/>
+              </a:xfrm>
+              <a:prstGeom prst="rect">
+                <a:avLst/>
+              </a:prstGeom>
+              <a:solidFill>
+                <a:schemeClr val="accent6">
+                  <a:lumMod val="60000"/>
+                  <a:lumOff val="40000"/>
+                </a:schemeClr>
+              </a:solidFill>
+              <a:ln w="19050">
+                <a:solidFill>
+                  <a:schemeClr val="tx1"/>
+                </a:solidFill>
+              </a:ln>
+            </p:spPr>
+            <p:style>
+              <a:lnRef idx="2">
+                <a:schemeClr val="accent2">
+                  <a:shade val="50000"/>
+                </a:schemeClr>
+              </a:lnRef>
+              <a:fillRef idx="1">
+                <a:schemeClr val="accent2"/>
+              </a:fillRef>
+              <a:effectRef idx="0">
+                <a:schemeClr val="accent2"/>
+              </a:effectRef>
+              <a:fontRef idx="minor">
+                <a:schemeClr val="lt1"/>
+              </a:fontRef>
+            </p:style>
+            <p:txBody>
+              <a:bodyPr rtlCol="0" anchor="ctr"/>
+              <a:lstStyle/>
+              <a:p>
+                <a:pPr algn="ctr"/>
+                <a:r>
+                  <a:rPr kumimoji="1" lang="en-US" altLang="zh-CN" sz="1200" b="1" dirty="0" err="1">
+                    <a:solidFill>
+                      <a:sysClr val="windowText" lastClr="000000"/>
+                    </a:solidFill>
+                  </a:rPr>
+                  <a:t>pN</a:t>
+                </a:r>
+                <a:r>
+                  <a:rPr kumimoji="1" lang="zh-CN" altLang="en-US" sz="1200" dirty="0">
+                    <a:solidFill>
+                      <a:sysClr val="windowText" lastClr="000000"/>
+                    </a:solidFill>
+                  </a:rPr>
+                  <a:t> </a:t>
+                </a:r>
+                <a:r>
+                  <a:rPr kumimoji="1" lang="en-US" altLang="zh-CN" sz="1200" dirty="0">
+                    <a:solidFill>
+                      <a:sysClr val="windowText" lastClr="000000"/>
+                    </a:solidFill>
+                  </a:rPr>
+                  <a:t>:</a:t>
+                </a:r>
+                <a:r>
+                  <a:rPr kumimoji="1" lang="zh-CN" altLang="en-US" sz="1200" dirty="0">
+                    <a:solidFill>
+                      <a:sysClr val="windowText" lastClr="000000"/>
+                    </a:solidFill>
+                  </a:rPr>
+                  <a:t> </a:t>
+                </a:r>
+                <a:r>
+                  <a:rPr kumimoji="1" lang="en-US" altLang="zh-CN" sz="1200" dirty="0">
+                    <a:solidFill>
+                      <a:sysClr val="windowText" lastClr="000000"/>
+                    </a:solidFill>
+                  </a:rPr>
+                  <a:t>Person</a:t>
+                </a:r>
+                <a:endParaRPr kumimoji="1" lang="zh-CN" altLang="en-US" sz="1200" dirty="0">
+                  <a:solidFill>
+                    <a:sysClr val="windowText" lastClr="000000"/>
+                  </a:solidFill>
+                </a:endParaRPr>
+              </a:p>
+            </p:txBody>
+          </p:sp>
+          <p:cxnSp>
+            <p:nvCxnSpPr>
+              <p:cNvPr id="160" name="直线箭头连接符 11" descr="jytjh">
+                <a:extLst>
+                  <a:ext uri="{FF2B5EF4-FFF2-40B4-BE49-F238E27FC236}">
+                    <a16:creationId xmlns:a16="http://schemas.microsoft.com/office/drawing/2014/main" id="{4CB3E205-BC21-A5CF-982D-E3B00BBC8058}"/>
+                  </a:ext>
+                </a:extLst>
+              </p:cNvPr>
+              <p:cNvCxnSpPr>
+                <a:cxnSpLocks/>
+                <a:stCxn id="157" idx="3"/>
+                <a:endCxn id="158" idx="1"/>
+              </p:cNvCxnSpPr>
+              <p:nvPr/>
+            </p:nvCxnSpPr>
+            <p:spPr>
+              <a:xfrm flipV="1">
+                <a:off x="5131127" y="3959832"/>
+                <a:ext cx="462315" cy="5846"/>
+              </a:xfrm>
+              <a:prstGeom prst="straightConnector1">
+                <a:avLst/>
+              </a:prstGeom>
+              <a:ln w="25400">
+                <a:solidFill>
+                  <a:schemeClr val="tx1"/>
+                </a:solidFill>
+                <a:headEnd type="none" w="lg" len="med"/>
+                <a:tailEnd type="arrow" w="sm" len="lg"/>
+              </a:ln>
+            </p:spPr>
+            <p:style>
+              <a:lnRef idx="1">
+                <a:schemeClr val="accent1"/>
+              </a:lnRef>
+              <a:fillRef idx="0">
+                <a:schemeClr val="accent1"/>
+              </a:fillRef>
+              <a:effectRef idx="0">
+                <a:schemeClr val="accent1"/>
+              </a:effectRef>
+              <a:fontRef idx="minor">
+                <a:schemeClr val="tx1"/>
+              </a:fontRef>
+            </p:style>
+          </p:cxnSp>
+          <p:cxnSp>
+            <p:nvCxnSpPr>
+              <p:cNvPr id="161" name="直线箭头连接符 11" descr="jytjh">
+                <a:extLst>
+                  <a:ext uri="{FF2B5EF4-FFF2-40B4-BE49-F238E27FC236}">
+                    <a16:creationId xmlns:a16="http://schemas.microsoft.com/office/drawing/2014/main" id="{5840E459-9FB4-4B6F-CD59-6B4B3F02F5EA}"/>
+                  </a:ext>
+                </a:extLst>
+              </p:cNvPr>
+              <p:cNvCxnSpPr>
+                <a:cxnSpLocks/>
+                <a:stCxn id="158" idx="3"/>
+                <a:endCxn id="159" idx="1"/>
+              </p:cNvCxnSpPr>
+              <p:nvPr/>
+            </p:nvCxnSpPr>
+            <p:spPr>
+              <a:xfrm>
+                <a:off x="6392804" y="3959832"/>
+                <a:ext cx="462314" cy="5846"/>
+              </a:xfrm>
+              <a:prstGeom prst="straightConnector1">
+                <a:avLst/>
+              </a:prstGeom>
+              <a:ln w="25400">
+                <a:solidFill>
+                  <a:schemeClr val="tx1"/>
+                </a:solidFill>
+                <a:headEnd type="none" w="lg" len="med"/>
+                <a:tailEnd type="arrow" w="sm" len="lg"/>
+              </a:ln>
+            </p:spPr>
+            <p:style>
+              <a:lnRef idx="1">
+                <a:schemeClr val="accent1"/>
+              </a:lnRef>
+              <a:fillRef idx="0">
+                <a:schemeClr val="accent1"/>
+              </a:fillRef>
+              <a:effectRef idx="0">
+                <a:schemeClr val="accent1"/>
+              </a:effectRef>
+              <a:fontRef idx="minor">
+                <a:schemeClr val="tx1"/>
+              </a:fontRef>
+            </p:style>
+          </p:cxnSp>
+          <p:sp>
+            <p:nvSpPr>
+              <p:cNvPr id="162" name="矩形 14">
+                <a:extLst>
+                  <a:ext uri="{FF2B5EF4-FFF2-40B4-BE49-F238E27FC236}">
+                    <a16:creationId xmlns:a16="http://schemas.microsoft.com/office/drawing/2014/main" id="{F3F38903-0485-C314-1FCD-B46FB1F69A71}"/>
+                  </a:ext>
+                </a:extLst>
+              </p:cNvPr>
+              <p:cNvSpPr/>
+              <p:nvPr/>
+            </p:nvSpPr>
+            <p:spPr>
+              <a:xfrm>
+                <a:off x="3930381" y="3052179"/>
+                <a:ext cx="1200745" cy="371925"/>
+              </a:xfrm>
+              <a:prstGeom prst="rect">
+                <a:avLst/>
+              </a:prstGeom>
+              <a:solidFill>
+                <a:schemeClr val="accent2">
+                  <a:lumMod val="60000"/>
+                  <a:lumOff val="40000"/>
+                </a:schemeClr>
+              </a:solidFill>
+              <a:ln w="19050">
+                <a:solidFill>
+                  <a:schemeClr val="tx1"/>
+                </a:solidFill>
+              </a:ln>
+            </p:spPr>
+            <p:style>
+              <a:lnRef idx="2">
+                <a:schemeClr val="accent2">
+                  <a:shade val="50000"/>
+                </a:schemeClr>
+              </a:lnRef>
+              <a:fillRef idx="1">
+                <a:schemeClr val="accent2"/>
+              </a:fillRef>
+              <a:effectRef idx="0">
+                <a:schemeClr val="accent2"/>
+              </a:effectRef>
+              <a:fontRef idx="minor">
+                <a:schemeClr val="lt1"/>
+              </a:fontRef>
+            </p:style>
+            <p:txBody>
+              <a:bodyPr rtlCol="0" anchor="ctr"/>
+              <a:lstStyle/>
+              <a:p>
+                <a:pPr algn="ctr"/>
+                <a:r>
+                  <a:rPr kumimoji="1" lang="en-US" altLang="zh-CN" sz="1200" dirty="0">
+                    <a:solidFill>
+                      <a:sysClr val="windowText" lastClr="000000"/>
+                    </a:solidFill>
+                  </a:rPr>
+                  <a:t>loan</a:t>
+                </a:r>
+                <a:r>
+                  <a:rPr kumimoji="1" lang="zh-CN" altLang="en-US" sz="1200" dirty="0">
+                    <a:solidFill>
+                      <a:sysClr val="windowText" lastClr="000000"/>
+                    </a:solidFill>
+                  </a:rPr>
+                  <a:t> </a:t>
+                </a:r>
+                <a:r>
+                  <a:rPr kumimoji="1" lang="en-US" altLang="zh-CN" sz="1200" dirty="0">
+                    <a:solidFill>
+                      <a:sysClr val="windowText" lastClr="000000"/>
+                    </a:solidFill>
+                  </a:rPr>
+                  <a:t>:</a:t>
+                </a:r>
+                <a:r>
+                  <a:rPr kumimoji="1" lang="zh-CN" altLang="en-US" sz="1200" dirty="0">
+                    <a:solidFill>
+                      <a:sysClr val="windowText" lastClr="000000"/>
+                    </a:solidFill>
+                  </a:rPr>
+                  <a:t> </a:t>
+                </a:r>
+                <a:r>
+                  <a:rPr kumimoji="1" lang="en-US" altLang="zh-CN" sz="1200" dirty="0">
+                    <a:solidFill>
+                      <a:sysClr val="windowText" lastClr="000000"/>
+                    </a:solidFill>
+                  </a:rPr>
+                  <a:t>Loan</a:t>
+                </a:r>
+                <a:endParaRPr kumimoji="1" lang="zh-CN" altLang="en-US" sz="1200" dirty="0">
+                  <a:solidFill>
+                    <a:sysClr val="windowText" lastClr="000000"/>
+                  </a:solidFill>
+                </a:endParaRPr>
+              </a:p>
+            </p:txBody>
+          </p:sp>
+          <p:sp>
+            <p:nvSpPr>
+              <p:cNvPr id="163" name="文本框 12">
+                <a:extLst>
+                  <a:ext uri="{FF2B5EF4-FFF2-40B4-BE49-F238E27FC236}">
+                    <a16:creationId xmlns:a16="http://schemas.microsoft.com/office/drawing/2014/main" id="{095014AC-C92D-3D54-5A95-EBB1D1213053}"/>
+                  </a:ext>
+                </a:extLst>
+              </p:cNvPr>
+              <p:cNvSpPr txBox="1"/>
+              <p:nvPr/>
+            </p:nvSpPr>
+            <p:spPr>
+              <a:xfrm>
+                <a:off x="5055398" y="3679535"/>
+                <a:ext cx="588763" cy="276999"/>
+              </a:xfrm>
+              <a:prstGeom prst="rect">
+                <a:avLst/>
+              </a:prstGeom>
+              <a:noFill/>
+            </p:spPr>
+            <p:txBody>
+              <a:bodyPr wrap="square" rtlCol="0">
+                <a:spAutoFit/>
+              </a:bodyPr>
+              <a:lstStyle/>
+              <a:p>
+                <a:pPr algn="ctr"/>
+                <a:r>
+                  <a:rPr kumimoji="1" lang="en-US" altLang="zh-CN" sz="1200" b="1" dirty="0">
+                    <a:latin typeface="DengXian" panose="02010600030101010101" pitchFamily="2" charset="-122"/>
+                    <a:ea typeface="DengXian" panose="02010600030101010101" pitchFamily="2" charset="-122"/>
+                  </a:rPr>
+                  <a:t>g2</a:t>
+                </a:r>
+                <a:endParaRPr kumimoji="1" lang="en-US" altLang="zh-CN" sz="1200" dirty="0">
+                  <a:latin typeface="DengXian" panose="02010600030101010101" pitchFamily="2" charset="-122"/>
+                  <a:ea typeface="DengXian" panose="02010600030101010101" pitchFamily="2" charset="-122"/>
+                </a:endParaRPr>
+              </a:p>
+            </p:txBody>
+          </p:sp>
+          <p:sp>
+            <p:nvSpPr>
+              <p:cNvPr id="164" name="文本框 12">
+                <a:extLst>
+                  <a:ext uri="{FF2B5EF4-FFF2-40B4-BE49-F238E27FC236}">
+                    <a16:creationId xmlns:a16="http://schemas.microsoft.com/office/drawing/2014/main" id="{BF8F12F2-279E-7852-6C66-02CC68C31312}"/>
+                  </a:ext>
+                </a:extLst>
+              </p:cNvPr>
+              <p:cNvSpPr txBox="1"/>
+              <p:nvPr/>
+            </p:nvSpPr>
+            <p:spPr>
+              <a:xfrm>
+                <a:off x="6341190" y="3662430"/>
+                <a:ext cx="588763" cy="276999"/>
+              </a:xfrm>
+              <a:prstGeom prst="rect">
+                <a:avLst/>
+              </a:prstGeom>
+              <a:noFill/>
+            </p:spPr>
+            <p:txBody>
+              <a:bodyPr wrap="square" rtlCol="0">
+                <a:spAutoFit/>
+              </a:bodyPr>
+              <a:lstStyle/>
+              <a:p>
+                <a:pPr algn="ctr"/>
+                <a:r>
+                  <a:rPr kumimoji="1" lang="en-US" altLang="zh-CN" sz="1200" b="1" dirty="0" err="1">
+                    <a:latin typeface="DengXian" panose="02010600030101010101" pitchFamily="2" charset="-122"/>
+                    <a:ea typeface="DengXian" panose="02010600030101010101" pitchFamily="2" charset="-122"/>
+                  </a:rPr>
+                  <a:t>gN</a:t>
+                </a:r>
+                <a:endParaRPr kumimoji="1" lang="en-US" altLang="zh-CN" sz="1200" dirty="0">
+                  <a:latin typeface="DengXian" panose="02010600030101010101" pitchFamily="2" charset="-122"/>
+                  <a:ea typeface="DengXian" panose="02010600030101010101" pitchFamily="2" charset="-122"/>
+                </a:endParaRPr>
+              </a:p>
+            </p:txBody>
+          </p:sp>
+          <p:cxnSp>
+            <p:nvCxnSpPr>
+              <p:cNvPr id="165" name="直线箭头连接符 11" descr="jytjh">
+                <a:extLst>
+                  <a:ext uri="{FF2B5EF4-FFF2-40B4-BE49-F238E27FC236}">
+                    <a16:creationId xmlns:a16="http://schemas.microsoft.com/office/drawing/2014/main" id="{8FF0F5BF-4EB4-B434-F2C5-74E27E3428E7}"/>
+                  </a:ext>
+                </a:extLst>
+              </p:cNvPr>
+              <p:cNvCxnSpPr>
+                <a:cxnSpLocks/>
+                <a:stCxn id="157" idx="0"/>
+                <a:endCxn id="162" idx="2"/>
+              </p:cNvCxnSpPr>
+              <p:nvPr/>
+            </p:nvCxnSpPr>
+            <p:spPr>
+              <a:xfrm flipV="1">
+                <a:off x="4530754" y="3424104"/>
+                <a:ext cx="0" cy="388945"/>
+              </a:xfrm>
+              <a:prstGeom prst="straightConnector1">
+                <a:avLst/>
+              </a:prstGeom>
+              <a:ln w="25400">
+                <a:solidFill>
+                  <a:schemeClr val="tx1"/>
+                </a:solidFill>
+                <a:headEnd type="none" w="lg" len="med"/>
+                <a:tailEnd type="arrow" w="sm" len="lg"/>
+              </a:ln>
+            </p:spPr>
+            <p:style>
+              <a:lnRef idx="1">
+                <a:schemeClr val="accent1"/>
+              </a:lnRef>
+              <a:fillRef idx="0">
+                <a:schemeClr val="accent1"/>
+              </a:fillRef>
+              <a:effectRef idx="0">
+                <a:schemeClr val="accent1"/>
+              </a:effectRef>
+              <a:fontRef idx="minor">
+                <a:schemeClr val="tx1"/>
+              </a:fontRef>
+            </p:style>
+          </p:cxnSp>
+          <p:sp>
+            <p:nvSpPr>
+              <p:cNvPr id="166" name="矩形 14">
+                <a:extLst>
+                  <a:ext uri="{FF2B5EF4-FFF2-40B4-BE49-F238E27FC236}">
+                    <a16:creationId xmlns:a16="http://schemas.microsoft.com/office/drawing/2014/main" id="{97DF9EF1-93A6-0568-3EC6-4746C8E50F08}"/>
+                  </a:ext>
+                </a:extLst>
+              </p:cNvPr>
+              <p:cNvSpPr/>
+              <p:nvPr/>
+            </p:nvSpPr>
+            <p:spPr>
+              <a:xfrm>
+                <a:off x="6855118" y="3052179"/>
+                <a:ext cx="1200745" cy="371925"/>
+              </a:xfrm>
+              <a:prstGeom prst="rect">
+                <a:avLst/>
+              </a:prstGeom>
+              <a:solidFill>
+                <a:schemeClr val="accent2">
+                  <a:lumMod val="60000"/>
+                  <a:lumOff val="40000"/>
+                </a:schemeClr>
+              </a:solidFill>
+              <a:ln w="19050">
+                <a:solidFill>
+                  <a:schemeClr val="tx1"/>
+                </a:solidFill>
+              </a:ln>
+            </p:spPr>
+            <p:style>
+              <a:lnRef idx="2">
+                <a:schemeClr val="accent2">
+                  <a:shade val="50000"/>
+                </a:schemeClr>
+              </a:lnRef>
+              <a:fillRef idx="1">
+                <a:schemeClr val="accent2"/>
+              </a:fillRef>
+              <a:effectRef idx="0">
+                <a:schemeClr val="accent2"/>
+              </a:effectRef>
+              <a:fontRef idx="minor">
+                <a:schemeClr val="lt1"/>
+              </a:fontRef>
+            </p:style>
+            <p:txBody>
+              <a:bodyPr rtlCol="0" anchor="ctr"/>
+              <a:lstStyle/>
+              <a:p>
+                <a:pPr algn="ctr"/>
+                <a:r>
+                  <a:rPr kumimoji="1" lang="en-US" altLang="zh-CN" sz="1200" dirty="0">
+                    <a:solidFill>
+                      <a:sysClr val="windowText" lastClr="000000"/>
+                    </a:solidFill>
+                  </a:rPr>
+                  <a:t>loan</a:t>
+                </a:r>
+                <a:r>
+                  <a:rPr kumimoji="1" lang="zh-CN" altLang="en-US" sz="1200" dirty="0">
+                    <a:solidFill>
+                      <a:sysClr val="windowText" lastClr="000000"/>
+                    </a:solidFill>
+                  </a:rPr>
+                  <a:t> </a:t>
+                </a:r>
+                <a:r>
+                  <a:rPr kumimoji="1" lang="en-US" altLang="zh-CN" sz="1200" dirty="0">
+                    <a:solidFill>
+                      <a:sysClr val="windowText" lastClr="000000"/>
+                    </a:solidFill>
+                  </a:rPr>
+                  <a:t>:</a:t>
+                </a:r>
+                <a:r>
+                  <a:rPr kumimoji="1" lang="zh-CN" altLang="en-US" sz="1200" dirty="0">
+                    <a:solidFill>
+                      <a:sysClr val="windowText" lastClr="000000"/>
+                    </a:solidFill>
+                  </a:rPr>
+                  <a:t> </a:t>
+                </a:r>
+                <a:r>
+                  <a:rPr kumimoji="1" lang="en-US" altLang="zh-CN" sz="1200" dirty="0">
+                    <a:solidFill>
+                      <a:sysClr val="windowText" lastClr="000000"/>
+                    </a:solidFill>
+                  </a:rPr>
+                  <a:t>Loan</a:t>
+                </a:r>
+                <a:endParaRPr kumimoji="1" lang="zh-CN" altLang="en-US" sz="1200" dirty="0">
+                  <a:solidFill>
+                    <a:sysClr val="windowText" lastClr="000000"/>
+                  </a:solidFill>
+                </a:endParaRPr>
+              </a:p>
+            </p:txBody>
+          </p:sp>
+          <p:cxnSp>
+            <p:nvCxnSpPr>
+              <p:cNvPr id="167" name="直线箭头连接符 11" descr="jytjh">
+                <a:extLst>
+                  <a:ext uri="{FF2B5EF4-FFF2-40B4-BE49-F238E27FC236}">
+                    <a16:creationId xmlns:a16="http://schemas.microsoft.com/office/drawing/2014/main" id="{252C121C-C089-5A76-A55C-47461A5BFC3D}"/>
+                  </a:ext>
+                </a:extLst>
+              </p:cNvPr>
+              <p:cNvCxnSpPr>
+                <a:cxnSpLocks/>
+                <a:stCxn id="159" idx="0"/>
+                <a:endCxn id="166" idx="2"/>
+              </p:cNvCxnSpPr>
+              <p:nvPr/>
+            </p:nvCxnSpPr>
+            <p:spPr>
+              <a:xfrm flipV="1">
+                <a:off x="7455491" y="3424104"/>
+                <a:ext cx="0" cy="388945"/>
+              </a:xfrm>
+              <a:prstGeom prst="straightConnector1">
+                <a:avLst/>
+              </a:prstGeom>
+              <a:ln w="25400">
+                <a:solidFill>
+                  <a:schemeClr val="tx1"/>
+                </a:solidFill>
+                <a:headEnd type="none" w="lg" len="med"/>
+                <a:tailEnd type="arrow" w="sm" len="lg"/>
+              </a:ln>
+            </p:spPr>
+            <p:style>
+              <a:lnRef idx="1">
+                <a:schemeClr val="accent1"/>
+              </a:lnRef>
+              <a:fillRef idx="0">
+                <a:schemeClr val="accent1"/>
+              </a:fillRef>
+              <a:effectRef idx="0">
+                <a:schemeClr val="accent1"/>
+              </a:effectRef>
+              <a:fontRef idx="minor">
+                <a:schemeClr val="tx1"/>
+              </a:fontRef>
+            </p:style>
+          </p:cxnSp>
+          <p:sp>
+            <p:nvSpPr>
+              <p:cNvPr id="168" name="矩形 10">
+                <a:extLst>
+                  <a:ext uri="{FF2B5EF4-FFF2-40B4-BE49-F238E27FC236}">
+                    <a16:creationId xmlns:a16="http://schemas.microsoft.com/office/drawing/2014/main" id="{974A8B10-3F2A-80BB-103F-D30C1574BC00}"/>
+                  </a:ext>
+                </a:extLst>
+              </p:cNvPr>
+              <p:cNvSpPr/>
+              <p:nvPr/>
+            </p:nvSpPr>
+            <p:spPr>
+              <a:xfrm>
+                <a:off x="2267319" y="4115094"/>
+                <a:ext cx="1200747" cy="249148"/>
+              </a:xfrm>
+              <a:prstGeom prst="rect">
+                <a:avLst/>
+              </a:prstGeom>
+              <a:noFill/>
+              <a:ln w="19050">
+                <a:solidFill>
+                  <a:schemeClr val="tx1"/>
+                </a:solidFill>
+              </a:ln>
+            </p:spPr>
+            <p:style>
+              <a:lnRef idx="2">
+                <a:schemeClr val="accent2">
+                  <a:shade val="50000"/>
+                </a:schemeClr>
+              </a:lnRef>
+              <a:fillRef idx="1">
+                <a:schemeClr val="accent2"/>
+              </a:fillRef>
+              <a:effectRef idx="0">
+                <a:schemeClr val="accent2"/>
+              </a:effectRef>
+              <a:fontRef idx="minor">
+                <a:schemeClr val="lt1"/>
+              </a:fontRef>
+            </p:style>
+            <p:txBody>
+              <a:bodyPr rtlCol="0" anchor="ctr"/>
+              <a:lstStyle/>
+              <a:p>
+                <a:pPr algn="ctr"/>
+                <a:r>
+                  <a:rPr kumimoji="1" lang="en-US" altLang="zh-CN" sz="1200" b="1" dirty="0">
+                    <a:solidFill>
+                      <a:sysClr val="windowText" lastClr="000000"/>
+                    </a:solidFill>
+                    <a:latin typeface="DengXian" panose="02010600030101010101" pitchFamily="2" charset="-122"/>
+                    <a:ea typeface="DengXian" panose="02010600030101010101" pitchFamily="2" charset="-122"/>
+                  </a:rPr>
+                  <a:t>p1</a:t>
+                </a:r>
+                <a:r>
+                  <a:rPr kumimoji="1" lang="en-US" altLang="zh-CN" sz="1200" dirty="0">
+                    <a:solidFill>
+                      <a:sysClr val="windowText" lastClr="000000"/>
+                    </a:solidFill>
+                    <a:latin typeface="DengXian" panose="02010600030101010101" pitchFamily="2" charset="-122"/>
+                    <a:ea typeface="DengXian" panose="02010600030101010101" pitchFamily="2" charset="-122"/>
+                  </a:rPr>
+                  <a:t>.id</a:t>
+                </a:r>
+                <a:r>
+                  <a:rPr kumimoji="1" lang="zh-CN" altLang="en-US" sz="1200" dirty="0">
+                    <a:solidFill>
+                      <a:sysClr val="windowText" lastClr="000000"/>
+                    </a:solidFill>
+                    <a:latin typeface="DengXian" panose="02010600030101010101" pitchFamily="2" charset="-122"/>
+                    <a:ea typeface="DengXian" panose="02010600030101010101" pitchFamily="2" charset="-122"/>
+                  </a:rPr>
+                  <a:t> </a:t>
+                </a:r>
+                <a:r>
+                  <a:rPr kumimoji="1" lang="en-US" altLang="zh-CN" sz="1200" dirty="0">
+                    <a:solidFill>
+                      <a:sysClr val="windowText" lastClr="000000"/>
+                    </a:solidFill>
+                    <a:latin typeface="DengXian" panose="02010600030101010101" pitchFamily="2" charset="-122"/>
+                    <a:ea typeface="DengXian" panose="02010600030101010101" pitchFamily="2" charset="-122"/>
+                  </a:rPr>
+                  <a:t>=</a:t>
+                </a:r>
+                <a:r>
+                  <a:rPr kumimoji="1" lang="zh-CN" altLang="en-US" sz="1200" dirty="0">
+                    <a:solidFill>
+                      <a:sysClr val="windowText" lastClr="000000"/>
+                    </a:solidFill>
+                    <a:latin typeface="DengXian" panose="02010600030101010101" pitchFamily="2" charset="-122"/>
+                    <a:ea typeface="DengXian" panose="02010600030101010101" pitchFamily="2" charset="-122"/>
+                  </a:rPr>
+                  <a:t> </a:t>
+                </a:r>
+                <a:r>
+                  <a:rPr kumimoji="1" lang="en-US" altLang="zh-CN" sz="1200" dirty="0">
+                    <a:solidFill>
+                      <a:sysClr val="windowText" lastClr="000000"/>
+                    </a:solidFill>
+                    <a:latin typeface="DengXian" panose="02010600030101010101" pitchFamily="2" charset="-122"/>
+                    <a:ea typeface="DengXian" panose="02010600030101010101" pitchFamily="2" charset="-122"/>
+                  </a:rPr>
+                  <a:t>${id}</a:t>
+                </a:r>
+                <a:endParaRPr kumimoji="1" lang="zh-CN" altLang="en-US" sz="1200" dirty="0">
+                  <a:solidFill>
+                    <a:sysClr val="windowText" lastClr="000000"/>
+                  </a:solidFill>
+                  <a:latin typeface="DengXian" panose="02010600030101010101" pitchFamily="2" charset="-122"/>
+                  <a:ea typeface="DengXian" panose="02010600030101010101" pitchFamily="2" charset="-122"/>
+                </a:endParaRPr>
+              </a:p>
+            </p:txBody>
+          </p:sp>
+          <p:sp>
+            <p:nvSpPr>
+              <p:cNvPr id="169" name="文本框 12">
+                <a:extLst>
+                  <a:ext uri="{FF2B5EF4-FFF2-40B4-BE49-F238E27FC236}">
+                    <a16:creationId xmlns:a16="http://schemas.microsoft.com/office/drawing/2014/main" id="{00B00A61-772A-D117-CA3D-31EE00116DEF}"/>
+                  </a:ext>
+                </a:extLst>
+              </p:cNvPr>
+              <p:cNvSpPr txBox="1"/>
+              <p:nvPr/>
+            </p:nvSpPr>
+            <p:spPr>
+              <a:xfrm>
+                <a:off x="4630780" y="4212405"/>
+                <a:ext cx="2422812" cy="776903"/>
+              </a:xfrm>
+              <a:prstGeom prst="rect">
+                <a:avLst/>
+              </a:prstGeom>
+              <a:noFill/>
+            </p:spPr>
+            <p:txBody>
+              <a:bodyPr wrap="square" lIns="90000" numCol="1" rtlCol="0" anchor="ctr">
+                <a:noAutofit/>
+              </a:bodyPr>
+              <a:lstStyle/>
+              <a:p>
+                <a:pPr algn="ctr"/>
+                <a:r>
+                  <a:rPr kumimoji="1" lang="en-US" altLang="zh-CN" sz="1200" b="1" dirty="0" err="1">
+                    <a:latin typeface="DengXian" panose="02010600030101010101" pitchFamily="2" charset="-122"/>
+                    <a:ea typeface="DengXian" panose="02010600030101010101" pitchFamily="2" charset="-122"/>
+                  </a:rPr>
+                  <a:t>gN</a:t>
+                </a:r>
+                <a:r>
+                  <a:rPr kumimoji="1" lang="en-US" altLang="zh-CN" sz="1200" b="1" dirty="0">
+                    <a:latin typeface="DengXian" panose="02010600030101010101" pitchFamily="2" charset="-122"/>
+                    <a:ea typeface="DengXian" panose="02010600030101010101" pitchFamily="2" charset="-122"/>
+                  </a:rPr>
+                  <a:t>:</a:t>
+                </a:r>
+                <a:r>
+                  <a:rPr kumimoji="1" lang="zh-CN" altLang="en-US" sz="1200" b="1" dirty="0">
+                    <a:latin typeface="DengXian" panose="02010600030101010101" pitchFamily="2" charset="-122"/>
+                    <a:ea typeface="DengXian" panose="02010600030101010101" pitchFamily="2" charset="-122"/>
+                  </a:rPr>
+                  <a:t> </a:t>
+                </a:r>
+                <a:r>
+                  <a:rPr kumimoji="1" lang="en-US" altLang="zh-CN" sz="1200" dirty="0" err="1">
+                    <a:latin typeface="DengXian" panose="02010600030101010101" pitchFamily="2" charset="-122"/>
+                    <a:ea typeface="DengXian" panose="02010600030101010101" pitchFamily="2" charset="-122"/>
+                  </a:rPr>
+                  <a:t>gurantee</a:t>
+                </a:r>
+                <a:endParaRPr kumimoji="1" lang="en-US" altLang="zh-CN" sz="1200" dirty="0">
+                  <a:latin typeface="DengXian" panose="02010600030101010101" pitchFamily="2" charset="-122"/>
+                  <a:ea typeface="DengXian" panose="02010600030101010101" pitchFamily="2" charset="-122"/>
+                </a:endParaRPr>
+              </a:p>
+              <a:p>
+                <a:pPr algn="ctr"/>
+                <a:r>
+                  <a:rPr kumimoji="1" lang="en-US" altLang="zh-CN" sz="1200" b="1" dirty="0" err="1">
+                    <a:latin typeface="DengXian" panose="02010600030101010101" pitchFamily="2" charset="-122"/>
+                    <a:ea typeface="DengXian" panose="02010600030101010101" pitchFamily="2" charset="-122"/>
+                  </a:rPr>
+                  <a:t>gN</a:t>
+                </a:r>
+                <a:r>
+                  <a:rPr kumimoji="1" lang="en-US" altLang="zh-CN" sz="1200" dirty="0" err="1">
+                    <a:latin typeface="DengXian" panose="02010600030101010101" pitchFamily="2" charset="-122"/>
+                    <a:ea typeface="DengXian" panose="02010600030101010101" pitchFamily="2" charset="-122"/>
+                  </a:rPr>
+                  <a:t>.timestamp</a:t>
+                </a:r>
+                <a:r>
+                  <a:rPr kumimoji="1" lang="zh-CN" altLang="en-US" sz="1200" dirty="0">
+                    <a:latin typeface="DengXian" panose="02010600030101010101" pitchFamily="2" charset="-122"/>
+                    <a:ea typeface="DengXian" panose="02010600030101010101" pitchFamily="2" charset="-122"/>
+                  </a:rPr>
+                  <a:t> </a:t>
+                </a:r>
+                <a:r>
+                  <a:rPr kumimoji="1" lang="en-US" altLang="zh-CN" sz="1200" dirty="0">
+                    <a:latin typeface="DengXian" panose="02010600030101010101" pitchFamily="2" charset="-122"/>
+                    <a:ea typeface="DengXian" panose="02010600030101010101" pitchFamily="2" charset="-122"/>
+                  </a:rPr>
+                  <a:t>&gt;</a:t>
+                </a:r>
+                <a:r>
+                  <a:rPr kumimoji="1" lang="zh-CN" altLang="en-US" sz="1200" dirty="0">
+                    <a:latin typeface="DengXian" panose="02010600030101010101" pitchFamily="2" charset="-122"/>
+                    <a:ea typeface="DengXian" panose="02010600030101010101" pitchFamily="2" charset="-122"/>
+                  </a:rPr>
+                  <a:t> </a:t>
+                </a:r>
+                <a:r>
+                  <a:rPr kumimoji="1" lang="en-US" altLang="zh-CN" sz="1200" dirty="0">
+                    <a:latin typeface="DengXian" panose="02010600030101010101" pitchFamily="2" charset="-122"/>
+                    <a:ea typeface="DengXian" panose="02010600030101010101" pitchFamily="2" charset="-122"/>
+                  </a:rPr>
+                  <a:t>${</a:t>
+                </a:r>
+                <a:r>
+                  <a:rPr kumimoji="1" lang="en-US" altLang="zh-CN" sz="1200" dirty="0" err="1">
+                    <a:latin typeface="DengXian" panose="02010600030101010101" pitchFamily="2" charset="-122"/>
+                    <a:ea typeface="DengXian" panose="02010600030101010101" pitchFamily="2" charset="-122"/>
+                  </a:rPr>
+                  <a:t>start_time</a:t>
+                </a:r>
+                <a:r>
+                  <a:rPr kumimoji="1" lang="en-US" altLang="zh-CN" sz="1200" dirty="0">
+                    <a:latin typeface="DengXian" panose="02010600030101010101" pitchFamily="2" charset="-122"/>
+                    <a:ea typeface="DengXian" panose="02010600030101010101" pitchFamily="2" charset="-122"/>
+                  </a:rPr>
+                  <a:t>}</a:t>
+                </a:r>
+              </a:p>
+              <a:p>
+                <a:pPr algn="ctr"/>
+                <a:r>
+                  <a:rPr kumimoji="1" lang="en-US" altLang="zh-CN" sz="1200" b="1" dirty="0" err="1">
+                    <a:latin typeface="DengXian" panose="02010600030101010101" pitchFamily="2" charset="-122"/>
+                    <a:ea typeface="DengXian" panose="02010600030101010101" pitchFamily="2" charset="-122"/>
+                  </a:rPr>
+                  <a:t>gN</a:t>
+                </a:r>
+                <a:r>
+                  <a:rPr kumimoji="1" lang="en-US" altLang="zh-CN" sz="1200" dirty="0" err="1">
+                    <a:latin typeface="DengXian" panose="02010600030101010101" pitchFamily="2" charset="-122"/>
+                    <a:ea typeface="DengXian" panose="02010600030101010101" pitchFamily="2" charset="-122"/>
+                  </a:rPr>
+                  <a:t>.timestamp</a:t>
+                </a:r>
+                <a:r>
+                  <a:rPr kumimoji="1" lang="zh-CN" altLang="en-US" sz="1200" dirty="0">
+                    <a:latin typeface="DengXian" panose="02010600030101010101" pitchFamily="2" charset="-122"/>
+                    <a:ea typeface="DengXian" panose="02010600030101010101" pitchFamily="2" charset="-122"/>
+                  </a:rPr>
+                  <a:t> </a:t>
+                </a:r>
+                <a:r>
+                  <a:rPr kumimoji="1" lang="en-US" altLang="zh-CN" sz="1200" dirty="0">
+                    <a:latin typeface="DengXian" panose="02010600030101010101" pitchFamily="2" charset="-122"/>
+                    <a:ea typeface="DengXian" panose="02010600030101010101" pitchFamily="2" charset="-122"/>
+                  </a:rPr>
+                  <a:t>&lt;</a:t>
+                </a:r>
+                <a:r>
+                  <a:rPr kumimoji="1" lang="zh-CN" altLang="en-US" sz="1200" dirty="0">
+                    <a:latin typeface="DengXian" panose="02010600030101010101" pitchFamily="2" charset="-122"/>
+                    <a:ea typeface="DengXian" panose="02010600030101010101" pitchFamily="2" charset="-122"/>
+                  </a:rPr>
+                  <a:t> </a:t>
+                </a:r>
+                <a:r>
+                  <a:rPr kumimoji="1" lang="en-US" altLang="zh-CN" sz="1200" dirty="0">
+                    <a:latin typeface="DengXian" panose="02010600030101010101" pitchFamily="2" charset="-122"/>
+                    <a:ea typeface="DengXian" panose="02010600030101010101" pitchFamily="2" charset="-122"/>
+                  </a:rPr>
+                  <a:t>${</a:t>
+                </a:r>
+                <a:r>
+                  <a:rPr kumimoji="1" lang="en-US" altLang="zh-CN" sz="1200" dirty="0" err="1">
+                    <a:latin typeface="DengXian" panose="02010600030101010101" pitchFamily="2" charset="-122"/>
+                    <a:ea typeface="DengXian" panose="02010600030101010101" pitchFamily="2" charset="-122"/>
+                  </a:rPr>
+                  <a:t>end_time</a:t>
+                </a:r>
+                <a:r>
+                  <a:rPr kumimoji="1" lang="en-US" altLang="zh-CN" sz="1200" dirty="0">
+                    <a:latin typeface="DengXian" panose="02010600030101010101" pitchFamily="2" charset="-122"/>
+                    <a:ea typeface="DengXian" panose="02010600030101010101" pitchFamily="2" charset="-122"/>
+                  </a:rPr>
+                  <a:t>}</a:t>
+                </a:r>
+              </a:p>
+            </p:txBody>
+          </p:sp>
+        </p:grpSp>
+        <p:grpSp>
+          <p:nvGrpSpPr>
+            <p:cNvPr id="10" name="Group 9">
+              <a:extLst>
+                <a:ext uri="{FF2B5EF4-FFF2-40B4-BE49-F238E27FC236}">
+                  <a16:creationId xmlns:a16="http://schemas.microsoft.com/office/drawing/2014/main" id="{B0140843-39CF-4759-B35D-D639552AEFD9}"/>
+                </a:ext>
+              </a:extLst>
+            </p:cNvPr>
+            <p:cNvGrpSpPr/>
+            <p:nvPr/>
+          </p:nvGrpSpPr>
+          <p:grpSpPr>
+            <a:xfrm>
+              <a:off x="9223508" y="2292029"/>
+              <a:ext cx="2245814" cy="2233670"/>
+              <a:chOff x="9223508" y="3133319"/>
+              <a:chExt cx="2245814" cy="2233670"/>
+            </a:xfrm>
+          </p:grpSpPr>
+          <p:sp>
+            <p:nvSpPr>
+              <p:cNvPr id="113" name="Rectangle: Rounded Corners 4">
+                <a:extLst>
+                  <a:ext uri="{FF2B5EF4-FFF2-40B4-BE49-F238E27FC236}">
+                    <a16:creationId xmlns:a16="http://schemas.microsoft.com/office/drawing/2014/main" id="{D5C112EC-11AB-0B8B-A989-A2A7BCBC1D3D}"/>
+                  </a:ext>
+                </a:extLst>
+              </p:cNvPr>
+              <p:cNvSpPr/>
+              <p:nvPr/>
+            </p:nvSpPr>
+            <p:spPr>
+              <a:xfrm>
+                <a:off x="9223508" y="3133319"/>
+                <a:ext cx="2245814" cy="2233670"/>
+              </a:xfrm>
+              <a:prstGeom prst="roundRect">
+                <a:avLst/>
+              </a:prstGeom>
+              <a:noFill/>
+              <a:ln w="19050">
+                <a:solidFill>
+                  <a:schemeClr val="tx1">
+                    <a:alpha val="40000"/>
+                  </a:schemeClr>
+                </a:solidFill>
+                <a:prstDash val="sysDash"/>
+              </a:ln>
+            </p:spPr>
+            <p:style>
+              <a:lnRef idx="2">
+                <a:schemeClr val="accent1">
+                  <a:shade val="50000"/>
+                </a:schemeClr>
+              </a:lnRef>
+              <a:fillRef idx="1">
+                <a:schemeClr val="accent1"/>
+              </a:fillRef>
+              <a:effectRef idx="0">
+                <a:schemeClr val="accent1"/>
+              </a:effectRef>
+              <a:fontRef idx="minor">
+                <a:schemeClr val="lt1"/>
+              </a:fontRef>
+            </p:style>
+            <p:txBody>
+              <a:bodyPr rtlCol="0" anchor="ctr"/>
+              <a:lstStyle/>
+              <a:p>
+                <a:pPr algn="ctr" defTabSz="685800" fontAlgn="base">
+                  <a:spcBef>
+                    <a:spcPct val="0"/>
+                  </a:spcBef>
+                  <a:spcAft>
+                    <a:spcPct val="0"/>
+                  </a:spcAft>
+                  <a:defRPr/>
+                </a:pPr>
+                <a:endParaRPr lang="en-US" sz="900" dirty="0">
+                  <a:solidFill>
+                    <a:schemeClr val="tx1"/>
+                  </a:solidFill>
+                  <a:latin typeface="Alibaba PuHuiTi M" pitchFamily="18" charset="-122"/>
+                  <a:ea typeface="Alibaba PuHuiTi M" pitchFamily="18" charset="-122"/>
+                  <a:cs typeface="Alibaba PuHuiTi M" pitchFamily="18" charset="-122"/>
+                </a:endParaRPr>
+              </a:p>
+            </p:txBody>
+          </p:sp>
+          <p:sp>
+            <p:nvSpPr>
+              <p:cNvPr id="172" name="矩形 4">
+                <a:extLst>
+                  <a:ext uri="{FF2B5EF4-FFF2-40B4-BE49-F238E27FC236}">
+                    <a16:creationId xmlns:a16="http://schemas.microsoft.com/office/drawing/2014/main" id="{4FF4F16F-AC16-4518-7F18-8A07C1D4C078}"/>
+                  </a:ext>
+                </a:extLst>
+              </p:cNvPr>
+              <p:cNvSpPr/>
+              <p:nvPr/>
+            </p:nvSpPr>
+            <p:spPr>
+              <a:xfrm>
+                <a:off x="9533385" y="3344733"/>
+                <a:ext cx="1626061" cy="345530"/>
+              </a:xfrm>
+              <a:prstGeom prst="rect">
+                <a:avLst/>
+              </a:prstGeom>
+              <a:solidFill>
+                <a:srgbClr val="A9D18E"/>
+              </a:solidFill>
+              <a:ln w="25400">
+                <a:solidFill>
+                  <a:schemeClr val="tx1"/>
+                </a:solidFill>
+              </a:ln>
+            </p:spPr>
+            <p:style>
+              <a:lnRef idx="2">
+                <a:schemeClr val="accent2">
+                  <a:shade val="50000"/>
+                </a:schemeClr>
+              </a:lnRef>
+              <a:fillRef idx="1">
+                <a:schemeClr val="accent2"/>
+              </a:fillRef>
+              <a:effectRef idx="0">
+                <a:schemeClr val="accent2"/>
+              </a:effectRef>
+              <a:fontRef idx="minor">
+                <a:schemeClr val="lt1"/>
+              </a:fontRef>
+            </p:style>
+            <p:txBody>
+              <a:bodyPr rtlCol="0" anchor="ctr"/>
+              <a:lstStyle/>
+              <a:p>
+                <a:pPr algn="ctr"/>
+                <a:r>
+                  <a:rPr kumimoji="1" lang="en-US" altLang="zh-CN" sz="1100" b="1" dirty="0">
+                    <a:solidFill>
+                      <a:sysClr val="windowText" lastClr="000000"/>
+                    </a:solidFill>
+                  </a:rPr>
+                  <a:t>person:</a:t>
+                </a:r>
+                <a:r>
+                  <a:rPr kumimoji="1" lang="zh-CN" altLang="en-US" sz="1100" b="1" dirty="0">
+                    <a:solidFill>
+                      <a:sysClr val="windowText" lastClr="000000"/>
+                    </a:solidFill>
+                  </a:rPr>
+                  <a:t> </a:t>
+                </a:r>
+                <a:r>
+                  <a:rPr kumimoji="1" lang="en-US" altLang="zh-CN" sz="1100" dirty="0">
+                    <a:solidFill>
+                      <a:sysClr val="windowText" lastClr="000000"/>
+                    </a:solidFill>
+                  </a:rPr>
+                  <a:t>Person</a:t>
+                </a:r>
+                <a:endParaRPr kumimoji="1" lang="zh-CN" altLang="en-US" sz="1100" dirty="0">
+                  <a:solidFill>
+                    <a:sysClr val="windowText" lastClr="000000"/>
+                  </a:solidFill>
+                </a:endParaRPr>
+              </a:p>
+            </p:txBody>
+          </p:sp>
+          <p:sp>
+            <p:nvSpPr>
+              <p:cNvPr id="173" name="矩形 5">
+                <a:extLst>
+                  <a:ext uri="{FF2B5EF4-FFF2-40B4-BE49-F238E27FC236}">
+                    <a16:creationId xmlns:a16="http://schemas.microsoft.com/office/drawing/2014/main" id="{80BE7C78-B943-E9CA-6B8B-AD7C74D81B41}"/>
+                  </a:ext>
+                </a:extLst>
+              </p:cNvPr>
+              <p:cNvSpPr/>
+              <p:nvPr/>
+            </p:nvSpPr>
+            <p:spPr>
+              <a:xfrm>
+                <a:off x="9533385" y="3690263"/>
+                <a:ext cx="1626060" cy="463007"/>
+              </a:xfrm>
+              <a:prstGeom prst="rect">
+                <a:avLst/>
+              </a:prstGeom>
+              <a:noFill/>
+              <a:ln w="25400">
+                <a:solidFill>
+                  <a:schemeClr val="tx1"/>
+                </a:solidFill>
+              </a:ln>
+            </p:spPr>
+            <p:style>
+              <a:lnRef idx="2">
+                <a:schemeClr val="accent2">
+                  <a:shade val="50000"/>
+                </a:schemeClr>
+              </a:lnRef>
+              <a:fillRef idx="1">
+                <a:schemeClr val="accent2"/>
+              </a:fillRef>
+              <a:effectRef idx="0">
+                <a:schemeClr val="accent2"/>
+              </a:effectRef>
+              <a:fontRef idx="minor">
+                <a:schemeClr val="lt1"/>
+              </a:fontRef>
+            </p:style>
+            <p:txBody>
+              <a:bodyPr rtlCol="0" anchor="ctr"/>
+              <a:lstStyle/>
+              <a:p>
+                <a:pPr algn="ctr"/>
+                <a:r>
+                  <a:rPr kumimoji="1" lang="en-US" altLang="zh-CN" sz="1100" dirty="0" err="1">
+                    <a:solidFill>
+                      <a:sysClr val="windowText" lastClr="000000"/>
+                    </a:solidFill>
+                    <a:latin typeface="DengXian" panose="02010600030101010101" pitchFamily="2" charset="-122"/>
+                    <a:ea typeface="DengXian" panose="02010600030101010101" pitchFamily="2" charset="-122"/>
+                  </a:rPr>
+                  <a:t>person.id</a:t>
+                </a:r>
+                <a:r>
+                  <a:rPr kumimoji="1" lang="zh-CN" altLang="en-US" sz="1100" dirty="0">
+                    <a:solidFill>
+                      <a:sysClr val="windowText" lastClr="000000"/>
+                    </a:solidFill>
+                    <a:latin typeface="DengXian" panose="02010600030101010101" pitchFamily="2" charset="-122"/>
+                    <a:ea typeface="DengXian" panose="02010600030101010101" pitchFamily="2" charset="-122"/>
+                  </a:rPr>
+                  <a:t> </a:t>
+                </a:r>
+                <a:r>
+                  <a:rPr kumimoji="1" lang="en-US" altLang="zh-CN" sz="1100" dirty="0">
+                    <a:solidFill>
+                      <a:sysClr val="windowText" lastClr="000000"/>
+                    </a:solidFill>
+                    <a:latin typeface="DengXian" panose="02010600030101010101" pitchFamily="2" charset="-122"/>
+                    <a:ea typeface="DengXian" panose="02010600030101010101" pitchFamily="2" charset="-122"/>
+                  </a:rPr>
+                  <a:t>=</a:t>
+                </a:r>
+                <a:r>
+                  <a:rPr kumimoji="1" lang="zh-CN" altLang="en-US" sz="1100" dirty="0">
+                    <a:solidFill>
+                      <a:sysClr val="windowText" lastClr="000000"/>
+                    </a:solidFill>
+                    <a:latin typeface="DengXian" panose="02010600030101010101" pitchFamily="2" charset="-122"/>
+                    <a:ea typeface="DengXian" panose="02010600030101010101" pitchFamily="2" charset="-122"/>
+                  </a:rPr>
+                  <a:t> </a:t>
+                </a:r>
+                <a:r>
+                  <a:rPr kumimoji="1" lang="en-US" altLang="zh-CN" sz="1100" dirty="0">
+                    <a:solidFill>
+                      <a:sysClr val="windowText" lastClr="000000"/>
+                    </a:solidFill>
+                    <a:latin typeface="DengXian" panose="02010600030101010101" pitchFamily="2" charset="-122"/>
+                    <a:ea typeface="DengXian" panose="02010600030101010101" pitchFamily="2" charset="-122"/>
+                  </a:rPr>
+                  <a:t>${</a:t>
+                </a:r>
+                <a:r>
+                  <a:rPr kumimoji="1" lang="en-US" altLang="zh-CN" sz="1100" dirty="0" err="1">
+                    <a:solidFill>
+                      <a:sysClr val="windowText" lastClr="000000"/>
+                    </a:solidFill>
+                    <a:latin typeface="DengXian" panose="02010600030101010101" pitchFamily="2" charset="-122"/>
+                    <a:ea typeface="DengXian" panose="02010600030101010101" pitchFamily="2" charset="-122"/>
+                  </a:rPr>
+                  <a:t>srcId</a:t>
+                </a:r>
+                <a:r>
+                  <a:rPr kumimoji="1" lang="en-US" altLang="zh-CN" sz="1100" dirty="0">
+                    <a:solidFill>
+                      <a:sysClr val="windowText" lastClr="000000"/>
+                    </a:solidFill>
+                    <a:latin typeface="DengXian" panose="02010600030101010101" pitchFamily="2" charset="-122"/>
+                    <a:ea typeface="DengXian" panose="02010600030101010101" pitchFamily="2" charset="-122"/>
+                  </a:rPr>
+                  <a:t>}</a:t>
+                </a:r>
+              </a:p>
+              <a:p>
+                <a:pPr algn="ctr"/>
+                <a:r>
+                  <a:rPr kumimoji="1" lang="en-US" altLang="zh-CN" sz="1100" dirty="0" err="1">
+                    <a:solidFill>
+                      <a:sysClr val="windowText" lastClr="000000"/>
+                    </a:solidFill>
+                    <a:latin typeface="DengXian" panose="02010600030101010101" pitchFamily="2" charset="-122"/>
+                    <a:ea typeface="DengXian" panose="02010600030101010101" pitchFamily="2" charset="-122"/>
+                  </a:rPr>
+                  <a:t>isBlocked</a:t>
+                </a:r>
+                <a:r>
+                  <a:rPr kumimoji="1" lang="zh-CN" altLang="en-US" sz="1100" dirty="0">
+                    <a:solidFill>
+                      <a:sysClr val="windowText" lastClr="000000"/>
+                    </a:solidFill>
+                    <a:latin typeface="DengXian" panose="02010600030101010101" pitchFamily="2" charset="-122"/>
+                    <a:ea typeface="DengXian" panose="02010600030101010101" pitchFamily="2" charset="-122"/>
+                  </a:rPr>
+                  <a:t> </a:t>
+                </a:r>
+                <a:r>
+                  <a:rPr kumimoji="1" lang="en-US" altLang="zh-CN" sz="1100" dirty="0">
+                    <a:solidFill>
+                      <a:sysClr val="windowText" lastClr="000000"/>
+                    </a:solidFill>
+                    <a:latin typeface="DengXian" panose="02010600030101010101" pitchFamily="2" charset="-122"/>
+                    <a:ea typeface="DengXian" panose="02010600030101010101" pitchFamily="2" charset="-122"/>
+                  </a:rPr>
+                  <a:t>&lt;-</a:t>
+                </a:r>
+                <a:r>
+                  <a:rPr kumimoji="1" lang="zh-CN" altLang="en-US" sz="1100" dirty="0">
+                    <a:solidFill>
+                      <a:sysClr val="windowText" lastClr="000000"/>
+                    </a:solidFill>
+                    <a:latin typeface="DengXian" panose="02010600030101010101" pitchFamily="2" charset="-122"/>
+                    <a:ea typeface="DengXian" panose="02010600030101010101" pitchFamily="2" charset="-122"/>
+                  </a:rPr>
+                  <a:t> </a:t>
+                </a:r>
+                <a:r>
+                  <a:rPr kumimoji="1" lang="en-US" altLang="zh-CN" sz="1100" b="1" dirty="0">
+                    <a:solidFill>
+                      <a:sysClr val="windowText" lastClr="000000"/>
+                    </a:solidFill>
+                    <a:latin typeface="DengXian" panose="02010600030101010101" pitchFamily="2" charset="-122"/>
+                    <a:ea typeface="DengXian" panose="02010600030101010101" pitchFamily="2" charset="-122"/>
+                  </a:rPr>
+                  <a:t>True</a:t>
+                </a:r>
+              </a:p>
+            </p:txBody>
+          </p:sp>
+          <p:sp>
+            <p:nvSpPr>
+              <p:cNvPr id="177" name="矩形 4">
+                <a:extLst>
+                  <a:ext uri="{FF2B5EF4-FFF2-40B4-BE49-F238E27FC236}">
+                    <a16:creationId xmlns:a16="http://schemas.microsoft.com/office/drawing/2014/main" id="{3A81FCE7-279E-E6D3-1192-2CD59DC9C1FC}"/>
+                  </a:ext>
+                </a:extLst>
+              </p:cNvPr>
+              <p:cNvSpPr/>
+              <p:nvPr/>
+            </p:nvSpPr>
+            <p:spPr>
+              <a:xfrm>
+                <a:off x="9533385" y="4339233"/>
+                <a:ext cx="1626061" cy="345530"/>
+              </a:xfrm>
+              <a:prstGeom prst="rect">
+                <a:avLst/>
+              </a:prstGeom>
+              <a:solidFill>
+                <a:srgbClr val="A9D18E"/>
+              </a:solidFill>
+              <a:ln w="25400">
+                <a:solidFill>
+                  <a:schemeClr val="tx1"/>
+                </a:solidFill>
+              </a:ln>
+            </p:spPr>
+            <p:style>
+              <a:lnRef idx="2">
+                <a:schemeClr val="accent2">
+                  <a:shade val="50000"/>
+                </a:schemeClr>
+              </a:lnRef>
+              <a:fillRef idx="1">
+                <a:schemeClr val="accent2"/>
+              </a:fillRef>
+              <a:effectRef idx="0">
+                <a:schemeClr val="accent2"/>
+              </a:effectRef>
+              <a:fontRef idx="minor">
+                <a:schemeClr val="lt1"/>
+              </a:fontRef>
+            </p:style>
+            <p:txBody>
+              <a:bodyPr rtlCol="0" anchor="ctr"/>
+              <a:lstStyle/>
+              <a:p>
+                <a:pPr algn="ctr"/>
+                <a:r>
+                  <a:rPr kumimoji="1" lang="en-US" altLang="zh-CN" sz="1100" b="1" dirty="0">
+                    <a:solidFill>
+                      <a:sysClr val="windowText" lastClr="000000"/>
+                    </a:solidFill>
+                  </a:rPr>
+                  <a:t>person:</a:t>
+                </a:r>
+                <a:r>
+                  <a:rPr kumimoji="1" lang="zh-CN" altLang="en-US" sz="1100" b="1" dirty="0">
+                    <a:solidFill>
+                      <a:sysClr val="windowText" lastClr="000000"/>
+                    </a:solidFill>
+                  </a:rPr>
+                  <a:t> </a:t>
+                </a:r>
+                <a:r>
+                  <a:rPr kumimoji="1" lang="en-US" altLang="zh-CN" sz="1100" dirty="0">
+                    <a:solidFill>
+                      <a:sysClr val="windowText" lastClr="000000"/>
+                    </a:solidFill>
+                  </a:rPr>
+                  <a:t>Person</a:t>
+                </a:r>
+                <a:endParaRPr kumimoji="1" lang="zh-CN" altLang="en-US" sz="1100" dirty="0">
+                  <a:solidFill>
+                    <a:sysClr val="windowText" lastClr="000000"/>
+                  </a:solidFill>
+                </a:endParaRPr>
+              </a:p>
+            </p:txBody>
+          </p:sp>
+          <p:sp>
+            <p:nvSpPr>
+              <p:cNvPr id="178" name="矩形 5">
+                <a:extLst>
+                  <a:ext uri="{FF2B5EF4-FFF2-40B4-BE49-F238E27FC236}">
+                    <a16:creationId xmlns:a16="http://schemas.microsoft.com/office/drawing/2014/main" id="{265563E3-24C0-858C-5365-2E9B99EB4DAB}"/>
+                  </a:ext>
+                </a:extLst>
+              </p:cNvPr>
+              <p:cNvSpPr/>
+              <p:nvPr/>
+            </p:nvSpPr>
+            <p:spPr>
+              <a:xfrm>
+                <a:off x="9533385" y="4684763"/>
+                <a:ext cx="1626060" cy="463007"/>
+              </a:xfrm>
+              <a:prstGeom prst="rect">
+                <a:avLst/>
+              </a:prstGeom>
+              <a:noFill/>
+              <a:ln w="25400">
+                <a:solidFill>
+                  <a:schemeClr val="tx1"/>
+                </a:solidFill>
+              </a:ln>
+            </p:spPr>
+            <p:style>
+              <a:lnRef idx="2">
+                <a:schemeClr val="accent2">
+                  <a:shade val="50000"/>
+                </a:schemeClr>
+              </a:lnRef>
+              <a:fillRef idx="1">
+                <a:schemeClr val="accent2"/>
+              </a:fillRef>
+              <a:effectRef idx="0">
+                <a:schemeClr val="accent2"/>
+              </a:effectRef>
+              <a:fontRef idx="minor">
+                <a:schemeClr val="lt1"/>
+              </a:fontRef>
+            </p:style>
+            <p:txBody>
+              <a:bodyPr rtlCol="0" anchor="ctr"/>
+              <a:lstStyle/>
+              <a:p>
+                <a:pPr algn="ctr"/>
+                <a:r>
+                  <a:rPr kumimoji="1" lang="en-US" altLang="zh-CN" sz="1100" dirty="0" err="1">
+                    <a:solidFill>
+                      <a:sysClr val="windowText" lastClr="000000"/>
+                    </a:solidFill>
+                    <a:latin typeface="DengXian" panose="02010600030101010101" pitchFamily="2" charset="-122"/>
+                    <a:ea typeface="DengXian" panose="02010600030101010101" pitchFamily="2" charset="-122"/>
+                  </a:rPr>
+                  <a:t>person.id</a:t>
+                </a:r>
+                <a:r>
+                  <a:rPr kumimoji="1" lang="zh-CN" altLang="en-US" sz="1100" dirty="0">
+                    <a:solidFill>
+                      <a:sysClr val="windowText" lastClr="000000"/>
+                    </a:solidFill>
+                    <a:latin typeface="DengXian" panose="02010600030101010101" pitchFamily="2" charset="-122"/>
+                    <a:ea typeface="DengXian" panose="02010600030101010101" pitchFamily="2" charset="-122"/>
+                  </a:rPr>
+                  <a:t> </a:t>
+                </a:r>
+                <a:r>
+                  <a:rPr kumimoji="1" lang="en-US" altLang="zh-CN" sz="1100" dirty="0">
+                    <a:solidFill>
+                      <a:sysClr val="windowText" lastClr="000000"/>
+                    </a:solidFill>
+                    <a:latin typeface="DengXian" panose="02010600030101010101" pitchFamily="2" charset="-122"/>
+                    <a:ea typeface="DengXian" panose="02010600030101010101" pitchFamily="2" charset="-122"/>
+                  </a:rPr>
+                  <a:t>=</a:t>
+                </a:r>
+                <a:r>
+                  <a:rPr kumimoji="1" lang="zh-CN" altLang="en-US" sz="1100" dirty="0">
+                    <a:solidFill>
+                      <a:sysClr val="windowText" lastClr="000000"/>
+                    </a:solidFill>
+                    <a:latin typeface="DengXian" panose="02010600030101010101" pitchFamily="2" charset="-122"/>
+                    <a:ea typeface="DengXian" panose="02010600030101010101" pitchFamily="2" charset="-122"/>
+                  </a:rPr>
+                  <a:t> </a:t>
+                </a:r>
+                <a:r>
+                  <a:rPr kumimoji="1" lang="en-US" altLang="zh-CN" sz="1100" dirty="0">
+                    <a:solidFill>
+                      <a:sysClr val="windowText" lastClr="000000"/>
+                    </a:solidFill>
+                    <a:latin typeface="DengXian" panose="02010600030101010101" pitchFamily="2" charset="-122"/>
+                    <a:ea typeface="DengXian" panose="02010600030101010101" pitchFamily="2" charset="-122"/>
+                  </a:rPr>
+                  <a:t>${</a:t>
+                </a:r>
+                <a:r>
+                  <a:rPr kumimoji="1" lang="en-US" altLang="zh-CN" sz="1100" dirty="0" err="1">
+                    <a:solidFill>
+                      <a:sysClr val="windowText" lastClr="000000"/>
+                    </a:solidFill>
+                    <a:latin typeface="DengXian" panose="02010600030101010101" pitchFamily="2" charset="-122"/>
+                    <a:ea typeface="DengXian" panose="02010600030101010101" pitchFamily="2" charset="-122"/>
+                  </a:rPr>
+                  <a:t>dstId</a:t>
+                </a:r>
+                <a:r>
+                  <a:rPr kumimoji="1" lang="en-US" altLang="zh-CN" sz="1100" dirty="0">
+                    <a:solidFill>
+                      <a:sysClr val="windowText" lastClr="000000"/>
+                    </a:solidFill>
+                    <a:latin typeface="DengXian" panose="02010600030101010101" pitchFamily="2" charset="-122"/>
+                    <a:ea typeface="DengXian" panose="02010600030101010101" pitchFamily="2" charset="-122"/>
+                  </a:rPr>
+                  <a:t>}</a:t>
+                </a:r>
+              </a:p>
+              <a:p>
+                <a:pPr algn="ctr"/>
+                <a:r>
+                  <a:rPr kumimoji="1" lang="en-US" altLang="zh-CN" sz="1100" dirty="0" err="1">
+                    <a:solidFill>
+                      <a:sysClr val="windowText" lastClr="000000"/>
+                    </a:solidFill>
+                    <a:latin typeface="DengXian" panose="02010600030101010101" pitchFamily="2" charset="-122"/>
+                    <a:ea typeface="DengXian" panose="02010600030101010101" pitchFamily="2" charset="-122"/>
+                  </a:rPr>
+                  <a:t>isBlocked</a:t>
+                </a:r>
+                <a:r>
+                  <a:rPr kumimoji="1" lang="zh-CN" altLang="en-US" sz="1100" dirty="0">
+                    <a:solidFill>
+                      <a:sysClr val="windowText" lastClr="000000"/>
+                    </a:solidFill>
+                    <a:latin typeface="DengXian" panose="02010600030101010101" pitchFamily="2" charset="-122"/>
+                    <a:ea typeface="DengXian" panose="02010600030101010101" pitchFamily="2" charset="-122"/>
+                  </a:rPr>
+                  <a:t> </a:t>
+                </a:r>
+                <a:r>
+                  <a:rPr kumimoji="1" lang="en-US" altLang="zh-CN" sz="1100" dirty="0">
+                    <a:solidFill>
+                      <a:sysClr val="windowText" lastClr="000000"/>
+                    </a:solidFill>
+                    <a:latin typeface="DengXian" panose="02010600030101010101" pitchFamily="2" charset="-122"/>
+                    <a:ea typeface="DengXian" panose="02010600030101010101" pitchFamily="2" charset="-122"/>
+                  </a:rPr>
+                  <a:t>&lt;-</a:t>
+                </a:r>
+                <a:r>
+                  <a:rPr kumimoji="1" lang="zh-CN" altLang="en-US" sz="1100" dirty="0">
+                    <a:solidFill>
+                      <a:sysClr val="windowText" lastClr="000000"/>
+                    </a:solidFill>
+                    <a:latin typeface="DengXian" panose="02010600030101010101" pitchFamily="2" charset="-122"/>
+                    <a:ea typeface="DengXian" panose="02010600030101010101" pitchFamily="2" charset="-122"/>
+                  </a:rPr>
+                  <a:t> </a:t>
+                </a:r>
+                <a:r>
+                  <a:rPr kumimoji="1" lang="en-US" altLang="zh-CN" sz="1100" b="1" dirty="0">
+                    <a:solidFill>
+                      <a:sysClr val="windowText" lastClr="000000"/>
+                    </a:solidFill>
+                    <a:latin typeface="DengXian" panose="02010600030101010101" pitchFamily="2" charset="-122"/>
+                    <a:ea typeface="DengXian" panose="02010600030101010101" pitchFamily="2" charset="-122"/>
+                  </a:rPr>
+                  <a:t>True</a:t>
+                </a:r>
+              </a:p>
+            </p:txBody>
+          </p:sp>
+        </p:grpSp>
+        <p:sp>
+          <p:nvSpPr>
+            <p:cNvPr id="4" name="矩形 3">
+              <a:extLst>
+                <a:ext uri="{FF2B5EF4-FFF2-40B4-BE49-F238E27FC236}">
+                  <a16:creationId xmlns:a16="http://schemas.microsoft.com/office/drawing/2014/main" id="{2C500CC8-98D8-350E-DB12-AEB2CEB412A0}"/>
+                </a:ext>
+              </a:extLst>
+            </p:cNvPr>
+            <p:cNvSpPr/>
+            <p:nvPr/>
+          </p:nvSpPr>
+          <p:spPr>
+            <a:xfrm>
+              <a:off x="6712815" y="745932"/>
+              <a:ext cx="770368" cy="363866"/>
+            </a:xfrm>
+            <a:prstGeom prst="rect">
+              <a:avLst/>
+            </a:prstGeom>
+            <a:noFill/>
             <a:ln w="25400">
-              <a:solidFill>
-                <a:schemeClr val="tx1"/>
-              </a:solidFill>
+              <a:noFill/>
             </a:ln>
           </p:spPr>
           <p:style>
@@ -17624,43 +18153,31 @@
             <a:p>
               <a:pPr algn="ctr"/>
               <a:r>
-                <a:rPr kumimoji="1" lang="en-US" altLang="zh-CN" sz="1100" b="1" dirty="0">
+                <a:rPr kumimoji="1" lang="en-US" altLang="zh-CN" sz="1200" dirty="0">
                   <a:solidFill>
                     <a:sysClr val="windowText" lastClr="000000"/>
                   </a:solidFill>
+                  <a:latin typeface="DengXian" panose="02010600030101010101" pitchFamily="2" charset="-122"/>
+                  <a:ea typeface="DengXian" panose="02010600030101010101" pitchFamily="2" charset="-122"/>
                 </a:rPr>
-                <a:t>person:</a:t>
+                <a:t>Blocked</a:t>
               </a:r>
-              <a:r>
-                <a:rPr kumimoji="1" lang="zh-CN" altLang="en-US" sz="1100" b="1" dirty="0">
-                  <a:solidFill>
-                    <a:sysClr val="windowText" lastClr="000000"/>
-                  </a:solidFill>
-                </a:rPr>
-                <a:t> </a:t>
-              </a:r>
-              <a:r>
-                <a:rPr kumimoji="1" lang="en-US" altLang="zh-CN" sz="1100" dirty="0">
-                  <a:solidFill>
-                    <a:sysClr val="windowText" lastClr="000000"/>
-                  </a:solidFill>
-                </a:rPr>
-                <a:t>Person</a:t>
-              </a:r>
-              <a:endParaRPr kumimoji="1" lang="zh-CN" altLang="en-US" sz="1100" dirty="0">
+              <a:endParaRPr kumimoji="1" lang="zh-CN" altLang="en-US" sz="1200" dirty="0">
                 <a:solidFill>
                   <a:sysClr val="windowText" lastClr="000000"/>
                 </a:solidFill>
+                <a:latin typeface="DengXian" panose="02010600030101010101" pitchFamily="2" charset="-122"/>
+                <a:ea typeface="DengXian" panose="02010600030101010101" pitchFamily="2" charset="-122"/>
               </a:endParaRPr>
             </a:p>
           </p:txBody>
         </p:sp>
         <p:sp>
           <p:nvSpPr>
-            <p:cNvPr id="173" name="矩形 5">
+            <p:cNvPr id="6" name="矩形 3">
               <a:extLst>
                 <a:ext uri="{FF2B5EF4-FFF2-40B4-BE49-F238E27FC236}">
-                  <a16:creationId xmlns:a16="http://schemas.microsoft.com/office/drawing/2014/main" id="{80BE7C78-B943-E9CA-6B8B-AD7C74D81B41}"/>
+                  <a16:creationId xmlns:a16="http://schemas.microsoft.com/office/drawing/2014/main" id="{B53455A4-18F6-692B-4DA2-B37D7393F1C5}"/>
                 </a:ext>
               </a:extLst>
             </p:cNvPr>
@@ -17669,17 +18186,15 @@
           </p:nvSpPr>
           <p:spPr>
             <a:xfrm>
-              <a:off x="9533385" y="3690263"/>
-              <a:ext cx="1626060" cy="463007"/>
+              <a:off x="3768568" y="5896079"/>
+              <a:ext cx="1133827" cy="363866"/>
             </a:xfrm>
             <a:prstGeom prst="rect">
               <a:avLst/>
             </a:prstGeom>
             <a:noFill/>
             <a:ln w="25400">
-              <a:solidFill>
-                <a:schemeClr val="tx1"/>
-              </a:solidFill>
+              <a:noFill/>
             </a:ln>
           </p:spPr>
           <p:style>
@@ -17704,17 +18219,17 @@
             <a:p>
               <a:pPr algn="ctr"/>
               <a:r>
-                <a:rPr kumimoji="1" lang="en-US" altLang="zh-CN" sz="1100" dirty="0" err="1">
+                <a:rPr kumimoji="1" lang="en-US" altLang="zh-CN" sz="1200" dirty="0">
                   <a:solidFill>
                     <a:sysClr val="windowText" lastClr="000000"/>
                   </a:solidFill>
                   <a:latin typeface="DengXian" panose="02010600030101010101" pitchFamily="2" charset="-122"/>
                   <a:ea typeface="DengXian" panose="02010600030101010101" pitchFamily="2" charset="-122"/>
                 </a:rPr>
-                <a:t>person.id</a:t>
+                <a:t>Not</a:t>
               </a:r>
               <a:r>
-                <a:rPr kumimoji="1" lang="zh-CN" altLang="en-US" sz="1100" dirty="0">
+                <a:rPr kumimoji="1" lang="zh-CN" altLang="en-US" sz="1200" dirty="0">
                   <a:solidFill>
                     <a:sysClr val="windowText" lastClr="000000"/>
                   </a:solidFill>
@@ -17724,117 +18239,31 @@
                 <a:t> </a:t>
               </a:r>
               <a:r>
-                <a:rPr kumimoji="1" lang="en-US" altLang="zh-CN" sz="1100" dirty="0">
+                <a:rPr kumimoji="1" lang="en-US" altLang="zh-CN" sz="1200" dirty="0">
                   <a:solidFill>
                     <a:sysClr val="windowText" lastClr="000000"/>
                   </a:solidFill>
                   <a:latin typeface="DengXian" panose="02010600030101010101" pitchFamily="2" charset="-122"/>
                   <a:ea typeface="DengXian" panose="02010600030101010101" pitchFamily="2" charset="-122"/>
                 </a:rPr>
-                <a:t>=</a:t>
+                <a:t>detected</a:t>
               </a:r>
-              <a:r>
-                <a:rPr kumimoji="1" lang="zh-CN" altLang="en-US" sz="1100" dirty="0">
-                  <a:solidFill>
-                    <a:sysClr val="windowText" lastClr="000000"/>
-                  </a:solidFill>
-                  <a:latin typeface="DengXian" panose="02010600030101010101" pitchFamily="2" charset="-122"/>
-                  <a:ea typeface="DengXian" panose="02010600030101010101" pitchFamily="2" charset="-122"/>
-                </a:rPr>
-                <a:t> </a:t>
-              </a:r>
-              <a:r>
-                <a:rPr kumimoji="1" lang="en-US" altLang="zh-CN" sz="1100" dirty="0">
-                  <a:solidFill>
-                    <a:sysClr val="windowText" lastClr="000000"/>
-                  </a:solidFill>
-                  <a:latin typeface="DengXian" panose="02010600030101010101" pitchFamily="2" charset="-122"/>
-                  <a:ea typeface="DengXian" panose="02010600030101010101" pitchFamily="2" charset="-122"/>
-                </a:rPr>
-                <a:t>${</a:t>
-              </a:r>
-              <a:r>
-                <a:rPr kumimoji="1" lang="en-US" altLang="zh-CN" sz="1100" dirty="0" err="1">
-                  <a:solidFill>
-                    <a:sysClr val="windowText" lastClr="000000"/>
-                  </a:solidFill>
-                  <a:latin typeface="DengXian" panose="02010600030101010101" pitchFamily="2" charset="-122"/>
-                  <a:ea typeface="DengXian" panose="02010600030101010101" pitchFamily="2" charset="-122"/>
-                </a:rPr>
-                <a:t>srcId</a:t>
-              </a:r>
-              <a:r>
-                <a:rPr kumimoji="1" lang="en-US" altLang="zh-CN" sz="1100" dirty="0">
-                  <a:solidFill>
-                    <a:sysClr val="windowText" lastClr="000000"/>
-                  </a:solidFill>
-                  <a:latin typeface="DengXian" panose="02010600030101010101" pitchFamily="2" charset="-122"/>
-                  <a:ea typeface="DengXian" panose="02010600030101010101" pitchFamily="2" charset="-122"/>
-                </a:rPr>
-                <a:t>}</a:t>
-              </a:r>
-            </a:p>
-            <a:p>
-              <a:pPr algn="ctr"/>
-              <a:r>
-                <a:rPr kumimoji="1" lang="en-US" altLang="zh-CN" sz="1100" dirty="0" err="1">
-                  <a:solidFill>
-                    <a:sysClr val="windowText" lastClr="000000"/>
-                  </a:solidFill>
-                  <a:latin typeface="DengXian" panose="02010600030101010101" pitchFamily="2" charset="-122"/>
-                  <a:ea typeface="DengXian" panose="02010600030101010101" pitchFamily="2" charset="-122"/>
-                </a:rPr>
-                <a:t>isBlocked</a:t>
-              </a:r>
-              <a:r>
-                <a:rPr kumimoji="1" lang="zh-CN" altLang="en-US" sz="1100" dirty="0">
-                  <a:solidFill>
-                    <a:sysClr val="windowText" lastClr="000000"/>
-                  </a:solidFill>
-                  <a:latin typeface="DengXian" panose="02010600030101010101" pitchFamily="2" charset="-122"/>
-                  <a:ea typeface="DengXian" panose="02010600030101010101" pitchFamily="2" charset="-122"/>
-                </a:rPr>
-                <a:t> </a:t>
-              </a:r>
-              <a:r>
-                <a:rPr kumimoji="1" lang="en-US" altLang="zh-CN" sz="1100" dirty="0">
-                  <a:solidFill>
-                    <a:sysClr val="windowText" lastClr="000000"/>
-                  </a:solidFill>
-                  <a:latin typeface="DengXian" panose="02010600030101010101" pitchFamily="2" charset="-122"/>
-                  <a:ea typeface="DengXian" panose="02010600030101010101" pitchFamily="2" charset="-122"/>
-                </a:rPr>
-                <a:t>&lt;-</a:t>
-              </a:r>
-              <a:r>
-                <a:rPr kumimoji="1" lang="zh-CN" altLang="en-US" sz="1100" dirty="0">
-                  <a:solidFill>
-                    <a:sysClr val="windowText" lastClr="000000"/>
-                  </a:solidFill>
-                  <a:latin typeface="DengXian" panose="02010600030101010101" pitchFamily="2" charset="-122"/>
-                  <a:ea typeface="DengXian" panose="02010600030101010101" pitchFamily="2" charset="-122"/>
-                </a:rPr>
-                <a:t> </a:t>
-              </a:r>
-              <a:r>
-                <a:rPr kumimoji="1" lang="en-US" altLang="zh-CN" sz="1100" b="1" dirty="0">
-                  <a:solidFill>
-                    <a:sysClr val="windowText" lastClr="000000"/>
-                  </a:solidFill>
-                  <a:latin typeface="DengXian" panose="02010600030101010101" pitchFamily="2" charset="-122"/>
-                  <a:ea typeface="DengXian" panose="02010600030101010101" pitchFamily="2" charset="-122"/>
-                </a:rPr>
-                <a:t>True</a:t>
-              </a:r>
+              <a:endParaRPr kumimoji="1" lang="zh-CN" altLang="en-US" sz="1200" dirty="0">
+                <a:solidFill>
+                  <a:sysClr val="windowText" lastClr="000000"/>
+                </a:solidFill>
+                <a:latin typeface="DengXian" panose="02010600030101010101" pitchFamily="2" charset="-122"/>
+                <a:ea typeface="DengXian" panose="02010600030101010101" pitchFamily="2" charset="-122"/>
+              </a:endParaRPr>
             </a:p>
           </p:txBody>
         </p:sp>
         <p:sp>
           <p:nvSpPr>
-            <p:cNvPr id="177" name="矩形 4">
+            <p:cNvPr id="8" name="矩形 3">
               <a:extLst>
                 <a:ext uri="{FF2B5EF4-FFF2-40B4-BE49-F238E27FC236}">
-                  <a16:creationId xmlns:a16="http://schemas.microsoft.com/office/drawing/2014/main" id="{3A81FCE7-279E-E6D3-1192-2CD59DC9C1FC}"/>
+                  <a16:creationId xmlns:a16="http://schemas.microsoft.com/office/drawing/2014/main" id="{169D944E-261D-8E2B-50E1-110102F6FFE9}"/>
                 </a:ext>
               </a:extLst>
             </p:cNvPr>
@@ -17843,19 +18272,15 @@
           </p:nvSpPr>
           <p:spPr>
             <a:xfrm>
-              <a:off x="9533385" y="4339233"/>
-              <a:ext cx="1626061" cy="345530"/>
+              <a:off x="6670416" y="4067070"/>
+              <a:ext cx="867132" cy="363866"/>
             </a:xfrm>
             <a:prstGeom prst="rect">
               <a:avLst/>
             </a:prstGeom>
-            <a:solidFill>
-              <a:srgbClr val="A9D18E"/>
-            </a:solidFill>
+            <a:noFill/>
             <a:ln w="25400">
-              <a:solidFill>
-                <a:schemeClr val="tx1"/>
-              </a:solidFill>
+              <a:noFill/>
             </a:ln>
           </p:spPr>
           <p:style>
@@ -17880,430 +18305,26 @@
             <a:p>
               <a:pPr algn="ctr"/>
               <a:r>
-                <a:rPr kumimoji="1" lang="en-US" altLang="zh-CN" sz="1100" b="1" dirty="0">
-                  <a:solidFill>
-                    <a:sysClr val="windowText" lastClr="000000"/>
-                  </a:solidFill>
-                </a:rPr>
-                <a:t>person:</a:t>
-              </a:r>
-              <a:r>
-                <a:rPr kumimoji="1" lang="zh-CN" altLang="en-US" sz="1100" b="1" dirty="0">
-                  <a:solidFill>
-                    <a:sysClr val="windowText" lastClr="000000"/>
-                  </a:solidFill>
-                </a:rPr>
-                <a:t> </a:t>
-              </a:r>
-              <a:r>
-                <a:rPr kumimoji="1" lang="en-US" altLang="zh-CN" sz="1100" dirty="0">
-                  <a:solidFill>
-                    <a:sysClr val="windowText" lastClr="000000"/>
-                  </a:solidFill>
-                </a:rPr>
-                <a:t>Person</a:t>
-              </a:r>
-              <a:endParaRPr kumimoji="1" lang="zh-CN" altLang="en-US" sz="1100" dirty="0">
-                <a:solidFill>
-                  <a:sysClr val="windowText" lastClr="000000"/>
-                </a:solidFill>
-              </a:endParaRPr>
-            </a:p>
-          </p:txBody>
-        </p:sp>
-        <p:sp>
-          <p:nvSpPr>
-            <p:cNvPr id="178" name="矩形 5">
-              <a:extLst>
-                <a:ext uri="{FF2B5EF4-FFF2-40B4-BE49-F238E27FC236}">
-                  <a16:creationId xmlns:a16="http://schemas.microsoft.com/office/drawing/2014/main" id="{265563E3-24C0-858C-5365-2E9B99EB4DAB}"/>
-                </a:ext>
-              </a:extLst>
-            </p:cNvPr>
-            <p:cNvSpPr/>
-            <p:nvPr/>
-          </p:nvSpPr>
-          <p:spPr>
-            <a:xfrm>
-              <a:off x="9533385" y="4684763"/>
-              <a:ext cx="1626060" cy="463007"/>
-            </a:xfrm>
-            <a:prstGeom prst="rect">
-              <a:avLst/>
-            </a:prstGeom>
-            <a:noFill/>
-            <a:ln w="25400">
-              <a:solidFill>
-                <a:schemeClr val="tx1"/>
-              </a:solidFill>
-            </a:ln>
-          </p:spPr>
-          <p:style>
-            <a:lnRef idx="2">
-              <a:schemeClr val="accent2">
-                <a:shade val="50000"/>
-              </a:schemeClr>
-            </a:lnRef>
-            <a:fillRef idx="1">
-              <a:schemeClr val="accent2"/>
-            </a:fillRef>
-            <a:effectRef idx="0">
-              <a:schemeClr val="accent2"/>
-            </a:effectRef>
-            <a:fontRef idx="minor">
-              <a:schemeClr val="lt1"/>
-            </a:fontRef>
-          </p:style>
-          <p:txBody>
-            <a:bodyPr rtlCol="0" anchor="ctr"/>
-            <a:lstStyle/>
-            <a:p>
-              <a:pPr algn="ctr"/>
-              <a:r>
-                <a:rPr kumimoji="1" lang="en-US" altLang="zh-CN" sz="1100" dirty="0" err="1">
+                <a:rPr kumimoji="1" lang="en-US" altLang="zh-CN" sz="1200" dirty="0">
                   <a:solidFill>
                     <a:sysClr val="windowText" lastClr="000000"/>
                   </a:solidFill>
                   <a:latin typeface="DengXian" panose="02010600030101010101" pitchFamily="2" charset="-122"/>
                   <a:ea typeface="DengXian" panose="02010600030101010101" pitchFamily="2" charset="-122"/>
                 </a:rPr>
-                <a:t>person.id</a:t>
+                <a:t>Detected</a:t>
               </a:r>
-              <a:r>
-                <a:rPr kumimoji="1" lang="zh-CN" altLang="en-US" sz="1100" dirty="0">
-                  <a:solidFill>
-                    <a:sysClr val="windowText" lastClr="000000"/>
-                  </a:solidFill>
-                  <a:latin typeface="DengXian" panose="02010600030101010101" pitchFamily="2" charset="-122"/>
-                  <a:ea typeface="DengXian" panose="02010600030101010101" pitchFamily="2" charset="-122"/>
-                </a:rPr>
-                <a:t> </a:t>
-              </a:r>
-              <a:r>
-                <a:rPr kumimoji="1" lang="en-US" altLang="zh-CN" sz="1100" dirty="0">
-                  <a:solidFill>
-                    <a:sysClr val="windowText" lastClr="000000"/>
-                  </a:solidFill>
-                  <a:latin typeface="DengXian" panose="02010600030101010101" pitchFamily="2" charset="-122"/>
-                  <a:ea typeface="DengXian" panose="02010600030101010101" pitchFamily="2" charset="-122"/>
-                </a:rPr>
-                <a:t>=</a:t>
-              </a:r>
-              <a:r>
-                <a:rPr kumimoji="1" lang="zh-CN" altLang="en-US" sz="1100" dirty="0">
-                  <a:solidFill>
-                    <a:sysClr val="windowText" lastClr="000000"/>
-                  </a:solidFill>
-                  <a:latin typeface="DengXian" panose="02010600030101010101" pitchFamily="2" charset="-122"/>
-                  <a:ea typeface="DengXian" panose="02010600030101010101" pitchFamily="2" charset="-122"/>
-                </a:rPr>
-                <a:t> </a:t>
-              </a:r>
-              <a:r>
-                <a:rPr kumimoji="1" lang="en-US" altLang="zh-CN" sz="1100" dirty="0">
-                  <a:solidFill>
-                    <a:sysClr val="windowText" lastClr="000000"/>
-                  </a:solidFill>
-                  <a:latin typeface="DengXian" panose="02010600030101010101" pitchFamily="2" charset="-122"/>
-                  <a:ea typeface="DengXian" panose="02010600030101010101" pitchFamily="2" charset="-122"/>
-                </a:rPr>
-                <a:t>${</a:t>
-              </a:r>
-              <a:r>
-                <a:rPr kumimoji="1" lang="en-US" altLang="zh-CN" sz="1100" dirty="0" err="1">
-                  <a:solidFill>
-                    <a:sysClr val="windowText" lastClr="000000"/>
-                  </a:solidFill>
-                  <a:latin typeface="DengXian" panose="02010600030101010101" pitchFamily="2" charset="-122"/>
-                  <a:ea typeface="DengXian" panose="02010600030101010101" pitchFamily="2" charset="-122"/>
-                </a:rPr>
-                <a:t>dstId</a:t>
-              </a:r>
-              <a:r>
-                <a:rPr kumimoji="1" lang="en-US" altLang="zh-CN" sz="1100" dirty="0">
-                  <a:solidFill>
-                    <a:sysClr val="windowText" lastClr="000000"/>
-                  </a:solidFill>
-                  <a:latin typeface="DengXian" panose="02010600030101010101" pitchFamily="2" charset="-122"/>
-                  <a:ea typeface="DengXian" panose="02010600030101010101" pitchFamily="2" charset="-122"/>
-                </a:rPr>
-                <a:t>}</a:t>
-              </a:r>
-            </a:p>
-            <a:p>
-              <a:pPr algn="ctr"/>
-              <a:r>
-                <a:rPr kumimoji="1" lang="en-US" altLang="zh-CN" sz="1100" dirty="0" err="1">
-                  <a:solidFill>
-                    <a:sysClr val="windowText" lastClr="000000"/>
-                  </a:solidFill>
-                  <a:latin typeface="DengXian" panose="02010600030101010101" pitchFamily="2" charset="-122"/>
-                  <a:ea typeface="DengXian" panose="02010600030101010101" pitchFamily="2" charset="-122"/>
-                </a:rPr>
-                <a:t>isBlocked</a:t>
-              </a:r>
-              <a:r>
-                <a:rPr kumimoji="1" lang="zh-CN" altLang="en-US" sz="1100" dirty="0">
-                  <a:solidFill>
-                    <a:sysClr val="windowText" lastClr="000000"/>
-                  </a:solidFill>
-                  <a:latin typeface="DengXian" panose="02010600030101010101" pitchFamily="2" charset="-122"/>
-                  <a:ea typeface="DengXian" panose="02010600030101010101" pitchFamily="2" charset="-122"/>
-                </a:rPr>
-                <a:t> </a:t>
-              </a:r>
-              <a:r>
-                <a:rPr kumimoji="1" lang="en-US" altLang="zh-CN" sz="1100" dirty="0">
-                  <a:solidFill>
-                    <a:sysClr val="windowText" lastClr="000000"/>
-                  </a:solidFill>
-                  <a:latin typeface="DengXian" panose="02010600030101010101" pitchFamily="2" charset="-122"/>
-                  <a:ea typeface="DengXian" panose="02010600030101010101" pitchFamily="2" charset="-122"/>
-                </a:rPr>
-                <a:t>&lt;-</a:t>
-              </a:r>
-              <a:r>
-                <a:rPr kumimoji="1" lang="zh-CN" altLang="en-US" sz="1100" dirty="0">
-                  <a:solidFill>
-                    <a:sysClr val="windowText" lastClr="000000"/>
-                  </a:solidFill>
-                  <a:latin typeface="DengXian" panose="02010600030101010101" pitchFamily="2" charset="-122"/>
-                  <a:ea typeface="DengXian" panose="02010600030101010101" pitchFamily="2" charset="-122"/>
-                </a:rPr>
-                <a:t> </a:t>
-              </a:r>
-              <a:r>
-                <a:rPr kumimoji="1" lang="en-US" altLang="zh-CN" sz="1100" b="1" dirty="0">
-                  <a:solidFill>
-                    <a:sysClr val="windowText" lastClr="000000"/>
-                  </a:solidFill>
-                  <a:latin typeface="DengXian" panose="02010600030101010101" pitchFamily="2" charset="-122"/>
-                  <a:ea typeface="DengXian" panose="02010600030101010101" pitchFamily="2" charset="-122"/>
-                </a:rPr>
-                <a:t>True</a:t>
-              </a:r>
-            </a:p>
-          </p:txBody>
-        </p:sp>
-      </p:grpSp>
-      <p:sp>
-        <p:nvSpPr>
-          <p:cNvPr id="4" name="矩形 3">
-            <a:extLst>
-              <a:ext uri="{FF2B5EF4-FFF2-40B4-BE49-F238E27FC236}">
-                <a16:creationId xmlns:a16="http://schemas.microsoft.com/office/drawing/2014/main" id="{2C500CC8-98D8-350E-DB12-AEB2CEB412A0}"/>
-              </a:ext>
-            </a:extLst>
-          </p:cNvPr>
-          <p:cNvSpPr/>
-          <p:nvPr/>
-        </p:nvSpPr>
-        <p:spPr>
-          <a:xfrm>
-            <a:off x="6712815" y="745932"/>
-            <a:ext cx="770368" cy="363866"/>
-          </a:xfrm>
-          <a:prstGeom prst="rect">
-            <a:avLst/>
-          </a:prstGeom>
-          <a:noFill/>
-          <a:ln w="25400">
-            <a:noFill/>
-          </a:ln>
-        </p:spPr>
-        <p:style>
-          <a:lnRef idx="2">
-            <a:schemeClr val="accent2">
-              <a:shade val="50000"/>
-            </a:schemeClr>
-          </a:lnRef>
-          <a:fillRef idx="1">
-            <a:schemeClr val="accent2"/>
-          </a:fillRef>
-          <a:effectRef idx="0">
-            <a:schemeClr val="accent2"/>
-          </a:effectRef>
-          <a:fontRef idx="minor">
-            <a:schemeClr val="lt1"/>
-          </a:fontRef>
-        </p:style>
-        <p:txBody>
-          <a:bodyPr rtlCol="0" anchor="ctr"/>
-          <a:lstStyle/>
-          <a:p>
-            <a:pPr algn="ctr"/>
-            <a:r>
-              <a:rPr kumimoji="1" lang="en-US" altLang="zh-CN" sz="1200" dirty="0">
+              <a:endParaRPr kumimoji="1" lang="zh-CN" altLang="en-US" sz="1200" dirty="0">
                 <a:solidFill>
                   <a:sysClr val="windowText" lastClr="000000"/>
                 </a:solidFill>
                 <a:latin typeface="DengXian" panose="02010600030101010101" pitchFamily="2" charset="-122"/>
                 <a:ea typeface="DengXian" panose="02010600030101010101" pitchFamily="2" charset="-122"/>
-              </a:rPr>
-              <a:t>Blocked</a:t>
-            </a:r>
-            <a:endParaRPr kumimoji="1" lang="zh-CN" altLang="en-US" sz="1200" dirty="0">
-              <a:solidFill>
-                <a:sysClr val="windowText" lastClr="000000"/>
-              </a:solidFill>
-              <a:latin typeface="DengXian" panose="02010600030101010101" pitchFamily="2" charset="-122"/>
-              <a:ea typeface="DengXian" panose="02010600030101010101" pitchFamily="2" charset="-122"/>
-            </a:endParaRPr>
-          </a:p>
-        </p:txBody>
-      </p:sp>
-      <p:sp>
-        <p:nvSpPr>
-          <p:cNvPr id="6" name="矩形 3">
-            <a:extLst>
-              <a:ext uri="{FF2B5EF4-FFF2-40B4-BE49-F238E27FC236}">
-                <a16:creationId xmlns:a16="http://schemas.microsoft.com/office/drawing/2014/main" id="{B53455A4-18F6-692B-4DA2-B37D7393F1C5}"/>
-              </a:ext>
-            </a:extLst>
-          </p:cNvPr>
-          <p:cNvSpPr/>
-          <p:nvPr/>
-        </p:nvSpPr>
-        <p:spPr>
-          <a:xfrm>
-            <a:off x="3768568" y="5896079"/>
-            <a:ext cx="1133827" cy="363866"/>
-          </a:xfrm>
-          <a:prstGeom prst="rect">
-            <a:avLst/>
-          </a:prstGeom>
-          <a:noFill/>
-          <a:ln w="25400">
-            <a:noFill/>
-          </a:ln>
-        </p:spPr>
-        <p:style>
-          <a:lnRef idx="2">
-            <a:schemeClr val="accent2">
-              <a:shade val="50000"/>
-            </a:schemeClr>
-          </a:lnRef>
-          <a:fillRef idx="1">
-            <a:schemeClr val="accent2"/>
-          </a:fillRef>
-          <a:effectRef idx="0">
-            <a:schemeClr val="accent2"/>
-          </a:effectRef>
-          <a:fontRef idx="minor">
-            <a:schemeClr val="lt1"/>
-          </a:fontRef>
-        </p:style>
-        <p:txBody>
-          <a:bodyPr rtlCol="0" anchor="ctr"/>
-          <a:lstStyle/>
-          <a:p>
-            <a:pPr algn="ctr"/>
-            <a:r>
-              <a:rPr kumimoji="1" lang="en-US" altLang="zh-CN" sz="1200" dirty="0">
-                <a:solidFill>
-                  <a:sysClr val="windowText" lastClr="000000"/>
-                </a:solidFill>
-                <a:latin typeface="DengXian" panose="02010600030101010101" pitchFamily="2" charset="-122"/>
-                <a:ea typeface="DengXian" panose="02010600030101010101" pitchFamily="2" charset="-122"/>
-              </a:rPr>
-              <a:t>Not</a:t>
-            </a:r>
-            <a:r>
-              <a:rPr kumimoji="1" lang="zh-CN" altLang="en-US" sz="1200" dirty="0">
-                <a:solidFill>
-                  <a:sysClr val="windowText" lastClr="000000"/>
-                </a:solidFill>
-                <a:latin typeface="DengXian" panose="02010600030101010101" pitchFamily="2" charset="-122"/>
-                <a:ea typeface="DengXian" panose="02010600030101010101" pitchFamily="2" charset="-122"/>
-              </a:rPr>
-              <a:t> </a:t>
-            </a:r>
-            <a:r>
-              <a:rPr kumimoji="1" lang="en-US" altLang="zh-CN" sz="1200" dirty="0">
-                <a:solidFill>
-                  <a:sysClr val="windowText" lastClr="000000"/>
-                </a:solidFill>
-                <a:latin typeface="DengXian" panose="02010600030101010101" pitchFamily="2" charset="-122"/>
-                <a:ea typeface="DengXian" panose="02010600030101010101" pitchFamily="2" charset="-122"/>
-              </a:rPr>
-              <a:t>detected</a:t>
-            </a:r>
-            <a:endParaRPr kumimoji="1" lang="zh-CN" altLang="en-US" sz="1200" dirty="0">
-              <a:solidFill>
-                <a:sysClr val="windowText" lastClr="000000"/>
-              </a:solidFill>
-              <a:latin typeface="DengXian" panose="02010600030101010101" pitchFamily="2" charset="-122"/>
-              <a:ea typeface="DengXian" panose="02010600030101010101" pitchFamily="2" charset="-122"/>
-            </a:endParaRPr>
-          </a:p>
-        </p:txBody>
-      </p:sp>
-      <p:sp>
-        <p:nvSpPr>
-          <p:cNvPr id="8" name="矩形 3">
-            <a:extLst>
-              <a:ext uri="{FF2B5EF4-FFF2-40B4-BE49-F238E27FC236}">
-                <a16:creationId xmlns:a16="http://schemas.microsoft.com/office/drawing/2014/main" id="{169D944E-261D-8E2B-50E1-110102F6FFE9}"/>
-              </a:ext>
-            </a:extLst>
-          </p:cNvPr>
-          <p:cNvSpPr/>
-          <p:nvPr/>
-        </p:nvSpPr>
-        <p:spPr>
-          <a:xfrm>
-            <a:off x="6670416" y="4067070"/>
-            <a:ext cx="867132" cy="363866"/>
-          </a:xfrm>
-          <a:prstGeom prst="rect">
-            <a:avLst/>
-          </a:prstGeom>
-          <a:noFill/>
-          <a:ln w="25400">
-            <a:noFill/>
-          </a:ln>
-        </p:spPr>
-        <p:style>
-          <a:lnRef idx="2">
-            <a:schemeClr val="accent2">
-              <a:shade val="50000"/>
-            </a:schemeClr>
-          </a:lnRef>
-          <a:fillRef idx="1">
-            <a:schemeClr val="accent2"/>
-          </a:fillRef>
-          <a:effectRef idx="0">
-            <a:schemeClr val="accent2"/>
-          </a:effectRef>
-          <a:fontRef idx="minor">
-            <a:schemeClr val="lt1"/>
-          </a:fontRef>
-        </p:style>
-        <p:txBody>
-          <a:bodyPr rtlCol="0" anchor="ctr"/>
-          <a:lstStyle/>
-          <a:p>
-            <a:pPr algn="ctr"/>
-            <a:r>
-              <a:rPr kumimoji="1" lang="en-US" altLang="zh-CN" sz="1200" dirty="0">
-                <a:solidFill>
-                  <a:sysClr val="windowText" lastClr="000000"/>
-                </a:solidFill>
-                <a:latin typeface="DengXian" panose="02010600030101010101" pitchFamily="2" charset="-122"/>
-                <a:ea typeface="DengXian" panose="02010600030101010101" pitchFamily="2" charset="-122"/>
-              </a:rPr>
-              <a:t>Detected</a:t>
-            </a:r>
-            <a:endParaRPr kumimoji="1" lang="zh-CN" altLang="en-US" sz="1200" dirty="0">
-              <a:solidFill>
-                <a:sysClr val="windowText" lastClr="000000"/>
-              </a:solidFill>
-              <a:latin typeface="DengXian" panose="02010600030101010101" pitchFamily="2" charset="-122"/>
-              <a:ea typeface="DengXian" panose="02010600030101010101" pitchFamily="2" charset="-122"/>
-            </a:endParaRPr>
-          </a:p>
-        </p:txBody>
-      </p:sp>
+              </a:endParaRPr>
+            </a:p>
+          </p:txBody>
+        </p:sp>
+      </p:grpSp>
     </p:spTree>
     <p:extLst>
       <p:ext uri="{BB962C8B-B14F-4D97-AF65-F5344CB8AC3E}">

--- a/patterns/transaction-read-write.pptx
+++ b/patterns/transaction-read-write.pptx
@@ -200,7 +200,7 @@
           <a:p>
             <a:fld id="{CAD4BD24-A097-4F9D-85E9-6A2A24CA2D98}" type="datetimeFigureOut">
               <a:rPr lang="zh-CN" altLang="en-US" smtClean="0"/>
-              <a:t>2023/2/23</a:t>
+              <a:t>2023/4/27</a:t>
             </a:fld>
             <a:endParaRPr lang="zh-CN" altLang="en-US"/>
           </a:p>
@@ -4794,7 +4794,7 @@
                       <a:latin typeface="DengXian" panose="02010600030101010101" pitchFamily="2" charset="-122"/>
                       <a:ea typeface="DengXian" panose="02010600030101010101" pitchFamily="2" charset="-122"/>
                     </a:rPr>
-                    <a:t>start_time</a:t>
+                    <a:t>startTime</a:t>
                   </a:r>
                   <a:r>
                     <a:rPr kumimoji="1" lang="en-US" altLang="zh-CN" sz="1000" dirty="0">
@@ -4853,7 +4853,7 @@
                       <a:latin typeface="DengXian" panose="02010600030101010101" pitchFamily="2" charset="-122"/>
                       <a:ea typeface="DengXian" panose="02010600030101010101" pitchFamily="2" charset="-122"/>
                     </a:rPr>
-                    <a:t>end_time</a:t>
+                    <a:t>endTime</a:t>
                   </a:r>
                   <a:r>
                     <a:rPr kumimoji="1" lang="en-US" altLang="zh-CN" sz="1000" dirty="0">
@@ -5306,7 +5306,7 @@
                       <a:latin typeface="DengXian" panose="02010600030101010101" pitchFamily="2" charset="-122"/>
                       <a:ea typeface="DengXian" panose="02010600030101010101" pitchFamily="2" charset="-122"/>
                     </a:rPr>
-                    <a:t>start_time</a:t>
+                    <a:t>startTime</a:t>
                   </a:r>
                   <a:r>
                     <a:rPr kumimoji="1" lang="en-US" altLang="zh-CN" sz="1000" dirty="0">
@@ -5365,7 +5365,7 @@
                       <a:latin typeface="DengXian" panose="02010600030101010101" pitchFamily="2" charset="-122"/>
                       <a:ea typeface="DengXian" panose="02010600030101010101" pitchFamily="2" charset="-122"/>
                     </a:rPr>
-                    <a:t>end_time</a:t>
+                    <a:t>endTime</a:t>
                   </a:r>
                   <a:r>
                     <a:rPr kumimoji="1" lang="en-US" altLang="zh-CN" sz="1000" dirty="0">
@@ -5491,7 +5491,7 @@
                       <a:latin typeface="DengXian" panose="02010600030101010101" pitchFamily="2" charset="-122"/>
                       <a:ea typeface="DengXian" panose="02010600030101010101" pitchFamily="2" charset="-122"/>
                     </a:rPr>
-                    <a:t>start_time</a:t>
+                    <a:t>startTime</a:t>
                   </a:r>
                   <a:r>
                     <a:rPr kumimoji="1" lang="en-US" altLang="zh-CN" sz="1000" dirty="0">
@@ -5550,7 +5550,7 @@
                       <a:latin typeface="DengXian" panose="02010600030101010101" pitchFamily="2" charset="-122"/>
                       <a:ea typeface="DengXian" panose="02010600030101010101" pitchFamily="2" charset="-122"/>
                     </a:rPr>
-                    <a:t>end_time</a:t>
+                    <a:t>endTime</a:t>
                   </a:r>
                   <a:r>
                     <a:rPr kumimoji="1" lang="en-US" altLang="zh-CN" sz="1000" dirty="0">
@@ -15666,7 +15666,7 @@
           <p:spPr>
             <a:xfrm>
               <a:off x="2989335" y="2110369"/>
-              <a:ext cx="1459671" cy="220197"/>
+              <a:ext cx="1459671" cy="276999"/>
             </a:xfrm>
             <a:prstGeom prst="rect">
               <a:avLst/>
@@ -15681,11 +15681,11 @@
             <a:p>
               <a:pPr algn="ctr"/>
               <a:r>
-                <a:rPr kumimoji="1" lang="en-US" altLang="zh-CN" sz="1200" b="1" dirty="0" err="1">
+                <a:rPr kumimoji="1" lang="en-US" altLang="zh-CN" sz="1200" b="1" dirty="0">
                   <a:latin typeface="DengXian" panose="02010600030101010101" pitchFamily="2" charset="-122"/>
                   <a:ea typeface="DengXian" panose="02010600030101010101" pitchFamily="2" charset="-122"/>
                 </a:rPr>
-                <a:t>gurantee</a:t>
+                <a:t>guarantee</a:t>
               </a:r>
               <a:endParaRPr kumimoji="1" lang="en-US" altLang="zh-CN" sz="1200" dirty="0">
                 <a:latin typeface="DengXian" panose="02010600030101010101" pitchFamily="2" charset="-122"/>
@@ -17371,16 +17371,71 @@
                   <a:t> </a:t>
                 </a:r>
                 <a:r>
+                  <a:rPr kumimoji="1" lang="en-US" altLang="zh-CN" sz="1200" dirty="0">
+                    <a:latin typeface="DengXian" panose="02010600030101010101" pitchFamily="2" charset="-122"/>
+                    <a:ea typeface="DengXian" panose="02010600030101010101" pitchFamily="2" charset="-122"/>
+                  </a:rPr>
+                  <a:t>guarantee</a:t>
+                </a:r>
+              </a:p>
+              <a:p>
+                <a:pPr algn="ctr"/>
+                <a:r>
+                  <a:rPr kumimoji="1" lang="en-US" altLang="zh-CN" sz="1200" b="1" dirty="0" err="1">
+                    <a:latin typeface="DengXian" panose="02010600030101010101" pitchFamily="2" charset="-122"/>
+                    <a:ea typeface="DengXian" panose="02010600030101010101" pitchFamily="2" charset="-122"/>
+                  </a:rPr>
+                  <a:t>gN</a:t>
+                </a:r>
+                <a:r>
                   <a:rPr kumimoji="1" lang="en-US" altLang="zh-CN" sz="1200" dirty="0" err="1">
                     <a:latin typeface="DengXian" panose="02010600030101010101" pitchFamily="2" charset="-122"/>
                     <a:ea typeface="DengXian" panose="02010600030101010101" pitchFamily="2" charset="-122"/>
                   </a:rPr>
-                  <a:t>gurantee</a:t>
-                </a:r>
-                <a:endParaRPr kumimoji="1" lang="en-US" altLang="zh-CN" sz="1200" dirty="0">
-                  <a:latin typeface="DengXian" panose="02010600030101010101" pitchFamily="2" charset="-122"/>
-                  <a:ea typeface="DengXian" panose="02010600030101010101" pitchFamily="2" charset="-122"/>
-                </a:endParaRPr>
+                  <a:t>.timestamp</a:t>
+                </a:r>
+                <a:r>
+                  <a:rPr kumimoji="1" lang="zh-CN" altLang="en-US" sz="1200" dirty="0">
+                    <a:latin typeface="DengXian" panose="02010600030101010101" pitchFamily="2" charset="-122"/>
+                    <a:ea typeface="DengXian" panose="02010600030101010101" pitchFamily="2" charset="-122"/>
+                  </a:rPr>
+                  <a:t> </a:t>
+                </a:r>
+                <a:r>
+                  <a:rPr kumimoji="1" lang="en-US" altLang="zh-CN" sz="1200" dirty="0">
+                    <a:latin typeface="DengXian" panose="02010600030101010101" pitchFamily="2" charset="-122"/>
+                    <a:ea typeface="DengXian" panose="02010600030101010101" pitchFamily="2" charset="-122"/>
+                  </a:rPr>
+                  <a:t>&gt;</a:t>
+                </a:r>
+                <a:r>
+                  <a:rPr kumimoji="1" lang="zh-CN" altLang="en-US" sz="1200" dirty="0">
+                    <a:latin typeface="DengXian" panose="02010600030101010101" pitchFamily="2" charset="-122"/>
+                    <a:ea typeface="DengXian" panose="02010600030101010101" pitchFamily="2" charset="-122"/>
+                  </a:rPr>
+                  <a:t> </a:t>
+                </a:r>
+                <a:r>
+                  <a:rPr kumimoji="1" lang="en-US" altLang="zh-CN" sz="1200" dirty="0">
+                    <a:latin typeface="DengXian" panose="02010600030101010101" pitchFamily="2" charset="-122"/>
+                    <a:ea typeface="DengXian" panose="02010600030101010101" pitchFamily="2" charset="-122"/>
+                  </a:rPr>
+                  <a:t>${</a:t>
+                </a:r>
+                <a:r>
+                  <a:rPr kumimoji="1" lang="en-US" altLang="zh-CN" sz="1200" dirty="0" err="1">
+                    <a:latin typeface="DengXian" panose="02010600030101010101" pitchFamily="2" charset="-122"/>
+                    <a:ea typeface="DengXian" panose="02010600030101010101" pitchFamily="2" charset="-122"/>
+                  </a:rPr>
+                  <a:t>startTime</a:t>
+                </a:r>
+                <a:r>
+                  <a:rPr kumimoji="1" lang="en-US" altLang="zh-CN" sz="1200" dirty="0">
+                    <a:latin typeface="DengXian" panose="02010600030101010101" pitchFamily="2" charset="-122"/>
+                    <a:ea typeface="DengXian" panose="02010600030101010101" pitchFamily="2" charset="-122"/>
+                  </a:rPr>
+                  <a:t>}</a:t>
+                </a:r>
               </a:p>
               <a:p>
                 <a:pPr algn="ctr"/>
@@ -17410,7 +17465,7 @@
                     <a:latin typeface="DengXian" panose="02010600030101010101" pitchFamily="2" charset="-122"/>
                     <a:ea typeface="DengXian" panose="02010600030101010101" pitchFamily="2" charset="-122"/>
                   </a:rPr>
-                  <a:t>&gt;</a:t>
+                  <a:t>&lt;</a:t>
                 </a:r>
                 <a:r>
                   <a:rPr kumimoji="1" lang="zh-CN" altLang="en-US" sz="1200" dirty="0">
@@ -17431,66 +17486,7 @@
                     <a:latin typeface="DengXian" panose="02010600030101010101" pitchFamily="2" charset="-122"/>
                     <a:ea typeface="DengXian" panose="02010600030101010101" pitchFamily="2" charset="-122"/>
                   </a:rPr>
-                  <a:t>start_time</a:t>
-                </a:r>
-                <a:r>
-                  <a:rPr kumimoji="1" lang="en-US" altLang="zh-CN" sz="1200" dirty="0">
-                    <a:latin typeface="DengXian" panose="02010600030101010101" pitchFamily="2" charset="-122"/>
-                    <a:ea typeface="DengXian" panose="02010600030101010101" pitchFamily="2" charset="-122"/>
-                  </a:rPr>
-                  <a:t>}</a:t>
-                </a:r>
-              </a:p>
-              <a:p>
-                <a:pPr algn="ctr"/>
-                <a:r>
-                  <a:rPr kumimoji="1" lang="en-US" altLang="zh-CN" sz="1200" b="1" dirty="0" err="1">
-                    <a:latin typeface="DengXian" panose="02010600030101010101" pitchFamily="2" charset="-122"/>
-                    <a:ea typeface="DengXian" panose="02010600030101010101" pitchFamily="2" charset="-122"/>
-                  </a:rPr>
-                  <a:t>gN</a:t>
-                </a:r>
-                <a:r>
-                  <a:rPr kumimoji="1" lang="en-US" altLang="zh-CN" sz="1200" dirty="0" err="1">
-                    <a:latin typeface="DengXian" panose="02010600030101010101" pitchFamily="2" charset="-122"/>
-                    <a:ea typeface="DengXian" panose="02010600030101010101" pitchFamily="2" charset="-122"/>
-                  </a:rPr>
-                  <a:t>.timestamp</a:t>
-                </a:r>
-                <a:r>
-                  <a:rPr kumimoji="1" lang="zh-CN" altLang="en-US" sz="1200" dirty="0">
-                    <a:latin typeface="DengXian" panose="02010600030101010101" pitchFamily="2" charset="-122"/>
-                    <a:ea typeface="DengXian" panose="02010600030101010101" pitchFamily="2" charset="-122"/>
-                  </a:rPr>
-                  <a:t> </a:t>
-                </a:r>
-                <a:r>
-                  <a:rPr kumimoji="1" lang="en-US" altLang="zh-CN" sz="1200" dirty="0">
-                    <a:latin typeface="DengXian" panose="02010600030101010101" pitchFamily="2" charset="-122"/>
-                    <a:ea typeface="DengXian" panose="02010600030101010101" pitchFamily="2" charset="-122"/>
-                  </a:rPr>
-                  <a:t>&lt;</a:t>
-                </a:r>
-                <a:r>
-                  <a:rPr kumimoji="1" lang="zh-CN" altLang="en-US" sz="1200" dirty="0">
-                    <a:latin typeface="DengXian" panose="02010600030101010101" pitchFamily="2" charset="-122"/>
-                    <a:ea typeface="DengXian" panose="02010600030101010101" pitchFamily="2" charset="-122"/>
-                  </a:rPr>
-                  <a:t> </a:t>
-                </a:r>
-                <a:r>
-                  <a:rPr kumimoji="1" lang="en-US" altLang="zh-CN" sz="1200" dirty="0">
-                    <a:latin typeface="DengXian" panose="02010600030101010101" pitchFamily="2" charset="-122"/>
-                    <a:ea typeface="DengXian" panose="02010600030101010101" pitchFamily="2" charset="-122"/>
-                  </a:rPr>
-                  <a:t>${</a:t>
-                </a:r>
-                <a:r>
-                  <a:rPr kumimoji="1" lang="en-US" altLang="zh-CN" sz="1200" dirty="0" err="1">
-                    <a:latin typeface="DengXian" panose="02010600030101010101" pitchFamily="2" charset="-122"/>
-                    <a:ea typeface="DengXian" panose="02010600030101010101" pitchFamily="2" charset="-122"/>
-                  </a:rPr>
-                  <a:t>end_time</a:t>
+                  <a:t>endTime</a:t>
                 </a:r>
                 <a:r>
                   <a:rPr kumimoji="1" lang="en-US" altLang="zh-CN" sz="1200" dirty="0">

--- a/patterns/transaction-read-write.pptx
+++ b/patterns/transaction-read-write.pptx
@@ -2491,10 +2491,10 @@
       </p:grpSpPr>
       <p:grpSp>
         <p:nvGrpSpPr>
-          <p:cNvPr id="36" name="Group 35">
+          <p:cNvPr id="7" name="Group 6">
             <a:extLst>
               <a:ext uri="{FF2B5EF4-FFF2-40B4-BE49-F238E27FC236}">
-                <a16:creationId xmlns:a16="http://schemas.microsoft.com/office/drawing/2014/main" id="{D27A5DB0-7577-227D-301C-6003A235922F}"/>
+                <a16:creationId xmlns:a16="http://schemas.microsoft.com/office/drawing/2014/main" id="{05B61BF0-D478-3D05-A9B5-A17AC5E0C792}"/>
               </a:ext>
             </a:extLst>
           </p:cNvPr>
@@ -3208,7 +3208,7 @@
                 <a:prstGeom prst="straightConnector1">
                   <a:avLst/>
                 </a:prstGeom>
-                <a:ln w="25400">
+                <a:ln w="19050">
                   <a:solidFill>
                     <a:schemeClr val="tx1"/>
                   </a:solidFill>
@@ -4657,7 +4657,7 @@
                 <a:prstGeom prst="straightConnector1">
                   <a:avLst/>
                 </a:prstGeom>
-                <a:ln w="25400">
+                <a:ln w="19050">
                   <a:solidFill>
                     <a:schemeClr val="tx1"/>
                   </a:solidFill>
@@ -4694,7 +4694,7 @@
               </p:nvSpPr>
               <p:spPr>
                 <a:xfrm>
-                  <a:off x="7027876" y="640998"/>
+                  <a:off x="7027876" y="655988"/>
                   <a:ext cx="2399244" cy="553998"/>
                 </a:xfrm>
                 <a:prstGeom prst="rect">
@@ -5124,7 +5124,7 @@
                 <a:prstGeom prst="straightConnector1">
                   <a:avLst/>
                 </a:prstGeom>
-                <a:ln w="25400">
+                <a:ln w="19050">
                   <a:solidFill>
                     <a:schemeClr val="tx1"/>
                   </a:solidFill>
@@ -5169,7 +5169,7 @@
                 <a:prstGeom prst="straightConnector1">
                   <a:avLst/>
                 </a:prstGeom>
-                <a:ln w="25400">
+                <a:ln w="19050">
                   <a:solidFill>
                     <a:schemeClr val="tx1"/>
                   </a:solidFill>
@@ -5585,7 +5585,7 @@
                 <a:prstGeom prst="straightConnector1">
                   <a:avLst/>
                 </a:prstGeom>
-                <a:ln w="25400">
+                <a:ln w="19050">
                   <a:solidFill>
                     <a:schemeClr val="tx1"/>
                   </a:solidFill>
@@ -5732,7 +5732,7 @@
                 <a:prstGeom prst="straightConnector1">
                   <a:avLst/>
                 </a:prstGeom>
-                <a:ln w="25400">
+                <a:ln w="19050">
                   <a:solidFill>
                     <a:schemeClr val="tx1"/>
                   </a:solidFill>
@@ -5777,7 +5777,7 @@
                 <a:prstGeom prst="straightConnector1">
                   <a:avLst/>
                 </a:prstGeom>
-                <a:ln w="25400">
+                <a:ln w="19050">
                   <a:solidFill>
                     <a:schemeClr val="tx1"/>
                   </a:solidFill>
@@ -5822,7 +5822,7 @@
                 <a:prstGeom prst="straightConnector1">
                   <a:avLst/>
                 </a:prstGeom>
-                <a:ln w="25400">
+                <a:ln w="19050">
                   <a:solidFill>
                     <a:schemeClr val="tx1"/>
                   </a:solidFill>
@@ -5941,7 +5941,7 @@
             <a:prstGeom prst="straightConnector1">
               <a:avLst/>
             </a:prstGeom>
-            <a:ln w="25400">
+            <a:ln w="19050">
               <a:solidFill>
                 <a:srgbClr val="0070C0"/>
               </a:solidFill>
@@ -5988,7 +5988,7 @@
             <a:prstGeom prst="straightConnector1">
               <a:avLst/>
             </a:prstGeom>
-            <a:ln w="25400">
+            <a:ln w="19050">
               <a:solidFill>
                 <a:srgbClr val="0070C0"/>
               </a:solidFill>
@@ -6035,7 +6035,7 @@
             <a:prstGeom prst="straightConnector1">
               <a:avLst/>
             </a:prstGeom>
-            <a:ln w="25400">
+            <a:ln w="19050">
               <a:solidFill>
                 <a:srgbClr val="0070C0"/>
               </a:solidFill>
@@ -6082,7 +6082,7 @@
             <a:prstGeom prst="straightConnector1">
               <a:avLst/>
             </a:prstGeom>
-            <a:ln w="25400">
+            <a:ln w="19050">
               <a:solidFill>
                 <a:srgbClr val="0070C0"/>
               </a:solidFill>
@@ -6131,7 +6131,7 @@
                 <a:gd name="adj1" fmla="val 50000"/>
               </a:avLst>
             </a:prstGeom>
-            <a:ln w="25400">
+            <a:ln w="19050">
               <a:solidFill>
                 <a:srgbClr val="0070C0"/>
               </a:solidFill>
@@ -6178,7 +6178,7 @@
             <a:prstGeom prst="straightConnector1">
               <a:avLst/>
             </a:prstGeom>
-            <a:ln w="25400">
+            <a:ln w="19050">
               <a:solidFill>
                 <a:srgbClr val="0070C0"/>
               </a:solidFill>
@@ -6225,7 +6225,7 @@
             <a:prstGeom prst="straightConnector1">
               <a:avLst/>
             </a:prstGeom>
-            <a:ln w="25400">
+            <a:ln w="19050">
               <a:solidFill>
                 <a:srgbClr val="0070C0"/>
               </a:solidFill>
@@ -6472,7 +6472,7 @@
             <a:prstGeom prst="straightConnector1">
               <a:avLst/>
             </a:prstGeom>
-            <a:ln w="25400">
+            <a:ln w="19050">
               <a:solidFill>
                 <a:srgbClr val="0070C0"/>
               </a:solidFill>
@@ -6519,7 +6519,7 @@
             <a:prstGeom prst="straightConnector1">
               <a:avLst/>
             </a:prstGeom>
-            <a:ln w="25400">
+            <a:ln w="19050">
               <a:solidFill>
                 <a:srgbClr val="0070C0"/>
               </a:solidFill>
@@ -7296,8 +7296,8 @@
           </p:nvSpPr>
           <p:spPr>
             <a:xfrm>
-              <a:off x="6742521" y="1238685"/>
-              <a:ext cx="724879" cy="363866"/>
+              <a:off x="6742521" y="1280361"/>
+              <a:ext cx="724879" cy="262230"/>
             </a:xfrm>
             <a:prstGeom prst="rect">
               <a:avLst/>
@@ -7533,10 +7533,10 @@
       </p:grpSpPr>
       <p:grpSp>
         <p:nvGrpSpPr>
-          <p:cNvPr id="24" name="Group 23">
+          <p:cNvPr id="7" name="Group 6">
             <a:extLst>
               <a:ext uri="{FF2B5EF4-FFF2-40B4-BE49-F238E27FC236}">
-                <a16:creationId xmlns:a16="http://schemas.microsoft.com/office/drawing/2014/main" id="{2C6B4C6E-7EE0-51A0-7E85-C754E39B4059}"/>
+                <a16:creationId xmlns:a16="http://schemas.microsoft.com/office/drawing/2014/main" id="{A5801A24-B661-36B1-7521-EBDCA4CB6140}"/>
               </a:ext>
             </a:extLst>
           </p:cNvPr>
@@ -8230,7 +8230,7 @@
               <a:prstGeom prst="straightConnector1">
                 <a:avLst/>
               </a:prstGeom>
-              <a:ln w="25400">
+              <a:ln w="19050">
                 <a:solidFill>
                   <a:schemeClr val="tx1"/>
                 </a:solidFill>
@@ -9378,7 +9378,7 @@
             <a:prstGeom prst="straightConnector1">
               <a:avLst/>
             </a:prstGeom>
-            <a:ln w="25400">
+            <a:ln w="19050">
               <a:solidFill>
                 <a:srgbClr val="0070C0"/>
               </a:solidFill>
@@ -9425,7 +9425,7 @@
             <a:prstGeom prst="straightConnector1">
               <a:avLst/>
             </a:prstGeom>
-            <a:ln w="25400">
+            <a:ln w="19050">
               <a:solidFill>
                 <a:srgbClr val="0070C0"/>
               </a:solidFill>
@@ -9472,7 +9472,7 @@
             <a:prstGeom prst="straightConnector1">
               <a:avLst/>
             </a:prstGeom>
-            <a:ln w="25400">
+            <a:ln w="19050">
               <a:solidFill>
                 <a:srgbClr val="0070C0"/>
               </a:solidFill>
@@ -9519,7 +9519,7 @@
             <a:prstGeom prst="straightConnector1">
               <a:avLst/>
             </a:prstGeom>
-            <a:ln w="25400">
+            <a:ln w="19050">
               <a:solidFill>
                 <a:srgbClr val="0070C0"/>
               </a:solidFill>
@@ -9568,7 +9568,7 @@
                 <a:gd name="adj1" fmla="val 50000"/>
               </a:avLst>
             </a:prstGeom>
-            <a:ln w="25400">
+            <a:ln w="19050">
               <a:solidFill>
                 <a:srgbClr val="0070C0"/>
               </a:solidFill>
@@ -9615,7 +9615,7 @@
             <a:prstGeom prst="straightConnector1">
               <a:avLst/>
             </a:prstGeom>
-            <a:ln w="25400">
+            <a:ln w="19050">
               <a:solidFill>
                 <a:srgbClr val="0070C0"/>
               </a:solidFill>
@@ -9662,7 +9662,7 @@
             <a:prstGeom prst="straightConnector1">
               <a:avLst/>
             </a:prstGeom>
-            <a:ln w="25400">
+            <a:ln w="19050">
               <a:solidFill>
                 <a:srgbClr val="0070C0"/>
               </a:solidFill>
@@ -9909,7 +9909,7 @@
             <a:prstGeom prst="straightConnector1">
               <a:avLst/>
             </a:prstGeom>
-            <a:ln w="25400">
+            <a:ln w="19050">
               <a:solidFill>
                 <a:srgbClr val="0070C0"/>
               </a:solidFill>
@@ -9956,7 +9956,7 @@
             <a:prstGeom prst="straightConnector1">
               <a:avLst/>
             </a:prstGeom>
-            <a:ln w="25400">
+            <a:ln w="19050">
               <a:solidFill>
                 <a:srgbClr val="0070C0"/>
               </a:solidFill>
@@ -14208,7 +14208,7 @@
             <a:prstGeom prst="straightConnector1">
               <a:avLst/>
             </a:prstGeom>
-            <a:ln w="25400">
+            <a:ln w="19050">
               <a:solidFill>
                 <a:srgbClr val="0070C0"/>
               </a:solidFill>
@@ -14255,7 +14255,7 @@
             <a:prstGeom prst="straightConnector1">
               <a:avLst/>
             </a:prstGeom>
-            <a:ln w="25400">
+            <a:ln w="19050">
               <a:solidFill>
                 <a:srgbClr val="0070C0"/>
               </a:solidFill>
@@ -14302,7 +14302,7 @@
             <a:prstGeom prst="straightConnector1">
               <a:avLst/>
             </a:prstGeom>
-            <a:ln w="25400">
+            <a:ln w="19050">
               <a:solidFill>
                 <a:srgbClr val="0070C0"/>
               </a:solidFill>
@@ -14349,7 +14349,7 @@
             <a:prstGeom prst="straightConnector1">
               <a:avLst/>
             </a:prstGeom>
-            <a:ln w="25400">
+            <a:ln w="19050">
               <a:solidFill>
                 <a:srgbClr val="0070C0"/>
               </a:solidFill>
@@ -14398,7 +14398,7 @@
                 <a:gd name="adj1" fmla="val 50000"/>
               </a:avLst>
             </a:prstGeom>
-            <a:ln w="25400">
+            <a:ln w="19050">
               <a:solidFill>
                 <a:srgbClr val="0070C0"/>
               </a:solidFill>
@@ -14445,7 +14445,7 @@
             <a:prstGeom prst="straightConnector1">
               <a:avLst/>
             </a:prstGeom>
-            <a:ln w="25400">
+            <a:ln w="19050">
               <a:solidFill>
                 <a:srgbClr val="0070C0"/>
               </a:solidFill>
@@ -14492,7 +14492,7 @@
             <a:prstGeom prst="straightConnector1">
               <a:avLst/>
             </a:prstGeom>
-            <a:ln w="25400">
+            <a:ln w="19050">
               <a:solidFill>
                 <a:srgbClr val="0070C0"/>
               </a:solidFill>
@@ -14739,7 +14739,7 @@
             <a:prstGeom prst="straightConnector1">
               <a:avLst/>
             </a:prstGeom>
-            <a:ln w="25400">
+            <a:ln w="19050">
               <a:solidFill>
                 <a:srgbClr val="0070C0"/>
               </a:solidFill>
@@ -14786,7 +14786,7 @@
             <a:prstGeom prst="straightConnector1">
               <a:avLst/>
             </a:prstGeom>
-            <a:ln w="25400">
+            <a:ln w="19050">
               <a:solidFill>
                 <a:srgbClr val="0070C0"/>
               </a:solidFill>
@@ -15628,7 +15628,7 @@
             <a:prstGeom prst="straightConnector1">
               <a:avLst/>
             </a:prstGeom>
-            <a:ln w="28575">
+            <a:ln w="19050">
               <a:solidFill>
                 <a:schemeClr val="tx1"/>
               </a:solidFill>
@@ -16275,7 +16275,7 @@
               <a:prstGeom prst="straightConnector1">
                 <a:avLst/>
               </a:prstGeom>
-              <a:ln w="25400">
+              <a:ln w="19050">
                 <a:solidFill>
                   <a:schemeClr val="tx1"/>
                 </a:solidFill>
@@ -16750,7 +16750,7 @@
               <a:prstGeom prst="straightConnector1">
                 <a:avLst/>
               </a:prstGeom>
-              <a:ln w="25400">
+              <a:ln w="19050">
                 <a:solidFill>
                   <a:schemeClr val="tx1"/>
                 </a:solidFill>
@@ -16797,7 +16797,7 @@
               <a:prstGeom prst="straightConnector1">
                 <a:avLst/>
               </a:prstGeom>
-              <a:ln w="25400">
+              <a:ln w="19050">
                 <a:solidFill>
                   <a:schemeClr val="tx1"/>
                 </a:solidFill>
@@ -17031,7 +17031,7 @@
               <a:prstGeom prst="straightConnector1">
                 <a:avLst/>
               </a:prstGeom>
-              <a:ln w="25400">
+              <a:ln w="19050">
                 <a:solidFill>
                   <a:schemeClr val="tx1"/>
                 </a:solidFill>
@@ -17179,7 +17179,7 @@
               <a:prstGeom prst="straightConnector1">
                 <a:avLst/>
               </a:prstGeom>
-              <a:ln w="25400">
+              <a:ln w="19050">
                 <a:solidFill>
                   <a:schemeClr val="tx1"/>
                 </a:solidFill>

--- a/patterns/transaction-read-write.pptx
+++ b/patterns/transaction-read-write.pptx
@@ -200,7 +200,7 @@
           <a:p>
             <a:fld id="{CAD4BD24-A097-4F9D-85E9-6A2A24CA2D98}" type="datetimeFigureOut">
               <a:rPr lang="zh-CN" altLang="en-US" smtClean="0"/>
-              <a:t>2023/4/27</a:t>
+              <a:t>2023/4/28</a:t>
             </a:fld>
             <a:endParaRPr lang="zh-CN" altLang="en-US"/>
           </a:p>
@@ -3877,7 +3877,7 @@
                           <a:sysClr val="windowText" lastClr="000000"/>
                         </a:solidFill>
                       </a:rPr>
-                      <a:t>account</a:t>
+                      <a:t>acc1</a:t>
                     </a:r>
                     <a:r>
                       <a:rPr kumimoji="1" lang="en-US" altLang="zh-CN" sz="1200" dirty="0">
@@ -3960,24 +3960,14 @@
                   <a:p>
                     <a:pPr algn="ctr"/>
                     <a:r>
-                      <a:rPr kumimoji="1" lang="en-US" altLang="zh-CN" sz="1200" b="1" dirty="0" err="1">
+                      <a:rPr kumimoji="1" lang="en-US" altLang="zh-CN" sz="1200" b="1" dirty="0">
                         <a:solidFill>
                           <a:sysClr val="windowText" lastClr="000000"/>
                         </a:solidFill>
                         <a:latin typeface="DengXian" panose="02010600030101010101" pitchFamily="2" charset="-122"/>
                         <a:ea typeface="DengXian" panose="02010600030101010101" pitchFamily="2" charset="-122"/>
                       </a:rPr>
-                      <a:t>account</a:t>
-                    </a:r>
-                    <a:r>
-                      <a:rPr kumimoji="1" lang="en-US" altLang="zh-CN" sz="1200" dirty="0" err="1">
-                        <a:solidFill>
-                          <a:sysClr val="windowText" lastClr="000000"/>
-                        </a:solidFill>
-                        <a:latin typeface="DengXian" panose="02010600030101010101" pitchFamily="2" charset="-122"/>
-                        <a:ea typeface="DengXian" panose="02010600030101010101" pitchFamily="2" charset="-122"/>
-                      </a:rPr>
-                      <a:t>.id</a:t>
+                      <a:t>acc1</a:t>
                     </a:r>
                     <a:r>
                       <a:rPr kumimoji="1" lang="en-US" altLang="zh-CN" sz="1200" dirty="0">
@@ -3987,7 +3977,7 @@
                         <a:latin typeface="DengXian" panose="02010600030101010101" pitchFamily="2" charset="-122"/>
                         <a:ea typeface="DengXian" panose="02010600030101010101" pitchFamily="2" charset="-122"/>
                       </a:rPr>
-                      <a:t>:</a:t>
+                      <a:t>.id:</a:t>
                     </a:r>
                     <a:r>
                       <a:rPr kumimoji="1" lang="zh-CN" altLang="en-US" sz="1200" dirty="0">
@@ -4119,7 +4109,7 @@
                           <a:sysClr val="windowText" lastClr="000000"/>
                         </a:solidFill>
                       </a:rPr>
-                      <a:t>account</a:t>
+                      <a:t>acc2</a:t>
                     </a:r>
                     <a:r>
                       <a:rPr kumimoji="1" lang="en-US" altLang="zh-CN" sz="1200" dirty="0">
@@ -4202,24 +4192,14 @@
                   <a:p>
                     <a:pPr algn="ctr"/>
                     <a:r>
-                      <a:rPr kumimoji="1" lang="en-US" altLang="zh-CN" sz="1200" b="1" dirty="0" err="1">
+                      <a:rPr kumimoji="1" lang="en-US" altLang="zh-CN" sz="1200" b="1" dirty="0">
                         <a:solidFill>
                           <a:sysClr val="windowText" lastClr="000000"/>
                         </a:solidFill>
                         <a:latin typeface="DengXian" panose="02010600030101010101" pitchFamily="2" charset="-122"/>
                         <a:ea typeface="DengXian" panose="02010600030101010101" pitchFamily="2" charset="-122"/>
                       </a:rPr>
-                      <a:t>account</a:t>
-                    </a:r>
-                    <a:r>
-                      <a:rPr kumimoji="1" lang="en-US" altLang="zh-CN" sz="1200" dirty="0" err="1">
-                        <a:solidFill>
-                          <a:sysClr val="windowText" lastClr="000000"/>
-                        </a:solidFill>
-                        <a:latin typeface="DengXian" panose="02010600030101010101" pitchFamily="2" charset="-122"/>
-                        <a:ea typeface="DengXian" panose="02010600030101010101" pitchFamily="2" charset="-122"/>
-                      </a:rPr>
-                      <a:t>.id</a:t>
+                      <a:t>acc2</a:t>
                     </a:r>
                     <a:r>
                       <a:rPr kumimoji="1" lang="en-US" altLang="zh-CN" sz="1200" dirty="0">
@@ -4229,7 +4209,7 @@
                         <a:latin typeface="DengXian" panose="02010600030101010101" pitchFamily="2" charset="-122"/>
                         <a:ea typeface="DengXian" panose="02010600030101010101" pitchFamily="2" charset="-122"/>
                       </a:rPr>
-                      <a:t>:</a:t>
+                      <a:t>.id:</a:t>
                     </a:r>
                     <a:r>
                       <a:rPr kumimoji="1" lang="zh-CN" altLang="en-US" sz="1200" dirty="0">
@@ -6661,7 +6641,7 @@
                           <a:sysClr val="windowText" lastClr="000000"/>
                         </a:solidFill>
                       </a:rPr>
-                      <a:t>acc:</a:t>
+                      <a:t>acc1:</a:t>
                     </a:r>
                     <a:r>
                       <a:rPr kumimoji="1" lang="zh-CN" altLang="en-US" sz="1200" b="1" dirty="0">
@@ -6941,7 +6921,7 @@
                           <a:sysClr val="windowText" lastClr="000000"/>
                         </a:solidFill>
                       </a:rPr>
-                      <a:t>acc:</a:t>
+                      <a:t>acc2:</a:t>
                     </a:r>
                     <a:r>
                       <a:rPr kumimoji="1" lang="zh-CN" altLang="en-US" sz="1200" b="1" dirty="0">
@@ -8878,7 +8858,7 @@
                         <a:sysClr val="windowText" lastClr="000000"/>
                       </a:solidFill>
                     </a:rPr>
-                    <a:t>account</a:t>
+                    <a:t>acc1</a:t>
                   </a:r>
                   <a:r>
                     <a:rPr kumimoji="1" lang="en-US" altLang="zh-CN" sz="1200" dirty="0">
@@ -8961,24 +8941,12 @@
                 <a:p>
                   <a:pPr algn="ctr"/>
                   <a:r>
-                    <a:rPr kumimoji="1" lang="en-US" altLang="zh-CN" sz="1200" b="1" dirty="0" err="1">
+                    <a:rPr kumimoji="1" lang="en-US" altLang="zh-CN" sz="1200" b="1" dirty="0">
                       <a:solidFill>
                         <a:sysClr val="windowText" lastClr="000000"/>
                       </a:solidFill>
-                      <a:latin typeface="DengXian" panose="02010600030101010101" pitchFamily="2" charset="-122"/>
-                      <a:ea typeface="DengXian" panose="02010600030101010101" pitchFamily="2" charset="-122"/>
                     </a:rPr>
-                    <a:t>account</a:t>
-                  </a:r>
-                  <a:r>
-                    <a:rPr kumimoji="1" lang="en-US" altLang="zh-CN" sz="1200" dirty="0" err="1">
-                      <a:solidFill>
-                        <a:sysClr val="windowText" lastClr="000000"/>
-                      </a:solidFill>
-                      <a:latin typeface="DengXian" panose="02010600030101010101" pitchFamily="2" charset="-122"/>
-                      <a:ea typeface="DengXian" panose="02010600030101010101" pitchFamily="2" charset="-122"/>
-                    </a:rPr>
-                    <a:t>.id</a:t>
+                    <a:t>acc1</a:t>
                   </a:r>
                   <a:r>
                     <a:rPr kumimoji="1" lang="en-US" altLang="zh-CN" sz="1200" dirty="0">
@@ -8988,7 +8956,7 @@
                       <a:latin typeface="DengXian" panose="02010600030101010101" pitchFamily="2" charset="-122"/>
                       <a:ea typeface="DengXian" panose="02010600030101010101" pitchFamily="2" charset="-122"/>
                     </a:rPr>
-                    <a:t>:</a:t>
+                    <a:t>.id:</a:t>
                   </a:r>
                   <a:r>
                     <a:rPr kumimoji="1" lang="zh-CN" altLang="en-US" sz="1200" dirty="0">
@@ -9120,7 +9088,7 @@
                         <a:sysClr val="windowText" lastClr="000000"/>
                       </a:solidFill>
                     </a:rPr>
-                    <a:t>account</a:t>
+                    <a:t>acc2</a:t>
                   </a:r>
                   <a:r>
                     <a:rPr kumimoji="1" lang="en-US" altLang="zh-CN" sz="1200" dirty="0">
@@ -9203,24 +9171,14 @@
                 <a:p>
                   <a:pPr algn="ctr"/>
                   <a:r>
-                    <a:rPr kumimoji="1" lang="en-US" altLang="zh-CN" sz="1200" b="1" dirty="0" err="1">
+                    <a:rPr kumimoji="1" lang="en-US" altLang="zh-CN" sz="1200" b="1" dirty="0">
                       <a:solidFill>
                         <a:sysClr val="windowText" lastClr="000000"/>
                       </a:solidFill>
                       <a:latin typeface="DengXian" panose="02010600030101010101" pitchFamily="2" charset="-122"/>
                       <a:ea typeface="DengXian" panose="02010600030101010101" pitchFamily="2" charset="-122"/>
                     </a:rPr>
-                    <a:t>account</a:t>
-                  </a:r>
-                  <a:r>
-                    <a:rPr kumimoji="1" lang="en-US" altLang="zh-CN" sz="1200" dirty="0" err="1">
-                      <a:solidFill>
-                        <a:sysClr val="windowText" lastClr="000000"/>
-                      </a:solidFill>
-                      <a:latin typeface="DengXian" panose="02010600030101010101" pitchFamily="2" charset="-122"/>
-                      <a:ea typeface="DengXian" panose="02010600030101010101" pitchFamily="2" charset="-122"/>
-                    </a:rPr>
-                    <a:t>.id</a:t>
+                    <a:t>acc2</a:t>
                   </a:r>
                   <a:r>
                     <a:rPr kumimoji="1" lang="en-US" altLang="zh-CN" sz="1200" dirty="0">
@@ -9230,7 +9188,7 @@
                       <a:latin typeface="DengXian" panose="02010600030101010101" pitchFamily="2" charset="-122"/>
                       <a:ea typeface="DengXian" panose="02010600030101010101" pitchFamily="2" charset="-122"/>
                     </a:rPr>
-                    <a:t>:</a:t>
+                    <a:t>.id:</a:t>
                   </a:r>
                   <a:r>
                     <a:rPr kumimoji="1" lang="zh-CN" altLang="en-US" sz="1200" dirty="0">
@@ -10098,7 +10056,7 @@
                           <a:sysClr val="windowText" lastClr="000000"/>
                         </a:solidFill>
                       </a:rPr>
-                      <a:t>acc:</a:t>
+                      <a:t>acc1:</a:t>
                     </a:r>
                     <a:r>
                       <a:rPr kumimoji="1" lang="zh-CN" altLang="en-US" sz="1200" b="1" dirty="0">
@@ -10378,7 +10336,7 @@
                           <a:sysClr val="windowText" lastClr="000000"/>
                         </a:solidFill>
                       </a:rPr>
-                      <a:t>acc:</a:t>
+                      <a:t>acc2:</a:t>
                     </a:r>
                     <a:r>
                       <a:rPr kumimoji="1" lang="zh-CN" altLang="en-US" sz="1200" b="1" dirty="0">
@@ -11123,12 +11081,12 @@
               <a:p>
                 <a:pPr algn="ctr"/>
                 <a:r>
-                  <a:rPr kumimoji="1" lang="en-US" altLang="zh-CN" sz="1050" b="1" dirty="0" err="1">
+                  <a:rPr kumimoji="1" lang="en-US" altLang="zh-CN" sz="1050" b="1" dirty="0">
                     <a:solidFill>
                       <a:sysClr val="windowText" lastClr="000000"/>
                     </a:solidFill>
                   </a:rPr>
-                  <a:t>dst</a:t>
+                  <a:t>dst1</a:t>
                 </a:r>
                 <a:r>
                   <a:rPr kumimoji="1" lang="zh-CN" altLang="en-US" sz="1050" b="1" dirty="0">
@@ -11224,12 +11182,12 @@
               <a:p>
                 <a:pPr algn="ctr"/>
                 <a:r>
-                  <a:rPr kumimoji="1" lang="en-US" altLang="zh-CN" sz="1050" b="1" dirty="0" err="1">
+                  <a:rPr kumimoji="1" lang="en-US" altLang="zh-CN" sz="1050" b="1" dirty="0">
                     <a:solidFill>
                       <a:sysClr val="windowText" lastClr="000000"/>
                     </a:solidFill>
                   </a:rPr>
-                  <a:t>dst</a:t>
+                  <a:t>dst2</a:t>
                 </a:r>
                 <a:r>
                   <a:rPr kumimoji="1" lang="zh-CN" altLang="en-US" sz="1050" b="1" dirty="0">
@@ -11325,12 +11283,12 @@
               <a:p>
                 <a:pPr algn="ctr"/>
                 <a:r>
-                  <a:rPr kumimoji="1" lang="en-US" altLang="zh-CN" sz="1050" b="1" dirty="0" err="1">
+                  <a:rPr kumimoji="1" lang="en-US" altLang="zh-CN" sz="1050" b="1" dirty="0">
                     <a:solidFill>
                       <a:sysClr val="windowText" lastClr="000000"/>
                     </a:solidFill>
                   </a:rPr>
-                  <a:t>dst</a:t>
+                  <a:t>dst3</a:t>
                 </a:r>
                 <a:r>
                   <a:rPr kumimoji="1" lang="zh-CN" altLang="en-US" sz="1050" b="1" dirty="0">
@@ -11567,12 +11525,12 @@
               <a:p>
                 <a:pPr algn="ctr"/>
                 <a:r>
-                  <a:rPr kumimoji="1" lang="en-US" altLang="zh-CN" sz="1050" b="1" dirty="0" err="1">
+                  <a:rPr kumimoji="1" lang="en-US" altLang="zh-CN" sz="1050" b="1" dirty="0">
                     <a:solidFill>
                       <a:sysClr val="windowText" lastClr="000000"/>
                     </a:solidFill>
                   </a:rPr>
-                  <a:t>src</a:t>
+                  <a:t>src1</a:t>
                 </a:r>
                 <a:r>
                   <a:rPr kumimoji="1" lang="zh-CN" altLang="en-US" sz="1050" b="1" dirty="0">
@@ -11668,12 +11626,12 @@
               <a:p>
                 <a:pPr algn="ctr"/>
                 <a:r>
-                  <a:rPr kumimoji="1" lang="en-US" altLang="zh-CN" sz="1050" b="1" dirty="0" err="1">
+                  <a:rPr kumimoji="1" lang="en-US" altLang="zh-CN" sz="1050" b="1" dirty="0">
                     <a:solidFill>
                       <a:sysClr val="windowText" lastClr="000000"/>
                     </a:solidFill>
                   </a:rPr>
-                  <a:t>src</a:t>
+                  <a:t>src2</a:t>
                 </a:r>
                 <a:r>
                   <a:rPr kumimoji="1" lang="zh-CN" altLang="en-US" sz="1050" b="1" dirty="0">
@@ -11769,12 +11727,12 @@
               <a:p>
                 <a:pPr algn="ctr"/>
                 <a:r>
-                  <a:rPr kumimoji="1" lang="en-US" altLang="zh-CN" sz="1050" b="1" dirty="0" err="1">
+                  <a:rPr kumimoji="1" lang="en-US" altLang="zh-CN" sz="1050" b="1" dirty="0">
                     <a:solidFill>
                       <a:sysClr val="windowText" lastClr="000000"/>
                     </a:solidFill>
                   </a:rPr>
-                  <a:t>src</a:t>
+                  <a:t>src3</a:t>
                 </a:r>
                 <a:r>
                   <a:rPr kumimoji="1" lang="zh-CN" altLang="en-US" sz="1050" b="1" dirty="0">
@@ -12416,12 +12374,12 @@
               <a:p>
                 <a:pPr algn="ctr"/>
                 <a:r>
-                  <a:rPr kumimoji="1" lang="en-US" altLang="zh-CN" sz="1050" b="1" dirty="0" err="1">
+                  <a:rPr kumimoji="1" lang="en-US" altLang="zh-CN" sz="1050" b="1" dirty="0">
                     <a:solidFill>
                       <a:sysClr val="windowText" lastClr="000000"/>
                     </a:solidFill>
                   </a:rPr>
-                  <a:t>dst</a:t>
+                  <a:t>dst1</a:t>
                 </a:r>
                 <a:r>
                   <a:rPr kumimoji="1" lang="zh-CN" altLang="en-US" sz="1050" b="1" dirty="0">
@@ -12517,12 +12475,12 @@
               <a:p>
                 <a:pPr algn="ctr"/>
                 <a:r>
-                  <a:rPr kumimoji="1" lang="en-US" altLang="zh-CN" sz="1050" b="1" dirty="0" err="1">
+                  <a:rPr kumimoji="1" lang="en-US" altLang="zh-CN" sz="1050" b="1" dirty="0">
                     <a:solidFill>
                       <a:sysClr val="windowText" lastClr="000000"/>
                     </a:solidFill>
                   </a:rPr>
-                  <a:t>dst</a:t>
+                  <a:t>dst2</a:t>
                 </a:r>
                 <a:r>
                   <a:rPr kumimoji="1" lang="zh-CN" altLang="en-US" sz="1050" b="1" dirty="0">
@@ -12618,12 +12576,12 @@
               <a:p>
                 <a:pPr algn="ctr"/>
                 <a:r>
-                  <a:rPr kumimoji="1" lang="en-US" altLang="zh-CN" sz="1050" b="1" dirty="0" err="1">
+                  <a:rPr kumimoji="1" lang="en-US" altLang="zh-CN" sz="1050" b="1" dirty="0">
                     <a:solidFill>
                       <a:sysClr val="windowText" lastClr="000000"/>
                     </a:solidFill>
                   </a:rPr>
-                  <a:t>dst</a:t>
+                  <a:t>dst3</a:t>
                 </a:r>
                 <a:r>
                   <a:rPr kumimoji="1" lang="zh-CN" altLang="en-US" sz="1050" b="1" dirty="0">
@@ -12860,12 +12818,12 @@
               <a:p>
                 <a:pPr algn="ctr"/>
                 <a:r>
-                  <a:rPr kumimoji="1" lang="en-US" altLang="zh-CN" sz="1050" b="1" dirty="0" err="1">
+                  <a:rPr kumimoji="1" lang="en-US" altLang="zh-CN" sz="1050" b="1" dirty="0">
                     <a:solidFill>
                       <a:sysClr val="windowText" lastClr="000000"/>
                     </a:solidFill>
                   </a:rPr>
-                  <a:t>src</a:t>
+                  <a:t>src1</a:t>
                 </a:r>
                 <a:r>
                   <a:rPr kumimoji="1" lang="zh-CN" altLang="en-US" sz="1050" b="1" dirty="0">
@@ -12961,12 +12919,12 @@
               <a:p>
                 <a:pPr algn="ctr"/>
                 <a:r>
-                  <a:rPr kumimoji="1" lang="en-US" altLang="zh-CN" sz="1050" b="1" dirty="0" err="1">
+                  <a:rPr kumimoji="1" lang="en-US" altLang="zh-CN" sz="1050" b="1" dirty="0">
                     <a:solidFill>
                       <a:sysClr val="windowText" lastClr="000000"/>
                     </a:solidFill>
                   </a:rPr>
-                  <a:t>src</a:t>
+                  <a:t>src2</a:t>
                 </a:r>
                 <a:r>
                   <a:rPr kumimoji="1" lang="zh-CN" altLang="en-US" sz="1050" b="1" dirty="0">
@@ -13062,12 +13020,12 @@
               <a:p>
                 <a:pPr algn="ctr"/>
                 <a:r>
-                  <a:rPr kumimoji="1" lang="en-US" altLang="zh-CN" sz="1050" b="1" dirty="0" err="1">
+                  <a:rPr kumimoji="1" lang="en-US" altLang="zh-CN" sz="1050" b="1" dirty="0">
                     <a:solidFill>
                       <a:sysClr val="windowText" lastClr="000000"/>
                     </a:solidFill>
                   </a:rPr>
-                  <a:t>src</a:t>
+                  <a:t>src3</a:t>
                 </a:r>
                 <a:r>
                   <a:rPr kumimoji="1" lang="zh-CN" altLang="en-US" sz="1050" b="1" dirty="0">
@@ -13626,10 +13584,10 @@
       </p:grpSpPr>
       <p:grpSp>
         <p:nvGrpSpPr>
-          <p:cNvPr id="15" name="Group 14">
+          <p:cNvPr id="20" name="Group 19">
             <a:extLst>
               <a:ext uri="{FF2B5EF4-FFF2-40B4-BE49-F238E27FC236}">
-                <a16:creationId xmlns:a16="http://schemas.microsoft.com/office/drawing/2014/main" id="{B37DE32A-6A36-0BAB-D732-6BB47506036B}"/>
+                <a16:creationId xmlns:a16="http://schemas.microsoft.com/office/drawing/2014/main" id="{902053F8-3324-F256-5649-606F685D32DA}"/>
               </a:ext>
             </a:extLst>
           </p:cNvPr>
@@ -14877,733 +14835,654 @@
             </a:p>
           </p:txBody>
         </p:sp>
-        <p:grpSp>
-          <p:nvGrpSpPr>
-            <p:cNvPr id="2" name="Group 1">
+        <p:sp>
+          <p:nvSpPr>
+            <p:cNvPr id="3" name="矩形 3">
               <a:extLst>
                 <a:ext uri="{FF2B5EF4-FFF2-40B4-BE49-F238E27FC236}">
-                  <a16:creationId xmlns:a16="http://schemas.microsoft.com/office/drawing/2014/main" id="{5E76F9EC-E320-90AE-75BD-3038FD4D8ABC}"/>
+                  <a16:creationId xmlns:a16="http://schemas.microsoft.com/office/drawing/2014/main" id="{8F12623E-F63D-0BAD-DD63-3F5BA94932D1}"/>
                 </a:ext>
               </a:extLst>
             </p:cNvPr>
-            <p:cNvGrpSpPr/>
+            <p:cNvSpPr/>
             <p:nvPr/>
-          </p:nvGrpSpPr>
-          <p:grpSpPr>
+          </p:nvSpPr>
+          <p:spPr>
             <a:xfrm>
-              <a:off x="1712524" y="947409"/>
-              <a:ext cx="1577684" cy="652396"/>
-              <a:chOff x="6743980" y="2882432"/>
-              <a:chExt cx="2116478" cy="870527"/>
+              <a:off x="1712524" y="1271117"/>
+              <a:ext cx="1577684" cy="328688"/>
             </a:xfrm>
-          </p:grpSpPr>
-          <p:sp>
-            <p:nvSpPr>
-              <p:cNvPr id="3" name="矩形 3">
-                <a:extLst>
-                  <a:ext uri="{FF2B5EF4-FFF2-40B4-BE49-F238E27FC236}">
-                    <a16:creationId xmlns:a16="http://schemas.microsoft.com/office/drawing/2014/main" id="{8F12623E-F63D-0BAD-DD63-3F5BA94932D1}"/>
-                  </a:ext>
-                </a:extLst>
-              </p:cNvPr>
-              <p:cNvSpPr/>
-              <p:nvPr/>
-            </p:nvSpPr>
-            <p:spPr>
-              <a:xfrm>
-                <a:off x="6743980" y="3314373"/>
-                <a:ext cx="2116478" cy="438586"/>
-              </a:xfrm>
-              <a:prstGeom prst="rect">
-                <a:avLst/>
-              </a:prstGeom>
-              <a:noFill/>
-              <a:ln w="25400">
-                <a:solidFill>
-                  <a:schemeClr val="tx1"/>
-                </a:solidFill>
-              </a:ln>
-            </p:spPr>
-            <p:style>
-              <a:lnRef idx="2">
-                <a:schemeClr val="accent2">
-                  <a:shade val="50000"/>
-                </a:schemeClr>
-              </a:lnRef>
-              <a:fillRef idx="1">
-                <a:schemeClr val="accent2"/>
-              </a:fillRef>
-              <a:effectRef idx="0">
-                <a:schemeClr val="accent2"/>
-              </a:effectRef>
-              <a:fontRef idx="minor">
-                <a:schemeClr val="lt1"/>
-              </a:fontRef>
-            </p:style>
-            <p:txBody>
-              <a:bodyPr rtlCol="0" anchor="ctr"/>
-              <a:lstStyle/>
-              <a:p>
-                <a:pPr algn="ctr"/>
-                <a:r>
-                  <a:rPr kumimoji="1" lang="en-US" altLang="zh-CN" sz="1100" b="1" dirty="0" err="1">
-                    <a:solidFill>
-                      <a:sysClr val="windowText" lastClr="000000"/>
-                    </a:solidFill>
-                    <a:latin typeface="DengXian" panose="02010600030101010101" pitchFamily="2" charset="-122"/>
-                    <a:ea typeface="DengXian" panose="02010600030101010101" pitchFamily="2" charset="-122"/>
-                  </a:rPr>
-                  <a:t>person</a:t>
-                </a:r>
-                <a:r>
-                  <a:rPr kumimoji="1" lang="en-US" altLang="zh-CN" sz="1100" dirty="0" err="1">
-                    <a:solidFill>
-                      <a:sysClr val="windowText" lastClr="000000"/>
-                    </a:solidFill>
-                    <a:latin typeface="DengXian" panose="02010600030101010101" pitchFamily="2" charset="-122"/>
-                    <a:ea typeface="DengXian" panose="02010600030101010101" pitchFamily="2" charset="-122"/>
-                  </a:rPr>
-                  <a:t>.id</a:t>
-                </a:r>
-                <a:r>
-                  <a:rPr kumimoji="1" lang="en-US" altLang="zh-CN" sz="1100" dirty="0">
-                    <a:solidFill>
-                      <a:sysClr val="windowText" lastClr="000000"/>
-                    </a:solidFill>
-                    <a:latin typeface="DengXian" panose="02010600030101010101" pitchFamily="2" charset="-122"/>
-                    <a:ea typeface="DengXian" panose="02010600030101010101" pitchFamily="2" charset="-122"/>
-                  </a:rPr>
-                  <a:t>:</a:t>
-                </a:r>
-                <a:r>
-                  <a:rPr kumimoji="1" lang="zh-CN" altLang="en-US" sz="1100" dirty="0">
-                    <a:solidFill>
-                      <a:sysClr val="windowText" lastClr="000000"/>
-                    </a:solidFill>
-                    <a:latin typeface="DengXian" panose="02010600030101010101" pitchFamily="2" charset="-122"/>
-                    <a:ea typeface="DengXian" panose="02010600030101010101" pitchFamily="2" charset="-122"/>
-                  </a:rPr>
-                  <a:t> </a:t>
-                </a:r>
-                <a:r>
-                  <a:rPr kumimoji="1" lang="en-US" altLang="zh-CN" sz="1100" dirty="0">
-                    <a:solidFill>
-                      <a:sysClr val="windowText" lastClr="000000"/>
-                    </a:solidFill>
-                    <a:latin typeface="DengXian" panose="02010600030101010101" pitchFamily="2" charset="-122"/>
-                    <a:ea typeface="DengXian" panose="02010600030101010101" pitchFamily="2" charset="-122"/>
-                  </a:rPr>
-                  <a:t>${</a:t>
-                </a:r>
-                <a:r>
-                  <a:rPr kumimoji="1" lang="en-US" altLang="zh-CN" sz="1100" dirty="0" err="1">
-                    <a:solidFill>
-                      <a:sysClr val="windowText" lastClr="000000"/>
-                    </a:solidFill>
-                    <a:latin typeface="DengXian" panose="02010600030101010101" pitchFamily="2" charset="-122"/>
-                    <a:ea typeface="DengXian" panose="02010600030101010101" pitchFamily="2" charset="-122"/>
-                  </a:rPr>
-                  <a:t>srcId</a:t>
-                </a:r>
-                <a:r>
-                  <a:rPr kumimoji="1" lang="en-US" altLang="zh-CN" sz="1100" dirty="0">
-                    <a:solidFill>
-                      <a:sysClr val="windowText" lastClr="000000"/>
-                    </a:solidFill>
-                    <a:latin typeface="DengXian" panose="02010600030101010101" pitchFamily="2" charset="-122"/>
-                    <a:ea typeface="DengXian" panose="02010600030101010101" pitchFamily="2" charset="-122"/>
-                  </a:rPr>
-                  <a:t>}</a:t>
-                </a:r>
-                <a:endParaRPr kumimoji="1" lang="zh-CN" altLang="en-US" sz="1100" dirty="0">
+            <a:prstGeom prst="rect">
+              <a:avLst/>
+            </a:prstGeom>
+            <a:noFill/>
+            <a:ln w="25400">
+              <a:solidFill>
+                <a:schemeClr val="tx1"/>
+              </a:solidFill>
+            </a:ln>
+          </p:spPr>
+          <p:style>
+            <a:lnRef idx="2">
+              <a:schemeClr val="accent2">
+                <a:shade val="50000"/>
+              </a:schemeClr>
+            </a:lnRef>
+            <a:fillRef idx="1">
+              <a:schemeClr val="accent2"/>
+            </a:fillRef>
+            <a:effectRef idx="0">
+              <a:schemeClr val="accent2"/>
+            </a:effectRef>
+            <a:fontRef idx="minor">
+              <a:schemeClr val="lt1"/>
+            </a:fontRef>
+          </p:style>
+          <p:txBody>
+            <a:bodyPr rtlCol="0" anchor="ctr"/>
+            <a:lstStyle/>
+            <a:p>
+              <a:pPr algn="ctr"/>
+              <a:r>
+                <a:rPr kumimoji="1" lang="en-US" altLang="zh-CN" sz="1100" b="1" dirty="0" err="1">
                   <a:solidFill>
                     <a:sysClr val="windowText" lastClr="000000"/>
                   </a:solidFill>
                   <a:latin typeface="DengXian" panose="02010600030101010101" pitchFamily="2" charset="-122"/>
                   <a:ea typeface="DengXian" panose="02010600030101010101" pitchFamily="2" charset="-122"/>
-                </a:endParaRPr>
-              </a:p>
-            </p:txBody>
-          </p:sp>
-          <p:sp>
-            <p:nvSpPr>
-              <p:cNvPr id="5" name="矩形 9">
-                <a:extLst>
-                  <a:ext uri="{FF2B5EF4-FFF2-40B4-BE49-F238E27FC236}">
-                    <a16:creationId xmlns:a16="http://schemas.microsoft.com/office/drawing/2014/main" id="{50FEE619-02E9-8DC5-D5C2-A25879926CC7}"/>
-                  </a:ext>
-                </a:extLst>
-              </p:cNvPr>
-              <p:cNvSpPr/>
-              <p:nvPr/>
-            </p:nvSpPr>
-            <p:spPr>
-              <a:xfrm>
-                <a:off x="6743980" y="2882432"/>
-                <a:ext cx="2116478" cy="438592"/>
-              </a:xfrm>
-              <a:prstGeom prst="rect">
-                <a:avLst/>
-              </a:prstGeom>
-              <a:solidFill>
-                <a:schemeClr val="accent6">
-                  <a:lumMod val="60000"/>
-                  <a:lumOff val="40000"/>
-                </a:schemeClr>
-              </a:solidFill>
-              <a:ln w="25400">
+                </a:rPr>
+                <a:t>person</a:t>
+              </a:r>
+              <a:r>
+                <a:rPr kumimoji="1" lang="en-US" altLang="zh-CN" sz="1100" dirty="0" err="1">
+                  <a:solidFill>
+                    <a:sysClr val="windowText" lastClr="000000"/>
+                  </a:solidFill>
+                  <a:latin typeface="DengXian" panose="02010600030101010101" pitchFamily="2" charset="-122"/>
+                  <a:ea typeface="DengXian" panose="02010600030101010101" pitchFamily="2" charset="-122"/>
+                </a:rPr>
+                <a:t>.id</a:t>
+              </a:r>
+              <a:r>
+                <a:rPr kumimoji="1" lang="en-US" altLang="zh-CN" sz="1100" dirty="0">
+                  <a:solidFill>
+                    <a:sysClr val="windowText" lastClr="000000"/>
+                  </a:solidFill>
+                  <a:latin typeface="DengXian" panose="02010600030101010101" pitchFamily="2" charset="-122"/>
+                  <a:ea typeface="DengXian" panose="02010600030101010101" pitchFamily="2" charset="-122"/>
+                </a:rPr>
+                <a:t>:</a:t>
+              </a:r>
+              <a:r>
+                <a:rPr kumimoji="1" lang="zh-CN" altLang="en-US" sz="1100" dirty="0">
+                  <a:solidFill>
+                    <a:sysClr val="windowText" lastClr="000000"/>
+                  </a:solidFill>
+                  <a:latin typeface="DengXian" panose="02010600030101010101" pitchFamily="2" charset="-122"/>
+                  <a:ea typeface="DengXian" panose="02010600030101010101" pitchFamily="2" charset="-122"/>
+                </a:rPr>
+                <a:t> </a:t>
+              </a:r>
+              <a:r>
+                <a:rPr kumimoji="1" lang="en-US" altLang="zh-CN" sz="1100" dirty="0">
+                  <a:solidFill>
+                    <a:sysClr val="windowText" lastClr="000000"/>
+                  </a:solidFill>
+                  <a:latin typeface="DengXian" panose="02010600030101010101" pitchFamily="2" charset="-122"/>
+                  <a:ea typeface="DengXian" panose="02010600030101010101" pitchFamily="2" charset="-122"/>
+                </a:rPr>
+                <a:t>${</a:t>
+              </a:r>
+              <a:r>
+                <a:rPr kumimoji="1" lang="en-US" altLang="zh-CN" sz="1100" dirty="0" err="1">
+                  <a:solidFill>
+                    <a:sysClr val="windowText" lastClr="000000"/>
+                  </a:solidFill>
+                  <a:latin typeface="DengXian" panose="02010600030101010101" pitchFamily="2" charset="-122"/>
+                  <a:ea typeface="DengXian" panose="02010600030101010101" pitchFamily="2" charset="-122"/>
+                </a:rPr>
+                <a:t>srcId</a:t>
+              </a:r>
+              <a:r>
+                <a:rPr kumimoji="1" lang="en-US" altLang="zh-CN" sz="1100" dirty="0">
+                  <a:solidFill>
+                    <a:sysClr val="windowText" lastClr="000000"/>
+                  </a:solidFill>
+                  <a:latin typeface="DengXian" panose="02010600030101010101" pitchFamily="2" charset="-122"/>
+                  <a:ea typeface="DengXian" panose="02010600030101010101" pitchFamily="2" charset="-122"/>
+                </a:rPr>
+                <a:t>}</a:t>
+              </a:r>
+              <a:endParaRPr kumimoji="1" lang="zh-CN" altLang="en-US" sz="1100" dirty="0">
                 <a:solidFill>
-                  <a:schemeClr val="tx1"/>
+                  <a:sysClr val="windowText" lastClr="000000"/>
                 </a:solidFill>
-              </a:ln>
-            </p:spPr>
-            <p:style>
-              <a:lnRef idx="2">
-                <a:schemeClr val="accent2">
-                  <a:shade val="50000"/>
-                </a:schemeClr>
-              </a:lnRef>
-              <a:fillRef idx="1">
-                <a:schemeClr val="accent2"/>
-              </a:fillRef>
-              <a:effectRef idx="0">
-                <a:schemeClr val="accent2"/>
-              </a:effectRef>
-              <a:fontRef idx="minor">
-                <a:schemeClr val="lt1"/>
-              </a:fontRef>
-            </p:style>
-            <p:txBody>
-              <a:bodyPr rtlCol="0" anchor="ctr"/>
-              <a:lstStyle/>
-              <a:p>
-                <a:pPr algn="ctr"/>
-                <a:r>
-                  <a:rPr kumimoji="1" lang="en-US" altLang="zh-CN" sz="1100" b="1" dirty="0">
-                    <a:solidFill>
-                      <a:sysClr val="windowText" lastClr="000000"/>
-                    </a:solidFill>
-                  </a:rPr>
-                  <a:t>person</a:t>
-                </a:r>
-                <a:r>
-                  <a:rPr kumimoji="1" lang="zh-CN" altLang="en-US" sz="1100" dirty="0">
-                    <a:solidFill>
-                      <a:sysClr val="windowText" lastClr="000000"/>
-                    </a:solidFill>
-                  </a:rPr>
-                  <a:t> </a:t>
-                </a:r>
-                <a:r>
-                  <a:rPr kumimoji="1" lang="en-US" altLang="zh-CN" sz="1100" dirty="0">
-                    <a:solidFill>
-                      <a:sysClr val="windowText" lastClr="000000"/>
-                    </a:solidFill>
-                  </a:rPr>
-                  <a:t>:</a:t>
-                </a:r>
-                <a:r>
-                  <a:rPr kumimoji="1" lang="zh-CN" altLang="en-US" sz="1100" dirty="0">
-                    <a:solidFill>
-                      <a:sysClr val="windowText" lastClr="000000"/>
-                    </a:solidFill>
-                  </a:rPr>
-                  <a:t> </a:t>
-                </a:r>
-                <a:r>
-                  <a:rPr kumimoji="1" lang="en-US" altLang="zh-CN" sz="1100" dirty="0">
-                    <a:solidFill>
-                      <a:sysClr val="windowText" lastClr="000000"/>
-                    </a:solidFill>
-                  </a:rPr>
-                  <a:t>Person</a:t>
-                </a:r>
-                <a:endParaRPr kumimoji="1" lang="zh-CN" altLang="en-US" sz="1100" dirty="0">
-                  <a:solidFill>
-                    <a:sysClr val="windowText" lastClr="000000"/>
-                  </a:solidFill>
-                </a:endParaRPr>
-              </a:p>
-            </p:txBody>
-          </p:sp>
-        </p:grpSp>
-        <p:grpSp>
-          <p:nvGrpSpPr>
-            <p:cNvPr id="7" name="Group 6">
+                <a:latin typeface="DengXian" panose="02010600030101010101" pitchFamily="2" charset="-122"/>
+                <a:ea typeface="DengXian" panose="02010600030101010101" pitchFamily="2" charset="-122"/>
+              </a:endParaRPr>
+            </a:p>
+          </p:txBody>
+        </p:sp>
+        <p:sp>
+          <p:nvSpPr>
+            <p:cNvPr id="5" name="矩形 9">
               <a:extLst>
                 <a:ext uri="{FF2B5EF4-FFF2-40B4-BE49-F238E27FC236}">
-                  <a16:creationId xmlns:a16="http://schemas.microsoft.com/office/drawing/2014/main" id="{BD010806-E46F-F21B-D1AB-2B10C38987A7}"/>
+                  <a16:creationId xmlns:a16="http://schemas.microsoft.com/office/drawing/2014/main" id="{50FEE619-02E9-8DC5-D5C2-A25879926CC7}"/>
                 </a:ext>
               </a:extLst>
             </p:cNvPr>
-            <p:cNvGrpSpPr/>
+            <p:cNvSpPr/>
             <p:nvPr/>
-          </p:nvGrpSpPr>
-          <p:grpSpPr>
+          </p:nvSpPr>
+          <p:spPr>
             <a:xfrm>
-              <a:off x="4203656" y="945452"/>
-              <a:ext cx="1577684" cy="652396"/>
-              <a:chOff x="6743980" y="2882432"/>
-              <a:chExt cx="2116478" cy="870527"/>
+              <a:off x="1712524" y="947409"/>
+              <a:ext cx="1577684" cy="328692"/>
             </a:xfrm>
-          </p:grpSpPr>
-          <p:sp>
-            <p:nvSpPr>
-              <p:cNvPr id="21" name="矩形 3">
-                <a:extLst>
-                  <a:ext uri="{FF2B5EF4-FFF2-40B4-BE49-F238E27FC236}">
-                    <a16:creationId xmlns:a16="http://schemas.microsoft.com/office/drawing/2014/main" id="{1236B52D-95B6-4831-E01E-EF4988530D4F}"/>
-                  </a:ext>
-                </a:extLst>
-              </p:cNvPr>
-              <p:cNvSpPr/>
-              <p:nvPr/>
-            </p:nvSpPr>
-            <p:spPr>
-              <a:xfrm>
-                <a:off x="6743980" y="3314373"/>
-                <a:ext cx="2116478" cy="438586"/>
-              </a:xfrm>
-              <a:prstGeom prst="rect">
-                <a:avLst/>
-              </a:prstGeom>
-              <a:noFill/>
-              <a:ln w="25400">
+            <a:prstGeom prst="rect">
+              <a:avLst/>
+            </a:prstGeom>
+            <a:solidFill>
+              <a:schemeClr val="accent6">
+                <a:lumMod val="60000"/>
+                <a:lumOff val="40000"/>
+              </a:schemeClr>
+            </a:solidFill>
+            <a:ln w="25400">
+              <a:solidFill>
+                <a:schemeClr val="tx1"/>
+              </a:solidFill>
+            </a:ln>
+          </p:spPr>
+          <p:style>
+            <a:lnRef idx="2">
+              <a:schemeClr val="accent2">
+                <a:shade val="50000"/>
+              </a:schemeClr>
+            </a:lnRef>
+            <a:fillRef idx="1">
+              <a:schemeClr val="accent2"/>
+            </a:fillRef>
+            <a:effectRef idx="0">
+              <a:schemeClr val="accent2"/>
+            </a:effectRef>
+            <a:fontRef idx="minor">
+              <a:schemeClr val="lt1"/>
+            </a:fontRef>
+          </p:style>
+          <p:txBody>
+            <a:bodyPr rtlCol="0" anchor="ctr"/>
+            <a:lstStyle/>
+            <a:p>
+              <a:pPr algn="ctr"/>
+              <a:r>
+                <a:rPr kumimoji="1" lang="en-US" altLang="zh-CN" sz="1100" b="1" dirty="0">
+                  <a:solidFill>
+                    <a:sysClr val="windowText" lastClr="000000"/>
+                  </a:solidFill>
+                </a:rPr>
+                <a:t>person1</a:t>
+              </a:r>
+              <a:r>
+                <a:rPr kumimoji="1" lang="en-US" altLang="zh-CN" sz="1100" dirty="0">
+                  <a:solidFill>
+                    <a:sysClr val="windowText" lastClr="000000"/>
+                  </a:solidFill>
+                </a:rPr>
+                <a:t>:</a:t>
+              </a:r>
+              <a:r>
+                <a:rPr kumimoji="1" lang="zh-CN" altLang="en-US" sz="1100" dirty="0">
+                  <a:solidFill>
+                    <a:sysClr val="windowText" lastClr="000000"/>
+                  </a:solidFill>
+                </a:rPr>
+                <a:t> </a:t>
+              </a:r>
+              <a:r>
+                <a:rPr kumimoji="1" lang="en-US" altLang="zh-CN" sz="1100" dirty="0">
+                  <a:solidFill>
+                    <a:sysClr val="windowText" lastClr="000000"/>
+                  </a:solidFill>
+                </a:rPr>
+                <a:t>Person</a:t>
+              </a:r>
+              <a:endParaRPr kumimoji="1" lang="zh-CN" altLang="en-US" sz="1100" dirty="0">
                 <a:solidFill>
-                  <a:schemeClr val="tx1"/>
+                  <a:sysClr val="windowText" lastClr="000000"/>
                 </a:solidFill>
-              </a:ln>
-            </p:spPr>
-            <p:style>
-              <a:lnRef idx="2">
-                <a:schemeClr val="accent2">
-                  <a:shade val="50000"/>
-                </a:schemeClr>
-              </a:lnRef>
-              <a:fillRef idx="1">
-                <a:schemeClr val="accent2"/>
-              </a:fillRef>
-              <a:effectRef idx="0">
-                <a:schemeClr val="accent2"/>
-              </a:effectRef>
-              <a:fontRef idx="minor">
-                <a:schemeClr val="lt1"/>
-              </a:fontRef>
-            </p:style>
-            <p:txBody>
-              <a:bodyPr rtlCol="0" anchor="ctr"/>
-              <a:lstStyle/>
-              <a:p>
-                <a:pPr algn="ctr"/>
-                <a:r>
-                  <a:rPr kumimoji="1" lang="en-US" altLang="zh-CN" sz="1100" b="1" dirty="0" err="1">
-                    <a:solidFill>
-                      <a:sysClr val="windowText" lastClr="000000"/>
-                    </a:solidFill>
-                    <a:latin typeface="DengXian" panose="02010600030101010101" pitchFamily="2" charset="-122"/>
-                    <a:ea typeface="DengXian" panose="02010600030101010101" pitchFamily="2" charset="-122"/>
-                  </a:rPr>
-                  <a:t>person</a:t>
-                </a:r>
-                <a:r>
-                  <a:rPr kumimoji="1" lang="en-US" altLang="zh-CN" sz="1100" dirty="0" err="1">
-                    <a:solidFill>
-                      <a:sysClr val="windowText" lastClr="000000"/>
-                    </a:solidFill>
-                    <a:latin typeface="DengXian" panose="02010600030101010101" pitchFamily="2" charset="-122"/>
-                    <a:ea typeface="DengXian" panose="02010600030101010101" pitchFamily="2" charset="-122"/>
-                  </a:rPr>
-                  <a:t>.id</a:t>
-                </a:r>
-                <a:r>
-                  <a:rPr kumimoji="1" lang="en-US" altLang="zh-CN" sz="1100" dirty="0">
-                    <a:solidFill>
-                      <a:sysClr val="windowText" lastClr="000000"/>
-                    </a:solidFill>
-                    <a:latin typeface="DengXian" panose="02010600030101010101" pitchFamily="2" charset="-122"/>
-                    <a:ea typeface="DengXian" panose="02010600030101010101" pitchFamily="2" charset="-122"/>
-                  </a:rPr>
-                  <a:t>:</a:t>
-                </a:r>
-                <a:r>
-                  <a:rPr kumimoji="1" lang="zh-CN" altLang="en-US" sz="1100" dirty="0">
-                    <a:solidFill>
-                      <a:sysClr val="windowText" lastClr="000000"/>
-                    </a:solidFill>
-                    <a:latin typeface="DengXian" panose="02010600030101010101" pitchFamily="2" charset="-122"/>
-                    <a:ea typeface="DengXian" panose="02010600030101010101" pitchFamily="2" charset="-122"/>
-                  </a:rPr>
-                  <a:t> </a:t>
-                </a:r>
-                <a:r>
-                  <a:rPr kumimoji="1" lang="en-US" altLang="zh-CN" sz="1100" dirty="0">
-                    <a:solidFill>
-                      <a:sysClr val="windowText" lastClr="000000"/>
-                    </a:solidFill>
-                    <a:latin typeface="DengXian" panose="02010600030101010101" pitchFamily="2" charset="-122"/>
-                    <a:ea typeface="DengXian" panose="02010600030101010101" pitchFamily="2" charset="-122"/>
-                  </a:rPr>
-                  <a:t>${</a:t>
-                </a:r>
-                <a:r>
-                  <a:rPr kumimoji="1" lang="en-US" altLang="zh-CN" sz="1100" dirty="0" err="1">
-                    <a:solidFill>
-                      <a:sysClr val="windowText" lastClr="000000"/>
-                    </a:solidFill>
-                    <a:latin typeface="DengXian" panose="02010600030101010101" pitchFamily="2" charset="-122"/>
-                    <a:ea typeface="DengXian" panose="02010600030101010101" pitchFamily="2" charset="-122"/>
-                  </a:rPr>
-                  <a:t>dstId</a:t>
-                </a:r>
-                <a:r>
-                  <a:rPr kumimoji="1" lang="en-US" altLang="zh-CN" sz="1100" dirty="0">
-                    <a:solidFill>
-                      <a:sysClr val="windowText" lastClr="000000"/>
-                    </a:solidFill>
-                    <a:latin typeface="DengXian" panose="02010600030101010101" pitchFamily="2" charset="-122"/>
-                    <a:ea typeface="DengXian" panose="02010600030101010101" pitchFamily="2" charset="-122"/>
-                  </a:rPr>
-                  <a:t>}</a:t>
-                </a:r>
-                <a:endParaRPr kumimoji="1" lang="zh-CN" altLang="en-US" sz="1100" dirty="0">
-                  <a:solidFill>
-                    <a:sysClr val="windowText" lastClr="000000"/>
-                  </a:solidFill>
-                  <a:latin typeface="DengXian" panose="02010600030101010101" pitchFamily="2" charset="-122"/>
-                  <a:ea typeface="DengXian" panose="02010600030101010101" pitchFamily="2" charset="-122"/>
-                </a:endParaRPr>
-              </a:p>
-            </p:txBody>
-          </p:sp>
-          <p:sp>
-            <p:nvSpPr>
-              <p:cNvPr id="22" name="矩形 9">
-                <a:extLst>
-                  <a:ext uri="{FF2B5EF4-FFF2-40B4-BE49-F238E27FC236}">
-                    <a16:creationId xmlns:a16="http://schemas.microsoft.com/office/drawing/2014/main" id="{101B88CC-D5B6-36EC-4F9D-417DDAE3ED99}"/>
-                  </a:ext>
-                </a:extLst>
-              </p:cNvPr>
-              <p:cNvSpPr/>
-              <p:nvPr/>
-            </p:nvSpPr>
-            <p:spPr>
-              <a:xfrm>
-                <a:off x="6743980" y="2882432"/>
-                <a:ext cx="2116478" cy="438592"/>
-              </a:xfrm>
-              <a:prstGeom prst="rect">
-                <a:avLst/>
-              </a:prstGeom>
-              <a:solidFill>
-                <a:schemeClr val="accent6">
-                  <a:lumMod val="60000"/>
-                  <a:lumOff val="40000"/>
-                </a:schemeClr>
-              </a:solidFill>
-              <a:ln w="25400">
-                <a:solidFill>
-                  <a:schemeClr val="tx1"/>
-                </a:solidFill>
-              </a:ln>
-            </p:spPr>
-            <p:style>
-              <a:lnRef idx="2">
-                <a:schemeClr val="accent2">
-                  <a:shade val="50000"/>
-                </a:schemeClr>
-              </a:lnRef>
-              <a:fillRef idx="1">
-                <a:schemeClr val="accent2"/>
-              </a:fillRef>
-              <a:effectRef idx="0">
-                <a:schemeClr val="accent2"/>
-              </a:effectRef>
-              <a:fontRef idx="minor">
-                <a:schemeClr val="lt1"/>
-              </a:fontRef>
-            </p:style>
-            <p:txBody>
-              <a:bodyPr rtlCol="0" anchor="ctr"/>
-              <a:lstStyle/>
-              <a:p>
-                <a:pPr algn="ctr"/>
-                <a:r>
-                  <a:rPr kumimoji="1" lang="en-US" altLang="zh-CN" sz="1100" b="1" dirty="0">
-                    <a:solidFill>
-                      <a:sysClr val="windowText" lastClr="000000"/>
-                    </a:solidFill>
-                  </a:rPr>
-                  <a:t>person</a:t>
-                </a:r>
-                <a:r>
-                  <a:rPr kumimoji="1" lang="zh-CN" altLang="en-US" sz="1100" dirty="0">
-                    <a:solidFill>
-                      <a:sysClr val="windowText" lastClr="000000"/>
-                    </a:solidFill>
-                  </a:rPr>
-                  <a:t> </a:t>
-                </a:r>
-                <a:r>
-                  <a:rPr kumimoji="1" lang="en-US" altLang="zh-CN" sz="1100" dirty="0">
-                    <a:solidFill>
-                      <a:sysClr val="windowText" lastClr="000000"/>
-                    </a:solidFill>
-                  </a:rPr>
-                  <a:t>:</a:t>
-                </a:r>
-                <a:r>
-                  <a:rPr kumimoji="1" lang="zh-CN" altLang="en-US" sz="1100" dirty="0">
-                    <a:solidFill>
-                      <a:sysClr val="windowText" lastClr="000000"/>
-                    </a:solidFill>
-                  </a:rPr>
-                  <a:t> </a:t>
-                </a:r>
-                <a:r>
-                  <a:rPr kumimoji="1" lang="en-US" altLang="zh-CN" sz="1100" dirty="0">
-                    <a:solidFill>
-                      <a:sysClr val="windowText" lastClr="000000"/>
-                    </a:solidFill>
-                  </a:rPr>
-                  <a:t>Person</a:t>
-                </a:r>
-                <a:endParaRPr kumimoji="1" lang="zh-CN" altLang="en-US" sz="1100" dirty="0">
-                  <a:solidFill>
-                    <a:sysClr val="windowText" lastClr="000000"/>
-                  </a:solidFill>
-                </a:endParaRPr>
-              </a:p>
-            </p:txBody>
-          </p:sp>
-        </p:grpSp>
-        <p:grpSp>
-          <p:nvGrpSpPr>
-            <p:cNvPr id="25" name="Group 24">
+              </a:endParaRPr>
+            </a:p>
+          </p:txBody>
+        </p:sp>
+        <p:sp>
+          <p:nvSpPr>
+            <p:cNvPr id="21" name="矩形 3">
               <a:extLst>
                 <a:ext uri="{FF2B5EF4-FFF2-40B4-BE49-F238E27FC236}">
-                  <a16:creationId xmlns:a16="http://schemas.microsoft.com/office/drawing/2014/main" id="{4423D10F-F3B0-39F5-180C-6A27E93831E7}"/>
+                  <a16:creationId xmlns:a16="http://schemas.microsoft.com/office/drawing/2014/main" id="{1236B52D-95B6-4831-E01E-EF4988530D4F}"/>
                 </a:ext>
               </a:extLst>
             </p:cNvPr>
-            <p:cNvGrpSpPr/>
+            <p:cNvSpPr/>
             <p:nvPr/>
-          </p:nvGrpSpPr>
-          <p:grpSpPr>
+          </p:nvSpPr>
+          <p:spPr>
+            <a:xfrm>
+              <a:off x="4203656" y="1269160"/>
+              <a:ext cx="1577684" cy="328688"/>
+            </a:xfrm>
+            <a:prstGeom prst="rect">
+              <a:avLst/>
+            </a:prstGeom>
+            <a:noFill/>
+            <a:ln w="25400">
+              <a:solidFill>
+                <a:schemeClr val="tx1"/>
+              </a:solidFill>
+            </a:ln>
+          </p:spPr>
+          <p:style>
+            <a:lnRef idx="2">
+              <a:schemeClr val="accent2">
+                <a:shade val="50000"/>
+              </a:schemeClr>
+            </a:lnRef>
+            <a:fillRef idx="1">
+              <a:schemeClr val="accent2"/>
+            </a:fillRef>
+            <a:effectRef idx="0">
+              <a:schemeClr val="accent2"/>
+            </a:effectRef>
+            <a:fontRef idx="minor">
+              <a:schemeClr val="lt1"/>
+            </a:fontRef>
+          </p:style>
+          <p:txBody>
+            <a:bodyPr rtlCol="0" anchor="ctr"/>
+            <a:lstStyle/>
+            <a:p>
+              <a:pPr algn="ctr"/>
+              <a:r>
+                <a:rPr kumimoji="1" lang="en-US" altLang="zh-CN" sz="1100" b="1" dirty="0" err="1">
+                  <a:solidFill>
+                    <a:sysClr val="windowText" lastClr="000000"/>
+                  </a:solidFill>
+                  <a:latin typeface="DengXian" panose="02010600030101010101" pitchFamily="2" charset="-122"/>
+                  <a:ea typeface="DengXian" panose="02010600030101010101" pitchFamily="2" charset="-122"/>
+                </a:rPr>
+                <a:t>person</a:t>
+              </a:r>
+              <a:r>
+                <a:rPr kumimoji="1" lang="en-US" altLang="zh-CN" sz="1100" dirty="0" err="1">
+                  <a:solidFill>
+                    <a:sysClr val="windowText" lastClr="000000"/>
+                  </a:solidFill>
+                  <a:latin typeface="DengXian" panose="02010600030101010101" pitchFamily="2" charset="-122"/>
+                  <a:ea typeface="DengXian" panose="02010600030101010101" pitchFamily="2" charset="-122"/>
+                </a:rPr>
+                <a:t>.id</a:t>
+              </a:r>
+              <a:r>
+                <a:rPr kumimoji="1" lang="en-US" altLang="zh-CN" sz="1100" dirty="0">
+                  <a:solidFill>
+                    <a:sysClr val="windowText" lastClr="000000"/>
+                  </a:solidFill>
+                  <a:latin typeface="DengXian" panose="02010600030101010101" pitchFamily="2" charset="-122"/>
+                  <a:ea typeface="DengXian" panose="02010600030101010101" pitchFamily="2" charset="-122"/>
+                </a:rPr>
+                <a:t>:</a:t>
+              </a:r>
+              <a:r>
+                <a:rPr kumimoji="1" lang="zh-CN" altLang="en-US" sz="1100" dirty="0">
+                  <a:solidFill>
+                    <a:sysClr val="windowText" lastClr="000000"/>
+                  </a:solidFill>
+                  <a:latin typeface="DengXian" panose="02010600030101010101" pitchFamily="2" charset="-122"/>
+                  <a:ea typeface="DengXian" panose="02010600030101010101" pitchFamily="2" charset="-122"/>
+                </a:rPr>
+                <a:t> </a:t>
+              </a:r>
+              <a:r>
+                <a:rPr kumimoji="1" lang="en-US" altLang="zh-CN" sz="1100" dirty="0">
+                  <a:solidFill>
+                    <a:sysClr val="windowText" lastClr="000000"/>
+                  </a:solidFill>
+                  <a:latin typeface="DengXian" panose="02010600030101010101" pitchFamily="2" charset="-122"/>
+                  <a:ea typeface="DengXian" panose="02010600030101010101" pitchFamily="2" charset="-122"/>
+                </a:rPr>
+                <a:t>${</a:t>
+              </a:r>
+              <a:r>
+                <a:rPr kumimoji="1" lang="en-US" altLang="zh-CN" sz="1100" dirty="0" err="1">
+                  <a:solidFill>
+                    <a:sysClr val="windowText" lastClr="000000"/>
+                  </a:solidFill>
+                  <a:latin typeface="DengXian" panose="02010600030101010101" pitchFamily="2" charset="-122"/>
+                  <a:ea typeface="DengXian" panose="02010600030101010101" pitchFamily="2" charset="-122"/>
+                </a:rPr>
+                <a:t>dstId</a:t>
+              </a:r>
+              <a:r>
+                <a:rPr kumimoji="1" lang="en-US" altLang="zh-CN" sz="1100" dirty="0">
+                  <a:solidFill>
+                    <a:sysClr val="windowText" lastClr="000000"/>
+                  </a:solidFill>
+                  <a:latin typeface="DengXian" panose="02010600030101010101" pitchFamily="2" charset="-122"/>
+                  <a:ea typeface="DengXian" panose="02010600030101010101" pitchFamily="2" charset="-122"/>
+                </a:rPr>
+                <a:t>}</a:t>
+              </a:r>
+              <a:endParaRPr kumimoji="1" lang="zh-CN" altLang="en-US" sz="1100" dirty="0">
+                <a:solidFill>
+                  <a:sysClr val="windowText" lastClr="000000"/>
+                </a:solidFill>
+                <a:latin typeface="DengXian" panose="02010600030101010101" pitchFamily="2" charset="-122"/>
+                <a:ea typeface="DengXian" panose="02010600030101010101" pitchFamily="2" charset="-122"/>
+              </a:endParaRPr>
+            </a:p>
+          </p:txBody>
+        </p:sp>
+        <p:sp>
+          <p:nvSpPr>
+            <p:cNvPr id="22" name="矩形 9">
+              <a:extLst>
+                <a:ext uri="{FF2B5EF4-FFF2-40B4-BE49-F238E27FC236}">
+                  <a16:creationId xmlns:a16="http://schemas.microsoft.com/office/drawing/2014/main" id="{101B88CC-D5B6-36EC-4F9D-417DDAE3ED99}"/>
+                </a:ext>
+              </a:extLst>
+            </p:cNvPr>
+            <p:cNvSpPr/>
+            <p:nvPr/>
+          </p:nvSpPr>
+          <p:spPr>
+            <a:xfrm>
+              <a:off x="4203656" y="945452"/>
+              <a:ext cx="1577684" cy="328692"/>
+            </a:xfrm>
+            <a:prstGeom prst="rect">
+              <a:avLst/>
+            </a:prstGeom>
+            <a:solidFill>
+              <a:schemeClr val="accent6">
+                <a:lumMod val="60000"/>
+                <a:lumOff val="40000"/>
+              </a:schemeClr>
+            </a:solidFill>
+            <a:ln w="25400">
+              <a:solidFill>
+                <a:schemeClr val="tx1"/>
+              </a:solidFill>
+            </a:ln>
+          </p:spPr>
+          <p:style>
+            <a:lnRef idx="2">
+              <a:schemeClr val="accent2">
+                <a:shade val="50000"/>
+              </a:schemeClr>
+            </a:lnRef>
+            <a:fillRef idx="1">
+              <a:schemeClr val="accent2"/>
+            </a:fillRef>
+            <a:effectRef idx="0">
+              <a:schemeClr val="accent2"/>
+            </a:effectRef>
+            <a:fontRef idx="minor">
+              <a:schemeClr val="lt1"/>
+            </a:fontRef>
+          </p:style>
+          <p:txBody>
+            <a:bodyPr rtlCol="0" anchor="ctr"/>
+            <a:lstStyle/>
+            <a:p>
+              <a:pPr algn="ctr"/>
+              <a:r>
+                <a:rPr kumimoji="1" lang="en-US" altLang="zh-CN" sz="1100" b="1" dirty="0">
+                  <a:solidFill>
+                    <a:sysClr val="windowText" lastClr="000000"/>
+                  </a:solidFill>
+                </a:rPr>
+                <a:t>person2</a:t>
+              </a:r>
+              <a:r>
+                <a:rPr kumimoji="1" lang="en-US" altLang="zh-CN" sz="1100" dirty="0">
+                  <a:solidFill>
+                    <a:sysClr val="windowText" lastClr="000000"/>
+                  </a:solidFill>
+                </a:rPr>
+                <a:t>:</a:t>
+              </a:r>
+              <a:r>
+                <a:rPr kumimoji="1" lang="zh-CN" altLang="en-US" sz="1100" dirty="0">
+                  <a:solidFill>
+                    <a:sysClr val="windowText" lastClr="000000"/>
+                  </a:solidFill>
+                </a:rPr>
+                <a:t> </a:t>
+              </a:r>
+              <a:r>
+                <a:rPr kumimoji="1" lang="en-US" altLang="zh-CN" sz="1100" dirty="0">
+                  <a:solidFill>
+                    <a:sysClr val="windowText" lastClr="000000"/>
+                  </a:solidFill>
+                </a:rPr>
+                <a:t>Person</a:t>
+              </a:r>
+              <a:endParaRPr kumimoji="1" lang="zh-CN" altLang="en-US" sz="1100" dirty="0">
+                <a:solidFill>
+                  <a:sysClr val="windowText" lastClr="000000"/>
+                </a:solidFill>
+              </a:endParaRPr>
+            </a:p>
+          </p:txBody>
+        </p:sp>
+        <p:sp>
+          <p:nvSpPr>
+            <p:cNvPr id="32" name="矩形 4">
+              <a:extLst>
+                <a:ext uri="{FF2B5EF4-FFF2-40B4-BE49-F238E27FC236}">
+                  <a16:creationId xmlns:a16="http://schemas.microsoft.com/office/drawing/2014/main" id="{DFFFDB3A-0F2B-E642-A956-A46EA84F6231}"/>
+                </a:ext>
+              </a:extLst>
+            </p:cNvPr>
+            <p:cNvSpPr/>
+            <p:nvPr/>
+          </p:nvSpPr>
+          <p:spPr>
             <a:xfrm>
               <a:off x="1112901" y="2176526"/>
-              <a:ext cx="1542598" cy="749759"/>
-              <a:chOff x="1688770" y="3906297"/>
-              <a:chExt cx="1316761" cy="800069"/>
+              <a:ext cx="1542597" cy="403294"/>
             </a:xfrm>
-          </p:grpSpPr>
-          <p:sp>
-            <p:nvSpPr>
-              <p:cNvPr id="32" name="矩形 4">
-                <a:extLst>
-                  <a:ext uri="{FF2B5EF4-FFF2-40B4-BE49-F238E27FC236}">
-                    <a16:creationId xmlns:a16="http://schemas.microsoft.com/office/drawing/2014/main" id="{DFFFDB3A-0F2B-E642-A956-A46EA84F6231}"/>
-                  </a:ext>
-                </a:extLst>
-              </p:cNvPr>
-              <p:cNvSpPr/>
-              <p:nvPr/>
-            </p:nvSpPr>
-            <p:spPr>
-              <a:xfrm>
-                <a:off x="1688770" y="3906297"/>
-                <a:ext cx="1316760" cy="430356"/>
-              </a:xfrm>
-              <a:prstGeom prst="rect">
-                <a:avLst/>
-              </a:prstGeom>
+            <a:prstGeom prst="rect">
+              <a:avLst/>
+            </a:prstGeom>
+            <a:solidFill>
+              <a:schemeClr val="accent6">
+                <a:lumMod val="60000"/>
+                <a:lumOff val="40000"/>
+              </a:schemeClr>
+            </a:solidFill>
+            <a:ln w="28575">
               <a:solidFill>
-                <a:schemeClr val="accent6">
-                  <a:lumMod val="60000"/>
-                  <a:lumOff val="40000"/>
-                </a:schemeClr>
+                <a:schemeClr val="tx1"/>
               </a:solidFill>
-              <a:ln w="28575">
+            </a:ln>
+          </p:spPr>
+          <p:style>
+            <a:lnRef idx="2">
+              <a:schemeClr val="accent2">
+                <a:shade val="50000"/>
+              </a:schemeClr>
+            </a:lnRef>
+            <a:fillRef idx="1">
+              <a:schemeClr val="accent2"/>
+            </a:fillRef>
+            <a:effectRef idx="0">
+              <a:schemeClr val="accent2"/>
+            </a:effectRef>
+            <a:fontRef idx="minor">
+              <a:schemeClr val="lt1"/>
+            </a:fontRef>
+          </p:style>
+          <p:txBody>
+            <a:bodyPr rtlCol="0" anchor="ctr"/>
+            <a:lstStyle/>
+            <a:p>
+              <a:pPr algn="ctr"/>
+              <a:r>
+                <a:rPr kumimoji="1" lang="en-US" altLang="zh-CN" sz="1100" b="1" dirty="0">
+                  <a:solidFill>
+                    <a:sysClr val="windowText" lastClr="000000"/>
+                  </a:solidFill>
+                </a:rPr>
+                <a:t>person1:</a:t>
+              </a:r>
+              <a:r>
+                <a:rPr kumimoji="1" lang="zh-CN" altLang="en-US" sz="1100" b="1" dirty="0">
+                  <a:solidFill>
+                    <a:sysClr val="windowText" lastClr="000000"/>
+                  </a:solidFill>
+                </a:rPr>
+                <a:t> </a:t>
+              </a:r>
+              <a:r>
+                <a:rPr kumimoji="1" lang="en-US" altLang="zh-CN" sz="1100" dirty="0">
+                  <a:solidFill>
+                    <a:sysClr val="windowText" lastClr="000000"/>
+                  </a:solidFill>
+                </a:rPr>
+                <a:t>Person</a:t>
+              </a:r>
+              <a:endParaRPr kumimoji="1" lang="zh-CN" altLang="en-US" sz="1100" dirty="0">
                 <a:solidFill>
-                  <a:schemeClr val="tx1"/>
+                  <a:sysClr val="windowText" lastClr="000000"/>
                 </a:solidFill>
-              </a:ln>
-            </p:spPr>
-            <p:style>
-              <a:lnRef idx="2">
-                <a:schemeClr val="accent2">
-                  <a:shade val="50000"/>
-                </a:schemeClr>
-              </a:lnRef>
-              <a:fillRef idx="1">
-                <a:schemeClr val="accent2"/>
-              </a:fillRef>
-              <a:effectRef idx="0">
-                <a:schemeClr val="accent2"/>
-              </a:effectRef>
-              <a:fontRef idx="minor">
-                <a:schemeClr val="lt1"/>
-              </a:fontRef>
-            </p:style>
-            <p:txBody>
-              <a:bodyPr rtlCol="0" anchor="ctr"/>
-              <a:lstStyle/>
-              <a:p>
-                <a:pPr algn="ctr"/>
-                <a:r>
-                  <a:rPr kumimoji="1" lang="en-US" altLang="zh-CN" sz="1100" b="1" dirty="0">
-                    <a:solidFill>
-                      <a:sysClr val="windowText" lastClr="000000"/>
-                    </a:solidFill>
-                  </a:rPr>
-                  <a:t>person:</a:t>
-                </a:r>
-                <a:r>
-                  <a:rPr kumimoji="1" lang="zh-CN" altLang="en-US" sz="1100" b="1" dirty="0">
-                    <a:solidFill>
-                      <a:sysClr val="windowText" lastClr="000000"/>
-                    </a:solidFill>
-                  </a:rPr>
-                  <a:t> </a:t>
-                </a:r>
-                <a:r>
-                  <a:rPr kumimoji="1" lang="en-US" altLang="zh-CN" sz="1100" dirty="0">
-                    <a:solidFill>
-                      <a:sysClr val="windowText" lastClr="000000"/>
-                    </a:solidFill>
-                  </a:rPr>
-                  <a:t>Person</a:t>
-                </a:r>
-                <a:endParaRPr kumimoji="1" lang="zh-CN" altLang="en-US" sz="1100" dirty="0">
+              </a:endParaRPr>
+            </a:p>
+          </p:txBody>
+        </p:sp>
+        <p:sp>
+          <p:nvSpPr>
+            <p:cNvPr id="33" name="矩形 5">
+              <a:extLst>
+                <a:ext uri="{FF2B5EF4-FFF2-40B4-BE49-F238E27FC236}">
+                  <a16:creationId xmlns:a16="http://schemas.microsoft.com/office/drawing/2014/main" id="{E7269ECB-BE76-BDC7-D470-DD87AAF70412}"/>
+                </a:ext>
+              </a:extLst>
+            </p:cNvPr>
+            <p:cNvSpPr/>
+            <p:nvPr/>
+          </p:nvSpPr>
+          <p:spPr>
+            <a:xfrm>
+              <a:off x="1112901" y="2579820"/>
+              <a:ext cx="1542598" cy="346465"/>
+            </a:xfrm>
+            <a:prstGeom prst="rect">
+              <a:avLst/>
+            </a:prstGeom>
+            <a:noFill/>
+            <a:ln w="28575">
+              <a:solidFill>
+                <a:schemeClr val="tx1"/>
+              </a:solidFill>
+            </a:ln>
+          </p:spPr>
+          <p:style>
+            <a:lnRef idx="2">
+              <a:schemeClr val="accent2">
+                <a:shade val="50000"/>
+              </a:schemeClr>
+            </a:lnRef>
+            <a:fillRef idx="1">
+              <a:schemeClr val="accent2"/>
+            </a:fillRef>
+            <a:effectRef idx="0">
+              <a:schemeClr val="accent2"/>
+            </a:effectRef>
+            <a:fontRef idx="minor">
+              <a:schemeClr val="lt1"/>
+            </a:fontRef>
+          </p:style>
+          <p:txBody>
+            <a:bodyPr rtlCol="0" anchor="ctr"/>
+            <a:lstStyle/>
+            <a:p>
+              <a:pPr algn="ctr"/>
+              <a:r>
+                <a:rPr kumimoji="1" lang="en-US" altLang="zh-CN" sz="1100" dirty="0" err="1">
                   <a:solidFill>
                     <a:sysClr val="windowText" lastClr="000000"/>
                   </a:solidFill>
-                </a:endParaRPr>
-              </a:p>
-            </p:txBody>
-          </p:sp>
-          <p:sp>
-            <p:nvSpPr>
-              <p:cNvPr id="33" name="矩形 5">
-                <a:extLst>
-                  <a:ext uri="{FF2B5EF4-FFF2-40B4-BE49-F238E27FC236}">
-                    <a16:creationId xmlns:a16="http://schemas.microsoft.com/office/drawing/2014/main" id="{E7269ECB-BE76-BDC7-D470-DD87AAF70412}"/>
-                  </a:ext>
-                </a:extLst>
-              </p:cNvPr>
-              <p:cNvSpPr/>
-              <p:nvPr/>
-            </p:nvSpPr>
-            <p:spPr>
-              <a:xfrm>
-                <a:off x="1688770" y="4336653"/>
-                <a:ext cx="1316761" cy="369713"/>
-              </a:xfrm>
-              <a:prstGeom prst="rect">
-                <a:avLst/>
-              </a:prstGeom>
-              <a:noFill/>
-              <a:ln w="28575">
-                <a:solidFill>
-                  <a:schemeClr val="tx1"/>
-                </a:solidFill>
-              </a:ln>
-            </p:spPr>
-            <p:style>
-              <a:lnRef idx="2">
-                <a:schemeClr val="accent2">
-                  <a:shade val="50000"/>
-                </a:schemeClr>
-              </a:lnRef>
-              <a:fillRef idx="1">
-                <a:schemeClr val="accent2"/>
-              </a:fillRef>
-              <a:effectRef idx="0">
-                <a:schemeClr val="accent2"/>
-              </a:effectRef>
-              <a:fontRef idx="minor">
-                <a:schemeClr val="lt1"/>
-              </a:fontRef>
-            </p:style>
-            <p:txBody>
-              <a:bodyPr rtlCol="0" anchor="ctr"/>
-              <a:lstStyle/>
-              <a:p>
-                <a:pPr algn="ctr"/>
-                <a:r>
-                  <a:rPr kumimoji="1" lang="en-US" altLang="zh-CN" sz="1100" dirty="0" err="1">
-                    <a:solidFill>
-                      <a:sysClr val="windowText" lastClr="000000"/>
-                    </a:solidFill>
-                    <a:latin typeface="DengXian" panose="02010600030101010101" pitchFamily="2" charset="-122"/>
-                    <a:ea typeface="DengXian" panose="02010600030101010101" pitchFamily="2" charset="-122"/>
-                  </a:rPr>
-                  <a:t>person.id</a:t>
-                </a:r>
-                <a:r>
-                  <a:rPr kumimoji="1" lang="zh-CN" altLang="en-US" sz="1100" dirty="0">
-                    <a:solidFill>
-                      <a:sysClr val="windowText" lastClr="000000"/>
-                    </a:solidFill>
-                    <a:latin typeface="DengXian" panose="02010600030101010101" pitchFamily="2" charset="-122"/>
-                    <a:ea typeface="DengXian" panose="02010600030101010101" pitchFamily="2" charset="-122"/>
-                  </a:rPr>
-                  <a:t> </a:t>
-                </a:r>
-                <a:r>
-                  <a:rPr kumimoji="1" lang="en-US" altLang="zh-CN" sz="1100" dirty="0">
-                    <a:solidFill>
-                      <a:sysClr val="windowText" lastClr="000000"/>
-                    </a:solidFill>
-                    <a:latin typeface="DengXian" panose="02010600030101010101" pitchFamily="2" charset="-122"/>
-                    <a:ea typeface="DengXian" panose="02010600030101010101" pitchFamily="2" charset="-122"/>
-                  </a:rPr>
-                  <a:t>=</a:t>
-                </a:r>
-                <a:r>
-                  <a:rPr kumimoji="1" lang="zh-CN" altLang="en-US" sz="1100" dirty="0">
-                    <a:solidFill>
-                      <a:sysClr val="windowText" lastClr="000000"/>
-                    </a:solidFill>
-                    <a:latin typeface="DengXian" panose="02010600030101010101" pitchFamily="2" charset="-122"/>
-                    <a:ea typeface="DengXian" panose="02010600030101010101" pitchFamily="2" charset="-122"/>
-                  </a:rPr>
-                  <a:t> </a:t>
-                </a:r>
-                <a:r>
-                  <a:rPr kumimoji="1" lang="en-US" altLang="zh-CN" sz="1100" dirty="0">
-                    <a:solidFill>
-                      <a:sysClr val="windowText" lastClr="000000"/>
-                    </a:solidFill>
-                    <a:latin typeface="DengXian" panose="02010600030101010101" pitchFamily="2" charset="-122"/>
-                    <a:ea typeface="DengXian" panose="02010600030101010101" pitchFamily="2" charset="-122"/>
-                  </a:rPr>
-                  <a:t>${</a:t>
-                </a:r>
-                <a:r>
-                  <a:rPr kumimoji="1" lang="en-US" altLang="zh-CN" sz="1100" dirty="0" err="1">
-                    <a:solidFill>
-                      <a:sysClr val="windowText" lastClr="000000"/>
-                    </a:solidFill>
-                    <a:latin typeface="DengXian" panose="02010600030101010101" pitchFamily="2" charset="-122"/>
-                    <a:ea typeface="DengXian" panose="02010600030101010101" pitchFamily="2" charset="-122"/>
-                  </a:rPr>
-                  <a:t>srcId</a:t>
-                </a:r>
-                <a:r>
-                  <a:rPr kumimoji="1" lang="en-US" altLang="zh-CN" sz="1100" dirty="0">
-                    <a:solidFill>
-                      <a:sysClr val="windowText" lastClr="000000"/>
-                    </a:solidFill>
-                    <a:latin typeface="DengXian" panose="02010600030101010101" pitchFamily="2" charset="-122"/>
-                    <a:ea typeface="DengXian" panose="02010600030101010101" pitchFamily="2" charset="-122"/>
-                  </a:rPr>
-                  <a:t>}</a:t>
-                </a:r>
-              </a:p>
-            </p:txBody>
-          </p:sp>
-        </p:grpSp>
+                  <a:latin typeface="DengXian" panose="02010600030101010101" pitchFamily="2" charset="-122"/>
+                  <a:ea typeface="DengXian" panose="02010600030101010101" pitchFamily="2" charset="-122"/>
+                </a:rPr>
+                <a:t>person.id</a:t>
+              </a:r>
+              <a:r>
+                <a:rPr kumimoji="1" lang="zh-CN" altLang="en-US" sz="1100" dirty="0">
+                  <a:solidFill>
+                    <a:sysClr val="windowText" lastClr="000000"/>
+                  </a:solidFill>
+                  <a:latin typeface="DengXian" panose="02010600030101010101" pitchFamily="2" charset="-122"/>
+                  <a:ea typeface="DengXian" panose="02010600030101010101" pitchFamily="2" charset="-122"/>
+                </a:rPr>
+                <a:t> </a:t>
+              </a:r>
+              <a:r>
+                <a:rPr kumimoji="1" lang="en-US" altLang="zh-CN" sz="1100" dirty="0">
+                  <a:solidFill>
+                    <a:sysClr val="windowText" lastClr="000000"/>
+                  </a:solidFill>
+                  <a:latin typeface="DengXian" panose="02010600030101010101" pitchFamily="2" charset="-122"/>
+                  <a:ea typeface="DengXian" panose="02010600030101010101" pitchFamily="2" charset="-122"/>
+                </a:rPr>
+                <a:t>=</a:t>
+              </a:r>
+              <a:r>
+                <a:rPr kumimoji="1" lang="zh-CN" altLang="en-US" sz="1100" dirty="0">
+                  <a:solidFill>
+                    <a:sysClr val="windowText" lastClr="000000"/>
+                  </a:solidFill>
+                  <a:latin typeface="DengXian" panose="02010600030101010101" pitchFamily="2" charset="-122"/>
+                  <a:ea typeface="DengXian" panose="02010600030101010101" pitchFamily="2" charset="-122"/>
+                </a:rPr>
+                <a:t> </a:t>
+              </a:r>
+              <a:r>
+                <a:rPr kumimoji="1" lang="en-US" altLang="zh-CN" sz="1100" dirty="0">
+                  <a:solidFill>
+                    <a:sysClr val="windowText" lastClr="000000"/>
+                  </a:solidFill>
+                  <a:latin typeface="DengXian" panose="02010600030101010101" pitchFamily="2" charset="-122"/>
+                  <a:ea typeface="DengXian" panose="02010600030101010101" pitchFamily="2" charset="-122"/>
+                </a:rPr>
+                <a:t>${</a:t>
+              </a:r>
+              <a:r>
+                <a:rPr kumimoji="1" lang="en-US" altLang="zh-CN" sz="1100" dirty="0" err="1">
+                  <a:solidFill>
+                    <a:sysClr val="windowText" lastClr="000000"/>
+                  </a:solidFill>
+                  <a:latin typeface="DengXian" panose="02010600030101010101" pitchFamily="2" charset="-122"/>
+                  <a:ea typeface="DengXian" panose="02010600030101010101" pitchFamily="2" charset="-122"/>
+                </a:rPr>
+                <a:t>srcId</a:t>
+              </a:r>
+              <a:r>
+                <a:rPr kumimoji="1" lang="en-US" altLang="zh-CN" sz="1100" dirty="0">
+                  <a:solidFill>
+                    <a:sysClr val="windowText" lastClr="000000"/>
+                  </a:solidFill>
+                  <a:latin typeface="DengXian" panose="02010600030101010101" pitchFamily="2" charset="-122"/>
+                  <a:ea typeface="DengXian" panose="02010600030101010101" pitchFamily="2" charset="-122"/>
+                </a:rPr>
+                <a:t>}</a:t>
+              </a:r>
+            </a:p>
+          </p:txBody>
+        </p:sp>
         <p:cxnSp>
           <p:nvCxnSpPr>
             <p:cNvPr id="26" name="直线箭头连接符 6" descr="jytjh">
@@ -15775,233 +15654,212 @@
             </a:p>
           </p:txBody>
         </p:sp>
-        <p:grpSp>
-          <p:nvGrpSpPr>
-            <p:cNvPr id="29" name="Group 28">
+        <p:sp>
+          <p:nvSpPr>
+            <p:cNvPr id="30" name="矩形 4">
               <a:extLst>
                 <a:ext uri="{FF2B5EF4-FFF2-40B4-BE49-F238E27FC236}">
-                  <a16:creationId xmlns:a16="http://schemas.microsoft.com/office/drawing/2014/main" id="{1647380B-4222-57C1-9AA9-6675F8E8C4BE}"/>
+                  <a16:creationId xmlns:a16="http://schemas.microsoft.com/office/drawing/2014/main" id="{85A17C45-8FCA-D2F9-D2CA-F910854DAC66}"/>
                 </a:ext>
               </a:extLst>
             </p:cNvPr>
-            <p:cNvGrpSpPr/>
+            <p:cNvSpPr/>
             <p:nvPr/>
-          </p:nvGrpSpPr>
-          <p:grpSpPr>
+          </p:nvSpPr>
+          <p:spPr>
             <a:xfrm>
-              <a:off x="4866423" y="2173054"/>
-              <a:ext cx="1459677" cy="749759"/>
-              <a:chOff x="1555802" y="3906297"/>
-              <a:chExt cx="1245980" cy="800069"/>
+              <a:off x="4866429" y="2173054"/>
+              <a:ext cx="1459671" cy="403294"/>
             </a:xfrm>
-          </p:grpSpPr>
-          <p:sp>
-            <p:nvSpPr>
-              <p:cNvPr id="30" name="矩形 4">
-                <a:extLst>
-                  <a:ext uri="{FF2B5EF4-FFF2-40B4-BE49-F238E27FC236}">
-                    <a16:creationId xmlns:a16="http://schemas.microsoft.com/office/drawing/2014/main" id="{85A17C45-8FCA-D2F9-D2CA-F910854DAC66}"/>
-                  </a:ext>
-                </a:extLst>
-              </p:cNvPr>
-              <p:cNvSpPr/>
-              <p:nvPr/>
-            </p:nvSpPr>
-            <p:spPr>
-              <a:xfrm>
-                <a:off x="1555807" y="3906297"/>
-                <a:ext cx="1245975" cy="430356"/>
-              </a:xfrm>
-              <a:prstGeom prst="rect">
-                <a:avLst/>
-              </a:prstGeom>
+            <a:prstGeom prst="rect">
+              <a:avLst/>
+            </a:prstGeom>
+            <a:solidFill>
+              <a:schemeClr val="accent6">
+                <a:lumMod val="60000"/>
+                <a:lumOff val="40000"/>
+              </a:schemeClr>
+            </a:solidFill>
+            <a:ln w="28575">
               <a:solidFill>
-                <a:schemeClr val="accent6">
-                  <a:lumMod val="60000"/>
-                  <a:lumOff val="40000"/>
-                </a:schemeClr>
+                <a:schemeClr val="tx1"/>
               </a:solidFill>
-              <a:ln w="28575">
+            </a:ln>
+          </p:spPr>
+          <p:style>
+            <a:lnRef idx="2">
+              <a:schemeClr val="accent2">
+                <a:shade val="50000"/>
+              </a:schemeClr>
+            </a:lnRef>
+            <a:fillRef idx="1">
+              <a:schemeClr val="accent2"/>
+            </a:fillRef>
+            <a:effectRef idx="0">
+              <a:schemeClr val="accent2"/>
+            </a:effectRef>
+            <a:fontRef idx="minor">
+              <a:schemeClr val="lt1"/>
+            </a:fontRef>
+          </p:style>
+          <p:txBody>
+            <a:bodyPr rtlCol="0" anchor="ctr"/>
+            <a:lstStyle/>
+            <a:p>
+              <a:pPr algn="ctr"/>
+              <a:r>
+                <a:rPr kumimoji="1" lang="en-US" altLang="zh-CN" sz="1100" b="1" dirty="0">
+                  <a:solidFill>
+                    <a:sysClr val="windowText" lastClr="000000"/>
+                  </a:solidFill>
+                </a:rPr>
+                <a:t>person2:</a:t>
+              </a:r>
+              <a:r>
+                <a:rPr kumimoji="1" lang="zh-CN" altLang="en-US" sz="1100" b="1" dirty="0">
+                  <a:solidFill>
+                    <a:sysClr val="windowText" lastClr="000000"/>
+                  </a:solidFill>
+                </a:rPr>
+                <a:t> </a:t>
+              </a:r>
+              <a:r>
+                <a:rPr kumimoji="1" lang="en-US" altLang="zh-CN" sz="1100" dirty="0">
+                  <a:solidFill>
+                    <a:sysClr val="windowText" lastClr="000000"/>
+                  </a:solidFill>
+                </a:rPr>
+                <a:t>Person</a:t>
+              </a:r>
+              <a:endParaRPr kumimoji="1" lang="zh-CN" altLang="en-US" sz="1100" dirty="0">
                 <a:solidFill>
-                  <a:schemeClr val="tx1"/>
+                  <a:sysClr val="windowText" lastClr="000000"/>
                 </a:solidFill>
-              </a:ln>
-            </p:spPr>
-            <p:style>
-              <a:lnRef idx="2">
-                <a:schemeClr val="accent2">
-                  <a:shade val="50000"/>
-                </a:schemeClr>
-              </a:lnRef>
-              <a:fillRef idx="1">
-                <a:schemeClr val="accent2"/>
-              </a:fillRef>
-              <a:effectRef idx="0">
-                <a:schemeClr val="accent2"/>
-              </a:effectRef>
-              <a:fontRef idx="minor">
-                <a:schemeClr val="lt1"/>
-              </a:fontRef>
-            </p:style>
-            <p:txBody>
-              <a:bodyPr rtlCol="0" anchor="ctr"/>
-              <a:lstStyle/>
-              <a:p>
-                <a:pPr algn="ctr"/>
-                <a:r>
-                  <a:rPr kumimoji="1" lang="en-US" altLang="zh-CN" sz="1100" b="1" dirty="0">
-                    <a:solidFill>
-                      <a:sysClr val="windowText" lastClr="000000"/>
-                    </a:solidFill>
-                  </a:rPr>
-                  <a:t>person:</a:t>
-                </a:r>
-                <a:r>
-                  <a:rPr kumimoji="1" lang="zh-CN" altLang="en-US" sz="1100" b="1" dirty="0">
-                    <a:solidFill>
-                      <a:sysClr val="windowText" lastClr="000000"/>
-                    </a:solidFill>
-                  </a:rPr>
-                  <a:t> </a:t>
-                </a:r>
-                <a:r>
-                  <a:rPr kumimoji="1" lang="en-US" altLang="zh-CN" sz="1100" dirty="0">
-                    <a:solidFill>
-                      <a:sysClr val="windowText" lastClr="000000"/>
-                    </a:solidFill>
-                  </a:rPr>
-                  <a:t>Person</a:t>
-                </a:r>
-                <a:endParaRPr kumimoji="1" lang="zh-CN" altLang="en-US" sz="1100" dirty="0">
+              </a:endParaRPr>
+            </a:p>
+          </p:txBody>
+        </p:sp>
+        <p:sp>
+          <p:nvSpPr>
+            <p:cNvPr id="31" name="矩形 5">
+              <a:extLst>
+                <a:ext uri="{FF2B5EF4-FFF2-40B4-BE49-F238E27FC236}">
+                  <a16:creationId xmlns:a16="http://schemas.microsoft.com/office/drawing/2014/main" id="{B9A1B24C-9082-215A-1977-88CB06BE0668}"/>
+                </a:ext>
+              </a:extLst>
+            </p:cNvPr>
+            <p:cNvSpPr/>
+            <p:nvPr/>
+          </p:nvSpPr>
+          <p:spPr>
+            <a:xfrm>
+              <a:off x="4866423" y="2576348"/>
+              <a:ext cx="1459671" cy="346465"/>
+            </a:xfrm>
+            <a:prstGeom prst="rect">
+              <a:avLst/>
+            </a:prstGeom>
+            <a:noFill/>
+            <a:ln w="28575">
+              <a:solidFill>
+                <a:schemeClr val="tx1"/>
+              </a:solidFill>
+            </a:ln>
+          </p:spPr>
+          <p:style>
+            <a:lnRef idx="2">
+              <a:schemeClr val="accent2">
+                <a:shade val="50000"/>
+              </a:schemeClr>
+            </a:lnRef>
+            <a:fillRef idx="1">
+              <a:schemeClr val="accent2"/>
+            </a:fillRef>
+            <a:effectRef idx="0">
+              <a:schemeClr val="accent2"/>
+            </a:effectRef>
+            <a:fontRef idx="minor">
+              <a:schemeClr val="lt1"/>
+            </a:fontRef>
+          </p:style>
+          <p:txBody>
+            <a:bodyPr rtlCol="0" anchor="ctr"/>
+            <a:lstStyle/>
+            <a:p>
+              <a:pPr algn="ctr"/>
+              <a:r>
+                <a:rPr kumimoji="1" lang="en-US" altLang="zh-CN" sz="1100" dirty="0" err="1">
                   <a:solidFill>
                     <a:sysClr val="windowText" lastClr="000000"/>
                   </a:solidFill>
-                </a:endParaRPr>
-              </a:p>
-            </p:txBody>
-          </p:sp>
-          <p:sp>
-            <p:nvSpPr>
-              <p:cNvPr id="31" name="矩形 5">
-                <a:extLst>
-                  <a:ext uri="{FF2B5EF4-FFF2-40B4-BE49-F238E27FC236}">
-                    <a16:creationId xmlns:a16="http://schemas.microsoft.com/office/drawing/2014/main" id="{B9A1B24C-9082-215A-1977-88CB06BE0668}"/>
-                  </a:ext>
-                </a:extLst>
-              </p:cNvPr>
-              <p:cNvSpPr/>
-              <p:nvPr/>
-            </p:nvSpPr>
-            <p:spPr>
-              <a:xfrm>
-                <a:off x="1555802" y="4336653"/>
-                <a:ext cx="1245975" cy="369713"/>
-              </a:xfrm>
-              <a:prstGeom prst="rect">
-                <a:avLst/>
-              </a:prstGeom>
-              <a:noFill/>
-              <a:ln w="28575">
-                <a:solidFill>
-                  <a:schemeClr val="tx1"/>
-                </a:solidFill>
-              </a:ln>
-            </p:spPr>
-            <p:style>
-              <a:lnRef idx="2">
-                <a:schemeClr val="accent2">
-                  <a:shade val="50000"/>
-                </a:schemeClr>
-              </a:lnRef>
-              <a:fillRef idx="1">
-                <a:schemeClr val="accent2"/>
-              </a:fillRef>
-              <a:effectRef idx="0">
-                <a:schemeClr val="accent2"/>
-              </a:effectRef>
-              <a:fontRef idx="minor">
-                <a:schemeClr val="lt1"/>
-              </a:fontRef>
-            </p:style>
-            <p:txBody>
-              <a:bodyPr rtlCol="0" anchor="ctr"/>
-              <a:lstStyle/>
-              <a:p>
-                <a:pPr algn="ctr"/>
-                <a:r>
-                  <a:rPr kumimoji="1" lang="en-US" altLang="zh-CN" sz="1100" dirty="0" err="1">
-                    <a:solidFill>
-                      <a:sysClr val="windowText" lastClr="000000"/>
-                    </a:solidFill>
-                    <a:latin typeface="DengXian" panose="02010600030101010101" pitchFamily="2" charset="-122"/>
-                    <a:ea typeface="DengXian" panose="02010600030101010101" pitchFamily="2" charset="-122"/>
-                  </a:rPr>
-                  <a:t>person.id</a:t>
-                </a:r>
-                <a:r>
-                  <a:rPr kumimoji="1" lang="zh-CN" altLang="en-US" sz="1100" dirty="0">
-                    <a:solidFill>
-                      <a:sysClr val="windowText" lastClr="000000"/>
-                    </a:solidFill>
-                    <a:latin typeface="DengXian" panose="02010600030101010101" pitchFamily="2" charset="-122"/>
-                    <a:ea typeface="DengXian" panose="02010600030101010101" pitchFamily="2" charset="-122"/>
-                  </a:rPr>
-                  <a:t> </a:t>
-                </a:r>
-                <a:r>
-                  <a:rPr kumimoji="1" lang="en-US" altLang="zh-CN" sz="1100" dirty="0">
-                    <a:solidFill>
-                      <a:sysClr val="windowText" lastClr="000000"/>
-                    </a:solidFill>
-                    <a:latin typeface="DengXian" panose="02010600030101010101" pitchFamily="2" charset="-122"/>
-                    <a:ea typeface="DengXian" panose="02010600030101010101" pitchFamily="2" charset="-122"/>
-                  </a:rPr>
-                  <a:t>=</a:t>
-                </a:r>
-                <a:r>
-                  <a:rPr kumimoji="1" lang="zh-CN" altLang="en-US" sz="1100" dirty="0">
-                    <a:solidFill>
-                      <a:sysClr val="windowText" lastClr="000000"/>
-                    </a:solidFill>
-                    <a:latin typeface="DengXian" panose="02010600030101010101" pitchFamily="2" charset="-122"/>
-                    <a:ea typeface="DengXian" panose="02010600030101010101" pitchFamily="2" charset="-122"/>
-                  </a:rPr>
-                  <a:t> </a:t>
-                </a:r>
-                <a:r>
-                  <a:rPr kumimoji="1" lang="en-US" altLang="zh-CN" sz="1100" dirty="0">
-                    <a:solidFill>
-                      <a:sysClr val="windowText" lastClr="000000"/>
-                    </a:solidFill>
-                    <a:latin typeface="DengXian" panose="02010600030101010101" pitchFamily="2" charset="-122"/>
-                    <a:ea typeface="DengXian" panose="02010600030101010101" pitchFamily="2" charset="-122"/>
-                  </a:rPr>
-                  <a:t>${</a:t>
-                </a:r>
-                <a:r>
-                  <a:rPr kumimoji="1" lang="en-US" altLang="zh-CN" sz="1100" dirty="0" err="1">
-                    <a:solidFill>
-                      <a:sysClr val="windowText" lastClr="000000"/>
-                    </a:solidFill>
-                    <a:latin typeface="DengXian" panose="02010600030101010101" pitchFamily="2" charset="-122"/>
-                    <a:ea typeface="DengXian" panose="02010600030101010101" pitchFamily="2" charset="-122"/>
-                  </a:rPr>
-                  <a:t>dstId</a:t>
-                </a:r>
-                <a:r>
-                  <a:rPr kumimoji="1" lang="en-US" altLang="zh-CN" sz="1100" dirty="0">
-                    <a:solidFill>
-                      <a:sysClr val="windowText" lastClr="000000"/>
-                    </a:solidFill>
-                    <a:latin typeface="DengXian" panose="02010600030101010101" pitchFamily="2" charset="-122"/>
-                    <a:ea typeface="DengXian" panose="02010600030101010101" pitchFamily="2" charset="-122"/>
-                  </a:rPr>
-                  <a:t>}</a:t>
-                </a:r>
-              </a:p>
-            </p:txBody>
-          </p:sp>
-        </p:grpSp>
+                  <a:latin typeface="DengXian" panose="02010600030101010101" pitchFamily="2" charset="-122"/>
+                  <a:ea typeface="DengXian" panose="02010600030101010101" pitchFamily="2" charset="-122"/>
+                </a:rPr>
+                <a:t>person.id</a:t>
+              </a:r>
+              <a:r>
+                <a:rPr kumimoji="1" lang="zh-CN" altLang="en-US" sz="1100" dirty="0">
+                  <a:solidFill>
+                    <a:sysClr val="windowText" lastClr="000000"/>
+                  </a:solidFill>
+                  <a:latin typeface="DengXian" panose="02010600030101010101" pitchFamily="2" charset="-122"/>
+                  <a:ea typeface="DengXian" panose="02010600030101010101" pitchFamily="2" charset="-122"/>
+                </a:rPr>
+                <a:t> </a:t>
+              </a:r>
+              <a:r>
+                <a:rPr kumimoji="1" lang="en-US" altLang="zh-CN" sz="1100" dirty="0">
+                  <a:solidFill>
+                    <a:sysClr val="windowText" lastClr="000000"/>
+                  </a:solidFill>
+                  <a:latin typeface="DengXian" panose="02010600030101010101" pitchFamily="2" charset="-122"/>
+                  <a:ea typeface="DengXian" panose="02010600030101010101" pitchFamily="2" charset="-122"/>
+                </a:rPr>
+                <a:t>=</a:t>
+              </a:r>
+              <a:r>
+                <a:rPr kumimoji="1" lang="zh-CN" altLang="en-US" sz="1100" dirty="0">
+                  <a:solidFill>
+                    <a:sysClr val="windowText" lastClr="000000"/>
+                  </a:solidFill>
+                  <a:latin typeface="DengXian" panose="02010600030101010101" pitchFamily="2" charset="-122"/>
+                  <a:ea typeface="DengXian" panose="02010600030101010101" pitchFamily="2" charset="-122"/>
+                </a:rPr>
+                <a:t> </a:t>
+              </a:r>
+              <a:r>
+                <a:rPr kumimoji="1" lang="en-US" altLang="zh-CN" sz="1100" dirty="0">
+                  <a:solidFill>
+                    <a:sysClr val="windowText" lastClr="000000"/>
+                  </a:solidFill>
+                  <a:latin typeface="DengXian" panose="02010600030101010101" pitchFamily="2" charset="-122"/>
+                  <a:ea typeface="DengXian" panose="02010600030101010101" pitchFamily="2" charset="-122"/>
+                </a:rPr>
+                <a:t>${</a:t>
+              </a:r>
+              <a:r>
+                <a:rPr kumimoji="1" lang="en-US" altLang="zh-CN" sz="1100" dirty="0" err="1">
+                  <a:solidFill>
+                    <a:sysClr val="windowText" lastClr="000000"/>
+                  </a:solidFill>
+                  <a:latin typeface="DengXian" panose="02010600030101010101" pitchFamily="2" charset="-122"/>
+                  <a:ea typeface="DengXian" panose="02010600030101010101" pitchFamily="2" charset="-122"/>
+                </a:rPr>
+                <a:t>dstId</a:t>
+              </a:r>
+              <a:r>
+                <a:rPr kumimoji="1" lang="en-US" altLang="zh-CN" sz="1100" dirty="0">
+                  <a:solidFill>
+                    <a:sysClr val="windowText" lastClr="000000"/>
+                  </a:solidFill>
+                  <a:latin typeface="DengXian" panose="02010600030101010101" pitchFamily="2" charset="-122"/>
+                  <a:ea typeface="DengXian" panose="02010600030101010101" pitchFamily="2" charset="-122"/>
+                </a:rPr>
+                <a:t>}</a:t>
+              </a:r>
+            </a:p>
+          </p:txBody>
+        </p:sp>
         <p:sp>
           <p:nvSpPr>
             <p:cNvPr id="39" name="Cross 38">
@@ -16130,1978 +15988,1936 @@
             </a:p>
           </p:txBody>
         </p:sp>
-        <p:grpSp>
-          <p:nvGrpSpPr>
-            <p:cNvPr id="152" name="Group 151">
+        <p:sp>
+          <p:nvSpPr>
+            <p:cNvPr id="153" name="矩形 9">
               <a:extLst>
                 <a:ext uri="{FF2B5EF4-FFF2-40B4-BE49-F238E27FC236}">
-                  <a16:creationId xmlns:a16="http://schemas.microsoft.com/office/drawing/2014/main" id="{8735284F-94FD-90AC-418F-02F1502D4B30}"/>
+                  <a16:creationId xmlns:a16="http://schemas.microsoft.com/office/drawing/2014/main" id="{930F62C1-4494-A006-3962-33107A82E934}"/>
                 </a:ext>
               </a:extLst>
             </p:cNvPr>
-            <p:cNvGrpSpPr/>
+            <p:cNvSpPr/>
             <p:nvPr/>
-          </p:nvGrpSpPr>
-          <p:grpSpPr>
+          </p:nvSpPr>
+          <p:spPr>
             <a:xfrm>
-              <a:off x="776911" y="3490653"/>
-              <a:ext cx="5916562" cy="2331488"/>
-              <a:chOff x="2267319" y="2657820"/>
-              <a:chExt cx="5916562" cy="2331488"/>
+              <a:off x="776911" y="4645882"/>
+              <a:ext cx="1200747" cy="305258"/>
             </a:xfrm>
-          </p:grpSpPr>
-          <p:sp>
-            <p:nvSpPr>
-              <p:cNvPr id="153" name="矩形 9">
-                <a:extLst>
-                  <a:ext uri="{FF2B5EF4-FFF2-40B4-BE49-F238E27FC236}">
-                    <a16:creationId xmlns:a16="http://schemas.microsoft.com/office/drawing/2014/main" id="{930F62C1-4494-A006-3962-33107A82E934}"/>
-                  </a:ext>
-                </a:extLst>
-              </p:cNvPr>
-              <p:cNvSpPr/>
-              <p:nvPr/>
-            </p:nvSpPr>
-            <p:spPr>
-              <a:xfrm>
-                <a:off x="2267319" y="3813049"/>
-                <a:ext cx="1200747" cy="305258"/>
-              </a:xfrm>
-              <a:prstGeom prst="rect">
-                <a:avLst/>
-              </a:prstGeom>
+            <a:prstGeom prst="rect">
+              <a:avLst/>
+            </a:prstGeom>
+            <a:solidFill>
+              <a:schemeClr val="accent6">
+                <a:lumMod val="60000"/>
+                <a:lumOff val="40000"/>
+              </a:schemeClr>
+            </a:solidFill>
+            <a:ln w="19050">
               <a:solidFill>
-                <a:schemeClr val="accent6">
-                  <a:lumMod val="60000"/>
-                  <a:lumOff val="40000"/>
+                <a:schemeClr val="tx1"/>
+              </a:solidFill>
+            </a:ln>
+          </p:spPr>
+          <p:style>
+            <a:lnRef idx="2">
+              <a:schemeClr val="accent2">
+                <a:shade val="50000"/>
+              </a:schemeClr>
+            </a:lnRef>
+            <a:fillRef idx="1">
+              <a:schemeClr val="accent2"/>
+            </a:fillRef>
+            <a:effectRef idx="0">
+              <a:schemeClr val="accent2"/>
+            </a:effectRef>
+            <a:fontRef idx="minor">
+              <a:schemeClr val="lt1"/>
+            </a:fontRef>
+          </p:style>
+          <p:txBody>
+            <a:bodyPr rtlCol="0" anchor="ctr"/>
+            <a:lstStyle/>
+            <a:p>
+              <a:pPr algn="ctr"/>
+              <a:r>
+                <a:rPr kumimoji="1" lang="en-US" altLang="zh-CN" sz="1200" b="1" dirty="0">
+                  <a:solidFill>
+                    <a:sysClr val="windowText" lastClr="000000"/>
+                  </a:solidFill>
+                </a:rPr>
+                <a:t>p1</a:t>
+              </a:r>
+              <a:r>
+                <a:rPr kumimoji="1" lang="zh-CN" altLang="en-US" sz="1200" dirty="0">
+                  <a:solidFill>
+                    <a:sysClr val="windowText" lastClr="000000"/>
+                  </a:solidFill>
+                </a:rPr>
+                <a:t> </a:t>
+              </a:r>
+              <a:r>
+                <a:rPr kumimoji="1" lang="en-US" altLang="zh-CN" sz="1200" dirty="0">
+                  <a:solidFill>
+                    <a:sysClr val="windowText" lastClr="000000"/>
+                  </a:solidFill>
+                </a:rPr>
+                <a:t>:</a:t>
+              </a:r>
+              <a:r>
+                <a:rPr kumimoji="1" lang="zh-CN" altLang="en-US" sz="1200" dirty="0">
+                  <a:solidFill>
+                    <a:sysClr val="windowText" lastClr="000000"/>
+                  </a:solidFill>
+                </a:rPr>
+                <a:t> </a:t>
+              </a:r>
+              <a:r>
+                <a:rPr kumimoji="1" lang="en-US" altLang="zh-CN" sz="1200" dirty="0">
+                  <a:solidFill>
+                    <a:sysClr val="windowText" lastClr="000000"/>
+                  </a:solidFill>
+                </a:rPr>
+                <a:t>Person</a:t>
+              </a:r>
+              <a:endParaRPr kumimoji="1" lang="zh-CN" altLang="en-US" sz="1200" dirty="0">
+                <a:solidFill>
+                  <a:sysClr val="windowText" lastClr="000000"/>
+                </a:solidFill>
+              </a:endParaRPr>
+            </a:p>
+          </p:txBody>
+        </p:sp>
+        <p:cxnSp>
+          <p:nvCxnSpPr>
+            <p:cNvPr id="154" name="直线箭头连接符 11" descr="jytjh">
+              <a:extLst>
+                <a:ext uri="{FF2B5EF4-FFF2-40B4-BE49-F238E27FC236}">
+                  <a16:creationId xmlns:a16="http://schemas.microsoft.com/office/drawing/2014/main" id="{E34EE26E-3D72-74EC-5406-33EAE463D3C7}"/>
+                </a:ext>
+              </a:extLst>
+            </p:cNvPr>
+            <p:cNvCxnSpPr>
+              <a:cxnSpLocks/>
+              <a:stCxn id="153" idx="3"/>
+              <a:endCxn id="157" idx="1"/>
+            </p:cNvCxnSpPr>
+            <p:nvPr/>
+          </p:nvCxnSpPr>
+          <p:spPr>
+            <a:xfrm>
+              <a:off x="1977658" y="4798511"/>
+              <a:ext cx="462315" cy="0"/>
+            </a:xfrm>
+            <a:prstGeom prst="straightConnector1">
+              <a:avLst/>
+            </a:prstGeom>
+            <a:ln w="19050">
+              <a:solidFill>
+                <a:schemeClr val="tx1"/>
+              </a:solidFill>
+              <a:headEnd type="none" w="lg" len="med"/>
+              <a:tailEnd type="arrow" w="sm" len="lg"/>
+            </a:ln>
+          </p:spPr>
+          <p:style>
+            <a:lnRef idx="1">
+              <a:schemeClr val="accent1"/>
+            </a:lnRef>
+            <a:fillRef idx="0">
+              <a:schemeClr val="accent1"/>
+            </a:fillRef>
+            <a:effectRef idx="0">
+              <a:schemeClr val="accent1"/>
+            </a:effectRef>
+            <a:fontRef idx="minor">
+              <a:schemeClr val="tx1"/>
+            </a:fontRef>
+          </p:style>
+        </p:cxnSp>
+        <p:sp>
+          <p:nvSpPr>
+            <p:cNvPr id="155" name="文本框 12">
+              <a:extLst>
+                <a:ext uri="{FF2B5EF4-FFF2-40B4-BE49-F238E27FC236}">
+                  <a16:creationId xmlns:a16="http://schemas.microsoft.com/office/drawing/2014/main" id="{9CD9F9C8-F63B-18B5-555D-13294D2779F2}"/>
+                </a:ext>
+              </a:extLst>
+            </p:cNvPr>
+            <p:cNvSpPr txBox="1"/>
+            <p:nvPr/>
+          </p:nvSpPr>
+          <p:spPr>
+            <a:xfrm>
+              <a:off x="1913539" y="4519312"/>
+              <a:ext cx="588763" cy="261610"/>
+            </a:xfrm>
+            <a:prstGeom prst="rect">
+              <a:avLst/>
+            </a:prstGeom>
+            <a:noFill/>
+          </p:spPr>
+          <p:txBody>
+            <a:bodyPr wrap="square" rtlCol="0">
+              <a:spAutoFit/>
+            </a:bodyPr>
+            <a:lstStyle/>
+            <a:p>
+              <a:pPr algn="ctr"/>
+              <a:r>
+                <a:rPr kumimoji="1" lang="en-US" altLang="zh-CN" sz="1100" b="1" dirty="0">
+                  <a:latin typeface="DengXian" panose="02010600030101010101" pitchFamily="2" charset="-122"/>
+                  <a:ea typeface="DengXian" panose="02010600030101010101" pitchFamily="2" charset="-122"/>
+                </a:rPr>
+                <a:t>edge1</a:t>
+              </a:r>
+              <a:endParaRPr kumimoji="1" lang="en-US" altLang="zh-CN" sz="1100" dirty="0">
+                <a:latin typeface="DengXian" panose="02010600030101010101" pitchFamily="2" charset="-122"/>
+                <a:ea typeface="DengXian" panose="02010600030101010101" pitchFamily="2" charset="-122"/>
+              </a:endParaRPr>
+            </a:p>
+          </p:txBody>
+        </p:sp>
+        <p:sp>
+          <p:nvSpPr>
+            <p:cNvPr id="156" name="矩形 13">
+              <a:extLst>
+                <a:ext uri="{FF2B5EF4-FFF2-40B4-BE49-F238E27FC236}">
+                  <a16:creationId xmlns:a16="http://schemas.microsoft.com/office/drawing/2014/main" id="{74108C34-6033-6B25-DADB-103847B55395}"/>
+                </a:ext>
+              </a:extLst>
+            </p:cNvPr>
+            <p:cNvSpPr/>
+            <p:nvPr/>
+          </p:nvSpPr>
+          <p:spPr>
+            <a:xfrm>
+              <a:off x="1977658" y="3490653"/>
+              <a:ext cx="4715815" cy="940283"/>
+            </a:xfrm>
+            <a:prstGeom prst="rect">
+              <a:avLst/>
+            </a:prstGeom>
+            <a:noFill/>
+            <a:ln w="12700">
+              <a:solidFill>
+                <a:schemeClr val="tx1"/>
+              </a:solidFill>
+              <a:prstDash val="dash"/>
+            </a:ln>
+          </p:spPr>
+          <p:style>
+            <a:lnRef idx="2">
+              <a:schemeClr val="accent2">
+                <a:shade val="50000"/>
+              </a:schemeClr>
+            </a:lnRef>
+            <a:fillRef idx="1">
+              <a:schemeClr val="accent2"/>
+            </a:fillRef>
+            <a:effectRef idx="0">
+              <a:schemeClr val="accent2"/>
+            </a:effectRef>
+            <a:fontRef idx="minor">
+              <a:schemeClr val="lt1"/>
+            </a:fontRef>
+          </p:style>
+          <p:txBody>
+            <a:bodyPr rtlCol="0" anchor="t"/>
+            <a:lstStyle/>
+            <a:p>
+              <a:r>
+                <a:rPr kumimoji="1" lang="en-US" altLang="zh-CN" sz="1200" b="1" dirty="0">
+                  <a:solidFill>
+                    <a:srgbClr val="FF0000"/>
+                  </a:solidFill>
+                  <a:latin typeface="DengXian" panose="02010600030101010101" pitchFamily="2" charset="-122"/>
+                  <a:ea typeface="DengXian" panose="02010600030101010101" pitchFamily="2" charset="-122"/>
+                </a:rPr>
+                <a:t>RESULT</a:t>
+              </a:r>
+              <a:r>
+                <a:rPr kumimoji="1" lang="zh-CN" altLang="en-US" sz="1200" b="1" dirty="0">
+                  <a:solidFill>
+                    <a:srgbClr val="FF0000"/>
+                  </a:solidFill>
+                  <a:latin typeface="DengXian" panose="02010600030101010101" pitchFamily="2" charset="-122"/>
+                  <a:ea typeface="DengXian" panose="02010600030101010101" pitchFamily="2" charset="-122"/>
+                </a:rPr>
+                <a:t> </a:t>
+              </a:r>
+              <a:r>
+                <a:rPr kumimoji="1" lang="en-US" altLang="zh-CN" sz="1200" dirty="0">
+                  <a:solidFill>
+                    <a:sysClr val="windowText" lastClr="000000"/>
+                  </a:solidFill>
+                  <a:latin typeface="DengXian" panose="02010600030101010101" pitchFamily="2" charset="-122"/>
+                  <a:ea typeface="DengXian" panose="02010600030101010101" pitchFamily="2" charset="-122"/>
+                </a:rPr>
+                <a:t>SUM(</a:t>
+              </a:r>
+              <a:r>
+                <a:rPr kumimoji="1" lang="en-US" altLang="zh-CN" sz="1200" dirty="0" err="1">
+                  <a:solidFill>
+                    <a:sysClr val="windowText" lastClr="000000"/>
+                  </a:solidFill>
+                  <a:latin typeface="DengXian" panose="02010600030101010101" pitchFamily="2" charset="-122"/>
+                  <a:ea typeface="DengXian" panose="02010600030101010101" pitchFamily="2" charset="-122"/>
+                </a:rPr>
+                <a:t>loan.loanAmount</a:t>
+              </a:r>
+              <a:r>
+                <a:rPr kumimoji="1" lang="en-US" altLang="zh-CN" sz="1200" dirty="0">
+                  <a:solidFill>
+                    <a:sysClr val="windowText" lastClr="000000"/>
+                  </a:solidFill>
+                  <a:latin typeface="DengXian" panose="02010600030101010101" pitchFamily="2" charset="-122"/>
+                  <a:ea typeface="DengXian" panose="02010600030101010101" pitchFamily="2" charset="-122"/>
+                </a:rPr>
+                <a:t>),</a:t>
+              </a:r>
+              <a:r>
+                <a:rPr kumimoji="1" lang="zh-CN" altLang="en-US" sz="1200" dirty="0">
+                  <a:solidFill>
+                    <a:sysClr val="windowText" lastClr="000000"/>
+                  </a:solidFill>
+                  <a:latin typeface="DengXian" panose="02010600030101010101" pitchFamily="2" charset="-122"/>
+                  <a:ea typeface="DengXian" panose="02010600030101010101" pitchFamily="2" charset="-122"/>
+                </a:rPr>
+                <a:t> </a:t>
+              </a:r>
+              <a:r>
+                <a:rPr kumimoji="1" lang="en-US" altLang="zh-CN" sz="1200" dirty="0">
+                  <a:solidFill>
+                    <a:sysClr val="windowText" lastClr="000000"/>
+                  </a:solidFill>
+                  <a:latin typeface="DengXian" panose="02010600030101010101" pitchFamily="2" charset="-122"/>
+                  <a:ea typeface="DengXian" panose="02010600030101010101" pitchFamily="2" charset="-122"/>
+                </a:rPr>
+                <a:t>COUNT(loan)</a:t>
+              </a:r>
+            </a:p>
+          </p:txBody>
+        </p:sp>
+        <p:sp>
+          <p:nvSpPr>
+            <p:cNvPr id="157" name="矩形 14">
+              <a:extLst>
+                <a:ext uri="{FF2B5EF4-FFF2-40B4-BE49-F238E27FC236}">
+                  <a16:creationId xmlns:a16="http://schemas.microsoft.com/office/drawing/2014/main" id="{91EE3CF0-2D02-E6B8-360E-A686A6385658}"/>
+                </a:ext>
+              </a:extLst>
+            </p:cNvPr>
+            <p:cNvSpPr/>
+            <p:nvPr/>
+          </p:nvSpPr>
+          <p:spPr>
+            <a:xfrm>
+              <a:off x="2439973" y="4645882"/>
+              <a:ext cx="1200746" cy="305258"/>
+            </a:xfrm>
+            <a:prstGeom prst="rect">
+              <a:avLst/>
+            </a:prstGeom>
+            <a:solidFill>
+              <a:schemeClr val="accent6">
+                <a:lumMod val="60000"/>
+                <a:lumOff val="40000"/>
+              </a:schemeClr>
+            </a:solidFill>
+            <a:ln w="19050">
+              <a:solidFill>
+                <a:schemeClr val="tx1"/>
+              </a:solidFill>
+            </a:ln>
+          </p:spPr>
+          <p:style>
+            <a:lnRef idx="2">
+              <a:schemeClr val="accent2">
+                <a:shade val="50000"/>
+              </a:schemeClr>
+            </a:lnRef>
+            <a:fillRef idx="1">
+              <a:schemeClr val="accent2"/>
+            </a:fillRef>
+            <a:effectRef idx="0">
+              <a:schemeClr val="accent2"/>
+            </a:effectRef>
+            <a:fontRef idx="minor">
+              <a:schemeClr val="lt1"/>
+            </a:fontRef>
+          </p:style>
+          <p:txBody>
+            <a:bodyPr rtlCol="0" anchor="ctr"/>
+            <a:lstStyle/>
+            <a:p>
+              <a:pPr algn="ctr"/>
+              <a:r>
+                <a:rPr kumimoji="1" lang="en-US" altLang="zh-CN" sz="1200" b="1" dirty="0">
+                  <a:solidFill>
+                    <a:sysClr val="windowText" lastClr="000000"/>
+                  </a:solidFill>
+                </a:rPr>
+                <a:t>p2</a:t>
+              </a:r>
+              <a:r>
+                <a:rPr kumimoji="1" lang="zh-CN" altLang="en-US" sz="1200" dirty="0">
+                  <a:solidFill>
+                    <a:sysClr val="windowText" lastClr="000000"/>
+                  </a:solidFill>
+                </a:rPr>
+                <a:t> </a:t>
+              </a:r>
+              <a:r>
+                <a:rPr kumimoji="1" lang="en-US" altLang="zh-CN" sz="1200" dirty="0">
+                  <a:solidFill>
+                    <a:sysClr val="windowText" lastClr="000000"/>
+                  </a:solidFill>
+                </a:rPr>
+                <a:t>:</a:t>
+              </a:r>
+              <a:r>
+                <a:rPr kumimoji="1" lang="zh-CN" altLang="en-US" sz="1200" dirty="0">
+                  <a:solidFill>
+                    <a:sysClr val="windowText" lastClr="000000"/>
+                  </a:solidFill>
+                </a:rPr>
+                <a:t> </a:t>
+              </a:r>
+              <a:r>
+                <a:rPr kumimoji="1" lang="en-US" altLang="zh-CN" sz="1200" dirty="0">
+                  <a:solidFill>
+                    <a:sysClr val="windowText" lastClr="000000"/>
+                  </a:solidFill>
+                </a:rPr>
+                <a:t>Person</a:t>
+              </a:r>
+              <a:endParaRPr kumimoji="1" lang="zh-CN" altLang="en-US" sz="1200" dirty="0">
+                <a:solidFill>
+                  <a:sysClr val="windowText" lastClr="000000"/>
+                </a:solidFill>
+              </a:endParaRPr>
+            </a:p>
+          </p:txBody>
+        </p:sp>
+        <p:sp>
+          <p:nvSpPr>
+            <p:cNvPr id="158" name="矩形 14">
+              <a:extLst>
+                <a:ext uri="{FF2B5EF4-FFF2-40B4-BE49-F238E27FC236}">
+                  <a16:creationId xmlns:a16="http://schemas.microsoft.com/office/drawing/2014/main" id="{AE356B99-B66D-2119-8213-5322B91153EA}"/>
+                </a:ext>
+              </a:extLst>
+            </p:cNvPr>
+            <p:cNvSpPr/>
+            <p:nvPr/>
+          </p:nvSpPr>
+          <p:spPr>
+            <a:xfrm>
+              <a:off x="4103034" y="4540091"/>
+              <a:ext cx="799362" cy="505147"/>
+            </a:xfrm>
+            <a:prstGeom prst="rect">
+              <a:avLst/>
+            </a:prstGeom>
+            <a:noFill/>
+            <a:ln w="25400">
+              <a:noFill/>
+            </a:ln>
+          </p:spPr>
+          <p:style>
+            <a:lnRef idx="2">
+              <a:schemeClr val="accent2">
+                <a:shade val="50000"/>
+              </a:schemeClr>
+            </a:lnRef>
+            <a:fillRef idx="1">
+              <a:schemeClr val="accent2"/>
+            </a:fillRef>
+            <a:effectRef idx="0">
+              <a:schemeClr val="accent2"/>
+            </a:effectRef>
+            <a:fontRef idx="minor">
+              <a:schemeClr val="lt1"/>
+            </a:fontRef>
+          </p:style>
+          <p:txBody>
+            <a:bodyPr rtlCol="0" anchor="ctr"/>
+            <a:lstStyle/>
+            <a:p>
+              <a:pPr algn="ctr"/>
+              <a:r>
+                <a:rPr kumimoji="1" lang="en-US" altLang="zh-CN" sz="1600" b="1" dirty="0">
+                  <a:solidFill>
+                    <a:sysClr val="windowText" lastClr="000000"/>
+                  </a:solidFill>
+                </a:rPr>
+                <a:t>…</a:t>
+              </a:r>
+              <a:endParaRPr kumimoji="1" lang="zh-CN" altLang="en-US" sz="1600" dirty="0">
+                <a:solidFill>
+                  <a:sysClr val="windowText" lastClr="000000"/>
+                </a:solidFill>
+              </a:endParaRPr>
+            </a:p>
+          </p:txBody>
+        </p:sp>
+        <p:sp>
+          <p:nvSpPr>
+            <p:cNvPr id="159" name="矩形 14">
+              <a:extLst>
+                <a:ext uri="{FF2B5EF4-FFF2-40B4-BE49-F238E27FC236}">
+                  <a16:creationId xmlns:a16="http://schemas.microsoft.com/office/drawing/2014/main" id="{E075C904-7171-EA7E-A0DF-B596F18990A8}"/>
+                </a:ext>
+              </a:extLst>
+            </p:cNvPr>
+            <p:cNvSpPr/>
+            <p:nvPr/>
+          </p:nvSpPr>
+          <p:spPr>
+            <a:xfrm>
+              <a:off x="5364710" y="4645882"/>
+              <a:ext cx="1200746" cy="305258"/>
+            </a:xfrm>
+            <a:prstGeom prst="rect">
+              <a:avLst/>
+            </a:prstGeom>
+            <a:solidFill>
+              <a:schemeClr val="accent6">
+                <a:lumMod val="60000"/>
+                <a:lumOff val="40000"/>
+              </a:schemeClr>
+            </a:solidFill>
+            <a:ln w="19050">
+              <a:solidFill>
+                <a:schemeClr val="tx1"/>
+              </a:solidFill>
+            </a:ln>
+          </p:spPr>
+          <p:style>
+            <a:lnRef idx="2">
+              <a:schemeClr val="accent2">
+                <a:shade val="50000"/>
+              </a:schemeClr>
+            </a:lnRef>
+            <a:fillRef idx="1">
+              <a:schemeClr val="accent2"/>
+            </a:fillRef>
+            <a:effectRef idx="0">
+              <a:schemeClr val="accent2"/>
+            </a:effectRef>
+            <a:fontRef idx="minor">
+              <a:schemeClr val="lt1"/>
+            </a:fontRef>
+          </p:style>
+          <p:txBody>
+            <a:bodyPr rtlCol="0" anchor="ctr"/>
+            <a:lstStyle/>
+            <a:p>
+              <a:pPr algn="ctr"/>
+              <a:r>
+                <a:rPr kumimoji="1" lang="en-US" altLang="zh-CN" sz="1200" b="1" dirty="0" err="1">
+                  <a:solidFill>
+                    <a:sysClr val="windowText" lastClr="000000"/>
+                  </a:solidFill>
+                </a:rPr>
+                <a:t>pN</a:t>
+              </a:r>
+              <a:r>
+                <a:rPr kumimoji="1" lang="zh-CN" altLang="en-US" sz="1200" dirty="0">
+                  <a:solidFill>
+                    <a:sysClr val="windowText" lastClr="000000"/>
+                  </a:solidFill>
+                </a:rPr>
+                <a:t> </a:t>
+              </a:r>
+              <a:r>
+                <a:rPr kumimoji="1" lang="en-US" altLang="zh-CN" sz="1200" dirty="0">
+                  <a:solidFill>
+                    <a:sysClr val="windowText" lastClr="000000"/>
+                  </a:solidFill>
+                </a:rPr>
+                <a:t>:</a:t>
+              </a:r>
+              <a:r>
+                <a:rPr kumimoji="1" lang="zh-CN" altLang="en-US" sz="1200" dirty="0">
+                  <a:solidFill>
+                    <a:sysClr val="windowText" lastClr="000000"/>
+                  </a:solidFill>
+                </a:rPr>
+                <a:t> </a:t>
+              </a:r>
+              <a:r>
+                <a:rPr kumimoji="1" lang="en-US" altLang="zh-CN" sz="1200" dirty="0">
+                  <a:solidFill>
+                    <a:sysClr val="windowText" lastClr="000000"/>
+                  </a:solidFill>
+                </a:rPr>
+                <a:t>Person</a:t>
+              </a:r>
+              <a:endParaRPr kumimoji="1" lang="zh-CN" altLang="en-US" sz="1200" dirty="0">
+                <a:solidFill>
+                  <a:sysClr val="windowText" lastClr="000000"/>
+                </a:solidFill>
+              </a:endParaRPr>
+            </a:p>
+          </p:txBody>
+        </p:sp>
+        <p:cxnSp>
+          <p:nvCxnSpPr>
+            <p:cNvPr id="160" name="直线箭头连接符 11" descr="jytjh">
+              <a:extLst>
+                <a:ext uri="{FF2B5EF4-FFF2-40B4-BE49-F238E27FC236}">
+                  <a16:creationId xmlns:a16="http://schemas.microsoft.com/office/drawing/2014/main" id="{4CB3E205-BC21-A5CF-982D-E3B00BBC8058}"/>
+                </a:ext>
+              </a:extLst>
+            </p:cNvPr>
+            <p:cNvCxnSpPr>
+              <a:cxnSpLocks/>
+              <a:stCxn id="157" idx="3"/>
+              <a:endCxn id="158" idx="1"/>
+            </p:cNvCxnSpPr>
+            <p:nvPr/>
+          </p:nvCxnSpPr>
+          <p:spPr>
+            <a:xfrm flipV="1">
+              <a:off x="3640719" y="4792665"/>
+              <a:ext cx="462315" cy="5846"/>
+            </a:xfrm>
+            <a:prstGeom prst="straightConnector1">
+              <a:avLst/>
+            </a:prstGeom>
+            <a:ln w="19050">
+              <a:solidFill>
+                <a:schemeClr val="tx1"/>
+              </a:solidFill>
+              <a:headEnd type="none" w="lg" len="med"/>
+              <a:tailEnd type="arrow" w="sm" len="lg"/>
+            </a:ln>
+          </p:spPr>
+          <p:style>
+            <a:lnRef idx="1">
+              <a:schemeClr val="accent1"/>
+            </a:lnRef>
+            <a:fillRef idx="0">
+              <a:schemeClr val="accent1"/>
+            </a:fillRef>
+            <a:effectRef idx="0">
+              <a:schemeClr val="accent1"/>
+            </a:effectRef>
+            <a:fontRef idx="minor">
+              <a:schemeClr val="tx1"/>
+            </a:fontRef>
+          </p:style>
+        </p:cxnSp>
+        <p:cxnSp>
+          <p:nvCxnSpPr>
+            <p:cNvPr id="161" name="直线箭头连接符 11" descr="jytjh">
+              <a:extLst>
+                <a:ext uri="{FF2B5EF4-FFF2-40B4-BE49-F238E27FC236}">
+                  <a16:creationId xmlns:a16="http://schemas.microsoft.com/office/drawing/2014/main" id="{5840E459-9FB4-4B6F-CD59-6B4B3F02F5EA}"/>
+                </a:ext>
+              </a:extLst>
+            </p:cNvPr>
+            <p:cNvCxnSpPr>
+              <a:cxnSpLocks/>
+              <a:stCxn id="158" idx="3"/>
+              <a:endCxn id="159" idx="1"/>
+            </p:cNvCxnSpPr>
+            <p:nvPr/>
+          </p:nvCxnSpPr>
+          <p:spPr>
+            <a:xfrm>
+              <a:off x="4902396" y="4792665"/>
+              <a:ext cx="462314" cy="5846"/>
+            </a:xfrm>
+            <a:prstGeom prst="straightConnector1">
+              <a:avLst/>
+            </a:prstGeom>
+            <a:ln w="19050">
+              <a:solidFill>
+                <a:schemeClr val="tx1"/>
+              </a:solidFill>
+              <a:headEnd type="none" w="lg" len="med"/>
+              <a:tailEnd type="arrow" w="sm" len="lg"/>
+            </a:ln>
+          </p:spPr>
+          <p:style>
+            <a:lnRef idx="1">
+              <a:schemeClr val="accent1"/>
+            </a:lnRef>
+            <a:fillRef idx="0">
+              <a:schemeClr val="accent1"/>
+            </a:fillRef>
+            <a:effectRef idx="0">
+              <a:schemeClr val="accent1"/>
+            </a:effectRef>
+            <a:fontRef idx="minor">
+              <a:schemeClr val="tx1"/>
+            </a:fontRef>
+          </p:style>
+        </p:cxnSp>
+        <p:sp>
+          <p:nvSpPr>
+            <p:cNvPr id="162" name="矩形 14">
+              <a:extLst>
+                <a:ext uri="{FF2B5EF4-FFF2-40B4-BE49-F238E27FC236}">
+                  <a16:creationId xmlns:a16="http://schemas.microsoft.com/office/drawing/2014/main" id="{F3F38903-0485-C314-1FCD-B46FB1F69A71}"/>
+                </a:ext>
+              </a:extLst>
+            </p:cNvPr>
+            <p:cNvSpPr/>
+            <p:nvPr/>
+          </p:nvSpPr>
+          <p:spPr>
+            <a:xfrm>
+              <a:off x="1977657" y="3885012"/>
+              <a:ext cx="1062688" cy="371925"/>
+            </a:xfrm>
+            <a:prstGeom prst="rect">
+              <a:avLst/>
+            </a:prstGeom>
+            <a:solidFill>
+              <a:schemeClr val="accent2">
+                <a:lumMod val="60000"/>
+                <a:lumOff val="40000"/>
+              </a:schemeClr>
+            </a:solidFill>
+            <a:ln w="19050">
+              <a:solidFill>
+                <a:schemeClr val="tx1"/>
+              </a:solidFill>
+            </a:ln>
+          </p:spPr>
+          <p:style>
+            <a:lnRef idx="2">
+              <a:schemeClr val="accent2">
+                <a:shade val="50000"/>
+              </a:schemeClr>
+            </a:lnRef>
+            <a:fillRef idx="1">
+              <a:schemeClr val="accent2"/>
+            </a:fillRef>
+            <a:effectRef idx="0">
+              <a:schemeClr val="accent2"/>
+            </a:effectRef>
+            <a:fontRef idx="minor">
+              <a:schemeClr val="lt1"/>
+            </a:fontRef>
+          </p:style>
+          <p:txBody>
+            <a:bodyPr rtlCol="0" anchor="ctr"/>
+            <a:lstStyle/>
+            <a:p>
+              <a:pPr algn="ctr"/>
+              <a:r>
+                <a:rPr kumimoji="1" lang="en-US" altLang="zh-CN" sz="1200" b="1" dirty="0">
+                  <a:solidFill>
+                    <a:sysClr val="windowText" lastClr="000000"/>
+                  </a:solidFill>
+                </a:rPr>
+                <a:t>loan1</a:t>
+              </a:r>
+              <a:r>
+                <a:rPr kumimoji="1" lang="zh-CN" altLang="en-US" sz="1200" dirty="0">
+                  <a:solidFill>
+                    <a:sysClr val="windowText" lastClr="000000"/>
+                  </a:solidFill>
+                </a:rPr>
+                <a:t> </a:t>
+              </a:r>
+              <a:r>
+                <a:rPr kumimoji="1" lang="en-US" altLang="zh-CN" sz="1200" dirty="0">
+                  <a:solidFill>
+                    <a:sysClr val="windowText" lastClr="000000"/>
+                  </a:solidFill>
+                </a:rPr>
+                <a:t>:</a:t>
+              </a:r>
+              <a:r>
+                <a:rPr kumimoji="1" lang="zh-CN" altLang="en-US" sz="1200" dirty="0">
+                  <a:solidFill>
+                    <a:sysClr val="windowText" lastClr="000000"/>
+                  </a:solidFill>
+                </a:rPr>
+                <a:t> </a:t>
+              </a:r>
+              <a:r>
+                <a:rPr kumimoji="1" lang="en-US" altLang="zh-CN" sz="1200" dirty="0">
+                  <a:solidFill>
+                    <a:sysClr val="windowText" lastClr="000000"/>
+                  </a:solidFill>
+                </a:rPr>
+                <a:t>Loan</a:t>
+              </a:r>
+              <a:endParaRPr kumimoji="1" lang="zh-CN" altLang="en-US" sz="1200" dirty="0">
+                <a:solidFill>
+                  <a:sysClr val="windowText" lastClr="000000"/>
+                </a:solidFill>
+              </a:endParaRPr>
+            </a:p>
+          </p:txBody>
+        </p:sp>
+        <p:sp>
+          <p:nvSpPr>
+            <p:cNvPr id="163" name="文本框 12">
+              <a:extLst>
+                <a:ext uri="{FF2B5EF4-FFF2-40B4-BE49-F238E27FC236}">
+                  <a16:creationId xmlns:a16="http://schemas.microsoft.com/office/drawing/2014/main" id="{095014AC-C92D-3D54-5A95-EBB1D1213053}"/>
+                </a:ext>
+              </a:extLst>
+            </p:cNvPr>
+            <p:cNvSpPr txBox="1"/>
+            <p:nvPr/>
+          </p:nvSpPr>
+          <p:spPr>
+            <a:xfrm>
+              <a:off x="3564990" y="4512368"/>
+              <a:ext cx="638664" cy="276999"/>
+            </a:xfrm>
+            <a:prstGeom prst="rect">
+              <a:avLst/>
+            </a:prstGeom>
+            <a:noFill/>
+          </p:spPr>
+          <p:txBody>
+            <a:bodyPr wrap="square" rtlCol="0">
+              <a:spAutoFit/>
+            </a:bodyPr>
+            <a:lstStyle/>
+            <a:p>
+              <a:pPr algn="ctr"/>
+              <a:r>
+                <a:rPr kumimoji="1" lang="en-US" altLang="zh-CN" sz="1200" b="1" dirty="0">
+                  <a:latin typeface="DengXian" panose="02010600030101010101" pitchFamily="2" charset="-122"/>
+                  <a:ea typeface="DengXian" panose="02010600030101010101" pitchFamily="2" charset="-122"/>
+                </a:rPr>
+                <a:t>edge2</a:t>
+              </a:r>
+              <a:endParaRPr kumimoji="1" lang="en-US" altLang="zh-CN" sz="1200" dirty="0">
+                <a:latin typeface="DengXian" panose="02010600030101010101" pitchFamily="2" charset="-122"/>
+                <a:ea typeface="DengXian" panose="02010600030101010101" pitchFamily="2" charset="-122"/>
+              </a:endParaRPr>
+            </a:p>
+          </p:txBody>
+        </p:sp>
+        <p:sp>
+          <p:nvSpPr>
+            <p:cNvPr id="164" name="文本框 12">
+              <a:extLst>
+                <a:ext uri="{FF2B5EF4-FFF2-40B4-BE49-F238E27FC236}">
+                  <a16:creationId xmlns:a16="http://schemas.microsoft.com/office/drawing/2014/main" id="{BF8F12F2-279E-7852-6C66-02CC68C31312}"/>
+                </a:ext>
+              </a:extLst>
+            </p:cNvPr>
+            <p:cNvSpPr txBox="1"/>
+            <p:nvPr/>
+          </p:nvSpPr>
+          <p:spPr>
+            <a:xfrm>
+              <a:off x="4801126" y="4530190"/>
+              <a:ext cx="638664" cy="261610"/>
+            </a:xfrm>
+            <a:prstGeom prst="rect">
+              <a:avLst/>
+            </a:prstGeom>
+            <a:noFill/>
+          </p:spPr>
+          <p:txBody>
+            <a:bodyPr wrap="square" rtlCol="0">
+              <a:spAutoFit/>
+            </a:bodyPr>
+            <a:lstStyle/>
+            <a:p>
+              <a:pPr algn="ctr"/>
+              <a:r>
+                <a:rPr kumimoji="1" lang="en-US" altLang="zh-CN" sz="1100" b="1" dirty="0" err="1">
+                  <a:latin typeface="DengXian" panose="02010600030101010101" pitchFamily="2" charset="-122"/>
+                  <a:ea typeface="DengXian" panose="02010600030101010101" pitchFamily="2" charset="-122"/>
+                </a:rPr>
+                <a:t>edgeN</a:t>
+              </a:r>
+              <a:endParaRPr kumimoji="1" lang="en-US" altLang="zh-CN" sz="1100" dirty="0">
+                <a:latin typeface="DengXian" panose="02010600030101010101" pitchFamily="2" charset="-122"/>
+                <a:ea typeface="DengXian" panose="02010600030101010101" pitchFamily="2" charset="-122"/>
+              </a:endParaRPr>
+            </a:p>
+          </p:txBody>
+        </p:sp>
+        <p:cxnSp>
+          <p:nvCxnSpPr>
+            <p:cNvPr id="165" name="直线箭头连接符 11" descr="jytjh">
+              <a:extLst>
+                <a:ext uri="{FF2B5EF4-FFF2-40B4-BE49-F238E27FC236}">
+                  <a16:creationId xmlns:a16="http://schemas.microsoft.com/office/drawing/2014/main" id="{8FF0F5BF-4EB4-B434-F2C5-74E27E3428E7}"/>
+                </a:ext>
+              </a:extLst>
+            </p:cNvPr>
+            <p:cNvCxnSpPr>
+              <a:cxnSpLocks/>
+              <a:stCxn id="157" idx="0"/>
+              <a:endCxn id="162" idx="2"/>
+            </p:cNvCxnSpPr>
+            <p:nvPr/>
+          </p:nvCxnSpPr>
+          <p:spPr>
+            <a:xfrm flipH="1" flipV="1">
+              <a:off x="2509001" y="4256937"/>
+              <a:ext cx="531345" cy="388945"/>
+            </a:xfrm>
+            <a:prstGeom prst="straightConnector1">
+              <a:avLst/>
+            </a:prstGeom>
+            <a:ln w="19050">
+              <a:solidFill>
+                <a:schemeClr val="tx1"/>
+              </a:solidFill>
+              <a:headEnd type="none" w="lg" len="med"/>
+              <a:tailEnd type="arrow" w="sm" len="lg"/>
+            </a:ln>
+          </p:spPr>
+          <p:style>
+            <a:lnRef idx="1">
+              <a:schemeClr val="accent1"/>
+            </a:lnRef>
+            <a:fillRef idx="0">
+              <a:schemeClr val="accent1"/>
+            </a:fillRef>
+            <a:effectRef idx="0">
+              <a:schemeClr val="accent1"/>
+            </a:effectRef>
+            <a:fontRef idx="minor">
+              <a:schemeClr val="tx1"/>
+            </a:fontRef>
+          </p:style>
+        </p:cxnSp>
+        <p:sp>
+          <p:nvSpPr>
+            <p:cNvPr id="166" name="矩形 14">
+              <a:extLst>
+                <a:ext uri="{FF2B5EF4-FFF2-40B4-BE49-F238E27FC236}">
+                  <a16:creationId xmlns:a16="http://schemas.microsoft.com/office/drawing/2014/main" id="{97DF9EF1-93A6-0568-3EC6-4746C8E50F08}"/>
+                </a:ext>
+              </a:extLst>
+            </p:cNvPr>
+            <p:cNvSpPr/>
+            <p:nvPr/>
+          </p:nvSpPr>
+          <p:spPr>
+            <a:xfrm>
+              <a:off x="5364710" y="3885012"/>
+              <a:ext cx="1200745" cy="371925"/>
+            </a:xfrm>
+            <a:prstGeom prst="rect">
+              <a:avLst/>
+            </a:prstGeom>
+            <a:solidFill>
+              <a:schemeClr val="accent2">
+                <a:lumMod val="60000"/>
+                <a:lumOff val="40000"/>
+              </a:schemeClr>
+            </a:solidFill>
+            <a:ln w="19050">
+              <a:solidFill>
+                <a:schemeClr val="tx1"/>
+              </a:solidFill>
+            </a:ln>
+          </p:spPr>
+          <p:style>
+            <a:lnRef idx="2">
+              <a:schemeClr val="accent2">
+                <a:shade val="50000"/>
+              </a:schemeClr>
+            </a:lnRef>
+            <a:fillRef idx="1">
+              <a:schemeClr val="accent2"/>
+            </a:fillRef>
+            <a:effectRef idx="0">
+              <a:schemeClr val="accent2"/>
+            </a:effectRef>
+            <a:fontRef idx="minor">
+              <a:schemeClr val="lt1"/>
+            </a:fontRef>
+          </p:style>
+          <p:txBody>
+            <a:bodyPr rtlCol="0" anchor="ctr"/>
+            <a:lstStyle/>
+            <a:p>
+              <a:pPr algn="ctr"/>
+              <a:r>
+                <a:rPr kumimoji="1" lang="en-US" altLang="zh-CN" sz="1200" b="1" dirty="0">
+                  <a:solidFill>
+                    <a:sysClr val="windowText" lastClr="000000"/>
+                  </a:solidFill>
+                </a:rPr>
+                <a:t>loan</a:t>
+              </a:r>
+              <a:r>
+                <a:rPr kumimoji="1" lang="zh-CN" altLang="en-US" sz="1200" dirty="0">
+                  <a:solidFill>
+                    <a:sysClr val="windowText" lastClr="000000"/>
+                  </a:solidFill>
+                </a:rPr>
+                <a:t> </a:t>
+              </a:r>
+              <a:r>
+                <a:rPr kumimoji="1" lang="en-US" altLang="zh-CN" sz="1200" dirty="0">
+                  <a:solidFill>
+                    <a:sysClr val="windowText" lastClr="000000"/>
+                  </a:solidFill>
+                </a:rPr>
+                <a:t>:</a:t>
+              </a:r>
+              <a:r>
+                <a:rPr kumimoji="1" lang="zh-CN" altLang="en-US" sz="1200" dirty="0">
+                  <a:solidFill>
+                    <a:sysClr val="windowText" lastClr="000000"/>
+                  </a:solidFill>
+                </a:rPr>
+                <a:t> </a:t>
+              </a:r>
+              <a:r>
+                <a:rPr kumimoji="1" lang="en-US" altLang="zh-CN" sz="1200" dirty="0">
+                  <a:solidFill>
+                    <a:sysClr val="windowText" lastClr="000000"/>
+                  </a:solidFill>
+                </a:rPr>
+                <a:t>Loan</a:t>
+              </a:r>
+              <a:endParaRPr kumimoji="1" lang="zh-CN" altLang="en-US" sz="1200" dirty="0">
+                <a:solidFill>
+                  <a:sysClr val="windowText" lastClr="000000"/>
+                </a:solidFill>
+              </a:endParaRPr>
+            </a:p>
+          </p:txBody>
+        </p:sp>
+        <p:cxnSp>
+          <p:nvCxnSpPr>
+            <p:cNvPr id="167" name="直线箭头连接符 11" descr="jytjh">
+              <a:extLst>
+                <a:ext uri="{FF2B5EF4-FFF2-40B4-BE49-F238E27FC236}">
+                  <a16:creationId xmlns:a16="http://schemas.microsoft.com/office/drawing/2014/main" id="{252C121C-C089-5A76-A55C-47461A5BFC3D}"/>
+                </a:ext>
+              </a:extLst>
+            </p:cNvPr>
+            <p:cNvCxnSpPr>
+              <a:cxnSpLocks/>
+              <a:stCxn id="159" idx="0"/>
+              <a:endCxn id="166" idx="2"/>
+            </p:cNvCxnSpPr>
+            <p:nvPr/>
+          </p:nvCxnSpPr>
+          <p:spPr>
+            <a:xfrm flipV="1">
+              <a:off x="5965083" y="4256937"/>
+              <a:ext cx="0" cy="388945"/>
+            </a:xfrm>
+            <a:prstGeom prst="straightConnector1">
+              <a:avLst/>
+            </a:prstGeom>
+            <a:ln w="19050">
+              <a:solidFill>
+                <a:schemeClr val="tx1"/>
+              </a:solidFill>
+              <a:headEnd type="none" w="lg" len="med"/>
+              <a:tailEnd type="arrow" w="sm" len="lg"/>
+            </a:ln>
+          </p:spPr>
+          <p:style>
+            <a:lnRef idx="1">
+              <a:schemeClr val="accent1"/>
+            </a:lnRef>
+            <a:fillRef idx="0">
+              <a:schemeClr val="accent1"/>
+            </a:fillRef>
+            <a:effectRef idx="0">
+              <a:schemeClr val="accent1"/>
+            </a:effectRef>
+            <a:fontRef idx="minor">
+              <a:schemeClr val="tx1"/>
+            </a:fontRef>
+          </p:style>
+        </p:cxnSp>
+        <p:sp>
+          <p:nvSpPr>
+            <p:cNvPr id="168" name="矩形 10">
+              <a:extLst>
+                <a:ext uri="{FF2B5EF4-FFF2-40B4-BE49-F238E27FC236}">
+                  <a16:creationId xmlns:a16="http://schemas.microsoft.com/office/drawing/2014/main" id="{974A8B10-3F2A-80BB-103F-D30C1574BC00}"/>
+                </a:ext>
+              </a:extLst>
+            </p:cNvPr>
+            <p:cNvSpPr/>
+            <p:nvPr/>
+          </p:nvSpPr>
+          <p:spPr>
+            <a:xfrm>
+              <a:off x="776911" y="4947927"/>
+              <a:ext cx="1200747" cy="249148"/>
+            </a:xfrm>
+            <a:prstGeom prst="rect">
+              <a:avLst/>
+            </a:prstGeom>
+            <a:noFill/>
+            <a:ln w="19050">
+              <a:solidFill>
+                <a:schemeClr val="tx1"/>
+              </a:solidFill>
+            </a:ln>
+          </p:spPr>
+          <p:style>
+            <a:lnRef idx="2">
+              <a:schemeClr val="accent2">
+                <a:shade val="50000"/>
+              </a:schemeClr>
+            </a:lnRef>
+            <a:fillRef idx="1">
+              <a:schemeClr val="accent2"/>
+            </a:fillRef>
+            <a:effectRef idx="0">
+              <a:schemeClr val="accent2"/>
+            </a:effectRef>
+            <a:fontRef idx="minor">
+              <a:schemeClr val="lt1"/>
+            </a:fontRef>
+          </p:style>
+          <p:txBody>
+            <a:bodyPr rtlCol="0" anchor="ctr"/>
+            <a:lstStyle/>
+            <a:p>
+              <a:pPr algn="ctr"/>
+              <a:r>
+                <a:rPr kumimoji="1" lang="en-US" altLang="zh-CN" sz="1200" b="1" dirty="0">
+                  <a:solidFill>
+                    <a:sysClr val="windowText" lastClr="000000"/>
+                  </a:solidFill>
+                  <a:latin typeface="DengXian" panose="02010600030101010101" pitchFamily="2" charset="-122"/>
+                  <a:ea typeface="DengXian" panose="02010600030101010101" pitchFamily="2" charset="-122"/>
+                </a:rPr>
+                <a:t>p1</a:t>
+              </a:r>
+              <a:r>
+                <a:rPr kumimoji="1" lang="en-US" altLang="zh-CN" sz="1200" dirty="0">
+                  <a:solidFill>
+                    <a:sysClr val="windowText" lastClr="000000"/>
+                  </a:solidFill>
+                  <a:latin typeface="DengXian" panose="02010600030101010101" pitchFamily="2" charset="-122"/>
+                  <a:ea typeface="DengXian" panose="02010600030101010101" pitchFamily="2" charset="-122"/>
+                </a:rPr>
+                <a:t>.id</a:t>
+              </a:r>
+              <a:r>
+                <a:rPr kumimoji="1" lang="zh-CN" altLang="en-US" sz="1200" dirty="0">
+                  <a:solidFill>
+                    <a:sysClr val="windowText" lastClr="000000"/>
+                  </a:solidFill>
+                  <a:latin typeface="DengXian" panose="02010600030101010101" pitchFamily="2" charset="-122"/>
+                  <a:ea typeface="DengXian" panose="02010600030101010101" pitchFamily="2" charset="-122"/>
+                </a:rPr>
+                <a:t> </a:t>
+              </a:r>
+              <a:r>
+                <a:rPr kumimoji="1" lang="en-US" altLang="zh-CN" sz="1200" dirty="0">
+                  <a:solidFill>
+                    <a:sysClr val="windowText" lastClr="000000"/>
+                  </a:solidFill>
+                  <a:latin typeface="DengXian" panose="02010600030101010101" pitchFamily="2" charset="-122"/>
+                  <a:ea typeface="DengXian" panose="02010600030101010101" pitchFamily="2" charset="-122"/>
+                </a:rPr>
+                <a:t>=</a:t>
+              </a:r>
+              <a:r>
+                <a:rPr kumimoji="1" lang="zh-CN" altLang="en-US" sz="1200" dirty="0">
+                  <a:solidFill>
+                    <a:sysClr val="windowText" lastClr="000000"/>
+                  </a:solidFill>
+                  <a:latin typeface="DengXian" panose="02010600030101010101" pitchFamily="2" charset="-122"/>
+                  <a:ea typeface="DengXian" panose="02010600030101010101" pitchFamily="2" charset="-122"/>
+                </a:rPr>
+                <a:t> </a:t>
+              </a:r>
+              <a:r>
+                <a:rPr kumimoji="1" lang="en-US" altLang="zh-CN" sz="1200" dirty="0">
+                  <a:solidFill>
+                    <a:sysClr val="windowText" lastClr="000000"/>
+                  </a:solidFill>
+                  <a:latin typeface="DengXian" panose="02010600030101010101" pitchFamily="2" charset="-122"/>
+                  <a:ea typeface="DengXian" panose="02010600030101010101" pitchFamily="2" charset="-122"/>
+                </a:rPr>
+                <a:t>${id}</a:t>
+              </a:r>
+              <a:endParaRPr kumimoji="1" lang="zh-CN" altLang="en-US" sz="1200" dirty="0">
+                <a:solidFill>
+                  <a:sysClr val="windowText" lastClr="000000"/>
+                </a:solidFill>
+                <a:latin typeface="DengXian" panose="02010600030101010101" pitchFamily="2" charset="-122"/>
+                <a:ea typeface="DengXian" panose="02010600030101010101" pitchFamily="2" charset="-122"/>
+              </a:endParaRPr>
+            </a:p>
+          </p:txBody>
+        </p:sp>
+        <p:sp>
+          <p:nvSpPr>
+            <p:cNvPr id="169" name="文本框 12">
+              <a:extLst>
+                <a:ext uri="{FF2B5EF4-FFF2-40B4-BE49-F238E27FC236}">
+                  <a16:creationId xmlns:a16="http://schemas.microsoft.com/office/drawing/2014/main" id="{00B00A61-772A-D117-CA3D-31EE00116DEF}"/>
+                </a:ext>
+              </a:extLst>
+            </p:cNvPr>
+            <p:cNvSpPr txBox="1"/>
+            <p:nvPr/>
+          </p:nvSpPr>
+          <p:spPr>
+            <a:xfrm>
+              <a:off x="4449006" y="5037729"/>
+              <a:ext cx="2241647" cy="776903"/>
+            </a:xfrm>
+            <a:prstGeom prst="rect">
+              <a:avLst/>
+            </a:prstGeom>
+            <a:noFill/>
+          </p:spPr>
+          <p:txBody>
+            <a:bodyPr wrap="square" lIns="90000" numCol="1" rtlCol="0" anchor="ctr">
+              <a:noAutofit/>
+            </a:bodyPr>
+            <a:lstStyle/>
+            <a:p>
+              <a:pPr algn="just"/>
+              <a:r>
+                <a:rPr kumimoji="1" lang="en-US" altLang="zh-CN" sz="1050" b="1" dirty="0" err="1">
+                  <a:latin typeface="DengXian" panose="02010600030101010101" pitchFamily="2" charset="-122"/>
+                  <a:ea typeface="DengXian" panose="02010600030101010101" pitchFamily="2" charset="-122"/>
+                </a:rPr>
+                <a:t>edgeN</a:t>
+              </a:r>
+              <a:r>
+                <a:rPr kumimoji="1" lang="en-US" altLang="zh-CN" sz="1050" b="1" dirty="0">
+                  <a:latin typeface="DengXian" panose="02010600030101010101" pitchFamily="2" charset="-122"/>
+                  <a:ea typeface="DengXian" panose="02010600030101010101" pitchFamily="2" charset="-122"/>
+                </a:rPr>
+                <a:t>:</a:t>
+              </a:r>
+              <a:r>
+                <a:rPr kumimoji="1" lang="zh-CN" altLang="en-US" sz="1050" b="1" dirty="0">
+                  <a:latin typeface="DengXian" panose="02010600030101010101" pitchFamily="2" charset="-122"/>
+                  <a:ea typeface="DengXian" panose="02010600030101010101" pitchFamily="2" charset="-122"/>
+                </a:rPr>
+                <a:t> </a:t>
+              </a:r>
+              <a:r>
+                <a:rPr kumimoji="1" lang="en-US" altLang="zh-CN" sz="1050" dirty="0">
+                  <a:latin typeface="DengXian" panose="02010600030101010101" pitchFamily="2" charset="-122"/>
+                  <a:ea typeface="DengXian" panose="02010600030101010101" pitchFamily="2" charset="-122"/>
+                </a:rPr>
+                <a:t>guarantee</a:t>
+              </a:r>
+            </a:p>
+            <a:p>
+              <a:pPr algn="just"/>
+              <a:r>
+                <a:rPr kumimoji="1" lang="en-US" altLang="zh-CN" sz="1050" b="1" dirty="0" err="1">
+                  <a:latin typeface="DengXian" panose="02010600030101010101" pitchFamily="2" charset="-122"/>
+                  <a:ea typeface="DengXian" panose="02010600030101010101" pitchFamily="2" charset="-122"/>
+                </a:rPr>
+                <a:t>edgeN</a:t>
+              </a:r>
+              <a:r>
+                <a:rPr kumimoji="1" lang="en-US" altLang="zh-CN" sz="1050" dirty="0" err="1">
+                  <a:latin typeface="DengXian" panose="02010600030101010101" pitchFamily="2" charset="-122"/>
+                  <a:ea typeface="DengXian" panose="02010600030101010101" pitchFamily="2" charset="-122"/>
+                </a:rPr>
+                <a:t>.timestamp</a:t>
+              </a:r>
+              <a:r>
+                <a:rPr kumimoji="1" lang="zh-CN" altLang="en-US" sz="1050" dirty="0">
+                  <a:latin typeface="DengXian" panose="02010600030101010101" pitchFamily="2" charset="-122"/>
+                  <a:ea typeface="DengXian" panose="02010600030101010101" pitchFamily="2" charset="-122"/>
+                </a:rPr>
+                <a:t> </a:t>
+              </a:r>
+              <a:r>
+                <a:rPr kumimoji="1" lang="en-US" altLang="zh-CN" sz="1050" dirty="0">
+                  <a:latin typeface="DengXian" panose="02010600030101010101" pitchFamily="2" charset="-122"/>
+                  <a:ea typeface="DengXian" panose="02010600030101010101" pitchFamily="2" charset="-122"/>
+                </a:rPr>
+                <a:t>&gt;</a:t>
+              </a:r>
+              <a:r>
+                <a:rPr kumimoji="1" lang="zh-CN" altLang="en-US" sz="1050" dirty="0">
+                  <a:latin typeface="DengXian" panose="02010600030101010101" pitchFamily="2" charset="-122"/>
+                  <a:ea typeface="DengXian" panose="02010600030101010101" pitchFamily="2" charset="-122"/>
+                </a:rPr>
+                <a:t> </a:t>
+              </a:r>
+              <a:r>
+                <a:rPr kumimoji="1" lang="en-US" altLang="zh-CN" sz="1050" dirty="0">
+                  <a:latin typeface="DengXian" panose="02010600030101010101" pitchFamily="2" charset="-122"/>
+                  <a:ea typeface="DengXian" panose="02010600030101010101" pitchFamily="2" charset="-122"/>
+                </a:rPr>
+                <a:t>${</a:t>
+              </a:r>
+              <a:r>
+                <a:rPr kumimoji="1" lang="en-US" altLang="zh-CN" sz="1050" dirty="0" err="1">
+                  <a:latin typeface="DengXian" panose="02010600030101010101" pitchFamily="2" charset="-122"/>
+                  <a:ea typeface="DengXian" panose="02010600030101010101" pitchFamily="2" charset="-122"/>
+                </a:rPr>
+                <a:t>startTime</a:t>
+              </a:r>
+              <a:r>
+                <a:rPr kumimoji="1" lang="en-US" altLang="zh-CN" sz="1050" dirty="0">
+                  <a:latin typeface="DengXian" panose="02010600030101010101" pitchFamily="2" charset="-122"/>
+                  <a:ea typeface="DengXian" panose="02010600030101010101" pitchFamily="2" charset="-122"/>
+                </a:rPr>
+                <a:t>}</a:t>
+              </a:r>
+            </a:p>
+            <a:p>
+              <a:pPr algn="just"/>
+              <a:r>
+                <a:rPr kumimoji="1" lang="en-US" altLang="zh-CN" sz="1050" b="1" dirty="0" err="1">
+                  <a:latin typeface="DengXian" panose="02010600030101010101" pitchFamily="2" charset="-122"/>
+                  <a:ea typeface="DengXian" panose="02010600030101010101" pitchFamily="2" charset="-122"/>
+                </a:rPr>
+                <a:t>edgeN</a:t>
+              </a:r>
+              <a:r>
+                <a:rPr kumimoji="1" lang="en-US" altLang="zh-CN" sz="1050" dirty="0" err="1">
+                  <a:latin typeface="DengXian" panose="02010600030101010101" pitchFamily="2" charset="-122"/>
+                  <a:ea typeface="DengXian" panose="02010600030101010101" pitchFamily="2" charset="-122"/>
+                </a:rPr>
+                <a:t>.timestamp</a:t>
+              </a:r>
+              <a:r>
+                <a:rPr kumimoji="1" lang="zh-CN" altLang="en-US" sz="1050" dirty="0">
+                  <a:latin typeface="DengXian" panose="02010600030101010101" pitchFamily="2" charset="-122"/>
+                  <a:ea typeface="DengXian" panose="02010600030101010101" pitchFamily="2" charset="-122"/>
+                </a:rPr>
+                <a:t> </a:t>
+              </a:r>
+              <a:r>
+                <a:rPr kumimoji="1" lang="en-US" altLang="zh-CN" sz="1050" dirty="0">
+                  <a:latin typeface="DengXian" panose="02010600030101010101" pitchFamily="2" charset="-122"/>
+                  <a:ea typeface="DengXian" panose="02010600030101010101" pitchFamily="2" charset="-122"/>
+                </a:rPr>
+                <a:t>&lt;</a:t>
+              </a:r>
+              <a:r>
+                <a:rPr kumimoji="1" lang="zh-CN" altLang="en-US" sz="1050" dirty="0">
+                  <a:latin typeface="DengXian" panose="02010600030101010101" pitchFamily="2" charset="-122"/>
+                  <a:ea typeface="DengXian" panose="02010600030101010101" pitchFamily="2" charset="-122"/>
+                </a:rPr>
+                <a:t> </a:t>
+              </a:r>
+              <a:r>
+                <a:rPr kumimoji="1" lang="en-US" altLang="zh-CN" sz="1050" dirty="0">
+                  <a:latin typeface="DengXian" panose="02010600030101010101" pitchFamily="2" charset="-122"/>
+                  <a:ea typeface="DengXian" panose="02010600030101010101" pitchFamily="2" charset="-122"/>
+                </a:rPr>
+                <a:t>${</a:t>
+              </a:r>
+              <a:r>
+                <a:rPr kumimoji="1" lang="en-US" altLang="zh-CN" sz="1050" dirty="0" err="1">
+                  <a:latin typeface="DengXian" panose="02010600030101010101" pitchFamily="2" charset="-122"/>
+                  <a:ea typeface="DengXian" panose="02010600030101010101" pitchFamily="2" charset="-122"/>
+                </a:rPr>
+                <a:t>endTime</a:t>
+              </a:r>
+              <a:r>
+                <a:rPr kumimoji="1" lang="en-US" altLang="zh-CN" sz="1050" dirty="0">
+                  <a:latin typeface="DengXian" panose="02010600030101010101" pitchFamily="2" charset="-122"/>
+                  <a:ea typeface="DengXian" panose="02010600030101010101" pitchFamily="2" charset="-122"/>
+                </a:rPr>
+                <a:t>}</a:t>
+              </a:r>
+            </a:p>
+          </p:txBody>
+        </p:sp>
+        <p:sp>
+          <p:nvSpPr>
+            <p:cNvPr id="113" name="Rectangle: Rounded Corners 4">
+              <a:extLst>
+                <a:ext uri="{FF2B5EF4-FFF2-40B4-BE49-F238E27FC236}">
+                  <a16:creationId xmlns:a16="http://schemas.microsoft.com/office/drawing/2014/main" id="{D5C112EC-11AB-0B8B-A989-A2A7BCBC1D3D}"/>
+                </a:ext>
+              </a:extLst>
+            </p:cNvPr>
+            <p:cNvSpPr/>
+            <p:nvPr/>
+          </p:nvSpPr>
+          <p:spPr>
+            <a:xfrm>
+              <a:off x="9223508" y="2292029"/>
+              <a:ext cx="2245814" cy="2233670"/>
+            </a:xfrm>
+            <a:prstGeom prst="roundRect">
+              <a:avLst/>
+            </a:prstGeom>
+            <a:noFill/>
+            <a:ln w="19050">
+              <a:solidFill>
+                <a:schemeClr val="tx1">
+                  <a:alpha val="40000"/>
                 </a:schemeClr>
               </a:solidFill>
-              <a:ln w="19050">
+              <a:prstDash val="sysDash"/>
+            </a:ln>
+          </p:spPr>
+          <p:style>
+            <a:lnRef idx="2">
+              <a:schemeClr val="accent1">
+                <a:shade val="50000"/>
+              </a:schemeClr>
+            </a:lnRef>
+            <a:fillRef idx="1">
+              <a:schemeClr val="accent1"/>
+            </a:fillRef>
+            <a:effectRef idx="0">
+              <a:schemeClr val="accent1"/>
+            </a:effectRef>
+            <a:fontRef idx="minor">
+              <a:schemeClr val="lt1"/>
+            </a:fontRef>
+          </p:style>
+          <p:txBody>
+            <a:bodyPr rtlCol="0" anchor="ctr"/>
+            <a:lstStyle/>
+            <a:p>
+              <a:pPr algn="ctr" defTabSz="685800" fontAlgn="base">
+                <a:spcBef>
+                  <a:spcPct val="0"/>
+                </a:spcBef>
+                <a:spcAft>
+                  <a:spcPct val="0"/>
+                </a:spcAft>
+                <a:defRPr/>
+              </a:pPr>
+              <a:endParaRPr lang="en-US" sz="900" dirty="0">
                 <a:solidFill>
                   <a:schemeClr val="tx1"/>
                 </a:solidFill>
-              </a:ln>
-            </p:spPr>
-            <p:style>
-              <a:lnRef idx="2">
-                <a:schemeClr val="accent2">
-                  <a:shade val="50000"/>
-                </a:schemeClr>
-              </a:lnRef>
-              <a:fillRef idx="1">
-                <a:schemeClr val="accent2"/>
-              </a:fillRef>
-              <a:effectRef idx="0">
-                <a:schemeClr val="accent2"/>
-              </a:effectRef>
-              <a:fontRef idx="minor">
-                <a:schemeClr val="lt1"/>
-              </a:fontRef>
-            </p:style>
-            <p:txBody>
-              <a:bodyPr rtlCol="0" anchor="ctr"/>
-              <a:lstStyle/>
-              <a:p>
-                <a:pPr algn="ctr"/>
-                <a:r>
-                  <a:rPr kumimoji="1" lang="en-US" altLang="zh-CN" sz="1200" b="1" dirty="0">
-                    <a:solidFill>
-                      <a:sysClr val="windowText" lastClr="000000"/>
-                    </a:solidFill>
-                  </a:rPr>
-                  <a:t>p1</a:t>
-                </a:r>
-                <a:r>
-                  <a:rPr kumimoji="1" lang="zh-CN" altLang="en-US" sz="1200" dirty="0">
-                    <a:solidFill>
-                      <a:sysClr val="windowText" lastClr="000000"/>
-                    </a:solidFill>
-                  </a:rPr>
-                  <a:t> </a:t>
-                </a:r>
-                <a:r>
-                  <a:rPr kumimoji="1" lang="en-US" altLang="zh-CN" sz="1200" dirty="0">
-                    <a:solidFill>
-                      <a:sysClr val="windowText" lastClr="000000"/>
-                    </a:solidFill>
-                  </a:rPr>
-                  <a:t>:</a:t>
-                </a:r>
-                <a:r>
-                  <a:rPr kumimoji="1" lang="zh-CN" altLang="en-US" sz="1200" dirty="0">
-                    <a:solidFill>
-                      <a:sysClr val="windowText" lastClr="000000"/>
-                    </a:solidFill>
-                  </a:rPr>
-                  <a:t> </a:t>
-                </a:r>
-                <a:r>
-                  <a:rPr kumimoji="1" lang="en-US" altLang="zh-CN" sz="1200" dirty="0">
-                    <a:solidFill>
-                      <a:sysClr val="windowText" lastClr="000000"/>
-                    </a:solidFill>
-                  </a:rPr>
-                  <a:t>Person</a:t>
-                </a:r>
-                <a:endParaRPr kumimoji="1" lang="zh-CN" altLang="en-US" sz="1200" dirty="0">
-                  <a:solidFill>
-                    <a:sysClr val="windowText" lastClr="000000"/>
-                  </a:solidFill>
-                </a:endParaRPr>
-              </a:p>
-            </p:txBody>
-          </p:sp>
-          <p:cxnSp>
-            <p:nvCxnSpPr>
-              <p:cNvPr id="154" name="直线箭头连接符 11" descr="jytjh">
-                <a:extLst>
-                  <a:ext uri="{FF2B5EF4-FFF2-40B4-BE49-F238E27FC236}">
-                    <a16:creationId xmlns:a16="http://schemas.microsoft.com/office/drawing/2014/main" id="{E34EE26E-3D72-74EC-5406-33EAE463D3C7}"/>
-                  </a:ext>
-                </a:extLst>
-              </p:cNvPr>
-              <p:cNvCxnSpPr>
-                <a:cxnSpLocks/>
-                <a:stCxn id="153" idx="3"/>
-                <a:endCxn id="157" idx="1"/>
-              </p:cNvCxnSpPr>
-              <p:nvPr/>
-            </p:nvCxnSpPr>
-            <p:spPr>
-              <a:xfrm>
-                <a:off x="3468066" y="3965678"/>
-                <a:ext cx="462315" cy="0"/>
-              </a:xfrm>
-              <a:prstGeom prst="straightConnector1">
-                <a:avLst/>
-              </a:prstGeom>
-              <a:ln w="19050">
-                <a:solidFill>
-                  <a:schemeClr val="tx1"/>
-                </a:solidFill>
-                <a:headEnd type="none" w="lg" len="med"/>
-                <a:tailEnd type="arrow" w="sm" len="lg"/>
-              </a:ln>
-            </p:spPr>
-            <p:style>
-              <a:lnRef idx="1">
-                <a:schemeClr val="accent1"/>
-              </a:lnRef>
-              <a:fillRef idx="0">
-                <a:schemeClr val="accent1"/>
-              </a:fillRef>
-              <a:effectRef idx="0">
-                <a:schemeClr val="accent1"/>
-              </a:effectRef>
-              <a:fontRef idx="minor">
-                <a:schemeClr val="tx1"/>
-              </a:fontRef>
-            </p:style>
-          </p:cxnSp>
-          <p:sp>
-            <p:nvSpPr>
-              <p:cNvPr id="155" name="文本框 12">
-                <a:extLst>
-                  <a:ext uri="{FF2B5EF4-FFF2-40B4-BE49-F238E27FC236}">
-                    <a16:creationId xmlns:a16="http://schemas.microsoft.com/office/drawing/2014/main" id="{9CD9F9C8-F63B-18B5-555D-13294D2779F2}"/>
-                  </a:ext>
-                </a:extLst>
-              </p:cNvPr>
-              <p:cNvSpPr txBox="1"/>
-              <p:nvPr/>
-            </p:nvSpPr>
-            <p:spPr>
-              <a:xfrm>
-                <a:off x="3403947" y="3686479"/>
-                <a:ext cx="588763" cy="276999"/>
-              </a:xfrm>
-              <a:prstGeom prst="rect">
-                <a:avLst/>
-              </a:prstGeom>
-              <a:noFill/>
-            </p:spPr>
-            <p:txBody>
-              <a:bodyPr wrap="square" rtlCol="0">
-                <a:spAutoFit/>
-              </a:bodyPr>
-              <a:lstStyle/>
-              <a:p>
-                <a:pPr algn="ctr"/>
-                <a:r>
-                  <a:rPr kumimoji="1" lang="en-US" altLang="zh-CN" sz="1200" b="1" dirty="0">
-                    <a:latin typeface="DengXian" panose="02010600030101010101" pitchFamily="2" charset="-122"/>
-                    <a:ea typeface="DengXian" panose="02010600030101010101" pitchFamily="2" charset="-122"/>
-                  </a:rPr>
-                  <a:t>g1</a:t>
-                </a:r>
-                <a:endParaRPr kumimoji="1" lang="en-US" altLang="zh-CN" sz="1200" dirty="0">
-                  <a:latin typeface="DengXian" panose="02010600030101010101" pitchFamily="2" charset="-122"/>
-                  <a:ea typeface="DengXian" panose="02010600030101010101" pitchFamily="2" charset="-122"/>
-                </a:endParaRPr>
-              </a:p>
-            </p:txBody>
-          </p:sp>
-          <p:sp>
-            <p:nvSpPr>
-              <p:cNvPr id="156" name="矩形 13">
-                <a:extLst>
-                  <a:ext uri="{FF2B5EF4-FFF2-40B4-BE49-F238E27FC236}">
-                    <a16:creationId xmlns:a16="http://schemas.microsoft.com/office/drawing/2014/main" id="{74108C34-6033-6B25-DADB-103847B55395}"/>
-                  </a:ext>
-                </a:extLst>
-              </p:cNvPr>
-              <p:cNvSpPr/>
-              <p:nvPr/>
-            </p:nvSpPr>
-            <p:spPr>
-              <a:xfrm>
-                <a:off x="3776473" y="2657820"/>
-                <a:ext cx="4407408" cy="940283"/>
-              </a:xfrm>
-              <a:prstGeom prst="rect">
-                <a:avLst/>
-              </a:prstGeom>
-              <a:noFill/>
-              <a:ln w="12700">
-                <a:solidFill>
-                  <a:schemeClr val="tx1"/>
-                </a:solidFill>
-                <a:prstDash val="dash"/>
-              </a:ln>
-            </p:spPr>
-            <p:style>
-              <a:lnRef idx="2">
-                <a:schemeClr val="accent2">
-                  <a:shade val="50000"/>
-                </a:schemeClr>
-              </a:lnRef>
-              <a:fillRef idx="1">
-                <a:schemeClr val="accent2"/>
-              </a:fillRef>
-              <a:effectRef idx="0">
-                <a:schemeClr val="accent2"/>
-              </a:effectRef>
-              <a:fontRef idx="minor">
-                <a:schemeClr val="lt1"/>
-              </a:fontRef>
-            </p:style>
-            <p:txBody>
-              <a:bodyPr rtlCol="0" anchor="t"/>
-              <a:lstStyle/>
-              <a:p>
-                <a:r>
-                  <a:rPr kumimoji="1" lang="en-US" altLang="zh-CN" sz="1200" b="1" dirty="0">
-                    <a:solidFill>
-                      <a:srgbClr val="FF0000"/>
-                    </a:solidFill>
-                    <a:latin typeface="DengXian" panose="02010600030101010101" pitchFamily="2" charset="-122"/>
-                    <a:ea typeface="DengXian" panose="02010600030101010101" pitchFamily="2" charset="-122"/>
-                  </a:rPr>
-                  <a:t>RESULT</a:t>
-                </a:r>
-                <a:r>
-                  <a:rPr kumimoji="1" lang="zh-CN" altLang="en-US" sz="1200" b="1" dirty="0">
-                    <a:solidFill>
-                      <a:srgbClr val="FF0000"/>
-                    </a:solidFill>
-                    <a:latin typeface="DengXian" panose="02010600030101010101" pitchFamily="2" charset="-122"/>
-                    <a:ea typeface="DengXian" panose="02010600030101010101" pitchFamily="2" charset="-122"/>
-                  </a:rPr>
-                  <a:t> </a:t>
-                </a:r>
-                <a:r>
-                  <a:rPr kumimoji="1" lang="en-US" altLang="zh-CN" sz="1200" dirty="0">
-                    <a:solidFill>
-                      <a:sysClr val="windowText" lastClr="000000"/>
-                    </a:solidFill>
-                    <a:latin typeface="DengXian" panose="02010600030101010101" pitchFamily="2" charset="-122"/>
-                    <a:ea typeface="DengXian" panose="02010600030101010101" pitchFamily="2" charset="-122"/>
-                  </a:rPr>
-                  <a:t>SUM(</a:t>
-                </a:r>
-                <a:r>
-                  <a:rPr kumimoji="1" lang="en-US" altLang="zh-CN" sz="1200" dirty="0" err="1">
-                    <a:solidFill>
-                      <a:sysClr val="windowText" lastClr="000000"/>
-                    </a:solidFill>
-                    <a:latin typeface="DengXian" panose="02010600030101010101" pitchFamily="2" charset="-122"/>
-                    <a:ea typeface="DengXian" panose="02010600030101010101" pitchFamily="2" charset="-122"/>
-                  </a:rPr>
-                  <a:t>loan.loanAmount</a:t>
-                </a:r>
-                <a:r>
-                  <a:rPr kumimoji="1" lang="en-US" altLang="zh-CN" sz="1200" dirty="0">
-                    <a:solidFill>
-                      <a:sysClr val="windowText" lastClr="000000"/>
-                    </a:solidFill>
-                    <a:latin typeface="DengXian" panose="02010600030101010101" pitchFamily="2" charset="-122"/>
-                    <a:ea typeface="DengXian" panose="02010600030101010101" pitchFamily="2" charset="-122"/>
-                  </a:rPr>
-                  <a:t>),</a:t>
-                </a:r>
-                <a:r>
-                  <a:rPr kumimoji="1" lang="zh-CN" altLang="en-US" sz="1200" dirty="0">
-                    <a:solidFill>
-                      <a:sysClr val="windowText" lastClr="000000"/>
-                    </a:solidFill>
-                    <a:latin typeface="DengXian" panose="02010600030101010101" pitchFamily="2" charset="-122"/>
-                    <a:ea typeface="DengXian" panose="02010600030101010101" pitchFamily="2" charset="-122"/>
-                  </a:rPr>
-                  <a:t> </a:t>
-                </a:r>
-                <a:r>
-                  <a:rPr kumimoji="1" lang="en-US" altLang="zh-CN" sz="1200" dirty="0">
-                    <a:solidFill>
-                      <a:sysClr val="windowText" lastClr="000000"/>
-                    </a:solidFill>
-                    <a:latin typeface="DengXian" panose="02010600030101010101" pitchFamily="2" charset="-122"/>
-                    <a:ea typeface="DengXian" panose="02010600030101010101" pitchFamily="2" charset="-122"/>
-                  </a:rPr>
-                  <a:t>COUNT(loan)</a:t>
-                </a:r>
-              </a:p>
-            </p:txBody>
-          </p:sp>
-          <p:sp>
-            <p:nvSpPr>
-              <p:cNvPr id="157" name="矩形 14">
-                <a:extLst>
-                  <a:ext uri="{FF2B5EF4-FFF2-40B4-BE49-F238E27FC236}">
-                    <a16:creationId xmlns:a16="http://schemas.microsoft.com/office/drawing/2014/main" id="{91EE3CF0-2D02-E6B8-360E-A686A6385658}"/>
-                  </a:ext>
-                </a:extLst>
-              </p:cNvPr>
-              <p:cNvSpPr/>
-              <p:nvPr/>
-            </p:nvSpPr>
-            <p:spPr>
-              <a:xfrm>
-                <a:off x="3930381" y="3813049"/>
-                <a:ext cx="1200746" cy="305258"/>
-              </a:xfrm>
-              <a:prstGeom prst="rect">
-                <a:avLst/>
-              </a:prstGeom>
-              <a:solidFill>
-                <a:schemeClr val="accent6">
-                  <a:lumMod val="60000"/>
-                  <a:lumOff val="40000"/>
-                </a:schemeClr>
-              </a:solidFill>
-              <a:ln w="19050">
-                <a:solidFill>
-                  <a:schemeClr val="tx1"/>
-                </a:solidFill>
-              </a:ln>
-            </p:spPr>
-            <p:style>
-              <a:lnRef idx="2">
-                <a:schemeClr val="accent2">
-                  <a:shade val="50000"/>
-                </a:schemeClr>
-              </a:lnRef>
-              <a:fillRef idx="1">
-                <a:schemeClr val="accent2"/>
-              </a:fillRef>
-              <a:effectRef idx="0">
-                <a:schemeClr val="accent2"/>
-              </a:effectRef>
-              <a:fontRef idx="minor">
-                <a:schemeClr val="lt1"/>
-              </a:fontRef>
-            </p:style>
-            <p:txBody>
-              <a:bodyPr rtlCol="0" anchor="ctr"/>
-              <a:lstStyle/>
-              <a:p>
-                <a:pPr algn="ctr"/>
-                <a:r>
-                  <a:rPr kumimoji="1" lang="en-US" altLang="zh-CN" sz="1200" b="1" dirty="0">
-                    <a:solidFill>
-                      <a:sysClr val="windowText" lastClr="000000"/>
-                    </a:solidFill>
-                  </a:rPr>
-                  <a:t>p2</a:t>
-                </a:r>
-                <a:r>
-                  <a:rPr kumimoji="1" lang="zh-CN" altLang="en-US" sz="1200" dirty="0">
-                    <a:solidFill>
-                      <a:sysClr val="windowText" lastClr="000000"/>
-                    </a:solidFill>
-                  </a:rPr>
-                  <a:t> </a:t>
-                </a:r>
-                <a:r>
-                  <a:rPr kumimoji="1" lang="en-US" altLang="zh-CN" sz="1200" dirty="0">
-                    <a:solidFill>
-                      <a:sysClr val="windowText" lastClr="000000"/>
-                    </a:solidFill>
-                  </a:rPr>
-                  <a:t>:</a:t>
-                </a:r>
-                <a:r>
-                  <a:rPr kumimoji="1" lang="zh-CN" altLang="en-US" sz="1200" dirty="0">
-                    <a:solidFill>
-                      <a:sysClr val="windowText" lastClr="000000"/>
-                    </a:solidFill>
-                  </a:rPr>
-                  <a:t> </a:t>
-                </a:r>
-                <a:r>
-                  <a:rPr kumimoji="1" lang="en-US" altLang="zh-CN" sz="1200" dirty="0">
-                    <a:solidFill>
-                      <a:sysClr val="windowText" lastClr="000000"/>
-                    </a:solidFill>
-                  </a:rPr>
-                  <a:t>Person</a:t>
-                </a:r>
-                <a:endParaRPr kumimoji="1" lang="zh-CN" altLang="en-US" sz="1200" dirty="0">
-                  <a:solidFill>
-                    <a:sysClr val="windowText" lastClr="000000"/>
-                  </a:solidFill>
-                </a:endParaRPr>
-              </a:p>
-            </p:txBody>
-          </p:sp>
-          <p:sp>
-            <p:nvSpPr>
-              <p:cNvPr id="158" name="矩形 14">
-                <a:extLst>
-                  <a:ext uri="{FF2B5EF4-FFF2-40B4-BE49-F238E27FC236}">
-                    <a16:creationId xmlns:a16="http://schemas.microsoft.com/office/drawing/2014/main" id="{AE356B99-B66D-2119-8213-5322B91153EA}"/>
-                  </a:ext>
-                </a:extLst>
-              </p:cNvPr>
-              <p:cNvSpPr/>
-              <p:nvPr/>
-            </p:nvSpPr>
-            <p:spPr>
-              <a:xfrm>
-                <a:off x="5593442" y="3707258"/>
-                <a:ext cx="799362" cy="505147"/>
-              </a:xfrm>
-              <a:prstGeom prst="rect">
-                <a:avLst/>
-              </a:prstGeom>
-              <a:noFill/>
-              <a:ln w="25400">
-                <a:noFill/>
-              </a:ln>
-            </p:spPr>
-            <p:style>
-              <a:lnRef idx="2">
-                <a:schemeClr val="accent2">
-                  <a:shade val="50000"/>
-                </a:schemeClr>
-              </a:lnRef>
-              <a:fillRef idx="1">
-                <a:schemeClr val="accent2"/>
-              </a:fillRef>
-              <a:effectRef idx="0">
-                <a:schemeClr val="accent2"/>
-              </a:effectRef>
-              <a:fontRef idx="minor">
-                <a:schemeClr val="lt1"/>
-              </a:fontRef>
-            </p:style>
-            <p:txBody>
-              <a:bodyPr rtlCol="0" anchor="ctr"/>
-              <a:lstStyle/>
-              <a:p>
-                <a:pPr algn="ctr"/>
-                <a:r>
-                  <a:rPr kumimoji="1" lang="en-US" altLang="zh-CN" sz="1600" b="1" dirty="0">
-                    <a:solidFill>
-                      <a:sysClr val="windowText" lastClr="000000"/>
-                    </a:solidFill>
-                  </a:rPr>
-                  <a:t>…</a:t>
-                </a:r>
-                <a:endParaRPr kumimoji="1" lang="zh-CN" altLang="en-US" sz="1600" dirty="0">
-                  <a:solidFill>
-                    <a:sysClr val="windowText" lastClr="000000"/>
-                  </a:solidFill>
-                </a:endParaRPr>
-              </a:p>
-            </p:txBody>
-          </p:sp>
-          <p:sp>
-            <p:nvSpPr>
-              <p:cNvPr id="159" name="矩形 14">
-                <a:extLst>
-                  <a:ext uri="{FF2B5EF4-FFF2-40B4-BE49-F238E27FC236}">
-                    <a16:creationId xmlns:a16="http://schemas.microsoft.com/office/drawing/2014/main" id="{E075C904-7171-EA7E-A0DF-B596F18990A8}"/>
-                  </a:ext>
-                </a:extLst>
-              </p:cNvPr>
-              <p:cNvSpPr/>
-              <p:nvPr/>
-            </p:nvSpPr>
-            <p:spPr>
-              <a:xfrm>
-                <a:off x="6855118" y="3813049"/>
-                <a:ext cx="1200746" cy="305258"/>
-              </a:xfrm>
-              <a:prstGeom prst="rect">
-                <a:avLst/>
-              </a:prstGeom>
-              <a:solidFill>
-                <a:schemeClr val="accent6">
-                  <a:lumMod val="60000"/>
-                  <a:lumOff val="40000"/>
-                </a:schemeClr>
-              </a:solidFill>
-              <a:ln w="19050">
-                <a:solidFill>
-                  <a:schemeClr val="tx1"/>
-                </a:solidFill>
-              </a:ln>
-            </p:spPr>
-            <p:style>
-              <a:lnRef idx="2">
-                <a:schemeClr val="accent2">
-                  <a:shade val="50000"/>
-                </a:schemeClr>
-              </a:lnRef>
-              <a:fillRef idx="1">
-                <a:schemeClr val="accent2"/>
-              </a:fillRef>
-              <a:effectRef idx="0">
-                <a:schemeClr val="accent2"/>
-              </a:effectRef>
-              <a:fontRef idx="minor">
-                <a:schemeClr val="lt1"/>
-              </a:fontRef>
-            </p:style>
-            <p:txBody>
-              <a:bodyPr rtlCol="0" anchor="ctr"/>
-              <a:lstStyle/>
-              <a:p>
-                <a:pPr algn="ctr"/>
-                <a:r>
-                  <a:rPr kumimoji="1" lang="en-US" altLang="zh-CN" sz="1200" b="1" dirty="0" err="1">
-                    <a:solidFill>
-                      <a:sysClr val="windowText" lastClr="000000"/>
-                    </a:solidFill>
-                  </a:rPr>
-                  <a:t>pN</a:t>
-                </a:r>
-                <a:r>
-                  <a:rPr kumimoji="1" lang="zh-CN" altLang="en-US" sz="1200" dirty="0">
-                    <a:solidFill>
-                      <a:sysClr val="windowText" lastClr="000000"/>
-                    </a:solidFill>
-                  </a:rPr>
-                  <a:t> </a:t>
-                </a:r>
-                <a:r>
-                  <a:rPr kumimoji="1" lang="en-US" altLang="zh-CN" sz="1200" dirty="0">
-                    <a:solidFill>
-                      <a:sysClr val="windowText" lastClr="000000"/>
-                    </a:solidFill>
-                  </a:rPr>
-                  <a:t>:</a:t>
-                </a:r>
-                <a:r>
-                  <a:rPr kumimoji="1" lang="zh-CN" altLang="en-US" sz="1200" dirty="0">
-                    <a:solidFill>
-                      <a:sysClr val="windowText" lastClr="000000"/>
-                    </a:solidFill>
-                  </a:rPr>
-                  <a:t> </a:t>
-                </a:r>
-                <a:r>
-                  <a:rPr kumimoji="1" lang="en-US" altLang="zh-CN" sz="1200" dirty="0">
-                    <a:solidFill>
-                      <a:sysClr val="windowText" lastClr="000000"/>
-                    </a:solidFill>
-                  </a:rPr>
-                  <a:t>Person</a:t>
-                </a:r>
-                <a:endParaRPr kumimoji="1" lang="zh-CN" altLang="en-US" sz="1200" dirty="0">
-                  <a:solidFill>
-                    <a:sysClr val="windowText" lastClr="000000"/>
-                  </a:solidFill>
-                </a:endParaRPr>
-              </a:p>
-            </p:txBody>
-          </p:sp>
-          <p:cxnSp>
-            <p:nvCxnSpPr>
-              <p:cNvPr id="160" name="直线箭头连接符 11" descr="jytjh">
-                <a:extLst>
-                  <a:ext uri="{FF2B5EF4-FFF2-40B4-BE49-F238E27FC236}">
-                    <a16:creationId xmlns:a16="http://schemas.microsoft.com/office/drawing/2014/main" id="{4CB3E205-BC21-A5CF-982D-E3B00BBC8058}"/>
-                  </a:ext>
-                </a:extLst>
-              </p:cNvPr>
-              <p:cNvCxnSpPr>
-                <a:cxnSpLocks/>
-                <a:stCxn id="157" idx="3"/>
-                <a:endCxn id="158" idx="1"/>
-              </p:cNvCxnSpPr>
-              <p:nvPr/>
-            </p:nvCxnSpPr>
-            <p:spPr>
-              <a:xfrm flipV="1">
-                <a:off x="5131127" y="3959832"/>
-                <a:ext cx="462315" cy="5846"/>
-              </a:xfrm>
-              <a:prstGeom prst="straightConnector1">
-                <a:avLst/>
-              </a:prstGeom>
-              <a:ln w="19050">
-                <a:solidFill>
-                  <a:schemeClr val="tx1"/>
-                </a:solidFill>
-                <a:headEnd type="none" w="lg" len="med"/>
-                <a:tailEnd type="arrow" w="sm" len="lg"/>
-              </a:ln>
-            </p:spPr>
-            <p:style>
-              <a:lnRef idx="1">
-                <a:schemeClr val="accent1"/>
-              </a:lnRef>
-              <a:fillRef idx="0">
-                <a:schemeClr val="accent1"/>
-              </a:fillRef>
-              <a:effectRef idx="0">
-                <a:schemeClr val="accent1"/>
-              </a:effectRef>
-              <a:fontRef idx="minor">
-                <a:schemeClr val="tx1"/>
-              </a:fontRef>
-            </p:style>
-          </p:cxnSp>
-          <p:cxnSp>
-            <p:nvCxnSpPr>
-              <p:cNvPr id="161" name="直线箭头连接符 11" descr="jytjh">
-                <a:extLst>
-                  <a:ext uri="{FF2B5EF4-FFF2-40B4-BE49-F238E27FC236}">
-                    <a16:creationId xmlns:a16="http://schemas.microsoft.com/office/drawing/2014/main" id="{5840E459-9FB4-4B6F-CD59-6B4B3F02F5EA}"/>
-                  </a:ext>
-                </a:extLst>
-              </p:cNvPr>
-              <p:cNvCxnSpPr>
-                <a:cxnSpLocks/>
-                <a:stCxn id="158" idx="3"/>
-                <a:endCxn id="159" idx="1"/>
-              </p:cNvCxnSpPr>
-              <p:nvPr/>
-            </p:nvCxnSpPr>
-            <p:spPr>
-              <a:xfrm>
-                <a:off x="6392804" y="3959832"/>
-                <a:ext cx="462314" cy="5846"/>
-              </a:xfrm>
-              <a:prstGeom prst="straightConnector1">
-                <a:avLst/>
-              </a:prstGeom>
-              <a:ln w="19050">
-                <a:solidFill>
-                  <a:schemeClr val="tx1"/>
-                </a:solidFill>
-                <a:headEnd type="none" w="lg" len="med"/>
-                <a:tailEnd type="arrow" w="sm" len="lg"/>
-              </a:ln>
-            </p:spPr>
-            <p:style>
-              <a:lnRef idx="1">
-                <a:schemeClr val="accent1"/>
-              </a:lnRef>
-              <a:fillRef idx="0">
-                <a:schemeClr val="accent1"/>
-              </a:fillRef>
-              <a:effectRef idx="0">
-                <a:schemeClr val="accent1"/>
-              </a:effectRef>
-              <a:fontRef idx="minor">
-                <a:schemeClr val="tx1"/>
-              </a:fontRef>
-            </p:style>
-          </p:cxnSp>
-          <p:sp>
-            <p:nvSpPr>
-              <p:cNvPr id="162" name="矩形 14">
-                <a:extLst>
-                  <a:ext uri="{FF2B5EF4-FFF2-40B4-BE49-F238E27FC236}">
-                    <a16:creationId xmlns:a16="http://schemas.microsoft.com/office/drawing/2014/main" id="{F3F38903-0485-C314-1FCD-B46FB1F69A71}"/>
-                  </a:ext>
-                </a:extLst>
-              </p:cNvPr>
-              <p:cNvSpPr/>
-              <p:nvPr/>
-            </p:nvSpPr>
-            <p:spPr>
-              <a:xfrm>
-                <a:off x="3930381" y="3052179"/>
-                <a:ext cx="1200745" cy="371925"/>
-              </a:xfrm>
-              <a:prstGeom prst="rect">
-                <a:avLst/>
-              </a:prstGeom>
-              <a:solidFill>
-                <a:schemeClr val="accent2">
-                  <a:lumMod val="60000"/>
-                  <a:lumOff val="40000"/>
-                </a:schemeClr>
-              </a:solidFill>
-              <a:ln w="19050">
-                <a:solidFill>
-                  <a:schemeClr val="tx1"/>
-                </a:solidFill>
-              </a:ln>
-            </p:spPr>
-            <p:style>
-              <a:lnRef idx="2">
-                <a:schemeClr val="accent2">
-                  <a:shade val="50000"/>
-                </a:schemeClr>
-              </a:lnRef>
-              <a:fillRef idx="1">
-                <a:schemeClr val="accent2"/>
-              </a:fillRef>
-              <a:effectRef idx="0">
-                <a:schemeClr val="accent2"/>
-              </a:effectRef>
-              <a:fontRef idx="minor">
-                <a:schemeClr val="lt1"/>
-              </a:fontRef>
-            </p:style>
-            <p:txBody>
-              <a:bodyPr rtlCol="0" anchor="ctr"/>
-              <a:lstStyle/>
-              <a:p>
-                <a:pPr algn="ctr"/>
-                <a:r>
-                  <a:rPr kumimoji="1" lang="en-US" altLang="zh-CN" sz="1200" dirty="0">
-                    <a:solidFill>
-                      <a:sysClr val="windowText" lastClr="000000"/>
-                    </a:solidFill>
-                  </a:rPr>
-                  <a:t>loan</a:t>
-                </a:r>
-                <a:r>
-                  <a:rPr kumimoji="1" lang="zh-CN" altLang="en-US" sz="1200" dirty="0">
-                    <a:solidFill>
-                      <a:sysClr val="windowText" lastClr="000000"/>
-                    </a:solidFill>
-                  </a:rPr>
-                  <a:t> </a:t>
-                </a:r>
-                <a:r>
-                  <a:rPr kumimoji="1" lang="en-US" altLang="zh-CN" sz="1200" dirty="0">
-                    <a:solidFill>
-                      <a:sysClr val="windowText" lastClr="000000"/>
-                    </a:solidFill>
-                  </a:rPr>
-                  <a:t>:</a:t>
-                </a:r>
-                <a:r>
-                  <a:rPr kumimoji="1" lang="zh-CN" altLang="en-US" sz="1200" dirty="0">
-                    <a:solidFill>
-                      <a:sysClr val="windowText" lastClr="000000"/>
-                    </a:solidFill>
-                  </a:rPr>
-                  <a:t> </a:t>
-                </a:r>
-                <a:r>
-                  <a:rPr kumimoji="1" lang="en-US" altLang="zh-CN" sz="1200" dirty="0">
-                    <a:solidFill>
-                      <a:sysClr val="windowText" lastClr="000000"/>
-                    </a:solidFill>
-                  </a:rPr>
-                  <a:t>Loan</a:t>
-                </a:r>
-                <a:endParaRPr kumimoji="1" lang="zh-CN" altLang="en-US" sz="1200" dirty="0">
-                  <a:solidFill>
-                    <a:sysClr val="windowText" lastClr="000000"/>
-                  </a:solidFill>
-                </a:endParaRPr>
-              </a:p>
-            </p:txBody>
-          </p:sp>
-          <p:sp>
-            <p:nvSpPr>
-              <p:cNvPr id="163" name="文本框 12">
-                <a:extLst>
-                  <a:ext uri="{FF2B5EF4-FFF2-40B4-BE49-F238E27FC236}">
-                    <a16:creationId xmlns:a16="http://schemas.microsoft.com/office/drawing/2014/main" id="{095014AC-C92D-3D54-5A95-EBB1D1213053}"/>
-                  </a:ext>
-                </a:extLst>
-              </p:cNvPr>
-              <p:cNvSpPr txBox="1"/>
-              <p:nvPr/>
-            </p:nvSpPr>
-            <p:spPr>
-              <a:xfrm>
-                <a:off x="5055398" y="3679535"/>
-                <a:ext cx="588763" cy="276999"/>
-              </a:xfrm>
-              <a:prstGeom prst="rect">
-                <a:avLst/>
-              </a:prstGeom>
-              <a:noFill/>
-            </p:spPr>
-            <p:txBody>
-              <a:bodyPr wrap="square" rtlCol="0">
-                <a:spAutoFit/>
-              </a:bodyPr>
-              <a:lstStyle/>
-              <a:p>
-                <a:pPr algn="ctr"/>
-                <a:r>
-                  <a:rPr kumimoji="1" lang="en-US" altLang="zh-CN" sz="1200" b="1" dirty="0">
-                    <a:latin typeface="DengXian" panose="02010600030101010101" pitchFamily="2" charset="-122"/>
-                    <a:ea typeface="DengXian" panose="02010600030101010101" pitchFamily="2" charset="-122"/>
-                  </a:rPr>
-                  <a:t>g2</a:t>
-                </a:r>
-                <a:endParaRPr kumimoji="1" lang="en-US" altLang="zh-CN" sz="1200" dirty="0">
-                  <a:latin typeface="DengXian" panose="02010600030101010101" pitchFamily="2" charset="-122"/>
-                  <a:ea typeface="DengXian" panose="02010600030101010101" pitchFamily="2" charset="-122"/>
-                </a:endParaRPr>
-              </a:p>
-            </p:txBody>
-          </p:sp>
-          <p:sp>
-            <p:nvSpPr>
-              <p:cNvPr id="164" name="文本框 12">
-                <a:extLst>
-                  <a:ext uri="{FF2B5EF4-FFF2-40B4-BE49-F238E27FC236}">
-                    <a16:creationId xmlns:a16="http://schemas.microsoft.com/office/drawing/2014/main" id="{BF8F12F2-279E-7852-6C66-02CC68C31312}"/>
-                  </a:ext>
-                </a:extLst>
-              </p:cNvPr>
-              <p:cNvSpPr txBox="1"/>
-              <p:nvPr/>
-            </p:nvSpPr>
-            <p:spPr>
-              <a:xfrm>
-                <a:off x="6341190" y="3662430"/>
-                <a:ext cx="588763" cy="276999"/>
-              </a:xfrm>
-              <a:prstGeom prst="rect">
-                <a:avLst/>
-              </a:prstGeom>
-              <a:noFill/>
-            </p:spPr>
-            <p:txBody>
-              <a:bodyPr wrap="square" rtlCol="0">
-                <a:spAutoFit/>
-              </a:bodyPr>
-              <a:lstStyle/>
-              <a:p>
-                <a:pPr algn="ctr"/>
-                <a:r>
-                  <a:rPr kumimoji="1" lang="en-US" altLang="zh-CN" sz="1200" b="1" dirty="0" err="1">
-                    <a:latin typeface="DengXian" panose="02010600030101010101" pitchFamily="2" charset="-122"/>
-                    <a:ea typeface="DengXian" panose="02010600030101010101" pitchFamily="2" charset="-122"/>
-                  </a:rPr>
-                  <a:t>gN</a:t>
-                </a:r>
-                <a:endParaRPr kumimoji="1" lang="en-US" altLang="zh-CN" sz="1200" dirty="0">
-                  <a:latin typeface="DengXian" panose="02010600030101010101" pitchFamily="2" charset="-122"/>
-                  <a:ea typeface="DengXian" panose="02010600030101010101" pitchFamily="2" charset="-122"/>
-                </a:endParaRPr>
-              </a:p>
-            </p:txBody>
-          </p:sp>
-          <p:cxnSp>
-            <p:nvCxnSpPr>
-              <p:cNvPr id="165" name="直线箭头连接符 11" descr="jytjh">
-                <a:extLst>
-                  <a:ext uri="{FF2B5EF4-FFF2-40B4-BE49-F238E27FC236}">
-                    <a16:creationId xmlns:a16="http://schemas.microsoft.com/office/drawing/2014/main" id="{8FF0F5BF-4EB4-B434-F2C5-74E27E3428E7}"/>
-                  </a:ext>
-                </a:extLst>
-              </p:cNvPr>
-              <p:cNvCxnSpPr>
-                <a:cxnSpLocks/>
-                <a:stCxn id="157" idx="0"/>
-                <a:endCxn id="162" idx="2"/>
-              </p:cNvCxnSpPr>
-              <p:nvPr/>
-            </p:nvCxnSpPr>
-            <p:spPr>
-              <a:xfrm flipV="1">
-                <a:off x="4530754" y="3424104"/>
-                <a:ext cx="0" cy="388945"/>
-              </a:xfrm>
-              <a:prstGeom prst="straightConnector1">
-                <a:avLst/>
-              </a:prstGeom>
-              <a:ln w="19050">
-                <a:solidFill>
-                  <a:schemeClr val="tx1"/>
-                </a:solidFill>
-                <a:headEnd type="none" w="lg" len="med"/>
-                <a:tailEnd type="arrow" w="sm" len="lg"/>
-              </a:ln>
-            </p:spPr>
-            <p:style>
-              <a:lnRef idx="1">
-                <a:schemeClr val="accent1"/>
-              </a:lnRef>
-              <a:fillRef idx="0">
-                <a:schemeClr val="accent1"/>
-              </a:fillRef>
-              <a:effectRef idx="0">
-                <a:schemeClr val="accent1"/>
-              </a:effectRef>
-              <a:fontRef idx="minor">
-                <a:schemeClr val="tx1"/>
-              </a:fontRef>
-            </p:style>
-          </p:cxnSp>
-          <p:sp>
-            <p:nvSpPr>
-              <p:cNvPr id="166" name="矩形 14">
-                <a:extLst>
-                  <a:ext uri="{FF2B5EF4-FFF2-40B4-BE49-F238E27FC236}">
-                    <a16:creationId xmlns:a16="http://schemas.microsoft.com/office/drawing/2014/main" id="{97DF9EF1-93A6-0568-3EC6-4746C8E50F08}"/>
-                  </a:ext>
-                </a:extLst>
-              </p:cNvPr>
-              <p:cNvSpPr/>
-              <p:nvPr/>
-            </p:nvSpPr>
-            <p:spPr>
-              <a:xfrm>
-                <a:off x="6855118" y="3052179"/>
-                <a:ext cx="1200745" cy="371925"/>
-              </a:xfrm>
-              <a:prstGeom prst="rect">
-                <a:avLst/>
-              </a:prstGeom>
-              <a:solidFill>
-                <a:schemeClr val="accent2">
-                  <a:lumMod val="60000"/>
-                  <a:lumOff val="40000"/>
-                </a:schemeClr>
-              </a:solidFill>
-              <a:ln w="19050">
-                <a:solidFill>
-                  <a:schemeClr val="tx1"/>
-                </a:solidFill>
-              </a:ln>
-            </p:spPr>
-            <p:style>
-              <a:lnRef idx="2">
-                <a:schemeClr val="accent2">
-                  <a:shade val="50000"/>
-                </a:schemeClr>
-              </a:lnRef>
-              <a:fillRef idx="1">
-                <a:schemeClr val="accent2"/>
-              </a:fillRef>
-              <a:effectRef idx="0">
-                <a:schemeClr val="accent2"/>
-              </a:effectRef>
-              <a:fontRef idx="minor">
-                <a:schemeClr val="lt1"/>
-              </a:fontRef>
-            </p:style>
-            <p:txBody>
-              <a:bodyPr rtlCol="0" anchor="ctr"/>
-              <a:lstStyle/>
-              <a:p>
-                <a:pPr algn="ctr"/>
-                <a:r>
-                  <a:rPr kumimoji="1" lang="en-US" altLang="zh-CN" sz="1200" dirty="0">
-                    <a:solidFill>
-                      <a:sysClr val="windowText" lastClr="000000"/>
-                    </a:solidFill>
-                  </a:rPr>
-                  <a:t>loan</a:t>
-                </a:r>
-                <a:r>
-                  <a:rPr kumimoji="1" lang="zh-CN" altLang="en-US" sz="1200" dirty="0">
-                    <a:solidFill>
-                      <a:sysClr val="windowText" lastClr="000000"/>
-                    </a:solidFill>
-                  </a:rPr>
-                  <a:t> </a:t>
-                </a:r>
-                <a:r>
-                  <a:rPr kumimoji="1" lang="en-US" altLang="zh-CN" sz="1200" dirty="0">
-                    <a:solidFill>
-                      <a:sysClr val="windowText" lastClr="000000"/>
-                    </a:solidFill>
-                  </a:rPr>
-                  <a:t>:</a:t>
-                </a:r>
-                <a:r>
-                  <a:rPr kumimoji="1" lang="zh-CN" altLang="en-US" sz="1200" dirty="0">
-                    <a:solidFill>
-                      <a:sysClr val="windowText" lastClr="000000"/>
-                    </a:solidFill>
-                  </a:rPr>
-                  <a:t> </a:t>
-                </a:r>
-                <a:r>
-                  <a:rPr kumimoji="1" lang="en-US" altLang="zh-CN" sz="1200" dirty="0">
-                    <a:solidFill>
-                      <a:sysClr val="windowText" lastClr="000000"/>
-                    </a:solidFill>
-                  </a:rPr>
-                  <a:t>Loan</a:t>
-                </a:r>
-                <a:endParaRPr kumimoji="1" lang="zh-CN" altLang="en-US" sz="1200" dirty="0">
-                  <a:solidFill>
-                    <a:sysClr val="windowText" lastClr="000000"/>
-                  </a:solidFill>
-                </a:endParaRPr>
-              </a:p>
-            </p:txBody>
-          </p:sp>
-          <p:cxnSp>
-            <p:nvCxnSpPr>
-              <p:cNvPr id="167" name="直线箭头连接符 11" descr="jytjh">
-                <a:extLst>
-                  <a:ext uri="{FF2B5EF4-FFF2-40B4-BE49-F238E27FC236}">
-                    <a16:creationId xmlns:a16="http://schemas.microsoft.com/office/drawing/2014/main" id="{252C121C-C089-5A76-A55C-47461A5BFC3D}"/>
-                  </a:ext>
-                </a:extLst>
-              </p:cNvPr>
-              <p:cNvCxnSpPr>
-                <a:cxnSpLocks/>
-                <a:stCxn id="159" idx="0"/>
-                <a:endCxn id="166" idx="2"/>
-              </p:cNvCxnSpPr>
-              <p:nvPr/>
-            </p:nvCxnSpPr>
-            <p:spPr>
-              <a:xfrm flipV="1">
-                <a:off x="7455491" y="3424104"/>
-                <a:ext cx="0" cy="388945"/>
-              </a:xfrm>
-              <a:prstGeom prst="straightConnector1">
-                <a:avLst/>
-              </a:prstGeom>
-              <a:ln w="19050">
-                <a:solidFill>
-                  <a:schemeClr val="tx1"/>
-                </a:solidFill>
-                <a:headEnd type="none" w="lg" len="med"/>
-                <a:tailEnd type="arrow" w="sm" len="lg"/>
-              </a:ln>
-            </p:spPr>
-            <p:style>
-              <a:lnRef idx="1">
-                <a:schemeClr val="accent1"/>
-              </a:lnRef>
-              <a:fillRef idx="0">
-                <a:schemeClr val="accent1"/>
-              </a:fillRef>
-              <a:effectRef idx="0">
-                <a:schemeClr val="accent1"/>
-              </a:effectRef>
-              <a:fontRef idx="minor">
-                <a:schemeClr val="tx1"/>
-              </a:fontRef>
-            </p:style>
-          </p:cxnSp>
-          <p:sp>
-            <p:nvSpPr>
-              <p:cNvPr id="168" name="矩形 10">
-                <a:extLst>
-                  <a:ext uri="{FF2B5EF4-FFF2-40B4-BE49-F238E27FC236}">
-                    <a16:creationId xmlns:a16="http://schemas.microsoft.com/office/drawing/2014/main" id="{974A8B10-3F2A-80BB-103F-D30C1574BC00}"/>
-                  </a:ext>
-                </a:extLst>
-              </p:cNvPr>
-              <p:cNvSpPr/>
-              <p:nvPr/>
-            </p:nvSpPr>
-            <p:spPr>
-              <a:xfrm>
-                <a:off x="2267319" y="4115094"/>
-                <a:ext cx="1200747" cy="249148"/>
-              </a:xfrm>
-              <a:prstGeom prst="rect">
-                <a:avLst/>
-              </a:prstGeom>
-              <a:noFill/>
-              <a:ln w="19050">
-                <a:solidFill>
-                  <a:schemeClr val="tx1"/>
-                </a:solidFill>
-              </a:ln>
-            </p:spPr>
-            <p:style>
-              <a:lnRef idx="2">
-                <a:schemeClr val="accent2">
-                  <a:shade val="50000"/>
-                </a:schemeClr>
-              </a:lnRef>
-              <a:fillRef idx="1">
-                <a:schemeClr val="accent2"/>
-              </a:fillRef>
-              <a:effectRef idx="0">
-                <a:schemeClr val="accent2"/>
-              </a:effectRef>
-              <a:fontRef idx="minor">
-                <a:schemeClr val="lt1"/>
-              </a:fontRef>
-            </p:style>
-            <p:txBody>
-              <a:bodyPr rtlCol="0" anchor="ctr"/>
-              <a:lstStyle/>
-              <a:p>
-                <a:pPr algn="ctr"/>
-                <a:r>
-                  <a:rPr kumimoji="1" lang="en-US" altLang="zh-CN" sz="1200" b="1" dirty="0">
-                    <a:solidFill>
-                      <a:sysClr val="windowText" lastClr="000000"/>
-                    </a:solidFill>
-                    <a:latin typeface="DengXian" panose="02010600030101010101" pitchFamily="2" charset="-122"/>
-                    <a:ea typeface="DengXian" panose="02010600030101010101" pitchFamily="2" charset="-122"/>
-                  </a:rPr>
-                  <a:t>p1</a:t>
-                </a:r>
-                <a:r>
-                  <a:rPr kumimoji="1" lang="en-US" altLang="zh-CN" sz="1200" dirty="0">
-                    <a:solidFill>
-                      <a:sysClr val="windowText" lastClr="000000"/>
-                    </a:solidFill>
-                    <a:latin typeface="DengXian" panose="02010600030101010101" pitchFamily="2" charset="-122"/>
-                    <a:ea typeface="DengXian" panose="02010600030101010101" pitchFamily="2" charset="-122"/>
-                  </a:rPr>
-                  <a:t>.id</a:t>
-                </a:r>
-                <a:r>
-                  <a:rPr kumimoji="1" lang="zh-CN" altLang="en-US" sz="1200" dirty="0">
-                    <a:solidFill>
-                      <a:sysClr val="windowText" lastClr="000000"/>
-                    </a:solidFill>
-                    <a:latin typeface="DengXian" panose="02010600030101010101" pitchFamily="2" charset="-122"/>
-                    <a:ea typeface="DengXian" panose="02010600030101010101" pitchFamily="2" charset="-122"/>
-                  </a:rPr>
-                  <a:t> </a:t>
-                </a:r>
-                <a:r>
-                  <a:rPr kumimoji="1" lang="en-US" altLang="zh-CN" sz="1200" dirty="0">
-                    <a:solidFill>
-                      <a:sysClr val="windowText" lastClr="000000"/>
-                    </a:solidFill>
-                    <a:latin typeface="DengXian" panose="02010600030101010101" pitchFamily="2" charset="-122"/>
-                    <a:ea typeface="DengXian" panose="02010600030101010101" pitchFamily="2" charset="-122"/>
-                  </a:rPr>
-                  <a:t>=</a:t>
-                </a:r>
-                <a:r>
-                  <a:rPr kumimoji="1" lang="zh-CN" altLang="en-US" sz="1200" dirty="0">
-                    <a:solidFill>
-                      <a:sysClr val="windowText" lastClr="000000"/>
-                    </a:solidFill>
-                    <a:latin typeface="DengXian" panose="02010600030101010101" pitchFamily="2" charset="-122"/>
-                    <a:ea typeface="DengXian" panose="02010600030101010101" pitchFamily="2" charset="-122"/>
-                  </a:rPr>
-                  <a:t> </a:t>
-                </a:r>
-                <a:r>
-                  <a:rPr kumimoji="1" lang="en-US" altLang="zh-CN" sz="1200" dirty="0">
-                    <a:solidFill>
-                      <a:sysClr val="windowText" lastClr="000000"/>
-                    </a:solidFill>
-                    <a:latin typeface="DengXian" panose="02010600030101010101" pitchFamily="2" charset="-122"/>
-                    <a:ea typeface="DengXian" panose="02010600030101010101" pitchFamily="2" charset="-122"/>
-                  </a:rPr>
-                  <a:t>${id}</a:t>
-                </a:r>
-                <a:endParaRPr kumimoji="1" lang="zh-CN" altLang="en-US" sz="1200" dirty="0">
-                  <a:solidFill>
-                    <a:sysClr val="windowText" lastClr="000000"/>
-                  </a:solidFill>
-                  <a:latin typeface="DengXian" panose="02010600030101010101" pitchFamily="2" charset="-122"/>
-                  <a:ea typeface="DengXian" panose="02010600030101010101" pitchFamily="2" charset="-122"/>
-                </a:endParaRPr>
-              </a:p>
-            </p:txBody>
-          </p:sp>
-          <p:sp>
-            <p:nvSpPr>
-              <p:cNvPr id="169" name="文本框 12">
-                <a:extLst>
-                  <a:ext uri="{FF2B5EF4-FFF2-40B4-BE49-F238E27FC236}">
-                    <a16:creationId xmlns:a16="http://schemas.microsoft.com/office/drawing/2014/main" id="{00B00A61-772A-D117-CA3D-31EE00116DEF}"/>
-                  </a:ext>
-                </a:extLst>
-              </p:cNvPr>
-              <p:cNvSpPr txBox="1"/>
-              <p:nvPr/>
-            </p:nvSpPr>
-            <p:spPr>
-              <a:xfrm>
-                <a:off x="4630780" y="4212405"/>
-                <a:ext cx="2422812" cy="776903"/>
-              </a:xfrm>
-              <a:prstGeom prst="rect">
-                <a:avLst/>
-              </a:prstGeom>
-              <a:noFill/>
-            </p:spPr>
-            <p:txBody>
-              <a:bodyPr wrap="square" lIns="90000" numCol="1" rtlCol="0" anchor="ctr">
-                <a:noAutofit/>
-              </a:bodyPr>
-              <a:lstStyle/>
-              <a:p>
-                <a:pPr algn="ctr"/>
-                <a:r>
-                  <a:rPr kumimoji="1" lang="en-US" altLang="zh-CN" sz="1200" b="1" dirty="0" err="1">
-                    <a:latin typeface="DengXian" panose="02010600030101010101" pitchFamily="2" charset="-122"/>
-                    <a:ea typeface="DengXian" panose="02010600030101010101" pitchFamily="2" charset="-122"/>
-                  </a:rPr>
-                  <a:t>gN</a:t>
-                </a:r>
-                <a:r>
-                  <a:rPr kumimoji="1" lang="en-US" altLang="zh-CN" sz="1200" b="1" dirty="0">
-                    <a:latin typeface="DengXian" panose="02010600030101010101" pitchFamily="2" charset="-122"/>
-                    <a:ea typeface="DengXian" panose="02010600030101010101" pitchFamily="2" charset="-122"/>
-                  </a:rPr>
-                  <a:t>:</a:t>
-                </a:r>
-                <a:r>
-                  <a:rPr kumimoji="1" lang="zh-CN" altLang="en-US" sz="1200" b="1" dirty="0">
-                    <a:latin typeface="DengXian" panose="02010600030101010101" pitchFamily="2" charset="-122"/>
-                    <a:ea typeface="DengXian" panose="02010600030101010101" pitchFamily="2" charset="-122"/>
-                  </a:rPr>
-                  <a:t> </a:t>
-                </a:r>
-                <a:r>
-                  <a:rPr kumimoji="1" lang="en-US" altLang="zh-CN" sz="1200" dirty="0">
-                    <a:latin typeface="DengXian" panose="02010600030101010101" pitchFamily="2" charset="-122"/>
-                    <a:ea typeface="DengXian" panose="02010600030101010101" pitchFamily="2" charset="-122"/>
-                  </a:rPr>
-                  <a:t>guarantee</a:t>
-                </a:r>
-              </a:p>
-              <a:p>
-                <a:pPr algn="ctr"/>
-                <a:r>
-                  <a:rPr kumimoji="1" lang="en-US" altLang="zh-CN" sz="1200" b="1" dirty="0" err="1">
-                    <a:latin typeface="DengXian" panose="02010600030101010101" pitchFamily="2" charset="-122"/>
-                    <a:ea typeface="DengXian" panose="02010600030101010101" pitchFamily="2" charset="-122"/>
-                  </a:rPr>
-                  <a:t>gN</a:t>
-                </a:r>
-                <a:r>
-                  <a:rPr kumimoji="1" lang="en-US" altLang="zh-CN" sz="1200" dirty="0" err="1">
-                    <a:latin typeface="DengXian" panose="02010600030101010101" pitchFamily="2" charset="-122"/>
-                    <a:ea typeface="DengXian" panose="02010600030101010101" pitchFamily="2" charset="-122"/>
-                  </a:rPr>
-                  <a:t>.timestamp</a:t>
-                </a:r>
-                <a:r>
-                  <a:rPr kumimoji="1" lang="zh-CN" altLang="en-US" sz="1200" dirty="0">
-                    <a:latin typeface="DengXian" panose="02010600030101010101" pitchFamily="2" charset="-122"/>
-                    <a:ea typeface="DengXian" panose="02010600030101010101" pitchFamily="2" charset="-122"/>
-                  </a:rPr>
-                  <a:t> </a:t>
-                </a:r>
-                <a:r>
-                  <a:rPr kumimoji="1" lang="en-US" altLang="zh-CN" sz="1200" dirty="0">
-                    <a:latin typeface="DengXian" panose="02010600030101010101" pitchFamily="2" charset="-122"/>
-                    <a:ea typeface="DengXian" panose="02010600030101010101" pitchFamily="2" charset="-122"/>
-                  </a:rPr>
-                  <a:t>&gt;</a:t>
-                </a:r>
-                <a:r>
-                  <a:rPr kumimoji="1" lang="zh-CN" altLang="en-US" sz="1200" dirty="0">
-                    <a:latin typeface="DengXian" panose="02010600030101010101" pitchFamily="2" charset="-122"/>
-                    <a:ea typeface="DengXian" panose="02010600030101010101" pitchFamily="2" charset="-122"/>
-                  </a:rPr>
-                  <a:t> </a:t>
-                </a:r>
-                <a:r>
-                  <a:rPr kumimoji="1" lang="en-US" altLang="zh-CN" sz="1200" dirty="0">
-                    <a:latin typeface="DengXian" panose="02010600030101010101" pitchFamily="2" charset="-122"/>
-                    <a:ea typeface="DengXian" panose="02010600030101010101" pitchFamily="2" charset="-122"/>
-                  </a:rPr>
-                  <a:t>${</a:t>
-                </a:r>
-                <a:r>
-                  <a:rPr kumimoji="1" lang="en-US" altLang="zh-CN" sz="1200" dirty="0" err="1">
-                    <a:latin typeface="DengXian" panose="02010600030101010101" pitchFamily="2" charset="-122"/>
-                    <a:ea typeface="DengXian" panose="02010600030101010101" pitchFamily="2" charset="-122"/>
-                  </a:rPr>
-                  <a:t>startTime</a:t>
-                </a:r>
-                <a:r>
-                  <a:rPr kumimoji="1" lang="en-US" altLang="zh-CN" sz="1200" dirty="0">
-                    <a:latin typeface="DengXian" panose="02010600030101010101" pitchFamily="2" charset="-122"/>
-                    <a:ea typeface="DengXian" panose="02010600030101010101" pitchFamily="2" charset="-122"/>
-                  </a:rPr>
-                  <a:t>}</a:t>
-                </a:r>
-              </a:p>
-              <a:p>
-                <a:pPr algn="ctr"/>
-                <a:r>
-                  <a:rPr kumimoji="1" lang="en-US" altLang="zh-CN" sz="1200" b="1" dirty="0" err="1">
-                    <a:latin typeface="DengXian" panose="02010600030101010101" pitchFamily="2" charset="-122"/>
-                    <a:ea typeface="DengXian" panose="02010600030101010101" pitchFamily="2" charset="-122"/>
-                  </a:rPr>
-                  <a:t>gN</a:t>
-                </a:r>
-                <a:r>
-                  <a:rPr kumimoji="1" lang="en-US" altLang="zh-CN" sz="1200" dirty="0" err="1">
-                    <a:latin typeface="DengXian" panose="02010600030101010101" pitchFamily="2" charset="-122"/>
-                    <a:ea typeface="DengXian" panose="02010600030101010101" pitchFamily="2" charset="-122"/>
-                  </a:rPr>
-                  <a:t>.timestamp</a:t>
-                </a:r>
-                <a:r>
-                  <a:rPr kumimoji="1" lang="zh-CN" altLang="en-US" sz="1200" dirty="0">
-                    <a:latin typeface="DengXian" panose="02010600030101010101" pitchFamily="2" charset="-122"/>
-                    <a:ea typeface="DengXian" panose="02010600030101010101" pitchFamily="2" charset="-122"/>
-                  </a:rPr>
-                  <a:t> </a:t>
-                </a:r>
-                <a:r>
-                  <a:rPr kumimoji="1" lang="en-US" altLang="zh-CN" sz="1200" dirty="0">
-                    <a:latin typeface="DengXian" panose="02010600030101010101" pitchFamily="2" charset="-122"/>
-                    <a:ea typeface="DengXian" panose="02010600030101010101" pitchFamily="2" charset="-122"/>
-                  </a:rPr>
-                  <a:t>&lt;</a:t>
-                </a:r>
-                <a:r>
-                  <a:rPr kumimoji="1" lang="zh-CN" altLang="en-US" sz="1200" dirty="0">
-                    <a:latin typeface="DengXian" panose="02010600030101010101" pitchFamily="2" charset="-122"/>
-                    <a:ea typeface="DengXian" panose="02010600030101010101" pitchFamily="2" charset="-122"/>
-                  </a:rPr>
-                  <a:t> </a:t>
-                </a:r>
-                <a:r>
-                  <a:rPr kumimoji="1" lang="en-US" altLang="zh-CN" sz="1200" dirty="0">
-                    <a:latin typeface="DengXian" panose="02010600030101010101" pitchFamily="2" charset="-122"/>
-                    <a:ea typeface="DengXian" panose="02010600030101010101" pitchFamily="2" charset="-122"/>
-                  </a:rPr>
-                  <a:t>${</a:t>
-                </a:r>
-                <a:r>
-                  <a:rPr kumimoji="1" lang="en-US" altLang="zh-CN" sz="1200" dirty="0" err="1">
-                    <a:latin typeface="DengXian" panose="02010600030101010101" pitchFamily="2" charset="-122"/>
-                    <a:ea typeface="DengXian" panose="02010600030101010101" pitchFamily="2" charset="-122"/>
-                  </a:rPr>
-                  <a:t>endTime</a:t>
-                </a:r>
-                <a:r>
-                  <a:rPr kumimoji="1" lang="en-US" altLang="zh-CN" sz="1200" dirty="0">
-                    <a:latin typeface="DengXian" panose="02010600030101010101" pitchFamily="2" charset="-122"/>
-                    <a:ea typeface="DengXian" panose="02010600030101010101" pitchFamily="2" charset="-122"/>
-                  </a:rPr>
-                  <a:t>}</a:t>
-                </a:r>
-              </a:p>
-            </p:txBody>
-          </p:sp>
-        </p:grpSp>
-        <p:grpSp>
-          <p:nvGrpSpPr>
-            <p:cNvPr id="10" name="Group 9">
+                <a:latin typeface="Alibaba PuHuiTi M" pitchFamily="18" charset="-122"/>
+                <a:ea typeface="Alibaba PuHuiTi M" pitchFamily="18" charset="-122"/>
+                <a:cs typeface="Alibaba PuHuiTi M" pitchFamily="18" charset="-122"/>
+              </a:endParaRPr>
+            </a:p>
+          </p:txBody>
+        </p:sp>
+        <p:sp>
+          <p:nvSpPr>
+            <p:cNvPr id="172" name="矩形 4">
               <a:extLst>
                 <a:ext uri="{FF2B5EF4-FFF2-40B4-BE49-F238E27FC236}">
-                  <a16:creationId xmlns:a16="http://schemas.microsoft.com/office/drawing/2014/main" id="{B0140843-39CF-4759-B35D-D639552AEFD9}"/>
+                  <a16:creationId xmlns:a16="http://schemas.microsoft.com/office/drawing/2014/main" id="{4FF4F16F-AC16-4518-7F18-8A07C1D4C078}"/>
                 </a:ext>
               </a:extLst>
             </p:cNvPr>
-            <p:cNvGrpSpPr/>
+            <p:cNvSpPr/>
             <p:nvPr/>
-          </p:nvGrpSpPr>
-          <p:grpSpPr>
+          </p:nvSpPr>
+          <p:spPr>
             <a:xfrm>
-              <a:off x="9223508" y="2292029"/>
-              <a:ext cx="2245814" cy="2233670"/>
-              <a:chOff x="9223508" y="3133319"/>
-              <a:chExt cx="2245814" cy="2233670"/>
+              <a:off x="9533385" y="2503443"/>
+              <a:ext cx="1626061" cy="345530"/>
             </a:xfrm>
-          </p:grpSpPr>
-          <p:sp>
-            <p:nvSpPr>
-              <p:cNvPr id="113" name="Rectangle: Rounded Corners 4">
-                <a:extLst>
-                  <a:ext uri="{FF2B5EF4-FFF2-40B4-BE49-F238E27FC236}">
-                    <a16:creationId xmlns:a16="http://schemas.microsoft.com/office/drawing/2014/main" id="{D5C112EC-11AB-0B8B-A989-A2A7BCBC1D3D}"/>
-                  </a:ext>
-                </a:extLst>
-              </p:cNvPr>
-              <p:cNvSpPr/>
-              <p:nvPr/>
-            </p:nvSpPr>
-            <p:spPr>
-              <a:xfrm>
-                <a:off x="9223508" y="3133319"/>
-                <a:ext cx="2245814" cy="2233670"/>
-              </a:xfrm>
-              <a:prstGeom prst="roundRect">
-                <a:avLst/>
-              </a:prstGeom>
-              <a:noFill/>
-              <a:ln w="19050">
+            <a:prstGeom prst="rect">
+              <a:avLst/>
+            </a:prstGeom>
+            <a:solidFill>
+              <a:srgbClr val="A9D18E"/>
+            </a:solidFill>
+            <a:ln w="25400">
+              <a:solidFill>
+                <a:schemeClr val="tx1"/>
+              </a:solidFill>
+            </a:ln>
+          </p:spPr>
+          <p:style>
+            <a:lnRef idx="2">
+              <a:schemeClr val="accent2">
+                <a:shade val="50000"/>
+              </a:schemeClr>
+            </a:lnRef>
+            <a:fillRef idx="1">
+              <a:schemeClr val="accent2"/>
+            </a:fillRef>
+            <a:effectRef idx="0">
+              <a:schemeClr val="accent2"/>
+            </a:effectRef>
+            <a:fontRef idx="minor">
+              <a:schemeClr val="lt1"/>
+            </a:fontRef>
+          </p:style>
+          <p:txBody>
+            <a:bodyPr rtlCol="0" anchor="ctr"/>
+            <a:lstStyle/>
+            <a:p>
+              <a:pPr algn="ctr"/>
+              <a:r>
+                <a:rPr kumimoji="1" lang="en-US" altLang="zh-CN" sz="1100" b="1" dirty="0">
+                  <a:solidFill>
+                    <a:sysClr val="windowText" lastClr="000000"/>
+                  </a:solidFill>
+                </a:rPr>
+                <a:t>person1:</a:t>
+              </a:r>
+              <a:r>
+                <a:rPr kumimoji="1" lang="zh-CN" altLang="en-US" sz="1100" b="1" dirty="0">
+                  <a:solidFill>
+                    <a:sysClr val="windowText" lastClr="000000"/>
+                  </a:solidFill>
+                </a:rPr>
+                <a:t> </a:t>
+              </a:r>
+              <a:r>
+                <a:rPr kumimoji="1" lang="en-US" altLang="zh-CN" sz="1100" dirty="0">
+                  <a:solidFill>
+                    <a:sysClr val="windowText" lastClr="000000"/>
+                  </a:solidFill>
+                </a:rPr>
+                <a:t>Person</a:t>
+              </a:r>
+              <a:endParaRPr kumimoji="1" lang="zh-CN" altLang="en-US" sz="1100" dirty="0">
                 <a:solidFill>
-                  <a:schemeClr val="tx1">
-                    <a:alpha val="40000"/>
-                  </a:schemeClr>
+                  <a:sysClr val="windowText" lastClr="000000"/>
                 </a:solidFill>
-                <a:prstDash val="sysDash"/>
-              </a:ln>
-            </p:spPr>
-            <p:style>
-              <a:lnRef idx="2">
-                <a:schemeClr val="accent1">
-                  <a:shade val="50000"/>
-                </a:schemeClr>
-              </a:lnRef>
-              <a:fillRef idx="1">
-                <a:schemeClr val="accent1"/>
-              </a:fillRef>
-              <a:effectRef idx="0">
-                <a:schemeClr val="accent1"/>
-              </a:effectRef>
-              <a:fontRef idx="minor">
-                <a:schemeClr val="lt1"/>
-              </a:fontRef>
-            </p:style>
-            <p:txBody>
-              <a:bodyPr rtlCol="0" anchor="ctr"/>
-              <a:lstStyle/>
-              <a:p>
-                <a:pPr algn="ctr" defTabSz="685800" fontAlgn="base">
-                  <a:spcBef>
-                    <a:spcPct val="0"/>
-                  </a:spcBef>
-                  <a:spcAft>
-                    <a:spcPct val="0"/>
-                  </a:spcAft>
-                  <a:defRPr/>
-                </a:pPr>
-                <a:endParaRPr lang="en-US" sz="900" dirty="0">
-                  <a:solidFill>
-                    <a:schemeClr val="tx1"/>
-                  </a:solidFill>
-                  <a:latin typeface="Alibaba PuHuiTi M" pitchFamily="18" charset="-122"/>
-                  <a:ea typeface="Alibaba PuHuiTi M" pitchFamily="18" charset="-122"/>
-                  <a:cs typeface="Alibaba PuHuiTi M" pitchFamily="18" charset="-122"/>
-                </a:endParaRPr>
-              </a:p>
-            </p:txBody>
-          </p:sp>
-          <p:sp>
-            <p:nvSpPr>
-              <p:cNvPr id="172" name="矩形 4">
-                <a:extLst>
-                  <a:ext uri="{FF2B5EF4-FFF2-40B4-BE49-F238E27FC236}">
-                    <a16:creationId xmlns:a16="http://schemas.microsoft.com/office/drawing/2014/main" id="{4FF4F16F-AC16-4518-7F18-8A07C1D4C078}"/>
-                  </a:ext>
-                </a:extLst>
-              </p:cNvPr>
-              <p:cNvSpPr/>
-              <p:nvPr/>
-            </p:nvSpPr>
-            <p:spPr>
-              <a:xfrm>
-                <a:off x="9533385" y="3344733"/>
-                <a:ext cx="1626061" cy="345530"/>
-              </a:xfrm>
-              <a:prstGeom prst="rect">
-                <a:avLst/>
-              </a:prstGeom>
+              </a:endParaRPr>
+            </a:p>
+          </p:txBody>
+        </p:sp>
+        <p:sp>
+          <p:nvSpPr>
+            <p:cNvPr id="173" name="矩形 5">
+              <a:extLst>
+                <a:ext uri="{FF2B5EF4-FFF2-40B4-BE49-F238E27FC236}">
+                  <a16:creationId xmlns:a16="http://schemas.microsoft.com/office/drawing/2014/main" id="{80BE7C78-B943-E9CA-6B8B-AD7C74D81B41}"/>
+                </a:ext>
+              </a:extLst>
+            </p:cNvPr>
+            <p:cNvSpPr/>
+            <p:nvPr/>
+          </p:nvSpPr>
+          <p:spPr>
+            <a:xfrm>
+              <a:off x="9533385" y="2848973"/>
+              <a:ext cx="1626060" cy="463007"/>
+            </a:xfrm>
+            <a:prstGeom prst="rect">
+              <a:avLst/>
+            </a:prstGeom>
+            <a:noFill/>
+            <a:ln w="25400">
               <a:solidFill>
-                <a:srgbClr val="A9D18E"/>
+                <a:schemeClr val="tx1"/>
               </a:solidFill>
-              <a:ln w="25400">
+            </a:ln>
+          </p:spPr>
+          <p:style>
+            <a:lnRef idx="2">
+              <a:schemeClr val="accent2">
+                <a:shade val="50000"/>
+              </a:schemeClr>
+            </a:lnRef>
+            <a:fillRef idx="1">
+              <a:schemeClr val="accent2"/>
+            </a:fillRef>
+            <a:effectRef idx="0">
+              <a:schemeClr val="accent2"/>
+            </a:effectRef>
+            <a:fontRef idx="minor">
+              <a:schemeClr val="lt1"/>
+            </a:fontRef>
+          </p:style>
+          <p:txBody>
+            <a:bodyPr rtlCol="0" anchor="ctr"/>
+            <a:lstStyle/>
+            <a:p>
+              <a:pPr algn="ctr"/>
+              <a:r>
+                <a:rPr kumimoji="1" lang="en-US" altLang="zh-CN" sz="1100" dirty="0" err="1">
+                  <a:solidFill>
+                    <a:sysClr val="windowText" lastClr="000000"/>
+                  </a:solidFill>
+                  <a:latin typeface="DengXian" panose="02010600030101010101" pitchFamily="2" charset="-122"/>
+                  <a:ea typeface="DengXian" panose="02010600030101010101" pitchFamily="2" charset="-122"/>
+                </a:rPr>
+                <a:t>person.id</a:t>
+              </a:r>
+              <a:r>
+                <a:rPr kumimoji="1" lang="zh-CN" altLang="en-US" sz="1100" dirty="0">
+                  <a:solidFill>
+                    <a:sysClr val="windowText" lastClr="000000"/>
+                  </a:solidFill>
+                  <a:latin typeface="DengXian" panose="02010600030101010101" pitchFamily="2" charset="-122"/>
+                  <a:ea typeface="DengXian" panose="02010600030101010101" pitchFamily="2" charset="-122"/>
+                </a:rPr>
+                <a:t> </a:t>
+              </a:r>
+              <a:r>
+                <a:rPr kumimoji="1" lang="en-US" altLang="zh-CN" sz="1100" dirty="0">
+                  <a:solidFill>
+                    <a:sysClr val="windowText" lastClr="000000"/>
+                  </a:solidFill>
+                  <a:latin typeface="DengXian" panose="02010600030101010101" pitchFamily="2" charset="-122"/>
+                  <a:ea typeface="DengXian" panose="02010600030101010101" pitchFamily="2" charset="-122"/>
+                </a:rPr>
+                <a:t>=</a:t>
+              </a:r>
+              <a:r>
+                <a:rPr kumimoji="1" lang="zh-CN" altLang="en-US" sz="1100" dirty="0">
+                  <a:solidFill>
+                    <a:sysClr val="windowText" lastClr="000000"/>
+                  </a:solidFill>
+                  <a:latin typeface="DengXian" panose="02010600030101010101" pitchFamily="2" charset="-122"/>
+                  <a:ea typeface="DengXian" panose="02010600030101010101" pitchFamily="2" charset="-122"/>
+                </a:rPr>
+                <a:t> </a:t>
+              </a:r>
+              <a:r>
+                <a:rPr kumimoji="1" lang="en-US" altLang="zh-CN" sz="1100" dirty="0">
+                  <a:solidFill>
+                    <a:sysClr val="windowText" lastClr="000000"/>
+                  </a:solidFill>
+                  <a:latin typeface="DengXian" panose="02010600030101010101" pitchFamily="2" charset="-122"/>
+                  <a:ea typeface="DengXian" panose="02010600030101010101" pitchFamily="2" charset="-122"/>
+                </a:rPr>
+                <a:t>${</a:t>
+              </a:r>
+              <a:r>
+                <a:rPr kumimoji="1" lang="en-US" altLang="zh-CN" sz="1100" dirty="0" err="1">
+                  <a:solidFill>
+                    <a:sysClr val="windowText" lastClr="000000"/>
+                  </a:solidFill>
+                  <a:latin typeface="DengXian" panose="02010600030101010101" pitchFamily="2" charset="-122"/>
+                  <a:ea typeface="DengXian" panose="02010600030101010101" pitchFamily="2" charset="-122"/>
+                </a:rPr>
+                <a:t>srcId</a:t>
+              </a:r>
+              <a:r>
+                <a:rPr kumimoji="1" lang="en-US" altLang="zh-CN" sz="1100" dirty="0">
+                  <a:solidFill>
+                    <a:sysClr val="windowText" lastClr="000000"/>
+                  </a:solidFill>
+                  <a:latin typeface="DengXian" panose="02010600030101010101" pitchFamily="2" charset="-122"/>
+                  <a:ea typeface="DengXian" panose="02010600030101010101" pitchFamily="2" charset="-122"/>
+                </a:rPr>
+                <a:t>}</a:t>
+              </a:r>
+            </a:p>
+            <a:p>
+              <a:pPr algn="ctr"/>
+              <a:r>
+                <a:rPr kumimoji="1" lang="en-US" altLang="zh-CN" sz="1100" dirty="0" err="1">
+                  <a:solidFill>
+                    <a:sysClr val="windowText" lastClr="000000"/>
+                  </a:solidFill>
+                  <a:latin typeface="DengXian" panose="02010600030101010101" pitchFamily="2" charset="-122"/>
+                  <a:ea typeface="DengXian" panose="02010600030101010101" pitchFamily="2" charset="-122"/>
+                </a:rPr>
+                <a:t>isBlocked</a:t>
+              </a:r>
+              <a:r>
+                <a:rPr kumimoji="1" lang="zh-CN" altLang="en-US" sz="1100" dirty="0">
+                  <a:solidFill>
+                    <a:sysClr val="windowText" lastClr="000000"/>
+                  </a:solidFill>
+                  <a:latin typeface="DengXian" panose="02010600030101010101" pitchFamily="2" charset="-122"/>
+                  <a:ea typeface="DengXian" panose="02010600030101010101" pitchFamily="2" charset="-122"/>
+                </a:rPr>
+                <a:t> </a:t>
+              </a:r>
+              <a:r>
+                <a:rPr kumimoji="1" lang="en-US" altLang="zh-CN" sz="1100" dirty="0">
+                  <a:solidFill>
+                    <a:sysClr val="windowText" lastClr="000000"/>
+                  </a:solidFill>
+                  <a:latin typeface="DengXian" panose="02010600030101010101" pitchFamily="2" charset="-122"/>
+                  <a:ea typeface="DengXian" panose="02010600030101010101" pitchFamily="2" charset="-122"/>
+                </a:rPr>
+                <a:t>&lt;-</a:t>
+              </a:r>
+              <a:r>
+                <a:rPr kumimoji="1" lang="zh-CN" altLang="en-US" sz="1100" dirty="0">
+                  <a:solidFill>
+                    <a:sysClr val="windowText" lastClr="000000"/>
+                  </a:solidFill>
+                  <a:latin typeface="DengXian" panose="02010600030101010101" pitchFamily="2" charset="-122"/>
+                  <a:ea typeface="DengXian" panose="02010600030101010101" pitchFamily="2" charset="-122"/>
+                </a:rPr>
+                <a:t> </a:t>
+              </a:r>
+              <a:r>
+                <a:rPr kumimoji="1" lang="en-US" altLang="zh-CN" sz="1100" b="1" dirty="0">
+                  <a:solidFill>
+                    <a:sysClr val="windowText" lastClr="000000"/>
+                  </a:solidFill>
+                  <a:latin typeface="DengXian" panose="02010600030101010101" pitchFamily="2" charset="-122"/>
+                  <a:ea typeface="DengXian" panose="02010600030101010101" pitchFamily="2" charset="-122"/>
+                </a:rPr>
+                <a:t>True</a:t>
+              </a:r>
+            </a:p>
+          </p:txBody>
+        </p:sp>
+        <p:sp>
+          <p:nvSpPr>
+            <p:cNvPr id="177" name="矩形 4">
+              <a:extLst>
+                <a:ext uri="{FF2B5EF4-FFF2-40B4-BE49-F238E27FC236}">
+                  <a16:creationId xmlns:a16="http://schemas.microsoft.com/office/drawing/2014/main" id="{3A81FCE7-279E-E6D3-1192-2CD59DC9C1FC}"/>
+                </a:ext>
+              </a:extLst>
+            </p:cNvPr>
+            <p:cNvSpPr/>
+            <p:nvPr/>
+          </p:nvSpPr>
+          <p:spPr>
+            <a:xfrm>
+              <a:off x="9533385" y="3497943"/>
+              <a:ext cx="1626061" cy="345530"/>
+            </a:xfrm>
+            <a:prstGeom prst="rect">
+              <a:avLst/>
+            </a:prstGeom>
+            <a:solidFill>
+              <a:srgbClr val="A9D18E"/>
+            </a:solidFill>
+            <a:ln w="25400">
+              <a:solidFill>
+                <a:schemeClr val="tx1"/>
+              </a:solidFill>
+            </a:ln>
+          </p:spPr>
+          <p:style>
+            <a:lnRef idx="2">
+              <a:schemeClr val="accent2">
+                <a:shade val="50000"/>
+              </a:schemeClr>
+            </a:lnRef>
+            <a:fillRef idx="1">
+              <a:schemeClr val="accent2"/>
+            </a:fillRef>
+            <a:effectRef idx="0">
+              <a:schemeClr val="accent2"/>
+            </a:effectRef>
+            <a:fontRef idx="minor">
+              <a:schemeClr val="lt1"/>
+            </a:fontRef>
+          </p:style>
+          <p:txBody>
+            <a:bodyPr rtlCol="0" anchor="ctr"/>
+            <a:lstStyle/>
+            <a:p>
+              <a:pPr algn="ctr"/>
+              <a:r>
+                <a:rPr kumimoji="1" lang="en-US" altLang="zh-CN" sz="1100" b="1" dirty="0">
+                  <a:solidFill>
+                    <a:sysClr val="windowText" lastClr="000000"/>
+                  </a:solidFill>
+                </a:rPr>
+                <a:t>person2:</a:t>
+              </a:r>
+              <a:r>
+                <a:rPr kumimoji="1" lang="zh-CN" altLang="en-US" sz="1100" b="1" dirty="0">
+                  <a:solidFill>
+                    <a:sysClr val="windowText" lastClr="000000"/>
+                  </a:solidFill>
+                </a:rPr>
+                <a:t> </a:t>
+              </a:r>
+              <a:r>
+                <a:rPr kumimoji="1" lang="en-US" altLang="zh-CN" sz="1100" dirty="0">
+                  <a:solidFill>
+                    <a:sysClr val="windowText" lastClr="000000"/>
+                  </a:solidFill>
+                </a:rPr>
+                <a:t>Person</a:t>
+              </a:r>
+              <a:endParaRPr kumimoji="1" lang="zh-CN" altLang="en-US" sz="1100" dirty="0">
                 <a:solidFill>
-                  <a:schemeClr val="tx1"/>
+                  <a:sysClr val="windowText" lastClr="000000"/>
                 </a:solidFill>
-              </a:ln>
-            </p:spPr>
-            <p:style>
-              <a:lnRef idx="2">
-                <a:schemeClr val="accent2">
-                  <a:shade val="50000"/>
-                </a:schemeClr>
-              </a:lnRef>
-              <a:fillRef idx="1">
-                <a:schemeClr val="accent2"/>
-              </a:fillRef>
-              <a:effectRef idx="0">
-                <a:schemeClr val="accent2"/>
-              </a:effectRef>
-              <a:fontRef idx="minor">
-                <a:schemeClr val="lt1"/>
-              </a:fontRef>
-            </p:style>
-            <p:txBody>
-              <a:bodyPr rtlCol="0" anchor="ctr"/>
-              <a:lstStyle/>
-              <a:p>
-                <a:pPr algn="ctr"/>
-                <a:r>
-                  <a:rPr kumimoji="1" lang="en-US" altLang="zh-CN" sz="1100" b="1" dirty="0">
-                    <a:solidFill>
-                      <a:sysClr val="windowText" lastClr="000000"/>
-                    </a:solidFill>
-                  </a:rPr>
-                  <a:t>person:</a:t>
-                </a:r>
-                <a:r>
-                  <a:rPr kumimoji="1" lang="zh-CN" altLang="en-US" sz="1100" b="1" dirty="0">
-                    <a:solidFill>
-                      <a:sysClr val="windowText" lastClr="000000"/>
-                    </a:solidFill>
-                  </a:rPr>
-                  <a:t> </a:t>
-                </a:r>
-                <a:r>
-                  <a:rPr kumimoji="1" lang="en-US" altLang="zh-CN" sz="1100" dirty="0">
-                    <a:solidFill>
-                      <a:sysClr val="windowText" lastClr="000000"/>
-                    </a:solidFill>
-                  </a:rPr>
-                  <a:t>Person</a:t>
-                </a:r>
-                <a:endParaRPr kumimoji="1" lang="zh-CN" altLang="en-US" sz="1100" dirty="0">
+              </a:endParaRPr>
+            </a:p>
+          </p:txBody>
+        </p:sp>
+        <p:sp>
+          <p:nvSpPr>
+            <p:cNvPr id="178" name="矩形 5">
+              <a:extLst>
+                <a:ext uri="{FF2B5EF4-FFF2-40B4-BE49-F238E27FC236}">
+                  <a16:creationId xmlns:a16="http://schemas.microsoft.com/office/drawing/2014/main" id="{265563E3-24C0-858C-5365-2E9B99EB4DAB}"/>
+                </a:ext>
+              </a:extLst>
+            </p:cNvPr>
+            <p:cNvSpPr/>
+            <p:nvPr/>
+          </p:nvSpPr>
+          <p:spPr>
+            <a:xfrm>
+              <a:off x="9533385" y="3843473"/>
+              <a:ext cx="1626060" cy="463007"/>
+            </a:xfrm>
+            <a:prstGeom prst="rect">
+              <a:avLst/>
+            </a:prstGeom>
+            <a:noFill/>
+            <a:ln w="25400">
+              <a:solidFill>
+                <a:schemeClr val="tx1"/>
+              </a:solidFill>
+            </a:ln>
+          </p:spPr>
+          <p:style>
+            <a:lnRef idx="2">
+              <a:schemeClr val="accent2">
+                <a:shade val="50000"/>
+              </a:schemeClr>
+            </a:lnRef>
+            <a:fillRef idx="1">
+              <a:schemeClr val="accent2"/>
+            </a:fillRef>
+            <a:effectRef idx="0">
+              <a:schemeClr val="accent2"/>
+            </a:effectRef>
+            <a:fontRef idx="minor">
+              <a:schemeClr val="lt1"/>
+            </a:fontRef>
+          </p:style>
+          <p:txBody>
+            <a:bodyPr rtlCol="0" anchor="ctr"/>
+            <a:lstStyle/>
+            <a:p>
+              <a:pPr algn="ctr"/>
+              <a:r>
+                <a:rPr kumimoji="1" lang="en-US" altLang="zh-CN" sz="1100" dirty="0" err="1">
                   <a:solidFill>
                     <a:sysClr val="windowText" lastClr="000000"/>
                   </a:solidFill>
-                </a:endParaRPr>
-              </a:p>
-            </p:txBody>
-          </p:sp>
-          <p:sp>
-            <p:nvSpPr>
-              <p:cNvPr id="173" name="矩形 5">
-                <a:extLst>
-                  <a:ext uri="{FF2B5EF4-FFF2-40B4-BE49-F238E27FC236}">
-                    <a16:creationId xmlns:a16="http://schemas.microsoft.com/office/drawing/2014/main" id="{80BE7C78-B943-E9CA-6B8B-AD7C74D81B41}"/>
-                  </a:ext>
-                </a:extLst>
-              </p:cNvPr>
-              <p:cNvSpPr/>
-              <p:nvPr/>
-            </p:nvSpPr>
-            <p:spPr>
-              <a:xfrm>
-                <a:off x="9533385" y="3690263"/>
-                <a:ext cx="1626060" cy="463007"/>
-              </a:xfrm>
-              <a:prstGeom prst="rect">
-                <a:avLst/>
-              </a:prstGeom>
-              <a:noFill/>
-              <a:ln w="25400">
-                <a:solidFill>
-                  <a:schemeClr val="tx1"/>
-                </a:solidFill>
-              </a:ln>
-            </p:spPr>
-            <p:style>
-              <a:lnRef idx="2">
-                <a:schemeClr val="accent2">
-                  <a:shade val="50000"/>
-                </a:schemeClr>
-              </a:lnRef>
-              <a:fillRef idx="1">
-                <a:schemeClr val="accent2"/>
-              </a:fillRef>
-              <a:effectRef idx="0">
-                <a:schemeClr val="accent2"/>
-              </a:effectRef>
-              <a:fontRef idx="minor">
-                <a:schemeClr val="lt1"/>
-              </a:fontRef>
-            </p:style>
-            <p:txBody>
-              <a:bodyPr rtlCol="0" anchor="ctr"/>
-              <a:lstStyle/>
-              <a:p>
-                <a:pPr algn="ctr"/>
-                <a:r>
-                  <a:rPr kumimoji="1" lang="en-US" altLang="zh-CN" sz="1100" dirty="0" err="1">
-                    <a:solidFill>
-                      <a:sysClr val="windowText" lastClr="000000"/>
-                    </a:solidFill>
-                    <a:latin typeface="DengXian" panose="02010600030101010101" pitchFamily="2" charset="-122"/>
-                    <a:ea typeface="DengXian" panose="02010600030101010101" pitchFamily="2" charset="-122"/>
-                  </a:rPr>
-                  <a:t>person.id</a:t>
-                </a:r>
-                <a:r>
-                  <a:rPr kumimoji="1" lang="zh-CN" altLang="en-US" sz="1100" dirty="0">
-                    <a:solidFill>
-                      <a:sysClr val="windowText" lastClr="000000"/>
-                    </a:solidFill>
-                    <a:latin typeface="DengXian" panose="02010600030101010101" pitchFamily="2" charset="-122"/>
-                    <a:ea typeface="DengXian" panose="02010600030101010101" pitchFamily="2" charset="-122"/>
-                  </a:rPr>
-                  <a:t> </a:t>
-                </a:r>
-                <a:r>
-                  <a:rPr kumimoji="1" lang="en-US" altLang="zh-CN" sz="1100" dirty="0">
-                    <a:solidFill>
-                      <a:sysClr val="windowText" lastClr="000000"/>
-                    </a:solidFill>
-                    <a:latin typeface="DengXian" panose="02010600030101010101" pitchFamily="2" charset="-122"/>
-                    <a:ea typeface="DengXian" panose="02010600030101010101" pitchFamily="2" charset="-122"/>
-                  </a:rPr>
-                  <a:t>=</a:t>
-                </a:r>
-                <a:r>
-                  <a:rPr kumimoji="1" lang="zh-CN" altLang="en-US" sz="1100" dirty="0">
-                    <a:solidFill>
-                      <a:sysClr val="windowText" lastClr="000000"/>
-                    </a:solidFill>
-                    <a:latin typeface="DengXian" panose="02010600030101010101" pitchFamily="2" charset="-122"/>
-                    <a:ea typeface="DengXian" panose="02010600030101010101" pitchFamily="2" charset="-122"/>
-                  </a:rPr>
-                  <a:t> </a:t>
-                </a:r>
-                <a:r>
-                  <a:rPr kumimoji="1" lang="en-US" altLang="zh-CN" sz="1100" dirty="0">
-                    <a:solidFill>
-                      <a:sysClr val="windowText" lastClr="000000"/>
-                    </a:solidFill>
-                    <a:latin typeface="DengXian" panose="02010600030101010101" pitchFamily="2" charset="-122"/>
-                    <a:ea typeface="DengXian" panose="02010600030101010101" pitchFamily="2" charset="-122"/>
-                  </a:rPr>
-                  <a:t>${</a:t>
-                </a:r>
-                <a:r>
-                  <a:rPr kumimoji="1" lang="en-US" altLang="zh-CN" sz="1100" dirty="0" err="1">
-                    <a:solidFill>
-                      <a:sysClr val="windowText" lastClr="000000"/>
-                    </a:solidFill>
-                    <a:latin typeface="DengXian" panose="02010600030101010101" pitchFamily="2" charset="-122"/>
-                    <a:ea typeface="DengXian" panose="02010600030101010101" pitchFamily="2" charset="-122"/>
-                  </a:rPr>
-                  <a:t>srcId</a:t>
-                </a:r>
-                <a:r>
-                  <a:rPr kumimoji="1" lang="en-US" altLang="zh-CN" sz="1100" dirty="0">
-                    <a:solidFill>
-                      <a:sysClr val="windowText" lastClr="000000"/>
-                    </a:solidFill>
-                    <a:latin typeface="DengXian" panose="02010600030101010101" pitchFamily="2" charset="-122"/>
-                    <a:ea typeface="DengXian" panose="02010600030101010101" pitchFamily="2" charset="-122"/>
-                  </a:rPr>
-                  <a:t>}</a:t>
-                </a:r>
-              </a:p>
-              <a:p>
-                <a:pPr algn="ctr"/>
-                <a:r>
-                  <a:rPr kumimoji="1" lang="en-US" altLang="zh-CN" sz="1100" dirty="0" err="1">
-                    <a:solidFill>
-                      <a:sysClr val="windowText" lastClr="000000"/>
-                    </a:solidFill>
-                    <a:latin typeface="DengXian" panose="02010600030101010101" pitchFamily="2" charset="-122"/>
-                    <a:ea typeface="DengXian" panose="02010600030101010101" pitchFamily="2" charset="-122"/>
-                  </a:rPr>
-                  <a:t>isBlocked</a:t>
-                </a:r>
-                <a:r>
-                  <a:rPr kumimoji="1" lang="zh-CN" altLang="en-US" sz="1100" dirty="0">
-                    <a:solidFill>
-                      <a:sysClr val="windowText" lastClr="000000"/>
-                    </a:solidFill>
-                    <a:latin typeface="DengXian" panose="02010600030101010101" pitchFamily="2" charset="-122"/>
-                    <a:ea typeface="DengXian" panose="02010600030101010101" pitchFamily="2" charset="-122"/>
-                  </a:rPr>
-                  <a:t> </a:t>
-                </a:r>
-                <a:r>
-                  <a:rPr kumimoji="1" lang="en-US" altLang="zh-CN" sz="1100" dirty="0">
-                    <a:solidFill>
-                      <a:sysClr val="windowText" lastClr="000000"/>
-                    </a:solidFill>
-                    <a:latin typeface="DengXian" panose="02010600030101010101" pitchFamily="2" charset="-122"/>
-                    <a:ea typeface="DengXian" panose="02010600030101010101" pitchFamily="2" charset="-122"/>
-                  </a:rPr>
-                  <a:t>&lt;-</a:t>
-                </a:r>
-                <a:r>
-                  <a:rPr kumimoji="1" lang="zh-CN" altLang="en-US" sz="1100" dirty="0">
-                    <a:solidFill>
-                      <a:sysClr val="windowText" lastClr="000000"/>
-                    </a:solidFill>
-                    <a:latin typeface="DengXian" panose="02010600030101010101" pitchFamily="2" charset="-122"/>
-                    <a:ea typeface="DengXian" panose="02010600030101010101" pitchFamily="2" charset="-122"/>
-                  </a:rPr>
-                  <a:t> </a:t>
-                </a:r>
-                <a:r>
-                  <a:rPr kumimoji="1" lang="en-US" altLang="zh-CN" sz="1100" b="1" dirty="0">
-                    <a:solidFill>
-                      <a:sysClr val="windowText" lastClr="000000"/>
-                    </a:solidFill>
-                    <a:latin typeface="DengXian" panose="02010600030101010101" pitchFamily="2" charset="-122"/>
-                    <a:ea typeface="DengXian" panose="02010600030101010101" pitchFamily="2" charset="-122"/>
-                  </a:rPr>
-                  <a:t>True</a:t>
-                </a:r>
-              </a:p>
-            </p:txBody>
-          </p:sp>
-          <p:sp>
-            <p:nvSpPr>
-              <p:cNvPr id="177" name="矩形 4">
-                <a:extLst>
-                  <a:ext uri="{FF2B5EF4-FFF2-40B4-BE49-F238E27FC236}">
-                    <a16:creationId xmlns:a16="http://schemas.microsoft.com/office/drawing/2014/main" id="{3A81FCE7-279E-E6D3-1192-2CD59DC9C1FC}"/>
-                  </a:ext>
-                </a:extLst>
-              </p:cNvPr>
-              <p:cNvSpPr/>
-              <p:nvPr/>
-            </p:nvSpPr>
-            <p:spPr>
-              <a:xfrm>
-                <a:off x="9533385" y="4339233"/>
-                <a:ext cx="1626061" cy="345530"/>
-              </a:xfrm>
-              <a:prstGeom prst="rect">
-                <a:avLst/>
-              </a:prstGeom>
-              <a:solidFill>
-                <a:srgbClr val="A9D18E"/>
-              </a:solidFill>
-              <a:ln w="25400">
-                <a:solidFill>
-                  <a:schemeClr val="tx1"/>
-                </a:solidFill>
-              </a:ln>
-            </p:spPr>
-            <p:style>
-              <a:lnRef idx="2">
-                <a:schemeClr val="accent2">
-                  <a:shade val="50000"/>
-                </a:schemeClr>
-              </a:lnRef>
-              <a:fillRef idx="1">
-                <a:schemeClr val="accent2"/>
-              </a:fillRef>
-              <a:effectRef idx="0">
-                <a:schemeClr val="accent2"/>
-              </a:effectRef>
-              <a:fontRef idx="minor">
-                <a:schemeClr val="lt1"/>
-              </a:fontRef>
-            </p:style>
-            <p:txBody>
-              <a:bodyPr rtlCol="0" anchor="ctr"/>
-              <a:lstStyle/>
-              <a:p>
-                <a:pPr algn="ctr"/>
-                <a:r>
-                  <a:rPr kumimoji="1" lang="en-US" altLang="zh-CN" sz="1100" b="1" dirty="0">
-                    <a:solidFill>
-                      <a:sysClr val="windowText" lastClr="000000"/>
-                    </a:solidFill>
-                  </a:rPr>
-                  <a:t>person:</a:t>
-                </a:r>
-                <a:r>
-                  <a:rPr kumimoji="1" lang="zh-CN" altLang="en-US" sz="1100" b="1" dirty="0">
-                    <a:solidFill>
-                      <a:sysClr val="windowText" lastClr="000000"/>
-                    </a:solidFill>
-                  </a:rPr>
-                  <a:t> </a:t>
-                </a:r>
-                <a:r>
-                  <a:rPr kumimoji="1" lang="en-US" altLang="zh-CN" sz="1100" dirty="0">
-                    <a:solidFill>
-                      <a:sysClr val="windowText" lastClr="000000"/>
-                    </a:solidFill>
-                  </a:rPr>
-                  <a:t>Person</a:t>
-                </a:r>
-                <a:endParaRPr kumimoji="1" lang="zh-CN" altLang="en-US" sz="1100" dirty="0">
+                  <a:latin typeface="DengXian" panose="02010600030101010101" pitchFamily="2" charset="-122"/>
+                  <a:ea typeface="DengXian" panose="02010600030101010101" pitchFamily="2" charset="-122"/>
+                </a:rPr>
+                <a:t>person.id</a:t>
+              </a:r>
+              <a:r>
+                <a:rPr kumimoji="1" lang="zh-CN" altLang="en-US" sz="1100" dirty="0">
                   <a:solidFill>
                     <a:sysClr val="windowText" lastClr="000000"/>
                   </a:solidFill>
-                </a:endParaRPr>
-              </a:p>
-            </p:txBody>
-          </p:sp>
-          <p:sp>
-            <p:nvSpPr>
-              <p:cNvPr id="178" name="矩形 5">
-                <a:extLst>
-                  <a:ext uri="{FF2B5EF4-FFF2-40B4-BE49-F238E27FC236}">
-                    <a16:creationId xmlns:a16="http://schemas.microsoft.com/office/drawing/2014/main" id="{265563E3-24C0-858C-5365-2E9B99EB4DAB}"/>
-                  </a:ext>
-                </a:extLst>
-              </p:cNvPr>
-              <p:cNvSpPr/>
-              <p:nvPr/>
-            </p:nvSpPr>
-            <p:spPr>
-              <a:xfrm>
-                <a:off x="9533385" y="4684763"/>
-                <a:ext cx="1626060" cy="463007"/>
-              </a:xfrm>
-              <a:prstGeom prst="rect">
-                <a:avLst/>
-              </a:prstGeom>
-              <a:noFill/>
-              <a:ln w="25400">
-                <a:solidFill>
-                  <a:schemeClr val="tx1"/>
-                </a:solidFill>
-              </a:ln>
-            </p:spPr>
-            <p:style>
-              <a:lnRef idx="2">
-                <a:schemeClr val="accent2">
-                  <a:shade val="50000"/>
-                </a:schemeClr>
-              </a:lnRef>
-              <a:fillRef idx="1">
-                <a:schemeClr val="accent2"/>
-              </a:fillRef>
-              <a:effectRef idx="0">
-                <a:schemeClr val="accent2"/>
-              </a:effectRef>
-              <a:fontRef idx="minor">
-                <a:schemeClr val="lt1"/>
-              </a:fontRef>
-            </p:style>
-            <p:txBody>
-              <a:bodyPr rtlCol="0" anchor="ctr"/>
-              <a:lstStyle/>
-              <a:p>
-                <a:pPr algn="ctr"/>
-                <a:r>
-                  <a:rPr kumimoji="1" lang="en-US" altLang="zh-CN" sz="1100" dirty="0" err="1">
-                    <a:solidFill>
-                      <a:sysClr val="windowText" lastClr="000000"/>
-                    </a:solidFill>
-                    <a:latin typeface="DengXian" panose="02010600030101010101" pitchFamily="2" charset="-122"/>
-                    <a:ea typeface="DengXian" panose="02010600030101010101" pitchFamily="2" charset="-122"/>
-                  </a:rPr>
-                  <a:t>person.id</a:t>
-                </a:r>
-                <a:r>
-                  <a:rPr kumimoji="1" lang="zh-CN" altLang="en-US" sz="1100" dirty="0">
-                    <a:solidFill>
-                      <a:sysClr val="windowText" lastClr="000000"/>
-                    </a:solidFill>
-                    <a:latin typeface="DengXian" panose="02010600030101010101" pitchFamily="2" charset="-122"/>
-                    <a:ea typeface="DengXian" panose="02010600030101010101" pitchFamily="2" charset="-122"/>
-                  </a:rPr>
-                  <a:t> </a:t>
-                </a:r>
-                <a:r>
-                  <a:rPr kumimoji="1" lang="en-US" altLang="zh-CN" sz="1100" dirty="0">
-                    <a:solidFill>
-                      <a:sysClr val="windowText" lastClr="000000"/>
-                    </a:solidFill>
-                    <a:latin typeface="DengXian" panose="02010600030101010101" pitchFamily="2" charset="-122"/>
-                    <a:ea typeface="DengXian" panose="02010600030101010101" pitchFamily="2" charset="-122"/>
-                  </a:rPr>
-                  <a:t>=</a:t>
-                </a:r>
-                <a:r>
-                  <a:rPr kumimoji="1" lang="zh-CN" altLang="en-US" sz="1100" dirty="0">
-                    <a:solidFill>
-                      <a:sysClr val="windowText" lastClr="000000"/>
-                    </a:solidFill>
-                    <a:latin typeface="DengXian" panose="02010600030101010101" pitchFamily="2" charset="-122"/>
-                    <a:ea typeface="DengXian" panose="02010600030101010101" pitchFamily="2" charset="-122"/>
-                  </a:rPr>
-                  <a:t> </a:t>
-                </a:r>
-                <a:r>
-                  <a:rPr kumimoji="1" lang="en-US" altLang="zh-CN" sz="1100" dirty="0">
-                    <a:solidFill>
-                      <a:sysClr val="windowText" lastClr="000000"/>
-                    </a:solidFill>
-                    <a:latin typeface="DengXian" panose="02010600030101010101" pitchFamily="2" charset="-122"/>
-                    <a:ea typeface="DengXian" panose="02010600030101010101" pitchFamily="2" charset="-122"/>
-                  </a:rPr>
-                  <a:t>${</a:t>
-                </a:r>
-                <a:r>
-                  <a:rPr kumimoji="1" lang="en-US" altLang="zh-CN" sz="1100" dirty="0" err="1">
-                    <a:solidFill>
-                      <a:sysClr val="windowText" lastClr="000000"/>
-                    </a:solidFill>
-                    <a:latin typeface="DengXian" panose="02010600030101010101" pitchFamily="2" charset="-122"/>
-                    <a:ea typeface="DengXian" panose="02010600030101010101" pitchFamily="2" charset="-122"/>
-                  </a:rPr>
-                  <a:t>dstId</a:t>
-                </a:r>
-                <a:r>
-                  <a:rPr kumimoji="1" lang="en-US" altLang="zh-CN" sz="1100" dirty="0">
-                    <a:solidFill>
-                      <a:sysClr val="windowText" lastClr="000000"/>
-                    </a:solidFill>
-                    <a:latin typeface="DengXian" panose="02010600030101010101" pitchFamily="2" charset="-122"/>
-                    <a:ea typeface="DengXian" panose="02010600030101010101" pitchFamily="2" charset="-122"/>
-                  </a:rPr>
-                  <a:t>}</a:t>
-                </a:r>
-              </a:p>
-              <a:p>
-                <a:pPr algn="ctr"/>
-                <a:r>
-                  <a:rPr kumimoji="1" lang="en-US" altLang="zh-CN" sz="1100" dirty="0" err="1">
-                    <a:solidFill>
-                      <a:sysClr val="windowText" lastClr="000000"/>
-                    </a:solidFill>
-                    <a:latin typeface="DengXian" panose="02010600030101010101" pitchFamily="2" charset="-122"/>
-                    <a:ea typeface="DengXian" panose="02010600030101010101" pitchFamily="2" charset="-122"/>
-                  </a:rPr>
-                  <a:t>isBlocked</a:t>
-                </a:r>
-                <a:r>
-                  <a:rPr kumimoji="1" lang="zh-CN" altLang="en-US" sz="1100" dirty="0">
-                    <a:solidFill>
-                      <a:sysClr val="windowText" lastClr="000000"/>
-                    </a:solidFill>
-                    <a:latin typeface="DengXian" panose="02010600030101010101" pitchFamily="2" charset="-122"/>
-                    <a:ea typeface="DengXian" panose="02010600030101010101" pitchFamily="2" charset="-122"/>
-                  </a:rPr>
-                  <a:t> </a:t>
-                </a:r>
-                <a:r>
-                  <a:rPr kumimoji="1" lang="en-US" altLang="zh-CN" sz="1100" dirty="0">
-                    <a:solidFill>
-                      <a:sysClr val="windowText" lastClr="000000"/>
-                    </a:solidFill>
-                    <a:latin typeface="DengXian" panose="02010600030101010101" pitchFamily="2" charset="-122"/>
-                    <a:ea typeface="DengXian" panose="02010600030101010101" pitchFamily="2" charset="-122"/>
-                  </a:rPr>
-                  <a:t>&lt;-</a:t>
-                </a:r>
-                <a:r>
-                  <a:rPr kumimoji="1" lang="zh-CN" altLang="en-US" sz="1100" dirty="0">
-                    <a:solidFill>
-                      <a:sysClr val="windowText" lastClr="000000"/>
-                    </a:solidFill>
-                    <a:latin typeface="DengXian" panose="02010600030101010101" pitchFamily="2" charset="-122"/>
-                    <a:ea typeface="DengXian" panose="02010600030101010101" pitchFamily="2" charset="-122"/>
-                  </a:rPr>
-                  <a:t> </a:t>
-                </a:r>
-                <a:r>
-                  <a:rPr kumimoji="1" lang="en-US" altLang="zh-CN" sz="1100" b="1" dirty="0">
-                    <a:solidFill>
-                      <a:sysClr val="windowText" lastClr="000000"/>
-                    </a:solidFill>
-                    <a:latin typeface="DengXian" panose="02010600030101010101" pitchFamily="2" charset="-122"/>
-                    <a:ea typeface="DengXian" panose="02010600030101010101" pitchFamily="2" charset="-122"/>
-                  </a:rPr>
-                  <a:t>True</a:t>
-                </a:r>
-              </a:p>
-            </p:txBody>
-          </p:sp>
-        </p:grpSp>
+                  <a:latin typeface="DengXian" panose="02010600030101010101" pitchFamily="2" charset="-122"/>
+                  <a:ea typeface="DengXian" panose="02010600030101010101" pitchFamily="2" charset="-122"/>
+                </a:rPr>
+                <a:t> </a:t>
+              </a:r>
+              <a:r>
+                <a:rPr kumimoji="1" lang="en-US" altLang="zh-CN" sz="1100" dirty="0">
+                  <a:solidFill>
+                    <a:sysClr val="windowText" lastClr="000000"/>
+                  </a:solidFill>
+                  <a:latin typeface="DengXian" panose="02010600030101010101" pitchFamily="2" charset="-122"/>
+                  <a:ea typeface="DengXian" panose="02010600030101010101" pitchFamily="2" charset="-122"/>
+                </a:rPr>
+                <a:t>=</a:t>
+              </a:r>
+              <a:r>
+                <a:rPr kumimoji="1" lang="zh-CN" altLang="en-US" sz="1100" dirty="0">
+                  <a:solidFill>
+                    <a:sysClr val="windowText" lastClr="000000"/>
+                  </a:solidFill>
+                  <a:latin typeface="DengXian" panose="02010600030101010101" pitchFamily="2" charset="-122"/>
+                  <a:ea typeface="DengXian" panose="02010600030101010101" pitchFamily="2" charset="-122"/>
+                </a:rPr>
+                <a:t> </a:t>
+              </a:r>
+              <a:r>
+                <a:rPr kumimoji="1" lang="en-US" altLang="zh-CN" sz="1100" dirty="0">
+                  <a:solidFill>
+                    <a:sysClr val="windowText" lastClr="000000"/>
+                  </a:solidFill>
+                  <a:latin typeface="DengXian" panose="02010600030101010101" pitchFamily="2" charset="-122"/>
+                  <a:ea typeface="DengXian" panose="02010600030101010101" pitchFamily="2" charset="-122"/>
+                </a:rPr>
+                <a:t>${</a:t>
+              </a:r>
+              <a:r>
+                <a:rPr kumimoji="1" lang="en-US" altLang="zh-CN" sz="1100" dirty="0" err="1">
+                  <a:solidFill>
+                    <a:sysClr val="windowText" lastClr="000000"/>
+                  </a:solidFill>
+                  <a:latin typeface="DengXian" panose="02010600030101010101" pitchFamily="2" charset="-122"/>
+                  <a:ea typeface="DengXian" panose="02010600030101010101" pitchFamily="2" charset="-122"/>
+                </a:rPr>
+                <a:t>dstId</a:t>
+              </a:r>
+              <a:r>
+                <a:rPr kumimoji="1" lang="en-US" altLang="zh-CN" sz="1100" dirty="0">
+                  <a:solidFill>
+                    <a:sysClr val="windowText" lastClr="000000"/>
+                  </a:solidFill>
+                  <a:latin typeface="DengXian" panose="02010600030101010101" pitchFamily="2" charset="-122"/>
+                  <a:ea typeface="DengXian" panose="02010600030101010101" pitchFamily="2" charset="-122"/>
+                </a:rPr>
+                <a:t>}</a:t>
+              </a:r>
+            </a:p>
+            <a:p>
+              <a:pPr algn="ctr"/>
+              <a:r>
+                <a:rPr kumimoji="1" lang="en-US" altLang="zh-CN" sz="1100" dirty="0" err="1">
+                  <a:solidFill>
+                    <a:sysClr val="windowText" lastClr="000000"/>
+                  </a:solidFill>
+                  <a:latin typeface="DengXian" panose="02010600030101010101" pitchFamily="2" charset="-122"/>
+                  <a:ea typeface="DengXian" panose="02010600030101010101" pitchFamily="2" charset="-122"/>
+                </a:rPr>
+                <a:t>isBlocked</a:t>
+              </a:r>
+              <a:r>
+                <a:rPr kumimoji="1" lang="zh-CN" altLang="en-US" sz="1100" dirty="0">
+                  <a:solidFill>
+                    <a:sysClr val="windowText" lastClr="000000"/>
+                  </a:solidFill>
+                  <a:latin typeface="DengXian" panose="02010600030101010101" pitchFamily="2" charset="-122"/>
+                  <a:ea typeface="DengXian" panose="02010600030101010101" pitchFamily="2" charset="-122"/>
+                </a:rPr>
+                <a:t> </a:t>
+              </a:r>
+              <a:r>
+                <a:rPr kumimoji="1" lang="en-US" altLang="zh-CN" sz="1100" dirty="0">
+                  <a:solidFill>
+                    <a:sysClr val="windowText" lastClr="000000"/>
+                  </a:solidFill>
+                  <a:latin typeface="DengXian" panose="02010600030101010101" pitchFamily="2" charset="-122"/>
+                  <a:ea typeface="DengXian" panose="02010600030101010101" pitchFamily="2" charset="-122"/>
+                </a:rPr>
+                <a:t>&lt;-</a:t>
+              </a:r>
+              <a:r>
+                <a:rPr kumimoji="1" lang="zh-CN" altLang="en-US" sz="1100" dirty="0">
+                  <a:solidFill>
+                    <a:sysClr val="windowText" lastClr="000000"/>
+                  </a:solidFill>
+                  <a:latin typeface="DengXian" panose="02010600030101010101" pitchFamily="2" charset="-122"/>
+                  <a:ea typeface="DengXian" panose="02010600030101010101" pitchFamily="2" charset="-122"/>
+                </a:rPr>
+                <a:t> </a:t>
+              </a:r>
+              <a:r>
+                <a:rPr kumimoji="1" lang="en-US" altLang="zh-CN" sz="1100" b="1" dirty="0">
+                  <a:solidFill>
+                    <a:sysClr val="windowText" lastClr="000000"/>
+                  </a:solidFill>
+                  <a:latin typeface="DengXian" panose="02010600030101010101" pitchFamily="2" charset="-122"/>
+                  <a:ea typeface="DengXian" panose="02010600030101010101" pitchFamily="2" charset="-122"/>
+                </a:rPr>
+                <a:t>True</a:t>
+              </a:r>
+            </a:p>
+          </p:txBody>
+        </p:sp>
         <p:sp>
           <p:nvSpPr>
             <p:cNvPr id="4" name="矩形 3">
@@ -18317,6 +18133,325 @@
                 <a:latin typeface="DengXian" panose="02010600030101010101" pitchFamily="2" charset="-122"/>
                 <a:ea typeface="DengXian" panose="02010600030101010101" pitchFamily="2" charset="-122"/>
               </a:endParaRPr>
+            </a:p>
+          </p:txBody>
+        </p:sp>
+        <p:sp>
+          <p:nvSpPr>
+            <p:cNvPr id="11" name="矩形 14">
+              <a:extLst>
+                <a:ext uri="{FF2B5EF4-FFF2-40B4-BE49-F238E27FC236}">
+                  <a16:creationId xmlns:a16="http://schemas.microsoft.com/office/drawing/2014/main" id="{85A55302-D6A6-0D79-C8D1-7DECA5361110}"/>
+                </a:ext>
+              </a:extLst>
+            </p:cNvPr>
+            <p:cNvSpPr/>
+            <p:nvPr/>
+          </p:nvSpPr>
+          <p:spPr>
+            <a:xfrm>
+              <a:off x="3103676" y="3887869"/>
+              <a:ext cx="1009979" cy="371925"/>
+            </a:xfrm>
+            <a:prstGeom prst="rect">
+              <a:avLst/>
+            </a:prstGeom>
+            <a:solidFill>
+              <a:schemeClr val="accent2">
+                <a:lumMod val="60000"/>
+                <a:lumOff val="40000"/>
+              </a:schemeClr>
+            </a:solidFill>
+            <a:ln w="19050">
+              <a:solidFill>
+                <a:schemeClr val="tx1"/>
+              </a:solidFill>
+            </a:ln>
+          </p:spPr>
+          <p:style>
+            <a:lnRef idx="2">
+              <a:schemeClr val="accent2">
+                <a:shade val="50000"/>
+              </a:schemeClr>
+            </a:lnRef>
+            <a:fillRef idx="1">
+              <a:schemeClr val="accent2"/>
+            </a:fillRef>
+            <a:effectRef idx="0">
+              <a:schemeClr val="accent2"/>
+            </a:effectRef>
+            <a:fontRef idx="minor">
+              <a:schemeClr val="lt1"/>
+            </a:fontRef>
+          </p:style>
+          <p:txBody>
+            <a:bodyPr rtlCol="0" anchor="ctr"/>
+            <a:lstStyle/>
+            <a:p>
+              <a:pPr algn="ctr"/>
+              <a:r>
+                <a:rPr kumimoji="1" lang="en-US" altLang="zh-CN" sz="1200" b="1" dirty="0">
+                  <a:solidFill>
+                    <a:sysClr val="windowText" lastClr="000000"/>
+                  </a:solidFill>
+                </a:rPr>
+                <a:t>loan2</a:t>
+              </a:r>
+              <a:r>
+                <a:rPr kumimoji="1" lang="zh-CN" altLang="en-US" sz="1200" dirty="0">
+                  <a:solidFill>
+                    <a:sysClr val="windowText" lastClr="000000"/>
+                  </a:solidFill>
+                </a:rPr>
+                <a:t> </a:t>
+              </a:r>
+              <a:r>
+                <a:rPr kumimoji="1" lang="en-US" altLang="zh-CN" sz="1200" dirty="0">
+                  <a:solidFill>
+                    <a:sysClr val="windowText" lastClr="000000"/>
+                  </a:solidFill>
+                </a:rPr>
+                <a:t>:</a:t>
+              </a:r>
+              <a:r>
+                <a:rPr kumimoji="1" lang="zh-CN" altLang="en-US" sz="1200" dirty="0">
+                  <a:solidFill>
+                    <a:sysClr val="windowText" lastClr="000000"/>
+                  </a:solidFill>
+                </a:rPr>
+                <a:t> </a:t>
+              </a:r>
+              <a:r>
+                <a:rPr kumimoji="1" lang="en-US" altLang="zh-CN" sz="1200" dirty="0">
+                  <a:solidFill>
+                    <a:sysClr val="windowText" lastClr="000000"/>
+                  </a:solidFill>
+                </a:rPr>
+                <a:t>Loan</a:t>
+              </a:r>
+              <a:endParaRPr kumimoji="1" lang="zh-CN" altLang="en-US" sz="1200" dirty="0">
+                <a:solidFill>
+                  <a:sysClr val="windowText" lastClr="000000"/>
+                </a:solidFill>
+              </a:endParaRPr>
+            </a:p>
+          </p:txBody>
+        </p:sp>
+        <p:cxnSp>
+          <p:nvCxnSpPr>
+            <p:cNvPr id="13" name="直线箭头连接符 11" descr="jytjh">
+              <a:extLst>
+                <a:ext uri="{FF2B5EF4-FFF2-40B4-BE49-F238E27FC236}">
+                  <a16:creationId xmlns:a16="http://schemas.microsoft.com/office/drawing/2014/main" id="{33E0A2FC-3D1E-12DE-3BF7-99CC2572CB43}"/>
+                </a:ext>
+              </a:extLst>
+            </p:cNvPr>
+            <p:cNvCxnSpPr>
+              <a:cxnSpLocks/>
+              <a:stCxn id="157" idx="0"/>
+              <a:endCxn id="11" idx="2"/>
+            </p:cNvCxnSpPr>
+            <p:nvPr/>
+          </p:nvCxnSpPr>
+          <p:spPr>
+            <a:xfrm flipV="1">
+              <a:off x="3040346" y="4259794"/>
+              <a:ext cx="568320" cy="386088"/>
+            </a:xfrm>
+            <a:prstGeom prst="straightConnector1">
+              <a:avLst/>
+            </a:prstGeom>
+            <a:ln w="19050">
+              <a:solidFill>
+                <a:schemeClr val="tx1"/>
+              </a:solidFill>
+              <a:headEnd type="none" w="lg" len="med"/>
+              <a:tailEnd type="arrow" w="sm" len="lg"/>
+            </a:ln>
+          </p:spPr>
+          <p:style>
+            <a:lnRef idx="1">
+              <a:schemeClr val="accent1"/>
+            </a:lnRef>
+            <a:fillRef idx="0">
+              <a:schemeClr val="accent1"/>
+            </a:fillRef>
+            <a:effectRef idx="0">
+              <a:schemeClr val="accent1"/>
+            </a:effectRef>
+            <a:fontRef idx="minor">
+              <a:schemeClr val="tx1"/>
+            </a:fontRef>
+          </p:style>
+        </p:cxnSp>
+        <p:sp>
+          <p:nvSpPr>
+            <p:cNvPr id="19" name="文本框 12">
+              <a:extLst>
+                <a:ext uri="{FF2B5EF4-FFF2-40B4-BE49-F238E27FC236}">
+                  <a16:creationId xmlns:a16="http://schemas.microsoft.com/office/drawing/2014/main" id="{ECAD2390-0483-4260-397F-777F28934500}"/>
+                </a:ext>
+              </a:extLst>
+            </p:cNvPr>
+            <p:cNvSpPr txBox="1"/>
+            <p:nvPr/>
+          </p:nvSpPr>
+          <p:spPr>
+            <a:xfrm>
+              <a:off x="1962007" y="5043174"/>
+              <a:ext cx="2241647" cy="776903"/>
+            </a:xfrm>
+            <a:prstGeom prst="rect">
+              <a:avLst/>
+            </a:prstGeom>
+            <a:noFill/>
+          </p:spPr>
+          <p:txBody>
+            <a:bodyPr wrap="square" lIns="90000" numCol="1" rtlCol="0" anchor="ctr">
+              <a:noAutofit/>
+            </a:bodyPr>
+            <a:lstStyle/>
+            <a:p>
+              <a:pPr algn="just"/>
+              <a:r>
+                <a:rPr kumimoji="1" lang="en-US" altLang="zh-CN" sz="1050" b="1" dirty="0">
+                  <a:latin typeface="DengXian" panose="02010600030101010101" pitchFamily="2" charset="-122"/>
+                  <a:ea typeface="DengXian" panose="02010600030101010101" pitchFamily="2" charset="-122"/>
+                </a:rPr>
+                <a:t>edge1:</a:t>
+              </a:r>
+              <a:r>
+                <a:rPr kumimoji="1" lang="zh-CN" altLang="en-US" sz="1050" b="1" dirty="0">
+                  <a:latin typeface="DengXian" panose="02010600030101010101" pitchFamily="2" charset="-122"/>
+                  <a:ea typeface="DengXian" panose="02010600030101010101" pitchFamily="2" charset="-122"/>
+                </a:rPr>
+                <a:t> </a:t>
+              </a:r>
+              <a:r>
+                <a:rPr kumimoji="1" lang="en-US" altLang="zh-CN" sz="1050" dirty="0">
+                  <a:latin typeface="DengXian" panose="02010600030101010101" pitchFamily="2" charset="-122"/>
+                  <a:ea typeface="DengXian" panose="02010600030101010101" pitchFamily="2" charset="-122"/>
+                </a:rPr>
+                <a:t>guarantee</a:t>
+              </a:r>
+            </a:p>
+            <a:p>
+              <a:pPr algn="just"/>
+              <a:r>
+                <a:rPr kumimoji="1" lang="en-US" altLang="zh-CN" sz="1050" b="1" dirty="0">
+                  <a:latin typeface="DengXian" panose="02010600030101010101" pitchFamily="2" charset="-122"/>
+                  <a:ea typeface="DengXian" panose="02010600030101010101" pitchFamily="2" charset="-122"/>
+                </a:rPr>
+                <a:t>edge1</a:t>
+              </a:r>
+              <a:r>
+                <a:rPr kumimoji="1" lang="en-US" altLang="zh-CN" sz="1050" dirty="0">
+                  <a:latin typeface="DengXian" panose="02010600030101010101" pitchFamily="2" charset="-122"/>
+                  <a:ea typeface="DengXian" panose="02010600030101010101" pitchFamily="2" charset="-122"/>
+                </a:rPr>
+                <a:t>.timestamp</a:t>
+              </a:r>
+              <a:r>
+                <a:rPr kumimoji="1" lang="zh-CN" altLang="en-US" sz="1050" dirty="0">
+                  <a:latin typeface="DengXian" panose="02010600030101010101" pitchFamily="2" charset="-122"/>
+                  <a:ea typeface="DengXian" panose="02010600030101010101" pitchFamily="2" charset="-122"/>
+                </a:rPr>
+                <a:t> </a:t>
+              </a:r>
+              <a:r>
+                <a:rPr kumimoji="1" lang="en-US" altLang="zh-CN" sz="1050" dirty="0">
+                  <a:latin typeface="DengXian" panose="02010600030101010101" pitchFamily="2" charset="-122"/>
+                  <a:ea typeface="DengXian" panose="02010600030101010101" pitchFamily="2" charset="-122"/>
+                </a:rPr>
+                <a:t>&gt;</a:t>
+              </a:r>
+              <a:r>
+                <a:rPr kumimoji="1" lang="zh-CN" altLang="en-US" sz="1050" dirty="0">
+                  <a:latin typeface="DengXian" panose="02010600030101010101" pitchFamily="2" charset="-122"/>
+                  <a:ea typeface="DengXian" panose="02010600030101010101" pitchFamily="2" charset="-122"/>
+                </a:rPr>
+                <a:t> </a:t>
+              </a:r>
+              <a:r>
+                <a:rPr kumimoji="1" lang="en-US" altLang="zh-CN" sz="1050" dirty="0">
+                  <a:latin typeface="DengXian" panose="02010600030101010101" pitchFamily="2" charset="-122"/>
+                  <a:ea typeface="DengXian" panose="02010600030101010101" pitchFamily="2" charset="-122"/>
+                </a:rPr>
+                <a:t>${</a:t>
+              </a:r>
+              <a:r>
+                <a:rPr kumimoji="1" lang="en-US" altLang="zh-CN" sz="1050" dirty="0" err="1">
+                  <a:latin typeface="DengXian" panose="02010600030101010101" pitchFamily="2" charset="-122"/>
+                  <a:ea typeface="DengXian" panose="02010600030101010101" pitchFamily="2" charset="-122"/>
+                </a:rPr>
+                <a:t>startTime</a:t>
+              </a:r>
+              <a:r>
+                <a:rPr kumimoji="1" lang="en-US" altLang="zh-CN" sz="1050" dirty="0">
+                  <a:latin typeface="DengXian" panose="02010600030101010101" pitchFamily="2" charset="-122"/>
+                  <a:ea typeface="DengXian" panose="02010600030101010101" pitchFamily="2" charset="-122"/>
+                </a:rPr>
+                <a:t>}</a:t>
+              </a:r>
+            </a:p>
+            <a:p>
+              <a:pPr algn="just"/>
+              <a:r>
+                <a:rPr kumimoji="1" lang="en-US" altLang="zh-CN" sz="1050" b="1" dirty="0">
+                  <a:latin typeface="DengXian" panose="02010600030101010101" pitchFamily="2" charset="-122"/>
+                  <a:ea typeface="DengXian" panose="02010600030101010101" pitchFamily="2" charset="-122"/>
+                </a:rPr>
+                <a:t>edge1</a:t>
+              </a:r>
+              <a:r>
+                <a:rPr kumimoji="1" lang="en-US" altLang="zh-CN" sz="1050" dirty="0">
+                  <a:latin typeface="DengXian" panose="02010600030101010101" pitchFamily="2" charset="-122"/>
+                  <a:ea typeface="DengXian" panose="02010600030101010101" pitchFamily="2" charset="-122"/>
+                </a:rPr>
+                <a:t>.timestamp</a:t>
+              </a:r>
+              <a:r>
+                <a:rPr kumimoji="1" lang="zh-CN" altLang="en-US" sz="1050" dirty="0">
+                  <a:latin typeface="DengXian" panose="02010600030101010101" pitchFamily="2" charset="-122"/>
+                  <a:ea typeface="DengXian" panose="02010600030101010101" pitchFamily="2" charset="-122"/>
+                </a:rPr>
+                <a:t> </a:t>
+              </a:r>
+              <a:r>
+                <a:rPr kumimoji="1" lang="en-US" altLang="zh-CN" sz="1050" dirty="0">
+                  <a:latin typeface="DengXian" panose="02010600030101010101" pitchFamily="2" charset="-122"/>
+                  <a:ea typeface="DengXian" panose="02010600030101010101" pitchFamily="2" charset="-122"/>
+                </a:rPr>
+                <a:t>&lt;</a:t>
+              </a:r>
+              <a:r>
+                <a:rPr kumimoji="1" lang="zh-CN" altLang="en-US" sz="1050" dirty="0">
+                  <a:latin typeface="DengXian" panose="02010600030101010101" pitchFamily="2" charset="-122"/>
+                  <a:ea typeface="DengXian" panose="02010600030101010101" pitchFamily="2" charset="-122"/>
+                </a:rPr>
+                <a:t> </a:t>
+              </a:r>
+              <a:r>
+                <a:rPr kumimoji="1" lang="en-US" altLang="zh-CN" sz="1050" dirty="0">
+                  <a:latin typeface="DengXian" panose="02010600030101010101" pitchFamily="2" charset="-122"/>
+                  <a:ea typeface="DengXian" panose="02010600030101010101" pitchFamily="2" charset="-122"/>
+                </a:rPr>
+                <a:t>${</a:t>
+              </a:r>
+              <a:r>
+                <a:rPr kumimoji="1" lang="en-US" altLang="zh-CN" sz="1050" dirty="0" err="1">
+                  <a:latin typeface="DengXian" panose="02010600030101010101" pitchFamily="2" charset="-122"/>
+                  <a:ea typeface="DengXian" panose="02010600030101010101" pitchFamily="2" charset="-122"/>
+                </a:rPr>
+                <a:t>endTime</a:t>
+              </a:r>
+              <a:r>
+                <a:rPr kumimoji="1" lang="en-US" altLang="zh-CN" sz="1050" dirty="0">
+                  <a:latin typeface="DengXian" panose="02010600030101010101" pitchFamily="2" charset="-122"/>
+                  <a:ea typeface="DengXian" panose="02010600030101010101" pitchFamily="2" charset="-122"/>
+                </a:rPr>
+                <a:t>}</a:t>
+              </a:r>
             </a:p>
           </p:txBody>
         </p:sp>

--- a/patterns/transaction-read-write.pptx
+++ b/patterns/transaction-read-write.pptx
@@ -200,7 +200,7 @@
           <a:p>
             <a:fld id="{CAD4BD24-A097-4F9D-85E9-6A2A24CA2D98}" type="datetimeFigureOut">
               <a:rPr lang="zh-CN" altLang="en-US" smtClean="0"/>
-              <a:t>2023/2/23</a:t>
+              <a:t>2023/4/28</a:t>
             </a:fld>
             <a:endParaRPr lang="zh-CN" altLang="en-US"/>
           </a:p>
@@ -2491,10 +2491,10 @@
       </p:grpSpPr>
       <p:grpSp>
         <p:nvGrpSpPr>
-          <p:cNvPr id="36" name="Group 35">
+          <p:cNvPr id="7" name="Group 6">
             <a:extLst>
               <a:ext uri="{FF2B5EF4-FFF2-40B4-BE49-F238E27FC236}">
-                <a16:creationId xmlns:a16="http://schemas.microsoft.com/office/drawing/2014/main" id="{D27A5DB0-7577-227D-301C-6003A235922F}"/>
+                <a16:creationId xmlns:a16="http://schemas.microsoft.com/office/drawing/2014/main" id="{05B61BF0-D478-3D05-A9B5-A17AC5E0C792}"/>
               </a:ext>
             </a:extLst>
           </p:cNvPr>
@@ -3208,7 +3208,7 @@
                 <a:prstGeom prst="straightConnector1">
                   <a:avLst/>
                 </a:prstGeom>
-                <a:ln w="25400">
+                <a:ln w="19050">
                   <a:solidFill>
                     <a:schemeClr val="tx1"/>
                   </a:solidFill>
@@ -3877,7 +3877,7 @@
                           <a:sysClr val="windowText" lastClr="000000"/>
                         </a:solidFill>
                       </a:rPr>
-                      <a:t>account</a:t>
+                      <a:t>acc1</a:t>
                     </a:r>
                     <a:r>
                       <a:rPr kumimoji="1" lang="en-US" altLang="zh-CN" sz="1200" dirty="0">
@@ -3960,24 +3960,14 @@
                   <a:p>
                     <a:pPr algn="ctr"/>
                     <a:r>
-                      <a:rPr kumimoji="1" lang="en-US" altLang="zh-CN" sz="1200" b="1" dirty="0" err="1">
+                      <a:rPr kumimoji="1" lang="en-US" altLang="zh-CN" sz="1200" b="1" dirty="0">
                         <a:solidFill>
                           <a:sysClr val="windowText" lastClr="000000"/>
                         </a:solidFill>
                         <a:latin typeface="DengXian" panose="02010600030101010101" pitchFamily="2" charset="-122"/>
                         <a:ea typeface="DengXian" panose="02010600030101010101" pitchFamily="2" charset="-122"/>
                       </a:rPr>
-                      <a:t>account</a:t>
-                    </a:r>
-                    <a:r>
-                      <a:rPr kumimoji="1" lang="en-US" altLang="zh-CN" sz="1200" dirty="0" err="1">
-                        <a:solidFill>
-                          <a:sysClr val="windowText" lastClr="000000"/>
-                        </a:solidFill>
-                        <a:latin typeface="DengXian" panose="02010600030101010101" pitchFamily="2" charset="-122"/>
-                        <a:ea typeface="DengXian" panose="02010600030101010101" pitchFamily="2" charset="-122"/>
-                      </a:rPr>
-                      <a:t>.id</a:t>
+                      <a:t>acc1</a:t>
                     </a:r>
                     <a:r>
                       <a:rPr kumimoji="1" lang="en-US" altLang="zh-CN" sz="1200" dirty="0">
@@ -3987,7 +3977,7 @@
                         <a:latin typeface="DengXian" panose="02010600030101010101" pitchFamily="2" charset="-122"/>
                         <a:ea typeface="DengXian" panose="02010600030101010101" pitchFamily="2" charset="-122"/>
                       </a:rPr>
-                      <a:t>:</a:t>
+                      <a:t>.id:</a:t>
                     </a:r>
                     <a:r>
                       <a:rPr kumimoji="1" lang="zh-CN" altLang="en-US" sz="1200" dirty="0">
@@ -4119,7 +4109,7 @@
                           <a:sysClr val="windowText" lastClr="000000"/>
                         </a:solidFill>
                       </a:rPr>
-                      <a:t>account</a:t>
+                      <a:t>acc2</a:t>
                     </a:r>
                     <a:r>
                       <a:rPr kumimoji="1" lang="en-US" altLang="zh-CN" sz="1200" dirty="0">
@@ -4202,24 +4192,14 @@
                   <a:p>
                     <a:pPr algn="ctr"/>
                     <a:r>
-                      <a:rPr kumimoji="1" lang="en-US" altLang="zh-CN" sz="1200" b="1" dirty="0" err="1">
+                      <a:rPr kumimoji="1" lang="en-US" altLang="zh-CN" sz="1200" b="1" dirty="0">
                         <a:solidFill>
                           <a:sysClr val="windowText" lastClr="000000"/>
                         </a:solidFill>
                         <a:latin typeface="DengXian" panose="02010600030101010101" pitchFamily="2" charset="-122"/>
                         <a:ea typeface="DengXian" panose="02010600030101010101" pitchFamily="2" charset="-122"/>
                       </a:rPr>
-                      <a:t>account</a:t>
-                    </a:r>
-                    <a:r>
-                      <a:rPr kumimoji="1" lang="en-US" altLang="zh-CN" sz="1200" dirty="0" err="1">
-                        <a:solidFill>
-                          <a:sysClr val="windowText" lastClr="000000"/>
-                        </a:solidFill>
-                        <a:latin typeface="DengXian" panose="02010600030101010101" pitchFamily="2" charset="-122"/>
-                        <a:ea typeface="DengXian" panose="02010600030101010101" pitchFamily="2" charset="-122"/>
-                      </a:rPr>
-                      <a:t>.id</a:t>
+                      <a:t>acc2</a:t>
                     </a:r>
                     <a:r>
                       <a:rPr kumimoji="1" lang="en-US" altLang="zh-CN" sz="1200" dirty="0">
@@ -4229,7 +4209,7 @@
                         <a:latin typeface="DengXian" panose="02010600030101010101" pitchFamily="2" charset="-122"/>
                         <a:ea typeface="DengXian" panose="02010600030101010101" pitchFamily="2" charset="-122"/>
                       </a:rPr>
-                      <a:t>:</a:t>
+                      <a:t>.id:</a:t>
                     </a:r>
                     <a:r>
                       <a:rPr kumimoji="1" lang="zh-CN" altLang="en-US" sz="1200" dirty="0">
@@ -4657,7 +4637,7 @@
                 <a:prstGeom prst="straightConnector1">
                   <a:avLst/>
                 </a:prstGeom>
-                <a:ln w="25400">
+                <a:ln w="19050">
                   <a:solidFill>
                     <a:schemeClr val="tx1"/>
                   </a:solidFill>
@@ -4694,7 +4674,7 @@
               </p:nvSpPr>
               <p:spPr>
                 <a:xfrm>
-                  <a:off x="7027876" y="640998"/>
+                  <a:off x="7027876" y="655988"/>
                   <a:ext cx="2399244" cy="553998"/>
                 </a:xfrm>
                 <a:prstGeom prst="rect">
@@ -4794,7 +4774,7 @@
                       <a:latin typeface="DengXian" panose="02010600030101010101" pitchFamily="2" charset="-122"/>
                       <a:ea typeface="DengXian" panose="02010600030101010101" pitchFamily="2" charset="-122"/>
                     </a:rPr>
-                    <a:t>start_time</a:t>
+                    <a:t>startTime</a:t>
                   </a:r>
                   <a:r>
                     <a:rPr kumimoji="1" lang="en-US" altLang="zh-CN" sz="1000" dirty="0">
@@ -4853,7 +4833,7 @@
                       <a:latin typeface="DengXian" panose="02010600030101010101" pitchFamily="2" charset="-122"/>
                       <a:ea typeface="DengXian" panose="02010600030101010101" pitchFamily="2" charset="-122"/>
                     </a:rPr>
-                    <a:t>end_time</a:t>
+                    <a:t>endTime</a:t>
                   </a:r>
                   <a:r>
                     <a:rPr kumimoji="1" lang="en-US" altLang="zh-CN" sz="1000" dirty="0">
@@ -5124,7 +5104,7 @@
                 <a:prstGeom prst="straightConnector1">
                   <a:avLst/>
                 </a:prstGeom>
-                <a:ln w="25400">
+                <a:ln w="19050">
                   <a:solidFill>
                     <a:schemeClr val="tx1"/>
                   </a:solidFill>
@@ -5169,7 +5149,7 @@
                 <a:prstGeom prst="straightConnector1">
                   <a:avLst/>
                 </a:prstGeom>
-                <a:ln w="25400">
+                <a:ln w="19050">
                   <a:solidFill>
                     <a:schemeClr val="tx1"/>
                   </a:solidFill>
@@ -5306,7 +5286,7 @@
                       <a:latin typeface="DengXian" panose="02010600030101010101" pitchFamily="2" charset="-122"/>
                       <a:ea typeface="DengXian" panose="02010600030101010101" pitchFamily="2" charset="-122"/>
                     </a:rPr>
-                    <a:t>start_time</a:t>
+                    <a:t>startTime</a:t>
                   </a:r>
                   <a:r>
                     <a:rPr kumimoji="1" lang="en-US" altLang="zh-CN" sz="1000" dirty="0">
@@ -5365,7 +5345,7 @@
                       <a:latin typeface="DengXian" panose="02010600030101010101" pitchFamily="2" charset="-122"/>
                       <a:ea typeface="DengXian" panose="02010600030101010101" pitchFamily="2" charset="-122"/>
                     </a:rPr>
-                    <a:t>end_time</a:t>
+                    <a:t>endTime</a:t>
                   </a:r>
                   <a:r>
                     <a:rPr kumimoji="1" lang="en-US" altLang="zh-CN" sz="1000" dirty="0">
@@ -5491,7 +5471,7 @@
                       <a:latin typeface="DengXian" panose="02010600030101010101" pitchFamily="2" charset="-122"/>
                       <a:ea typeface="DengXian" panose="02010600030101010101" pitchFamily="2" charset="-122"/>
                     </a:rPr>
-                    <a:t>start_time</a:t>
+                    <a:t>startTime</a:t>
                   </a:r>
                   <a:r>
                     <a:rPr kumimoji="1" lang="en-US" altLang="zh-CN" sz="1000" dirty="0">
@@ -5550,7 +5530,7 @@
                       <a:latin typeface="DengXian" panose="02010600030101010101" pitchFamily="2" charset="-122"/>
                       <a:ea typeface="DengXian" panose="02010600030101010101" pitchFamily="2" charset="-122"/>
                     </a:rPr>
-                    <a:t>end_time</a:t>
+                    <a:t>endTime</a:t>
                   </a:r>
                   <a:r>
                     <a:rPr kumimoji="1" lang="en-US" altLang="zh-CN" sz="1000" dirty="0">
@@ -5585,7 +5565,7 @@
                 <a:prstGeom prst="straightConnector1">
                   <a:avLst/>
                 </a:prstGeom>
-                <a:ln w="25400">
+                <a:ln w="19050">
                   <a:solidFill>
                     <a:schemeClr val="tx1"/>
                   </a:solidFill>
@@ -5732,7 +5712,7 @@
                 <a:prstGeom prst="straightConnector1">
                   <a:avLst/>
                 </a:prstGeom>
-                <a:ln w="25400">
+                <a:ln w="19050">
                   <a:solidFill>
                     <a:schemeClr val="tx1"/>
                   </a:solidFill>
@@ -5777,7 +5757,7 @@
                 <a:prstGeom prst="straightConnector1">
                   <a:avLst/>
                 </a:prstGeom>
-                <a:ln w="25400">
+                <a:ln w="19050">
                   <a:solidFill>
                     <a:schemeClr val="tx1"/>
                   </a:solidFill>
@@ -5822,7 +5802,7 @@
                 <a:prstGeom prst="straightConnector1">
                   <a:avLst/>
                 </a:prstGeom>
-                <a:ln w="25400">
+                <a:ln w="19050">
                   <a:solidFill>
                     <a:schemeClr val="tx1"/>
                   </a:solidFill>
@@ -5941,7 +5921,7 @@
             <a:prstGeom prst="straightConnector1">
               <a:avLst/>
             </a:prstGeom>
-            <a:ln w="25400">
+            <a:ln w="19050">
               <a:solidFill>
                 <a:srgbClr val="0070C0"/>
               </a:solidFill>
@@ -5988,7 +5968,7 @@
             <a:prstGeom prst="straightConnector1">
               <a:avLst/>
             </a:prstGeom>
-            <a:ln w="25400">
+            <a:ln w="19050">
               <a:solidFill>
                 <a:srgbClr val="0070C0"/>
               </a:solidFill>
@@ -6035,7 +6015,7 @@
             <a:prstGeom prst="straightConnector1">
               <a:avLst/>
             </a:prstGeom>
-            <a:ln w="25400">
+            <a:ln w="19050">
               <a:solidFill>
                 <a:srgbClr val="0070C0"/>
               </a:solidFill>
@@ -6082,7 +6062,7 @@
             <a:prstGeom prst="straightConnector1">
               <a:avLst/>
             </a:prstGeom>
-            <a:ln w="25400">
+            <a:ln w="19050">
               <a:solidFill>
                 <a:srgbClr val="0070C0"/>
               </a:solidFill>
@@ -6131,7 +6111,7 @@
                 <a:gd name="adj1" fmla="val 50000"/>
               </a:avLst>
             </a:prstGeom>
-            <a:ln w="25400">
+            <a:ln w="19050">
               <a:solidFill>
                 <a:srgbClr val="0070C0"/>
               </a:solidFill>
@@ -6178,7 +6158,7 @@
             <a:prstGeom prst="straightConnector1">
               <a:avLst/>
             </a:prstGeom>
-            <a:ln w="25400">
+            <a:ln w="19050">
               <a:solidFill>
                 <a:srgbClr val="0070C0"/>
               </a:solidFill>
@@ -6225,7 +6205,7 @@
             <a:prstGeom prst="straightConnector1">
               <a:avLst/>
             </a:prstGeom>
-            <a:ln w="25400">
+            <a:ln w="19050">
               <a:solidFill>
                 <a:srgbClr val="0070C0"/>
               </a:solidFill>
@@ -6472,7 +6452,7 @@
             <a:prstGeom prst="straightConnector1">
               <a:avLst/>
             </a:prstGeom>
-            <a:ln w="25400">
+            <a:ln w="19050">
               <a:solidFill>
                 <a:srgbClr val="0070C0"/>
               </a:solidFill>
@@ -6519,7 +6499,7 @@
             <a:prstGeom prst="straightConnector1">
               <a:avLst/>
             </a:prstGeom>
-            <a:ln w="25400">
+            <a:ln w="19050">
               <a:solidFill>
                 <a:srgbClr val="0070C0"/>
               </a:solidFill>
@@ -6661,7 +6641,7 @@
                           <a:sysClr val="windowText" lastClr="000000"/>
                         </a:solidFill>
                       </a:rPr>
-                      <a:t>acc:</a:t>
+                      <a:t>acc1:</a:t>
                     </a:r>
                     <a:r>
                       <a:rPr kumimoji="1" lang="zh-CN" altLang="en-US" sz="1200" b="1" dirty="0">
@@ -6941,7 +6921,7 @@
                           <a:sysClr val="windowText" lastClr="000000"/>
                         </a:solidFill>
                       </a:rPr>
-                      <a:t>acc:</a:t>
+                      <a:t>acc2:</a:t>
                     </a:r>
                     <a:r>
                       <a:rPr kumimoji="1" lang="zh-CN" altLang="en-US" sz="1200" b="1" dirty="0">
@@ -7296,8 +7276,8 @@
           </p:nvSpPr>
           <p:spPr>
             <a:xfrm>
-              <a:off x="6742521" y="1238685"/>
-              <a:ext cx="724879" cy="363866"/>
+              <a:off x="6742521" y="1280361"/>
+              <a:ext cx="724879" cy="262230"/>
             </a:xfrm>
             <a:prstGeom prst="rect">
               <a:avLst/>
@@ -7533,10 +7513,10 @@
       </p:grpSpPr>
       <p:grpSp>
         <p:nvGrpSpPr>
-          <p:cNvPr id="24" name="Group 23">
+          <p:cNvPr id="7" name="Group 6">
             <a:extLst>
               <a:ext uri="{FF2B5EF4-FFF2-40B4-BE49-F238E27FC236}">
-                <a16:creationId xmlns:a16="http://schemas.microsoft.com/office/drawing/2014/main" id="{2C6B4C6E-7EE0-51A0-7E85-C754E39B4059}"/>
+                <a16:creationId xmlns:a16="http://schemas.microsoft.com/office/drawing/2014/main" id="{A5801A24-B661-36B1-7521-EBDCA4CB6140}"/>
               </a:ext>
             </a:extLst>
           </p:cNvPr>
@@ -8230,7 +8210,7 @@
               <a:prstGeom prst="straightConnector1">
                 <a:avLst/>
               </a:prstGeom>
-              <a:ln w="25400">
+              <a:ln w="19050">
                 <a:solidFill>
                   <a:schemeClr val="tx1"/>
                 </a:solidFill>
@@ -8878,7 +8858,7 @@
                         <a:sysClr val="windowText" lastClr="000000"/>
                       </a:solidFill>
                     </a:rPr>
-                    <a:t>account</a:t>
+                    <a:t>acc1</a:t>
                   </a:r>
                   <a:r>
                     <a:rPr kumimoji="1" lang="en-US" altLang="zh-CN" sz="1200" dirty="0">
@@ -8961,24 +8941,12 @@
                 <a:p>
                   <a:pPr algn="ctr"/>
                   <a:r>
-                    <a:rPr kumimoji="1" lang="en-US" altLang="zh-CN" sz="1200" b="1" dirty="0" err="1">
+                    <a:rPr kumimoji="1" lang="en-US" altLang="zh-CN" sz="1200" b="1" dirty="0">
                       <a:solidFill>
                         <a:sysClr val="windowText" lastClr="000000"/>
                       </a:solidFill>
-                      <a:latin typeface="DengXian" panose="02010600030101010101" pitchFamily="2" charset="-122"/>
-                      <a:ea typeface="DengXian" panose="02010600030101010101" pitchFamily="2" charset="-122"/>
                     </a:rPr>
-                    <a:t>account</a:t>
-                  </a:r>
-                  <a:r>
-                    <a:rPr kumimoji="1" lang="en-US" altLang="zh-CN" sz="1200" dirty="0" err="1">
-                      <a:solidFill>
-                        <a:sysClr val="windowText" lastClr="000000"/>
-                      </a:solidFill>
-                      <a:latin typeface="DengXian" panose="02010600030101010101" pitchFamily="2" charset="-122"/>
-                      <a:ea typeface="DengXian" panose="02010600030101010101" pitchFamily="2" charset="-122"/>
-                    </a:rPr>
-                    <a:t>.id</a:t>
+                    <a:t>acc1</a:t>
                   </a:r>
                   <a:r>
                     <a:rPr kumimoji="1" lang="en-US" altLang="zh-CN" sz="1200" dirty="0">
@@ -8988,7 +8956,7 @@
                       <a:latin typeface="DengXian" panose="02010600030101010101" pitchFamily="2" charset="-122"/>
                       <a:ea typeface="DengXian" panose="02010600030101010101" pitchFamily="2" charset="-122"/>
                     </a:rPr>
-                    <a:t>:</a:t>
+                    <a:t>.id:</a:t>
                   </a:r>
                   <a:r>
                     <a:rPr kumimoji="1" lang="zh-CN" altLang="en-US" sz="1200" dirty="0">
@@ -9120,7 +9088,7 @@
                         <a:sysClr val="windowText" lastClr="000000"/>
                       </a:solidFill>
                     </a:rPr>
-                    <a:t>account</a:t>
+                    <a:t>acc2</a:t>
                   </a:r>
                   <a:r>
                     <a:rPr kumimoji="1" lang="en-US" altLang="zh-CN" sz="1200" dirty="0">
@@ -9203,24 +9171,14 @@
                 <a:p>
                   <a:pPr algn="ctr"/>
                   <a:r>
-                    <a:rPr kumimoji="1" lang="en-US" altLang="zh-CN" sz="1200" b="1" dirty="0" err="1">
+                    <a:rPr kumimoji="1" lang="en-US" altLang="zh-CN" sz="1200" b="1" dirty="0">
                       <a:solidFill>
                         <a:sysClr val="windowText" lastClr="000000"/>
                       </a:solidFill>
                       <a:latin typeface="DengXian" panose="02010600030101010101" pitchFamily="2" charset="-122"/>
                       <a:ea typeface="DengXian" panose="02010600030101010101" pitchFamily="2" charset="-122"/>
                     </a:rPr>
-                    <a:t>account</a:t>
-                  </a:r>
-                  <a:r>
-                    <a:rPr kumimoji="1" lang="en-US" altLang="zh-CN" sz="1200" dirty="0" err="1">
-                      <a:solidFill>
-                        <a:sysClr val="windowText" lastClr="000000"/>
-                      </a:solidFill>
-                      <a:latin typeface="DengXian" panose="02010600030101010101" pitchFamily="2" charset="-122"/>
-                      <a:ea typeface="DengXian" panose="02010600030101010101" pitchFamily="2" charset="-122"/>
-                    </a:rPr>
-                    <a:t>.id</a:t>
+                    <a:t>acc2</a:t>
                   </a:r>
                   <a:r>
                     <a:rPr kumimoji="1" lang="en-US" altLang="zh-CN" sz="1200" dirty="0">
@@ -9230,7 +9188,7 @@
                       <a:latin typeface="DengXian" panose="02010600030101010101" pitchFamily="2" charset="-122"/>
                       <a:ea typeface="DengXian" panose="02010600030101010101" pitchFamily="2" charset="-122"/>
                     </a:rPr>
-                    <a:t>:</a:t>
+                    <a:t>.id:</a:t>
                   </a:r>
                   <a:r>
                     <a:rPr kumimoji="1" lang="zh-CN" altLang="en-US" sz="1200" dirty="0">
@@ -9378,7 +9336,7 @@
             <a:prstGeom prst="straightConnector1">
               <a:avLst/>
             </a:prstGeom>
-            <a:ln w="25400">
+            <a:ln w="19050">
               <a:solidFill>
                 <a:srgbClr val="0070C0"/>
               </a:solidFill>
@@ -9425,7 +9383,7 @@
             <a:prstGeom prst="straightConnector1">
               <a:avLst/>
             </a:prstGeom>
-            <a:ln w="25400">
+            <a:ln w="19050">
               <a:solidFill>
                 <a:srgbClr val="0070C0"/>
               </a:solidFill>
@@ -9472,7 +9430,7 @@
             <a:prstGeom prst="straightConnector1">
               <a:avLst/>
             </a:prstGeom>
-            <a:ln w="25400">
+            <a:ln w="19050">
               <a:solidFill>
                 <a:srgbClr val="0070C0"/>
               </a:solidFill>
@@ -9519,7 +9477,7 @@
             <a:prstGeom prst="straightConnector1">
               <a:avLst/>
             </a:prstGeom>
-            <a:ln w="25400">
+            <a:ln w="19050">
               <a:solidFill>
                 <a:srgbClr val="0070C0"/>
               </a:solidFill>
@@ -9568,7 +9526,7 @@
                 <a:gd name="adj1" fmla="val 50000"/>
               </a:avLst>
             </a:prstGeom>
-            <a:ln w="25400">
+            <a:ln w="19050">
               <a:solidFill>
                 <a:srgbClr val="0070C0"/>
               </a:solidFill>
@@ -9615,7 +9573,7 @@
             <a:prstGeom prst="straightConnector1">
               <a:avLst/>
             </a:prstGeom>
-            <a:ln w="25400">
+            <a:ln w="19050">
               <a:solidFill>
                 <a:srgbClr val="0070C0"/>
               </a:solidFill>
@@ -9662,7 +9620,7 @@
             <a:prstGeom prst="straightConnector1">
               <a:avLst/>
             </a:prstGeom>
-            <a:ln w="25400">
+            <a:ln w="19050">
               <a:solidFill>
                 <a:srgbClr val="0070C0"/>
               </a:solidFill>
@@ -9909,7 +9867,7 @@
             <a:prstGeom prst="straightConnector1">
               <a:avLst/>
             </a:prstGeom>
-            <a:ln w="25400">
+            <a:ln w="19050">
               <a:solidFill>
                 <a:srgbClr val="0070C0"/>
               </a:solidFill>
@@ -9956,7 +9914,7 @@
             <a:prstGeom prst="straightConnector1">
               <a:avLst/>
             </a:prstGeom>
-            <a:ln w="25400">
+            <a:ln w="19050">
               <a:solidFill>
                 <a:srgbClr val="0070C0"/>
               </a:solidFill>
@@ -10098,7 +10056,7 @@
                           <a:sysClr val="windowText" lastClr="000000"/>
                         </a:solidFill>
                       </a:rPr>
-                      <a:t>acc:</a:t>
+                      <a:t>acc1:</a:t>
                     </a:r>
                     <a:r>
                       <a:rPr kumimoji="1" lang="zh-CN" altLang="en-US" sz="1200" b="1" dirty="0">
@@ -10378,7 +10336,7 @@
                           <a:sysClr val="windowText" lastClr="000000"/>
                         </a:solidFill>
                       </a:rPr>
-                      <a:t>acc:</a:t>
+                      <a:t>acc2:</a:t>
                     </a:r>
                     <a:r>
                       <a:rPr kumimoji="1" lang="zh-CN" altLang="en-US" sz="1200" b="1" dirty="0">
@@ -11123,12 +11081,12 @@
               <a:p>
                 <a:pPr algn="ctr"/>
                 <a:r>
-                  <a:rPr kumimoji="1" lang="en-US" altLang="zh-CN" sz="1050" b="1" dirty="0" err="1">
+                  <a:rPr kumimoji="1" lang="en-US" altLang="zh-CN" sz="1050" b="1" dirty="0">
                     <a:solidFill>
                       <a:sysClr val="windowText" lastClr="000000"/>
                     </a:solidFill>
                   </a:rPr>
-                  <a:t>dst</a:t>
+                  <a:t>dst1</a:t>
                 </a:r>
                 <a:r>
                   <a:rPr kumimoji="1" lang="zh-CN" altLang="en-US" sz="1050" b="1" dirty="0">
@@ -11224,12 +11182,12 @@
               <a:p>
                 <a:pPr algn="ctr"/>
                 <a:r>
-                  <a:rPr kumimoji="1" lang="en-US" altLang="zh-CN" sz="1050" b="1" dirty="0" err="1">
+                  <a:rPr kumimoji="1" lang="en-US" altLang="zh-CN" sz="1050" b="1" dirty="0">
                     <a:solidFill>
                       <a:sysClr val="windowText" lastClr="000000"/>
                     </a:solidFill>
                   </a:rPr>
-                  <a:t>dst</a:t>
+                  <a:t>dst2</a:t>
                 </a:r>
                 <a:r>
                   <a:rPr kumimoji="1" lang="zh-CN" altLang="en-US" sz="1050" b="1" dirty="0">
@@ -11325,12 +11283,12 @@
               <a:p>
                 <a:pPr algn="ctr"/>
                 <a:r>
-                  <a:rPr kumimoji="1" lang="en-US" altLang="zh-CN" sz="1050" b="1" dirty="0" err="1">
+                  <a:rPr kumimoji="1" lang="en-US" altLang="zh-CN" sz="1050" b="1" dirty="0">
                     <a:solidFill>
                       <a:sysClr val="windowText" lastClr="000000"/>
                     </a:solidFill>
                   </a:rPr>
-                  <a:t>dst</a:t>
+                  <a:t>dst3</a:t>
                 </a:r>
                 <a:r>
                   <a:rPr kumimoji="1" lang="zh-CN" altLang="en-US" sz="1050" b="1" dirty="0">
@@ -11567,12 +11525,12 @@
               <a:p>
                 <a:pPr algn="ctr"/>
                 <a:r>
-                  <a:rPr kumimoji="1" lang="en-US" altLang="zh-CN" sz="1050" b="1" dirty="0" err="1">
+                  <a:rPr kumimoji="1" lang="en-US" altLang="zh-CN" sz="1050" b="1" dirty="0">
                     <a:solidFill>
                       <a:sysClr val="windowText" lastClr="000000"/>
                     </a:solidFill>
                   </a:rPr>
-                  <a:t>src</a:t>
+                  <a:t>src1</a:t>
                 </a:r>
                 <a:r>
                   <a:rPr kumimoji="1" lang="zh-CN" altLang="en-US" sz="1050" b="1" dirty="0">
@@ -11668,12 +11626,12 @@
               <a:p>
                 <a:pPr algn="ctr"/>
                 <a:r>
-                  <a:rPr kumimoji="1" lang="en-US" altLang="zh-CN" sz="1050" b="1" dirty="0" err="1">
+                  <a:rPr kumimoji="1" lang="en-US" altLang="zh-CN" sz="1050" b="1" dirty="0">
                     <a:solidFill>
                       <a:sysClr val="windowText" lastClr="000000"/>
                     </a:solidFill>
                   </a:rPr>
-                  <a:t>src</a:t>
+                  <a:t>src2</a:t>
                 </a:r>
                 <a:r>
                   <a:rPr kumimoji="1" lang="zh-CN" altLang="en-US" sz="1050" b="1" dirty="0">
@@ -11769,12 +11727,12 @@
               <a:p>
                 <a:pPr algn="ctr"/>
                 <a:r>
-                  <a:rPr kumimoji="1" lang="en-US" altLang="zh-CN" sz="1050" b="1" dirty="0" err="1">
+                  <a:rPr kumimoji="1" lang="en-US" altLang="zh-CN" sz="1050" b="1" dirty="0">
                     <a:solidFill>
                       <a:sysClr val="windowText" lastClr="000000"/>
                     </a:solidFill>
                   </a:rPr>
-                  <a:t>src</a:t>
+                  <a:t>src3</a:t>
                 </a:r>
                 <a:r>
                   <a:rPr kumimoji="1" lang="zh-CN" altLang="en-US" sz="1050" b="1" dirty="0">
@@ -12416,12 +12374,12 @@
               <a:p>
                 <a:pPr algn="ctr"/>
                 <a:r>
-                  <a:rPr kumimoji="1" lang="en-US" altLang="zh-CN" sz="1050" b="1" dirty="0" err="1">
+                  <a:rPr kumimoji="1" lang="en-US" altLang="zh-CN" sz="1050" b="1" dirty="0">
                     <a:solidFill>
                       <a:sysClr val="windowText" lastClr="000000"/>
                     </a:solidFill>
                   </a:rPr>
-                  <a:t>dst</a:t>
+                  <a:t>dst1</a:t>
                 </a:r>
                 <a:r>
                   <a:rPr kumimoji="1" lang="zh-CN" altLang="en-US" sz="1050" b="1" dirty="0">
@@ -12517,12 +12475,12 @@
               <a:p>
                 <a:pPr algn="ctr"/>
                 <a:r>
-                  <a:rPr kumimoji="1" lang="en-US" altLang="zh-CN" sz="1050" b="1" dirty="0" err="1">
+                  <a:rPr kumimoji="1" lang="en-US" altLang="zh-CN" sz="1050" b="1" dirty="0">
                     <a:solidFill>
                       <a:sysClr val="windowText" lastClr="000000"/>
                     </a:solidFill>
                   </a:rPr>
-                  <a:t>dst</a:t>
+                  <a:t>dst2</a:t>
                 </a:r>
                 <a:r>
                   <a:rPr kumimoji="1" lang="zh-CN" altLang="en-US" sz="1050" b="1" dirty="0">
@@ -12618,12 +12576,12 @@
               <a:p>
                 <a:pPr algn="ctr"/>
                 <a:r>
-                  <a:rPr kumimoji="1" lang="en-US" altLang="zh-CN" sz="1050" b="1" dirty="0" err="1">
+                  <a:rPr kumimoji="1" lang="en-US" altLang="zh-CN" sz="1050" b="1" dirty="0">
                     <a:solidFill>
                       <a:sysClr val="windowText" lastClr="000000"/>
                     </a:solidFill>
                   </a:rPr>
-                  <a:t>dst</a:t>
+                  <a:t>dst3</a:t>
                 </a:r>
                 <a:r>
                   <a:rPr kumimoji="1" lang="zh-CN" altLang="en-US" sz="1050" b="1" dirty="0">
@@ -12860,12 +12818,12 @@
               <a:p>
                 <a:pPr algn="ctr"/>
                 <a:r>
-                  <a:rPr kumimoji="1" lang="en-US" altLang="zh-CN" sz="1050" b="1" dirty="0" err="1">
+                  <a:rPr kumimoji="1" lang="en-US" altLang="zh-CN" sz="1050" b="1" dirty="0">
                     <a:solidFill>
                       <a:sysClr val="windowText" lastClr="000000"/>
                     </a:solidFill>
                   </a:rPr>
-                  <a:t>src</a:t>
+                  <a:t>src1</a:t>
                 </a:r>
                 <a:r>
                   <a:rPr kumimoji="1" lang="zh-CN" altLang="en-US" sz="1050" b="1" dirty="0">
@@ -12961,12 +12919,12 @@
               <a:p>
                 <a:pPr algn="ctr"/>
                 <a:r>
-                  <a:rPr kumimoji="1" lang="en-US" altLang="zh-CN" sz="1050" b="1" dirty="0" err="1">
+                  <a:rPr kumimoji="1" lang="en-US" altLang="zh-CN" sz="1050" b="1" dirty="0">
                     <a:solidFill>
                       <a:sysClr val="windowText" lastClr="000000"/>
                     </a:solidFill>
                   </a:rPr>
-                  <a:t>src</a:t>
+                  <a:t>src2</a:t>
                 </a:r>
                 <a:r>
                   <a:rPr kumimoji="1" lang="zh-CN" altLang="en-US" sz="1050" b="1" dirty="0">
@@ -13062,12 +13020,12 @@
               <a:p>
                 <a:pPr algn="ctr"/>
                 <a:r>
-                  <a:rPr kumimoji="1" lang="en-US" altLang="zh-CN" sz="1050" b="1" dirty="0" err="1">
+                  <a:rPr kumimoji="1" lang="en-US" altLang="zh-CN" sz="1050" b="1" dirty="0">
                     <a:solidFill>
                       <a:sysClr val="windowText" lastClr="000000"/>
                     </a:solidFill>
                   </a:rPr>
-                  <a:t>src</a:t>
+                  <a:t>src3</a:t>
                 </a:r>
                 <a:r>
                   <a:rPr kumimoji="1" lang="zh-CN" altLang="en-US" sz="1050" b="1" dirty="0">
@@ -13626,10 +13584,10 @@
       </p:grpSpPr>
       <p:grpSp>
         <p:nvGrpSpPr>
-          <p:cNvPr id="15" name="Group 14">
+          <p:cNvPr id="20" name="Group 19">
             <a:extLst>
               <a:ext uri="{FF2B5EF4-FFF2-40B4-BE49-F238E27FC236}">
-                <a16:creationId xmlns:a16="http://schemas.microsoft.com/office/drawing/2014/main" id="{B37DE32A-6A36-0BAB-D732-6BB47506036B}"/>
+                <a16:creationId xmlns:a16="http://schemas.microsoft.com/office/drawing/2014/main" id="{902053F8-3324-F256-5649-606F685D32DA}"/>
               </a:ext>
             </a:extLst>
           </p:cNvPr>
@@ -14208,7 +14166,7 @@
             <a:prstGeom prst="straightConnector1">
               <a:avLst/>
             </a:prstGeom>
-            <a:ln w="25400">
+            <a:ln w="19050">
               <a:solidFill>
                 <a:srgbClr val="0070C0"/>
               </a:solidFill>
@@ -14255,7 +14213,7 @@
             <a:prstGeom prst="straightConnector1">
               <a:avLst/>
             </a:prstGeom>
-            <a:ln w="25400">
+            <a:ln w="19050">
               <a:solidFill>
                 <a:srgbClr val="0070C0"/>
               </a:solidFill>
@@ -14302,7 +14260,7 @@
             <a:prstGeom prst="straightConnector1">
               <a:avLst/>
             </a:prstGeom>
-            <a:ln w="25400">
+            <a:ln w="19050">
               <a:solidFill>
                 <a:srgbClr val="0070C0"/>
               </a:solidFill>
@@ -14349,7 +14307,7 @@
             <a:prstGeom prst="straightConnector1">
               <a:avLst/>
             </a:prstGeom>
-            <a:ln w="25400">
+            <a:ln w="19050">
               <a:solidFill>
                 <a:srgbClr val="0070C0"/>
               </a:solidFill>
@@ -14398,7 +14356,7 @@
                 <a:gd name="adj1" fmla="val 50000"/>
               </a:avLst>
             </a:prstGeom>
-            <a:ln w="25400">
+            <a:ln w="19050">
               <a:solidFill>
                 <a:srgbClr val="0070C0"/>
               </a:solidFill>
@@ -14445,7 +14403,7 @@
             <a:prstGeom prst="straightConnector1">
               <a:avLst/>
             </a:prstGeom>
-            <a:ln w="25400">
+            <a:ln w="19050">
               <a:solidFill>
                 <a:srgbClr val="0070C0"/>
               </a:solidFill>
@@ -14492,7 +14450,7 @@
             <a:prstGeom prst="straightConnector1">
               <a:avLst/>
             </a:prstGeom>
-            <a:ln w="25400">
+            <a:ln w="19050">
               <a:solidFill>
                 <a:srgbClr val="0070C0"/>
               </a:solidFill>
@@ -14739,7 +14697,7 @@
             <a:prstGeom prst="straightConnector1">
               <a:avLst/>
             </a:prstGeom>
-            <a:ln w="25400">
+            <a:ln w="19050">
               <a:solidFill>
                 <a:srgbClr val="0070C0"/>
               </a:solidFill>
@@ -14786,7 +14744,7 @@
             <a:prstGeom prst="straightConnector1">
               <a:avLst/>
             </a:prstGeom>
-            <a:ln w="25400">
+            <a:ln w="19050">
               <a:solidFill>
                 <a:srgbClr val="0070C0"/>
               </a:solidFill>
@@ -14877,733 +14835,654 @@
             </a:p>
           </p:txBody>
         </p:sp>
-        <p:grpSp>
-          <p:nvGrpSpPr>
-            <p:cNvPr id="2" name="Group 1">
+        <p:sp>
+          <p:nvSpPr>
+            <p:cNvPr id="3" name="矩形 3">
               <a:extLst>
                 <a:ext uri="{FF2B5EF4-FFF2-40B4-BE49-F238E27FC236}">
-                  <a16:creationId xmlns:a16="http://schemas.microsoft.com/office/drawing/2014/main" id="{5E76F9EC-E320-90AE-75BD-3038FD4D8ABC}"/>
+                  <a16:creationId xmlns:a16="http://schemas.microsoft.com/office/drawing/2014/main" id="{8F12623E-F63D-0BAD-DD63-3F5BA94932D1}"/>
                 </a:ext>
               </a:extLst>
             </p:cNvPr>
-            <p:cNvGrpSpPr/>
+            <p:cNvSpPr/>
             <p:nvPr/>
-          </p:nvGrpSpPr>
-          <p:grpSpPr>
+          </p:nvSpPr>
+          <p:spPr>
             <a:xfrm>
-              <a:off x="1712524" y="947409"/>
-              <a:ext cx="1577684" cy="652396"/>
-              <a:chOff x="6743980" y="2882432"/>
-              <a:chExt cx="2116478" cy="870527"/>
+              <a:off x="1712524" y="1271117"/>
+              <a:ext cx="1577684" cy="328688"/>
             </a:xfrm>
-          </p:grpSpPr>
-          <p:sp>
-            <p:nvSpPr>
-              <p:cNvPr id="3" name="矩形 3">
-                <a:extLst>
-                  <a:ext uri="{FF2B5EF4-FFF2-40B4-BE49-F238E27FC236}">
-                    <a16:creationId xmlns:a16="http://schemas.microsoft.com/office/drawing/2014/main" id="{8F12623E-F63D-0BAD-DD63-3F5BA94932D1}"/>
-                  </a:ext>
-                </a:extLst>
-              </p:cNvPr>
-              <p:cNvSpPr/>
-              <p:nvPr/>
-            </p:nvSpPr>
-            <p:spPr>
-              <a:xfrm>
-                <a:off x="6743980" y="3314373"/>
-                <a:ext cx="2116478" cy="438586"/>
-              </a:xfrm>
-              <a:prstGeom prst="rect">
-                <a:avLst/>
-              </a:prstGeom>
-              <a:noFill/>
-              <a:ln w="25400">
-                <a:solidFill>
-                  <a:schemeClr val="tx1"/>
-                </a:solidFill>
-              </a:ln>
-            </p:spPr>
-            <p:style>
-              <a:lnRef idx="2">
-                <a:schemeClr val="accent2">
-                  <a:shade val="50000"/>
-                </a:schemeClr>
-              </a:lnRef>
-              <a:fillRef idx="1">
-                <a:schemeClr val="accent2"/>
-              </a:fillRef>
-              <a:effectRef idx="0">
-                <a:schemeClr val="accent2"/>
-              </a:effectRef>
-              <a:fontRef idx="minor">
-                <a:schemeClr val="lt1"/>
-              </a:fontRef>
-            </p:style>
-            <p:txBody>
-              <a:bodyPr rtlCol="0" anchor="ctr"/>
-              <a:lstStyle/>
-              <a:p>
-                <a:pPr algn="ctr"/>
-                <a:r>
-                  <a:rPr kumimoji="1" lang="en-US" altLang="zh-CN" sz="1100" b="1" dirty="0" err="1">
-                    <a:solidFill>
-                      <a:sysClr val="windowText" lastClr="000000"/>
-                    </a:solidFill>
-                    <a:latin typeface="DengXian" panose="02010600030101010101" pitchFamily="2" charset="-122"/>
-                    <a:ea typeface="DengXian" panose="02010600030101010101" pitchFamily="2" charset="-122"/>
-                  </a:rPr>
-                  <a:t>person</a:t>
-                </a:r>
-                <a:r>
-                  <a:rPr kumimoji="1" lang="en-US" altLang="zh-CN" sz="1100" dirty="0" err="1">
-                    <a:solidFill>
-                      <a:sysClr val="windowText" lastClr="000000"/>
-                    </a:solidFill>
-                    <a:latin typeface="DengXian" panose="02010600030101010101" pitchFamily="2" charset="-122"/>
-                    <a:ea typeface="DengXian" panose="02010600030101010101" pitchFamily="2" charset="-122"/>
-                  </a:rPr>
-                  <a:t>.id</a:t>
-                </a:r>
-                <a:r>
-                  <a:rPr kumimoji="1" lang="en-US" altLang="zh-CN" sz="1100" dirty="0">
-                    <a:solidFill>
-                      <a:sysClr val="windowText" lastClr="000000"/>
-                    </a:solidFill>
-                    <a:latin typeface="DengXian" panose="02010600030101010101" pitchFamily="2" charset="-122"/>
-                    <a:ea typeface="DengXian" panose="02010600030101010101" pitchFamily="2" charset="-122"/>
-                  </a:rPr>
-                  <a:t>:</a:t>
-                </a:r>
-                <a:r>
-                  <a:rPr kumimoji="1" lang="zh-CN" altLang="en-US" sz="1100" dirty="0">
-                    <a:solidFill>
-                      <a:sysClr val="windowText" lastClr="000000"/>
-                    </a:solidFill>
-                    <a:latin typeface="DengXian" panose="02010600030101010101" pitchFamily="2" charset="-122"/>
-                    <a:ea typeface="DengXian" panose="02010600030101010101" pitchFamily="2" charset="-122"/>
-                  </a:rPr>
-                  <a:t> </a:t>
-                </a:r>
-                <a:r>
-                  <a:rPr kumimoji="1" lang="en-US" altLang="zh-CN" sz="1100" dirty="0">
-                    <a:solidFill>
-                      <a:sysClr val="windowText" lastClr="000000"/>
-                    </a:solidFill>
-                    <a:latin typeface="DengXian" panose="02010600030101010101" pitchFamily="2" charset="-122"/>
-                    <a:ea typeface="DengXian" panose="02010600030101010101" pitchFamily="2" charset="-122"/>
-                  </a:rPr>
-                  <a:t>${</a:t>
-                </a:r>
-                <a:r>
-                  <a:rPr kumimoji="1" lang="en-US" altLang="zh-CN" sz="1100" dirty="0" err="1">
-                    <a:solidFill>
-                      <a:sysClr val="windowText" lastClr="000000"/>
-                    </a:solidFill>
-                    <a:latin typeface="DengXian" panose="02010600030101010101" pitchFamily="2" charset="-122"/>
-                    <a:ea typeface="DengXian" panose="02010600030101010101" pitchFamily="2" charset="-122"/>
-                  </a:rPr>
-                  <a:t>srcId</a:t>
-                </a:r>
-                <a:r>
-                  <a:rPr kumimoji="1" lang="en-US" altLang="zh-CN" sz="1100" dirty="0">
-                    <a:solidFill>
-                      <a:sysClr val="windowText" lastClr="000000"/>
-                    </a:solidFill>
-                    <a:latin typeface="DengXian" panose="02010600030101010101" pitchFamily="2" charset="-122"/>
-                    <a:ea typeface="DengXian" panose="02010600030101010101" pitchFamily="2" charset="-122"/>
-                  </a:rPr>
-                  <a:t>}</a:t>
-                </a:r>
-                <a:endParaRPr kumimoji="1" lang="zh-CN" altLang="en-US" sz="1100" dirty="0">
+            <a:prstGeom prst="rect">
+              <a:avLst/>
+            </a:prstGeom>
+            <a:noFill/>
+            <a:ln w="25400">
+              <a:solidFill>
+                <a:schemeClr val="tx1"/>
+              </a:solidFill>
+            </a:ln>
+          </p:spPr>
+          <p:style>
+            <a:lnRef idx="2">
+              <a:schemeClr val="accent2">
+                <a:shade val="50000"/>
+              </a:schemeClr>
+            </a:lnRef>
+            <a:fillRef idx="1">
+              <a:schemeClr val="accent2"/>
+            </a:fillRef>
+            <a:effectRef idx="0">
+              <a:schemeClr val="accent2"/>
+            </a:effectRef>
+            <a:fontRef idx="minor">
+              <a:schemeClr val="lt1"/>
+            </a:fontRef>
+          </p:style>
+          <p:txBody>
+            <a:bodyPr rtlCol="0" anchor="ctr"/>
+            <a:lstStyle/>
+            <a:p>
+              <a:pPr algn="ctr"/>
+              <a:r>
+                <a:rPr kumimoji="1" lang="en-US" altLang="zh-CN" sz="1100" b="1" dirty="0" err="1">
                   <a:solidFill>
                     <a:sysClr val="windowText" lastClr="000000"/>
                   </a:solidFill>
                   <a:latin typeface="DengXian" panose="02010600030101010101" pitchFamily="2" charset="-122"/>
                   <a:ea typeface="DengXian" panose="02010600030101010101" pitchFamily="2" charset="-122"/>
-                </a:endParaRPr>
-              </a:p>
-            </p:txBody>
-          </p:sp>
-          <p:sp>
-            <p:nvSpPr>
-              <p:cNvPr id="5" name="矩形 9">
-                <a:extLst>
-                  <a:ext uri="{FF2B5EF4-FFF2-40B4-BE49-F238E27FC236}">
-                    <a16:creationId xmlns:a16="http://schemas.microsoft.com/office/drawing/2014/main" id="{50FEE619-02E9-8DC5-D5C2-A25879926CC7}"/>
-                  </a:ext>
-                </a:extLst>
-              </p:cNvPr>
-              <p:cNvSpPr/>
-              <p:nvPr/>
-            </p:nvSpPr>
-            <p:spPr>
-              <a:xfrm>
-                <a:off x="6743980" y="2882432"/>
-                <a:ext cx="2116478" cy="438592"/>
-              </a:xfrm>
-              <a:prstGeom prst="rect">
-                <a:avLst/>
-              </a:prstGeom>
-              <a:solidFill>
-                <a:schemeClr val="accent6">
-                  <a:lumMod val="60000"/>
-                  <a:lumOff val="40000"/>
-                </a:schemeClr>
-              </a:solidFill>
-              <a:ln w="25400">
+                </a:rPr>
+                <a:t>person</a:t>
+              </a:r>
+              <a:r>
+                <a:rPr kumimoji="1" lang="en-US" altLang="zh-CN" sz="1100" dirty="0" err="1">
+                  <a:solidFill>
+                    <a:sysClr val="windowText" lastClr="000000"/>
+                  </a:solidFill>
+                  <a:latin typeface="DengXian" panose="02010600030101010101" pitchFamily="2" charset="-122"/>
+                  <a:ea typeface="DengXian" panose="02010600030101010101" pitchFamily="2" charset="-122"/>
+                </a:rPr>
+                <a:t>.id</a:t>
+              </a:r>
+              <a:r>
+                <a:rPr kumimoji="1" lang="en-US" altLang="zh-CN" sz="1100" dirty="0">
+                  <a:solidFill>
+                    <a:sysClr val="windowText" lastClr="000000"/>
+                  </a:solidFill>
+                  <a:latin typeface="DengXian" panose="02010600030101010101" pitchFamily="2" charset="-122"/>
+                  <a:ea typeface="DengXian" panose="02010600030101010101" pitchFamily="2" charset="-122"/>
+                </a:rPr>
+                <a:t>:</a:t>
+              </a:r>
+              <a:r>
+                <a:rPr kumimoji="1" lang="zh-CN" altLang="en-US" sz="1100" dirty="0">
+                  <a:solidFill>
+                    <a:sysClr val="windowText" lastClr="000000"/>
+                  </a:solidFill>
+                  <a:latin typeface="DengXian" panose="02010600030101010101" pitchFamily="2" charset="-122"/>
+                  <a:ea typeface="DengXian" panose="02010600030101010101" pitchFamily="2" charset="-122"/>
+                </a:rPr>
+                <a:t> </a:t>
+              </a:r>
+              <a:r>
+                <a:rPr kumimoji="1" lang="en-US" altLang="zh-CN" sz="1100" dirty="0">
+                  <a:solidFill>
+                    <a:sysClr val="windowText" lastClr="000000"/>
+                  </a:solidFill>
+                  <a:latin typeface="DengXian" panose="02010600030101010101" pitchFamily="2" charset="-122"/>
+                  <a:ea typeface="DengXian" panose="02010600030101010101" pitchFamily="2" charset="-122"/>
+                </a:rPr>
+                <a:t>${</a:t>
+              </a:r>
+              <a:r>
+                <a:rPr kumimoji="1" lang="en-US" altLang="zh-CN" sz="1100" dirty="0" err="1">
+                  <a:solidFill>
+                    <a:sysClr val="windowText" lastClr="000000"/>
+                  </a:solidFill>
+                  <a:latin typeface="DengXian" panose="02010600030101010101" pitchFamily="2" charset="-122"/>
+                  <a:ea typeface="DengXian" panose="02010600030101010101" pitchFamily="2" charset="-122"/>
+                </a:rPr>
+                <a:t>srcId</a:t>
+              </a:r>
+              <a:r>
+                <a:rPr kumimoji="1" lang="en-US" altLang="zh-CN" sz="1100" dirty="0">
+                  <a:solidFill>
+                    <a:sysClr val="windowText" lastClr="000000"/>
+                  </a:solidFill>
+                  <a:latin typeface="DengXian" panose="02010600030101010101" pitchFamily="2" charset="-122"/>
+                  <a:ea typeface="DengXian" panose="02010600030101010101" pitchFamily="2" charset="-122"/>
+                </a:rPr>
+                <a:t>}</a:t>
+              </a:r>
+              <a:endParaRPr kumimoji="1" lang="zh-CN" altLang="en-US" sz="1100" dirty="0">
                 <a:solidFill>
-                  <a:schemeClr val="tx1"/>
+                  <a:sysClr val="windowText" lastClr="000000"/>
                 </a:solidFill>
-              </a:ln>
-            </p:spPr>
-            <p:style>
-              <a:lnRef idx="2">
-                <a:schemeClr val="accent2">
-                  <a:shade val="50000"/>
-                </a:schemeClr>
-              </a:lnRef>
-              <a:fillRef idx="1">
-                <a:schemeClr val="accent2"/>
-              </a:fillRef>
-              <a:effectRef idx="0">
-                <a:schemeClr val="accent2"/>
-              </a:effectRef>
-              <a:fontRef idx="minor">
-                <a:schemeClr val="lt1"/>
-              </a:fontRef>
-            </p:style>
-            <p:txBody>
-              <a:bodyPr rtlCol="0" anchor="ctr"/>
-              <a:lstStyle/>
-              <a:p>
-                <a:pPr algn="ctr"/>
-                <a:r>
-                  <a:rPr kumimoji="1" lang="en-US" altLang="zh-CN" sz="1100" b="1" dirty="0">
-                    <a:solidFill>
-                      <a:sysClr val="windowText" lastClr="000000"/>
-                    </a:solidFill>
-                  </a:rPr>
-                  <a:t>person</a:t>
-                </a:r>
-                <a:r>
-                  <a:rPr kumimoji="1" lang="zh-CN" altLang="en-US" sz="1100" dirty="0">
-                    <a:solidFill>
-                      <a:sysClr val="windowText" lastClr="000000"/>
-                    </a:solidFill>
-                  </a:rPr>
-                  <a:t> </a:t>
-                </a:r>
-                <a:r>
-                  <a:rPr kumimoji="1" lang="en-US" altLang="zh-CN" sz="1100" dirty="0">
-                    <a:solidFill>
-                      <a:sysClr val="windowText" lastClr="000000"/>
-                    </a:solidFill>
-                  </a:rPr>
-                  <a:t>:</a:t>
-                </a:r>
-                <a:r>
-                  <a:rPr kumimoji="1" lang="zh-CN" altLang="en-US" sz="1100" dirty="0">
-                    <a:solidFill>
-                      <a:sysClr val="windowText" lastClr="000000"/>
-                    </a:solidFill>
-                  </a:rPr>
-                  <a:t> </a:t>
-                </a:r>
-                <a:r>
-                  <a:rPr kumimoji="1" lang="en-US" altLang="zh-CN" sz="1100" dirty="0">
-                    <a:solidFill>
-                      <a:sysClr val="windowText" lastClr="000000"/>
-                    </a:solidFill>
-                  </a:rPr>
-                  <a:t>Person</a:t>
-                </a:r>
-                <a:endParaRPr kumimoji="1" lang="zh-CN" altLang="en-US" sz="1100" dirty="0">
-                  <a:solidFill>
-                    <a:sysClr val="windowText" lastClr="000000"/>
-                  </a:solidFill>
-                </a:endParaRPr>
-              </a:p>
-            </p:txBody>
-          </p:sp>
-        </p:grpSp>
-        <p:grpSp>
-          <p:nvGrpSpPr>
-            <p:cNvPr id="7" name="Group 6">
+                <a:latin typeface="DengXian" panose="02010600030101010101" pitchFamily="2" charset="-122"/>
+                <a:ea typeface="DengXian" panose="02010600030101010101" pitchFamily="2" charset="-122"/>
+              </a:endParaRPr>
+            </a:p>
+          </p:txBody>
+        </p:sp>
+        <p:sp>
+          <p:nvSpPr>
+            <p:cNvPr id="5" name="矩形 9">
               <a:extLst>
                 <a:ext uri="{FF2B5EF4-FFF2-40B4-BE49-F238E27FC236}">
-                  <a16:creationId xmlns:a16="http://schemas.microsoft.com/office/drawing/2014/main" id="{BD010806-E46F-F21B-D1AB-2B10C38987A7}"/>
+                  <a16:creationId xmlns:a16="http://schemas.microsoft.com/office/drawing/2014/main" id="{50FEE619-02E9-8DC5-D5C2-A25879926CC7}"/>
                 </a:ext>
               </a:extLst>
             </p:cNvPr>
-            <p:cNvGrpSpPr/>
+            <p:cNvSpPr/>
             <p:nvPr/>
-          </p:nvGrpSpPr>
-          <p:grpSpPr>
+          </p:nvSpPr>
+          <p:spPr>
             <a:xfrm>
-              <a:off x="4203656" y="945452"/>
-              <a:ext cx="1577684" cy="652396"/>
-              <a:chOff x="6743980" y="2882432"/>
-              <a:chExt cx="2116478" cy="870527"/>
+              <a:off x="1712524" y="947409"/>
+              <a:ext cx="1577684" cy="328692"/>
             </a:xfrm>
-          </p:grpSpPr>
-          <p:sp>
-            <p:nvSpPr>
-              <p:cNvPr id="21" name="矩形 3">
-                <a:extLst>
-                  <a:ext uri="{FF2B5EF4-FFF2-40B4-BE49-F238E27FC236}">
-                    <a16:creationId xmlns:a16="http://schemas.microsoft.com/office/drawing/2014/main" id="{1236B52D-95B6-4831-E01E-EF4988530D4F}"/>
-                  </a:ext>
-                </a:extLst>
-              </p:cNvPr>
-              <p:cNvSpPr/>
-              <p:nvPr/>
-            </p:nvSpPr>
-            <p:spPr>
-              <a:xfrm>
-                <a:off x="6743980" y="3314373"/>
-                <a:ext cx="2116478" cy="438586"/>
-              </a:xfrm>
-              <a:prstGeom prst="rect">
-                <a:avLst/>
-              </a:prstGeom>
-              <a:noFill/>
-              <a:ln w="25400">
+            <a:prstGeom prst="rect">
+              <a:avLst/>
+            </a:prstGeom>
+            <a:solidFill>
+              <a:schemeClr val="accent6">
+                <a:lumMod val="60000"/>
+                <a:lumOff val="40000"/>
+              </a:schemeClr>
+            </a:solidFill>
+            <a:ln w="25400">
+              <a:solidFill>
+                <a:schemeClr val="tx1"/>
+              </a:solidFill>
+            </a:ln>
+          </p:spPr>
+          <p:style>
+            <a:lnRef idx="2">
+              <a:schemeClr val="accent2">
+                <a:shade val="50000"/>
+              </a:schemeClr>
+            </a:lnRef>
+            <a:fillRef idx="1">
+              <a:schemeClr val="accent2"/>
+            </a:fillRef>
+            <a:effectRef idx="0">
+              <a:schemeClr val="accent2"/>
+            </a:effectRef>
+            <a:fontRef idx="minor">
+              <a:schemeClr val="lt1"/>
+            </a:fontRef>
+          </p:style>
+          <p:txBody>
+            <a:bodyPr rtlCol="0" anchor="ctr"/>
+            <a:lstStyle/>
+            <a:p>
+              <a:pPr algn="ctr"/>
+              <a:r>
+                <a:rPr kumimoji="1" lang="en-US" altLang="zh-CN" sz="1100" b="1" dirty="0">
+                  <a:solidFill>
+                    <a:sysClr val="windowText" lastClr="000000"/>
+                  </a:solidFill>
+                </a:rPr>
+                <a:t>person1</a:t>
+              </a:r>
+              <a:r>
+                <a:rPr kumimoji="1" lang="en-US" altLang="zh-CN" sz="1100" dirty="0">
+                  <a:solidFill>
+                    <a:sysClr val="windowText" lastClr="000000"/>
+                  </a:solidFill>
+                </a:rPr>
+                <a:t>:</a:t>
+              </a:r>
+              <a:r>
+                <a:rPr kumimoji="1" lang="zh-CN" altLang="en-US" sz="1100" dirty="0">
+                  <a:solidFill>
+                    <a:sysClr val="windowText" lastClr="000000"/>
+                  </a:solidFill>
+                </a:rPr>
+                <a:t> </a:t>
+              </a:r>
+              <a:r>
+                <a:rPr kumimoji="1" lang="en-US" altLang="zh-CN" sz="1100" dirty="0">
+                  <a:solidFill>
+                    <a:sysClr val="windowText" lastClr="000000"/>
+                  </a:solidFill>
+                </a:rPr>
+                <a:t>Person</a:t>
+              </a:r>
+              <a:endParaRPr kumimoji="1" lang="zh-CN" altLang="en-US" sz="1100" dirty="0">
                 <a:solidFill>
-                  <a:schemeClr val="tx1"/>
+                  <a:sysClr val="windowText" lastClr="000000"/>
                 </a:solidFill>
-              </a:ln>
-            </p:spPr>
-            <p:style>
-              <a:lnRef idx="2">
-                <a:schemeClr val="accent2">
-                  <a:shade val="50000"/>
-                </a:schemeClr>
-              </a:lnRef>
-              <a:fillRef idx="1">
-                <a:schemeClr val="accent2"/>
-              </a:fillRef>
-              <a:effectRef idx="0">
-                <a:schemeClr val="accent2"/>
-              </a:effectRef>
-              <a:fontRef idx="minor">
-                <a:schemeClr val="lt1"/>
-              </a:fontRef>
-            </p:style>
-            <p:txBody>
-              <a:bodyPr rtlCol="0" anchor="ctr"/>
-              <a:lstStyle/>
-              <a:p>
-                <a:pPr algn="ctr"/>
-                <a:r>
-                  <a:rPr kumimoji="1" lang="en-US" altLang="zh-CN" sz="1100" b="1" dirty="0" err="1">
-                    <a:solidFill>
-                      <a:sysClr val="windowText" lastClr="000000"/>
-                    </a:solidFill>
-                    <a:latin typeface="DengXian" panose="02010600030101010101" pitchFamily="2" charset="-122"/>
-                    <a:ea typeface="DengXian" panose="02010600030101010101" pitchFamily="2" charset="-122"/>
-                  </a:rPr>
-                  <a:t>person</a:t>
-                </a:r>
-                <a:r>
-                  <a:rPr kumimoji="1" lang="en-US" altLang="zh-CN" sz="1100" dirty="0" err="1">
-                    <a:solidFill>
-                      <a:sysClr val="windowText" lastClr="000000"/>
-                    </a:solidFill>
-                    <a:latin typeface="DengXian" panose="02010600030101010101" pitchFamily="2" charset="-122"/>
-                    <a:ea typeface="DengXian" panose="02010600030101010101" pitchFamily="2" charset="-122"/>
-                  </a:rPr>
-                  <a:t>.id</a:t>
-                </a:r>
-                <a:r>
-                  <a:rPr kumimoji="1" lang="en-US" altLang="zh-CN" sz="1100" dirty="0">
-                    <a:solidFill>
-                      <a:sysClr val="windowText" lastClr="000000"/>
-                    </a:solidFill>
-                    <a:latin typeface="DengXian" panose="02010600030101010101" pitchFamily="2" charset="-122"/>
-                    <a:ea typeface="DengXian" panose="02010600030101010101" pitchFamily="2" charset="-122"/>
-                  </a:rPr>
-                  <a:t>:</a:t>
-                </a:r>
-                <a:r>
-                  <a:rPr kumimoji="1" lang="zh-CN" altLang="en-US" sz="1100" dirty="0">
-                    <a:solidFill>
-                      <a:sysClr val="windowText" lastClr="000000"/>
-                    </a:solidFill>
-                    <a:latin typeface="DengXian" panose="02010600030101010101" pitchFamily="2" charset="-122"/>
-                    <a:ea typeface="DengXian" panose="02010600030101010101" pitchFamily="2" charset="-122"/>
-                  </a:rPr>
-                  <a:t> </a:t>
-                </a:r>
-                <a:r>
-                  <a:rPr kumimoji="1" lang="en-US" altLang="zh-CN" sz="1100" dirty="0">
-                    <a:solidFill>
-                      <a:sysClr val="windowText" lastClr="000000"/>
-                    </a:solidFill>
-                    <a:latin typeface="DengXian" panose="02010600030101010101" pitchFamily="2" charset="-122"/>
-                    <a:ea typeface="DengXian" panose="02010600030101010101" pitchFamily="2" charset="-122"/>
-                  </a:rPr>
-                  <a:t>${</a:t>
-                </a:r>
-                <a:r>
-                  <a:rPr kumimoji="1" lang="en-US" altLang="zh-CN" sz="1100" dirty="0" err="1">
-                    <a:solidFill>
-                      <a:sysClr val="windowText" lastClr="000000"/>
-                    </a:solidFill>
-                    <a:latin typeface="DengXian" panose="02010600030101010101" pitchFamily="2" charset="-122"/>
-                    <a:ea typeface="DengXian" panose="02010600030101010101" pitchFamily="2" charset="-122"/>
-                  </a:rPr>
-                  <a:t>dstId</a:t>
-                </a:r>
-                <a:r>
-                  <a:rPr kumimoji="1" lang="en-US" altLang="zh-CN" sz="1100" dirty="0">
-                    <a:solidFill>
-                      <a:sysClr val="windowText" lastClr="000000"/>
-                    </a:solidFill>
-                    <a:latin typeface="DengXian" panose="02010600030101010101" pitchFamily="2" charset="-122"/>
-                    <a:ea typeface="DengXian" panose="02010600030101010101" pitchFamily="2" charset="-122"/>
-                  </a:rPr>
-                  <a:t>}</a:t>
-                </a:r>
-                <a:endParaRPr kumimoji="1" lang="zh-CN" altLang="en-US" sz="1100" dirty="0">
-                  <a:solidFill>
-                    <a:sysClr val="windowText" lastClr="000000"/>
-                  </a:solidFill>
-                  <a:latin typeface="DengXian" panose="02010600030101010101" pitchFamily="2" charset="-122"/>
-                  <a:ea typeface="DengXian" panose="02010600030101010101" pitchFamily="2" charset="-122"/>
-                </a:endParaRPr>
-              </a:p>
-            </p:txBody>
-          </p:sp>
-          <p:sp>
-            <p:nvSpPr>
-              <p:cNvPr id="22" name="矩形 9">
-                <a:extLst>
-                  <a:ext uri="{FF2B5EF4-FFF2-40B4-BE49-F238E27FC236}">
-                    <a16:creationId xmlns:a16="http://schemas.microsoft.com/office/drawing/2014/main" id="{101B88CC-D5B6-36EC-4F9D-417DDAE3ED99}"/>
-                  </a:ext>
-                </a:extLst>
-              </p:cNvPr>
-              <p:cNvSpPr/>
-              <p:nvPr/>
-            </p:nvSpPr>
-            <p:spPr>
-              <a:xfrm>
-                <a:off x="6743980" y="2882432"/>
-                <a:ext cx="2116478" cy="438592"/>
-              </a:xfrm>
-              <a:prstGeom prst="rect">
-                <a:avLst/>
-              </a:prstGeom>
-              <a:solidFill>
-                <a:schemeClr val="accent6">
-                  <a:lumMod val="60000"/>
-                  <a:lumOff val="40000"/>
-                </a:schemeClr>
-              </a:solidFill>
-              <a:ln w="25400">
-                <a:solidFill>
-                  <a:schemeClr val="tx1"/>
-                </a:solidFill>
-              </a:ln>
-            </p:spPr>
-            <p:style>
-              <a:lnRef idx="2">
-                <a:schemeClr val="accent2">
-                  <a:shade val="50000"/>
-                </a:schemeClr>
-              </a:lnRef>
-              <a:fillRef idx="1">
-                <a:schemeClr val="accent2"/>
-              </a:fillRef>
-              <a:effectRef idx="0">
-                <a:schemeClr val="accent2"/>
-              </a:effectRef>
-              <a:fontRef idx="minor">
-                <a:schemeClr val="lt1"/>
-              </a:fontRef>
-            </p:style>
-            <p:txBody>
-              <a:bodyPr rtlCol="0" anchor="ctr"/>
-              <a:lstStyle/>
-              <a:p>
-                <a:pPr algn="ctr"/>
-                <a:r>
-                  <a:rPr kumimoji="1" lang="en-US" altLang="zh-CN" sz="1100" b="1" dirty="0">
-                    <a:solidFill>
-                      <a:sysClr val="windowText" lastClr="000000"/>
-                    </a:solidFill>
-                  </a:rPr>
-                  <a:t>person</a:t>
-                </a:r>
-                <a:r>
-                  <a:rPr kumimoji="1" lang="zh-CN" altLang="en-US" sz="1100" dirty="0">
-                    <a:solidFill>
-                      <a:sysClr val="windowText" lastClr="000000"/>
-                    </a:solidFill>
-                  </a:rPr>
-                  <a:t> </a:t>
-                </a:r>
-                <a:r>
-                  <a:rPr kumimoji="1" lang="en-US" altLang="zh-CN" sz="1100" dirty="0">
-                    <a:solidFill>
-                      <a:sysClr val="windowText" lastClr="000000"/>
-                    </a:solidFill>
-                  </a:rPr>
-                  <a:t>:</a:t>
-                </a:r>
-                <a:r>
-                  <a:rPr kumimoji="1" lang="zh-CN" altLang="en-US" sz="1100" dirty="0">
-                    <a:solidFill>
-                      <a:sysClr val="windowText" lastClr="000000"/>
-                    </a:solidFill>
-                  </a:rPr>
-                  <a:t> </a:t>
-                </a:r>
-                <a:r>
-                  <a:rPr kumimoji="1" lang="en-US" altLang="zh-CN" sz="1100" dirty="0">
-                    <a:solidFill>
-                      <a:sysClr val="windowText" lastClr="000000"/>
-                    </a:solidFill>
-                  </a:rPr>
-                  <a:t>Person</a:t>
-                </a:r>
-                <a:endParaRPr kumimoji="1" lang="zh-CN" altLang="en-US" sz="1100" dirty="0">
-                  <a:solidFill>
-                    <a:sysClr val="windowText" lastClr="000000"/>
-                  </a:solidFill>
-                </a:endParaRPr>
-              </a:p>
-            </p:txBody>
-          </p:sp>
-        </p:grpSp>
-        <p:grpSp>
-          <p:nvGrpSpPr>
-            <p:cNvPr id="25" name="Group 24">
+              </a:endParaRPr>
+            </a:p>
+          </p:txBody>
+        </p:sp>
+        <p:sp>
+          <p:nvSpPr>
+            <p:cNvPr id="21" name="矩形 3">
               <a:extLst>
                 <a:ext uri="{FF2B5EF4-FFF2-40B4-BE49-F238E27FC236}">
-                  <a16:creationId xmlns:a16="http://schemas.microsoft.com/office/drawing/2014/main" id="{4423D10F-F3B0-39F5-180C-6A27E93831E7}"/>
+                  <a16:creationId xmlns:a16="http://schemas.microsoft.com/office/drawing/2014/main" id="{1236B52D-95B6-4831-E01E-EF4988530D4F}"/>
                 </a:ext>
               </a:extLst>
             </p:cNvPr>
-            <p:cNvGrpSpPr/>
+            <p:cNvSpPr/>
             <p:nvPr/>
-          </p:nvGrpSpPr>
-          <p:grpSpPr>
+          </p:nvSpPr>
+          <p:spPr>
+            <a:xfrm>
+              <a:off x="4203656" y="1269160"/>
+              <a:ext cx="1577684" cy="328688"/>
+            </a:xfrm>
+            <a:prstGeom prst="rect">
+              <a:avLst/>
+            </a:prstGeom>
+            <a:noFill/>
+            <a:ln w="25400">
+              <a:solidFill>
+                <a:schemeClr val="tx1"/>
+              </a:solidFill>
+            </a:ln>
+          </p:spPr>
+          <p:style>
+            <a:lnRef idx="2">
+              <a:schemeClr val="accent2">
+                <a:shade val="50000"/>
+              </a:schemeClr>
+            </a:lnRef>
+            <a:fillRef idx="1">
+              <a:schemeClr val="accent2"/>
+            </a:fillRef>
+            <a:effectRef idx="0">
+              <a:schemeClr val="accent2"/>
+            </a:effectRef>
+            <a:fontRef idx="minor">
+              <a:schemeClr val="lt1"/>
+            </a:fontRef>
+          </p:style>
+          <p:txBody>
+            <a:bodyPr rtlCol="0" anchor="ctr"/>
+            <a:lstStyle/>
+            <a:p>
+              <a:pPr algn="ctr"/>
+              <a:r>
+                <a:rPr kumimoji="1" lang="en-US" altLang="zh-CN" sz="1100" b="1" dirty="0" err="1">
+                  <a:solidFill>
+                    <a:sysClr val="windowText" lastClr="000000"/>
+                  </a:solidFill>
+                  <a:latin typeface="DengXian" panose="02010600030101010101" pitchFamily="2" charset="-122"/>
+                  <a:ea typeface="DengXian" panose="02010600030101010101" pitchFamily="2" charset="-122"/>
+                </a:rPr>
+                <a:t>person</a:t>
+              </a:r>
+              <a:r>
+                <a:rPr kumimoji="1" lang="en-US" altLang="zh-CN" sz="1100" dirty="0" err="1">
+                  <a:solidFill>
+                    <a:sysClr val="windowText" lastClr="000000"/>
+                  </a:solidFill>
+                  <a:latin typeface="DengXian" panose="02010600030101010101" pitchFamily="2" charset="-122"/>
+                  <a:ea typeface="DengXian" panose="02010600030101010101" pitchFamily="2" charset="-122"/>
+                </a:rPr>
+                <a:t>.id</a:t>
+              </a:r>
+              <a:r>
+                <a:rPr kumimoji="1" lang="en-US" altLang="zh-CN" sz="1100" dirty="0">
+                  <a:solidFill>
+                    <a:sysClr val="windowText" lastClr="000000"/>
+                  </a:solidFill>
+                  <a:latin typeface="DengXian" panose="02010600030101010101" pitchFamily="2" charset="-122"/>
+                  <a:ea typeface="DengXian" panose="02010600030101010101" pitchFamily="2" charset="-122"/>
+                </a:rPr>
+                <a:t>:</a:t>
+              </a:r>
+              <a:r>
+                <a:rPr kumimoji="1" lang="zh-CN" altLang="en-US" sz="1100" dirty="0">
+                  <a:solidFill>
+                    <a:sysClr val="windowText" lastClr="000000"/>
+                  </a:solidFill>
+                  <a:latin typeface="DengXian" panose="02010600030101010101" pitchFamily="2" charset="-122"/>
+                  <a:ea typeface="DengXian" panose="02010600030101010101" pitchFamily="2" charset="-122"/>
+                </a:rPr>
+                <a:t> </a:t>
+              </a:r>
+              <a:r>
+                <a:rPr kumimoji="1" lang="en-US" altLang="zh-CN" sz="1100" dirty="0">
+                  <a:solidFill>
+                    <a:sysClr val="windowText" lastClr="000000"/>
+                  </a:solidFill>
+                  <a:latin typeface="DengXian" panose="02010600030101010101" pitchFamily="2" charset="-122"/>
+                  <a:ea typeface="DengXian" panose="02010600030101010101" pitchFamily="2" charset="-122"/>
+                </a:rPr>
+                <a:t>${</a:t>
+              </a:r>
+              <a:r>
+                <a:rPr kumimoji="1" lang="en-US" altLang="zh-CN" sz="1100" dirty="0" err="1">
+                  <a:solidFill>
+                    <a:sysClr val="windowText" lastClr="000000"/>
+                  </a:solidFill>
+                  <a:latin typeface="DengXian" panose="02010600030101010101" pitchFamily="2" charset="-122"/>
+                  <a:ea typeface="DengXian" panose="02010600030101010101" pitchFamily="2" charset="-122"/>
+                </a:rPr>
+                <a:t>dstId</a:t>
+              </a:r>
+              <a:r>
+                <a:rPr kumimoji="1" lang="en-US" altLang="zh-CN" sz="1100" dirty="0">
+                  <a:solidFill>
+                    <a:sysClr val="windowText" lastClr="000000"/>
+                  </a:solidFill>
+                  <a:latin typeface="DengXian" panose="02010600030101010101" pitchFamily="2" charset="-122"/>
+                  <a:ea typeface="DengXian" panose="02010600030101010101" pitchFamily="2" charset="-122"/>
+                </a:rPr>
+                <a:t>}</a:t>
+              </a:r>
+              <a:endParaRPr kumimoji="1" lang="zh-CN" altLang="en-US" sz="1100" dirty="0">
+                <a:solidFill>
+                  <a:sysClr val="windowText" lastClr="000000"/>
+                </a:solidFill>
+                <a:latin typeface="DengXian" panose="02010600030101010101" pitchFamily="2" charset="-122"/>
+                <a:ea typeface="DengXian" panose="02010600030101010101" pitchFamily="2" charset="-122"/>
+              </a:endParaRPr>
+            </a:p>
+          </p:txBody>
+        </p:sp>
+        <p:sp>
+          <p:nvSpPr>
+            <p:cNvPr id="22" name="矩形 9">
+              <a:extLst>
+                <a:ext uri="{FF2B5EF4-FFF2-40B4-BE49-F238E27FC236}">
+                  <a16:creationId xmlns:a16="http://schemas.microsoft.com/office/drawing/2014/main" id="{101B88CC-D5B6-36EC-4F9D-417DDAE3ED99}"/>
+                </a:ext>
+              </a:extLst>
+            </p:cNvPr>
+            <p:cNvSpPr/>
+            <p:nvPr/>
+          </p:nvSpPr>
+          <p:spPr>
+            <a:xfrm>
+              <a:off x="4203656" y="945452"/>
+              <a:ext cx="1577684" cy="328692"/>
+            </a:xfrm>
+            <a:prstGeom prst="rect">
+              <a:avLst/>
+            </a:prstGeom>
+            <a:solidFill>
+              <a:schemeClr val="accent6">
+                <a:lumMod val="60000"/>
+                <a:lumOff val="40000"/>
+              </a:schemeClr>
+            </a:solidFill>
+            <a:ln w="25400">
+              <a:solidFill>
+                <a:schemeClr val="tx1"/>
+              </a:solidFill>
+            </a:ln>
+          </p:spPr>
+          <p:style>
+            <a:lnRef idx="2">
+              <a:schemeClr val="accent2">
+                <a:shade val="50000"/>
+              </a:schemeClr>
+            </a:lnRef>
+            <a:fillRef idx="1">
+              <a:schemeClr val="accent2"/>
+            </a:fillRef>
+            <a:effectRef idx="0">
+              <a:schemeClr val="accent2"/>
+            </a:effectRef>
+            <a:fontRef idx="minor">
+              <a:schemeClr val="lt1"/>
+            </a:fontRef>
+          </p:style>
+          <p:txBody>
+            <a:bodyPr rtlCol="0" anchor="ctr"/>
+            <a:lstStyle/>
+            <a:p>
+              <a:pPr algn="ctr"/>
+              <a:r>
+                <a:rPr kumimoji="1" lang="en-US" altLang="zh-CN" sz="1100" b="1" dirty="0">
+                  <a:solidFill>
+                    <a:sysClr val="windowText" lastClr="000000"/>
+                  </a:solidFill>
+                </a:rPr>
+                <a:t>person2</a:t>
+              </a:r>
+              <a:r>
+                <a:rPr kumimoji="1" lang="en-US" altLang="zh-CN" sz="1100" dirty="0">
+                  <a:solidFill>
+                    <a:sysClr val="windowText" lastClr="000000"/>
+                  </a:solidFill>
+                </a:rPr>
+                <a:t>:</a:t>
+              </a:r>
+              <a:r>
+                <a:rPr kumimoji="1" lang="zh-CN" altLang="en-US" sz="1100" dirty="0">
+                  <a:solidFill>
+                    <a:sysClr val="windowText" lastClr="000000"/>
+                  </a:solidFill>
+                </a:rPr>
+                <a:t> </a:t>
+              </a:r>
+              <a:r>
+                <a:rPr kumimoji="1" lang="en-US" altLang="zh-CN" sz="1100" dirty="0">
+                  <a:solidFill>
+                    <a:sysClr val="windowText" lastClr="000000"/>
+                  </a:solidFill>
+                </a:rPr>
+                <a:t>Person</a:t>
+              </a:r>
+              <a:endParaRPr kumimoji="1" lang="zh-CN" altLang="en-US" sz="1100" dirty="0">
+                <a:solidFill>
+                  <a:sysClr val="windowText" lastClr="000000"/>
+                </a:solidFill>
+              </a:endParaRPr>
+            </a:p>
+          </p:txBody>
+        </p:sp>
+        <p:sp>
+          <p:nvSpPr>
+            <p:cNvPr id="32" name="矩形 4">
+              <a:extLst>
+                <a:ext uri="{FF2B5EF4-FFF2-40B4-BE49-F238E27FC236}">
+                  <a16:creationId xmlns:a16="http://schemas.microsoft.com/office/drawing/2014/main" id="{DFFFDB3A-0F2B-E642-A956-A46EA84F6231}"/>
+                </a:ext>
+              </a:extLst>
+            </p:cNvPr>
+            <p:cNvSpPr/>
+            <p:nvPr/>
+          </p:nvSpPr>
+          <p:spPr>
             <a:xfrm>
               <a:off x="1112901" y="2176526"/>
-              <a:ext cx="1542598" cy="749759"/>
-              <a:chOff x="1688770" y="3906297"/>
-              <a:chExt cx="1316761" cy="800069"/>
+              <a:ext cx="1542597" cy="403294"/>
             </a:xfrm>
-          </p:grpSpPr>
-          <p:sp>
-            <p:nvSpPr>
-              <p:cNvPr id="32" name="矩形 4">
-                <a:extLst>
-                  <a:ext uri="{FF2B5EF4-FFF2-40B4-BE49-F238E27FC236}">
-                    <a16:creationId xmlns:a16="http://schemas.microsoft.com/office/drawing/2014/main" id="{DFFFDB3A-0F2B-E642-A956-A46EA84F6231}"/>
-                  </a:ext>
-                </a:extLst>
-              </p:cNvPr>
-              <p:cNvSpPr/>
-              <p:nvPr/>
-            </p:nvSpPr>
-            <p:spPr>
-              <a:xfrm>
-                <a:off x="1688770" y="3906297"/>
-                <a:ext cx="1316760" cy="430356"/>
-              </a:xfrm>
-              <a:prstGeom prst="rect">
-                <a:avLst/>
-              </a:prstGeom>
+            <a:prstGeom prst="rect">
+              <a:avLst/>
+            </a:prstGeom>
+            <a:solidFill>
+              <a:schemeClr val="accent6">
+                <a:lumMod val="60000"/>
+                <a:lumOff val="40000"/>
+              </a:schemeClr>
+            </a:solidFill>
+            <a:ln w="28575">
               <a:solidFill>
-                <a:schemeClr val="accent6">
-                  <a:lumMod val="60000"/>
-                  <a:lumOff val="40000"/>
-                </a:schemeClr>
+                <a:schemeClr val="tx1"/>
               </a:solidFill>
-              <a:ln w="28575">
+            </a:ln>
+          </p:spPr>
+          <p:style>
+            <a:lnRef idx="2">
+              <a:schemeClr val="accent2">
+                <a:shade val="50000"/>
+              </a:schemeClr>
+            </a:lnRef>
+            <a:fillRef idx="1">
+              <a:schemeClr val="accent2"/>
+            </a:fillRef>
+            <a:effectRef idx="0">
+              <a:schemeClr val="accent2"/>
+            </a:effectRef>
+            <a:fontRef idx="minor">
+              <a:schemeClr val="lt1"/>
+            </a:fontRef>
+          </p:style>
+          <p:txBody>
+            <a:bodyPr rtlCol="0" anchor="ctr"/>
+            <a:lstStyle/>
+            <a:p>
+              <a:pPr algn="ctr"/>
+              <a:r>
+                <a:rPr kumimoji="1" lang="en-US" altLang="zh-CN" sz="1100" b="1" dirty="0">
+                  <a:solidFill>
+                    <a:sysClr val="windowText" lastClr="000000"/>
+                  </a:solidFill>
+                </a:rPr>
+                <a:t>person1:</a:t>
+              </a:r>
+              <a:r>
+                <a:rPr kumimoji="1" lang="zh-CN" altLang="en-US" sz="1100" b="1" dirty="0">
+                  <a:solidFill>
+                    <a:sysClr val="windowText" lastClr="000000"/>
+                  </a:solidFill>
+                </a:rPr>
+                <a:t> </a:t>
+              </a:r>
+              <a:r>
+                <a:rPr kumimoji="1" lang="en-US" altLang="zh-CN" sz="1100" dirty="0">
+                  <a:solidFill>
+                    <a:sysClr val="windowText" lastClr="000000"/>
+                  </a:solidFill>
+                </a:rPr>
+                <a:t>Person</a:t>
+              </a:r>
+              <a:endParaRPr kumimoji="1" lang="zh-CN" altLang="en-US" sz="1100" dirty="0">
                 <a:solidFill>
-                  <a:schemeClr val="tx1"/>
+                  <a:sysClr val="windowText" lastClr="000000"/>
                 </a:solidFill>
-              </a:ln>
-            </p:spPr>
-            <p:style>
-              <a:lnRef idx="2">
-                <a:schemeClr val="accent2">
-                  <a:shade val="50000"/>
-                </a:schemeClr>
-              </a:lnRef>
-              <a:fillRef idx="1">
-                <a:schemeClr val="accent2"/>
-              </a:fillRef>
-              <a:effectRef idx="0">
-                <a:schemeClr val="accent2"/>
-              </a:effectRef>
-              <a:fontRef idx="minor">
-                <a:schemeClr val="lt1"/>
-              </a:fontRef>
-            </p:style>
-            <p:txBody>
-              <a:bodyPr rtlCol="0" anchor="ctr"/>
-              <a:lstStyle/>
-              <a:p>
-                <a:pPr algn="ctr"/>
-                <a:r>
-                  <a:rPr kumimoji="1" lang="en-US" altLang="zh-CN" sz="1100" b="1" dirty="0">
-                    <a:solidFill>
-                      <a:sysClr val="windowText" lastClr="000000"/>
-                    </a:solidFill>
-                  </a:rPr>
-                  <a:t>person:</a:t>
-                </a:r>
-                <a:r>
-                  <a:rPr kumimoji="1" lang="zh-CN" altLang="en-US" sz="1100" b="1" dirty="0">
-                    <a:solidFill>
-                      <a:sysClr val="windowText" lastClr="000000"/>
-                    </a:solidFill>
-                  </a:rPr>
-                  <a:t> </a:t>
-                </a:r>
-                <a:r>
-                  <a:rPr kumimoji="1" lang="en-US" altLang="zh-CN" sz="1100" dirty="0">
-                    <a:solidFill>
-                      <a:sysClr val="windowText" lastClr="000000"/>
-                    </a:solidFill>
-                  </a:rPr>
-                  <a:t>Person</a:t>
-                </a:r>
-                <a:endParaRPr kumimoji="1" lang="zh-CN" altLang="en-US" sz="1100" dirty="0">
+              </a:endParaRPr>
+            </a:p>
+          </p:txBody>
+        </p:sp>
+        <p:sp>
+          <p:nvSpPr>
+            <p:cNvPr id="33" name="矩形 5">
+              <a:extLst>
+                <a:ext uri="{FF2B5EF4-FFF2-40B4-BE49-F238E27FC236}">
+                  <a16:creationId xmlns:a16="http://schemas.microsoft.com/office/drawing/2014/main" id="{E7269ECB-BE76-BDC7-D470-DD87AAF70412}"/>
+                </a:ext>
+              </a:extLst>
+            </p:cNvPr>
+            <p:cNvSpPr/>
+            <p:nvPr/>
+          </p:nvSpPr>
+          <p:spPr>
+            <a:xfrm>
+              <a:off x="1112901" y="2579820"/>
+              <a:ext cx="1542598" cy="346465"/>
+            </a:xfrm>
+            <a:prstGeom prst="rect">
+              <a:avLst/>
+            </a:prstGeom>
+            <a:noFill/>
+            <a:ln w="28575">
+              <a:solidFill>
+                <a:schemeClr val="tx1"/>
+              </a:solidFill>
+            </a:ln>
+          </p:spPr>
+          <p:style>
+            <a:lnRef idx="2">
+              <a:schemeClr val="accent2">
+                <a:shade val="50000"/>
+              </a:schemeClr>
+            </a:lnRef>
+            <a:fillRef idx="1">
+              <a:schemeClr val="accent2"/>
+            </a:fillRef>
+            <a:effectRef idx="0">
+              <a:schemeClr val="accent2"/>
+            </a:effectRef>
+            <a:fontRef idx="minor">
+              <a:schemeClr val="lt1"/>
+            </a:fontRef>
+          </p:style>
+          <p:txBody>
+            <a:bodyPr rtlCol="0" anchor="ctr"/>
+            <a:lstStyle/>
+            <a:p>
+              <a:pPr algn="ctr"/>
+              <a:r>
+                <a:rPr kumimoji="1" lang="en-US" altLang="zh-CN" sz="1100" dirty="0" err="1">
                   <a:solidFill>
                     <a:sysClr val="windowText" lastClr="000000"/>
                   </a:solidFill>
-                </a:endParaRPr>
-              </a:p>
-            </p:txBody>
-          </p:sp>
-          <p:sp>
-            <p:nvSpPr>
-              <p:cNvPr id="33" name="矩形 5">
-                <a:extLst>
-                  <a:ext uri="{FF2B5EF4-FFF2-40B4-BE49-F238E27FC236}">
-                    <a16:creationId xmlns:a16="http://schemas.microsoft.com/office/drawing/2014/main" id="{E7269ECB-BE76-BDC7-D470-DD87AAF70412}"/>
-                  </a:ext>
-                </a:extLst>
-              </p:cNvPr>
-              <p:cNvSpPr/>
-              <p:nvPr/>
-            </p:nvSpPr>
-            <p:spPr>
-              <a:xfrm>
-                <a:off x="1688770" y="4336653"/>
-                <a:ext cx="1316761" cy="369713"/>
-              </a:xfrm>
-              <a:prstGeom prst="rect">
-                <a:avLst/>
-              </a:prstGeom>
-              <a:noFill/>
-              <a:ln w="28575">
-                <a:solidFill>
-                  <a:schemeClr val="tx1"/>
-                </a:solidFill>
-              </a:ln>
-            </p:spPr>
-            <p:style>
-              <a:lnRef idx="2">
-                <a:schemeClr val="accent2">
-                  <a:shade val="50000"/>
-                </a:schemeClr>
-              </a:lnRef>
-              <a:fillRef idx="1">
-                <a:schemeClr val="accent2"/>
-              </a:fillRef>
-              <a:effectRef idx="0">
-                <a:schemeClr val="accent2"/>
-              </a:effectRef>
-              <a:fontRef idx="minor">
-                <a:schemeClr val="lt1"/>
-              </a:fontRef>
-            </p:style>
-            <p:txBody>
-              <a:bodyPr rtlCol="0" anchor="ctr"/>
-              <a:lstStyle/>
-              <a:p>
-                <a:pPr algn="ctr"/>
-                <a:r>
-                  <a:rPr kumimoji="1" lang="en-US" altLang="zh-CN" sz="1100" dirty="0" err="1">
-                    <a:solidFill>
-                      <a:sysClr val="windowText" lastClr="000000"/>
-                    </a:solidFill>
-                    <a:latin typeface="DengXian" panose="02010600030101010101" pitchFamily="2" charset="-122"/>
-                    <a:ea typeface="DengXian" panose="02010600030101010101" pitchFamily="2" charset="-122"/>
-                  </a:rPr>
-                  <a:t>person.id</a:t>
-                </a:r>
-                <a:r>
-                  <a:rPr kumimoji="1" lang="zh-CN" altLang="en-US" sz="1100" dirty="0">
-                    <a:solidFill>
-                      <a:sysClr val="windowText" lastClr="000000"/>
-                    </a:solidFill>
-                    <a:latin typeface="DengXian" panose="02010600030101010101" pitchFamily="2" charset="-122"/>
-                    <a:ea typeface="DengXian" panose="02010600030101010101" pitchFamily="2" charset="-122"/>
-                  </a:rPr>
-                  <a:t> </a:t>
-                </a:r>
-                <a:r>
-                  <a:rPr kumimoji="1" lang="en-US" altLang="zh-CN" sz="1100" dirty="0">
-                    <a:solidFill>
-                      <a:sysClr val="windowText" lastClr="000000"/>
-                    </a:solidFill>
-                    <a:latin typeface="DengXian" panose="02010600030101010101" pitchFamily="2" charset="-122"/>
-                    <a:ea typeface="DengXian" panose="02010600030101010101" pitchFamily="2" charset="-122"/>
-                  </a:rPr>
-                  <a:t>=</a:t>
-                </a:r>
-                <a:r>
-                  <a:rPr kumimoji="1" lang="zh-CN" altLang="en-US" sz="1100" dirty="0">
-                    <a:solidFill>
-                      <a:sysClr val="windowText" lastClr="000000"/>
-                    </a:solidFill>
-                    <a:latin typeface="DengXian" panose="02010600030101010101" pitchFamily="2" charset="-122"/>
-                    <a:ea typeface="DengXian" panose="02010600030101010101" pitchFamily="2" charset="-122"/>
-                  </a:rPr>
-                  <a:t> </a:t>
-                </a:r>
-                <a:r>
-                  <a:rPr kumimoji="1" lang="en-US" altLang="zh-CN" sz="1100" dirty="0">
-                    <a:solidFill>
-                      <a:sysClr val="windowText" lastClr="000000"/>
-                    </a:solidFill>
-                    <a:latin typeface="DengXian" panose="02010600030101010101" pitchFamily="2" charset="-122"/>
-                    <a:ea typeface="DengXian" panose="02010600030101010101" pitchFamily="2" charset="-122"/>
-                  </a:rPr>
-                  <a:t>${</a:t>
-                </a:r>
-                <a:r>
-                  <a:rPr kumimoji="1" lang="en-US" altLang="zh-CN" sz="1100" dirty="0" err="1">
-                    <a:solidFill>
-                      <a:sysClr val="windowText" lastClr="000000"/>
-                    </a:solidFill>
-                    <a:latin typeface="DengXian" panose="02010600030101010101" pitchFamily="2" charset="-122"/>
-                    <a:ea typeface="DengXian" panose="02010600030101010101" pitchFamily="2" charset="-122"/>
-                  </a:rPr>
-                  <a:t>srcId</a:t>
-                </a:r>
-                <a:r>
-                  <a:rPr kumimoji="1" lang="en-US" altLang="zh-CN" sz="1100" dirty="0">
-                    <a:solidFill>
-                      <a:sysClr val="windowText" lastClr="000000"/>
-                    </a:solidFill>
-                    <a:latin typeface="DengXian" panose="02010600030101010101" pitchFamily="2" charset="-122"/>
-                    <a:ea typeface="DengXian" panose="02010600030101010101" pitchFamily="2" charset="-122"/>
-                  </a:rPr>
-                  <a:t>}</a:t>
-                </a:r>
-              </a:p>
-            </p:txBody>
-          </p:sp>
-        </p:grpSp>
+                  <a:latin typeface="DengXian" panose="02010600030101010101" pitchFamily="2" charset="-122"/>
+                  <a:ea typeface="DengXian" panose="02010600030101010101" pitchFamily="2" charset="-122"/>
+                </a:rPr>
+                <a:t>person.id</a:t>
+              </a:r>
+              <a:r>
+                <a:rPr kumimoji="1" lang="zh-CN" altLang="en-US" sz="1100" dirty="0">
+                  <a:solidFill>
+                    <a:sysClr val="windowText" lastClr="000000"/>
+                  </a:solidFill>
+                  <a:latin typeface="DengXian" panose="02010600030101010101" pitchFamily="2" charset="-122"/>
+                  <a:ea typeface="DengXian" panose="02010600030101010101" pitchFamily="2" charset="-122"/>
+                </a:rPr>
+                <a:t> </a:t>
+              </a:r>
+              <a:r>
+                <a:rPr kumimoji="1" lang="en-US" altLang="zh-CN" sz="1100" dirty="0">
+                  <a:solidFill>
+                    <a:sysClr val="windowText" lastClr="000000"/>
+                  </a:solidFill>
+                  <a:latin typeface="DengXian" panose="02010600030101010101" pitchFamily="2" charset="-122"/>
+                  <a:ea typeface="DengXian" panose="02010600030101010101" pitchFamily="2" charset="-122"/>
+                </a:rPr>
+                <a:t>=</a:t>
+              </a:r>
+              <a:r>
+                <a:rPr kumimoji="1" lang="zh-CN" altLang="en-US" sz="1100" dirty="0">
+                  <a:solidFill>
+                    <a:sysClr val="windowText" lastClr="000000"/>
+                  </a:solidFill>
+                  <a:latin typeface="DengXian" panose="02010600030101010101" pitchFamily="2" charset="-122"/>
+                  <a:ea typeface="DengXian" panose="02010600030101010101" pitchFamily="2" charset="-122"/>
+                </a:rPr>
+                <a:t> </a:t>
+              </a:r>
+              <a:r>
+                <a:rPr kumimoji="1" lang="en-US" altLang="zh-CN" sz="1100" dirty="0">
+                  <a:solidFill>
+                    <a:sysClr val="windowText" lastClr="000000"/>
+                  </a:solidFill>
+                  <a:latin typeface="DengXian" panose="02010600030101010101" pitchFamily="2" charset="-122"/>
+                  <a:ea typeface="DengXian" panose="02010600030101010101" pitchFamily="2" charset="-122"/>
+                </a:rPr>
+                <a:t>${</a:t>
+              </a:r>
+              <a:r>
+                <a:rPr kumimoji="1" lang="en-US" altLang="zh-CN" sz="1100" dirty="0" err="1">
+                  <a:solidFill>
+                    <a:sysClr val="windowText" lastClr="000000"/>
+                  </a:solidFill>
+                  <a:latin typeface="DengXian" panose="02010600030101010101" pitchFamily="2" charset="-122"/>
+                  <a:ea typeface="DengXian" panose="02010600030101010101" pitchFamily="2" charset="-122"/>
+                </a:rPr>
+                <a:t>srcId</a:t>
+              </a:r>
+              <a:r>
+                <a:rPr kumimoji="1" lang="en-US" altLang="zh-CN" sz="1100" dirty="0">
+                  <a:solidFill>
+                    <a:sysClr val="windowText" lastClr="000000"/>
+                  </a:solidFill>
+                  <a:latin typeface="DengXian" panose="02010600030101010101" pitchFamily="2" charset="-122"/>
+                  <a:ea typeface="DengXian" panose="02010600030101010101" pitchFamily="2" charset="-122"/>
+                </a:rPr>
+                <a:t>}</a:t>
+              </a:r>
+            </a:p>
+          </p:txBody>
+        </p:sp>
         <p:cxnSp>
           <p:nvCxnSpPr>
             <p:cNvPr id="26" name="直线箭头连接符 6" descr="jytjh">
@@ -15628,7 +15507,7 @@
             <a:prstGeom prst="straightConnector1">
               <a:avLst/>
             </a:prstGeom>
-            <a:ln w="28575">
+            <a:ln w="19050">
               <a:solidFill>
                 <a:schemeClr val="tx1"/>
               </a:solidFill>
@@ -15666,7 +15545,7 @@
           <p:spPr>
             <a:xfrm>
               <a:off x="2989335" y="2110369"/>
-              <a:ext cx="1459671" cy="220197"/>
+              <a:ext cx="1459671" cy="276999"/>
             </a:xfrm>
             <a:prstGeom prst="rect">
               <a:avLst/>
@@ -15681,11 +15560,11 @@
             <a:p>
               <a:pPr algn="ctr"/>
               <a:r>
-                <a:rPr kumimoji="1" lang="en-US" altLang="zh-CN" sz="1200" b="1" dirty="0" err="1">
+                <a:rPr kumimoji="1" lang="en-US" altLang="zh-CN" sz="1200" b="1" dirty="0">
                   <a:latin typeface="DengXian" panose="02010600030101010101" pitchFamily="2" charset="-122"/>
                   <a:ea typeface="DengXian" panose="02010600030101010101" pitchFamily="2" charset="-122"/>
                 </a:rPr>
-                <a:t>gurantee</a:t>
+                <a:t>guarantee</a:t>
               </a:r>
               <a:endParaRPr kumimoji="1" lang="en-US" altLang="zh-CN" sz="1200" dirty="0">
                 <a:latin typeface="DengXian" panose="02010600030101010101" pitchFamily="2" charset="-122"/>
@@ -15775,233 +15654,212 @@
             </a:p>
           </p:txBody>
         </p:sp>
-        <p:grpSp>
-          <p:nvGrpSpPr>
-            <p:cNvPr id="29" name="Group 28">
+        <p:sp>
+          <p:nvSpPr>
+            <p:cNvPr id="30" name="矩形 4">
               <a:extLst>
                 <a:ext uri="{FF2B5EF4-FFF2-40B4-BE49-F238E27FC236}">
-                  <a16:creationId xmlns:a16="http://schemas.microsoft.com/office/drawing/2014/main" id="{1647380B-4222-57C1-9AA9-6675F8E8C4BE}"/>
+                  <a16:creationId xmlns:a16="http://schemas.microsoft.com/office/drawing/2014/main" id="{85A17C45-8FCA-D2F9-D2CA-F910854DAC66}"/>
                 </a:ext>
               </a:extLst>
             </p:cNvPr>
-            <p:cNvGrpSpPr/>
+            <p:cNvSpPr/>
             <p:nvPr/>
-          </p:nvGrpSpPr>
-          <p:grpSpPr>
+          </p:nvSpPr>
+          <p:spPr>
             <a:xfrm>
-              <a:off x="4866423" y="2173054"/>
-              <a:ext cx="1459677" cy="749759"/>
-              <a:chOff x="1555802" y="3906297"/>
-              <a:chExt cx="1245980" cy="800069"/>
+              <a:off x="4866429" y="2173054"/>
+              <a:ext cx="1459671" cy="403294"/>
             </a:xfrm>
-          </p:grpSpPr>
-          <p:sp>
-            <p:nvSpPr>
-              <p:cNvPr id="30" name="矩形 4">
-                <a:extLst>
-                  <a:ext uri="{FF2B5EF4-FFF2-40B4-BE49-F238E27FC236}">
-                    <a16:creationId xmlns:a16="http://schemas.microsoft.com/office/drawing/2014/main" id="{85A17C45-8FCA-D2F9-D2CA-F910854DAC66}"/>
-                  </a:ext>
-                </a:extLst>
-              </p:cNvPr>
-              <p:cNvSpPr/>
-              <p:nvPr/>
-            </p:nvSpPr>
-            <p:spPr>
-              <a:xfrm>
-                <a:off x="1555807" y="3906297"/>
-                <a:ext cx="1245975" cy="430356"/>
-              </a:xfrm>
-              <a:prstGeom prst="rect">
-                <a:avLst/>
-              </a:prstGeom>
+            <a:prstGeom prst="rect">
+              <a:avLst/>
+            </a:prstGeom>
+            <a:solidFill>
+              <a:schemeClr val="accent6">
+                <a:lumMod val="60000"/>
+                <a:lumOff val="40000"/>
+              </a:schemeClr>
+            </a:solidFill>
+            <a:ln w="28575">
               <a:solidFill>
-                <a:schemeClr val="accent6">
-                  <a:lumMod val="60000"/>
-                  <a:lumOff val="40000"/>
-                </a:schemeClr>
+                <a:schemeClr val="tx1"/>
               </a:solidFill>
-              <a:ln w="28575">
+            </a:ln>
+          </p:spPr>
+          <p:style>
+            <a:lnRef idx="2">
+              <a:schemeClr val="accent2">
+                <a:shade val="50000"/>
+              </a:schemeClr>
+            </a:lnRef>
+            <a:fillRef idx="1">
+              <a:schemeClr val="accent2"/>
+            </a:fillRef>
+            <a:effectRef idx="0">
+              <a:schemeClr val="accent2"/>
+            </a:effectRef>
+            <a:fontRef idx="minor">
+              <a:schemeClr val="lt1"/>
+            </a:fontRef>
+          </p:style>
+          <p:txBody>
+            <a:bodyPr rtlCol="0" anchor="ctr"/>
+            <a:lstStyle/>
+            <a:p>
+              <a:pPr algn="ctr"/>
+              <a:r>
+                <a:rPr kumimoji="1" lang="en-US" altLang="zh-CN" sz="1100" b="1" dirty="0">
+                  <a:solidFill>
+                    <a:sysClr val="windowText" lastClr="000000"/>
+                  </a:solidFill>
+                </a:rPr>
+                <a:t>person2:</a:t>
+              </a:r>
+              <a:r>
+                <a:rPr kumimoji="1" lang="zh-CN" altLang="en-US" sz="1100" b="1" dirty="0">
+                  <a:solidFill>
+                    <a:sysClr val="windowText" lastClr="000000"/>
+                  </a:solidFill>
+                </a:rPr>
+                <a:t> </a:t>
+              </a:r>
+              <a:r>
+                <a:rPr kumimoji="1" lang="en-US" altLang="zh-CN" sz="1100" dirty="0">
+                  <a:solidFill>
+                    <a:sysClr val="windowText" lastClr="000000"/>
+                  </a:solidFill>
+                </a:rPr>
+                <a:t>Person</a:t>
+              </a:r>
+              <a:endParaRPr kumimoji="1" lang="zh-CN" altLang="en-US" sz="1100" dirty="0">
                 <a:solidFill>
-                  <a:schemeClr val="tx1"/>
+                  <a:sysClr val="windowText" lastClr="000000"/>
                 </a:solidFill>
-              </a:ln>
-            </p:spPr>
-            <p:style>
-              <a:lnRef idx="2">
-                <a:schemeClr val="accent2">
-                  <a:shade val="50000"/>
-                </a:schemeClr>
-              </a:lnRef>
-              <a:fillRef idx="1">
-                <a:schemeClr val="accent2"/>
-              </a:fillRef>
-              <a:effectRef idx="0">
-                <a:schemeClr val="accent2"/>
-              </a:effectRef>
-              <a:fontRef idx="minor">
-                <a:schemeClr val="lt1"/>
-              </a:fontRef>
-            </p:style>
-            <p:txBody>
-              <a:bodyPr rtlCol="0" anchor="ctr"/>
-              <a:lstStyle/>
-              <a:p>
-                <a:pPr algn="ctr"/>
-                <a:r>
-                  <a:rPr kumimoji="1" lang="en-US" altLang="zh-CN" sz="1100" b="1" dirty="0">
-                    <a:solidFill>
-                      <a:sysClr val="windowText" lastClr="000000"/>
-                    </a:solidFill>
-                  </a:rPr>
-                  <a:t>person:</a:t>
-                </a:r>
-                <a:r>
-                  <a:rPr kumimoji="1" lang="zh-CN" altLang="en-US" sz="1100" b="1" dirty="0">
-                    <a:solidFill>
-                      <a:sysClr val="windowText" lastClr="000000"/>
-                    </a:solidFill>
-                  </a:rPr>
-                  <a:t> </a:t>
-                </a:r>
-                <a:r>
-                  <a:rPr kumimoji="1" lang="en-US" altLang="zh-CN" sz="1100" dirty="0">
-                    <a:solidFill>
-                      <a:sysClr val="windowText" lastClr="000000"/>
-                    </a:solidFill>
-                  </a:rPr>
-                  <a:t>Person</a:t>
-                </a:r>
-                <a:endParaRPr kumimoji="1" lang="zh-CN" altLang="en-US" sz="1100" dirty="0">
+              </a:endParaRPr>
+            </a:p>
+          </p:txBody>
+        </p:sp>
+        <p:sp>
+          <p:nvSpPr>
+            <p:cNvPr id="31" name="矩形 5">
+              <a:extLst>
+                <a:ext uri="{FF2B5EF4-FFF2-40B4-BE49-F238E27FC236}">
+                  <a16:creationId xmlns:a16="http://schemas.microsoft.com/office/drawing/2014/main" id="{B9A1B24C-9082-215A-1977-88CB06BE0668}"/>
+                </a:ext>
+              </a:extLst>
+            </p:cNvPr>
+            <p:cNvSpPr/>
+            <p:nvPr/>
+          </p:nvSpPr>
+          <p:spPr>
+            <a:xfrm>
+              <a:off x="4866423" y="2576348"/>
+              <a:ext cx="1459671" cy="346465"/>
+            </a:xfrm>
+            <a:prstGeom prst="rect">
+              <a:avLst/>
+            </a:prstGeom>
+            <a:noFill/>
+            <a:ln w="28575">
+              <a:solidFill>
+                <a:schemeClr val="tx1"/>
+              </a:solidFill>
+            </a:ln>
+          </p:spPr>
+          <p:style>
+            <a:lnRef idx="2">
+              <a:schemeClr val="accent2">
+                <a:shade val="50000"/>
+              </a:schemeClr>
+            </a:lnRef>
+            <a:fillRef idx="1">
+              <a:schemeClr val="accent2"/>
+            </a:fillRef>
+            <a:effectRef idx="0">
+              <a:schemeClr val="accent2"/>
+            </a:effectRef>
+            <a:fontRef idx="minor">
+              <a:schemeClr val="lt1"/>
+            </a:fontRef>
+          </p:style>
+          <p:txBody>
+            <a:bodyPr rtlCol="0" anchor="ctr"/>
+            <a:lstStyle/>
+            <a:p>
+              <a:pPr algn="ctr"/>
+              <a:r>
+                <a:rPr kumimoji="1" lang="en-US" altLang="zh-CN" sz="1100" dirty="0" err="1">
                   <a:solidFill>
                     <a:sysClr val="windowText" lastClr="000000"/>
                   </a:solidFill>
-                </a:endParaRPr>
-              </a:p>
-            </p:txBody>
-          </p:sp>
-          <p:sp>
-            <p:nvSpPr>
-              <p:cNvPr id="31" name="矩形 5">
-                <a:extLst>
-                  <a:ext uri="{FF2B5EF4-FFF2-40B4-BE49-F238E27FC236}">
-                    <a16:creationId xmlns:a16="http://schemas.microsoft.com/office/drawing/2014/main" id="{B9A1B24C-9082-215A-1977-88CB06BE0668}"/>
-                  </a:ext>
-                </a:extLst>
-              </p:cNvPr>
-              <p:cNvSpPr/>
-              <p:nvPr/>
-            </p:nvSpPr>
-            <p:spPr>
-              <a:xfrm>
-                <a:off x="1555802" y="4336653"/>
-                <a:ext cx="1245975" cy="369713"/>
-              </a:xfrm>
-              <a:prstGeom prst="rect">
-                <a:avLst/>
-              </a:prstGeom>
-              <a:noFill/>
-              <a:ln w="28575">
-                <a:solidFill>
-                  <a:schemeClr val="tx1"/>
-                </a:solidFill>
-              </a:ln>
-            </p:spPr>
-            <p:style>
-              <a:lnRef idx="2">
-                <a:schemeClr val="accent2">
-                  <a:shade val="50000"/>
-                </a:schemeClr>
-              </a:lnRef>
-              <a:fillRef idx="1">
-                <a:schemeClr val="accent2"/>
-              </a:fillRef>
-              <a:effectRef idx="0">
-                <a:schemeClr val="accent2"/>
-              </a:effectRef>
-              <a:fontRef idx="minor">
-                <a:schemeClr val="lt1"/>
-              </a:fontRef>
-            </p:style>
-            <p:txBody>
-              <a:bodyPr rtlCol="0" anchor="ctr"/>
-              <a:lstStyle/>
-              <a:p>
-                <a:pPr algn="ctr"/>
-                <a:r>
-                  <a:rPr kumimoji="1" lang="en-US" altLang="zh-CN" sz="1100" dirty="0" err="1">
-                    <a:solidFill>
-                      <a:sysClr val="windowText" lastClr="000000"/>
-                    </a:solidFill>
-                    <a:latin typeface="DengXian" panose="02010600030101010101" pitchFamily="2" charset="-122"/>
-                    <a:ea typeface="DengXian" panose="02010600030101010101" pitchFamily="2" charset="-122"/>
-                  </a:rPr>
-                  <a:t>person.id</a:t>
-                </a:r>
-                <a:r>
-                  <a:rPr kumimoji="1" lang="zh-CN" altLang="en-US" sz="1100" dirty="0">
-                    <a:solidFill>
-                      <a:sysClr val="windowText" lastClr="000000"/>
-                    </a:solidFill>
-                    <a:latin typeface="DengXian" panose="02010600030101010101" pitchFamily="2" charset="-122"/>
-                    <a:ea typeface="DengXian" panose="02010600030101010101" pitchFamily="2" charset="-122"/>
-                  </a:rPr>
-                  <a:t> </a:t>
-                </a:r>
-                <a:r>
-                  <a:rPr kumimoji="1" lang="en-US" altLang="zh-CN" sz="1100" dirty="0">
-                    <a:solidFill>
-                      <a:sysClr val="windowText" lastClr="000000"/>
-                    </a:solidFill>
-                    <a:latin typeface="DengXian" panose="02010600030101010101" pitchFamily="2" charset="-122"/>
-                    <a:ea typeface="DengXian" panose="02010600030101010101" pitchFamily="2" charset="-122"/>
-                  </a:rPr>
-                  <a:t>=</a:t>
-                </a:r>
-                <a:r>
-                  <a:rPr kumimoji="1" lang="zh-CN" altLang="en-US" sz="1100" dirty="0">
-                    <a:solidFill>
-                      <a:sysClr val="windowText" lastClr="000000"/>
-                    </a:solidFill>
-                    <a:latin typeface="DengXian" panose="02010600030101010101" pitchFamily="2" charset="-122"/>
-                    <a:ea typeface="DengXian" panose="02010600030101010101" pitchFamily="2" charset="-122"/>
-                  </a:rPr>
-                  <a:t> </a:t>
-                </a:r>
-                <a:r>
-                  <a:rPr kumimoji="1" lang="en-US" altLang="zh-CN" sz="1100" dirty="0">
-                    <a:solidFill>
-                      <a:sysClr val="windowText" lastClr="000000"/>
-                    </a:solidFill>
-                    <a:latin typeface="DengXian" panose="02010600030101010101" pitchFamily="2" charset="-122"/>
-                    <a:ea typeface="DengXian" panose="02010600030101010101" pitchFamily="2" charset="-122"/>
-                  </a:rPr>
-                  <a:t>${</a:t>
-                </a:r>
-                <a:r>
-                  <a:rPr kumimoji="1" lang="en-US" altLang="zh-CN" sz="1100" dirty="0" err="1">
-                    <a:solidFill>
-                      <a:sysClr val="windowText" lastClr="000000"/>
-                    </a:solidFill>
-                    <a:latin typeface="DengXian" panose="02010600030101010101" pitchFamily="2" charset="-122"/>
-                    <a:ea typeface="DengXian" panose="02010600030101010101" pitchFamily="2" charset="-122"/>
-                  </a:rPr>
-                  <a:t>dstId</a:t>
-                </a:r>
-                <a:r>
-                  <a:rPr kumimoji="1" lang="en-US" altLang="zh-CN" sz="1100" dirty="0">
-                    <a:solidFill>
-                      <a:sysClr val="windowText" lastClr="000000"/>
-                    </a:solidFill>
-                    <a:latin typeface="DengXian" panose="02010600030101010101" pitchFamily="2" charset="-122"/>
-                    <a:ea typeface="DengXian" panose="02010600030101010101" pitchFamily="2" charset="-122"/>
-                  </a:rPr>
-                  <a:t>}</a:t>
-                </a:r>
-              </a:p>
-            </p:txBody>
-          </p:sp>
-        </p:grpSp>
+                  <a:latin typeface="DengXian" panose="02010600030101010101" pitchFamily="2" charset="-122"/>
+                  <a:ea typeface="DengXian" panose="02010600030101010101" pitchFamily="2" charset="-122"/>
+                </a:rPr>
+                <a:t>person.id</a:t>
+              </a:r>
+              <a:r>
+                <a:rPr kumimoji="1" lang="zh-CN" altLang="en-US" sz="1100" dirty="0">
+                  <a:solidFill>
+                    <a:sysClr val="windowText" lastClr="000000"/>
+                  </a:solidFill>
+                  <a:latin typeface="DengXian" panose="02010600030101010101" pitchFamily="2" charset="-122"/>
+                  <a:ea typeface="DengXian" panose="02010600030101010101" pitchFamily="2" charset="-122"/>
+                </a:rPr>
+                <a:t> </a:t>
+              </a:r>
+              <a:r>
+                <a:rPr kumimoji="1" lang="en-US" altLang="zh-CN" sz="1100" dirty="0">
+                  <a:solidFill>
+                    <a:sysClr val="windowText" lastClr="000000"/>
+                  </a:solidFill>
+                  <a:latin typeface="DengXian" panose="02010600030101010101" pitchFamily="2" charset="-122"/>
+                  <a:ea typeface="DengXian" panose="02010600030101010101" pitchFamily="2" charset="-122"/>
+                </a:rPr>
+                <a:t>=</a:t>
+              </a:r>
+              <a:r>
+                <a:rPr kumimoji="1" lang="zh-CN" altLang="en-US" sz="1100" dirty="0">
+                  <a:solidFill>
+                    <a:sysClr val="windowText" lastClr="000000"/>
+                  </a:solidFill>
+                  <a:latin typeface="DengXian" panose="02010600030101010101" pitchFamily="2" charset="-122"/>
+                  <a:ea typeface="DengXian" panose="02010600030101010101" pitchFamily="2" charset="-122"/>
+                </a:rPr>
+                <a:t> </a:t>
+              </a:r>
+              <a:r>
+                <a:rPr kumimoji="1" lang="en-US" altLang="zh-CN" sz="1100" dirty="0">
+                  <a:solidFill>
+                    <a:sysClr val="windowText" lastClr="000000"/>
+                  </a:solidFill>
+                  <a:latin typeface="DengXian" panose="02010600030101010101" pitchFamily="2" charset="-122"/>
+                  <a:ea typeface="DengXian" panose="02010600030101010101" pitchFamily="2" charset="-122"/>
+                </a:rPr>
+                <a:t>${</a:t>
+              </a:r>
+              <a:r>
+                <a:rPr kumimoji="1" lang="en-US" altLang="zh-CN" sz="1100" dirty="0" err="1">
+                  <a:solidFill>
+                    <a:sysClr val="windowText" lastClr="000000"/>
+                  </a:solidFill>
+                  <a:latin typeface="DengXian" panose="02010600030101010101" pitchFamily="2" charset="-122"/>
+                  <a:ea typeface="DengXian" panose="02010600030101010101" pitchFamily="2" charset="-122"/>
+                </a:rPr>
+                <a:t>dstId</a:t>
+              </a:r>
+              <a:r>
+                <a:rPr kumimoji="1" lang="en-US" altLang="zh-CN" sz="1100" dirty="0">
+                  <a:solidFill>
+                    <a:sysClr val="windowText" lastClr="000000"/>
+                  </a:solidFill>
+                  <a:latin typeface="DengXian" panose="02010600030101010101" pitchFamily="2" charset="-122"/>
+                  <a:ea typeface="DengXian" panose="02010600030101010101" pitchFamily="2" charset="-122"/>
+                </a:rPr>
+                <a:t>}</a:t>
+              </a:r>
+            </a:p>
+          </p:txBody>
+        </p:sp>
         <p:sp>
           <p:nvSpPr>
             <p:cNvPr id="39" name="Cross 38">
@@ -16130,1982 +15988,1936 @@
             </a:p>
           </p:txBody>
         </p:sp>
-        <p:grpSp>
-          <p:nvGrpSpPr>
-            <p:cNvPr id="152" name="Group 151">
+        <p:sp>
+          <p:nvSpPr>
+            <p:cNvPr id="153" name="矩形 9">
               <a:extLst>
                 <a:ext uri="{FF2B5EF4-FFF2-40B4-BE49-F238E27FC236}">
-                  <a16:creationId xmlns:a16="http://schemas.microsoft.com/office/drawing/2014/main" id="{8735284F-94FD-90AC-418F-02F1502D4B30}"/>
+                  <a16:creationId xmlns:a16="http://schemas.microsoft.com/office/drawing/2014/main" id="{930F62C1-4494-A006-3962-33107A82E934}"/>
                 </a:ext>
               </a:extLst>
             </p:cNvPr>
-            <p:cNvGrpSpPr/>
+            <p:cNvSpPr/>
             <p:nvPr/>
-          </p:nvGrpSpPr>
-          <p:grpSpPr>
+          </p:nvSpPr>
+          <p:spPr>
             <a:xfrm>
-              <a:off x="776911" y="3490653"/>
-              <a:ext cx="5916562" cy="2331488"/>
-              <a:chOff x="2267319" y="2657820"/>
-              <a:chExt cx="5916562" cy="2331488"/>
+              <a:off x="776911" y="4645882"/>
+              <a:ext cx="1200747" cy="305258"/>
             </a:xfrm>
-          </p:grpSpPr>
-          <p:sp>
-            <p:nvSpPr>
-              <p:cNvPr id="153" name="矩形 9">
-                <a:extLst>
-                  <a:ext uri="{FF2B5EF4-FFF2-40B4-BE49-F238E27FC236}">
-                    <a16:creationId xmlns:a16="http://schemas.microsoft.com/office/drawing/2014/main" id="{930F62C1-4494-A006-3962-33107A82E934}"/>
-                  </a:ext>
-                </a:extLst>
-              </p:cNvPr>
-              <p:cNvSpPr/>
-              <p:nvPr/>
-            </p:nvSpPr>
-            <p:spPr>
-              <a:xfrm>
-                <a:off x="2267319" y="3813049"/>
-                <a:ext cx="1200747" cy="305258"/>
-              </a:xfrm>
-              <a:prstGeom prst="rect">
-                <a:avLst/>
-              </a:prstGeom>
+            <a:prstGeom prst="rect">
+              <a:avLst/>
+            </a:prstGeom>
+            <a:solidFill>
+              <a:schemeClr val="accent6">
+                <a:lumMod val="60000"/>
+                <a:lumOff val="40000"/>
+              </a:schemeClr>
+            </a:solidFill>
+            <a:ln w="19050">
               <a:solidFill>
-                <a:schemeClr val="accent6">
-                  <a:lumMod val="60000"/>
-                  <a:lumOff val="40000"/>
+                <a:schemeClr val="tx1"/>
+              </a:solidFill>
+            </a:ln>
+          </p:spPr>
+          <p:style>
+            <a:lnRef idx="2">
+              <a:schemeClr val="accent2">
+                <a:shade val="50000"/>
+              </a:schemeClr>
+            </a:lnRef>
+            <a:fillRef idx="1">
+              <a:schemeClr val="accent2"/>
+            </a:fillRef>
+            <a:effectRef idx="0">
+              <a:schemeClr val="accent2"/>
+            </a:effectRef>
+            <a:fontRef idx="minor">
+              <a:schemeClr val="lt1"/>
+            </a:fontRef>
+          </p:style>
+          <p:txBody>
+            <a:bodyPr rtlCol="0" anchor="ctr"/>
+            <a:lstStyle/>
+            <a:p>
+              <a:pPr algn="ctr"/>
+              <a:r>
+                <a:rPr kumimoji="1" lang="en-US" altLang="zh-CN" sz="1200" b="1" dirty="0">
+                  <a:solidFill>
+                    <a:sysClr val="windowText" lastClr="000000"/>
+                  </a:solidFill>
+                </a:rPr>
+                <a:t>p1</a:t>
+              </a:r>
+              <a:r>
+                <a:rPr kumimoji="1" lang="zh-CN" altLang="en-US" sz="1200" dirty="0">
+                  <a:solidFill>
+                    <a:sysClr val="windowText" lastClr="000000"/>
+                  </a:solidFill>
+                </a:rPr>
+                <a:t> </a:t>
+              </a:r>
+              <a:r>
+                <a:rPr kumimoji="1" lang="en-US" altLang="zh-CN" sz="1200" dirty="0">
+                  <a:solidFill>
+                    <a:sysClr val="windowText" lastClr="000000"/>
+                  </a:solidFill>
+                </a:rPr>
+                <a:t>:</a:t>
+              </a:r>
+              <a:r>
+                <a:rPr kumimoji="1" lang="zh-CN" altLang="en-US" sz="1200" dirty="0">
+                  <a:solidFill>
+                    <a:sysClr val="windowText" lastClr="000000"/>
+                  </a:solidFill>
+                </a:rPr>
+                <a:t> </a:t>
+              </a:r>
+              <a:r>
+                <a:rPr kumimoji="1" lang="en-US" altLang="zh-CN" sz="1200" dirty="0">
+                  <a:solidFill>
+                    <a:sysClr val="windowText" lastClr="000000"/>
+                  </a:solidFill>
+                </a:rPr>
+                <a:t>Person</a:t>
+              </a:r>
+              <a:endParaRPr kumimoji="1" lang="zh-CN" altLang="en-US" sz="1200" dirty="0">
+                <a:solidFill>
+                  <a:sysClr val="windowText" lastClr="000000"/>
+                </a:solidFill>
+              </a:endParaRPr>
+            </a:p>
+          </p:txBody>
+        </p:sp>
+        <p:cxnSp>
+          <p:nvCxnSpPr>
+            <p:cNvPr id="154" name="直线箭头连接符 11" descr="jytjh">
+              <a:extLst>
+                <a:ext uri="{FF2B5EF4-FFF2-40B4-BE49-F238E27FC236}">
+                  <a16:creationId xmlns:a16="http://schemas.microsoft.com/office/drawing/2014/main" id="{E34EE26E-3D72-74EC-5406-33EAE463D3C7}"/>
+                </a:ext>
+              </a:extLst>
+            </p:cNvPr>
+            <p:cNvCxnSpPr>
+              <a:cxnSpLocks/>
+              <a:stCxn id="153" idx="3"/>
+              <a:endCxn id="157" idx="1"/>
+            </p:cNvCxnSpPr>
+            <p:nvPr/>
+          </p:nvCxnSpPr>
+          <p:spPr>
+            <a:xfrm>
+              <a:off x="1977658" y="4798511"/>
+              <a:ext cx="462315" cy="0"/>
+            </a:xfrm>
+            <a:prstGeom prst="straightConnector1">
+              <a:avLst/>
+            </a:prstGeom>
+            <a:ln w="19050">
+              <a:solidFill>
+                <a:schemeClr val="tx1"/>
+              </a:solidFill>
+              <a:headEnd type="none" w="lg" len="med"/>
+              <a:tailEnd type="arrow" w="sm" len="lg"/>
+            </a:ln>
+          </p:spPr>
+          <p:style>
+            <a:lnRef idx="1">
+              <a:schemeClr val="accent1"/>
+            </a:lnRef>
+            <a:fillRef idx="0">
+              <a:schemeClr val="accent1"/>
+            </a:fillRef>
+            <a:effectRef idx="0">
+              <a:schemeClr val="accent1"/>
+            </a:effectRef>
+            <a:fontRef idx="minor">
+              <a:schemeClr val="tx1"/>
+            </a:fontRef>
+          </p:style>
+        </p:cxnSp>
+        <p:sp>
+          <p:nvSpPr>
+            <p:cNvPr id="155" name="文本框 12">
+              <a:extLst>
+                <a:ext uri="{FF2B5EF4-FFF2-40B4-BE49-F238E27FC236}">
+                  <a16:creationId xmlns:a16="http://schemas.microsoft.com/office/drawing/2014/main" id="{9CD9F9C8-F63B-18B5-555D-13294D2779F2}"/>
+                </a:ext>
+              </a:extLst>
+            </p:cNvPr>
+            <p:cNvSpPr txBox="1"/>
+            <p:nvPr/>
+          </p:nvSpPr>
+          <p:spPr>
+            <a:xfrm>
+              <a:off x="1913539" y="4519312"/>
+              <a:ext cx="588763" cy="261610"/>
+            </a:xfrm>
+            <a:prstGeom prst="rect">
+              <a:avLst/>
+            </a:prstGeom>
+            <a:noFill/>
+          </p:spPr>
+          <p:txBody>
+            <a:bodyPr wrap="square" rtlCol="0">
+              <a:spAutoFit/>
+            </a:bodyPr>
+            <a:lstStyle/>
+            <a:p>
+              <a:pPr algn="ctr"/>
+              <a:r>
+                <a:rPr kumimoji="1" lang="en-US" altLang="zh-CN" sz="1100" b="1" dirty="0">
+                  <a:latin typeface="DengXian" panose="02010600030101010101" pitchFamily="2" charset="-122"/>
+                  <a:ea typeface="DengXian" panose="02010600030101010101" pitchFamily="2" charset="-122"/>
+                </a:rPr>
+                <a:t>edge1</a:t>
+              </a:r>
+              <a:endParaRPr kumimoji="1" lang="en-US" altLang="zh-CN" sz="1100" dirty="0">
+                <a:latin typeface="DengXian" panose="02010600030101010101" pitchFamily="2" charset="-122"/>
+                <a:ea typeface="DengXian" panose="02010600030101010101" pitchFamily="2" charset="-122"/>
+              </a:endParaRPr>
+            </a:p>
+          </p:txBody>
+        </p:sp>
+        <p:sp>
+          <p:nvSpPr>
+            <p:cNvPr id="156" name="矩形 13">
+              <a:extLst>
+                <a:ext uri="{FF2B5EF4-FFF2-40B4-BE49-F238E27FC236}">
+                  <a16:creationId xmlns:a16="http://schemas.microsoft.com/office/drawing/2014/main" id="{74108C34-6033-6B25-DADB-103847B55395}"/>
+                </a:ext>
+              </a:extLst>
+            </p:cNvPr>
+            <p:cNvSpPr/>
+            <p:nvPr/>
+          </p:nvSpPr>
+          <p:spPr>
+            <a:xfrm>
+              <a:off x="1977658" y="3490653"/>
+              <a:ext cx="4715815" cy="940283"/>
+            </a:xfrm>
+            <a:prstGeom prst="rect">
+              <a:avLst/>
+            </a:prstGeom>
+            <a:noFill/>
+            <a:ln w="12700">
+              <a:solidFill>
+                <a:schemeClr val="tx1"/>
+              </a:solidFill>
+              <a:prstDash val="dash"/>
+            </a:ln>
+          </p:spPr>
+          <p:style>
+            <a:lnRef idx="2">
+              <a:schemeClr val="accent2">
+                <a:shade val="50000"/>
+              </a:schemeClr>
+            </a:lnRef>
+            <a:fillRef idx="1">
+              <a:schemeClr val="accent2"/>
+            </a:fillRef>
+            <a:effectRef idx="0">
+              <a:schemeClr val="accent2"/>
+            </a:effectRef>
+            <a:fontRef idx="minor">
+              <a:schemeClr val="lt1"/>
+            </a:fontRef>
+          </p:style>
+          <p:txBody>
+            <a:bodyPr rtlCol="0" anchor="t"/>
+            <a:lstStyle/>
+            <a:p>
+              <a:r>
+                <a:rPr kumimoji="1" lang="en-US" altLang="zh-CN" sz="1200" b="1" dirty="0">
+                  <a:solidFill>
+                    <a:srgbClr val="FF0000"/>
+                  </a:solidFill>
+                  <a:latin typeface="DengXian" panose="02010600030101010101" pitchFamily="2" charset="-122"/>
+                  <a:ea typeface="DengXian" panose="02010600030101010101" pitchFamily="2" charset="-122"/>
+                </a:rPr>
+                <a:t>RESULT</a:t>
+              </a:r>
+              <a:r>
+                <a:rPr kumimoji="1" lang="zh-CN" altLang="en-US" sz="1200" b="1" dirty="0">
+                  <a:solidFill>
+                    <a:srgbClr val="FF0000"/>
+                  </a:solidFill>
+                  <a:latin typeface="DengXian" panose="02010600030101010101" pitchFamily="2" charset="-122"/>
+                  <a:ea typeface="DengXian" panose="02010600030101010101" pitchFamily="2" charset="-122"/>
+                </a:rPr>
+                <a:t> </a:t>
+              </a:r>
+              <a:r>
+                <a:rPr kumimoji="1" lang="en-US" altLang="zh-CN" sz="1200" dirty="0">
+                  <a:solidFill>
+                    <a:sysClr val="windowText" lastClr="000000"/>
+                  </a:solidFill>
+                  <a:latin typeface="DengXian" panose="02010600030101010101" pitchFamily="2" charset="-122"/>
+                  <a:ea typeface="DengXian" panose="02010600030101010101" pitchFamily="2" charset="-122"/>
+                </a:rPr>
+                <a:t>SUM(</a:t>
+              </a:r>
+              <a:r>
+                <a:rPr kumimoji="1" lang="en-US" altLang="zh-CN" sz="1200" dirty="0" err="1">
+                  <a:solidFill>
+                    <a:sysClr val="windowText" lastClr="000000"/>
+                  </a:solidFill>
+                  <a:latin typeface="DengXian" panose="02010600030101010101" pitchFamily="2" charset="-122"/>
+                  <a:ea typeface="DengXian" panose="02010600030101010101" pitchFamily="2" charset="-122"/>
+                </a:rPr>
+                <a:t>loan.loanAmount</a:t>
+              </a:r>
+              <a:r>
+                <a:rPr kumimoji="1" lang="en-US" altLang="zh-CN" sz="1200" dirty="0">
+                  <a:solidFill>
+                    <a:sysClr val="windowText" lastClr="000000"/>
+                  </a:solidFill>
+                  <a:latin typeface="DengXian" panose="02010600030101010101" pitchFamily="2" charset="-122"/>
+                  <a:ea typeface="DengXian" panose="02010600030101010101" pitchFamily="2" charset="-122"/>
+                </a:rPr>
+                <a:t>),</a:t>
+              </a:r>
+              <a:r>
+                <a:rPr kumimoji="1" lang="zh-CN" altLang="en-US" sz="1200" dirty="0">
+                  <a:solidFill>
+                    <a:sysClr val="windowText" lastClr="000000"/>
+                  </a:solidFill>
+                  <a:latin typeface="DengXian" panose="02010600030101010101" pitchFamily="2" charset="-122"/>
+                  <a:ea typeface="DengXian" panose="02010600030101010101" pitchFamily="2" charset="-122"/>
+                </a:rPr>
+                <a:t> </a:t>
+              </a:r>
+              <a:r>
+                <a:rPr kumimoji="1" lang="en-US" altLang="zh-CN" sz="1200" dirty="0">
+                  <a:solidFill>
+                    <a:sysClr val="windowText" lastClr="000000"/>
+                  </a:solidFill>
+                  <a:latin typeface="DengXian" panose="02010600030101010101" pitchFamily="2" charset="-122"/>
+                  <a:ea typeface="DengXian" panose="02010600030101010101" pitchFamily="2" charset="-122"/>
+                </a:rPr>
+                <a:t>COUNT(loan)</a:t>
+              </a:r>
+            </a:p>
+          </p:txBody>
+        </p:sp>
+        <p:sp>
+          <p:nvSpPr>
+            <p:cNvPr id="157" name="矩形 14">
+              <a:extLst>
+                <a:ext uri="{FF2B5EF4-FFF2-40B4-BE49-F238E27FC236}">
+                  <a16:creationId xmlns:a16="http://schemas.microsoft.com/office/drawing/2014/main" id="{91EE3CF0-2D02-E6B8-360E-A686A6385658}"/>
+                </a:ext>
+              </a:extLst>
+            </p:cNvPr>
+            <p:cNvSpPr/>
+            <p:nvPr/>
+          </p:nvSpPr>
+          <p:spPr>
+            <a:xfrm>
+              <a:off x="2439973" y="4645882"/>
+              <a:ext cx="1200746" cy="305258"/>
+            </a:xfrm>
+            <a:prstGeom prst="rect">
+              <a:avLst/>
+            </a:prstGeom>
+            <a:solidFill>
+              <a:schemeClr val="accent6">
+                <a:lumMod val="60000"/>
+                <a:lumOff val="40000"/>
+              </a:schemeClr>
+            </a:solidFill>
+            <a:ln w="19050">
+              <a:solidFill>
+                <a:schemeClr val="tx1"/>
+              </a:solidFill>
+            </a:ln>
+          </p:spPr>
+          <p:style>
+            <a:lnRef idx="2">
+              <a:schemeClr val="accent2">
+                <a:shade val="50000"/>
+              </a:schemeClr>
+            </a:lnRef>
+            <a:fillRef idx="1">
+              <a:schemeClr val="accent2"/>
+            </a:fillRef>
+            <a:effectRef idx="0">
+              <a:schemeClr val="accent2"/>
+            </a:effectRef>
+            <a:fontRef idx="minor">
+              <a:schemeClr val="lt1"/>
+            </a:fontRef>
+          </p:style>
+          <p:txBody>
+            <a:bodyPr rtlCol="0" anchor="ctr"/>
+            <a:lstStyle/>
+            <a:p>
+              <a:pPr algn="ctr"/>
+              <a:r>
+                <a:rPr kumimoji="1" lang="en-US" altLang="zh-CN" sz="1200" b="1" dirty="0">
+                  <a:solidFill>
+                    <a:sysClr val="windowText" lastClr="000000"/>
+                  </a:solidFill>
+                </a:rPr>
+                <a:t>p2</a:t>
+              </a:r>
+              <a:r>
+                <a:rPr kumimoji="1" lang="zh-CN" altLang="en-US" sz="1200" dirty="0">
+                  <a:solidFill>
+                    <a:sysClr val="windowText" lastClr="000000"/>
+                  </a:solidFill>
+                </a:rPr>
+                <a:t> </a:t>
+              </a:r>
+              <a:r>
+                <a:rPr kumimoji="1" lang="en-US" altLang="zh-CN" sz="1200" dirty="0">
+                  <a:solidFill>
+                    <a:sysClr val="windowText" lastClr="000000"/>
+                  </a:solidFill>
+                </a:rPr>
+                <a:t>:</a:t>
+              </a:r>
+              <a:r>
+                <a:rPr kumimoji="1" lang="zh-CN" altLang="en-US" sz="1200" dirty="0">
+                  <a:solidFill>
+                    <a:sysClr val="windowText" lastClr="000000"/>
+                  </a:solidFill>
+                </a:rPr>
+                <a:t> </a:t>
+              </a:r>
+              <a:r>
+                <a:rPr kumimoji="1" lang="en-US" altLang="zh-CN" sz="1200" dirty="0">
+                  <a:solidFill>
+                    <a:sysClr val="windowText" lastClr="000000"/>
+                  </a:solidFill>
+                </a:rPr>
+                <a:t>Person</a:t>
+              </a:r>
+              <a:endParaRPr kumimoji="1" lang="zh-CN" altLang="en-US" sz="1200" dirty="0">
+                <a:solidFill>
+                  <a:sysClr val="windowText" lastClr="000000"/>
+                </a:solidFill>
+              </a:endParaRPr>
+            </a:p>
+          </p:txBody>
+        </p:sp>
+        <p:sp>
+          <p:nvSpPr>
+            <p:cNvPr id="158" name="矩形 14">
+              <a:extLst>
+                <a:ext uri="{FF2B5EF4-FFF2-40B4-BE49-F238E27FC236}">
+                  <a16:creationId xmlns:a16="http://schemas.microsoft.com/office/drawing/2014/main" id="{AE356B99-B66D-2119-8213-5322B91153EA}"/>
+                </a:ext>
+              </a:extLst>
+            </p:cNvPr>
+            <p:cNvSpPr/>
+            <p:nvPr/>
+          </p:nvSpPr>
+          <p:spPr>
+            <a:xfrm>
+              <a:off x="4103034" y="4540091"/>
+              <a:ext cx="799362" cy="505147"/>
+            </a:xfrm>
+            <a:prstGeom prst="rect">
+              <a:avLst/>
+            </a:prstGeom>
+            <a:noFill/>
+            <a:ln w="25400">
+              <a:noFill/>
+            </a:ln>
+          </p:spPr>
+          <p:style>
+            <a:lnRef idx="2">
+              <a:schemeClr val="accent2">
+                <a:shade val="50000"/>
+              </a:schemeClr>
+            </a:lnRef>
+            <a:fillRef idx="1">
+              <a:schemeClr val="accent2"/>
+            </a:fillRef>
+            <a:effectRef idx="0">
+              <a:schemeClr val="accent2"/>
+            </a:effectRef>
+            <a:fontRef idx="minor">
+              <a:schemeClr val="lt1"/>
+            </a:fontRef>
+          </p:style>
+          <p:txBody>
+            <a:bodyPr rtlCol="0" anchor="ctr"/>
+            <a:lstStyle/>
+            <a:p>
+              <a:pPr algn="ctr"/>
+              <a:r>
+                <a:rPr kumimoji="1" lang="en-US" altLang="zh-CN" sz="1600" b="1" dirty="0">
+                  <a:solidFill>
+                    <a:sysClr val="windowText" lastClr="000000"/>
+                  </a:solidFill>
+                </a:rPr>
+                <a:t>…</a:t>
+              </a:r>
+              <a:endParaRPr kumimoji="1" lang="zh-CN" altLang="en-US" sz="1600" dirty="0">
+                <a:solidFill>
+                  <a:sysClr val="windowText" lastClr="000000"/>
+                </a:solidFill>
+              </a:endParaRPr>
+            </a:p>
+          </p:txBody>
+        </p:sp>
+        <p:sp>
+          <p:nvSpPr>
+            <p:cNvPr id="159" name="矩形 14">
+              <a:extLst>
+                <a:ext uri="{FF2B5EF4-FFF2-40B4-BE49-F238E27FC236}">
+                  <a16:creationId xmlns:a16="http://schemas.microsoft.com/office/drawing/2014/main" id="{E075C904-7171-EA7E-A0DF-B596F18990A8}"/>
+                </a:ext>
+              </a:extLst>
+            </p:cNvPr>
+            <p:cNvSpPr/>
+            <p:nvPr/>
+          </p:nvSpPr>
+          <p:spPr>
+            <a:xfrm>
+              <a:off x="5364710" y="4645882"/>
+              <a:ext cx="1200746" cy="305258"/>
+            </a:xfrm>
+            <a:prstGeom prst="rect">
+              <a:avLst/>
+            </a:prstGeom>
+            <a:solidFill>
+              <a:schemeClr val="accent6">
+                <a:lumMod val="60000"/>
+                <a:lumOff val="40000"/>
+              </a:schemeClr>
+            </a:solidFill>
+            <a:ln w="19050">
+              <a:solidFill>
+                <a:schemeClr val="tx1"/>
+              </a:solidFill>
+            </a:ln>
+          </p:spPr>
+          <p:style>
+            <a:lnRef idx="2">
+              <a:schemeClr val="accent2">
+                <a:shade val="50000"/>
+              </a:schemeClr>
+            </a:lnRef>
+            <a:fillRef idx="1">
+              <a:schemeClr val="accent2"/>
+            </a:fillRef>
+            <a:effectRef idx="0">
+              <a:schemeClr val="accent2"/>
+            </a:effectRef>
+            <a:fontRef idx="minor">
+              <a:schemeClr val="lt1"/>
+            </a:fontRef>
+          </p:style>
+          <p:txBody>
+            <a:bodyPr rtlCol="0" anchor="ctr"/>
+            <a:lstStyle/>
+            <a:p>
+              <a:pPr algn="ctr"/>
+              <a:r>
+                <a:rPr kumimoji="1" lang="en-US" altLang="zh-CN" sz="1200" b="1" dirty="0" err="1">
+                  <a:solidFill>
+                    <a:sysClr val="windowText" lastClr="000000"/>
+                  </a:solidFill>
+                </a:rPr>
+                <a:t>pN</a:t>
+              </a:r>
+              <a:r>
+                <a:rPr kumimoji="1" lang="zh-CN" altLang="en-US" sz="1200" dirty="0">
+                  <a:solidFill>
+                    <a:sysClr val="windowText" lastClr="000000"/>
+                  </a:solidFill>
+                </a:rPr>
+                <a:t> </a:t>
+              </a:r>
+              <a:r>
+                <a:rPr kumimoji="1" lang="en-US" altLang="zh-CN" sz="1200" dirty="0">
+                  <a:solidFill>
+                    <a:sysClr val="windowText" lastClr="000000"/>
+                  </a:solidFill>
+                </a:rPr>
+                <a:t>:</a:t>
+              </a:r>
+              <a:r>
+                <a:rPr kumimoji="1" lang="zh-CN" altLang="en-US" sz="1200" dirty="0">
+                  <a:solidFill>
+                    <a:sysClr val="windowText" lastClr="000000"/>
+                  </a:solidFill>
+                </a:rPr>
+                <a:t> </a:t>
+              </a:r>
+              <a:r>
+                <a:rPr kumimoji="1" lang="en-US" altLang="zh-CN" sz="1200" dirty="0">
+                  <a:solidFill>
+                    <a:sysClr val="windowText" lastClr="000000"/>
+                  </a:solidFill>
+                </a:rPr>
+                <a:t>Person</a:t>
+              </a:r>
+              <a:endParaRPr kumimoji="1" lang="zh-CN" altLang="en-US" sz="1200" dirty="0">
+                <a:solidFill>
+                  <a:sysClr val="windowText" lastClr="000000"/>
+                </a:solidFill>
+              </a:endParaRPr>
+            </a:p>
+          </p:txBody>
+        </p:sp>
+        <p:cxnSp>
+          <p:nvCxnSpPr>
+            <p:cNvPr id="160" name="直线箭头连接符 11" descr="jytjh">
+              <a:extLst>
+                <a:ext uri="{FF2B5EF4-FFF2-40B4-BE49-F238E27FC236}">
+                  <a16:creationId xmlns:a16="http://schemas.microsoft.com/office/drawing/2014/main" id="{4CB3E205-BC21-A5CF-982D-E3B00BBC8058}"/>
+                </a:ext>
+              </a:extLst>
+            </p:cNvPr>
+            <p:cNvCxnSpPr>
+              <a:cxnSpLocks/>
+              <a:stCxn id="157" idx="3"/>
+              <a:endCxn id="158" idx="1"/>
+            </p:cNvCxnSpPr>
+            <p:nvPr/>
+          </p:nvCxnSpPr>
+          <p:spPr>
+            <a:xfrm flipV="1">
+              <a:off x="3640719" y="4792665"/>
+              <a:ext cx="462315" cy="5846"/>
+            </a:xfrm>
+            <a:prstGeom prst="straightConnector1">
+              <a:avLst/>
+            </a:prstGeom>
+            <a:ln w="19050">
+              <a:solidFill>
+                <a:schemeClr val="tx1"/>
+              </a:solidFill>
+              <a:headEnd type="none" w="lg" len="med"/>
+              <a:tailEnd type="arrow" w="sm" len="lg"/>
+            </a:ln>
+          </p:spPr>
+          <p:style>
+            <a:lnRef idx="1">
+              <a:schemeClr val="accent1"/>
+            </a:lnRef>
+            <a:fillRef idx="0">
+              <a:schemeClr val="accent1"/>
+            </a:fillRef>
+            <a:effectRef idx="0">
+              <a:schemeClr val="accent1"/>
+            </a:effectRef>
+            <a:fontRef idx="minor">
+              <a:schemeClr val="tx1"/>
+            </a:fontRef>
+          </p:style>
+        </p:cxnSp>
+        <p:cxnSp>
+          <p:nvCxnSpPr>
+            <p:cNvPr id="161" name="直线箭头连接符 11" descr="jytjh">
+              <a:extLst>
+                <a:ext uri="{FF2B5EF4-FFF2-40B4-BE49-F238E27FC236}">
+                  <a16:creationId xmlns:a16="http://schemas.microsoft.com/office/drawing/2014/main" id="{5840E459-9FB4-4B6F-CD59-6B4B3F02F5EA}"/>
+                </a:ext>
+              </a:extLst>
+            </p:cNvPr>
+            <p:cNvCxnSpPr>
+              <a:cxnSpLocks/>
+              <a:stCxn id="158" idx="3"/>
+              <a:endCxn id="159" idx="1"/>
+            </p:cNvCxnSpPr>
+            <p:nvPr/>
+          </p:nvCxnSpPr>
+          <p:spPr>
+            <a:xfrm>
+              <a:off x="4902396" y="4792665"/>
+              <a:ext cx="462314" cy="5846"/>
+            </a:xfrm>
+            <a:prstGeom prst="straightConnector1">
+              <a:avLst/>
+            </a:prstGeom>
+            <a:ln w="19050">
+              <a:solidFill>
+                <a:schemeClr val="tx1"/>
+              </a:solidFill>
+              <a:headEnd type="none" w="lg" len="med"/>
+              <a:tailEnd type="arrow" w="sm" len="lg"/>
+            </a:ln>
+          </p:spPr>
+          <p:style>
+            <a:lnRef idx="1">
+              <a:schemeClr val="accent1"/>
+            </a:lnRef>
+            <a:fillRef idx="0">
+              <a:schemeClr val="accent1"/>
+            </a:fillRef>
+            <a:effectRef idx="0">
+              <a:schemeClr val="accent1"/>
+            </a:effectRef>
+            <a:fontRef idx="minor">
+              <a:schemeClr val="tx1"/>
+            </a:fontRef>
+          </p:style>
+        </p:cxnSp>
+        <p:sp>
+          <p:nvSpPr>
+            <p:cNvPr id="162" name="矩形 14">
+              <a:extLst>
+                <a:ext uri="{FF2B5EF4-FFF2-40B4-BE49-F238E27FC236}">
+                  <a16:creationId xmlns:a16="http://schemas.microsoft.com/office/drawing/2014/main" id="{F3F38903-0485-C314-1FCD-B46FB1F69A71}"/>
+                </a:ext>
+              </a:extLst>
+            </p:cNvPr>
+            <p:cNvSpPr/>
+            <p:nvPr/>
+          </p:nvSpPr>
+          <p:spPr>
+            <a:xfrm>
+              <a:off x="1977657" y="3885012"/>
+              <a:ext cx="1062688" cy="371925"/>
+            </a:xfrm>
+            <a:prstGeom prst="rect">
+              <a:avLst/>
+            </a:prstGeom>
+            <a:solidFill>
+              <a:schemeClr val="accent2">
+                <a:lumMod val="60000"/>
+                <a:lumOff val="40000"/>
+              </a:schemeClr>
+            </a:solidFill>
+            <a:ln w="19050">
+              <a:solidFill>
+                <a:schemeClr val="tx1"/>
+              </a:solidFill>
+            </a:ln>
+          </p:spPr>
+          <p:style>
+            <a:lnRef idx="2">
+              <a:schemeClr val="accent2">
+                <a:shade val="50000"/>
+              </a:schemeClr>
+            </a:lnRef>
+            <a:fillRef idx="1">
+              <a:schemeClr val="accent2"/>
+            </a:fillRef>
+            <a:effectRef idx="0">
+              <a:schemeClr val="accent2"/>
+            </a:effectRef>
+            <a:fontRef idx="minor">
+              <a:schemeClr val="lt1"/>
+            </a:fontRef>
+          </p:style>
+          <p:txBody>
+            <a:bodyPr rtlCol="0" anchor="ctr"/>
+            <a:lstStyle/>
+            <a:p>
+              <a:pPr algn="ctr"/>
+              <a:r>
+                <a:rPr kumimoji="1" lang="en-US" altLang="zh-CN" sz="1200" b="1" dirty="0">
+                  <a:solidFill>
+                    <a:sysClr val="windowText" lastClr="000000"/>
+                  </a:solidFill>
+                </a:rPr>
+                <a:t>loan1</a:t>
+              </a:r>
+              <a:r>
+                <a:rPr kumimoji="1" lang="zh-CN" altLang="en-US" sz="1200" dirty="0">
+                  <a:solidFill>
+                    <a:sysClr val="windowText" lastClr="000000"/>
+                  </a:solidFill>
+                </a:rPr>
+                <a:t> </a:t>
+              </a:r>
+              <a:r>
+                <a:rPr kumimoji="1" lang="en-US" altLang="zh-CN" sz="1200" dirty="0">
+                  <a:solidFill>
+                    <a:sysClr val="windowText" lastClr="000000"/>
+                  </a:solidFill>
+                </a:rPr>
+                <a:t>:</a:t>
+              </a:r>
+              <a:r>
+                <a:rPr kumimoji="1" lang="zh-CN" altLang="en-US" sz="1200" dirty="0">
+                  <a:solidFill>
+                    <a:sysClr val="windowText" lastClr="000000"/>
+                  </a:solidFill>
+                </a:rPr>
+                <a:t> </a:t>
+              </a:r>
+              <a:r>
+                <a:rPr kumimoji="1" lang="en-US" altLang="zh-CN" sz="1200" dirty="0">
+                  <a:solidFill>
+                    <a:sysClr val="windowText" lastClr="000000"/>
+                  </a:solidFill>
+                </a:rPr>
+                <a:t>Loan</a:t>
+              </a:r>
+              <a:endParaRPr kumimoji="1" lang="zh-CN" altLang="en-US" sz="1200" dirty="0">
+                <a:solidFill>
+                  <a:sysClr val="windowText" lastClr="000000"/>
+                </a:solidFill>
+              </a:endParaRPr>
+            </a:p>
+          </p:txBody>
+        </p:sp>
+        <p:sp>
+          <p:nvSpPr>
+            <p:cNvPr id="163" name="文本框 12">
+              <a:extLst>
+                <a:ext uri="{FF2B5EF4-FFF2-40B4-BE49-F238E27FC236}">
+                  <a16:creationId xmlns:a16="http://schemas.microsoft.com/office/drawing/2014/main" id="{095014AC-C92D-3D54-5A95-EBB1D1213053}"/>
+                </a:ext>
+              </a:extLst>
+            </p:cNvPr>
+            <p:cNvSpPr txBox="1"/>
+            <p:nvPr/>
+          </p:nvSpPr>
+          <p:spPr>
+            <a:xfrm>
+              <a:off x="3564990" y="4512368"/>
+              <a:ext cx="638664" cy="276999"/>
+            </a:xfrm>
+            <a:prstGeom prst="rect">
+              <a:avLst/>
+            </a:prstGeom>
+            <a:noFill/>
+          </p:spPr>
+          <p:txBody>
+            <a:bodyPr wrap="square" rtlCol="0">
+              <a:spAutoFit/>
+            </a:bodyPr>
+            <a:lstStyle/>
+            <a:p>
+              <a:pPr algn="ctr"/>
+              <a:r>
+                <a:rPr kumimoji="1" lang="en-US" altLang="zh-CN" sz="1200" b="1" dirty="0">
+                  <a:latin typeface="DengXian" panose="02010600030101010101" pitchFamily="2" charset="-122"/>
+                  <a:ea typeface="DengXian" panose="02010600030101010101" pitchFamily="2" charset="-122"/>
+                </a:rPr>
+                <a:t>edge2</a:t>
+              </a:r>
+              <a:endParaRPr kumimoji="1" lang="en-US" altLang="zh-CN" sz="1200" dirty="0">
+                <a:latin typeface="DengXian" panose="02010600030101010101" pitchFamily="2" charset="-122"/>
+                <a:ea typeface="DengXian" panose="02010600030101010101" pitchFamily="2" charset="-122"/>
+              </a:endParaRPr>
+            </a:p>
+          </p:txBody>
+        </p:sp>
+        <p:sp>
+          <p:nvSpPr>
+            <p:cNvPr id="164" name="文本框 12">
+              <a:extLst>
+                <a:ext uri="{FF2B5EF4-FFF2-40B4-BE49-F238E27FC236}">
+                  <a16:creationId xmlns:a16="http://schemas.microsoft.com/office/drawing/2014/main" id="{BF8F12F2-279E-7852-6C66-02CC68C31312}"/>
+                </a:ext>
+              </a:extLst>
+            </p:cNvPr>
+            <p:cNvSpPr txBox="1"/>
+            <p:nvPr/>
+          </p:nvSpPr>
+          <p:spPr>
+            <a:xfrm>
+              <a:off x="4801126" y="4530190"/>
+              <a:ext cx="638664" cy="261610"/>
+            </a:xfrm>
+            <a:prstGeom prst="rect">
+              <a:avLst/>
+            </a:prstGeom>
+            <a:noFill/>
+          </p:spPr>
+          <p:txBody>
+            <a:bodyPr wrap="square" rtlCol="0">
+              <a:spAutoFit/>
+            </a:bodyPr>
+            <a:lstStyle/>
+            <a:p>
+              <a:pPr algn="ctr"/>
+              <a:r>
+                <a:rPr kumimoji="1" lang="en-US" altLang="zh-CN" sz="1100" b="1" dirty="0" err="1">
+                  <a:latin typeface="DengXian" panose="02010600030101010101" pitchFamily="2" charset="-122"/>
+                  <a:ea typeface="DengXian" panose="02010600030101010101" pitchFamily="2" charset="-122"/>
+                </a:rPr>
+                <a:t>edgeN</a:t>
+              </a:r>
+              <a:endParaRPr kumimoji="1" lang="en-US" altLang="zh-CN" sz="1100" dirty="0">
+                <a:latin typeface="DengXian" panose="02010600030101010101" pitchFamily="2" charset="-122"/>
+                <a:ea typeface="DengXian" panose="02010600030101010101" pitchFamily="2" charset="-122"/>
+              </a:endParaRPr>
+            </a:p>
+          </p:txBody>
+        </p:sp>
+        <p:cxnSp>
+          <p:nvCxnSpPr>
+            <p:cNvPr id="165" name="直线箭头连接符 11" descr="jytjh">
+              <a:extLst>
+                <a:ext uri="{FF2B5EF4-FFF2-40B4-BE49-F238E27FC236}">
+                  <a16:creationId xmlns:a16="http://schemas.microsoft.com/office/drawing/2014/main" id="{8FF0F5BF-4EB4-B434-F2C5-74E27E3428E7}"/>
+                </a:ext>
+              </a:extLst>
+            </p:cNvPr>
+            <p:cNvCxnSpPr>
+              <a:cxnSpLocks/>
+              <a:stCxn id="157" idx="0"/>
+              <a:endCxn id="162" idx="2"/>
+            </p:cNvCxnSpPr>
+            <p:nvPr/>
+          </p:nvCxnSpPr>
+          <p:spPr>
+            <a:xfrm flipH="1" flipV="1">
+              <a:off x="2509001" y="4256937"/>
+              <a:ext cx="531345" cy="388945"/>
+            </a:xfrm>
+            <a:prstGeom prst="straightConnector1">
+              <a:avLst/>
+            </a:prstGeom>
+            <a:ln w="19050">
+              <a:solidFill>
+                <a:schemeClr val="tx1"/>
+              </a:solidFill>
+              <a:headEnd type="none" w="lg" len="med"/>
+              <a:tailEnd type="arrow" w="sm" len="lg"/>
+            </a:ln>
+          </p:spPr>
+          <p:style>
+            <a:lnRef idx="1">
+              <a:schemeClr val="accent1"/>
+            </a:lnRef>
+            <a:fillRef idx="0">
+              <a:schemeClr val="accent1"/>
+            </a:fillRef>
+            <a:effectRef idx="0">
+              <a:schemeClr val="accent1"/>
+            </a:effectRef>
+            <a:fontRef idx="minor">
+              <a:schemeClr val="tx1"/>
+            </a:fontRef>
+          </p:style>
+        </p:cxnSp>
+        <p:sp>
+          <p:nvSpPr>
+            <p:cNvPr id="166" name="矩形 14">
+              <a:extLst>
+                <a:ext uri="{FF2B5EF4-FFF2-40B4-BE49-F238E27FC236}">
+                  <a16:creationId xmlns:a16="http://schemas.microsoft.com/office/drawing/2014/main" id="{97DF9EF1-93A6-0568-3EC6-4746C8E50F08}"/>
+                </a:ext>
+              </a:extLst>
+            </p:cNvPr>
+            <p:cNvSpPr/>
+            <p:nvPr/>
+          </p:nvSpPr>
+          <p:spPr>
+            <a:xfrm>
+              <a:off x="5364710" y="3885012"/>
+              <a:ext cx="1200745" cy="371925"/>
+            </a:xfrm>
+            <a:prstGeom prst="rect">
+              <a:avLst/>
+            </a:prstGeom>
+            <a:solidFill>
+              <a:schemeClr val="accent2">
+                <a:lumMod val="60000"/>
+                <a:lumOff val="40000"/>
+              </a:schemeClr>
+            </a:solidFill>
+            <a:ln w="19050">
+              <a:solidFill>
+                <a:schemeClr val="tx1"/>
+              </a:solidFill>
+            </a:ln>
+          </p:spPr>
+          <p:style>
+            <a:lnRef idx="2">
+              <a:schemeClr val="accent2">
+                <a:shade val="50000"/>
+              </a:schemeClr>
+            </a:lnRef>
+            <a:fillRef idx="1">
+              <a:schemeClr val="accent2"/>
+            </a:fillRef>
+            <a:effectRef idx="0">
+              <a:schemeClr val="accent2"/>
+            </a:effectRef>
+            <a:fontRef idx="minor">
+              <a:schemeClr val="lt1"/>
+            </a:fontRef>
+          </p:style>
+          <p:txBody>
+            <a:bodyPr rtlCol="0" anchor="ctr"/>
+            <a:lstStyle/>
+            <a:p>
+              <a:pPr algn="ctr"/>
+              <a:r>
+                <a:rPr kumimoji="1" lang="en-US" altLang="zh-CN" sz="1200" b="1" dirty="0">
+                  <a:solidFill>
+                    <a:sysClr val="windowText" lastClr="000000"/>
+                  </a:solidFill>
+                </a:rPr>
+                <a:t>loan</a:t>
+              </a:r>
+              <a:r>
+                <a:rPr kumimoji="1" lang="zh-CN" altLang="en-US" sz="1200" dirty="0">
+                  <a:solidFill>
+                    <a:sysClr val="windowText" lastClr="000000"/>
+                  </a:solidFill>
+                </a:rPr>
+                <a:t> </a:t>
+              </a:r>
+              <a:r>
+                <a:rPr kumimoji="1" lang="en-US" altLang="zh-CN" sz="1200" dirty="0">
+                  <a:solidFill>
+                    <a:sysClr val="windowText" lastClr="000000"/>
+                  </a:solidFill>
+                </a:rPr>
+                <a:t>:</a:t>
+              </a:r>
+              <a:r>
+                <a:rPr kumimoji="1" lang="zh-CN" altLang="en-US" sz="1200" dirty="0">
+                  <a:solidFill>
+                    <a:sysClr val="windowText" lastClr="000000"/>
+                  </a:solidFill>
+                </a:rPr>
+                <a:t> </a:t>
+              </a:r>
+              <a:r>
+                <a:rPr kumimoji="1" lang="en-US" altLang="zh-CN" sz="1200" dirty="0">
+                  <a:solidFill>
+                    <a:sysClr val="windowText" lastClr="000000"/>
+                  </a:solidFill>
+                </a:rPr>
+                <a:t>Loan</a:t>
+              </a:r>
+              <a:endParaRPr kumimoji="1" lang="zh-CN" altLang="en-US" sz="1200" dirty="0">
+                <a:solidFill>
+                  <a:sysClr val="windowText" lastClr="000000"/>
+                </a:solidFill>
+              </a:endParaRPr>
+            </a:p>
+          </p:txBody>
+        </p:sp>
+        <p:cxnSp>
+          <p:nvCxnSpPr>
+            <p:cNvPr id="167" name="直线箭头连接符 11" descr="jytjh">
+              <a:extLst>
+                <a:ext uri="{FF2B5EF4-FFF2-40B4-BE49-F238E27FC236}">
+                  <a16:creationId xmlns:a16="http://schemas.microsoft.com/office/drawing/2014/main" id="{252C121C-C089-5A76-A55C-47461A5BFC3D}"/>
+                </a:ext>
+              </a:extLst>
+            </p:cNvPr>
+            <p:cNvCxnSpPr>
+              <a:cxnSpLocks/>
+              <a:stCxn id="159" idx="0"/>
+              <a:endCxn id="166" idx="2"/>
+            </p:cNvCxnSpPr>
+            <p:nvPr/>
+          </p:nvCxnSpPr>
+          <p:spPr>
+            <a:xfrm flipV="1">
+              <a:off x="5965083" y="4256937"/>
+              <a:ext cx="0" cy="388945"/>
+            </a:xfrm>
+            <a:prstGeom prst="straightConnector1">
+              <a:avLst/>
+            </a:prstGeom>
+            <a:ln w="19050">
+              <a:solidFill>
+                <a:schemeClr val="tx1"/>
+              </a:solidFill>
+              <a:headEnd type="none" w="lg" len="med"/>
+              <a:tailEnd type="arrow" w="sm" len="lg"/>
+            </a:ln>
+          </p:spPr>
+          <p:style>
+            <a:lnRef idx="1">
+              <a:schemeClr val="accent1"/>
+            </a:lnRef>
+            <a:fillRef idx="0">
+              <a:schemeClr val="accent1"/>
+            </a:fillRef>
+            <a:effectRef idx="0">
+              <a:schemeClr val="accent1"/>
+            </a:effectRef>
+            <a:fontRef idx="minor">
+              <a:schemeClr val="tx1"/>
+            </a:fontRef>
+          </p:style>
+        </p:cxnSp>
+        <p:sp>
+          <p:nvSpPr>
+            <p:cNvPr id="168" name="矩形 10">
+              <a:extLst>
+                <a:ext uri="{FF2B5EF4-FFF2-40B4-BE49-F238E27FC236}">
+                  <a16:creationId xmlns:a16="http://schemas.microsoft.com/office/drawing/2014/main" id="{974A8B10-3F2A-80BB-103F-D30C1574BC00}"/>
+                </a:ext>
+              </a:extLst>
+            </p:cNvPr>
+            <p:cNvSpPr/>
+            <p:nvPr/>
+          </p:nvSpPr>
+          <p:spPr>
+            <a:xfrm>
+              <a:off x="776911" y="4947927"/>
+              <a:ext cx="1200747" cy="249148"/>
+            </a:xfrm>
+            <a:prstGeom prst="rect">
+              <a:avLst/>
+            </a:prstGeom>
+            <a:noFill/>
+            <a:ln w="19050">
+              <a:solidFill>
+                <a:schemeClr val="tx1"/>
+              </a:solidFill>
+            </a:ln>
+          </p:spPr>
+          <p:style>
+            <a:lnRef idx="2">
+              <a:schemeClr val="accent2">
+                <a:shade val="50000"/>
+              </a:schemeClr>
+            </a:lnRef>
+            <a:fillRef idx="1">
+              <a:schemeClr val="accent2"/>
+            </a:fillRef>
+            <a:effectRef idx="0">
+              <a:schemeClr val="accent2"/>
+            </a:effectRef>
+            <a:fontRef idx="minor">
+              <a:schemeClr val="lt1"/>
+            </a:fontRef>
+          </p:style>
+          <p:txBody>
+            <a:bodyPr rtlCol="0" anchor="ctr"/>
+            <a:lstStyle/>
+            <a:p>
+              <a:pPr algn="ctr"/>
+              <a:r>
+                <a:rPr kumimoji="1" lang="en-US" altLang="zh-CN" sz="1200" b="1" dirty="0">
+                  <a:solidFill>
+                    <a:sysClr val="windowText" lastClr="000000"/>
+                  </a:solidFill>
+                  <a:latin typeface="DengXian" panose="02010600030101010101" pitchFamily="2" charset="-122"/>
+                  <a:ea typeface="DengXian" panose="02010600030101010101" pitchFamily="2" charset="-122"/>
+                </a:rPr>
+                <a:t>p1</a:t>
+              </a:r>
+              <a:r>
+                <a:rPr kumimoji="1" lang="en-US" altLang="zh-CN" sz="1200" dirty="0">
+                  <a:solidFill>
+                    <a:sysClr val="windowText" lastClr="000000"/>
+                  </a:solidFill>
+                  <a:latin typeface="DengXian" panose="02010600030101010101" pitchFamily="2" charset="-122"/>
+                  <a:ea typeface="DengXian" panose="02010600030101010101" pitchFamily="2" charset="-122"/>
+                </a:rPr>
+                <a:t>.id</a:t>
+              </a:r>
+              <a:r>
+                <a:rPr kumimoji="1" lang="zh-CN" altLang="en-US" sz="1200" dirty="0">
+                  <a:solidFill>
+                    <a:sysClr val="windowText" lastClr="000000"/>
+                  </a:solidFill>
+                  <a:latin typeface="DengXian" panose="02010600030101010101" pitchFamily="2" charset="-122"/>
+                  <a:ea typeface="DengXian" panose="02010600030101010101" pitchFamily="2" charset="-122"/>
+                </a:rPr>
+                <a:t> </a:t>
+              </a:r>
+              <a:r>
+                <a:rPr kumimoji="1" lang="en-US" altLang="zh-CN" sz="1200" dirty="0">
+                  <a:solidFill>
+                    <a:sysClr val="windowText" lastClr="000000"/>
+                  </a:solidFill>
+                  <a:latin typeface="DengXian" panose="02010600030101010101" pitchFamily="2" charset="-122"/>
+                  <a:ea typeface="DengXian" panose="02010600030101010101" pitchFamily="2" charset="-122"/>
+                </a:rPr>
+                <a:t>=</a:t>
+              </a:r>
+              <a:r>
+                <a:rPr kumimoji="1" lang="zh-CN" altLang="en-US" sz="1200" dirty="0">
+                  <a:solidFill>
+                    <a:sysClr val="windowText" lastClr="000000"/>
+                  </a:solidFill>
+                  <a:latin typeface="DengXian" panose="02010600030101010101" pitchFamily="2" charset="-122"/>
+                  <a:ea typeface="DengXian" panose="02010600030101010101" pitchFamily="2" charset="-122"/>
+                </a:rPr>
+                <a:t> </a:t>
+              </a:r>
+              <a:r>
+                <a:rPr kumimoji="1" lang="en-US" altLang="zh-CN" sz="1200" dirty="0">
+                  <a:solidFill>
+                    <a:sysClr val="windowText" lastClr="000000"/>
+                  </a:solidFill>
+                  <a:latin typeface="DengXian" panose="02010600030101010101" pitchFamily="2" charset="-122"/>
+                  <a:ea typeface="DengXian" panose="02010600030101010101" pitchFamily="2" charset="-122"/>
+                </a:rPr>
+                <a:t>${id}</a:t>
+              </a:r>
+              <a:endParaRPr kumimoji="1" lang="zh-CN" altLang="en-US" sz="1200" dirty="0">
+                <a:solidFill>
+                  <a:sysClr val="windowText" lastClr="000000"/>
+                </a:solidFill>
+                <a:latin typeface="DengXian" panose="02010600030101010101" pitchFamily="2" charset="-122"/>
+                <a:ea typeface="DengXian" panose="02010600030101010101" pitchFamily="2" charset="-122"/>
+              </a:endParaRPr>
+            </a:p>
+          </p:txBody>
+        </p:sp>
+        <p:sp>
+          <p:nvSpPr>
+            <p:cNvPr id="169" name="文本框 12">
+              <a:extLst>
+                <a:ext uri="{FF2B5EF4-FFF2-40B4-BE49-F238E27FC236}">
+                  <a16:creationId xmlns:a16="http://schemas.microsoft.com/office/drawing/2014/main" id="{00B00A61-772A-D117-CA3D-31EE00116DEF}"/>
+                </a:ext>
+              </a:extLst>
+            </p:cNvPr>
+            <p:cNvSpPr txBox="1"/>
+            <p:nvPr/>
+          </p:nvSpPr>
+          <p:spPr>
+            <a:xfrm>
+              <a:off x="4449006" y="5037729"/>
+              <a:ext cx="2241647" cy="776903"/>
+            </a:xfrm>
+            <a:prstGeom prst="rect">
+              <a:avLst/>
+            </a:prstGeom>
+            <a:noFill/>
+          </p:spPr>
+          <p:txBody>
+            <a:bodyPr wrap="square" lIns="90000" numCol="1" rtlCol="0" anchor="ctr">
+              <a:noAutofit/>
+            </a:bodyPr>
+            <a:lstStyle/>
+            <a:p>
+              <a:pPr algn="just"/>
+              <a:r>
+                <a:rPr kumimoji="1" lang="en-US" altLang="zh-CN" sz="1050" b="1" dirty="0" err="1">
+                  <a:latin typeface="DengXian" panose="02010600030101010101" pitchFamily="2" charset="-122"/>
+                  <a:ea typeface="DengXian" panose="02010600030101010101" pitchFamily="2" charset="-122"/>
+                </a:rPr>
+                <a:t>edgeN</a:t>
+              </a:r>
+              <a:r>
+                <a:rPr kumimoji="1" lang="en-US" altLang="zh-CN" sz="1050" b="1" dirty="0">
+                  <a:latin typeface="DengXian" panose="02010600030101010101" pitchFamily="2" charset="-122"/>
+                  <a:ea typeface="DengXian" panose="02010600030101010101" pitchFamily="2" charset="-122"/>
+                </a:rPr>
+                <a:t>:</a:t>
+              </a:r>
+              <a:r>
+                <a:rPr kumimoji="1" lang="zh-CN" altLang="en-US" sz="1050" b="1" dirty="0">
+                  <a:latin typeface="DengXian" panose="02010600030101010101" pitchFamily="2" charset="-122"/>
+                  <a:ea typeface="DengXian" panose="02010600030101010101" pitchFamily="2" charset="-122"/>
+                </a:rPr>
+                <a:t> </a:t>
+              </a:r>
+              <a:r>
+                <a:rPr kumimoji="1" lang="en-US" altLang="zh-CN" sz="1050" dirty="0">
+                  <a:latin typeface="DengXian" panose="02010600030101010101" pitchFamily="2" charset="-122"/>
+                  <a:ea typeface="DengXian" panose="02010600030101010101" pitchFamily="2" charset="-122"/>
+                </a:rPr>
+                <a:t>guarantee</a:t>
+              </a:r>
+            </a:p>
+            <a:p>
+              <a:pPr algn="just"/>
+              <a:r>
+                <a:rPr kumimoji="1" lang="en-US" altLang="zh-CN" sz="1050" b="1" dirty="0" err="1">
+                  <a:latin typeface="DengXian" panose="02010600030101010101" pitchFamily="2" charset="-122"/>
+                  <a:ea typeface="DengXian" panose="02010600030101010101" pitchFamily="2" charset="-122"/>
+                </a:rPr>
+                <a:t>edgeN</a:t>
+              </a:r>
+              <a:r>
+                <a:rPr kumimoji="1" lang="en-US" altLang="zh-CN" sz="1050" dirty="0" err="1">
+                  <a:latin typeface="DengXian" panose="02010600030101010101" pitchFamily="2" charset="-122"/>
+                  <a:ea typeface="DengXian" panose="02010600030101010101" pitchFamily="2" charset="-122"/>
+                </a:rPr>
+                <a:t>.timestamp</a:t>
+              </a:r>
+              <a:r>
+                <a:rPr kumimoji="1" lang="zh-CN" altLang="en-US" sz="1050" dirty="0">
+                  <a:latin typeface="DengXian" panose="02010600030101010101" pitchFamily="2" charset="-122"/>
+                  <a:ea typeface="DengXian" panose="02010600030101010101" pitchFamily="2" charset="-122"/>
+                </a:rPr>
+                <a:t> </a:t>
+              </a:r>
+              <a:r>
+                <a:rPr kumimoji="1" lang="en-US" altLang="zh-CN" sz="1050" dirty="0">
+                  <a:latin typeface="DengXian" panose="02010600030101010101" pitchFamily="2" charset="-122"/>
+                  <a:ea typeface="DengXian" panose="02010600030101010101" pitchFamily="2" charset="-122"/>
+                </a:rPr>
+                <a:t>&gt;</a:t>
+              </a:r>
+              <a:r>
+                <a:rPr kumimoji="1" lang="zh-CN" altLang="en-US" sz="1050" dirty="0">
+                  <a:latin typeface="DengXian" panose="02010600030101010101" pitchFamily="2" charset="-122"/>
+                  <a:ea typeface="DengXian" panose="02010600030101010101" pitchFamily="2" charset="-122"/>
+                </a:rPr>
+                <a:t> </a:t>
+              </a:r>
+              <a:r>
+                <a:rPr kumimoji="1" lang="en-US" altLang="zh-CN" sz="1050" dirty="0">
+                  <a:latin typeface="DengXian" panose="02010600030101010101" pitchFamily="2" charset="-122"/>
+                  <a:ea typeface="DengXian" panose="02010600030101010101" pitchFamily="2" charset="-122"/>
+                </a:rPr>
+                <a:t>${</a:t>
+              </a:r>
+              <a:r>
+                <a:rPr kumimoji="1" lang="en-US" altLang="zh-CN" sz="1050" dirty="0" err="1">
+                  <a:latin typeface="DengXian" panose="02010600030101010101" pitchFamily="2" charset="-122"/>
+                  <a:ea typeface="DengXian" panose="02010600030101010101" pitchFamily="2" charset="-122"/>
+                </a:rPr>
+                <a:t>startTime</a:t>
+              </a:r>
+              <a:r>
+                <a:rPr kumimoji="1" lang="en-US" altLang="zh-CN" sz="1050" dirty="0">
+                  <a:latin typeface="DengXian" panose="02010600030101010101" pitchFamily="2" charset="-122"/>
+                  <a:ea typeface="DengXian" panose="02010600030101010101" pitchFamily="2" charset="-122"/>
+                </a:rPr>
+                <a:t>}</a:t>
+              </a:r>
+            </a:p>
+            <a:p>
+              <a:pPr algn="just"/>
+              <a:r>
+                <a:rPr kumimoji="1" lang="en-US" altLang="zh-CN" sz="1050" b="1" dirty="0" err="1">
+                  <a:latin typeface="DengXian" panose="02010600030101010101" pitchFamily="2" charset="-122"/>
+                  <a:ea typeface="DengXian" panose="02010600030101010101" pitchFamily="2" charset="-122"/>
+                </a:rPr>
+                <a:t>edgeN</a:t>
+              </a:r>
+              <a:r>
+                <a:rPr kumimoji="1" lang="en-US" altLang="zh-CN" sz="1050" dirty="0" err="1">
+                  <a:latin typeface="DengXian" panose="02010600030101010101" pitchFamily="2" charset="-122"/>
+                  <a:ea typeface="DengXian" panose="02010600030101010101" pitchFamily="2" charset="-122"/>
+                </a:rPr>
+                <a:t>.timestamp</a:t>
+              </a:r>
+              <a:r>
+                <a:rPr kumimoji="1" lang="zh-CN" altLang="en-US" sz="1050" dirty="0">
+                  <a:latin typeface="DengXian" panose="02010600030101010101" pitchFamily="2" charset="-122"/>
+                  <a:ea typeface="DengXian" panose="02010600030101010101" pitchFamily="2" charset="-122"/>
+                </a:rPr>
+                <a:t> </a:t>
+              </a:r>
+              <a:r>
+                <a:rPr kumimoji="1" lang="en-US" altLang="zh-CN" sz="1050" dirty="0">
+                  <a:latin typeface="DengXian" panose="02010600030101010101" pitchFamily="2" charset="-122"/>
+                  <a:ea typeface="DengXian" panose="02010600030101010101" pitchFamily="2" charset="-122"/>
+                </a:rPr>
+                <a:t>&lt;</a:t>
+              </a:r>
+              <a:r>
+                <a:rPr kumimoji="1" lang="zh-CN" altLang="en-US" sz="1050" dirty="0">
+                  <a:latin typeface="DengXian" panose="02010600030101010101" pitchFamily="2" charset="-122"/>
+                  <a:ea typeface="DengXian" panose="02010600030101010101" pitchFamily="2" charset="-122"/>
+                </a:rPr>
+                <a:t> </a:t>
+              </a:r>
+              <a:r>
+                <a:rPr kumimoji="1" lang="en-US" altLang="zh-CN" sz="1050" dirty="0">
+                  <a:latin typeface="DengXian" panose="02010600030101010101" pitchFamily="2" charset="-122"/>
+                  <a:ea typeface="DengXian" panose="02010600030101010101" pitchFamily="2" charset="-122"/>
+                </a:rPr>
+                <a:t>${</a:t>
+              </a:r>
+              <a:r>
+                <a:rPr kumimoji="1" lang="en-US" altLang="zh-CN" sz="1050" dirty="0" err="1">
+                  <a:latin typeface="DengXian" panose="02010600030101010101" pitchFamily="2" charset="-122"/>
+                  <a:ea typeface="DengXian" panose="02010600030101010101" pitchFamily="2" charset="-122"/>
+                </a:rPr>
+                <a:t>endTime</a:t>
+              </a:r>
+              <a:r>
+                <a:rPr kumimoji="1" lang="en-US" altLang="zh-CN" sz="1050" dirty="0">
+                  <a:latin typeface="DengXian" panose="02010600030101010101" pitchFamily="2" charset="-122"/>
+                  <a:ea typeface="DengXian" panose="02010600030101010101" pitchFamily="2" charset="-122"/>
+                </a:rPr>
+                <a:t>}</a:t>
+              </a:r>
+            </a:p>
+          </p:txBody>
+        </p:sp>
+        <p:sp>
+          <p:nvSpPr>
+            <p:cNvPr id="113" name="Rectangle: Rounded Corners 4">
+              <a:extLst>
+                <a:ext uri="{FF2B5EF4-FFF2-40B4-BE49-F238E27FC236}">
+                  <a16:creationId xmlns:a16="http://schemas.microsoft.com/office/drawing/2014/main" id="{D5C112EC-11AB-0B8B-A989-A2A7BCBC1D3D}"/>
+                </a:ext>
+              </a:extLst>
+            </p:cNvPr>
+            <p:cNvSpPr/>
+            <p:nvPr/>
+          </p:nvSpPr>
+          <p:spPr>
+            <a:xfrm>
+              <a:off x="9223508" y="2292029"/>
+              <a:ext cx="2245814" cy="2233670"/>
+            </a:xfrm>
+            <a:prstGeom prst="roundRect">
+              <a:avLst/>
+            </a:prstGeom>
+            <a:noFill/>
+            <a:ln w="19050">
+              <a:solidFill>
+                <a:schemeClr val="tx1">
+                  <a:alpha val="40000"/>
                 </a:schemeClr>
               </a:solidFill>
-              <a:ln w="19050">
+              <a:prstDash val="sysDash"/>
+            </a:ln>
+          </p:spPr>
+          <p:style>
+            <a:lnRef idx="2">
+              <a:schemeClr val="accent1">
+                <a:shade val="50000"/>
+              </a:schemeClr>
+            </a:lnRef>
+            <a:fillRef idx="1">
+              <a:schemeClr val="accent1"/>
+            </a:fillRef>
+            <a:effectRef idx="0">
+              <a:schemeClr val="accent1"/>
+            </a:effectRef>
+            <a:fontRef idx="minor">
+              <a:schemeClr val="lt1"/>
+            </a:fontRef>
+          </p:style>
+          <p:txBody>
+            <a:bodyPr rtlCol="0" anchor="ctr"/>
+            <a:lstStyle/>
+            <a:p>
+              <a:pPr algn="ctr" defTabSz="685800" fontAlgn="base">
+                <a:spcBef>
+                  <a:spcPct val="0"/>
+                </a:spcBef>
+                <a:spcAft>
+                  <a:spcPct val="0"/>
+                </a:spcAft>
+                <a:defRPr/>
+              </a:pPr>
+              <a:endParaRPr lang="en-US" sz="900" dirty="0">
                 <a:solidFill>
                   <a:schemeClr val="tx1"/>
                 </a:solidFill>
-              </a:ln>
-            </p:spPr>
-            <p:style>
-              <a:lnRef idx="2">
-                <a:schemeClr val="accent2">
-                  <a:shade val="50000"/>
-                </a:schemeClr>
-              </a:lnRef>
-              <a:fillRef idx="1">
-                <a:schemeClr val="accent2"/>
-              </a:fillRef>
-              <a:effectRef idx="0">
-                <a:schemeClr val="accent2"/>
-              </a:effectRef>
-              <a:fontRef idx="minor">
-                <a:schemeClr val="lt1"/>
-              </a:fontRef>
-            </p:style>
-            <p:txBody>
-              <a:bodyPr rtlCol="0" anchor="ctr"/>
-              <a:lstStyle/>
-              <a:p>
-                <a:pPr algn="ctr"/>
-                <a:r>
-                  <a:rPr kumimoji="1" lang="en-US" altLang="zh-CN" sz="1200" b="1" dirty="0">
-                    <a:solidFill>
-                      <a:sysClr val="windowText" lastClr="000000"/>
-                    </a:solidFill>
-                  </a:rPr>
-                  <a:t>p1</a:t>
-                </a:r>
-                <a:r>
-                  <a:rPr kumimoji="1" lang="zh-CN" altLang="en-US" sz="1200" dirty="0">
-                    <a:solidFill>
-                      <a:sysClr val="windowText" lastClr="000000"/>
-                    </a:solidFill>
-                  </a:rPr>
-                  <a:t> </a:t>
-                </a:r>
-                <a:r>
-                  <a:rPr kumimoji="1" lang="en-US" altLang="zh-CN" sz="1200" dirty="0">
-                    <a:solidFill>
-                      <a:sysClr val="windowText" lastClr="000000"/>
-                    </a:solidFill>
-                  </a:rPr>
-                  <a:t>:</a:t>
-                </a:r>
-                <a:r>
-                  <a:rPr kumimoji="1" lang="zh-CN" altLang="en-US" sz="1200" dirty="0">
-                    <a:solidFill>
-                      <a:sysClr val="windowText" lastClr="000000"/>
-                    </a:solidFill>
-                  </a:rPr>
-                  <a:t> </a:t>
-                </a:r>
-                <a:r>
-                  <a:rPr kumimoji="1" lang="en-US" altLang="zh-CN" sz="1200" dirty="0">
-                    <a:solidFill>
-                      <a:sysClr val="windowText" lastClr="000000"/>
-                    </a:solidFill>
-                  </a:rPr>
-                  <a:t>Person</a:t>
-                </a:r>
-                <a:endParaRPr kumimoji="1" lang="zh-CN" altLang="en-US" sz="1200" dirty="0">
-                  <a:solidFill>
-                    <a:sysClr val="windowText" lastClr="000000"/>
-                  </a:solidFill>
-                </a:endParaRPr>
-              </a:p>
-            </p:txBody>
-          </p:sp>
-          <p:cxnSp>
-            <p:nvCxnSpPr>
-              <p:cNvPr id="154" name="直线箭头连接符 11" descr="jytjh">
-                <a:extLst>
-                  <a:ext uri="{FF2B5EF4-FFF2-40B4-BE49-F238E27FC236}">
-                    <a16:creationId xmlns:a16="http://schemas.microsoft.com/office/drawing/2014/main" id="{E34EE26E-3D72-74EC-5406-33EAE463D3C7}"/>
-                  </a:ext>
-                </a:extLst>
-              </p:cNvPr>
-              <p:cNvCxnSpPr>
-                <a:cxnSpLocks/>
-                <a:stCxn id="153" idx="3"/>
-                <a:endCxn id="157" idx="1"/>
-              </p:cNvCxnSpPr>
-              <p:nvPr/>
-            </p:nvCxnSpPr>
-            <p:spPr>
-              <a:xfrm>
-                <a:off x="3468066" y="3965678"/>
-                <a:ext cx="462315" cy="0"/>
-              </a:xfrm>
-              <a:prstGeom prst="straightConnector1">
-                <a:avLst/>
-              </a:prstGeom>
-              <a:ln w="25400">
-                <a:solidFill>
-                  <a:schemeClr val="tx1"/>
-                </a:solidFill>
-                <a:headEnd type="none" w="lg" len="med"/>
-                <a:tailEnd type="arrow" w="sm" len="lg"/>
-              </a:ln>
-            </p:spPr>
-            <p:style>
-              <a:lnRef idx="1">
-                <a:schemeClr val="accent1"/>
-              </a:lnRef>
-              <a:fillRef idx="0">
-                <a:schemeClr val="accent1"/>
-              </a:fillRef>
-              <a:effectRef idx="0">
-                <a:schemeClr val="accent1"/>
-              </a:effectRef>
-              <a:fontRef idx="minor">
-                <a:schemeClr val="tx1"/>
-              </a:fontRef>
-            </p:style>
-          </p:cxnSp>
-          <p:sp>
-            <p:nvSpPr>
-              <p:cNvPr id="155" name="文本框 12">
-                <a:extLst>
-                  <a:ext uri="{FF2B5EF4-FFF2-40B4-BE49-F238E27FC236}">
-                    <a16:creationId xmlns:a16="http://schemas.microsoft.com/office/drawing/2014/main" id="{9CD9F9C8-F63B-18B5-555D-13294D2779F2}"/>
-                  </a:ext>
-                </a:extLst>
-              </p:cNvPr>
-              <p:cNvSpPr txBox="1"/>
-              <p:nvPr/>
-            </p:nvSpPr>
-            <p:spPr>
-              <a:xfrm>
-                <a:off x="3403947" y="3686479"/>
-                <a:ext cx="588763" cy="276999"/>
-              </a:xfrm>
-              <a:prstGeom prst="rect">
-                <a:avLst/>
-              </a:prstGeom>
-              <a:noFill/>
-            </p:spPr>
-            <p:txBody>
-              <a:bodyPr wrap="square" rtlCol="0">
-                <a:spAutoFit/>
-              </a:bodyPr>
-              <a:lstStyle/>
-              <a:p>
-                <a:pPr algn="ctr"/>
-                <a:r>
-                  <a:rPr kumimoji="1" lang="en-US" altLang="zh-CN" sz="1200" b="1" dirty="0">
-                    <a:latin typeface="DengXian" panose="02010600030101010101" pitchFamily="2" charset="-122"/>
-                    <a:ea typeface="DengXian" panose="02010600030101010101" pitchFamily="2" charset="-122"/>
-                  </a:rPr>
-                  <a:t>g1</a:t>
-                </a:r>
-                <a:endParaRPr kumimoji="1" lang="en-US" altLang="zh-CN" sz="1200" dirty="0">
-                  <a:latin typeface="DengXian" panose="02010600030101010101" pitchFamily="2" charset="-122"/>
-                  <a:ea typeface="DengXian" panose="02010600030101010101" pitchFamily="2" charset="-122"/>
-                </a:endParaRPr>
-              </a:p>
-            </p:txBody>
-          </p:sp>
-          <p:sp>
-            <p:nvSpPr>
-              <p:cNvPr id="156" name="矩形 13">
-                <a:extLst>
-                  <a:ext uri="{FF2B5EF4-FFF2-40B4-BE49-F238E27FC236}">
-                    <a16:creationId xmlns:a16="http://schemas.microsoft.com/office/drawing/2014/main" id="{74108C34-6033-6B25-DADB-103847B55395}"/>
-                  </a:ext>
-                </a:extLst>
-              </p:cNvPr>
-              <p:cNvSpPr/>
-              <p:nvPr/>
-            </p:nvSpPr>
-            <p:spPr>
-              <a:xfrm>
-                <a:off x="3776473" y="2657820"/>
-                <a:ext cx="4407408" cy="940283"/>
-              </a:xfrm>
-              <a:prstGeom prst="rect">
-                <a:avLst/>
-              </a:prstGeom>
-              <a:noFill/>
-              <a:ln w="12700">
-                <a:solidFill>
-                  <a:schemeClr val="tx1"/>
-                </a:solidFill>
-                <a:prstDash val="dash"/>
-              </a:ln>
-            </p:spPr>
-            <p:style>
-              <a:lnRef idx="2">
-                <a:schemeClr val="accent2">
-                  <a:shade val="50000"/>
-                </a:schemeClr>
-              </a:lnRef>
-              <a:fillRef idx="1">
-                <a:schemeClr val="accent2"/>
-              </a:fillRef>
-              <a:effectRef idx="0">
-                <a:schemeClr val="accent2"/>
-              </a:effectRef>
-              <a:fontRef idx="minor">
-                <a:schemeClr val="lt1"/>
-              </a:fontRef>
-            </p:style>
-            <p:txBody>
-              <a:bodyPr rtlCol="0" anchor="t"/>
-              <a:lstStyle/>
-              <a:p>
-                <a:r>
-                  <a:rPr kumimoji="1" lang="en-US" altLang="zh-CN" sz="1200" b="1" dirty="0">
-                    <a:solidFill>
-                      <a:srgbClr val="FF0000"/>
-                    </a:solidFill>
-                    <a:latin typeface="DengXian" panose="02010600030101010101" pitchFamily="2" charset="-122"/>
-                    <a:ea typeface="DengXian" panose="02010600030101010101" pitchFamily="2" charset="-122"/>
-                  </a:rPr>
-                  <a:t>RESULT</a:t>
-                </a:r>
-                <a:r>
-                  <a:rPr kumimoji="1" lang="zh-CN" altLang="en-US" sz="1200" b="1" dirty="0">
-                    <a:solidFill>
-                      <a:srgbClr val="FF0000"/>
-                    </a:solidFill>
-                    <a:latin typeface="DengXian" panose="02010600030101010101" pitchFamily="2" charset="-122"/>
-                    <a:ea typeface="DengXian" panose="02010600030101010101" pitchFamily="2" charset="-122"/>
-                  </a:rPr>
-                  <a:t> </a:t>
-                </a:r>
-                <a:r>
-                  <a:rPr kumimoji="1" lang="en-US" altLang="zh-CN" sz="1200" dirty="0">
-                    <a:solidFill>
-                      <a:sysClr val="windowText" lastClr="000000"/>
-                    </a:solidFill>
-                    <a:latin typeface="DengXian" panose="02010600030101010101" pitchFamily="2" charset="-122"/>
-                    <a:ea typeface="DengXian" panose="02010600030101010101" pitchFamily="2" charset="-122"/>
-                  </a:rPr>
-                  <a:t>SUM(</a:t>
-                </a:r>
-                <a:r>
-                  <a:rPr kumimoji="1" lang="en-US" altLang="zh-CN" sz="1200" dirty="0" err="1">
-                    <a:solidFill>
-                      <a:sysClr val="windowText" lastClr="000000"/>
-                    </a:solidFill>
-                    <a:latin typeface="DengXian" panose="02010600030101010101" pitchFamily="2" charset="-122"/>
-                    <a:ea typeface="DengXian" panose="02010600030101010101" pitchFamily="2" charset="-122"/>
-                  </a:rPr>
-                  <a:t>loan.loanAmount</a:t>
-                </a:r>
-                <a:r>
-                  <a:rPr kumimoji="1" lang="en-US" altLang="zh-CN" sz="1200" dirty="0">
-                    <a:solidFill>
-                      <a:sysClr val="windowText" lastClr="000000"/>
-                    </a:solidFill>
-                    <a:latin typeface="DengXian" panose="02010600030101010101" pitchFamily="2" charset="-122"/>
-                    <a:ea typeface="DengXian" panose="02010600030101010101" pitchFamily="2" charset="-122"/>
-                  </a:rPr>
-                  <a:t>),</a:t>
-                </a:r>
-                <a:r>
-                  <a:rPr kumimoji="1" lang="zh-CN" altLang="en-US" sz="1200" dirty="0">
-                    <a:solidFill>
-                      <a:sysClr val="windowText" lastClr="000000"/>
-                    </a:solidFill>
-                    <a:latin typeface="DengXian" panose="02010600030101010101" pitchFamily="2" charset="-122"/>
-                    <a:ea typeface="DengXian" panose="02010600030101010101" pitchFamily="2" charset="-122"/>
-                  </a:rPr>
-                  <a:t> </a:t>
-                </a:r>
-                <a:r>
-                  <a:rPr kumimoji="1" lang="en-US" altLang="zh-CN" sz="1200" dirty="0">
-                    <a:solidFill>
-                      <a:sysClr val="windowText" lastClr="000000"/>
-                    </a:solidFill>
-                    <a:latin typeface="DengXian" panose="02010600030101010101" pitchFamily="2" charset="-122"/>
-                    <a:ea typeface="DengXian" panose="02010600030101010101" pitchFamily="2" charset="-122"/>
-                  </a:rPr>
-                  <a:t>COUNT(loan)</a:t>
-                </a:r>
-              </a:p>
-            </p:txBody>
-          </p:sp>
-          <p:sp>
-            <p:nvSpPr>
-              <p:cNvPr id="157" name="矩形 14">
-                <a:extLst>
-                  <a:ext uri="{FF2B5EF4-FFF2-40B4-BE49-F238E27FC236}">
-                    <a16:creationId xmlns:a16="http://schemas.microsoft.com/office/drawing/2014/main" id="{91EE3CF0-2D02-E6B8-360E-A686A6385658}"/>
-                  </a:ext>
-                </a:extLst>
-              </p:cNvPr>
-              <p:cNvSpPr/>
-              <p:nvPr/>
-            </p:nvSpPr>
-            <p:spPr>
-              <a:xfrm>
-                <a:off x="3930381" y="3813049"/>
-                <a:ext cx="1200746" cy="305258"/>
-              </a:xfrm>
-              <a:prstGeom prst="rect">
-                <a:avLst/>
-              </a:prstGeom>
-              <a:solidFill>
-                <a:schemeClr val="accent6">
-                  <a:lumMod val="60000"/>
-                  <a:lumOff val="40000"/>
-                </a:schemeClr>
-              </a:solidFill>
-              <a:ln w="19050">
-                <a:solidFill>
-                  <a:schemeClr val="tx1"/>
-                </a:solidFill>
-              </a:ln>
-            </p:spPr>
-            <p:style>
-              <a:lnRef idx="2">
-                <a:schemeClr val="accent2">
-                  <a:shade val="50000"/>
-                </a:schemeClr>
-              </a:lnRef>
-              <a:fillRef idx="1">
-                <a:schemeClr val="accent2"/>
-              </a:fillRef>
-              <a:effectRef idx="0">
-                <a:schemeClr val="accent2"/>
-              </a:effectRef>
-              <a:fontRef idx="minor">
-                <a:schemeClr val="lt1"/>
-              </a:fontRef>
-            </p:style>
-            <p:txBody>
-              <a:bodyPr rtlCol="0" anchor="ctr"/>
-              <a:lstStyle/>
-              <a:p>
-                <a:pPr algn="ctr"/>
-                <a:r>
-                  <a:rPr kumimoji="1" lang="en-US" altLang="zh-CN" sz="1200" b="1" dirty="0">
-                    <a:solidFill>
-                      <a:sysClr val="windowText" lastClr="000000"/>
-                    </a:solidFill>
-                  </a:rPr>
-                  <a:t>p2</a:t>
-                </a:r>
-                <a:r>
-                  <a:rPr kumimoji="1" lang="zh-CN" altLang="en-US" sz="1200" dirty="0">
-                    <a:solidFill>
-                      <a:sysClr val="windowText" lastClr="000000"/>
-                    </a:solidFill>
-                  </a:rPr>
-                  <a:t> </a:t>
-                </a:r>
-                <a:r>
-                  <a:rPr kumimoji="1" lang="en-US" altLang="zh-CN" sz="1200" dirty="0">
-                    <a:solidFill>
-                      <a:sysClr val="windowText" lastClr="000000"/>
-                    </a:solidFill>
-                  </a:rPr>
-                  <a:t>:</a:t>
-                </a:r>
-                <a:r>
-                  <a:rPr kumimoji="1" lang="zh-CN" altLang="en-US" sz="1200" dirty="0">
-                    <a:solidFill>
-                      <a:sysClr val="windowText" lastClr="000000"/>
-                    </a:solidFill>
-                  </a:rPr>
-                  <a:t> </a:t>
-                </a:r>
-                <a:r>
-                  <a:rPr kumimoji="1" lang="en-US" altLang="zh-CN" sz="1200" dirty="0">
-                    <a:solidFill>
-                      <a:sysClr val="windowText" lastClr="000000"/>
-                    </a:solidFill>
-                  </a:rPr>
-                  <a:t>Person</a:t>
-                </a:r>
-                <a:endParaRPr kumimoji="1" lang="zh-CN" altLang="en-US" sz="1200" dirty="0">
-                  <a:solidFill>
-                    <a:sysClr val="windowText" lastClr="000000"/>
-                  </a:solidFill>
-                </a:endParaRPr>
-              </a:p>
-            </p:txBody>
-          </p:sp>
-          <p:sp>
-            <p:nvSpPr>
-              <p:cNvPr id="158" name="矩形 14">
-                <a:extLst>
-                  <a:ext uri="{FF2B5EF4-FFF2-40B4-BE49-F238E27FC236}">
-                    <a16:creationId xmlns:a16="http://schemas.microsoft.com/office/drawing/2014/main" id="{AE356B99-B66D-2119-8213-5322B91153EA}"/>
-                  </a:ext>
-                </a:extLst>
-              </p:cNvPr>
-              <p:cNvSpPr/>
-              <p:nvPr/>
-            </p:nvSpPr>
-            <p:spPr>
-              <a:xfrm>
-                <a:off x="5593442" y="3707258"/>
-                <a:ext cx="799362" cy="505147"/>
-              </a:xfrm>
-              <a:prstGeom prst="rect">
-                <a:avLst/>
-              </a:prstGeom>
-              <a:noFill/>
-              <a:ln w="25400">
-                <a:noFill/>
-              </a:ln>
-            </p:spPr>
-            <p:style>
-              <a:lnRef idx="2">
-                <a:schemeClr val="accent2">
-                  <a:shade val="50000"/>
-                </a:schemeClr>
-              </a:lnRef>
-              <a:fillRef idx="1">
-                <a:schemeClr val="accent2"/>
-              </a:fillRef>
-              <a:effectRef idx="0">
-                <a:schemeClr val="accent2"/>
-              </a:effectRef>
-              <a:fontRef idx="minor">
-                <a:schemeClr val="lt1"/>
-              </a:fontRef>
-            </p:style>
-            <p:txBody>
-              <a:bodyPr rtlCol="0" anchor="ctr"/>
-              <a:lstStyle/>
-              <a:p>
-                <a:pPr algn="ctr"/>
-                <a:r>
-                  <a:rPr kumimoji="1" lang="en-US" altLang="zh-CN" sz="1600" b="1" dirty="0">
-                    <a:solidFill>
-                      <a:sysClr val="windowText" lastClr="000000"/>
-                    </a:solidFill>
-                  </a:rPr>
-                  <a:t>…</a:t>
-                </a:r>
-                <a:endParaRPr kumimoji="1" lang="zh-CN" altLang="en-US" sz="1600" dirty="0">
-                  <a:solidFill>
-                    <a:sysClr val="windowText" lastClr="000000"/>
-                  </a:solidFill>
-                </a:endParaRPr>
-              </a:p>
-            </p:txBody>
-          </p:sp>
-          <p:sp>
-            <p:nvSpPr>
-              <p:cNvPr id="159" name="矩形 14">
-                <a:extLst>
-                  <a:ext uri="{FF2B5EF4-FFF2-40B4-BE49-F238E27FC236}">
-                    <a16:creationId xmlns:a16="http://schemas.microsoft.com/office/drawing/2014/main" id="{E075C904-7171-EA7E-A0DF-B596F18990A8}"/>
-                  </a:ext>
-                </a:extLst>
-              </p:cNvPr>
-              <p:cNvSpPr/>
-              <p:nvPr/>
-            </p:nvSpPr>
-            <p:spPr>
-              <a:xfrm>
-                <a:off x="6855118" y="3813049"/>
-                <a:ext cx="1200746" cy="305258"/>
-              </a:xfrm>
-              <a:prstGeom prst="rect">
-                <a:avLst/>
-              </a:prstGeom>
-              <a:solidFill>
-                <a:schemeClr val="accent6">
-                  <a:lumMod val="60000"/>
-                  <a:lumOff val="40000"/>
-                </a:schemeClr>
-              </a:solidFill>
-              <a:ln w="19050">
-                <a:solidFill>
-                  <a:schemeClr val="tx1"/>
-                </a:solidFill>
-              </a:ln>
-            </p:spPr>
-            <p:style>
-              <a:lnRef idx="2">
-                <a:schemeClr val="accent2">
-                  <a:shade val="50000"/>
-                </a:schemeClr>
-              </a:lnRef>
-              <a:fillRef idx="1">
-                <a:schemeClr val="accent2"/>
-              </a:fillRef>
-              <a:effectRef idx="0">
-                <a:schemeClr val="accent2"/>
-              </a:effectRef>
-              <a:fontRef idx="minor">
-                <a:schemeClr val="lt1"/>
-              </a:fontRef>
-            </p:style>
-            <p:txBody>
-              <a:bodyPr rtlCol="0" anchor="ctr"/>
-              <a:lstStyle/>
-              <a:p>
-                <a:pPr algn="ctr"/>
-                <a:r>
-                  <a:rPr kumimoji="1" lang="en-US" altLang="zh-CN" sz="1200" b="1" dirty="0" err="1">
-                    <a:solidFill>
-                      <a:sysClr val="windowText" lastClr="000000"/>
-                    </a:solidFill>
-                  </a:rPr>
-                  <a:t>pN</a:t>
-                </a:r>
-                <a:r>
-                  <a:rPr kumimoji="1" lang="zh-CN" altLang="en-US" sz="1200" dirty="0">
-                    <a:solidFill>
-                      <a:sysClr val="windowText" lastClr="000000"/>
-                    </a:solidFill>
-                  </a:rPr>
-                  <a:t> </a:t>
-                </a:r>
-                <a:r>
-                  <a:rPr kumimoji="1" lang="en-US" altLang="zh-CN" sz="1200" dirty="0">
-                    <a:solidFill>
-                      <a:sysClr val="windowText" lastClr="000000"/>
-                    </a:solidFill>
-                  </a:rPr>
-                  <a:t>:</a:t>
-                </a:r>
-                <a:r>
-                  <a:rPr kumimoji="1" lang="zh-CN" altLang="en-US" sz="1200" dirty="0">
-                    <a:solidFill>
-                      <a:sysClr val="windowText" lastClr="000000"/>
-                    </a:solidFill>
-                  </a:rPr>
-                  <a:t> </a:t>
-                </a:r>
-                <a:r>
-                  <a:rPr kumimoji="1" lang="en-US" altLang="zh-CN" sz="1200" dirty="0">
-                    <a:solidFill>
-                      <a:sysClr val="windowText" lastClr="000000"/>
-                    </a:solidFill>
-                  </a:rPr>
-                  <a:t>Person</a:t>
-                </a:r>
-                <a:endParaRPr kumimoji="1" lang="zh-CN" altLang="en-US" sz="1200" dirty="0">
-                  <a:solidFill>
-                    <a:sysClr val="windowText" lastClr="000000"/>
-                  </a:solidFill>
-                </a:endParaRPr>
-              </a:p>
-            </p:txBody>
-          </p:sp>
-          <p:cxnSp>
-            <p:nvCxnSpPr>
-              <p:cNvPr id="160" name="直线箭头连接符 11" descr="jytjh">
-                <a:extLst>
-                  <a:ext uri="{FF2B5EF4-FFF2-40B4-BE49-F238E27FC236}">
-                    <a16:creationId xmlns:a16="http://schemas.microsoft.com/office/drawing/2014/main" id="{4CB3E205-BC21-A5CF-982D-E3B00BBC8058}"/>
-                  </a:ext>
-                </a:extLst>
-              </p:cNvPr>
-              <p:cNvCxnSpPr>
-                <a:cxnSpLocks/>
-                <a:stCxn id="157" idx="3"/>
-                <a:endCxn id="158" idx="1"/>
-              </p:cNvCxnSpPr>
-              <p:nvPr/>
-            </p:nvCxnSpPr>
-            <p:spPr>
-              <a:xfrm flipV="1">
-                <a:off x="5131127" y="3959832"/>
-                <a:ext cx="462315" cy="5846"/>
-              </a:xfrm>
-              <a:prstGeom prst="straightConnector1">
-                <a:avLst/>
-              </a:prstGeom>
-              <a:ln w="25400">
-                <a:solidFill>
-                  <a:schemeClr val="tx1"/>
-                </a:solidFill>
-                <a:headEnd type="none" w="lg" len="med"/>
-                <a:tailEnd type="arrow" w="sm" len="lg"/>
-              </a:ln>
-            </p:spPr>
-            <p:style>
-              <a:lnRef idx="1">
-                <a:schemeClr val="accent1"/>
-              </a:lnRef>
-              <a:fillRef idx="0">
-                <a:schemeClr val="accent1"/>
-              </a:fillRef>
-              <a:effectRef idx="0">
-                <a:schemeClr val="accent1"/>
-              </a:effectRef>
-              <a:fontRef idx="minor">
-                <a:schemeClr val="tx1"/>
-              </a:fontRef>
-            </p:style>
-          </p:cxnSp>
-          <p:cxnSp>
-            <p:nvCxnSpPr>
-              <p:cNvPr id="161" name="直线箭头连接符 11" descr="jytjh">
-                <a:extLst>
-                  <a:ext uri="{FF2B5EF4-FFF2-40B4-BE49-F238E27FC236}">
-                    <a16:creationId xmlns:a16="http://schemas.microsoft.com/office/drawing/2014/main" id="{5840E459-9FB4-4B6F-CD59-6B4B3F02F5EA}"/>
-                  </a:ext>
-                </a:extLst>
-              </p:cNvPr>
-              <p:cNvCxnSpPr>
-                <a:cxnSpLocks/>
-                <a:stCxn id="158" idx="3"/>
-                <a:endCxn id="159" idx="1"/>
-              </p:cNvCxnSpPr>
-              <p:nvPr/>
-            </p:nvCxnSpPr>
-            <p:spPr>
-              <a:xfrm>
-                <a:off x="6392804" y="3959832"/>
-                <a:ext cx="462314" cy="5846"/>
-              </a:xfrm>
-              <a:prstGeom prst="straightConnector1">
-                <a:avLst/>
-              </a:prstGeom>
-              <a:ln w="25400">
-                <a:solidFill>
-                  <a:schemeClr val="tx1"/>
-                </a:solidFill>
-                <a:headEnd type="none" w="lg" len="med"/>
-                <a:tailEnd type="arrow" w="sm" len="lg"/>
-              </a:ln>
-            </p:spPr>
-            <p:style>
-              <a:lnRef idx="1">
-                <a:schemeClr val="accent1"/>
-              </a:lnRef>
-              <a:fillRef idx="0">
-                <a:schemeClr val="accent1"/>
-              </a:fillRef>
-              <a:effectRef idx="0">
-                <a:schemeClr val="accent1"/>
-              </a:effectRef>
-              <a:fontRef idx="minor">
-                <a:schemeClr val="tx1"/>
-              </a:fontRef>
-            </p:style>
-          </p:cxnSp>
-          <p:sp>
-            <p:nvSpPr>
-              <p:cNvPr id="162" name="矩形 14">
-                <a:extLst>
-                  <a:ext uri="{FF2B5EF4-FFF2-40B4-BE49-F238E27FC236}">
-                    <a16:creationId xmlns:a16="http://schemas.microsoft.com/office/drawing/2014/main" id="{F3F38903-0485-C314-1FCD-B46FB1F69A71}"/>
-                  </a:ext>
-                </a:extLst>
-              </p:cNvPr>
-              <p:cNvSpPr/>
-              <p:nvPr/>
-            </p:nvSpPr>
-            <p:spPr>
-              <a:xfrm>
-                <a:off x="3930381" y="3052179"/>
-                <a:ext cx="1200745" cy="371925"/>
-              </a:xfrm>
-              <a:prstGeom prst="rect">
-                <a:avLst/>
-              </a:prstGeom>
-              <a:solidFill>
-                <a:schemeClr val="accent2">
-                  <a:lumMod val="60000"/>
-                  <a:lumOff val="40000"/>
-                </a:schemeClr>
-              </a:solidFill>
-              <a:ln w="19050">
-                <a:solidFill>
-                  <a:schemeClr val="tx1"/>
-                </a:solidFill>
-              </a:ln>
-            </p:spPr>
-            <p:style>
-              <a:lnRef idx="2">
-                <a:schemeClr val="accent2">
-                  <a:shade val="50000"/>
-                </a:schemeClr>
-              </a:lnRef>
-              <a:fillRef idx="1">
-                <a:schemeClr val="accent2"/>
-              </a:fillRef>
-              <a:effectRef idx="0">
-                <a:schemeClr val="accent2"/>
-              </a:effectRef>
-              <a:fontRef idx="minor">
-                <a:schemeClr val="lt1"/>
-              </a:fontRef>
-            </p:style>
-            <p:txBody>
-              <a:bodyPr rtlCol="0" anchor="ctr"/>
-              <a:lstStyle/>
-              <a:p>
-                <a:pPr algn="ctr"/>
-                <a:r>
-                  <a:rPr kumimoji="1" lang="en-US" altLang="zh-CN" sz="1200" dirty="0">
-                    <a:solidFill>
-                      <a:sysClr val="windowText" lastClr="000000"/>
-                    </a:solidFill>
-                  </a:rPr>
-                  <a:t>loan</a:t>
-                </a:r>
-                <a:r>
-                  <a:rPr kumimoji="1" lang="zh-CN" altLang="en-US" sz="1200" dirty="0">
-                    <a:solidFill>
-                      <a:sysClr val="windowText" lastClr="000000"/>
-                    </a:solidFill>
-                  </a:rPr>
-                  <a:t> </a:t>
-                </a:r>
-                <a:r>
-                  <a:rPr kumimoji="1" lang="en-US" altLang="zh-CN" sz="1200" dirty="0">
-                    <a:solidFill>
-                      <a:sysClr val="windowText" lastClr="000000"/>
-                    </a:solidFill>
-                  </a:rPr>
-                  <a:t>:</a:t>
-                </a:r>
-                <a:r>
-                  <a:rPr kumimoji="1" lang="zh-CN" altLang="en-US" sz="1200" dirty="0">
-                    <a:solidFill>
-                      <a:sysClr val="windowText" lastClr="000000"/>
-                    </a:solidFill>
-                  </a:rPr>
-                  <a:t> </a:t>
-                </a:r>
-                <a:r>
-                  <a:rPr kumimoji="1" lang="en-US" altLang="zh-CN" sz="1200" dirty="0">
-                    <a:solidFill>
-                      <a:sysClr val="windowText" lastClr="000000"/>
-                    </a:solidFill>
-                  </a:rPr>
-                  <a:t>Loan</a:t>
-                </a:r>
-                <a:endParaRPr kumimoji="1" lang="zh-CN" altLang="en-US" sz="1200" dirty="0">
-                  <a:solidFill>
-                    <a:sysClr val="windowText" lastClr="000000"/>
-                  </a:solidFill>
-                </a:endParaRPr>
-              </a:p>
-            </p:txBody>
-          </p:sp>
-          <p:sp>
-            <p:nvSpPr>
-              <p:cNvPr id="163" name="文本框 12">
-                <a:extLst>
-                  <a:ext uri="{FF2B5EF4-FFF2-40B4-BE49-F238E27FC236}">
-                    <a16:creationId xmlns:a16="http://schemas.microsoft.com/office/drawing/2014/main" id="{095014AC-C92D-3D54-5A95-EBB1D1213053}"/>
-                  </a:ext>
-                </a:extLst>
-              </p:cNvPr>
-              <p:cNvSpPr txBox="1"/>
-              <p:nvPr/>
-            </p:nvSpPr>
-            <p:spPr>
-              <a:xfrm>
-                <a:off x="5055398" y="3679535"/>
-                <a:ext cx="588763" cy="276999"/>
-              </a:xfrm>
-              <a:prstGeom prst="rect">
-                <a:avLst/>
-              </a:prstGeom>
-              <a:noFill/>
-            </p:spPr>
-            <p:txBody>
-              <a:bodyPr wrap="square" rtlCol="0">
-                <a:spAutoFit/>
-              </a:bodyPr>
-              <a:lstStyle/>
-              <a:p>
-                <a:pPr algn="ctr"/>
-                <a:r>
-                  <a:rPr kumimoji="1" lang="en-US" altLang="zh-CN" sz="1200" b="1" dirty="0">
-                    <a:latin typeface="DengXian" panose="02010600030101010101" pitchFamily="2" charset="-122"/>
-                    <a:ea typeface="DengXian" panose="02010600030101010101" pitchFamily="2" charset="-122"/>
-                  </a:rPr>
-                  <a:t>g2</a:t>
-                </a:r>
-                <a:endParaRPr kumimoji="1" lang="en-US" altLang="zh-CN" sz="1200" dirty="0">
-                  <a:latin typeface="DengXian" panose="02010600030101010101" pitchFamily="2" charset="-122"/>
-                  <a:ea typeface="DengXian" panose="02010600030101010101" pitchFamily="2" charset="-122"/>
-                </a:endParaRPr>
-              </a:p>
-            </p:txBody>
-          </p:sp>
-          <p:sp>
-            <p:nvSpPr>
-              <p:cNvPr id="164" name="文本框 12">
-                <a:extLst>
-                  <a:ext uri="{FF2B5EF4-FFF2-40B4-BE49-F238E27FC236}">
-                    <a16:creationId xmlns:a16="http://schemas.microsoft.com/office/drawing/2014/main" id="{BF8F12F2-279E-7852-6C66-02CC68C31312}"/>
-                  </a:ext>
-                </a:extLst>
-              </p:cNvPr>
-              <p:cNvSpPr txBox="1"/>
-              <p:nvPr/>
-            </p:nvSpPr>
-            <p:spPr>
-              <a:xfrm>
-                <a:off x="6341190" y="3662430"/>
-                <a:ext cx="588763" cy="276999"/>
-              </a:xfrm>
-              <a:prstGeom prst="rect">
-                <a:avLst/>
-              </a:prstGeom>
-              <a:noFill/>
-            </p:spPr>
-            <p:txBody>
-              <a:bodyPr wrap="square" rtlCol="0">
-                <a:spAutoFit/>
-              </a:bodyPr>
-              <a:lstStyle/>
-              <a:p>
-                <a:pPr algn="ctr"/>
-                <a:r>
-                  <a:rPr kumimoji="1" lang="en-US" altLang="zh-CN" sz="1200" b="1" dirty="0" err="1">
-                    <a:latin typeface="DengXian" panose="02010600030101010101" pitchFamily="2" charset="-122"/>
-                    <a:ea typeface="DengXian" panose="02010600030101010101" pitchFamily="2" charset="-122"/>
-                  </a:rPr>
-                  <a:t>gN</a:t>
-                </a:r>
-                <a:endParaRPr kumimoji="1" lang="en-US" altLang="zh-CN" sz="1200" dirty="0">
-                  <a:latin typeface="DengXian" panose="02010600030101010101" pitchFamily="2" charset="-122"/>
-                  <a:ea typeface="DengXian" panose="02010600030101010101" pitchFamily="2" charset="-122"/>
-                </a:endParaRPr>
-              </a:p>
-            </p:txBody>
-          </p:sp>
-          <p:cxnSp>
-            <p:nvCxnSpPr>
-              <p:cNvPr id="165" name="直线箭头连接符 11" descr="jytjh">
-                <a:extLst>
-                  <a:ext uri="{FF2B5EF4-FFF2-40B4-BE49-F238E27FC236}">
-                    <a16:creationId xmlns:a16="http://schemas.microsoft.com/office/drawing/2014/main" id="{8FF0F5BF-4EB4-B434-F2C5-74E27E3428E7}"/>
-                  </a:ext>
-                </a:extLst>
-              </p:cNvPr>
-              <p:cNvCxnSpPr>
-                <a:cxnSpLocks/>
-                <a:stCxn id="157" idx="0"/>
-                <a:endCxn id="162" idx="2"/>
-              </p:cNvCxnSpPr>
-              <p:nvPr/>
-            </p:nvCxnSpPr>
-            <p:spPr>
-              <a:xfrm flipV="1">
-                <a:off x="4530754" y="3424104"/>
-                <a:ext cx="0" cy="388945"/>
-              </a:xfrm>
-              <a:prstGeom prst="straightConnector1">
-                <a:avLst/>
-              </a:prstGeom>
-              <a:ln w="25400">
-                <a:solidFill>
-                  <a:schemeClr val="tx1"/>
-                </a:solidFill>
-                <a:headEnd type="none" w="lg" len="med"/>
-                <a:tailEnd type="arrow" w="sm" len="lg"/>
-              </a:ln>
-            </p:spPr>
-            <p:style>
-              <a:lnRef idx="1">
-                <a:schemeClr val="accent1"/>
-              </a:lnRef>
-              <a:fillRef idx="0">
-                <a:schemeClr val="accent1"/>
-              </a:fillRef>
-              <a:effectRef idx="0">
-                <a:schemeClr val="accent1"/>
-              </a:effectRef>
-              <a:fontRef idx="minor">
-                <a:schemeClr val="tx1"/>
-              </a:fontRef>
-            </p:style>
-          </p:cxnSp>
-          <p:sp>
-            <p:nvSpPr>
-              <p:cNvPr id="166" name="矩形 14">
-                <a:extLst>
-                  <a:ext uri="{FF2B5EF4-FFF2-40B4-BE49-F238E27FC236}">
-                    <a16:creationId xmlns:a16="http://schemas.microsoft.com/office/drawing/2014/main" id="{97DF9EF1-93A6-0568-3EC6-4746C8E50F08}"/>
-                  </a:ext>
-                </a:extLst>
-              </p:cNvPr>
-              <p:cNvSpPr/>
-              <p:nvPr/>
-            </p:nvSpPr>
-            <p:spPr>
-              <a:xfrm>
-                <a:off x="6855118" y="3052179"/>
-                <a:ext cx="1200745" cy="371925"/>
-              </a:xfrm>
-              <a:prstGeom prst="rect">
-                <a:avLst/>
-              </a:prstGeom>
-              <a:solidFill>
-                <a:schemeClr val="accent2">
-                  <a:lumMod val="60000"/>
-                  <a:lumOff val="40000"/>
-                </a:schemeClr>
-              </a:solidFill>
-              <a:ln w="19050">
-                <a:solidFill>
-                  <a:schemeClr val="tx1"/>
-                </a:solidFill>
-              </a:ln>
-            </p:spPr>
-            <p:style>
-              <a:lnRef idx="2">
-                <a:schemeClr val="accent2">
-                  <a:shade val="50000"/>
-                </a:schemeClr>
-              </a:lnRef>
-              <a:fillRef idx="1">
-                <a:schemeClr val="accent2"/>
-              </a:fillRef>
-              <a:effectRef idx="0">
-                <a:schemeClr val="accent2"/>
-              </a:effectRef>
-              <a:fontRef idx="minor">
-                <a:schemeClr val="lt1"/>
-              </a:fontRef>
-            </p:style>
-            <p:txBody>
-              <a:bodyPr rtlCol="0" anchor="ctr"/>
-              <a:lstStyle/>
-              <a:p>
-                <a:pPr algn="ctr"/>
-                <a:r>
-                  <a:rPr kumimoji="1" lang="en-US" altLang="zh-CN" sz="1200" dirty="0">
-                    <a:solidFill>
-                      <a:sysClr val="windowText" lastClr="000000"/>
-                    </a:solidFill>
-                  </a:rPr>
-                  <a:t>loan</a:t>
-                </a:r>
-                <a:r>
-                  <a:rPr kumimoji="1" lang="zh-CN" altLang="en-US" sz="1200" dirty="0">
-                    <a:solidFill>
-                      <a:sysClr val="windowText" lastClr="000000"/>
-                    </a:solidFill>
-                  </a:rPr>
-                  <a:t> </a:t>
-                </a:r>
-                <a:r>
-                  <a:rPr kumimoji="1" lang="en-US" altLang="zh-CN" sz="1200" dirty="0">
-                    <a:solidFill>
-                      <a:sysClr val="windowText" lastClr="000000"/>
-                    </a:solidFill>
-                  </a:rPr>
-                  <a:t>:</a:t>
-                </a:r>
-                <a:r>
-                  <a:rPr kumimoji="1" lang="zh-CN" altLang="en-US" sz="1200" dirty="0">
-                    <a:solidFill>
-                      <a:sysClr val="windowText" lastClr="000000"/>
-                    </a:solidFill>
-                  </a:rPr>
-                  <a:t> </a:t>
-                </a:r>
-                <a:r>
-                  <a:rPr kumimoji="1" lang="en-US" altLang="zh-CN" sz="1200" dirty="0">
-                    <a:solidFill>
-                      <a:sysClr val="windowText" lastClr="000000"/>
-                    </a:solidFill>
-                  </a:rPr>
-                  <a:t>Loan</a:t>
-                </a:r>
-                <a:endParaRPr kumimoji="1" lang="zh-CN" altLang="en-US" sz="1200" dirty="0">
-                  <a:solidFill>
-                    <a:sysClr val="windowText" lastClr="000000"/>
-                  </a:solidFill>
-                </a:endParaRPr>
-              </a:p>
-            </p:txBody>
-          </p:sp>
-          <p:cxnSp>
-            <p:nvCxnSpPr>
-              <p:cNvPr id="167" name="直线箭头连接符 11" descr="jytjh">
-                <a:extLst>
-                  <a:ext uri="{FF2B5EF4-FFF2-40B4-BE49-F238E27FC236}">
-                    <a16:creationId xmlns:a16="http://schemas.microsoft.com/office/drawing/2014/main" id="{252C121C-C089-5A76-A55C-47461A5BFC3D}"/>
-                  </a:ext>
-                </a:extLst>
-              </p:cNvPr>
-              <p:cNvCxnSpPr>
-                <a:cxnSpLocks/>
-                <a:stCxn id="159" idx="0"/>
-                <a:endCxn id="166" idx="2"/>
-              </p:cNvCxnSpPr>
-              <p:nvPr/>
-            </p:nvCxnSpPr>
-            <p:spPr>
-              <a:xfrm flipV="1">
-                <a:off x="7455491" y="3424104"/>
-                <a:ext cx="0" cy="388945"/>
-              </a:xfrm>
-              <a:prstGeom prst="straightConnector1">
-                <a:avLst/>
-              </a:prstGeom>
-              <a:ln w="25400">
-                <a:solidFill>
-                  <a:schemeClr val="tx1"/>
-                </a:solidFill>
-                <a:headEnd type="none" w="lg" len="med"/>
-                <a:tailEnd type="arrow" w="sm" len="lg"/>
-              </a:ln>
-            </p:spPr>
-            <p:style>
-              <a:lnRef idx="1">
-                <a:schemeClr val="accent1"/>
-              </a:lnRef>
-              <a:fillRef idx="0">
-                <a:schemeClr val="accent1"/>
-              </a:fillRef>
-              <a:effectRef idx="0">
-                <a:schemeClr val="accent1"/>
-              </a:effectRef>
-              <a:fontRef idx="minor">
-                <a:schemeClr val="tx1"/>
-              </a:fontRef>
-            </p:style>
-          </p:cxnSp>
-          <p:sp>
-            <p:nvSpPr>
-              <p:cNvPr id="168" name="矩形 10">
-                <a:extLst>
-                  <a:ext uri="{FF2B5EF4-FFF2-40B4-BE49-F238E27FC236}">
-                    <a16:creationId xmlns:a16="http://schemas.microsoft.com/office/drawing/2014/main" id="{974A8B10-3F2A-80BB-103F-D30C1574BC00}"/>
-                  </a:ext>
-                </a:extLst>
-              </p:cNvPr>
-              <p:cNvSpPr/>
-              <p:nvPr/>
-            </p:nvSpPr>
-            <p:spPr>
-              <a:xfrm>
-                <a:off x="2267319" y="4115094"/>
-                <a:ext cx="1200747" cy="249148"/>
-              </a:xfrm>
-              <a:prstGeom prst="rect">
-                <a:avLst/>
-              </a:prstGeom>
-              <a:noFill/>
-              <a:ln w="19050">
-                <a:solidFill>
-                  <a:schemeClr val="tx1"/>
-                </a:solidFill>
-              </a:ln>
-            </p:spPr>
-            <p:style>
-              <a:lnRef idx="2">
-                <a:schemeClr val="accent2">
-                  <a:shade val="50000"/>
-                </a:schemeClr>
-              </a:lnRef>
-              <a:fillRef idx="1">
-                <a:schemeClr val="accent2"/>
-              </a:fillRef>
-              <a:effectRef idx="0">
-                <a:schemeClr val="accent2"/>
-              </a:effectRef>
-              <a:fontRef idx="minor">
-                <a:schemeClr val="lt1"/>
-              </a:fontRef>
-            </p:style>
-            <p:txBody>
-              <a:bodyPr rtlCol="0" anchor="ctr"/>
-              <a:lstStyle/>
-              <a:p>
-                <a:pPr algn="ctr"/>
-                <a:r>
-                  <a:rPr kumimoji="1" lang="en-US" altLang="zh-CN" sz="1200" b="1" dirty="0">
-                    <a:solidFill>
-                      <a:sysClr val="windowText" lastClr="000000"/>
-                    </a:solidFill>
-                    <a:latin typeface="DengXian" panose="02010600030101010101" pitchFamily="2" charset="-122"/>
-                    <a:ea typeface="DengXian" panose="02010600030101010101" pitchFamily="2" charset="-122"/>
-                  </a:rPr>
-                  <a:t>p1</a:t>
-                </a:r>
-                <a:r>
-                  <a:rPr kumimoji="1" lang="en-US" altLang="zh-CN" sz="1200" dirty="0">
-                    <a:solidFill>
-                      <a:sysClr val="windowText" lastClr="000000"/>
-                    </a:solidFill>
-                    <a:latin typeface="DengXian" panose="02010600030101010101" pitchFamily="2" charset="-122"/>
-                    <a:ea typeface="DengXian" panose="02010600030101010101" pitchFamily="2" charset="-122"/>
-                  </a:rPr>
-                  <a:t>.id</a:t>
-                </a:r>
-                <a:r>
-                  <a:rPr kumimoji="1" lang="zh-CN" altLang="en-US" sz="1200" dirty="0">
-                    <a:solidFill>
-                      <a:sysClr val="windowText" lastClr="000000"/>
-                    </a:solidFill>
-                    <a:latin typeface="DengXian" panose="02010600030101010101" pitchFamily="2" charset="-122"/>
-                    <a:ea typeface="DengXian" panose="02010600030101010101" pitchFamily="2" charset="-122"/>
-                  </a:rPr>
-                  <a:t> </a:t>
-                </a:r>
-                <a:r>
-                  <a:rPr kumimoji="1" lang="en-US" altLang="zh-CN" sz="1200" dirty="0">
-                    <a:solidFill>
-                      <a:sysClr val="windowText" lastClr="000000"/>
-                    </a:solidFill>
-                    <a:latin typeface="DengXian" panose="02010600030101010101" pitchFamily="2" charset="-122"/>
-                    <a:ea typeface="DengXian" panose="02010600030101010101" pitchFamily="2" charset="-122"/>
-                  </a:rPr>
-                  <a:t>=</a:t>
-                </a:r>
-                <a:r>
-                  <a:rPr kumimoji="1" lang="zh-CN" altLang="en-US" sz="1200" dirty="0">
-                    <a:solidFill>
-                      <a:sysClr val="windowText" lastClr="000000"/>
-                    </a:solidFill>
-                    <a:latin typeface="DengXian" panose="02010600030101010101" pitchFamily="2" charset="-122"/>
-                    <a:ea typeface="DengXian" panose="02010600030101010101" pitchFamily="2" charset="-122"/>
-                  </a:rPr>
-                  <a:t> </a:t>
-                </a:r>
-                <a:r>
-                  <a:rPr kumimoji="1" lang="en-US" altLang="zh-CN" sz="1200" dirty="0">
-                    <a:solidFill>
-                      <a:sysClr val="windowText" lastClr="000000"/>
-                    </a:solidFill>
-                    <a:latin typeface="DengXian" panose="02010600030101010101" pitchFamily="2" charset="-122"/>
-                    <a:ea typeface="DengXian" panose="02010600030101010101" pitchFamily="2" charset="-122"/>
-                  </a:rPr>
-                  <a:t>${id}</a:t>
-                </a:r>
-                <a:endParaRPr kumimoji="1" lang="zh-CN" altLang="en-US" sz="1200" dirty="0">
-                  <a:solidFill>
-                    <a:sysClr val="windowText" lastClr="000000"/>
-                  </a:solidFill>
-                  <a:latin typeface="DengXian" panose="02010600030101010101" pitchFamily="2" charset="-122"/>
-                  <a:ea typeface="DengXian" panose="02010600030101010101" pitchFamily="2" charset="-122"/>
-                </a:endParaRPr>
-              </a:p>
-            </p:txBody>
-          </p:sp>
-          <p:sp>
-            <p:nvSpPr>
-              <p:cNvPr id="169" name="文本框 12">
-                <a:extLst>
-                  <a:ext uri="{FF2B5EF4-FFF2-40B4-BE49-F238E27FC236}">
-                    <a16:creationId xmlns:a16="http://schemas.microsoft.com/office/drawing/2014/main" id="{00B00A61-772A-D117-CA3D-31EE00116DEF}"/>
-                  </a:ext>
-                </a:extLst>
-              </p:cNvPr>
-              <p:cNvSpPr txBox="1"/>
-              <p:nvPr/>
-            </p:nvSpPr>
-            <p:spPr>
-              <a:xfrm>
-                <a:off x="4630780" y="4212405"/>
-                <a:ext cx="2422812" cy="776903"/>
-              </a:xfrm>
-              <a:prstGeom prst="rect">
-                <a:avLst/>
-              </a:prstGeom>
-              <a:noFill/>
-            </p:spPr>
-            <p:txBody>
-              <a:bodyPr wrap="square" lIns="90000" numCol="1" rtlCol="0" anchor="ctr">
-                <a:noAutofit/>
-              </a:bodyPr>
-              <a:lstStyle/>
-              <a:p>
-                <a:pPr algn="ctr"/>
-                <a:r>
-                  <a:rPr kumimoji="1" lang="en-US" altLang="zh-CN" sz="1200" b="1" dirty="0" err="1">
-                    <a:latin typeface="DengXian" panose="02010600030101010101" pitchFamily="2" charset="-122"/>
-                    <a:ea typeface="DengXian" panose="02010600030101010101" pitchFamily="2" charset="-122"/>
-                  </a:rPr>
-                  <a:t>gN</a:t>
-                </a:r>
-                <a:r>
-                  <a:rPr kumimoji="1" lang="en-US" altLang="zh-CN" sz="1200" b="1" dirty="0">
-                    <a:latin typeface="DengXian" panose="02010600030101010101" pitchFamily="2" charset="-122"/>
-                    <a:ea typeface="DengXian" panose="02010600030101010101" pitchFamily="2" charset="-122"/>
-                  </a:rPr>
-                  <a:t>:</a:t>
-                </a:r>
-                <a:r>
-                  <a:rPr kumimoji="1" lang="zh-CN" altLang="en-US" sz="1200" b="1" dirty="0">
-                    <a:latin typeface="DengXian" panose="02010600030101010101" pitchFamily="2" charset="-122"/>
-                    <a:ea typeface="DengXian" panose="02010600030101010101" pitchFamily="2" charset="-122"/>
-                  </a:rPr>
-                  <a:t> </a:t>
-                </a:r>
-                <a:r>
-                  <a:rPr kumimoji="1" lang="en-US" altLang="zh-CN" sz="1200" dirty="0" err="1">
-                    <a:latin typeface="DengXian" panose="02010600030101010101" pitchFamily="2" charset="-122"/>
-                    <a:ea typeface="DengXian" panose="02010600030101010101" pitchFamily="2" charset="-122"/>
-                  </a:rPr>
-                  <a:t>gurantee</a:t>
-                </a:r>
-                <a:endParaRPr kumimoji="1" lang="en-US" altLang="zh-CN" sz="1200" dirty="0">
-                  <a:latin typeface="DengXian" panose="02010600030101010101" pitchFamily="2" charset="-122"/>
-                  <a:ea typeface="DengXian" panose="02010600030101010101" pitchFamily="2" charset="-122"/>
-                </a:endParaRPr>
-              </a:p>
-              <a:p>
-                <a:pPr algn="ctr"/>
-                <a:r>
-                  <a:rPr kumimoji="1" lang="en-US" altLang="zh-CN" sz="1200" b="1" dirty="0" err="1">
-                    <a:latin typeface="DengXian" panose="02010600030101010101" pitchFamily="2" charset="-122"/>
-                    <a:ea typeface="DengXian" panose="02010600030101010101" pitchFamily="2" charset="-122"/>
-                  </a:rPr>
-                  <a:t>gN</a:t>
-                </a:r>
-                <a:r>
-                  <a:rPr kumimoji="1" lang="en-US" altLang="zh-CN" sz="1200" dirty="0" err="1">
-                    <a:latin typeface="DengXian" panose="02010600030101010101" pitchFamily="2" charset="-122"/>
-                    <a:ea typeface="DengXian" panose="02010600030101010101" pitchFamily="2" charset="-122"/>
-                  </a:rPr>
-                  <a:t>.timestamp</a:t>
-                </a:r>
-                <a:r>
-                  <a:rPr kumimoji="1" lang="zh-CN" altLang="en-US" sz="1200" dirty="0">
-                    <a:latin typeface="DengXian" panose="02010600030101010101" pitchFamily="2" charset="-122"/>
-                    <a:ea typeface="DengXian" panose="02010600030101010101" pitchFamily="2" charset="-122"/>
-                  </a:rPr>
-                  <a:t> </a:t>
-                </a:r>
-                <a:r>
-                  <a:rPr kumimoji="1" lang="en-US" altLang="zh-CN" sz="1200" dirty="0">
-                    <a:latin typeface="DengXian" panose="02010600030101010101" pitchFamily="2" charset="-122"/>
-                    <a:ea typeface="DengXian" panose="02010600030101010101" pitchFamily="2" charset="-122"/>
-                  </a:rPr>
-                  <a:t>&gt;</a:t>
-                </a:r>
-                <a:r>
-                  <a:rPr kumimoji="1" lang="zh-CN" altLang="en-US" sz="1200" dirty="0">
-                    <a:latin typeface="DengXian" panose="02010600030101010101" pitchFamily="2" charset="-122"/>
-                    <a:ea typeface="DengXian" panose="02010600030101010101" pitchFamily="2" charset="-122"/>
-                  </a:rPr>
-                  <a:t> </a:t>
-                </a:r>
-                <a:r>
-                  <a:rPr kumimoji="1" lang="en-US" altLang="zh-CN" sz="1200" dirty="0">
-                    <a:latin typeface="DengXian" panose="02010600030101010101" pitchFamily="2" charset="-122"/>
-                    <a:ea typeface="DengXian" panose="02010600030101010101" pitchFamily="2" charset="-122"/>
-                  </a:rPr>
-                  <a:t>${</a:t>
-                </a:r>
-                <a:r>
-                  <a:rPr kumimoji="1" lang="en-US" altLang="zh-CN" sz="1200" dirty="0" err="1">
-                    <a:latin typeface="DengXian" panose="02010600030101010101" pitchFamily="2" charset="-122"/>
-                    <a:ea typeface="DengXian" panose="02010600030101010101" pitchFamily="2" charset="-122"/>
-                  </a:rPr>
-                  <a:t>start_time</a:t>
-                </a:r>
-                <a:r>
-                  <a:rPr kumimoji="1" lang="en-US" altLang="zh-CN" sz="1200" dirty="0">
-                    <a:latin typeface="DengXian" panose="02010600030101010101" pitchFamily="2" charset="-122"/>
-                    <a:ea typeface="DengXian" panose="02010600030101010101" pitchFamily="2" charset="-122"/>
-                  </a:rPr>
-                  <a:t>}</a:t>
-                </a:r>
-              </a:p>
-              <a:p>
-                <a:pPr algn="ctr"/>
-                <a:r>
-                  <a:rPr kumimoji="1" lang="en-US" altLang="zh-CN" sz="1200" b="1" dirty="0" err="1">
-                    <a:latin typeface="DengXian" panose="02010600030101010101" pitchFamily="2" charset="-122"/>
-                    <a:ea typeface="DengXian" panose="02010600030101010101" pitchFamily="2" charset="-122"/>
-                  </a:rPr>
-                  <a:t>gN</a:t>
-                </a:r>
-                <a:r>
-                  <a:rPr kumimoji="1" lang="en-US" altLang="zh-CN" sz="1200" dirty="0" err="1">
-                    <a:latin typeface="DengXian" panose="02010600030101010101" pitchFamily="2" charset="-122"/>
-                    <a:ea typeface="DengXian" panose="02010600030101010101" pitchFamily="2" charset="-122"/>
-                  </a:rPr>
-                  <a:t>.timestamp</a:t>
-                </a:r>
-                <a:r>
-                  <a:rPr kumimoji="1" lang="zh-CN" altLang="en-US" sz="1200" dirty="0">
-                    <a:latin typeface="DengXian" panose="02010600030101010101" pitchFamily="2" charset="-122"/>
-                    <a:ea typeface="DengXian" panose="02010600030101010101" pitchFamily="2" charset="-122"/>
-                  </a:rPr>
-                  <a:t> </a:t>
-                </a:r>
-                <a:r>
-                  <a:rPr kumimoji="1" lang="en-US" altLang="zh-CN" sz="1200" dirty="0">
-                    <a:latin typeface="DengXian" panose="02010600030101010101" pitchFamily="2" charset="-122"/>
-                    <a:ea typeface="DengXian" panose="02010600030101010101" pitchFamily="2" charset="-122"/>
-                  </a:rPr>
-                  <a:t>&lt;</a:t>
-                </a:r>
-                <a:r>
-                  <a:rPr kumimoji="1" lang="zh-CN" altLang="en-US" sz="1200" dirty="0">
-                    <a:latin typeface="DengXian" panose="02010600030101010101" pitchFamily="2" charset="-122"/>
-                    <a:ea typeface="DengXian" panose="02010600030101010101" pitchFamily="2" charset="-122"/>
-                  </a:rPr>
-                  <a:t> </a:t>
-                </a:r>
-                <a:r>
-                  <a:rPr kumimoji="1" lang="en-US" altLang="zh-CN" sz="1200" dirty="0">
-                    <a:latin typeface="DengXian" panose="02010600030101010101" pitchFamily="2" charset="-122"/>
-                    <a:ea typeface="DengXian" panose="02010600030101010101" pitchFamily="2" charset="-122"/>
-                  </a:rPr>
-                  <a:t>${</a:t>
-                </a:r>
-                <a:r>
-                  <a:rPr kumimoji="1" lang="en-US" altLang="zh-CN" sz="1200" dirty="0" err="1">
-                    <a:latin typeface="DengXian" panose="02010600030101010101" pitchFamily="2" charset="-122"/>
-                    <a:ea typeface="DengXian" panose="02010600030101010101" pitchFamily="2" charset="-122"/>
-                  </a:rPr>
-                  <a:t>end_time</a:t>
-                </a:r>
-                <a:r>
-                  <a:rPr kumimoji="1" lang="en-US" altLang="zh-CN" sz="1200" dirty="0">
-                    <a:latin typeface="DengXian" panose="02010600030101010101" pitchFamily="2" charset="-122"/>
-                    <a:ea typeface="DengXian" panose="02010600030101010101" pitchFamily="2" charset="-122"/>
-                  </a:rPr>
-                  <a:t>}</a:t>
-                </a:r>
-              </a:p>
-            </p:txBody>
-          </p:sp>
-        </p:grpSp>
-        <p:grpSp>
-          <p:nvGrpSpPr>
-            <p:cNvPr id="10" name="Group 9">
+                <a:latin typeface="Alibaba PuHuiTi M" pitchFamily="18" charset="-122"/>
+                <a:ea typeface="Alibaba PuHuiTi M" pitchFamily="18" charset="-122"/>
+                <a:cs typeface="Alibaba PuHuiTi M" pitchFamily="18" charset="-122"/>
+              </a:endParaRPr>
+            </a:p>
+          </p:txBody>
+        </p:sp>
+        <p:sp>
+          <p:nvSpPr>
+            <p:cNvPr id="172" name="矩形 4">
               <a:extLst>
                 <a:ext uri="{FF2B5EF4-FFF2-40B4-BE49-F238E27FC236}">
-                  <a16:creationId xmlns:a16="http://schemas.microsoft.com/office/drawing/2014/main" id="{B0140843-39CF-4759-B35D-D639552AEFD9}"/>
+                  <a16:creationId xmlns:a16="http://schemas.microsoft.com/office/drawing/2014/main" id="{4FF4F16F-AC16-4518-7F18-8A07C1D4C078}"/>
                 </a:ext>
               </a:extLst>
             </p:cNvPr>
-            <p:cNvGrpSpPr/>
+            <p:cNvSpPr/>
             <p:nvPr/>
-          </p:nvGrpSpPr>
-          <p:grpSpPr>
+          </p:nvSpPr>
+          <p:spPr>
             <a:xfrm>
-              <a:off x="9223508" y="2292029"/>
-              <a:ext cx="2245814" cy="2233670"/>
-              <a:chOff x="9223508" y="3133319"/>
-              <a:chExt cx="2245814" cy="2233670"/>
+              <a:off x="9533385" y="2503443"/>
+              <a:ext cx="1626061" cy="345530"/>
             </a:xfrm>
-          </p:grpSpPr>
-          <p:sp>
-            <p:nvSpPr>
-              <p:cNvPr id="113" name="Rectangle: Rounded Corners 4">
-                <a:extLst>
-                  <a:ext uri="{FF2B5EF4-FFF2-40B4-BE49-F238E27FC236}">
-                    <a16:creationId xmlns:a16="http://schemas.microsoft.com/office/drawing/2014/main" id="{D5C112EC-11AB-0B8B-A989-A2A7BCBC1D3D}"/>
-                  </a:ext>
-                </a:extLst>
-              </p:cNvPr>
-              <p:cNvSpPr/>
-              <p:nvPr/>
-            </p:nvSpPr>
-            <p:spPr>
-              <a:xfrm>
-                <a:off x="9223508" y="3133319"/>
-                <a:ext cx="2245814" cy="2233670"/>
-              </a:xfrm>
-              <a:prstGeom prst="roundRect">
-                <a:avLst/>
-              </a:prstGeom>
-              <a:noFill/>
-              <a:ln w="19050">
+            <a:prstGeom prst="rect">
+              <a:avLst/>
+            </a:prstGeom>
+            <a:solidFill>
+              <a:srgbClr val="A9D18E"/>
+            </a:solidFill>
+            <a:ln w="25400">
+              <a:solidFill>
+                <a:schemeClr val="tx1"/>
+              </a:solidFill>
+            </a:ln>
+          </p:spPr>
+          <p:style>
+            <a:lnRef idx="2">
+              <a:schemeClr val="accent2">
+                <a:shade val="50000"/>
+              </a:schemeClr>
+            </a:lnRef>
+            <a:fillRef idx="1">
+              <a:schemeClr val="accent2"/>
+            </a:fillRef>
+            <a:effectRef idx="0">
+              <a:schemeClr val="accent2"/>
+            </a:effectRef>
+            <a:fontRef idx="minor">
+              <a:schemeClr val="lt1"/>
+            </a:fontRef>
+          </p:style>
+          <p:txBody>
+            <a:bodyPr rtlCol="0" anchor="ctr"/>
+            <a:lstStyle/>
+            <a:p>
+              <a:pPr algn="ctr"/>
+              <a:r>
+                <a:rPr kumimoji="1" lang="en-US" altLang="zh-CN" sz="1100" b="1" dirty="0">
+                  <a:solidFill>
+                    <a:sysClr val="windowText" lastClr="000000"/>
+                  </a:solidFill>
+                </a:rPr>
+                <a:t>person1:</a:t>
+              </a:r>
+              <a:r>
+                <a:rPr kumimoji="1" lang="zh-CN" altLang="en-US" sz="1100" b="1" dirty="0">
+                  <a:solidFill>
+                    <a:sysClr val="windowText" lastClr="000000"/>
+                  </a:solidFill>
+                </a:rPr>
+                <a:t> </a:t>
+              </a:r>
+              <a:r>
+                <a:rPr kumimoji="1" lang="en-US" altLang="zh-CN" sz="1100" dirty="0">
+                  <a:solidFill>
+                    <a:sysClr val="windowText" lastClr="000000"/>
+                  </a:solidFill>
+                </a:rPr>
+                <a:t>Person</a:t>
+              </a:r>
+              <a:endParaRPr kumimoji="1" lang="zh-CN" altLang="en-US" sz="1100" dirty="0">
                 <a:solidFill>
-                  <a:schemeClr val="tx1">
-                    <a:alpha val="40000"/>
-                  </a:schemeClr>
+                  <a:sysClr val="windowText" lastClr="000000"/>
                 </a:solidFill>
-                <a:prstDash val="sysDash"/>
-              </a:ln>
-            </p:spPr>
-            <p:style>
-              <a:lnRef idx="2">
-                <a:schemeClr val="accent1">
-                  <a:shade val="50000"/>
-                </a:schemeClr>
-              </a:lnRef>
-              <a:fillRef idx="1">
-                <a:schemeClr val="accent1"/>
-              </a:fillRef>
-              <a:effectRef idx="0">
-                <a:schemeClr val="accent1"/>
-              </a:effectRef>
-              <a:fontRef idx="minor">
-                <a:schemeClr val="lt1"/>
-              </a:fontRef>
-            </p:style>
-            <p:txBody>
-              <a:bodyPr rtlCol="0" anchor="ctr"/>
-              <a:lstStyle/>
-              <a:p>
-                <a:pPr algn="ctr" defTabSz="685800" fontAlgn="base">
-                  <a:spcBef>
-                    <a:spcPct val="0"/>
-                  </a:spcBef>
-                  <a:spcAft>
-                    <a:spcPct val="0"/>
-                  </a:spcAft>
-                  <a:defRPr/>
-                </a:pPr>
-                <a:endParaRPr lang="en-US" sz="900" dirty="0">
-                  <a:solidFill>
-                    <a:schemeClr val="tx1"/>
-                  </a:solidFill>
-                  <a:latin typeface="Alibaba PuHuiTi M" pitchFamily="18" charset="-122"/>
-                  <a:ea typeface="Alibaba PuHuiTi M" pitchFamily="18" charset="-122"/>
-                  <a:cs typeface="Alibaba PuHuiTi M" pitchFamily="18" charset="-122"/>
-                </a:endParaRPr>
-              </a:p>
-            </p:txBody>
-          </p:sp>
-          <p:sp>
-            <p:nvSpPr>
-              <p:cNvPr id="172" name="矩形 4">
-                <a:extLst>
-                  <a:ext uri="{FF2B5EF4-FFF2-40B4-BE49-F238E27FC236}">
-                    <a16:creationId xmlns:a16="http://schemas.microsoft.com/office/drawing/2014/main" id="{4FF4F16F-AC16-4518-7F18-8A07C1D4C078}"/>
-                  </a:ext>
-                </a:extLst>
-              </p:cNvPr>
-              <p:cNvSpPr/>
-              <p:nvPr/>
-            </p:nvSpPr>
-            <p:spPr>
-              <a:xfrm>
-                <a:off x="9533385" y="3344733"/>
-                <a:ext cx="1626061" cy="345530"/>
-              </a:xfrm>
-              <a:prstGeom prst="rect">
-                <a:avLst/>
-              </a:prstGeom>
+              </a:endParaRPr>
+            </a:p>
+          </p:txBody>
+        </p:sp>
+        <p:sp>
+          <p:nvSpPr>
+            <p:cNvPr id="173" name="矩形 5">
+              <a:extLst>
+                <a:ext uri="{FF2B5EF4-FFF2-40B4-BE49-F238E27FC236}">
+                  <a16:creationId xmlns:a16="http://schemas.microsoft.com/office/drawing/2014/main" id="{80BE7C78-B943-E9CA-6B8B-AD7C74D81B41}"/>
+                </a:ext>
+              </a:extLst>
+            </p:cNvPr>
+            <p:cNvSpPr/>
+            <p:nvPr/>
+          </p:nvSpPr>
+          <p:spPr>
+            <a:xfrm>
+              <a:off x="9533385" y="2848973"/>
+              <a:ext cx="1626060" cy="463007"/>
+            </a:xfrm>
+            <a:prstGeom prst="rect">
+              <a:avLst/>
+            </a:prstGeom>
+            <a:noFill/>
+            <a:ln w="25400">
               <a:solidFill>
-                <a:srgbClr val="A9D18E"/>
+                <a:schemeClr val="tx1"/>
               </a:solidFill>
-              <a:ln w="25400">
+            </a:ln>
+          </p:spPr>
+          <p:style>
+            <a:lnRef idx="2">
+              <a:schemeClr val="accent2">
+                <a:shade val="50000"/>
+              </a:schemeClr>
+            </a:lnRef>
+            <a:fillRef idx="1">
+              <a:schemeClr val="accent2"/>
+            </a:fillRef>
+            <a:effectRef idx="0">
+              <a:schemeClr val="accent2"/>
+            </a:effectRef>
+            <a:fontRef idx="minor">
+              <a:schemeClr val="lt1"/>
+            </a:fontRef>
+          </p:style>
+          <p:txBody>
+            <a:bodyPr rtlCol="0" anchor="ctr"/>
+            <a:lstStyle/>
+            <a:p>
+              <a:pPr algn="ctr"/>
+              <a:r>
+                <a:rPr kumimoji="1" lang="en-US" altLang="zh-CN" sz="1100" dirty="0" err="1">
+                  <a:solidFill>
+                    <a:sysClr val="windowText" lastClr="000000"/>
+                  </a:solidFill>
+                  <a:latin typeface="DengXian" panose="02010600030101010101" pitchFamily="2" charset="-122"/>
+                  <a:ea typeface="DengXian" panose="02010600030101010101" pitchFamily="2" charset="-122"/>
+                </a:rPr>
+                <a:t>person.id</a:t>
+              </a:r>
+              <a:r>
+                <a:rPr kumimoji="1" lang="zh-CN" altLang="en-US" sz="1100" dirty="0">
+                  <a:solidFill>
+                    <a:sysClr val="windowText" lastClr="000000"/>
+                  </a:solidFill>
+                  <a:latin typeface="DengXian" panose="02010600030101010101" pitchFamily="2" charset="-122"/>
+                  <a:ea typeface="DengXian" panose="02010600030101010101" pitchFamily="2" charset="-122"/>
+                </a:rPr>
+                <a:t> </a:t>
+              </a:r>
+              <a:r>
+                <a:rPr kumimoji="1" lang="en-US" altLang="zh-CN" sz="1100" dirty="0">
+                  <a:solidFill>
+                    <a:sysClr val="windowText" lastClr="000000"/>
+                  </a:solidFill>
+                  <a:latin typeface="DengXian" panose="02010600030101010101" pitchFamily="2" charset="-122"/>
+                  <a:ea typeface="DengXian" panose="02010600030101010101" pitchFamily="2" charset="-122"/>
+                </a:rPr>
+                <a:t>=</a:t>
+              </a:r>
+              <a:r>
+                <a:rPr kumimoji="1" lang="zh-CN" altLang="en-US" sz="1100" dirty="0">
+                  <a:solidFill>
+                    <a:sysClr val="windowText" lastClr="000000"/>
+                  </a:solidFill>
+                  <a:latin typeface="DengXian" panose="02010600030101010101" pitchFamily="2" charset="-122"/>
+                  <a:ea typeface="DengXian" panose="02010600030101010101" pitchFamily="2" charset="-122"/>
+                </a:rPr>
+                <a:t> </a:t>
+              </a:r>
+              <a:r>
+                <a:rPr kumimoji="1" lang="en-US" altLang="zh-CN" sz="1100" dirty="0">
+                  <a:solidFill>
+                    <a:sysClr val="windowText" lastClr="000000"/>
+                  </a:solidFill>
+                  <a:latin typeface="DengXian" panose="02010600030101010101" pitchFamily="2" charset="-122"/>
+                  <a:ea typeface="DengXian" panose="02010600030101010101" pitchFamily="2" charset="-122"/>
+                </a:rPr>
+                <a:t>${</a:t>
+              </a:r>
+              <a:r>
+                <a:rPr kumimoji="1" lang="en-US" altLang="zh-CN" sz="1100" dirty="0" err="1">
+                  <a:solidFill>
+                    <a:sysClr val="windowText" lastClr="000000"/>
+                  </a:solidFill>
+                  <a:latin typeface="DengXian" panose="02010600030101010101" pitchFamily="2" charset="-122"/>
+                  <a:ea typeface="DengXian" panose="02010600030101010101" pitchFamily="2" charset="-122"/>
+                </a:rPr>
+                <a:t>srcId</a:t>
+              </a:r>
+              <a:r>
+                <a:rPr kumimoji="1" lang="en-US" altLang="zh-CN" sz="1100" dirty="0">
+                  <a:solidFill>
+                    <a:sysClr val="windowText" lastClr="000000"/>
+                  </a:solidFill>
+                  <a:latin typeface="DengXian" panose="02010600030101010101" pitchFamily="2" charset="-122"/>
+                  <a:ea typeface="DengXian" panose="02010600030101010101" pitchFamily="2" charset="-122"/>
+                </a:rPr>
+                <a:t>}</a:t>
+              </a:r>
+            </a:p>
+            <a:p>
+              <a:pPr algn="ctr"/>
+              <a:r>
+                <a:rPr kumimoji="1" lang="en-US" altLang="zh-CN" sz="1100" dirty="0" err="1">
+                  <a:solidFill>
+                    <a:sysClr val="windowText" lastClr="000000"/>
+                  </a:solidFill>
+                  <a:latin typeface="DengXian" panose="02010600030101010101" pitchFamily="2" charset="-122"/>
+                  <a:ea typeface="DengXian" panose="02010600030101010101" pitchFamily="2" charset="-122"/>
+                </a:rPr>
+                <a:t>isBlocked</a:t>
+              </a:r>
+              <a:r>
+                <a:rPr kumimoji="1" lang="zh-CN" altLang="en-US" sz="1100" dirty="0">
+                  <a:solidFill>
+                    <a:sysClr val="windowText" lastClr="000000"/>
+                  </a:solidFill>
+                  <a:latin typeface="DengXian" panose="02010600030101010101" pitchFamily="2" charset="-122"/>
+                  <a:ea typeface="DengXian" panose="02010600030101010101" pitchFamily="2" charset="-122"/>
+                </a:rPr>
+                <a:t> </a:t>
+              </a:r>
+              <a:r>
+                <a:rPr kumimoji="1" lang="en-US" altLang="zh-CN" sz="1100" dirty="0">
+                  <a:solidFill>
+                    <a:sysClr val="windowText" lastClr="000000"/>
+                  </a:solidFill>
+                  <a:latin typeface="DengXian" panose="02010600030101010101" pitchFamily="2" charset="-122"/>
+                  <a:ea typeface="DengXian" panose="02010600030101010101" pitchFamily="2" charset="-122"/>
+                </a:rPr>
+                <a:t>&lt;-</a:t>
+              </a:r>
+              <a:r>
+                <a:rPr kumimoji="1" lang="zh-CN" altLang="en-US" sz="1100" dirty="0">
+                  <a:solidFill>
+                    <a:sysClr val="windowText" lastClr="000000"/>
+                  </a:solidFill>
+                  <a:latin typeface="DengXian" panose="02010600030101010101" pitchFamily="2" charset="-122"/>
+                  <a:ea typeface="DengXian" panose="02010600030101010101" pitchFamily="2" charset="-122"/>
+                </a:rPr>
+                <a:t> </a:t>
+              </a:r>
+              <a:r>
+                <a:rPr kumimoji="1" lang="en-US" altLang="zh-CN" sz="1100" b="1" dirty="0">
+                  <a:solidFill>
+                    <a:sysClr val="windowText" lastClr="000000"/>
+                  </a:solidFill>
+                  <a:latin typeface="DengXian" panose="02010600030101010101" pitchFamily="2" charset="-122"/>
+                  <a:ea typeface="DengXian" panose="02010600030101010101" pitchFamily="2" charset="-122"/>
+                </a:rPr>
+                <a:t>True</a:t>
+              </a:r>
+            </a:p>
+          </p:txBody>
+        </p:sp>
+        <p:sp>
+          <p:nvSpPr>
+            <p:cNvPr id="177" name="矩形 4">
+              <a:extLst>
+                <a:ext uri="{FF2B5EF4-FFF2-40B4-BE49-F238E27FC236}">
+                  <a16:creationId xmlns:a16="http://schemas.microsoft.com/office/drawing/2014/main" id="{3A81FCE7-279E-E6D3-1192-2CD59DC9C1FC}"/>
+                </a:ext>
+              </a:extLst>
+            </p:cNvPr>
+            <p:cNvSpPr/>
+            <p:nvPr/>
+          </p:nvSpPr>
+          <p:spPr>
+            <a:xfrm>
+              <a:off x="9533385" y="3497943"/>
+              <a:ext cx="1626061" cy="345530"/>
+            </a:xfrm>
+            <a:prstGeom prst="rect">
+              <a:avLst/>
+            </a:prstGeom>
+            <a:solidFill>
+              <a:srgbClr val="A9D18E"/>
+            </a:solidFill>
+            <a:ln w="25400">
+              <a:solidFill>
+                <a:schemeClr val="tx1"/>
+              </a:solidFill>
+            </a:ln>
+          </p:spPr>
+          <p:style>
+            <a:lnRef idx="2">
+              <a:schemeClr val="accent2">
+                <a:shade val="50000"/>
+              </a:schemeClr>
+            </a:lnRef>
+            <a:fillRef idx="1">
+              <a:schemeClr val="accent2"/>
+            </a:fillRef>
+            <a:effectRef idx="0">
+              <a:schemeClr val="accent2"/>
+            </a:effectRef>
+            <a:fontRef idx="minor">
+              <a:schemeClr val="lt1"/>
+            </a:fontRef>
+          </p:style>
+          <p:txBody>
+            <a:bodyPr rtlCol="0" anchor="ctr"/>
+            <a:lstStyle/>
+            <a:p>
+              <a:pPr algn="ctr"/>
+              <a:r>
+                <a:rPr kumimoji="1" lang="en-US" altLang="zh-CN" sz="1100" b="1" dirty="0">
+                  <a:solidFill>
+                    <a:sysClr val="windowText" lastClr="000000"/>
+                  </a:solidFill>
+                </a:rPr>
+                <a:t>person2:</a:t>
+              </a:r>
+              <a:r>
+                <a:rPr kumimoji="1" lang="zh-CN" altLang="en-US" sz="1100" b="1" dirty="0">
+                  <a:solidFill>
+                    <a:sysClr val="windowText" lastClr="000000"/>
+                  </a:solidFill>
+                </a:rPr>
+                <a:t> </a:t>
+              </a:r>
+              <a:r>
+                <a:rPr kumimoji="1" lang="en-US" altLang="zh-CN" sz="1100" dirty="0">
+                  <a:solidFill>
+                    <a:sysClr val="windowText" lastClr="000000"/>
+                  </a:solidFill>
+                </a:rPr>
+                <a:t>Person</a:t>
+              </a:r>
+              <a:endParaRPr kumimoji="1" lang="zh-CN" altLang="en-US" sz="1100" dirty="0">
                 <a:solidFill>
-                  <a:schemeClr val="tx1"/>
+                  <a:sysClr val="windowText" lastClr="000000"/>
                 </a:solidFill>
-              </a:ln>
-            </p:spPr>
-            <p:style>
-              <a:lnRef idx="2">
-                <a:schemeClr val="accent2">
-                  <a:shade val="50000"/>
-                </a:schemeClr>
-              </a:lnRef>
-              <a:fillRef idx="1">
-                <a:schemeClr val="accent2"/>
-              </a:fillRef>
-              <a:effectRef idx="0">
-                <a:schemeClr val="accent2"/>
-              </a:effectRef>
-              <a:fontRef idx="minor">
-                <a:schemeClr val="lt1"/>
-              </a:fontRef>
-            </p:style>
-            <p:txBody>
-              <a:bodyPr rtlCol="0" anchor="ctr"/>
-              <a:lstStyle/>
-              <a:p>
-                <a:pPr algn="ctr"/>
-                <a:r>
-                  <a:rPr kumimoji="1" lang="en-US" altLang="zh-CN" sz="1100" b="1" dirty="0">
-                    <a:solidFill>
-                      <a:sysClr val="windowText" lastClr="000000"/>
-                    </a:solidFill>
-                  </a:rPr>
-                  <a:t>person:</a:t>
-                </a:r>
-                <a:r>
-                  <a:rPr kumimoji="1" lang="zh-CN" altLang="en-US" sz="1100" b="1" dirty="0">
-                    <a:solidFill>
-                      <a:sysClr val="windowText" lastClr="000000"/>
-                    </a:solidFill>
-                  </a:rPr>
-                  <a:t> </a:t>
-                </a:r>
-                <a:r>
-                  <a:rPr kumimoji="1" lang="en-US" altLang="zh-CN" sz="1100" dirty="0">
-                    <a:solidFill>
-                      <a:sysClr val="windowText" lastClr="000000"/>
-                    </a:solidFill>
-                  </a:rPr>
-                  <a:t>Person</a:t>
-                </a:r>
-                <a:endParaRPr kumimoji="1" lang="zh-CN" altLang="en-US" sz="1100" dirty="0">
+              </a:endParaRPr>
+            </a:p>
+          </p:txBody>
+        </p:sp>
+        <p:sp>
+          <p:nvSpPr>
+            <p:cNvPr id="178" name="矩形 5">
+              <a:extLst>
+                <a:ext uri="{FF2B5EF4-FFF2-40B4-BE49-F238E27FC236}">
+                  <a16:creationId xmlns:a16="http://schemas.microsoft.com/office/drawing/2014/main" id="{265563E3-24C0-858C-5365-2E9B99EB4DAB}"/>
+                </a:ext>
+              </a:extLst>
+            </p:cNvPr>
+            <p:cNvSpPr/>
+            <p:nvPr/>
+          </p:nvSpPr>
+          <p:spPr>
+            <a:xfrm>
+              <a:off x="9533385" y="3843473"/>
+              <a:ext cx="1626060" cy="463007"/>
+            </a:xfrm>
+            <a:prstGeom prst="rect">
+              <a:avLst/>
+            </a:prstGeom>
+            <a:noFill/>
+            <a:ln w="25400">
+              <a:solidFill>
+                <a:schemeClr val="tx1"/>
+              </a:solidFill>
+            </a:ln>
+          </p:spPr>
+          <p:style>
+            <a:lnRef idx="2">
+              <a:schemeClr val="accent2">
+                <a:shade val="50000"/>
+              </a:schemeClr>
+            </a:lnRef>
+            <a:fillRef idx="1">
+              <a:schemeClr val="accent2"/>
+            </a:fillRef>
+            <a:effectRef idx="0">
+              <a:schemeClr val="accent2"/>
+            </a:effectRef>
+            <a:fontRef idx="minor">
+              <a:schemeClr val="lt1"/>
+            </a:fontRef>
+          </p:style>
+          <p:txBody>
+            <a:bodyPr rtlCol="0" anchor="ctr"/>
+            <a:lstStyle/>
+            <a:p>
+              <a:pPr algn="ctr"/>
+              <a:r>
+                <a:rPr kumimoji="1" lang="en-US" altLang="zh-CN" sz="1100" dirty="0" err="1">
                   <a:solidFill>
                     <a:sysClr val="windowText" lastClr="000000"/>
                   </a:solidFill>
-                </a:endParaRPr>
-              </a:p>
-            </p:txBody>
-          </p:sp>
-          <p:sp>
-            <p:nvSpPr>
-              <p:cNvPr id="173" name="矩形 5">
-                <a:extLst>
-                  <a:ext uri="{FF2B5EF4-FFF2-40B4-BE49-F238E27FC236}">
-                    <a16:creationId xmlns:a16="http://schemas.microsoft.com/office/drawing/2014/main" id="{80BE7C78-B943-E9CA-6B8B-AD7C74D81B41}"/>
-                  </a:ext>
-                </a:extLst>
-              </p:cNvPr>
-              <p:cNvSpPr/>
-              <p:nvPr/>
-            </p:nvSpPr>
-            <p:spPr>
-              <a:xfrm>
-                <a:off x="9533385" y="3690263"/>
-                <a:ext cx="1626060" cy="463007"/>
-              </a:xfrm>
-              <a:prstGeom prst="rect">
-                <a:avLst/>
-              </a:prstGeom>
-              <a:noFill/>
-              <a:ln w="25400">
-                <a:solidFill>
-                  <a:schemeClr val="tx1"/>
-                </a:solidFill>
-              </a:ln>
-            </p:spPr>
-            <p:style>
-              <a:lnRef idx="2">
-                <a:schemeClr val="accent2">
-                  <a:shade val="50000"/>
-                </a:schemeClr>
-              </a:lnRef>
-              <a:fillRef idx="1">
-                <a:schemeClr val="accent2"/>
-              </a:fillRef>
-              <a:effectRef idx="0">
-                <a:schemeClr val="accent2"/>
-              </a:effectRef>
-              <a:fontRef idx="minor">
-                <a:schemeClr val="lt1"/>
-              </a:fontRef>
-            </p:style>
-            <p:txBody>
-              <a:bodyPr rtlCol="0" anchor="ctr"/>
-              <a:lstStyle/>
-              <a:p>
-                <a:pPr algn="ctr"/>
-                <a:r>
-                  <a:rPr kumimoji="1" lang="en-US" altLang="zh-CN" sz="1100" dirty="0" err="1">
-                    <a:solidFill>
-                      <a:sysClr val="windowText" lastClr="000000"/>
-                    </a:solidFill>
-                    <a:latin typeface="DengXian" panose="02010600030101010101" pitchFamily="2" charset="-122"/>
-                    <a:ea typeface="DengXian" panose="02010600030101010101" pitchFamily="2" charset="-122"/>
-                  </a:rPr>
-                  <a:t>person.id</a:t>
-                </a:r>
-                <a:r>
-                  <a:rPr kumimoji="1" lang="zh-CN" altLang="en-US" sz="1100" dirty="0">
-                    <a:solidFill>
-                      <a:sysClr val="windowText" lastClr="000000"/>
-                    </a:solidFill>
-                    <a:latin typeface="DengXian" panose="02010600030101010101" pitchFamily="2" charset="-122"/>
-                    <a:ea typeface="DengXian" panose="02010600030101010101" pitchFamily="2" charset="-122"/>
-                  </a:rPr>
-                  <a:t> </a:t>
-                </a:r>
-                <a:r>
-                  <a:rPr kumimoji="1" lang="en-US" altLang="zh-CN" sz="1100" dirty="0">
-                    <a:solidFill>
-                      <a:sysClr val="windowText" lastClr="000000"/>
-                    </a:solidFill>
-                    <a:latin typeface="DengXian" panose="02010600030101010101" pitchFamily="2" charset="-122"/>
-                    <a:ea typeface="DengXian" panose="02010600030101010101" pitchFamily="2" charset="-122"/>
-                  </a:rPr>
-                  <a:t>=</a:t>
-                </a:r>
-                <a:r>
-                  <a:rPr kumimoji="1" lang="zh-CN" altLang="en-US" sz="1100" dirty="0">
-                    <a:solidFill>
-                      <a:sysClr val="windowText" lastClr="000000"/>
-                    </a:solidFill>
-                    <a:latin typeface="DengXian" panose="02010600030101010101" pitchFamily="2" charset="-122"/>
-                    <a:ea typeface="DengXian" panose="02010600030101010101" pitchFamily="2" charset="-122"/>
-                  </a:rPr>
-                  <a:t> </a:t>
-                </a:r>
-                <a:r>
-                  <a:rPr kumimoji="1" lang="en-US" altLang="zh-CN" sz="1100" dirty="0">
-                    <a:solidFill>
-                      <a:sysClr val="windowText" lastClr="000000"/>
-                    </a:solidFill>
-                    <a:latin typeface="DengXian" panose="02010600030101010101" pitchFamily="2" charset="-122"/>
-                    <a:ea typeface="DengXian" panose="02010600030101010101" pitchFamily="2" charset="-122"/>
-                  </a:rPr>
-                  <a:t>${</a:t>
-                </a:r>
-                <a:r>
-                  <a:rPr kumimoji="1" lang="en-US" altLang="zh-CN" sz="1100" dirty="0" err="1">
-                    <a:solidFill>
-                      <a:sysClr val="windowText" lastClr="000000"/>
-                    </a:solidFill>
-                    <a:latin typeface="DengXian" panose="02010600030101010101" pitchFamily="2" charset="-122"/>
-                    <a:ea typeface="DengXian" panose="02010600030101010101" pitchFamily="2" charset="-122"/>
-                  </a:rPr>
-                  <a:t>srcId</a:t>
-                </a:r>
-                <a:r>
-                  <a:rPr kumimoji="1" lang="en-US" altLang="zh-CN" sz="1100" dirty="0">
-                    <a:solidFill>
-                      <a:sysClr val="windowText" lastClr="000000"/>
-                    </a:solidFill>
-                    <a:latin typeface="DengXian" panose="02010600030101010101" pitchFamily="2" charset="-122"/>
-                    <a:ea typeface="DengXian" panose="02010600030101010101" pitchFamily="2" charset="-122"/>
-                  </a:rPr>
-                  <a:t>}</a:t>
-                </a:r>
-              </a:p>
-              <a:p>
-                <a:pPr algn="ctr"/>
-                <a:r>
-                  <a:rPr kumimoji="1" lang="en-US" altLang="zh-CN" sz="1100" dirty="0" err="1">
-                    <a:solidFill>
-                      <a:sysClr val="windowText" lastClr="000000"/>
-                    </a:solidFill>
-                    <a:latin typeface="DengXian" panose="02010600030101010101" pitchFamily="2" charset="-122"/>
-                    <a:ea typeface="DengXian" panose="02010600030101010101" pitchFamily="2" charset="-122"/>
-                  </a:rPr>
-                  <a:t>isBlocked</a:t>
-                </a:r>
-                <a:r>
-                  <a:rPr kumimoji="1" lang="zh-CN" altLang="en-US" sz="1100" dirty="0">
-                    <a:solidFill>
-                      <a:sysClr val="windowText" lastClr="000000"/>
-                    </a:solidFill>
-                    <a:latin typeface="DengXian" panose="02010600030101010101" pitchFamily="2" charset="-122"/>
-                    <a:ea typeface="DengXian" panose="02010600030101010101" pitchFamily="2" charset="-122"/>
-                  </a:rPr>
-                  <a:t> </a:t>
-                </a:r>
-                <a:r>
-                  <a:rPr kumimoji="1" lang="en-US" altLang="zh-CN" sz="1100" dirty="0">
-                    <a:solidFill>
-                      <a:sysClr val="windowText" lastClr="000000"/>
-                    </a:solidFill>
-                    <a:latin typeface="DengXian" panose="02010600030101010101" pitchFamily="2" charset="-122"/>
-                    <a:ea typeface="DengXian" panose="02010600030101010101" pitchFamily="2" charset="-122"/>
-                  </a:rPr>
-                  <a:t>&lt;-</a:t>
-                </a:r>
-                <a:r>
-                  <a:rPr kumimoji="1" lang="zh-CN" altLang="en-US" sz="1100" dirty="0">
-                    <a:solidFill>
-                      <a:sysClr val="windowText" lastClr="000000"/>
-                    </a:solidFill>
-                    <a:latin typeface="DengXian" panose="02010600030101010101" pitchFamily="2" charset="-122"/>
-                    <a:ea typeface="DengXian" panose="02010600030101010101" pitchFamily="2" charset="-122"/>
-                  </a:rPr>
-                  <a:t> </a:t>
-                </a:r>
-                <a:r>
-                  <a:rPr kumimoji="1" lang="en-US" altLang="zh-CN" sz="1100" b="1" dirty="0">
-                    <a:solidFill>
-                      <a:sysClr val="windowText" lastClr="000000"/>
-                    </a:solidFill>
-                    <a:latin typeface="DengXian" panose="02010600030101010101" pitchFamily="2" charset="-122"/>
-                    <a:ea typeface="DengXian" panose="02010600030101010101" pitchFamily="2" charset="-122"/>
-                  </a:rPr>
-                  <a:t>True</a:t>
-                </a:r>
-              </a:p>
-            </p:txBody>
-          </p:sp>
-          <p:sp>
-            <p:nvSpPr>
-              <p:cNvPr id="177" name="矩形 4">
-                <a:extLst>
-                  <a:ext uri="{FF2B5EF4-FFF2-40B4-BE49-F238E27FC236}">
-                    <a16:creationId xmlns:a16="http://schemas.microsoft.com/office/drawing/2014/main" id="{3A81FCE7-279E-E6D3-1192-2CD59DC9C1FC}"/>
-                  </a:ext>
-                </a:extLst>
-              </p:cNvPr>
-              <p:cNvSpPr/>
-              <p:nvPr/>
-            </p:nvSpPr>
-            <p:spPr>
-              <a:xfrm>
-                <a:off x="9533385" y="4339233"/>
-                <a:ext cx="1626061" cy="345530"/>
-              </a:xfrm>
-              <a:prstGeom prst="rect">
-                <a:avLst/>
-              </a:prstGeom>
-              <a:solidFill>
-                <a:srgbClr val="A9D18E"/>
-              </a:solidFill>
-              <a:ln w="25400">
-                <a:solidFill>
-                  <a:schemeClr val="tx1"/>
-                </a:solidFill>
-              </a:ln>
-            </p:spPr>
-            <p:style>
-              <a:lnRef idx="2">
-                <a:schemeClr val="accent2">
-                  <a:shade val="50000"/>
-                </a:schemeClr>
-              </a:lnRef>
-              <a:fillRef idx="1">
-                <a:schemeClr val="accent2"/>
-              </a:fillRef>
-              <a:effectRef idx="0">
-                <a:schemeClr val="accent2"/>
-              </a:effectRef>
-              <a:fontRef idx="minor">
-                <a:schemeClr val="lt1"/>
-              </a:fontRef>
-            </p:style>
-            <p:txBody>
-              <a:bodyPr rtlCol="0" anchor="ctr"/>
-              <a:lstStyle/>
-              <a:p>
-                <a:pPr algn="ctr"/>
-                <a:r>
-                  <a:rPr kumimoji="1" lang="en-US" altLang="zh-CN" sz="1100" b="1" dirty="0">
-                    <a:solidFill>
-                      <a:sysClr val="windowText" lastClr="000000"/>
-                    </a:solidFill>
-                  </a:rPr>
-                  <a:t>person:</a:t>
-                </a:r>
-                <a:r>
-                  <a:rPr kumimoji="1" lang="zh-CN" altLang="en-US" sz="1100" b="1" dirty="0">
-                    <a:solidFill>
-                      <a:sysClr val="windowText" lastClr="000000"/>
-                    </a:solidFill>
-                  </a:rPr>
-                  <a:t> </a:t>
-                </a:r>
-                <a:r>
-                  <a:rPr kumimoji="1" lang="en-US" altLang="zh-CN" sz="1100" dirty="0">
-                    <a:solidFill>
-                      <a:sysClr val="windowText" lastClr="000000"/>
-                    </a:solidFill>
-                  </a:rPr>
-                  <a:t>Person</a:t>
-                </a:r>
-                <a:endParaRPr kumimoji="1" lang="zh-CN" altLang="en-US" sz="1100" dirty="0">
+                  <a:latin typeface="DengXian" panose="02010600030101010101" pitchFamily="2" charset="-122"/>
+                  <a:ea typeface="DengXian" panose="02010600030101010101" pitchFamily="2" charset="-122"/>
+                </a:rPr>
+                <a:t>person.id</a:t>
+              </a:r>
+              <a:r>
+                <a:rPr kumimoji="1" lang="zh-CN" altLang="en-US" sz="1100" dirty="0">
                   <a:solidFill>
                     <a:sysClr val="windowText" lastClr="000000"/>
                   </a:solidFill>
-                </a:endParaRPr>
-              </a:p>
-            </p:txBody>
-          </p:sp>
-          <p:sp>
-            <p:nvSpPr>
-              <p:cNvPr id="178" name="矩形 5">
-                <a:extLst>
-                  <a:ext uri="{FF2B5EF4-FFF2-40B4-BE49-F238E27FC236}">
-                    <a16:creationId xmlns:a16="http://schemas.microsoft.com/office/drawing/2014/main" id="{265563E3-24C0-858C-5365-2E9B99EB4DAB}"/>
-                  </a:ext>
-                </a:extLst>
-              </p:cNvPr>
-              <p:cNvSpPr/>
-              <p:nvPr/>
-            </p:nvSpPr>
-            <p:spPr>
-              <a:xfrm>
-                <a:off x="9533385" y="4684763"/>
-                <a:ext cx="1626060" cy="463007"/>
-              </a:xfrm>
-              <a:prstGeom prst="rect">
-                <a:avLst/>
-              </a:prstGeom>
-              <a:noFill/>
-              <a:ln w="25400">
-                <a:solidFill>
-                  <a:schemeClr val="tx1"/>
-                </a:solidFill>
-              </a:ln>
-            </p:spPr>
-            <p:style>
-              <a:lnRef idx="2">
-                <a:schemeClr val="accent2">
-                  <a:shade val="50000"/>
-                </a:schemeClr>
-              </a:lnRef>
-              <a:fillRef idx="1">
-                <a:schemeClr val="accent2"/>
-              </a:fillRef>
-              <a:effectRef idx="0">
-                <a:schemeClr val="accent2"/>
-              </a:effectRef>
-              <a:fontRef idx="minor">
-                <a:schemeClr val="lt1"/>
-              </a:fontRef>
-            </p:style>
-            <p:txBody>
-              <a:bodyPr rtlCol="0" anchor="ctr"/>
-              <a:lstStyle/>
-              <a:p>
-                <a:pPr algn="ctr"/>
-                <a:r>
-                  <a:rPr kumimoji="1" lang="en-US" altLang="zh-CN" sz="1100" dirty="0" err="1">
-                    <a:solidFill>
-                      <a:sysClr val="windowText" lastClr="000000"/>
-                    </a:solidFill>
-                    <a:latin typeface="DengXian" panose="02010600030101010101" pitchFamily="2" charset="-122"/>
-                    <a:ea typeface="DengXian" panose="02010600030101010101" pitchFamily="2" charset="-122"/>
-                  </a:rPr>
-                  <a:t>person.id</a:t>
-                </a:r>
-                <a:r>
-                  <a:rPr kumimoji="1" lang="zh-CN" altLang="en-US" sz="1100" dirty="0">
-                    <a:solidFill>
-                      <a:sysClr val="windowText" lastClr="000000"/>
-                    </a:solidFill>
-                    <a:latin typeface="DengXian" panose="02010600030101010101" pitchFamily="2" charset="-122"/>
-                    <a:ea typeface="DengXian" panose="02010600030101010101" pitchFamily="2" charset="-122"/>
-                  </a:rPr>
-                  <a:t> </a:t>
-                </a:r>
-                <a:r>
-                  <a:rPr kumimoji="1" lang="en-US" altLang="zh-CN" sz="1100" dirty="0">
-                    <a:solidFill>
-                      <a:sysClr val="windowText" lastClr="000000"/>
-                    </a:solidFill>
-                    <a:latin typeface="DengXian" panose="02010600030101010101" pitchFamily="2" charset="-122"/>
-                    <a:ea typeface="DengXian" panose="02010600030101010101" pitchFamily="2" charset="-122"/>
-                  </a:rPr>
-                  <a:t>=</a:t>
-                </a:r>
-                <a:r>
-                  <a:rPr kumimoji="1" lang="zh-CN" altLang="en-US" sz="1100" dirty="0">
-                    <a:solidFill>
-                      <a:sysClr val="windowText" lastClr="000000"/>
-                    </a:solidFill>
-                    <a:latin typeface="DengXian" panose="02010600030101010101" pitchFamily="2" charset="-122"/>
-                    <a:ea typeface="DengXian" panose="02010600030101010101" pitchFamily="2" charset="-122"/>
-                  </a:rPr>
-                  <a:t> </a:t>
-                </a:r>
-                <a:r>
-                  <a:rPr kumimoji="1" lang="en-US" altLang="zh-CN" sz="1100" dirty="0">
-                    <a:solidFill>
-                      <a:sysClr val="windowText" lastClr="000000"/>
-                    </a:solidFill>
-                    <a:latin typeface="DengXian" panose="02010600030101010101" pitchFamily="2" charset="-122"/>
-                    <a:ea typeface="DengXian" panose="02010600030101010101" pitchFamily="2" charset="-122"/>
-                  </a:rPr>
-                  <a:t>${</a:t>
-                </a:r>
-                <a:r>
-                  <a:rPr kumimoji="1" lang="en-US" altLang="zh-CN" sz="1100" dirty="0" err="1">
-                    <a:solidFill>
-                      <a:sysClr val="windowText" lastClr="000000"/>
-                    </a:solidFill>
-                    <a:latin typeface="DengXian" panose="02010600030101010101" pitchFamily="2" charset="-122"/>
-                    <a:ea typeface="DengXian" panose="02010600030101010101" pitchFamily="2" charset="-122"/>
-                  </a:rPr>
-                  <a:t>dstId</a:t>
-                </a:r>
-                <a:r>
-                  <a:rPr kumimoji="1" lang="en-US" altLang="zh-CN" sz="1100" dirty="0">
-                    <a:solidFill>
-                      <a:sysClr val="windowText" lastClr="000000"/>
-                    </a:solidFill>
-                    <a:latin typeface="DengXian" panose="02010600030101010101" pitchFamily="2" charset="-122"/>
-                    <a:ea typeface="DengXian" panose="02010600030101010101" pitchFamily="2" charset="-122"/>
-                  </a:rPr>
-                  <a:t>}</a:t>
-                </a:r>
-              </a:p>
-              <a:p>
-                <a:pPr algn="ctr"/>
-                <a:r>
-                  <a:rPr kumimoji="1" lang="en-US" altLang="zh-CN" sz="1100" dirty="0" err="1">
-                    <a:solidFill>
-                      <a:sysClr val="windowText" lastClr="000000"/>
-                    </a:solidFill>
-                    <a:latin typeface="DengXian" panose="02010600030101010101" pitchFamily="2" charset="-122"/>
-                    <a:ea typeface="DengXian" panose="02010600030101010101" pitchFamily="2" charset="-122"/>
-                  </a:rPr>
-                  <a:t>isBlocked</a:t>
-                </a:r>
-                <a:r>
-                  <a:rPr kumimoji="1" lang="zh-CN" altLang="en-US" sz="1100" dirty="0">
-                    <a:solidFill>
-                      <a:sysClr val="windowText" lastClr="000000"/>
-                    </a:solidFill>
-                    <a:latin typeface="DengXian" panose="02010600030101010101" pitchFamily="2" charset="-122"/>
-                    <a:ea typeface="DengXian" panose="02010600030101010101" pitchFamily="2" charset="-122"/>
-                  </a:rPr>
-                  <a:t> </a:t>
-                </a:r>
-                <a:r>
-                  <a:rPr kumimoji="1" lang="en-US" altLang="zh-CN" sz="1100" dirty="0">
-                    <a:solidFill>
-                      <a:sysClr val="windowText" lastClr="000000"/>
-                    </a:solidFill>
-                    <a:latin typeface="DengXian" panose="02010600030101010101" pitchFamily="2" charset="-122"/>
-                    <a:ea typeface="DengXian" panose="02010600030101010101" pitchFamily="2" charset="-122"/>
-                  </a:rPr>
-                  <a:t>&lt;-</a:t>
-                </a:r>
-                <a:r>
-                  <a:rPr kumimoji="1" lang="zh-CN" altLang="en-US" sz="1100" dirty="0">
-                    <a:solidFill>
-                      <a:sysClr val="windowText" lastClr="000000"/>
-                    </a:solidFill>
-                    <a:latin typeface="DengXian" panose="02010600030101010101" pitchFamily="2" charset="-122"/>
-                    <a:ea typeface="DengXian" panose="02010600030101010101" pitchFamily="2" charset="-122"/>
-                  </a:rPr>
-                  <a:t> </a:t>
-                </a:r>
-                <a:r>
-                  <a:rPr kumimoji="1" lang="en-US" altLang="zh-CN" sz="1100" b="1" dirty="0">
-                    <a:solidFill>
-                      <a:sysClr val="windowText" lastClr="000000"/>
-                    </a:solidFill>
-                    <a:latin typeface="DengXian" panose="02010600030101010101" pitchFamily="2" charset="-122"/>
-                    <a:ea typeface="DengXian" panose="02010600030101010101" pitchFamily="2" charset="-122"/>
-                  </a:rPr>
-                  <a:t>True</a:t>
-                </a:r>
-              </a:p>
-            </p:txBody>
-          </p:sp>
-        </p:grpSp>
+                  <a:latin typeface="DengXian" panose="02010600030101010101" pitchFamily="2" charset="-122"/>
+                  <a:ea typeface="DengXian" panose="02010600030101010101" pitchFamily="2" charset="-122"/>
+                </a:rPr>
+                <a:t> </a:t>
+              </a:r>
+              <a:r>
+                <a:rPr kumimoji="1" lang="en-US" altLang="zh-CN" sz="1100" dirty="0">
+                  <a:solidFill>
+                    <a:sysClr val="windowText" lastClr="000000"/>
+                  </a:solidFill>
+                  <a:latin typeface="DengXian" panose="02010600030101010101" pitchFamily="2" charset="-122"/>
+                  <a:ea typeface="DengXian" panose="02010600030101010101" pitchFamily="2" charset="-122"/>
+                </a:rPr>
+                <a:t>=</a:t>
+              </a:r>
+              <a:r>
+                <a:rPr kumimoji="1" lang="zh-CN" altLang="en-US" sz="1100" dirty="0">
+                  <a:solidFill>
+                    <a:sysClr val="windowText" lastClr="000000"/>
+                  </a:solidFill>
+                  <a:latin typeface="DengXian" panose="02010600030101010101" pitchFamily="2" charset="-122"/>
+                  <a:ea typeface="DengXian" panose="02010600030101010101" pitchFamily="2" charset="-122"/>
+                </a:rPr>
+                <a:t> </a:t>
+              </a:r>
+              <a:r>
+                <a:rPr kumimoji="1" lang="en-US" altLang="zh-CN" sz="1100" dirty="0">
+                  <a:solidFill>
+                    <a:sysClr val="windowText" lastClr="000000"/>
+                  </a:solidFill>
+                  <a:latin typeface="DengXian" panose="02010600030101010101" pitchFamily="2" charset="-122"/>
+                  <a:ea typeface="DengXian" panose="02010600030101010101" pitchFamily="2" charset="-122"/>
+                </a:rPr>
+                <a:t>${</a:t>
+              </a:r>
+              <a:r>
+                <a:rPr kumimoji="1" lang="en-US" altLang="zh-CN" sz="1100" dirty="0" err="1">
+                  <a:solidFill>
+                    <a:sysClr val="windowText" lastClr="000000"/>
+                  </a:solidFill>
+                  <a:latin typeface="DengXian" panose="02010600030101010101" pitchFamily="2" charset="-122"/>
+                  <a:ea typeface="DengXian" panose="02010600030101010101" pitchFamily="2" charset="-122"/>
+                </a:rPr>
+                <a:t>dstId</a:t>
+              </a:r>
+              <a:r>
+                <a:rPr kumimoji="1" lang="en-US" altLang="zh-CN" sz="1100" dirty="0">
+                  <a:solidFill>
+                    <a:sysClr val="windowText" lastClr="000000"/>
+                  </a:solidFill>
+                  <a:latin typeface="DengXian" panose="02010600030101010101" pitchFamily="2" charset="-122"/>
+                  <a:ea typeface="DengXian" panose="02010600030101010101" pitchFamily="2" charset="-122"/>
+                </a:rPr>
+                <a:t>}</a:t>
+              </a:r>
+            </a:p>
+            <a:p>
+              <a:pPr algn="ctr"/>
+              <a:r>
+                <a:rPr kumimoji="1" lang="en-US" altLang="zh-CN" sz="1100" dirty="0" err="1">
+                  <a:solidFill>
+                    <a:sysClr val="windowText" lastClr="000000"/>
+                  </a:solidFill>
+                  <a:latin typeface="DengXian" panose="02010600030101010101" pitchFamily="2" charset="-122"/>
+                  <a:ea typeface="DengXian" panose="02010600030101010101" pitchFamily="2" charset="-122"/>
+                </a:rPr>
+                <a:t>isBlocked</a:t>
+              </a:r>
+              <a:r>
+                <a:rPr kumimoji="1" lang="zh-CN" altLang="en-US" sz="1100" dirty="0">
+                  <a:solidFill>
+                    <a:sysClr val="windowText" lastClr="000000"/>
+                  </a:solidFill>
+                  <a:latin typeface="DengXian" panose="02010600030101010101" pitchFamily="2" charset="-122"/>
+                  <a:ea typeface="DengXian" panose="02010600030101010101" pitchFamily="2" charset="-122"/>
+                </a:rPr>
+                <a:t> </a:t>
+              </a:r>
+              <a:r>
+                <a:rPr kumimoji="1" lang="en-US" altLang="zh-CN" sz="1100" dirty="0">
+                  <a:solidFill>
+                    <a:sysClr val="windowText" lastClr="000000"/>
+                  </a:solidFill>
+                  <a:latin typeface="DengXian" panose="02010600030101010101" pitchFamily="2" charset="-122"/>
+                  <a:ea typeface="DengXian" panose="02010600030101010101" pitchFamily="2" charset="-122"/>
+                </a:rPr>
+                <a:t>&lt;-</a:t>
+              </a:r>
+              <a:r>
+                <a:rPr kumimoji="1" lang="zh-CN" altLang="en-US" sz="1100" dirty="0">
+                  <a:solidFill>
+                    <a:sysClr val="windowText" lastClr="000000"/>
+                  </a:solidFill>
+                  <a:latin typeface="DengXian" panose="02010600030101010101" pitchFamily="2" charset="-122"/>
+                  <a:ea typeface="DengXian" panose="02010600030101010101" pitchFamily="2" charset="-122"/>
+                </a:rPr>
+                <a:t> </a:t>
+              </a:r>
+              <a:r>
+                <a:rPr kumimoji="1" lang="en-US" altLang="zh-CN" sz="1100" b="1" dirty="0">
+                  <a:solidFill>
+                    <a:sysClr val="windowText" lastClr="000000"/>
+                  </a:solidFill>
+                  <a:latin typeface="DengXian" panose="02010600030101010101" pitchFamily="2" charset="-122"/>
+                  <a:ea typeface="DengXian" panose="02010600030101010101" pitchFamily="2" charset="-122"/>
+                </a:rPr>
+                <a:t>True</a:t>
+              </a:r>
+            </a:p>
+          </p:txBody>
+        </p:sp>
         <p:sp>
           <p:nvSpPr>
             <p:cNvPr id="4" name="矩形 3">
@@ -18321,6 +18133,325 @@
                 <a:latin typeface="DengXian" panose="02010600030101010101" pitchFamily="2" charset="-122"/>
                 <a:ea typeface="DengXian" panose="02010600030101010101" pitchFamily="2" charset="-122"/>
               </a:endParaRPr>
+            </a:p>
+          </p:txBody>
+        </p:sp>
+        <p:sp>
+          <p:nvSpPr>
+            <p:cNvPr id="11" name="矩形 14">
+              <a:extLst>
+                <a:ext uri="{FF2B5EF4-FFF2-40B4-BE49-F238E27FC236}">
+                  <a16:creationId xmlns:a16="http://schemas.microsoft.com/office/drawing/2014/main" id="{85A55302-D6A6-0D79-C8D1-7DECA5361110}"/>
+                </a:ext>
+              </a:extLst>
+            </p:cNvPr>
+            <p:cNvSpPr/>
+            <p:nvPr/>
+          </p:nvSpPr>
+          <p:spPr>
+            <a:xfrm>
+              <a:off x="3103676" y="3887869"/>
+              <a:ext cx="1009979" cy="371925"/>
+            </a:xfrm>
+            <a:prstGeom prst="rect">
+              <a:avLst/>
+            </a:prstGeom>
+            <a:solidFill>
+              <a:schemeClr val="accent2">
+                <a:lumMod val="60000"/>
+                <a:lumOff val="40000"/>
+              </a:schemeClr>
+            </a:solidFill>
+            <a:ln w="19050">
+              <a:solidFill>
+                <a:schemeClr val="tx1"/>
+              </a:solidFill>
+            </a:ln>
+          </p:spPr>
+          <p:style>
+            <a:lnRef idx="2">
+              <a:schemeClr val="accent2">
+                <a:shade val="50000"/>
+              </a:schemeClr>
+            </a:lnRef>
+            <a:fillRef idx="1">
+              <a:schemeClr val="accent2"/>
+            </a:fillRef>
+            <a:effectRef idx="0">
+              <a:schemeClr val="accent2"/>
+            </a:effectRef>
+            <a:fontRef idx="minor">
+              <a:schemeClr val="lt1"/>
+            </a:fontRef>
+          </p:style>
+          <p:txBody>
+            <a:bodyPr rtlCol="0" anchor="ctr"/>
+            <a:lstStyle/>
+            <a:p>
+              <a:pPr algn="ctr"/>
+              <a:r>
+                <a:rPr kumimoji="1" lang="en-US" altLang="zh-CN" sz="1200" b="1" dirty="0">
+                  <a:solidFill>
+                    <a:sysClr val="windowText" lastClr="000000"/>
+                  </a:solidFill>
+                </a:rPr>
+                <a:t>loan2</a:t>
+              </a:r>
+              <a:r>
+                <a:rPr kumimoji="1" lang="zh-CN" altLang="en-US" sz="1200" dirty="0">
+                  <a:solidFill>
+                    <a:sysClr val="windowText" lastClr="000000"/>
+                  </a:solidFill>
+                </a:rPr>
+                <a:t> </a:t>
+              </a:r>
+              <a:r>
+                <a:rPr kumimoji="1" lang="en-US" altLang="zh-CN" sz="1200" dirty="0">
+                  <a:solidFill>
+                    <a:sysClr val="windowText" lastClr="000000"/>
+                  </a:solidFill>
+                </a:rPr>
+                <a:t>:</a:t>
+              </a:r>
+              <a:r>
+                <a:rPr kumimoji="1" lang="zh-CN" altLang="en-US" sz="1200" dirty="0">
+                  <a:solidFill>
+                    <a:sysClr val="windowText" lastClr="000000"/>
+                  </a:solidFill>
+                </a:rPr>
+                <a:t> </a:t>
+              </a:r>
+              <a:r>
+                <a:rPr kumimoji="1" lang="en-US" altLang="zh-CN" sz="1200" dirty="0">
+                  <a:solidFill>
+                    <a:sysClr val="windowText" lastClr="000000"/>
+                  </a:solidFill>
+                </a:rPr>
+                <a:t>Loan</a:t>
+              </a:r>
+              <a:endParaRPr kumimoji="1" lang="zh-CN" altLang="en-US" sz="1200" dirty="0">
+                <a:solidFill>
+                  <a:sysClr val="windowText" lastClr="000000"/>
+                </a:solidFill>
+              </a:endParaRPr>
+            </a:p>
+          </p:txBody>
+        </p:sp>
+        <p:cxnSp>
+          <p:nvCxnSpPr>
+            <p:cNvPr id="13" name="直线箭头连接符 11" descr="jytjh">
+              <a:extLst>
+                <a:ext uri="{FF2B5EF4-FFF2-40B4-BE49-F238E27FC236}">
+                  <a16:creationId xmlns:a16="http://schemas.microsoft.com/office/drawing/2014/main" id="{33E0A2FC-3D1E-12DE-3BF7-99CC2572CB43}"/>
+                </a:ext>
+              </a:extLst>
+            </p:cNvPr>
+            <p:cNvCxnSpPr>
+              <a:cxnSpLocks/>
+              <a:stCxn id="157" idx="0"/>
+              <a:endCxn id="11" idx="2"/>
+            </p:cNvCxnSpPr>
+            <p:nvPr/>
+          </p:nvCxnSpPr>
+          <p:spPr>
+            <a:xfrm flipV="1">
+              <a:off x="3040346" y="4259794"/>
+              <a:ext cx="568320" cy="386088"/>
+            </a:xfrm>
+            <a:prstGeom prst="straightConnector1">
+              <a:avLst/>
+            </a:prstGeom>
+            <a:ln w="19050">
+              <a:solidFill>
+                <a:schemeClr val="tx1"/>
+              </a:solidFill>
+              <a:headEnd type="none" w="lg" len="med"/>
+              <a:tailEnd type="arrow" w="sm" len="lg"/>
+            </a:ln>
+          </p:spPr>
+          <p:style>
+            <a:lnRef idx="1">
+              <a:schemeClr val="accent1"/>
+            </a:lnRef>
+            <a:fillRef idx="0">
+              <a:schemeClr val="accent1"/>
+            </a:fillRef>
+            <a:effectRef idx="0">
+              <a:schemeClr val="accent1"/>
+            </a:effectRef>
+            <a:fontRef idx="minor">
+              <a:schemeClr val="tx1"/>
+            </a:fontRef>
+          </p:style>
+        </p:cxnSp>
+        <p:sp>
+          <p:nvSpPr>
+            <p:cNvPr id="19" name="文本框 12">
+              <a:extLst>
+                <a:ext uri="{FF2B5EF4-FFF2-40B4-BE49-F238E27FC236}">
+                  <a16:creationId xmlns:a16="http://schemas.microsoft.com/office/drawing/2014/main" id="{ECAD2390-0483-4260-397F-777F28934500}"/>
+                </a:ext>
+              </a:extLst>
+            </p:cNvPr>
+            <p:cNvSpPr txBox="1"/>
+            <p:nvPr/>
+          </p:nvSpPr>
+          <p:spPr>
+            <a:xfrm>
+              <a:off x="1962007" y="5043174"/>
+              <a:ext cx="2241647" cy="776903"/>
+            </a:xfrm>
+            <a:prstGeom prst="rect">
+              <a:avLst/>
+            </a:prstGeom>
+            <a:noFill/>
+          </p:spPr>
+          <p:txBody>
+            <a:bodyPr wrap="square" lIns="90000" numCol="1" rtlCol="0" anchor="ctr">
+              <a:noAutofit/>
+            </a:bodyPr>
+            <a:lstStyle/>
+            <a:p>
+              <a:pPr algn="just"/>
+              <a:r>
+                <a:rPr kumimoji="1" lang="en-US" altLang="zh-CN" sz="1050" b="1" dirty="0">
+                  <a:latin typeface="DengXian" panose="02010600030101010101" pitchFamily="2" charset="-122"/>
+                  <a:ea typeface="DengXian" panose="02010600030101010101" pitchFamily="2" charset="-122"/>
+                </a:rPr>
+                <a:t>edge1:</a:t>
+              </a:r>
+              <a:r>
+                <a:rPr kumimoji="1" lang="zh-CN" altLang="en-US" sz="1050" b="1" dirty="0">
+                  <a:latin typeface="DengXian" panose="02010600030101010101" pitchFamily="2" charset="-122"/>
+                  <a:ea typeface="DengXian" panose="02010600030101010101" pitchFamily="2" charset="-122"/>
+                </a:rPr>
+                <a:t> </a:t>
+              </a:r>
+              <a:r>
+                <a:rPr kumimoji="1" lang="en-US" altLang="zh-CN" sz="1050" dirty="0">
+                  <a:latin typeface="DengXian" panose="02010600030101010101" pitchFamily="2" charset="-122"/>
+                  <a:ea typeface="DengXian" panose="02010600030101010101" pitchFamily="2" charset="-122"/>
+                </a:rPr>
+                <a:t>guarantee</a:t>
+              </a:r>
+            </a:p>
+            <a:p>
+              <a:pPr algn="just"/>
+              <a:r>
+                <a:rPr kumimoji="1" lang="en-US" altLang="zh-CN" sz="1050" b="1" dirty="0">
+                  <a:latin typeface="DengXian" panose="02010600030101010101" pitchFamily="2" charset="-122"/>
+                  <a:ea typeface="DengXian" panose="02010600030101010101" pitchFamily="2" charset="-122"/>
+                </a:rPr>
+                <a:t>edge1</a:t>
+              </a:r>
+              <a:r>
+                <a:rPr kumimoji="1" lang="en-US" altLang="zh-CN" sz="1050" dirty="0">
+                  <a:latin typeface="DengXian" panose="02010600030101010101" pitchFamily="2" charset="-122"/>
+                  <a:ea typeface="DengXian" panose="02010600030101010101" pitchFamily="2" charset="-122"/>
+                </a:rPr>
+                <a:t>.timestamp</a:t>
+              </a:r>
+              <a:r>
+                <a:rPr kumimoji="1" lang="zh-CN" altLang="en-US" sz="1050" dirty="0">
+                  <a:latin typeface="DengXian" panose="02010600030101010101" pitchFamily="2" charset="-122"/>
+                  <a:ea typeface="DengXian" panose="02010600030101010101" pitchFamily="2" charset="-122"/>
+                </a:rPr>
+                <a:t> </a:t>
+              </a:r>
+              <a:r>
+                <a:rPr kumimoji="1" lang="en-US" altLang="zh-CN" sz="1050" dirty="0">
+                  <a:latin typeface="DengXian" panose="02010600030101010101" pitchFamily="2" charset="-122"/>
+                  <a:ea typeface="DengXian" panose="02010600030101010101" pitchFamily="2" charset="-122"/>
+                </a:rPr>
+                <a:t>&gt;</a:t>
+              </a:r>
+              <a:r>
+                <a:rPr kumimoji="1" lang="zh-CN" altLang="en-US" sz="1050" dirty="0">
+                  <a:latin typeface="DengXian" panose="02010600030101010101" pitchFamily="2" charset="-122"/>
+                  <a:ea typeface="DengXian" panose="02010600030101010101" pitchFamily="2" charset="-122"/>
+                </a:rPr>
+                <a:t> </a:t>
+              </a:r>
+              <a:r>
+                <a:rPr kumimoji="1" lang="en-US" altLang="zh-CN" sz="1050" dirty="0">
+                  <a:latin typeface="DengXian" panose="02010600030101010101" pitchFamily="2" charset="-122"/>
+                  <a:ea typeface="DengXian" panose="02010600030101010101" pitchFamily="2" charset="-122"/>
+                </a:rPr>
+                <a:t>${</a:t>
+              </a:r>
+              <a:r>
+                <a:rPr kumimoji="1" lang="en-US" altLang="zh-CN" sz="1050" dirty="0" err="1">
+                  <a:latin typeface="DengXian" panose="02010600030101010101" pitchFamily="2" charset="-122"/>
+                  <a:ea typeface="DengXian" panose="02010600030101010101" pitchFamily="2" charset="-122"/>
+                </a:rPr>
+                <a:t>startTime</a:t>
+              </a:r>
+              <a:r>
+                <a:rPr kumimoji="1" lang="en-US" altLang="zh-CN" sz="1050" dirty="0">
+                  <a:latin typeface="DengXian" panose="02010600030101010101" pitchFamily="2" charset="-122"/>
+                  <a:ea typeface="DengXian" panose="02010600030101010101" pitchFamily="2" charset="-122"/>
+                </a:rPr>
+                <a:t>}</a:t>
+              </a:r>
+            </a:p>
+            <a:p>
+              <a:pPr algn="just"/>
+              <a:r>
+                <a:rPr kumimoji="1" lang="en-US" altLang="zh-CN" sz="1050" b="1" dirty="0">
+                  <a:latin typeface="DengXian" panose="02010600030101010101" pitchFamily="2" charset="-122"/>
+                  <a:ea typeface="DengXian" panose="02010600030101010101" pitchFamily="2" charset="-122"/>
+                </a:rPr>
+                <a:t>edge1</a:t>
+              </a:r>
+              <a:r>
+                <a:rPr kumimoji="1" lang="en-US" altLang="zh-CN" sz="1050" dirty="0">
+                  <a:latin typeface="DengXian" panose="02010600030101010101" pitchFamily="2" charset="-122"/>
+                  <a:ea typeface="DengXian" panose="02010600030101010101" pitchFamily="2" charset="-122"/>
+                </a:rPr>
+                <a:t>.timestamp</a:t>
+              </a:r>
+              <a:r>
+                <a:rPr kumimoji="1" lang="zh-CN" altLang="en-US" sz="1050" dirty="0">
+                  <a:latin typeface="DengXian" panose="02010600030101010101" pitchFamily="2" charset="-122"/>
+                  <a:ea typeface="DengXian" panose="02010600030101010101" pitchFamily="2" charset="-122"/>
+                </a:rPr>
+                <a:t> </a:t>
+              </a:r>
+              <a:r>
+                <a:rPr kumimoji="1" lang="en-US" altLang="zh-CN" sz="1050" dirty="0">
+                  <a:latin typeface="DengXian" panose="02010600030101010101" pitchFamily="2" charset="-122"/>
+                  <a:ea typeface="DengXian" panose="02010600030101010101" pitchFamily="2" charset="-122"/>
+                </a:rPr>
+                <a:t>&lt;</a:t>
+              </a:r>
+              <a:r>
+                <a:rPr kumimoji="1" lang="zh-CN" altLang="en-US" sz="1050" dirty="0">
+                  <a:latin typeface="DengXian" panose="02010600030101010101" pitchFamily="2" charset="-122"/>
+                  <a:ea typeface="DengXian" panose="02010600030101010101" pitchFamily="2" charset="-122"/>
+                </a:rPr>
+                <a:t> </a:t>
+              </a:r>
+              <a:r>
+                <a:rPr kumimoji="1" lang="en-US" altLang="zh-CN" sz="1050" dirty="0">
+                  <a:latin typeface="DengXian" panose="02010600030101010101" pitchFamily="2" charset="-122"/>
+                  <a:ea typeface="DengXian" panose="02010600030101010101" pitchFamily="2" charset="-122"/>
+                </a:rPr>
+                <a:t>${</a:t>
+              </a:r>
+              <a:r>
+                <a:rPr kumimoji="1" lang="en-US" altLang="zh-CN" sz="1050" dirty="0" err="1">
+                  <a:latin typeface="DengXian" panose="02010600030101010101" pitchFamily="2" charset="-122"/>
+                  <a:ea typeface="DengXian" panose="02010600030101010101" pitchFamily="2" charset="-122"/>
+                </a:rPr>
+                <a:t>endTime</a:t>
+              </a:r>
+              <a:r>
+                <a:rPr kumimoji="1" lang="en-US" altLang="zh-CN" sz="1050" dirty="0">
+                  <a:latin typeface="DengXian" panose="02010600030101010101" pitchFamily="2" charset="-122"/>
+                  <a:ea typeface="DengXian" panose="02010600030101010101" pitchFamily="2" charset="-122"/>
+                </a:rPr>
+                <a:t>}</a:t>
+              </a:r>
             </a:p>
           </p:txBody>
         </p:sp>

--- a/patterns/transaction-read-write.pptx
+++ b/patterns/transaction-read-write.pptx
@@ -200,7 +200,7 @@
           <a:p>
             <a:fld id="{CAD4BD24-A097-4F9D-85E9-6A2A24CA2D98}" type="datetimeFigureOut">
               <a:rPr lang="zh-CN" altLang="en-US" smtClean="0"/>
-              <a:t>2023/4/28</a:t>
+              <a:t>2023/4/30</a:t>
             </a:fld>
             <a:endParaRPr lang="zh-CN" altLang="en-US"/>
           </a:p>
@@ -3336,21 +3336,7 @@
                       <a:latin typeface="DengXian" panose="02010600030101010101" pitchFamily="2" charset="-122"/>
                       <a:ea typeface="DengXian" panose="02010600030101010101" pitchFamily="2" charset="-122"/>
                     </a:rPr>
-                    <a:t>${</a:t>
-                  </a:r>
-                  <a:r>
-                    <a:rPr kumimoji="1" lang="en-US" altLang="zh-CN" sz="1000" dirty="0" err="1">
-                      <a:latin typeface="DengXian" panose="02010600030101010101" pitchFamily="2" charset="-122"/>
-                      <a:ea typeface="DengXian" panose="02010600030101010101" pitchFamily="2" charset="-122"/>
-                    </a:rPr>
-                    <a:t>currentTime</a:t>
-                  </a:r>
-                  <a:r>
-                    <a:rPr kumimoji="1" lang="en-US" altLang="zh-CN" sz="1000" dirty="0">
-                      <a:latin typeface="DengXian" panose="02010600030101010101" pitchFamily="2" charset="-122"/>
-                      <a:ea typeface="DengXian" panose="02010600030101010101" pitchFamily="2" charset="-122"/>
-                    </a:rPr>
-                    <a:t>}</a:t>
+                    <a:t>${time}</a:t>
                   </a:r>
                 </a:p>
                 <a:p>
@@ -3388,7 +3374,7 @@
                       <a:latin typeface="DengXian" panose="02010600030101010101" pitchFamily="2" charset="-122"/>
                       <a:ea typeface="DengXian" panose="02010600030101010101" pitchFamily="2" charset="-122"/>
                     </a:rPr>
-                    <a:t>${amt}</a:t>
+                    <a:t>${amount}</a:t>
                   </a:r>
                 </a:p>
               </p:txBody>
@@ -8338,21 +8324,7 @@
                     <a:latin typeface="DengXian" panose="02010600030101010101" pitchFamily="2" charset="-122"/>
                     <a:ea typeface="DengXian" panose="02010600030101010101" pitchFamily="2" charset="-122"/>
                   </a:rPr>
-                  <a:t>${</a:t>
-                </a:r>
-                <a:r>
-                  <a:rPr kumimoji="1" lang="en-US" altLang="zh-CN" sz="1000" dirty="0" err="1">
-                    <a:latin typeface="DengXian" panose="02010600030101010101" pitchFamily="2" charset="-122"/>
-                    <a:ea typeface="DengXian" panose="02010600030101010101" pitchFamily="2" charset="-122"/>
-                  </a:rPr>
-                  <a:t>currentTime</a:t>
-                </a:r>
-                <a:r>
-                  <a:rPr kumimoji="1" lang="en-US" altLang="zh-CN" sz="1000" dirty="0">
-                    <a:latin typeface="DengXian" panose="02010600030101010101" pitchFamily="2" charset="-122"/>
-                    <a:ea typeface="DengXian" panose="02010600030101010101" pitchFamily="2" charset="-122"/>
-                  </a:rPr>
-                  <a:t>}</a:t>
+                  <a:t>${time}</a:t>
                 </a:r>
               </a:p>
               <a:p>
@@ -8390,7 +8362,7 @@
                     <a:latin typeface="DengXian" panose="02010600030101010101" pitchFamily="2" charset="-122"/>
                     <a:ea typeface="DengXian" panose="02010600030101010101" pitchFamily="2" charset="-122"/>
                   </a:rPr>
-                  <a:t>${amt}</a:t>
+                  <a:t>${amount}</a:t>
                 </a:r>
               </a:p>
             </p:txBody>
@@ -15631,26 +15603,16 @@
                 <a:t> </a:t>
               </a:r>
               <a:r>
-                <a:rPr kumimoji="1" lang="en-US" altLang="zh-CN" sz="1100" dirty="0">
+                <a:rPr kumimoji="1" lang="en-US" altLang="zh-CN" sz="1100">
                   <a:latin typeface="DengXian" panose="02010600030101010101" pitchFamily="2" charset="-122"/>
                   <a:ea typeface="DengXian" panose="02010600030101010101" pitchFamily="2" charset="-122"/>
                 </a:rPr>
-                <a:t>${</a:t>
-              </a:r>
-              <a:r>
-                <a:rPr kumimoji="1" lang="en-US" altLang="zh-CN" sz="1100" dirty="0" err="1">
-                  <a:latin typeface="DengXian" panose="02010600030101010101" pitchFamily="2" charset="-122"/>
-                  <a:ea typeface="DengXian" panose="02010600030101010101" pitchFamily="2" charset="-122"/>
-                </a:rPr>
-                <a:t>currentTime</a:t>
-              </a:r>
-              <a:r>
-                <a:rPr kumimoji="1" lang="en-US" altLang="zh-CN" sz="1100" dirty="0">
-                  <a:latin typeface="DengXian" panose="02010600030101010101" pitchFamily="2" charset="-122"/>
-                  <a:ea typeface="DengXian" panose="02010600030101010101" pitchFamily="2" charset="-122"/>
-                </a:rPr>
-                <a:t>}</a:t>
-              </a:r>
+                <a:t>${time}</a:t>
+              </a:r>
+              <a:endParaRPr kumimoji="1" lang="en-US" altLang="zh-CN" sz="1100" dirty="0">
+                <a:latin typeface="DengXian" panose="02010600030101010101" pitchFamily="2" charset="-122"/>
+                <a:ea typeface="DengXian" panose="02010600030101010101" pitchFamily="2" charset="-122"/>
+              </a:endParaRPr>
             </a:p>
           </p:txBody>
         </p:sp>

--- a/patterns/transaction-read-write.pptx
+++ b/patterns/transaction-read-write.pptx
@@ -3692,7 +3692,7 @@
                       <a:sysClr val="windowText" lastClr="000000"/>
                     </a:solidFill>
                   </a:rPr>
-                  <a:t>acc1</a:t>
+                  <a:t>src</a:t>
                 </a:r>
                 <a:r>
                   <a:rPr kumimoji="1" lang="en-US" altLang="zh-CN" sz="1200" dirty="0">
@@ -3769,16 +3769,6 @@
               <a:p>
                 <a:pPr algn="ctr"/>
                 <a:r>
-                  <a:rPr kumimoji="1" lang="en-US" altLang="zh-CN" sz="1200" b="1" dirty="0">
-                    <a:solidFill>
-                      <a:sysClr val="windowText" lastClr="000000"/>
-                    </a:solidFill>
-                    <a:latin typeface="等线" panose="02010600030101010101" pitchFamily="2" charset="-122"/>
-                    <a:ea typeface="等线" panose="02010600030101010101" pitchFamily="2" charset="-122"/>
-                  </a:rPr>
-                  <a:t>acc1</a:t>
-                </a:r>
-                <a:r>
                   <a:rPr kumimoji="1" lang="en-US" altLang="zh-CN" sz="1200" dirty="0">
                     <a:solidFill>
                       <a:sysClr val="windowText" lastClr="000000"/>
@@ -3786,7 +3776,7 @@
                     <a:latin typeface="等线" panose="02010600030101010101" pitchFamily="2" charset="-122"/>
                     <a:ea typeface="等线" panose="02010600030101010101" pitchFamily="2" charset="-122"/>
                   </a:rPr>
-                  <a:t>.id:</a:t>
+                  <a:t>id =</a:t>
                 </a:r>
                 <a:r>
                   <a:rPr kumimoji="1" lang="zh-CN" altLang="en-US" sz="1200" dirty="0">
@@ -3906,7 +3896,7 @@
                       <a:sysClr val="windowText" lastClr="000000"/>
                     </a:solidFill>
                   </a:rPr>
-                  <a:t>acc2</a:t>
+                  <a:t>dst</a:t>
                 </a:r>
                 <a:r>
                   <a:rPr kumimoji="1" lang="en-US" altLang="zh-CN" sz="1200" dirty="0">
@@ -3983,16 +3973,6 @@
               <a:p>
                 <a:pPr algn="ctr"/>
                 <a:r>
-                  <a:rPr kumimoji="1" lang="en-US" altLang="zh-CN" sz="1200" b="1" dirty="0">
-                    <a:solidFill>
-                      <a:sysClr val="windowText" lastClr="000000"/>
-                    </a:solidFill>
-                    <a:latin typeface="等线" panose="02010600030101010101" pitchFamily="2" charset="-122"/>
-                    <a:ea typeface="等线" panose="02010600030101010101" pitchFamily="2" charset="-122"/>
-                  </a:rPr>
-                  <a:t>acc2</a:t>
-                </a:r>
-                <a:r>
                   <a:rPr kumimoji="1" lang="en-US" altLang="zh-CN" sz="1200" dirty="0">
                     <a:solidFill>
                       <a:sysClr val="windowText" lastClr="000000"/>
@@ -4000,7 +3980,7 @@
                     <a:latin typeface="等线" panose="02010600030101010101" pitchFamily="2" charset="-122"/>
                     <a:ea typeface="等线" panose="02010600030101010101" pitchFamily="2" charset="-122"/>
                   </a:rPr>
-                  <a:t>.id:</a:t>
+                  <a:t>id =</a:t>
                 </a:r>
                 <a:r>
                   <a:rPr kumimoji="1" lang="zh-CN" altLang="en-US" sz="1200" dirty="0">
@@ -4270,16 +4250,6 @@
             <a:p>
               <a:pPr algn="ctr"/>
               <a:r>
-                <a:rPr kumimoji="1" lang="en-US" altLang="zh-CN" sz="1200" b="1" dirty="0" err="1">
-                  <a:solidFill>
-                    <a:sysClr val="windowText" lastClr="000000"/>
-                  </a:solidFill>
-                  <a:latin typeface="等线" panose="02010600030101010101" pitchFamily="2" charset="-122"/>
-                  <a:ea typeface="等线" panose="02010600030101010101" pitchFamily="2" charset="-122"/>
-                </a:rPr>
-                <a:t>src</a:t>
-              </a:r>
-              <a:r>
                 <a:rPr kumimoji="1" lang="en-US" altLang="zh-CN" sz="1200" dirty="0" err="1">
                   <a:solidFill>
                     <a:sysClr val="windowText" lastClr="000000"/>
@@ -4287,7 +4257,7 @@
                   <a:latin typeface="等线" panose="02010600030101010101" pitchFamily="2" charset="-122"/>
                   <a:ea typeface="等线" panose="02010600030101010101" pitchFamily="2" charset="-122"/>
                 </a:rPr>
-                <a:t>.id</a:t>
+                <a:t>id</a:t>
               </a:r>
               <a:r>
                 <a:rPr kumimoji="1" lang="zh-CN" altLang="en-US" sz="1200" dirty="0">
@@ -4728,14 +4698,6 @@
             <a:p>
               <a:pPr algn="ctr"/>
               <a:r>
-                <a:rPr kumimoji="1" lang="en-US" altLang="zh-CN" sz="1200" b="1" dirty="0" err="1">
-                  <a:solidFill>
-                    <a:sysClr val="windowText" lastClr="000000"/>
-                  </a:solidFill>
-                </a:rPr>
-                <a:t>dst</a:t>
-              </a:r>
-              <a:r>
                 <a:rPr kumimoji="1" lang="en-US" altLang="zh-CN" sz="1200" dirty="0" err="1">
                   <a:solidFill>
                     <a:sysClr val="windowText" lastClr="000000"/>
@@ -4743,7 +4705,7 @@
                   <a:latin typeface="等线" panose="02010600030101010101" pitchFamily="2" charset="-122"/>
                   <a:ea typeface="等线" panose="02010600030101010101" pitchFamily="2" charset="-122"/>
                 </a:rPr>
-                <a:t>.id</a:t>
+                <a:t>id</a:t>
               </a:r>
               <a:r>
                 <a:rPr kumimoji="1" lang="zh-CN" altLang="en-US" sz="1200" dirty="0">
@@ -8271,7 +8233,7 @@
                       <a:sysClr val="windowText" lastClr="000000"/>
                     </a:solidFill>
                   </a:rPr>
-                  <a:t>acc1</a:t>
+                  <a:t>src</a:t>
                 </a:r>
                 <a:r>
                   <a:rPr kumimoji="1" lang="en-US" altLang="zh-CN" sz="1200" dirty="0">
@@ -8348,14 +8310,6 @@
               <a:p>
                 <a:pPr algn="ctr"/>
                 <a:r>
-                  <a:rPr kumimoji="1" lang="en-US" altLang="zh-CN" sz="1200" b="1" dirty="0">
-                    <a:solidFill>
-                      <a:sysClr val="windowText" lastClr="000000"/>
-                    </a:solidFill>
-                  </a:rPr>
-                  <a:t>acc1</a:t>
-                </a:r>
-                <a:r>
                   <a:rPr kumimoji="1" lang="en-US" altLang="zh-CN" sz="1200" dirty="0">
                     <a:solidFill>
                       <a:sysClr val="windowText" lastClr="000000"/>
@@ -8363,7 +8317,7 @@
                     <a:latin typeface="等线" panose="02010600030101010101" pitchFamily="2" charset="-122"/>
                     <a:ea typeface="等线" panose="02010600030101010101" pitchFamily="2" charset="-122"/>
                   </a:rPr>
-                  <a:t>.id:</a:t>
+                  <a:t>id =</a:t>
                 </a:r>
                 <a:r>
                   <a:rPr kumimoji="1" lang="zh-CN" altLang="en-US" sz="1200" dirty="0">
@@ -8483,7 +8437,7 @@
                       <a:sysClr val="windowText" lastClr="000000"/>
                     </a:solidFill>
                   </a:rPr>
-                  <a:t>acc2</a:t>
+                  <a:t>dst</a:t>
                 </a:r>
                 <a:r>
                   <a:rPr kumimoji="1" lang="en-US" altLang="zh-CN" sz="1200" dirty="0">
@@ -8560,16 +8514,6 @@
               <a:p>
                 <a:pPr algn="ctr"/>
                 <a:r>
-                  <a:rPr kumimoji="1" lang="en-US" altLang="zh-CN" sz="1200" b="1" dirty="0">
-                    <a:solidFill>
-                      <a:sysClr val="windowText" lastClr="000000"/>
-                    </a:solidFill>
-                    <a:latin typeface="等线" panose="02010600030101010101" pitchFamily="2" charset="-122"/>
-                    <a:ea typeface="等线" panose="02010600030101010101" pitchFamily="2" charset="-122"/>
-                  </a:rPr>
-                  <a:t>acc2</a:t>
-                </a:r>
-                <a:r>
                   <a:rPr kumimoji="1" lang="en-US" altLang="zh-CN" sz="1200" dirty="0">
                     <a:solidFill>
                       <a:sysClr val="windowText" lastClr="000000"/>
@@ -8577,7 +8521,7 @@
                     <a:latin typeface="等线" panose="02010600030101010101" pitchFamily="2" charset="-122"/>
                     <a:ea typeface="等线" panose="02010600030101010101" pitchFamily="2" charset="-122"/>
                   </a:rPr>
-                  <a:t>.id:</a:t>
+                  <a:t>id =</a:t>
                 </a:r>
                 <a:r>
                   <a:rPr kumimoji="1" lang="zh-CN" altLang="en-US" sz="1200" dirty="0">
@@ -9326,7 +9270,7 @@
                       <a:sysClr val="windowText" lastClr="000000"/>
                     </a:solidFill>
                   </a:rPr>
-                  <a:t>acc1:</a:t>
+                  <a:t>src:</a:t>
                 </a:r>
                 <a:r>
                   <a:rPr kumimoji="1" lang="zh-CN" altLang="en-US" sz="1200" b="1" dirty="0">
@@ -9602,7 +9546,7 @@
                       <a:sysClr val="windowText" lastClr="000000"/>
                     </a:solidFill>
                   </a:rPr>
-                  <a:t>acc2:</a:t>
+                  <a:t>dst:</a:t>
                 </a:r>
                 <a:r>
                   <a:rPr kumimoji="1" lang="zh-CN" altLang="en-US" sz="1200" b="1" dirty="0">
@@ -10078,20 +10022,12 @@
               <a:p>
                 <a:pPr algn="ctr"/>
                 <a:r>
-                  <a:rPr kumimoji="1" lang="en-US" altLang="zh-CN" sz="1100" b="1" dirty="0">
+                  <a:rPr kumimoji="1" lang="en-US" sz="1100" b="1" dirty="0">
                     <a:solidFill>
                       <a:sysClr val="windowText" lastClr="000000"/>
                     </a:solidFill>
                   </a:rPr>
-                  <a:t>mid</a:t>
-                </a:r>
-                <a:r>
-                  <a:rPr kumimoji="1" lang="zh-CN" altLang="en-US" sz="1100" dirty="0">
-                    <a:solidFill>
-                      <a:sysClr val="windowText" lastClr="000000"/>
-                    </a:solidFill>
-                  </a:rPr>
-                  <a:t> </a:t>
+                  <a:t>src</a:t>
                 </a:r>
                 <a:r>
                   <a:rPr kumimoji="1" lang="en-US" altLang="zh-CN" sz="1100" dirty="0">
@@ -10168,16 +10104,6 @@
               <a:p>
                 <a:pPr algn="ctr"/>
                 <a:r>
-                  <a:rPr kumimoji="1" lang="en-US" altLang="zh-CN" sz="1100" b="1" dirty="0" err="1">
-                    <a:solidFill>
-                      <a:sysClr val="windowText" lastClr="000000"/>
-                    </a:solidFill>
-                    <a:latin typeface="等线" panose="02010600030101010101" pitchFamily="2" charset="-122"/>
-                    <a:ea typeface="等线" panose="02010600030101010101" pitchFamily="2" charset="-122"/>
-                  </a:rPr>
-                  <a:t>mid</a:t>
-                </a:r>
-                <a:r>
                   <a:rPr kumimoji="1" lang="en-US" altLang="zh-CN" sz="1100" dirty="0" err="1">
                     <a:solidFill>
                       <a:sysClr val="windowText" lastClr="000000"/>
@@ -10185,7 +10111,7 @@
                     <a:latin typeface="等线" panose="02010600030101010101" pitchFamily="2" charset="-122"/>
                     <a:ea typeface="等线" panose="02010600030101010101" pitchFamily="2" charset="-122"/>
                   </a:rPr>
-                  <a:t>.id</a:t>
+                  <a:t>id</a:t>
                 </a:r>
                 <a:r>
                   <a:rPr kumimoji="1" lang="zh-CN" altLang="en-US" sz="1100" dirty="0">
@@ -10306,38 +10232,6 @@
             <a:p>
               <a:pPr algn="ctr"/>
               <a:r>
-                <a:rPr kumimoji="1" lang="en-US" altLang="zh-CN" sz="1050" b="1" dirty="0">
-                  <a:solidFill>
-                    <a:sysClr val="windowText" lastClr="000000"/>
-                  </a:solidFill>
-                </a:rPr>
-                <a:t>dst1</a:t>
-              </a:r>
-              <a:r>
-                <a:rPr kumimoji="1" lang="zh-CN" altLang="en-US" sz="1050" b="1" dirty="0">
-                  <a:solidFill>
-                    <a:sysClr val="windowText" lastClr="000000"/>
-                  </a:solidFill>
-                </a:rPr>
-                <a:t> </a:t>
-              </a:r>
-              <a:r>
-                <a:rPr kumimoji="1" lang="en-US" altLang="zh-CN" sz="1050" dirty="0">
-                  <a:solidFill>
-                    <a:sysClr val="windowText" lastClr="000000"/>
-                  </a:solidFill>
-                </a:rPr>
-                <a:t>:</a:t>
-              </a:r>
-              <a:r>
-                <a:rPr kumimoji="1" lang="zh-CN" altLang="en-US" sz="1050" dirty="0">
-                  <a:solidFill>
-                    <a:sysClr val="windowText" lastClr="000000"/>
-                  </a:solidFill>
-                </a:rPr>
-                <a:t> </a:t>
-              </a:r>
-              <a:r>
                 <a:rPr kumimoji="1" lang="en-US" altLang="zh-CN" sz="1050" dirty="0">
                   <a:solidFill>
                     <a:sysClr val="windowText" lastClr="000000"/>
@@ -10401,38 +10295,6 @@
             <a:p>
               <a:pPr algn="ctr"/>
               <a:r>
-                <a:rPr kumimoji="1" lang="en-US" altLang="zh-CN" sz="1050" b="1" dirty="0">
-                  <a:solidFill>
-                    <a:sysClr val="windowText" lastClr="000000"/>
-                  </a:solidFill>
-                </a:rPr>
-                <a:t>dst2</a:t>
-              </a:r>
-              <a:r>
-                <a:rPr kumimoji="1" lang="zh-CN" altLang="en-US" sz="1050" b="1" dirty="0">
-                  <a:solidFill>
-                    <a:sysClr val="windowText" lastClr="000000"/>
-                  </a:solidFill>
-                </a:rPr>
-                <a:t> </a:t>
-              </a:r>
-              <a:r>
-                <a:rPr kumimoji="1" lang="en-US" altLang="zh-CN" sz="1050" dirty="0">
-                  <a:solidFill>
-                    <a:sysClr val="windowText" lastClr="000000"/>
-                  </a:solidFill>
-                </a:rPr>
-                <a:t>:</a:t>
-              </a:r>
-              <a:r>
-                <a:rPr kumimoji="1" lang="zh-CN" altLang="en-US" sz="1050" dirty="0">
-                  <a:solidFill>
-                    <a:sysClr val="windowText" lastClr="000000"/>
-                  </a:solidFill>
-                </a:rPr>
-                <a:t> </a:t>
-              </a:r>
-              <a:r>
                 <a:rPr kumimoji="1" lang="en-US" altLang="zh-CN" sz="1050" dirty="0">
                   <a:solidFill>
                     <a:sysClr val="windowText" lastClr="000000"/>
@@ -10495,38 +10357,6 @@
             <a:lstStyle/>
             <a:p>
               <a:pPr algn="ctr"/>
-              <a:r>
-                <a:rPr kumimoji="1" lang="en-US" altLang="zh-CN" sz="1050" b="1" dirty="0">
-                  <a:solidFill>
-                    <a:sysClr val="windowText" lastClr="000000"/>
-                  </a:solidFill>
-                </a:rPr>
-                <a:t>dst3</a:t>
-              </a:r>
-              <a:r>
-                <a:rPr kumimoji="1" lang="zh-CN" altLang="en-US" sz="1050" b="1" dirty="0">
-                  <a:solidFill>
-                    <a:sysClr val="windowText" lastClr="000000"/>
-                  </a:solidFill>
-                </a:rPr>
-                <a:t> </a:t>
-              </a:r>
-              <a:r>
-                <a:rPr kumimoji="1" lang="en-US" altLang="zh-CN" sz="1050" dirty="0">
-                  <a:solidFill>
-                    <a:sysClr val="windowText" lastClr="000000"/>
-                  </a:solidFill>
-                </a:rPr>
-                <a:t>:</a:t>
-              </a:r>
-              <a:r>
-                <a:rPr kumimoji="1" lang="zh-CN" altLang="en-US" sz="1050" dirty="0">
-                  <a:solidFill>
-                    <a:sysClr val="windowText" lastClr="000000"/>
-                  </a:solidFill>
-                </a:rPr>
-                <a:t> </a:t>
-              </a:r>
               <a:r>
                 <a:rPr kumimoji="1" lang="en-US" altLang="zh-CN" sz="1050" dirty="0">
                   <a:solidFill>
@@ -10711,38 +10541,6 @@
             <a:p>
               <a:pPr algn="ctr"/>
               <a:r>
-                <a:rPr kumimoji="1" lang="en-US" altLang="zh-CN" sz="1050" b="1" dirty="0">
-                  <a:solidFill>
-                    <a:sysClr val="windowText" lastClr="000000"/>
-                  </a:solidFill>
-                </a:rPr>
-                <a:t>src1</a:t>
-              </a:r>
-              <a:r>
-                <a:rPr kumimoji="1" lang="zh-CN" altLang="en-US" sz="1050" b="1" dirty="0">
-                  <a:solidFill>
-                    <a:sysClr val="windowText" lastClr="000000"/>
-                  </a:solidFill>
-                </a:rPr>
-                <a:t> </a:t>
-              </a:r>
-              <a:r>
-                <a:rPr kumimoji="1" lang="en-US" altLang="zh-CN" sz="1050" dirty="0">
-                  <a:solidFill>
-                    <a:sysClr val="windowText" lastClr="000000"/>
-                  </a:solidFill>
-                </a:rPr>
-                <a:t>:</a:t>
-              </a:r>
-              <a:r>
-                <a:rPr kumimoji="1" lang="zh-CN" altLang="en-US" sz="1050" dirty="0">
-                  <a:solidFill>
-                    <a:sysClr val="windowText" lastClr="000000"/>
-                  </a:solidFill>
-                </a:rPr>
-                <a:t> </a:t>
-              </a:r>
-              <a:r>
                 <a:rPr kumimoji="1" lang="en-US" altLang="zh-CN" sz="1050" dirty="0">
                   <a:solidFill>
                     <a:sysClr val="windowText" lastClr="000000"/>
@@ -10806,38 +10604,6 @@
             <a:p>
               <a:pPr algn="ctr"/>
               <a:r>
-                <a:rPr kumimoji="1" lang="en-US" altLang="zh-CN" sz="1050" b="1" dirty="0">
-                  <a:solidFill>
-                    <a:sysClr val="windowText" lastClr="000000"/>
-                  </a:solidFill>
-                </a:rPr>
-                <a:t>src2</a:t>
-              </a:r>
-              <a:r>
-                <a:rPr kumimoji="1" lang="zh-CN" altLang="en-US" sz="1050" b="1" dirty="0">
-                  <a:solidFill>
-                    <a:sysClr val="windowText" lastClr="000000"/>
-                  </a:solidFill>
-                </a:rPr>
-                <a:t> </a:t>
-              </a:r>
-              <a:r>
-                <a:rPr kumimoji="1" lang="en-US" altLang="zh-CN" sz="1050" dirty="0">
-                  <a:solidFill>
-                    <a:sysClr val="windowText" lastClr="000000"/>
-                  </a:solidFill>
-                </a:rPr>
-                <a:t>:</a:t>
-              </a:r>
-              <a:r>
-                <a:rPr kumimoji="1" lang="zh-CN" altLang="en-US" sz="1050" dirty="0">
-                  <a:solidFill>
-                    <a:sysClr val="windowText" lastClr="000000"/>
-                  </a:solidFill>
-                </a:rPr>
-                <a:t> </a:t>
-              </a:r>
-              <a:r>
                 <a:rPr kumimoji="1" lang="en-US" altLang="zh-CN" sz="1050" dirty="0">
                   <a:solidFill>
                     <a:sysClr val="windowText" lastClr="000000"/>
@@ -10900,38 +10666,6 @@
             <a:lstStyle/>
             <a:p>
               <a:pPr algn="ctr"/>
-              <a:r>
-                <a:rPr kumimoji="1" lang="en-US" altLang="zh-CN" sz="1050" b="1" dirty="0">
-                  <a:solidFill>
-                    <a:sysClr val="windowText" lastClr="000000"/>
-                  </a:solidFill>
-                </a:rPr>
-                <a:t>src3</a:t>
-              </a:r>
-              <a:r>
-                <a:rPr kumimoji="1" lang="zh-CN" altLang="en-US" sz="1050" b="1" dirty="0">
-                  <a:solidFill>
-                    <a:sysClr val="windowText" lastClr="000000"/>
-                  </a:solidFill>
-                </a:rPr>
-                <a:t> </a:t>
-              </a:r>
-              <a:r>
-                <a:rPr kumimoji="1" lang="en-US" altLang="zh-CN" sz="1050" dirty="0">
-                  <a:solidFill>
-                    <a:sysClr val="windowText" lastClr="000000"/>
-                  </a:solidFill>
-                </a:rPr>
-                <a:t>:</a:t>
-              </a:r>
-              <a:r>
-                <a:rPr kumimoji="1" lang="zh-CN" altLang="en-US" sz="1050" dirty="0">
-                  <a:solidFill>
-                    <a:sysClr val="windowText" lastClr="000000"/>
-                  </a:solidFill>
-                </a:rPr>
-                <a:t> </a:t>
-              </a:r>
               <a:r>
                 <a:rPr kumimoji="1" lang="en-US" altLang="zh-CN" sz="1050" dirty="0">
                   <a:solidFill>
@@ -11257,20 +10991,12 @@
               <a:p>
                 <a:pPr algn="ctr"/>
                 <a:r>
-                  <a:rPr kumimoji="1" lang="en-US" altLang="zh-CN" sz="1100" b="1" dirty="0">
+                  <a:rPr kumimoji="1" lang="en-US" sz="1100" b="1" dirty="0">
                     <a:solidFill>
                       <a:sysClr val="windowText" lastClr="000000"/>
                     </a:solidFill>
                   </a:rPr>
-                  <a:t>mid</a:t>
-                </a:r>
-                <a:r>
-                  <a:rPr kumimoji="1" lang="zh-CN" altLang="en-US" sz="1100" dirty="0">
-                    <a:solidFill>
-                      <a:sysClr val="windowText" lastClr="000000"/>
-                    </a:solidFill>
-                  </a:rPr>
-                  <a:t> </a:t>
+                  <a:t>dst</a:t>
                 </a:r>
                 <a:r>
                   <a:rPr kumimoji="1" lang="en-US" altLang="zh-CN" sz="1100" dirty="0">
@@ -11347,16 +11073,6 @@
               <a:p>
                 <a:pPr algn="ctr"/>
                 <a:r>
-                  <a:rPr kumimoji="1" lang="en-US" altLang="zh-CN" sz="1100" b="1" dirty="0" err="1">
-                    <a:solidFill>
-                      <a:sysClr val="windowText" lastClr="000000"/>
-                    </a:solidFill>
-                    <a:latin typeface="等线" panose="02010600030101010101" pitchFamily="2" charset="-122"/>
-                    <a:ea typeface="等线" panose="02010600030101010101" pitchFamily="2" charset="-122"/>
-                  </a:rPr>
-                  <a:t>mid</a:t>
-                </a:r>
-                <a:r>
                   <a:rPr kumimoji="1" lang="en-US" altLang="zh-CN" sz="1100" dirty="0" err="1">
                     <a:solidFill>
                       <a:sysClr val="windowText" lastClr="000000"/>
@@ -11364,7 +11080,7 @@
                     <a:latin typeface="等线" panose="02010600030101010101" pitchFamily="2" charset="-122"/>
                     <a:ea typeface="等线" panose="02010600030101010101" pitchFamily="2" charset="-122"/>
                   </a:rPr>
-                  <a:t>.id</a:t>
+                  <a:t>id</a:t>
                 </a:r>
                 <a:r>
                   <a:rPr kumimoji="1" lang="zh-CN" altLang="en-US" sz="1100" dirty="0">
@@ -11485,38 +11201,6 @@
             <a:p>
               <a:pPr algn="ctr"/>
               <a:r>
-                <a:rPr kumimoji="1" lang="en-US" altLang="zh-CN" sz="1050" b="1" dirty="0">
-                  <a:solidFill>
-                    <a:sysClr val="windowText" lastClr="000000"/>
-                  </a:solidFill>
-                </a:rPr>
-                <a:t>dst1</a:t>
-              </a:r>
-              <a:r>
-                <a:rPr kumimoji="1" lang="zh-CN" altLang="en-US" sz="1050" b="1" dirty="0">
-                  <a:solidFill>
-                    <a:sysClr val="windowText" lastClr="000000"/>
-                  </a:solidFill>
-                </a:rPr>
-                <a:t> </a:t>
-              </a:r>
-              <a:r>
-                <a:rPr kumimoji="1" lang="en-US" altLang="zh-CN" sz="1050" dirty="0">
-                  <a:solidFill>
-                    <a:sysClr val="windowText" lastClr="000000"/>
-                  </a:solidFill>
-                </a:rPr>
-                <a:t>:</a:t>
-              </a:r>
-              <a:r>
-                <a:rPr kumimoji="1" lang="zh-CN" altLang="en-US" sz="1050" dirty="0">
-                  <a:solidFill>
-                    <a:sysClr val="windowText" lastClr="000000"/>
-                  </a:solidFill>
-                </a:rPr>
-                <a:t> </a:t>
-              </a:r>
-              <a:r>
                 <a:rPr kumimoji="1" lang="en-US" altLang="zh-CN" sz="1050" dirty="0">
                   <a:solidFill>
                     <a:sysClr val="windowText" lastClr="000000"/>
@@ -11580,38 +11264,6 @@
             <a:p>
               <a:pPr algn="ctr"/>
               <a:r>
-                <a:rPr kumimoji="1" lang="en-US" altLang="zh-CN" sz="1050" b="1" dirty="0">
-                  <a:solidFill>
-                    <a:sysClr val="windowText" lastClr="000000"/>
-                  </a:solidFill>
-                </a:rPr>
-                <a:t>dst2</a:t>
-              </a:r>
-              <a:r>
-                <a:rPr kumimoji="1" lang="zh-CN" altLang="en-US" sz="1050" b="1" dirty="0">
-                  <a:solidFill>
-                    <a:sysClr val="windowText" lastClr="000000"/>
-                  </a:solidFill>
-                </a:rPr>
-                <a:t> </a:t>
-              </a:r>
-              <a:r>
-                <a:rPr kumimoji="1" lang="en-US" altLang="zh-CN" sz="1050" dirty="0">
-                  <a:solidFill>
-                    <a:sysClr val="windowText" lastClr="000000"/>
-                  </a:solidFill>
-                </a:rPr>
-                <a:t>:</a:t>
-              </a:r>
-              <a:r>
-                <a:rPr kumimoji="1" lang="zh-CN" altLang="en-US" sz="1050" dirty="0">
-                  <a:solidFill>
-                    <a:sysClr val="windowText" lastClr="000000"/>
-                  </a:solidFill>
-                </a:rPr>
-                <a:t> </a:t>
-              </a:r>
-              <a:r>
                 <a:rPr kumimoji="1" lang="en-US" altLang="zh-CN" sz="1050" dirty="0">
                   <a:solidFill>
                     <a:sysClr val="windowText" lastClr="000000"/>
@@ -11674,38 +11326,6 @@
             <a:lstStyle/>
             <a:p>
               <a:pPr algn="ctr"/>
-              <a:r>
-                <a:rPr kumimoji="1" lang="en-US" altLang="zh-CN" sz="1050" b="1" dirty="0">
-                  <a:solidFill>
-                    <a:sysClr val="windowText" lastClr="000000"/>
-                  </a:solidFill>
-                </a:rPr>
-                <a:t>dst3</a:t>
-              </a:r>
-              <a:r>
-                <a:rPr kumimoji="1" lang="zh-CN" altLang="en-US" sz="1050" b="1" dirty="0">
-                  <a:solidFill>
-                    <a:sysClr val="windowText" lastClr="000000"/>
-                  </a:solidFill>
-                </a:rPr>
-                <a:t> </a:t>
-              </a:r>
-              <a:r>
-                <a:rPr kumimoji="1" lang="en-US" altLang="zh-CN" sz="1050" dirty="0">
-                  <a:solidFill>
-                    <a:sysClr val="windowText" lastClr="000000"/>
-                  </a:solidFill>
-                </a:rPr>
-                <a:t>:</a:t>
-              </a:r>
-              <a:r>
-                <a:rPr kumimoji="1" lang="zh-CN" altLang="en-US" sz="1050" dirty="0">
-                  <a:solidFill>
-                    <a:sysClr val="windowText" lastClr="000000"/>
-                  </a:solidFill>
-                </a:rPr>
-                <a:t> </a:t>
-              </a:r>
               <a:r>
                 <a:rPr kumimoji="1" lang="en-US" altLang="zh-CN" sz="1050" dirty="0">
                   <a:solidFill>
@@ -11890,38 +11510,6 @@
             <a:p>
               <a:pPr algn="ctr"/>
               <a:r>
-                <a:rPr kumimoji="1" lang="en-US" altLang="zh-CN" sz="1050" b="1" dirty="0">
-                  <a:solidFill>
-                    <a:sysClr val="windowText" lastClr="000000"/>
-                  </a:solidFill>
-                </a:rPr>
-                <a:t>src1</a:t>
-              </a:r>
-              <a:r>
-                <a:rPr kumimoji="1" lang="zh-CN" altLang="en-US" sz="1050" b="1" dirty="0">
-                  <a:solidFill>
-                    <a:sysClr val="windowText" lastClr="000000"/>
-                  </a:solidFill>
-                </a:rPr>
-                <a:t> </a:t>
-              </a:r>
-              <a:r>
-                <a:rPr kumimoji="1" lang="en-US" altLang="zh-CN" sz="1050" dirty="0">
-                  <a:solidFill>
-                    <a:sysClr val="windowText" lastClr="000000"/>
-                  </a:solidFill>
-                </a:rPr>
-                <a:t>:</a:t>
-              </a:r>
-              <a:r>
-                <a:rPr kumimoji="1" lang="zh-CN" altLang="en-US" sz="1050" dirty="0">
-                  <a:solidFill>
-                    <a:sysClr val="windowText" lastClr="000000"/>
-                  </a:solidFill>
-                </a:rPr>
-                <a:t> </a:t>
-              </a:r>
-              <a:r>
                 <a:rPr kumimoji="1" lang="en-US" altLang="zh-CN" sz="1050" dirty="0">
                   <a:solidFill>
                     <a:sysClr val="windowText" lastClr="000000"/>
@@ -11985,38 +11573,6 @@
             <a:p>
               <a:pPr algn="ctr"/>
               <a:r>
-                <a:rPr kumimoji="1" lang="en-US" altLang="zh-CN" sz="1050" b="1" dirty="0">
-                  <a:solidFill>
-                    <a:sysClr val="windowText" lastClr="000000"/>
-                  </a:solidFill>
-                </a:rPr>
-                <a:t>src2</a:t>
-              </a:r>
-              <a:r>
-                <a:rPr kumimoji="1" lang="zh-CN" altLang="en-US" sz="1050" b="1" dirty="0">
-                  <a:solidFill>
-                    <a:sysClr val="windowText" lastClr="000000"/>
-                  </a:solidFill>
-                </a:rPr>
-                <a:t> </a:t>
-              </a:r>
-              <a:r>
-                <a:rPr kumimoji="1" lang="en-US" altLang="zh-CN" sz="1050" dirty="0">
-                  <a:solidFill>
-                    <a:sysClr val="windowText" lastClr="000000"/>
-                  </a:solidFill>
-                </a:rPr>
-                <a:t>:</a:t>
-              </a:r>
-              <a:r>
-                <a:rPr kumimoji="1" lang="zh-CN" altLang="en-US" sz="1050" dirty="0">
-                  <a:solidFill>
-                    <a:sysClr val="windowText" lastClr="000000"/>
-                  </a:solidFill>
-                </a:rPr>
-                <a:t> </a:t>
-              </a:r>
-              <a:r>
                 <a:rPr kumimoji="1" lang="en-US" altLang="zh-CN" sz="1050" dirty="0">
                   <a:solidFill>
                     <a:sysClr val="windowText" lastClr="000000"/>
@@ -12079,38 +11635,6 @@
             <a:lstStyle/>
             <a:p>
               <a:pPr algn="ctr"/>
-              <a:r>
-                <a:rPr kumimoji="1" lang="en-US" altLang="zh-CN" sz="1050" b="1" dirty="0">
-                  <a:solidFill>
-                    <a:sysClr val="windowText" lastClr="000000"/>
-                  </a:solidFill>
-                </a:rPr>
-                <a:t>src3</a:t>
-              </a:r>
-              <a:r>
-                <a:rPr kumimoji="1" lang="zh-CN" altLang="en-US" sz="1050" b="1" dirty="0">
-                  <a:solidFill>
-                    <a:sysClr val="windowText" lastClr="000000"/>
-                  </a:solidFill>
-                </a:rPr>
-                <a:t> </a:t>
-              </a:r>
-              <a:r>
-                <a:rPr kumimoji="1" lang="en-US" altLang="zh-CN" sz="1050" dirty="0">
-                  <a:solidFill>
-                    <a:sysClr val="windowText" lastClr="000000"/>
-                  </a:solidFill>
-                </a:rPr>
-                <a:t>:</a:t>
-              </a:r>
-              <a:r>
-                <a:rPr kumimoji="1" lang="zh-CN" altLang="en-US" sz="1050" dirty="0">
-                  <a:solidFill>
-                    <a:sysClr val="windowText" lastClr="000000"/>
-                  </a:solidFill>
-                </a:rPr>
-                <a:t> </a:t>
-              </a:r>
               <a:r>
                 <a:rPr kumimoji="1" lang="en-US" altLang="zh-CN" sz="1050" dirty="0">
                   <a:solidFill>
@@ -13744,34 +13268,14 @@
           <a:p>
             <a:pPr algn="ctr"/>
             <a:r>
-              <a:rPr kumimoji="1" lang="en-US" altLang="zh-CN" sz="1100" b="1" dirty="0" err="1">
+              <a:rPr kumimoji="1" lang="en-US" altLang="zh-CN" sz="1100" dirty="0" err="1">
                 <a:solidFill>
                   <a:sysClr val="windowText" lastClr="000000"/>
                 </a:solidFill>
                 <a:latin typeface="等线" panose="02010600030101010101" pitchFamily="2" charset="-122"/>
                 <a:ea typeface="等线" panose="02010600030101010101" pitchFamily="2" charset="-122"/>
               </a:rPr>
-              <a:t>person</a:t>
-            </a:r>
-            <a:r>
-              <a:rPr kumimoji="1" lang="en-US" altLang="zh-CN" sz="1100" dirty="0" err="1">
-                <a:solidFill>
-                  <a:sysClr val="windowText" lastClr="000000"/>
-                </a:solidFill>
-                <a:latin typeface="等线" panose="02010600030101010101" pitchFamily="2" charset="-122"/>
-                <a:ea typeface="等线" panose="02010600030101010101" pitchFamily="2" charset="-122"/>
-              </a:rPr>
-              <a:t>.id</a:t>
-            </a:r>
-            <a:r>
-              <a:rPr kumimoji="1" lang="en-US" altLang="zh-CN" sz="1100" dirty="0">
-                <a:solidFill>
-                  <a:sysClr val="windowText" lastClr="000000"/>
-                </a:solidFill>
-                <a:latin typeface="等线" panose="02010600030101010101" pitchFamily="2" charset="-122"/>
-                <a:ea typeface="等线" panose="02010600030101010101" pitchFamily="2" charset="-122"/>
-              </a:rPr>
-              <a:t>:</a:t>
+              <a:t>id =</a:t>
             </a:r>
             <a:r>
               <a:rPr kumimoji="1" lang="zh-CN" altLang="en-US" sz="1100" dirty="0">
@@ -13876,7 +13380,7 @@
                   <a:sysClr val="windowText" lastClr="000000"/>
                 </a:solidFill>
               </a:rPr>
-              <a:t>person1</a:t>
+              <a:t>src</a:t>
             </a:r>
             <a:r>
               <a:rPr kumimoji="1" lang="en-US" altLang="zh-CN" sz="1100" dirty="0">
@@ -13953,34 +13457,14 @@
           <a:p>
             <a:pPr algn="ctr"/>
             <a:r>
-              <a:rPr kumimoji="1" lang="en-US" altLang="zh-CN" sz="1100" b="1" dirty="0" err="1">
+              <a:rPr kumimoji="1" lang="en-US" altLang="zh-CN" sz="1100" dirty="0" err="1">
                 <a:solidFill>
                   <a:sysClr val="windowText" lastClr="000000"/>
                 </a:solidFill>
                 <a:latin typeface="等线" panose="02010600030101010101" pitchFamily="2" charset="-122"/>
                 <a:ea typeface="等线" panose="02010600030101010101" pitchFamily="2" charset="-122"/>
               </a:rPr>
-              <a:t>person</a:t>
-            </a:r>
-            <a:r>
-              <a:rPr kumimoji="1" lang="en-US" altLang="zh-CN" sz="1100" dirty="0" err="1">
-                <a:solidFill>
-                  <a:sysClr val="windowText" lastClr="000000"/>
-                </a:solidFill>
-                <a:latin typeface="等线" panose="02010600030101010101" pitchFamily="2" charset="-122"/>
-                <a:ea typeface="等线" panose="02010600030101010101" pitchFamily="2" charset="-122"/>
-              </a:rPr>
-              <a:t>.id</a:t>
-            </a:r>
-            <a:r>
-              <a:rPr kumimoji="1" lang="en-US" altLang="zh-CN" sz="1100" dirty="0">
-                <a:solidFill>
-                  <a:sysClr val="windowText" lastClr="000000"/>
-                </a:solidFill>
-                <a:latin typeface="等线" panose="02010600030101010101" pitchFamily="2" charset="-122"/>
-                <a:ea typeface="等线" panose="02010600030101010101" pitchFamily="2" charset="-122"/>
-              </a:rPr>
-              <a:t>:</a:t>
+              <a:t>id =</a:t>
             </a:r>
             <a:r>
               <a:rPr kumimoji="1" lang="zh-CN" altLang="en-US" sz="1100" dirty="0">
@@ -14085,7 +13569,7 @@
                   <a:sysClr val="windowText" lastClr="000000"/>
                 </a:solidFill>
               </a:rPr>
-              <a:t>person2</a:t>
+              <a:t>dst</a:t>
             </a:r>
             <a:r>
               <a:rPr kumimoji="1" lang="en-US" altLang="zh-CN" sz="1100" dirty="0">
@@ -14172,7 +13656,7 @@
                   <a:sysClr val="windowText" lastClr="000000"/>
                 </a:solidFill>
               </a:rPr>
-              <a:t>person1:</a:t>
+              <a:t>src:</a:t>
             </a:r>
             <a:r>
               <a:rPr kumimoji="1" lang="zh-CN" altLang="en-US" sz="1100" b="1" dirty="0">
@@ -14248,7 +13732,7 @@
                 <a:latin typeface="等线" panose="02010600030101010101" pitchFamily="2" charset="-122"/>
                 <a:ea typeface="等线" panose="02010600030101010101" pitchFamily="2" charset="-122"/>
               </a:rPr>
-              <a:t>person.id</a:t>
+              <a:t>id</a:t>
             </a:r>
             <a:r>
               <a:rPr kumimoji="1" lang="zh-CN" altLang="en-US" sz="1100" dirty="0">
@@ -14516,7 +14000,7 @@
                   <a:sysClr val="windowText" lastClr="000000"/>
                 </a:solidFill>
               </a:rPr>
-              <a:t>person2:</a:t>
+              <a:t>dst:</a:t>
             </a:r>
             <a:r>
               <a:rPr kumimoji="1" lang="zh-CN" altLang="en-US" sz="1100" b="1" dirty="0">
@@ -14592,7 +14076,7 @@
                 <a:latin typeface="等线" panose="02010600030101010101" pitchFamily="2" charset="-122"/>
                 <a:ea typeface="等线" panose="02010600030101010101" pitchFamily="2" charset="-122"/>
               </a:rPr>
-              <a:t>person.id</a:t>
+              <a:t>id</a:t>
             </a:r>
             <a:r>
               <a:rPr kumimoji="1" lang="zh-CN" altLang="en-US" sz="1100" dirty="0">
@@ -15792,24 +15276,14 @@
           <a:p>
             <a:pPr algn="ctr"/>
             <a:r>
-              <a:rPr kumimoji="1" lang="en-US" altLang="zh-CN" sz="1200" b="1" dirty="0">
+              <a:rPr kumimoji="1" lang="en-US" altLang="zh-CN" sz="1200" dirty="0">
                 <a:solidFill>
                   <a:sysClr val="windowText" lastClr="000000"/>
                 </a:solidFill>
                 <a:latin typeface="等线" panose="02010600030101010101" pitchFamily="2" charset="-122"/>
                 <a:ea typeface="等线" panose="02010600030101010101" pitchFamily="2" charset="-122"/>
               </a:rPr>
-              <a:t>p1</a:t>
-            </a:r>
-            <a:r>
-              <a:rPr kumimoji="1" lang="en-US" altLang="zh-CN" sz="1200" dirty="0">
-                <a:solidFill>
-                  <a:sysClr val="windowText" lastClr="000000"/>
-                </a:solidFill>
-                <a:latin typeface="等线" panose="02010600030101010101" pitchFamily="2" charset="-122"/>
-                <a:ea typeface="等线" panose="02010600030101010101" pitchFamily="2" charset="-122"/>
-              </a:rPr>
-              <a:t>.id</a:t>
+              <a:t>id</a:t>
             </a:r>
             <a:r>
               <a:rPr kumimoji="1" lang="zh-CN" altLang="en-US" sz="1200" dirty="0">
@@ -16169,7 +15643,7 @@
                   <a:sysClr val="windowText" lastClr="000000"/>
                 </a:solidFill>
               </a:rPr>
-              <a:t>person1:</a:t>
+              <a:t>src:</a:t>
             </a:r>
             <a:r>
               <a:rPr kumimoji="1" lang="zh-CN" altLang="en-US" sz="1100" b="1" dirty="0">
@@ -16427,7 +15901,7 @@
                   <a:sysClr val="windowText" lastClr="000000"/>
                 </a:solidFill>
               </a:rPr>
-              <a:t>person2:</a:t>
+              <a:t>dst:</a:t>
             </a:r>
             <a:r>
               <a:rPr kumimoji="1" lang="zh-CN" altLang="en-US" sz="1100" b="1" dirty="0">
